--- a/Workshop-3_AI Advance Training_Group 80.pptx
+++ b/Workshop-3_AI Advance Training_Group 80.pptx
@@ -5,7 +5,7 @@
     <p:sldMasterId id="2147483666" r:id="rId1"/>
   </p:sldMasterIdLst>
   <p:notesMasterIdLst>
-    <p:notesMasterId r:id="rId17"/>
+    <p:notesMasterId r:id="rId19"/>
   </p:notesMasterIdLst>
   <p:sldIdLst>
     <p:sldId id="257" r:id="rId2"/>
@@ -23,6 +23,8 @@
     <p:sldId id="336" r:id="rId14"/>
     <p:sldId id="338" r:id="rId15"/>
     <p:sldId id="337" r:id="rId16"/>
+    <p:sldId id="342" r:id="rId17"/>
+    <p:sldId id="343" r:id="rId18"/>
   </p:sldIdLst>
   <p:sldSz cx="12192000" cy="6858000"/>
   <p:notesSz cx="6858000" cy="9144000"/>
@@ -1159,6 +1161,286 @@
 </p:notes>
 </file>
 
+<file path=ppt/notesSlides/notesSlide16.xml><?xml version="1.0" encoding="utf-8"?>
+<p:notes xmlns:a="http://schemas.openxmlformats.org/drawingml/2006/main" xmlns:r="http://schemas.openxmlformats.org/officeDocument/2006/relationships" xmlns:p="http://schemas.openxmlformats.org/presentationml/2006/main">
+  <p:cSld>
+    <p:spTree>
+      <p:nvGrpSpPr>
+        <p:cNvPr id="1" name=""/>
+        <p:cNvGrpSpPr/>
+        <p:nvPr/>
+      </p:nvGrpSpPr>
+      <p:grpSpPr>
+        <a:xfrm>
+          <a:off x="0" y="0"/>
+          <a:ext cx="0" cy="0"/>
+          <a:chOff x="0" y="0"/>
+          <a:chExt cx="0" cy="0"/>
+        </a:xfrm>
+      </p:grpSpPr>
+      <p:sp>
+        <p:nvSpPr>
+          <p:cNvPr id="2" name="Slide Image Placeholder 1"/>
+          <p:cNvSpPr>
+            <a:spLocks noGrp="1" noRot="1" noChangeAspect="1"/>
+          </p:cNvSpPr>
+          <p:nvPr>
+            <p:ph type="sldImg"/>
+          </p:nvPr>
+        </p:nvSpPr>
+        <p:spPr/>
+      </p:sp>
+      <p:sp>
+        <p:nvSpPr>
+          <p:cNvPr id="3" name="Notes Placeholder 2"/>
+          <p:cNvSpPr>
+            <a:spLocks noGrp="1"/>
+          </p:cNvSpPr>
+          <p:nvPr>
+            <p:ph type="body" idx="1"/>
+          </p:nvPr>
+        </p:nvSpPr>
+        <p:spPr/>
+        <p:txBody>
+          <a:bodyPr/>
+          <a:lstStyle/>
+          <a:p>
+            <a:pPr marL="0" marR="0" lvl="0" indent="0" algn="l" defTabSz="914400" rtl="0" eaLnBrk="1" fontAlgn="auto" latinLnBrk="0" hangingPunct="1">
+              <a:lnSpc>
+                <a:spcPct val="100000"/>
+              </a:lnSpc>
+              <a:spcBef>
+                <a:spcPts val="0"/>
+              </a:spcBef>
+              <a:spcAft>
+                <a:spcPts val="0"/>
+              </a:spcAft>
+              <a:buClrTx/>
+              <a:buSzTx/>
+              <a:buFontTx/>
+              <a:buNone/>
+              <a:tabLst/>
+              <a:defRPr/>
+            </a:pPr>
+            <a:r>
+              <a:rPr lang="en-US" sz="1200" kern="1200" dirty="0">
+                <a:solidFill>
+                  <a:schemeClr val="tx1"/>
+                </a:solidFill>
+                <a:effectLst/>
+                <a:latin typeface="+mn-lt"/>
+                <a:ea typeface="+mn-ea"/>
+                <a:cs typeface="+mn-cs"/>
+              </a:rPr>
+              <a:t>https://d2l.aivivn.com/chapter_natural-language-processing-pretraining/index_vn.html</a:t>
+            </a:r>
+          </a:p>
+          <a:p>
+            <a:r>
+              <a:rPr lang="en-US" sz="1200" kern="1200" dirty="0">
+                <a:solidFill>
+                  <a:schemeClr val="tx1"/>
+                </a:solidFill>
+                <a:effectLst/>
+                <a:latin typeface="+mn-lt"/>
+                <a:ea typeface="+mn-ea"/>
+                <a:cs typeface="+mn-cs"/>
+              </a:rPr>
+              <a:t>https://viblo.asia/p/so-luoc-word-embedding-gDVK2RAeKLj</a:t>
+            </a:r>
+          </a:p>
+          <a:p>
+            <a:r>
+              <a:rPr lang="en-US" sz="1200" kern="1200" dirty="0">
+                <a:solidFill>
+                  <a:schemeClr val="tx1"/>
+                </a:solidFill>
+                <a:effectLst/>
+                <a:latin typeface="+mn-lt"/>
+                <a:ea typeface="+mn-ea"/>
+                <a:cs typeface="+mn-cs"/>
+              </a:rPr>
+              <a:t>https://www.geeksforgeeks.org/word-embedding-techniques-in-nlp/</a:t>
+            </a:r>
+          </a:p>
+        </p:txBody>
+      </p:sp>
+      <p:sp>
+        <p:nvSpPr>
+          <p:cNvPr id="4" name="Slide Number Placeholder 3"/>
+          <p:cNvSpPr>
+            <a:spLocks noGrp="1"/>
+          </p:cNvSpPr>
+          <p:nvPr>
+            <p:ph type="sldNum" sz="quarter" idx="10"/>
+          </p:nvPr>
+        </p:nvSpPr>
+        <p:spPr/>
+        <p:txBody>
+          <a:bodyPr/>
+          <a:lstStyle/>
+          <a:p>
+            <a:fld id="{B850756A-E1CA-4E5E-8241-A897EE7CB764}" type="slidenum">
+              <a:rPr lang="en-US" smtClean="0"/>
+              <a:t>16</a:t>
+            </a:fld>
+            <a:endParaRPr lang="en-US"/>
+          </a:p>
+        </p:txBody>
+      </p:sp>
+    </p:spTree>
+    <p:extLst>
+      <p:ext uri="{BB962C8B-B14F-4D97-AF65-F5344CB8AC3E}">
+        <p14:creationId xmlns:p14="http://schemas.microsoft.com/office/powerpoint/2010/main" val="1328873860"/>
+      </p:ext>
+    </p:extLst>
+  </p:cSld>
+  <p:clrMapOvr>
+    <a:masterClrMapping/>
+  </p:clrMapOvr>
+</p:notes>
+</file>
+
+<file path=ppt/notesSlides/notesSlide17.xml><?xml version="1.0" encoding="utf-8"?>
+<p:notes xmlns:a="http://schemas.openxmlformats.org/drawingml/2006/main" xmlns:r="http://schemas.openxmlformats.org/officeDocument/2006/relationships" xmlns:p="http://schemas.openxmlformats.org/presentationml/2006/main">
+  <p:cSld>
+    <p:spTree>
+      <p:nvGrpSpPr>
+        <p:cNvPr id="1" name=""/>
+        <p:cNvGrpSpPr/>
+        <p:nvPr/>
+      </p:nvGrpSpPr>
+      <p:grpSpPr>
+        <a:xfrm>
+          <a:off x="0" y="0"/>
+          <a:ext cx="0" cy="0"/>
+          <a:chOff x="0" y="0"/>
+          <a:chExt cx="0" cy="0"/>
+        </a:xfrm>
+      </p:grpSpPr>
+      <p:sp>
+        <p:nvSpPr>
+          <p:cNvPr id="2" name="Slide Image Placeholder 1"/>
+          <p:cNvSpPr>
+            <a:spLocks noGrp="1" noRot="1" noChangeAspect="1"/>
+          </p:cNvSpPr>
+          <p:nvPr>
+            <p:ph type="sldImg"/>
+          </p:nvPr>
+        </p:nvSpPr>
+        <p:spPr/>
+      </p:sp>
+      <p:sp>
+        <p:nvSpPr>
+          <p:cNvPr id="3" name="Notes Placeholder 2"/>
+          <p:cNvSpPr>
+            <a:spLocks noGrp="1"/>
+          </p:cNvSpPr>
+          <p:nvPr>
+            <p:ph type="body" idx="1"/>
+          </p:nvPr>
+        </p:nvSpPr>
+        <p:spPr/>
+        <p:txBody>
+          <a:bodyPr/>
+          <a:lstStyle/>
+          <a:p>
+            <a:pPr marL="0" marR="0" lvl="0" indent="0" algn="l" defTabSz="914400" rtl="0" eaLnBrk="1" fontAlgn="auto" latinLnBrk="0" hangingPunct="1">
+              <a:lnSpc>
+                <a:spcPct val="100000"/>
+              </a:lnSpc>
+              <a:spcBef>
+                <a:spcPts val="0"/>
+              </a:spcBef>
+              <a:spcAft>
+                <a:spcPts val="0"/>
+              </a:spcAft>
+              <a:buClrTx/>
+              <a:buSzTx/>
+              <a:buFontTx/>
+              <a:buNone/>
+              <a:tabLst/>
+              <a:defRPr/>
+            </a:pPr>
+            <a:r>
+              <a:rPr lang="en-US" sz="1200" kern="1200" dirty="0">
+                <a:solidFill>
+                  <a:schemeClr val="tx1"/>
+                </a:solidFill>
+                <a:effectLst/>
+                <a:latin typeface="+mn-lt"/>
+                <a:ea typeface="+mn-ea"/>
+                <a:cs typeface="+mn-cs"/>
+              </a:rPr>
+              <a:t>https://d2l.aivivn.com/chapter_natural-language-processing-pretraining/index_vn.html</a:t>
+            </a:r>
+          </a:p>
+          <a:p>
+            <a:r>
+              <a:rPr lang="en-US" sz="1200" kern="1200" dirty="0">
+                <a:solidFill>
+                  <a:schemeClr val="tx1"/>
+                </a:solidFill>
+                <a:effectLst/>
+                <a:latin typeface="+mn-lt"/>
+                <a:ea typeface="+mn-ea"/>
+                <a:cs typeface="+mn-cs"/>
+              </a:rPr>
+              <a:t>https://viblo.asia/p/so-luoc-word-embedding-gDVK2RAeKLj</a:t>
+            </a:r>
+          </a:p>
+          <a:p>
+            <a:r>
+              <a:rPr lang="en-US" sz="1200" kern="1200" dirty="0">
+                <a:solidFill>
+                  <a:schemeClr val="tx1"/>
+                </a:solidFill>
+                <a:effectLst/>
+                <a:latin typeface="+mn-lt"/>
+                <a:ea typeface="+mn-ea"/>
+                <a:cs typeface="+mn-cs"/>
+              </a:rPr>
+              <a:t>https://www.geeksforgeeks.org/word-embedding-techniques-in-nlp/</a:t>
+            </a:r>
+          </a:p>
+        </p:txBody>
+      </p:sp>
+      <p:sp>
+        <p:nvSpPr>
+          <p:cNvPr id="4" name="Slide Number Placeholder 3"/>
+          <p:cNvSpPr>
+            <a:spLocks noGrp="1"/>
+          </p:cNvSpPr>
+          <p:nvPr>
+            <p:ph type="sldNum" sz="quarter" idx="10"/>
+          </p:nvPr>
+        </p:nvSpPr>
+        <p:spPr/>
+        <p:txBody>
+          <a:bodyPr/>
+          <a:lstStyle/>
+          <a:p>
+            <a:fld id="{B850756A-E1CA-4E5E-8241-A897EE7CB764}" type="slidenum">
+              <a:rPr lang="en-US" smtClean="0"/>
+              <a:t>17</a:t>
+            </a:fld>
+            <a:endParaRPr lang="en-US"/>
+          </a:p>
+        </p:txBody>
+      </p:sp>
+    </p:spTree>
+    <p:extLst>
+      <p:ext uri="{BB962C8B-B14F-4D97-AF65-F5344CB8AC3E}">
+        <p14:creationId xmlns:p14="http://schemas.microsoft.com/office/powerpoint/2010/main" val="3300722882"/>
+      </p:ext>
+    </p:extLst>
+  </p:cSld>
+  <p:clrMapOvr>
+    <a:masterClrMapping/>
+  </p:clrMapOvr>
+</p:notes>
+</file>
+
 <file path=ppt/notesSlides/notesSlide2.xml><?xml version="1.0" encoding="utf-8"?>
 <p:notes xmlns:a="http://schemas.openxmlformats.org/drawingml/2006/main" xmlns:r="http://schemas.openxmlformats.org/officeDocument/2006/relationships" xmlns:p="http://schemas.openxmlformats.org/presentationml/2006/main">
   <p:cSld>
@@ -1571,15 +1853,32 @@
           <a:bodyPr/>
           <a:lstStyle/>
           <a:p>
-            <a:endParaRPr lang="en-US" sz="1200" kern="1200" dirty="0">
-              <a:solidFill>
-                <a:schemeClr val="tx1"/>
-              </a:solidFill>
-              <a:effectLst/>
-              <a:latin typeface="+mn-lt"/>
-              <a:ea typeface="+mn-ea"/>
-              <a:cs typeface="+mn-cs"/>
-            </a:endParaRPr>
+            <a:r>
+              <a:rPr lang="en-US" sz="1200" kern="1200" dirty="0">
+                <a:solidFill>
+                  <a:schemeClr val="tx1"/>
+                </a:solidFill>
+                <a:effectLst/>
+                <a:latin typeface="+mn-lt"/>
+                <a:ea typeface="+mn-ea"/>
+                <a:cs typeface="+mn-cs"/>
+              </a:rPr>
+              <a:t>https://d2l.aivivn.com/chapter_natural-language-processing-pretraining/index_vn.html</a:t>
+            </a:r>
+          </a:p>
+          <a:p>
+            <a:r>
+              <a:rPr lang="en-US" sz="1200" kern="1200" dirty="0">
+                <a:solidFill>
+                  <a:schemeClr val="tx1"/>
+                </a:solidFill>
+                <a:effectLst/>
+                <a:latin typeface="+mn-lt"/>
+                <a:ea typeface="+mn-ea"/>
+                <a:cs typeface="+mn-cs"/>
+              </a:rPr>
+              <a:t>https://viblo.asia/p/so-luoc-word-embedding-gDVK2RAeKLj</a:t>
+            </a:r>
           </a:p>
         </p:txBody>
       </p:sp>
@@ -7807,6 +8106,429 @@
 </p:sld>
 </file>
 
+<file path=ppt/slides/slide16.xml><?xml version="1.0" encoding="utf-8"?>
+<p:sld xmlns:a="http://schemas.openxmlformats.org/drawingml/2006/main" xmlns:r="http://schemas.openxmlformats.org/officeDocument/2006/relationships" xmlns:p="http://schemas.openxmlformats.org/presentationml/2006/main">
+  <p:cSld>
+    <p:spTree>
+      <p:nvGrpSpPr>
+        <p:cNvPr id="1" name=""/>
+        <p:cNvGrpSpPr/>
+        <p:nvPr/>
+      </p:nvGrpSpPr>
+      <p:grpSpPr>
+        <a:xfrm>
+          <a:off x="0" y="0"/>
+          <a:ext cx="0" cy="0"/>
+          <a:chOff x="0" y="0"/>
+          <a:chExt cx="0" cy="0"/>
+        </a:xfrm>
+      </p:grpSpPr>
+      <p:sp>
+        <p:nvSpPr>
+          <p:cNvPr id="4" name="Title 3"/>
+          <p:cNvSpPr>
+            <a:spLocks noGrp="1"/>
+          </p:cNvSpPr>
+          <p:nvPr>
+            <p:ph type="title"/>
+          </p:nvPr>
+        </p:nvSpPr>
+        <p:spPr>
+          <a:xfrm>
+            <a:off x="466579" y="240325"/>
+            <a:ext cx="11714536" cy="441082"/>
+          </a:xfrm>
+        </p:spPr>
+        <p:txBody>
+          <a:bodyPr/>
+          <a:lstStyle/>
+          <a:p>
+            <a:r>
+              <a:rPr lang="vi-VN" sz="3200" dirty="0">
+                <a:latin typeface="Calibri" panose="020F0502020204030204" pitchFamily="34" charset="0"/>
+                <a:cs typeface="Calibri" panose="020F0502020204030204" pitchFamily="34" charset="0"/>
+              </a:rPr>
+              <a:t>SƠ LƯỢC WORD EMBEDDING</a:t>
+            </a:r>
+            <a:endParaRPr lang="en-US" sz="3200" dirty="0">
+              <a:latin typeface="Calibri" panose="020F0502020204030204" pitchFamily="34" charset="0"/>
+              <a:cs typeface="Calibri" panose="020F0502020204030204" pitchFamily="34" charset="0"/>
+            </a:endParaRPr>
+          </a:p>
+        </p:txBody>
+      </p:sp>
+      <p:sp>
+        <p:nvSpPr>
+          <p:cNvPr id="5" name="Content Placeholder 2"/>
+          <p:cNvSpPr>
+            <a:spLocks noGrp="1"/>
+          </p:cNvSpPr>
+          <p:nvPr>
+            <p:ph idx="1"/>
+          </p:nvPr>
+        </p:nvSpPr>
+        <p:spPr>
+          <a:xfrm>
+            <a:off x="477464" y="1044421"/>
+            <a:ext cx="11714536" cy="5813579"/>
+          </a:xfrm>
+        </p:spPr>
+        <p:txBody>
+          <a:bodyPr/>
+          <a:lstStyle/>
+          <a:p>
+            <a:pPr>
+              <a:buFont typeface="Wingdings" panose="05000000000000000000" pitchFamily="2" charset="2"/>
+              <a:buChar char="v"/>
+            </a:pPr>
+            <a:r>
+              <a:rPr lang="vi-VN" sz="1800" i="0" dirty="0">
+                <a:solidFill>
+                  <a:srgbClr val="282829"/>
+                </a:solidFill>
+                <a:effectLst/>
+                <a:latin typeface="Calibri" panose="020F0502020204030204" pitchFamily="34" charset="0"/>
+                <a:cs typeface="Calibri" panose="020F0502020204030204" pitchFamily="34" charset="0"/>
+              </a:rPr>
+              <a:t>1. Khái niệm</a:t>
+            </a:r>
+            <a:r>
+              <a:rPr lang="en-US" sz="1800" i="0" dirty="0">
+                <a:solidFill>
+                  <a:srgbClr val="282829"/>
+                </a:solidFill>
+                <a:effectLst/>
+                <a:latin typeface="Calibri" panose="020F0502020204030204" pitchFamily="34" charset="0"/>
+                <a:cs typeface="Calibri" panose="020F0502020204030204" pitchFamily="34" charset="0"/>
+              </a:rPr>
+              <a:t>: </a:t>
+            </a:r>
+            <a:r>
+              <a:rPr lang="vi-VN" sz="1800" i="0" dirty="0">
+                <a:solidFill>
+                  <a:srgbClr val="282829"/>
+                </a:solidFill>
+                <a:effectLst/>
+                <a:latin typeface="Calibri" panose="020F0502020204030204" pitchFamily="34" charset="0"/>
+                <a:cs typeface="Calibri" panose="020F0502020204030204" pitchFamily="34" charset="0"/>
+              </a:rPr>
+              <a:t>Word Embedding là tên gọi chung của các mô hình ngôn ngữ và các phương pháp học theo đặc trưng trong Xử lý ngôn ngữ tự nhiên(NLP), ở đó các từ hoặc cụm từ được ánh xạ sang các vector số (thường là số thực). Đây là một công cụ đóng vai trò quan trọng đối với hầu hết các thuật toán, kiến trúc Machine Learning, Deep Learning trong việc xử lý Input ở dạng text, do chúng chỉ có thể hiểu được Input ở dạng là số, từ đó mới thực hiện các công việc phân loại, hồi quy,vv…</a:t>
+            </a:r>
+            <a:r>
+              <a:rPr lang="en-US" sz="1800" i="0" dirty="0">
+                <a:solidFill>
+                  <a:srgbClr val="282829"/>
+                </a:solidFill>
+                <a:effectLst/>
+                <a:latin typeface="Calibri" panose="020F0502020204030204" pitchFamily="34" charset="0"/>
+                <a:cs typeface="Calibri" panose="020F0502020204030204" pitchFamily="34" charset="0"/>
+              </a:rPr>
+              <a:t>.</a:t>
+            </a:r>
+          </a:p>
+          <a:p>
+            <a:pPr>
+              <a:buFont typeface="Wingdings" panose="05000000000000000000" pitchFamily="2" charset="2"/>
+              <a:buChar char="v"/>
+            </a:pPr>
+            <a:r>
+              <a:rPr lang="vi-VN" sz="1800" dirty="0">
+                <a:solidFill>
+                  <a:srgbClr val="282829"/>
+                </a:solidFill>
+                <a:latin typeface="Calibri" panose="020F0502020204030204" pitchFamily="34" charset="0"/>
+                <a:cs typeface="Calibri" panose="020F0502020204030204" pitchFamily="34" charset="0"/>
+              </a:rPr>
+              <a:t>2. Các loại Word Embedding</a:t>
+            </a:r>
+          </a:p>
+          <a:p>
+            <a:pPr lvl="1">
+              <a:buFont typeface="Wingdings" panose="05000000000000000000" pitchFamily="2" charset="2"/>
+              <a:buChar char="ü"/>
+            </a:pPr>
+            <a:r>
+              <a:rPr lang="vi-VN" sz="1800" dirty="0">
+                <a:solidFill>
+                  <a:srgbClr val="282829"/>
+                </a:solidFill>
+                <a:latin typeface="Calibri" panose="020F0502020204030204" pitchFamily="34" charset="0"/>
+                <a:cs typeface="Calibri" panose="020F0502020204030204" pitchFamily="34" charset="0"/>
+              </a:rPr>
+              <a:t>Word Embedding được phân chủ yếu thành 2 loại:</a:t>
+            </a:r>
+          </a:p>
+          <a:p>
+            <a:pPr lvl="2">
+              <a:buFont typeface="Arial" panose="020B0604020202020204" pitchFamily="34" charset="0"/>
+              <a:buChar char="•"/>
+            </a:pPr>
+            <a:r>
+              <a:rPr lang="vi-VN" dirty="0">
+                <a:solidFill>
+                  <a:srgbClr val="282829"/>
+                </a:solidFill>
+                <a:latin typeface="Calibri" panose="020F0502020204030204" pitchFamily="34" charset="0"/>
+                <a:cs typeface="Calibri" panose="020F0502020204030204" pitchFamily="34" charset="0"/>
+              </a:rPr>
+              <a:t>Frequency-based embedding</a:t>
+            </a:r>
+            <a:r>
+              <a:rPr lang="en-US" dirty="0">
+                <a:solidFill>
+                  <a:srgbClr val="282829"/>
+                </a:solidFill>
+                <a:latin typeface="Calibri" panose="020F0502020204030204" pitchFamily="34" charset="0"/>
+                <a:cs typeface="Calibri" panose="020F0502020204030204" pitchFamily="34" charset="0"/>
+              </a:rPr>
+              <a:t>: Count Vector, TF-IDF Vector, Co-occurrence Matrix, </a:t>
+            </a:r>
+            <a:r>
+              <a:rPr lang="en-US" dirty="0" err="1">
+                <a:solidFill>
+                  <a:schemeClr val="tx1"/>
+                </a:solidFill>
+                <a:latin typeface="Calibri" panose="020F0502020204030204" pitchFamily="34" charset="0"/>
+                <a:cs typeface="Calibri" panose="020F0502020204030204" pitchFamily="34" charset="0"/>
+              </a:rPr>
+              <a:t>GloVe</a:t>
+            </a:r>
+            <a:r>
+              <a:rPr lang="en-US" dirty="0">
+                <a:solidFill>
+                  <a:srgbClr val="00B050"/>
+                </a:solidFill>
+                <a:latin typeface="Calibri" panose="020F0502020204030204" pitchFamily="34" charset="0"/>
+                <a:cs typeface="Calibri" panose="020F0502020204030204" pitchFamily="34" charset="0"/>
+              </a:rPr>
+              <a:t> </a:t>
+            </a:r>
+            <a:r>
+              <a:rPr lang="en-US" dirty="0">
+                <a:solidFill>
+                  <a:schemeClr val="tx1"/>
+                </a:solidFill>
+                <a:latin typeface="Calibri" panose="020F0502020204030204" pitchFamily="34" charset="0"/>
+                <a:cs typeface="Calibri" panose="020F0502020204030204" pitchFamily="34" charset="0"/>
+              </a:rPr>
+              <a:t>(Global Vector)</a:t>
+            </a:r>
+            <a:endParaRPr lang="vi-VN" dirty="0">
+              <a:solidFill>
+                <a:schemeClr val="tx1"/>
+              </a:solidFill>
+              <a:latin typeface="Calibri" panose="020F0502020204030204" pitchFamily="34" charset="0"/>
+              <a:cs typeface="Calibri" panose="020F0502020204030204" pitchFamily="34" charset="0"/>
+            </a:endParaRPr>
+          </a:p>
+          <a:p>
+            <a:pPr lvl="2">
+              <a:buFont typeface="Arial" panose="020B0604020202020204" pitchFamily="34" charset="0"/>
+              <a:buChar char="•"/>
+            </a:pPr>
+            <a:r>
+              <a:rPr lang="vi-VN" dirty="0">
+                <a:solidFill>
+                  <a:srgbClr val="282829"/>
+                </a:solidFill>
+                <a:latin typeface="Calibri" panose="020F0502020204030204" pitchFamily="34" charset="0"/>
+                <a:cs typeface="Calibri" panose="020F0502020204030204" pitchFamily="34" charset="0"/>
+              </a:rPr>
+              <a:t>Prediction-based embedding</a:t>
+            </a:r>
+            <a:r>
+              <a:rPr lang="en-US" dirty="0">
+                <a:solidFill>
+                  <a:srgbClr val="282829"/>
+                </a:solidFill>
+                <a:latin typeface="Calibri" panose="020F0502020204030204" pitchFamily="34" charset="0"/>
+                <a:cs typeface="Calibri" panose="020F0502020204030204" pitchFamily="34" charset="0"/>
+              </a:rPr>
+              <a:t>: Word2vec (CBOW, Skip-gram), </a:t>
+            </a:r>
+            <a:r>
+              <a:rPr lang="en-US" dirty="0" err="1">
+                <a:solidFill>
+                  <a:srgbClr val="282829"/>
+                </a:solidFill>
+                <a:latin typeface="Calibri" panose="020F0502020204030204" pitchFamily="34" charset="0"/>
+                <a:cs typeface="Calibri" panose="020F0502020204030204" pitchFamily="34" charset="0"/>
+              </a:rPr>
+              <a:t>GloVe</a:t>
+            </a:r>
+            <a:r>
+              <a:rPr lang="en-US" dirty="0">
+                <a:solidFill>
+                  <a:srgbClr val="282829"/>
+                </a:solidFill>
+                <a:latin typeface="Calibri" panose="020F0502020204030204" pitchFamily="34" charset="0"/>
+                <a:cs typeface="Calibri" panose="020F0502020204030204" pitchFamily="34" charset="0"/>
+              </a:rPr>
+              <a:t>, </a:t>
+            </a:r>
+            <a:r>
+              <a:rPr lang="en-US" dirty="0" err="1">
+                <a:solidFill>
+                  <a:srgbClr val="282829"/>
+                </a:solidFill>
+                <a:latin typeface="Calibri" panose="020F0502020204030204" pitchFamily="34" charset="0"/>
+                <a:cs typeface="Calibri" panose="020F0502020204030204" pitchFamily="34" charset="0"/>
+              </a:rPr>
+              <a:t>FastText</a:t>
+            </a:r>
+            <a:endParaRPr lang="en-US" dirty="0">
+              <a:solidFill>
+                <a:srgbClr val="282829"/>
+              </a:solidFill>
+              <a:latin typeface="Calibri" panose="020F0502020204030204" pitchFamily="34" charset="0"/>
+              <a:cs typeface="Calibri" panose="020F0502020204030204" pitchFamily="34" charset="0"/>
+            </a:endParaRPr>
+          </a:p>
+        </p:txBody>
+      </p:sp>
+    </p:spTree>
+    <p:extLst>
+      <p:ext uri="{BB962C8B-B14F-4D97-AF65-F5344CB8AC3E}">
+        <p14:creationId xmlns:p14="http://schemas.microsoft.com/office/powerpoint/2010/main" val="3292763428"/>
+      </p:ext>
+    </p:extLst>
+  </p:cSld>
+  <p:clrMapOvr>
+    <a:masterClrMapping/>
+  </p:clrMapOvr>
+</p:sld>
+</file>
+
+<file path=ppt/slides/slide17.xml><?xml version="1.0" encoding="utf-8"?>
+<p:sld xmlns:a="http://schemas.openxmlformats.org/drawingml/2006/main" xmlns:r="http://schemas.openxmlformats.org/officeDocument/2006/relationships" xmlns:p="http://schemas.openxmlformats.org/presentationml/2006/main">
+  <p:cSld>
+    <p:spTree>
+      <p:nvGrpSpPr>
+        <p:cNvPr id="1" name=""/>
+        <p:cNvGrpSpPr/>
+        <p:nvPr/>
+      </p:nvGrpSpPr>
+      <p:grpSpPr>
+        <a:xfrm>
+          <a:off x="0" y="0"/>
+          <a:ext cx="0" cy="0"/>
+          <a:chOff x="0" y="0"/>
+          <a:chExt cx="0" cy="0"/>
+        </a:xfrm>
+      </p:grpSpPr>
+      <p:sp>
+        <p:nvSpPr>
+          <p:cNvPr id="4" name="Title 3"/>
+          <p:cNvSpPr>
+            <a:spLocks noGrp="1"/>
+          </p:cNvSpPr>
+          <p:nvPr>
+            <p:ph type="title"/>
+          </p:nvPr>
+        </p:nvSpPr>
+        <p:spPr>
+          <a:xfrm>
+            <a:off x="466579" y="240325"/>
+            <a:ext cx="11714536" cy="441082"/>
+          </a:xfrm>
+        </p:spPr>
+        <p:txBody>
+          <a:bodyPr/>
+          <a:lstStyle/>
+          <a:p>
+            <a:r>
+              <a:rPr lang="vi-VN" sz="3200" dirty="0">
+                <a:latin typeface="Calibri" panose="020F0502020204030204" pitchFamily="34" charset="0"/>
+                <a:cs typeface="Calibri" panose="020F0502020204030204" pitchFamily="34" charset="0"/>
+              </a:rPr>
+              <a:t>SƠ LƯỢC WORD EMBEDDING</a:t>
+            </a:r>
+            <a:endParaRPr lang="en-US" sz="3200" dirty="0">
+              <a:latin typeface="Calibri" panose="020F0502020204030204" pitchFamily="34" charset="0"/>
+              <a:cs typeface="Calibri" panose="020F0502020204030204" pitchFamily="34" charset="0"/>
+            </a:endParaRPr>
+          </a:p>
+        </p:txBody>
+      </p:sp>
+      <p:sp>
+        <p:nvSpPr>
+          <p:cNvPr id="5" name="Content Placeholder 2"/>
+          <p:cNvSpPr>
+            <a:spLocks noGrp="1"/>
+          </p:cNvSpPr>
+          <p:nvPr>
+            <p:ph idx="1"/>
+          </p:nvPr>
+        </p:nvSpPr>
+        <p:spPr>
+          <a:xfrm>
+            <a:off x="477464" y="1044421"/>
+            <a:ext cx="11714536" cy="5813579"/>
+          </a:xfrm>
+        </p:spPr>
+        <p:txBody>
+          <a:bodyPr/>
+          <a:lstStyle/>
+          <a:p>
+            <a:pPr marL="171450" indent="0">
+              <a:buNone/>
+            </a:pPr>
+            <a:r>
+              <a:rPr lang="en-US" dirty="0">
+                <a:solidFill>
+                  <a:srgbClr val="282829"/>
+                </a:solidFill>
+                <a:latin typeface="Calibri" panose="020F0502020204030204" pitchFamily="34" charset="0"/>
+                <a:cs typeface="Calibri" panose="020F0502020204030204" pitchFamily="34" charset="0"/>
+              </a:rPr>
+              <a:t>Word2vec</a:t>
+            </a:r>
+          </a:p>
+        </p:txBody>
+      </p:sp>
+      <p:pic>
+        <p:nvPicPr>
+          <p:cNvPr id="3" name="Picture 2">
+            <a:extLst>
+              <a:ext uri="{FF2B5EF4-FFF2-40B4-BE49-F238E27FC236}">
+                <a16:creationId xmlns:a16="http://schemas.microsoft.com/office/drawing/2014/main" id="{2739F4F8-6247-4002-A469-B73C5DC6A054}"/>
+              </a:ext>
+            </a:extLst>
+          </p:cNvPr>
+          <p:cNvPicPr>
+            <a:picLocks noChangeAspect="1"/>
+          </p:cNvPicPr>
+          <p:nvPr/>
+        </p:nvPicPr>
+        <p:blipFill>
+          <a:blip r:embed="rId3"/>
+          <a:stretch>
+            <a:fillRect/>
+          </a:stretch>
+        </p:blipFill>
+        <p:spPr>
+          <a:xfrm>
+            <a:off x="2421924" y="1044421"/>
+            <a:ext cx="8582018" cy="5109244"/>
+          </a:xfrm>
+          <a:prstGeom prst="rect">
+            <a:avLst/>
+          </a:prstGeom>
+        </p:spPr>
+      </p:pic>
+    </p:spTree>
+    <p:extLst>
+      <p:ext uri="{BB962C8B-B14F-4D97-AF65-F5344CB8AC3E}">
+        <p14:creationId xmlns:p14="http://schemas.microsoft.com/office/powerpoint/2010/main" val="1421130138"/>
+      </p:ext>
+    </p:extLst>
+  </p:cSld>
+  <p:clrMapOvr>
+    <a:masterClrMapping/>
+  </p:clrMapOvr>
+</p:sld>
+</file>
+
 <file path=ppt/slides/slide2.xml><?xml version="1.0" encoding="utf-8"?>
 <p:sld xmlns:a="http://schemas.openxmlformats.org/drawingml/2006/main" xmlns:r="http://schemas.openxmlformats.org/officeDocument/2006/relationships" xmlns:p="http://schemas.openxmlformats.org/presentationml/2006/main">
   <p:cSld>
@@ -7837,7 +8559,7 @@
         <p:spPr>
           <a:xfrm>
             <a:off x="1074279" y="1044421"/>
-            <a:ext cx="5018513" cy="4037718"/>
+            <a:ext cx="9972662" cy="5171028"/>
           </a:xfrm>
         </p:spPr>
         <p:txBody>
@@ -7906,7 +8628,7 @@
                 <a:latin typeface="Calibri" panose="020F0502020204030204" pitchFamily="34" charset="0"/>
                 <a:cs typeface="Calibri" panose="020F0502020204030204" pitchFamily="34" charset="0"/>
               </a:rPr>
-              <a:t>4. Feature Extraction</a:t>
+              <a:t>4. Word Embedding</a:t>
             </a:r>
           </a:p>
           <a:p>
@@ -8633,7 +9355,7 @@
                 <a:latin typeface="Calibri" panose="020F0502020204030204" pitchFamily="34" charset="0"/>
                 <a:cs typeface="Calibri" panose="020F0502020204030204" pitchFamily="34" charset="0"/>
               </a:rPr>
-              <a:t>4. Feature Extraction</a:t>
+              <a:t>4. Word Embedding</a:t>
             </a:r>
           </a:p>
         </p:txBody>
@@ -8748,7 +9470,21 @@
                 <a:latin typeface="Calibri" panose="020F0502020204030204" pitchFamily="34" charset="0"/>
                 <a:cs typeface="Calibri" panose="020F0502020204030204" pitchFamily="34" charset="0"/>
               </a:rPr>
-              <a:t>, or train your own</a:t>
+              <a:t>, </a:t>
+            </a:r>
+            <a:r>
+              <a:rPr lang="en-US" dirty="0" err="1">
+                <a:latin typeface="Calibri" panose="020F0502020204030204" pitchFamily="34" charset="0"/>
+                <a:cs typeface="Calibri" panose="020F0502020204030204" pitchFamily="34" charset="0"/>
+              </a:rPr>
+              <a:t>FastText</a:t>
+            </a:r>
+            <a:r>
+              <a:rPr lang="en-US" dirty="0">
+                <a:latin typeface="Calibri" panose="020F0502020204030204" pitchFamily="34" charset="0"/>
+                <a:cs typeface="Calibri" panose="020F0502020204030204" pitchFamily="34" charset="0"/>
+              </a:rPr>
+              <a:t> or train your own</a:t>
             </a:r>
             <a:endParaRPr lang="en-US" sz="3200" b="1" dirty="0">
               <a:latin typeface="Calibri" panose="020F0502020204030204" pitchFamily="34" charset="0"/>

--- a/Workshop-3_AI Advance Training_Group 80.pptx
+++ b/Workshop-3_AI Advance Training_Group 80.pptx
@@ -8031,20 +8031,29 @@
                 <a:effectLst/>
                 <a:latin typeface="+mn-lt"/>
               </a:rPr>
-              <a:t>Your idea is fine, but </a:t>
-            </a:r>
-            <a:r>
-              <a:rPr lang="en-US" sz="2400" b="0" i="1" dirty="0" err="1">
+              <a:t>Your idea is fine, </a:t>
+            </a:r>
+            <a:r>
+              <a:rPr lang="en-US" sz="2400" b="0" i="1">
                 <a:solidFill>
                   <a:srgbClr val="282829"/>
                 </a:solidFill>
                 <a:effectLst/>
                 <a:latin typeface="+mn-lt"/>
               </a:rPr>
-              <a:t>i</a:t>
-            </a:r>
-            <a:r>
-              <a:rPr lang="en-US" sz="2400" b="0" i="1" dirty="0">
+              <a:t>but </a:t>
+            </a:r>
+            <a:r>
+              <a:rPr lang="en-US" i="1" dirty="0">
+                <a:solidFill>
+                  <a:srgbClr val="282829"/>
+                </a:solidFill>
+                <a:latin typeface="+mn-lt"/>
+              </a:rPr>
+              <a:t>I</a:t>
+            </a:r>
+            <a:r>
+              <a:rPr lang="en-US" sz="2400" b="0" i="1">
                 <a:solidFill>
                   <a:srgbClr val="282829"/>
                 </a:solidFill>
@@ -8054,24 +8063,14 @@
               <a:t> </a:t>
             </a:r>
             <a:r>
-              <a:rPr lang="en-US" sz="2400" b="0" i="1" dirty="0" err="1">
+              <a:rPr lang="en-US" sz="2400" b="0" i="1" dirty="0">
                 <a:solidFill>
                   <a:srgbClr val="282829"/>
                 </a:solidFill>
                 <a:effectLst/>
                 <a:latin typeface="+mn-lt"/>
               </a:rPr>
-              <a:t>dont</a:t>
-            </a:r>
-            <a:r>
-              <a:rPr lang="en-US" sz="2400" b="0" i="1" dirty="0">
-                <a:solidFill>
-                  <a:srgbClr val="282829"/>
-                </a:solidFill>
-                <a:effectLst/>
-                <a:latin typeface="+mn-lt"/>
-              </a:rPr>
-              <a:t> feel it is going to create any positive intact.</a:t>
+              <a:t>don’t feel it is going to create any positive intact.</a:t>
             </a:r>
             <a:r>
               <a:rPr lang="en-US" sz="2400" b="0" i="0" dirty="0">

--- a/Workshop-3_AI Advance Training_Group 80.pptx
+++ b/Workshop-3_AI Advance Training_Group 80.pptx
@@ -5,7 +5,7 @@
     <p:sldMasterId id="2147483666" r:id="rId1"/>
   </p:sldMasterIdLst>
   <p:notesMasterIdLst>
-    <p:notesMasterId r:id="rId19"/>
+    <p:notesMasterId r:id="rId32"/>
   </p:notesMasterIdLst>
   <p:sldIdLst>
     <p:sldId id="257" r:id="rId2"/>
@@ -13,18 +13,31 @@
     <p:sldId id="299" r:id="rId4"/>
     <p:sldId id="332" r:id="rId5"/>
     <p:sldId id="333" r:id="rId6"/>
-    <p:sldId id="334" r:id="rId7"/>
-    <p:sldId id="335" r:id="rId8"/>
-    <p:sldId id="339" r:id="rId9"/>
-    <p:sldId id="340" r:id="rId10"/>
-    <p:sldId id="341" r:id="rId11"/>
-    <p:sldId id="330" r:id="rId12"/>
-    <p:sldId id="287" r:id="rId13"/>
-    <p:sldId id="336" r:id="rId14"/>
-    <p:sldId id="338" r:id="rId15"/>
-    <p:sldId id="337" r:id="rId16"/>
-    <p:sldId id="342" r:id="rId17"/>
-    <p:sldId id="343" r:id="rId18"/>
+    <p:sldId id="344" r:id="rId7"/>
+    <p:sldId id="345" r:id="rId8"/>
+    <p:sldId id="346" r:id="rId9"/>
+    <p:sldId id="347" r:id="rId10"/>
+    <p:sldId id="349" r:id="rId11"/>
+    <p:sldId id="348" r:id="rId12"/>
+    <p:sldId id="353" r:id="rId13"/>
+    <p:sldId id="354" r:id="rId14"/>
+    <p:sldId id="334" r:id="rId15"/>
+    <p:sldId id="355" r:id="rId16"/>
+    <p:sldId id="356" r:id="rId17"/>
+    <p:sldId id="335" r:id="rId18"/>
+    <p:sldId id="339" r:id="rId19"/>
+    <p:sldId id="340" r:id="rId20"/>
+    <p:sldId id="341" r:id="rId21"/>
+    <p:sldId id="330" r:id="rId22"/>
+    <p:sldId id="287" r:id="rId23"/>
+    <p:sldId id="350" r:id="rId24"/>
+    <p:sldId id="336" r:id="rId25"/>
+    <p:sldId id="352" r:id="rId26"/>
+    <p:sldId id="351" r:id="rId27"/>
+    <p:sldId id="337" r:id="rId28"/>
+    <p:sldId id="338" r:id="rId29"/>
+    <p:sldId id="342" r:id="rId30"/>
+    <p:sldId id="343" r:id="rId31"/>
   </p:sldIdLst>
   <p:sldSz cx="12192000" cy="6858000"/>
   <p:notesSz cx="6858000" cy="9144000"/>
@@ -266,7 +279,7 @@
           <a:p>
             <a:fld id="{196123A9-CE3C-4C8B-8AC9-81BA8A358B74}" type="datetimeFigureOut">
               <a:rPr lang="en-US" smtClean="0"/>
-              <a:t>6/25/2024</a:t>
+              <a:t>6/26/2024</a:t>
             </a:fld>
             <a:endParaRPr lang="en-US"/>
           </a:p>
@@ -699,7 +712,7 @@
     </p:spTree>
     <p:extLst>
       <p:ext uri="{BB962C8B-B14F-4D97-AF65-F5344CB8AC3E}">
-        <p14:creationId xmlns:p14="http://schemas.microsoft.com/office/powerpoint/2010/main" val="3577601792"/>
+        <p14:creationId xmlns:p14="http://schemas.microsoft.com/office/powerpoint/2010/main" val="326314918"/>
       </p:ext>
     </p:extLst>
   </p:cSld>
@@ -791,7 +804,7 @@
     </p:spTree>
     <p:extLst>
       <p:ext uri="{BB962C8B-B14F-4D97-AF65-F5344CB8AC3E}">
-        <p14:creationId xmlns:p14="http://schemas.microsoft.com/office/powerpoint/2010/main" val="1924526848"/>
+        <p14:creationId xmlns:p14="http://schemas.microsoft.com/office/powerpoint/2010/main" val="1874188748"/>
       </p:ext>
     </p:extLst>
   </p:cSld>
@@ -845,7 +858,15 @@
           <a:bodyPr/>
           <a:lstStyle/>
           <a:p>
-            <a:endParaRPr lang="en-US" dirty="0"/>
+            <a:endParaRPr lang="en-US" sz="1200" kern="1200" dirty="0">
+              <a:solidFill>
+                <a:schemeClr val="tx1"/>
+              </a:solidFill>
+              <a:effectLst/>
+              <a:latin typeface="+mn-lt"/>
+              <a:ea typeface="+mn-ea"/>
+              <a:cs typeface="+mn-cs"/>
+            </a:endParaRPr>
           </a:p>
         </p:txBody>
       </p:sp>
@@ -875,7 +896,7 @@
     </p:spTree>
     <p:extLst>
       <p:ext uri="{BB962C8B-B14F-4D97-AF65-F5344CB8AC3E}">
-        <p14:creationId xmlns:p14="http://schemas.microsoft.com/office/powerpoint/2010/main" val="4196192877"/>
+        <p14:creationId xmlns:p14="http://schemas.microsoft.com/office/powerpoint/2010/main" val="168915552"/>
       </p:ext>
     </p:extLst>
   </p:cSld>
@@ -967,7 +988,7 @@
     </p:spTree>
     <p:extLst>
       <p:ext uri="{BB962C8B-B14F-4D97-AF65-F5344CB8AC3E}">
-        <p14:creationId xmlns:p14="http://schemas.microsoft.com/office/powerpoint/2010/main" val="3579942779"/>
+        <p14:creationId xmlns:p14="http://schemas.microsoft.com/office/powerpoint/2010/main" val="3138489670"/>
       </p:ext>
     </p:extLst>
   </p:cSld>
@@ -1021,15 +1042,46 @@
           <a:bodyPr/>
           <a:lstStyle/>
           <a:p>
-            <a:endParaRPr lang="en-US" sz="1200" kern="1200" dirty="0">
-              <a:solidFill>
-                <a:schemeClr val="tx1"/>
-              </a:solidFill>
-              <a:effectLst/>
-              <a:latin typeface="+mn-lt"/>
-              <a:ea typeface="+mn-ea"/>
-              <a:cs typeface="+mn-cs"/>
-            </a:endParaRPr>
+            <a:r>
+              <a:rPr lang="en-US" sz="1200" kern="1200" dirty="0">
+                <a:solidFill>
+                  <a:schemeClr val="tx1"/>
+                </a:solidFill>
+                <a:effectLst/>
+                <a:latin typeface="+mn-lt"/>
+                <a:ea typeface="+mn-ea"/>
+                <a:cs typeface="+mn-cs"/>
+              </a:rPr>
+              <a:t>https://d2l.aivivn.com/chapter_natural-language-processing-pretraining/index_vn.html</a:t>
+            </a:r>
+          </a:p>
+          <a:p>
+            <a:r>
+              <a:rPr lang="en-US" sz="1200" kern="1200" dirty="0">
+                <a:solidFill>
+                  <a:schemeClr val="tx1"/>
+                </a:solidFill>
+                <a:effectLst/>
+                <a:latin typeface="+mn-lt"/>
+                <a:ea typeface="+mn-ea"/>
+                <a:cs typeface="+mn-cs"/>
+              </a:rPr>
+              <a:t>https://viblo.asia/p/so-luoc-word-embedding-gDVK2RAeKLj</a:t>
+            </a:r>
+          </a:p>
+          <a:p>
+            <a:r>
+              <a:rPr lang="en-US" sz="1200" kern="1200" dirty="0">
+                <a:solidFill>
+                  <a:schemeClr val="tx1"/>
+                </a:solidFill>
+                <a:effectLst/>
+                <a:latin typeface="+mn-lt"/>
+                <a:ea typeface="+mn-ea"/>
+                <a:cs typeface="+mn-cs"/>
+              </a:rPr>
+              <a:t>https://vinbigdata.com/kham-pha/word-embedding-so-sanh-cac-cach-tiep-can-truyen-thong-va-hien-dai.html</a:t>
+            </a:r>
           </a:p>
         </p:txBody>
       </p:sp>
@@ -1059,7 +1111,7 @@
     </p:spTree>
     <p:extLst>
       <p:ext uri="{BB962C8B-B14F-4D97-AF65-F5344CB8AC3E}">
-        <p14:creationId xmlns:p14="http://schemas.microsoft.com/office/powerpoint/2010/main" val="632476078"/>
+        <p14:creationId xmlns:p14="http://schemas.microsoft.com/office/powerpoint/2010/main" val="3921792473"/>
       </p:ext>
     </p:extLst>
   </p:cSld>
@@ -1113,15 +1165,46 @@
           <a:bodyPr/>
           <a:lstStyle/>
           <a:p>
-            <a:endParaRPr lang="en-US" sz="1200" kern="1200" dirty="0">
-              <a:solidFill>
-                <a:schemeClr val="tx1"/>
-              </a:solidFill>
-              <a:effectLst/>
-              <a:latin typeface="+mn-lt"/>
-              <a:ea typeface="+mn-ea"/>
-              <a:cs typeface="+mn-cs"/>
-            </a:endParaRPr>
+            <a:r>
+              <a:rPr lang="en-US" sz="1200" kern="1200" dirty="0">
+                <a:solidFill>
+                  <a:schemeClr val="tx1"/>
+                </a:solidFill>
+                <a:effectLst/>
+                <a:latin typeface="+mn-lt"/>
+                <a:ea typeface="+mn-ea"/>
+                <a:cs typeface="+mn-cs"/>
+              </a:rPr>
+              <a:t>https://d2l.aivivn.com/chapter_natural-language-processing-pretraining/index_vn.html</a:t>
+            </a:r>
+          </a:p>
+          <a:p>
+            <a:r>
+              <a:rPr lang="en-US" sz="1200" kern="1200" dirty="0">
+                <a:solidFill>
+                  <a:schemeClr val="tx1"/>
+                </a:solidFill>
+                <a:effectLst/>
+                <a:latin typeface="+mn-lt"/>
+                <a:ea typeface="+mn-ea"/>
+                <a:cs typeface="+mn-cs"/>
+              </a:rPr>
+              <a:t>https://viblo.asia/p/so-luoc-word-embedding-gDVK2RAeKLj</a:t>
+            </a:r>
+          </a:p>
+          <a:p>
+            <a:r>
+              <a:rPr lang="en-US" sz="1200" kern="1200" dirty="0">
+                <a:solidFill>
+                  <a:schemeClr val="tx1"/>
+                </a:solidFill>
+                <a:effectLst/>
+                <a:latin typeface="+mn-lt"/>
+                <a:ea typeface="+mn-ea"/>
+                <a:cs typeface="+mn-cs"/>
+              </a:rPr>
+              <a:t>https://vinbigdata.com/kham-pha/word-embedding-so-sanh-cac-cach-tiep-can-truyen-thong-va-hien-dai.html</a:t>
+            </a:r>
           </a:p>
         </p:txBody>
       </p:sp>
@@ -1151,7 +1234,7 @@
     </p:spTree>
     <p:extLst>
       <p:ext uri="{BB962C8B-B14F-4D97-AF65-F5344CB8AC3E}">
-        <p14:creationId xmlns:p14="http://schemas.microsoft.com/office/powerpoint/2010/main" val="3466108817"/>
+        <p14:creationId xmlns:p14="http://schemas.microsoft.com/office/powerpoint/2010/main" val="2597660251"/>
       </p:ext>
     </p:extLst>
   </p:cSld>
@@ -1205,23 +1288,6 @@
           <a:bodyPr/>
           <a:lstStyle/>
           <a:p>
-            <a:pPr marL="0" marR="0" lvl="0" indent="0" algn="l" defTabSz="914400" rtl="0" eaLnBrk="1" fontAlgn="auto" latinLnBrk="0" hangingPunct="1">
-              <a:lnSpc>
-                <a:spcPct val="100000"/>
-              </a:lnSpc>
-              <a:spcBef>
-                <a:spcPts val="0"/>
-              </a:spcBef>
-              <a:spcAft>
-                <a:spcPts val="0"/>
-              </a:spcAft>
-              <a:buClrTx/>
-              <a:buSzTx/>
-              <a:buFontTx/>
-              <a:buNone/>
-              <a:tabLst/>
-              <a:defRPr/>
-            </a:pPr>
             <a:r>
               <a:rPr lang="en-US" sz="1200" kern="1200" dirty="0">
                 <a:solidFill>
@@ -1260,7 +1326,7 @@
                 <a:ea typeface="+mn-ea"/>
                 <a:cs typeface="+mn-cs"/>
               </a:rPr>
-              <a:t>https://www.geeksforgeeks.org/word-embedding-techniques-in-nlp/</a:t>
+              <a:t>https://vinbigdata.com/kham-pha/word-embedding-so-sanh-cac-cach-tiep-can-truyen-thong-va-hien-dai.html</a:t>
             </a:r>
           </a:p>
         </p:txBody>
@@ -1291,7 +1357,7 @@
     </p:spTree>
     <p:extLst>
       <p:ext uri="{BB962C8B-B14F-4D97-AF65-F5344CB8AC3E}">
-        <p14:creationId xmlns:p14="http://schemas.microsoft.com/office/powerpoint/2010/main" val="1328873860"/>
+        <p14:creationId xmlns:p14="http://schemas.microsoft.com/office/powerpoint/2010/main" val="743087950"/>
       </p:ext>
     </p:extLst>
   </p:cSld>
@@ -1345,63 +1411,15 @@
           <a:bodyPr/>
           <a:lstStyle/>
           <a:p>
-            <a:pPr marL="0" marR="0" lvl="0" indent="0" algn="l" defTabSz="914400" rtl="0" eaLnBrk="1" fontAlgn="auto" latinLnBrk="0" hangingPunct="1">
-              <a:lnSpc>
-                <a:spcPct val="100000"/>
-              </a:lnSpc>
-              <a:spcBef>
-                <a:spcPts val="0"/>
-              </a:spcBef>
-              <a:spcAft>
-                <a:spcPts val="0"/>
-              </a:spcAft>
-              <a:buClrTx/>
-              <a:buSzTx/>
-              <a:buFontTx/>
-              <a:buNone/>
-              <a:tabLst/>
-              <a:defRPr/>
-            </a:pPr>
-            <a:r>
-              <a:rPr lang="en-US" sz="1200" kern="1200" dirty="0">
-                <a:solidFill>
-                  <a:schemeClr val="tx1"/>
-                </a:solidFill>
-                <a:effectLst/>
-                <a:latin typeface="+mn-lt"/>
-                <a:ea typeface="+mn-ea"/>
-                <a:cs typeface="+mn-cs"/>
-              </a:rPr>
-              <a:t>https://d2l.aivivn.com/chapter_natural-language-processing-pretraining/index_vn.html</a:t>
-            </a:r>
-          </a:p>
-          <a:p>
-            <a:r>
-              <a:rPr lang="en-US" sz="1200" kern="1200" dirty="0">
-                <a:solidFill>
-                  <a:schemeClr val="tx1"/>
-                </a:solidFill>
-                <a:effectLst/>
-                <a:latin typeface="+mn-lt"/>
-                <a:ea typeface="+mn-ea"/>
-                <a:cs typeface="+mn-cs"/>
-              </a:rPr>
-              <a:t>https://viblo.asia/p/so-luoc-word-embedding-gDVK2RAeKLj</a:t>
-            </a:r>
-          </a:p>
-          <a:p>
-            <a:r>
-              <a:rPr lang="en-US" sz="1200" kern="1200" dirty="0">
-                <a:solidFill>
-                  <a:schemeClr val="tx1"/>
-                </a:solidFill>
-                <a:effectLst/>
-                <a:latin typeface="+mn-lt"/>
-                <a:ea typeface="+mn-ea"/>
-                <a:cs typeface="+mn-cs"/>
-              </a:rPr>
-              <a:t>https://www.geeksforgeeks.org/word-embedding-techniques-in-nlp/</a:t>
-            </a:r>
+            <a:endParaRPr lang="en-US" sz="1200" kern="1200" dirty="0">
+              <a:solidFill>
+                <a:schemeClr val="tx1"/>
+              </a:solidFill>
+              <a:effectLst/>
+              <a:latin typeface="+mn-lt"/>
+              <a:ea typeface="+mn-ea"/>
+              <a:cs typeface="+mn-cs"/>
+            </a:endParaRPr>
           </a:p>
         </p:txBody>
       </p:sp>
@@ -1431,7 +1449,191 @@
     </p:spTree>
     <p:extLst>
       <p:ext uri="{BB962C8B-B14F-4D97-AF65-F5344CB8AC3E}">
-        <p14:creationId xmlns:p14="http://schemas.microsoft.com/office/powerpoint/2010/main" val="3300722882"/>
+        <p14:creationId xmlns:p14="http://schemas.microsoft.com/office/powerpoint/2010/main" val="4147640543"/>
+      </p:ext>
+    </p:extLst>
+  </p:cSld>
+  <p:clrMapOvr>
+    <a:masterClrMapping/>
+  </p:clrMapOvr>
+</p:notes>
+</file>
+
+<file path=ppt/notesSlides/notesSlide18.xml><?xml version="1.0" encoding="utf-8"?>
+<p:notes xmlns:a="http://schemas.openxmlformats.org/drawingml/2006/main" xmlns:r="http://schemas.openxmlformats.org/officeDocument/2006/relationships" xmlns:p="http://schemas.openxmlformats.org/presentationml/2006/main">
+  <p:cSld>
+    <p:spTree>
+      <p:nvGrpSpPr>
+        <p:cNvPr id="1" name=""/>
+        <p:cNvGrpSpPr/>
+        <p:nvPr/>
+      </p:nvGrpSpPr>
+      <p:grpSpPr>
+        <a:xfrm>
+          <a:off x="0" y="0"/>
+          <a:ext cx="0" cy="0"/>
+          <a:chOff x="0" y="0"/>
+          <a:chExt cx="0" cy="0"/>
+        </a:xfrm>
+      </p:grpSpPr>
+      <p:sp>
+        <p:nvSpPr>
+          <p:cNvPr id="2" name="Slide Image Placeholder 1"/>
+          <p:cNvSpPr>
+            <a:spLocks noGrp="1" noRot="1" noChangeAspect="1"/>
+          </p:cNvSpPr>
+          <p:nvPr>
+            <p:ph type="sldImg"/>
+          </p:nvPr>
+        </p:nvSpPr>
+        <p:spPr/>
+      </p:sp>
+      <p:sp>
+        <p:nvSpPr>
+          <p:cNvPr id="3" name="Notes Placeholder 2"/>
+          <p:cNvSpPr>
+            <a:spLocks noGrp="1"/>
+          </p:cNvSpPr>
+          <p:nvPr>
+            <p:ph type="body" idx="1"/>
+          </p:nvPr>
+        </p:nvSpPr>
+        <p:spPr/>
+        <p:txBody>
+          <a:bodyPr/>
+          <a:lstStyle/>
+          <a:p>
+            <a:endParaRPr lang="en-US" sz="1200" kern="1200" dirty="0">
+              <a:solidFill>
+                <a:schemeClr val="tx1"/>
+              </a:solidFill>
+              <a:effectLst/>
+              <a:latin typeface="+mn-lt"/>
+              <a:ea typeface="+mn-ea"/>
+              <a:cs typeface="+mn-cs"/>
+            </a:endParaRPr>
+          </a:p>
+        </p:txBody>
+      </p:sp>
+      <p:sp>
+        <p:nvSpPr>
+          <p:cNvPr id="4" name="Slide Number Placeholder 3"/>
+          <p:cNvSpPr>
+            <a:spLocks noGrp="1"/>
+          </p:cNvSpPr>
+          <p:nvPr>
+            <p:ph type="sldNum" sz="quarter" idx="10"/>
+          </p:nvPr>
+        </p:nvSpPr>
+        <p:spPr/>
+        <p:txBody>
+          <a:bodyPr/>
+          <a:lstStyle/>
+          <a:p>
+            <a:fld id="{B850756A-E1CA-4E5E-8241-A897EE7CB764}" type="slidenum">
+              <a:rPr lang="en-US" smtClean="0"/>
+              <a:t>18</a:t>
+            </a:fld>
+            <a:endParaRPr lang="en-US"/>
+          </a:p>
+        </p:txBody>
+      </p:sp>
+    </p:spTree>
+    <p:extLst>
+      <p:ext uri="{BB962C8B-B14F-4D97-AF65-F5344CB8AC3E}">
+        <p14:creationId xmlns:p14="http://schemas.microsoft.com/office/powerpoint/2010/main" val="2896136930"/>
+      </p:ext>
+    </p:extLst>
+  </p:cSld>
+  <p:clrMapOvr>
+    <a:masterClrMapping/>
+  </p:clrMapOvr>
+</p:notes>
+</file>
+
+<file path=ppt/notesSlides/notesSlide19.xml><?xml version="1.0" encoding="utf-8"?>
+<p:notes xmlns:a="http://schemas.openxmlformats.org/drawingml/2006/main" xmlns:r="http://schemas.openxmlformats.org/officeDocument/2006/relationships" xmlns:p="http://schemas.openxmlformats.org/presentationml/2006/main">
+  <p:cSld>
+    <p:spTree>
+      <p:nvGrpSpPr>
+        <p:cNvPr id="1" name=""/>
+        <p:cNvGrpSpPr/>
+        <p:nvPr/>
+      </p:nvGrpSpPr>
+      <p:grpSpPr>
+        <a:xfrm>
+          <a:off x="0" y="0"/>
+          <a:ext cx="0" cy="0"/>
+          <a:chOff x="0" y="0"/>
+          <a:chExt cx="0" cy="0"/>
+        </a:xfrm>
+      </p:grpSpPr>
+      <p:sp>
+        <p:nvSpPr>
+          <p:cNvPr id="2" name="Slide Image Placeholder 1"/>
+          <p:cNvSpPr>
+            <a:spLocks noGrp="1" noRot="1" noChangeAspect="1"/>
+          </p:cNvSpPr>
+          <p:nvPr>
+            <p:ph type="sldImg"/>
+          </p:nvPr>
+        </p:nvSpPr>
+        <p:spPr/>
+      </p:sp>
+      <p:sp>
+        <p:nvSpPr>
+          <p:cNvPr id="3" name="Notes Placeholder 2"/>
+          <p:cNvSpPr>
+            <a:spLocks noGrp="1"/>
+          </p:cNvSpPr>
+          <p:nvPr>
+            <p:ph type="body" idx="1"/>
+          </p:nvPr>
+        </p:nvSpPr>
+        <p:spPr/>
+        <p:txBody>
+          <a:bodyPr/>
+          <a:lstStyle/>
+          <a:p>
+            <a:endParaRPr lang="en-US" sz="1200" kern="1200" dirty="0">
+              <a:solidFill>
+                <a:schemeClr val="tx1"/>
+              </a:solidFill>
+              <a:effectLst/>
+              <a:latin typeface="+mn-lt"/>
+              <a:ea typeface="+mn-ea"/>
+              <a:cs typeface="+mn-cs"/>
+            </a:endParaRPr>
+          </a:p>
+        </p:txBody>
+      </p:sp>
+      <p:sp>
+        <p:nvSpPr>
+          <p:cNvPr id="4" name="Slide Number Placeholder 3"/>
+          <p:cNvSpPr>
+            <a:spLocks noGrp="1"/>
+          </p:cNvSpPr>
+          <p:nvPr>
+            <p:ph type="sldNum" sz="quarter" idx="10"/>
+          </p:nvPr>
+        </p:nvSpPr>
+        <p:spPr/>
+        <p:txBody>
+          <a:bodyPr/>
+          <a:lstStyle/>
+          <a:p>
+            <a:fld id="{B850756A-E1CA-4E5E-8241-A897EE7CB764}" type="slidenum">
+              <a:rPr lang="en-US" smtClean="0"/>
+              <a:t>19</a:t>
+            </a:fld>
+            <a:endParaRPr lang="en-US"/>
+          </a:p>
+        </p:txBody>
+      </p:sp>
+    </p:spTree>
+    <p:extLst>
+      <p:ext uri="{BB962C8B-B14F-4D97-AF65-F5344CB8AC3E}">
+        <p14:creationId xmlns:p14="http://schemas.microsoft.com/office/powerpoint/2010/main" val="2713595376"/>
       </p:ext>
     </p:extLst>
   </p:cSld>
@@ -1533,6 +1735,1011 @@
 </p:notes>
 </file>
 
+<file path=ppt/notesSlides/notesSlide20.xml><?xml version="1.0" encoding="utf-8"?>
+<p:notes xmlns:a="http://schemas.openxmlformats.org/drawingml/2006/main" xmlns:r="http://schemas.openxmlformats.org/officeDocument/2006/relationships" xmlns:p="http://schemas.openxmlformats.org/presentationml/2006/main">
+  <p:cSld>
+    <p:spTree>
+      <p:nvGrpSpPr>
+        <p:cNvPr id="1" name=""/>
+        <p:cNvGrpSpPr/>
+        <p:nvPr/>
+      </p:nvGrpSpPr>
+      <p:grpSpPr>
+        <a:xfrm>
+          <a:off x="0" y="0"/>
+          <a:ext cx="0" cy="0"/>
+          <a:chOff x="0" y="0"/>
+          <a:chExt cx="0" cy="0"/>
+        </a:xfrm>
+      </p:grpSpPr>
+      <p:sp>
+        <p:nvSpPr>
+          <p:cNvPr id="2" name="Slide Image Placeholder 1"/>
+          <p:cNvSpPr>
+            <a:spLocks noGrp="1" noRot="1" noChangeAspect="1"/>
+          </p:cNvSpPr>
+          <p:nvPr>
+            <p:ph type="sldImg"/>
+          </p:nvPr>
+        </p:nvSpPr>
+        <p:spPr/>
+      </p:sp>
+      <p:sp>
+        <p:nvSpPr>
+          <p:cNvPr id="3" name="Notes Placeholder 2"/>
+          <p:cNvSpPr>
+            <a:spLocks noGrp="1"/>
+          </p:cNvSpPr>
+          <p:nvPr>
+            <p:ph type="body" idx="1"/>
+          </p:nvPr>
+        </p:nvSpPr>
+        <p:spPr/>
+        <p:txBody>
+          <a:bodyPr/>
+          <a:lstStyle/>
+          <a:p>
+            <a:endParaRPr lang="en-US" sz="1200" kern="1200" dirty="0">
+              <a:solidFill>
+                <a:schemeClr val="tx1"/>
+              </a:solidFill>
+              <a:effectLst/>
+              <a:latin typeface="+mn-lt"/>
+              <a:ea typeface="+mn-ea"/>
+              <a:cs typeface="+mn-cs"/>
+            </a:endParaRPr>
+          </a:p>
+        </p:txBody>
+      </p:sp>
+      <p:sp>
+        <p:nvSpPr>
+          <p:cNvPr id="4" name="Slide Number Placeholder 3"/>
+          <p:cNvSpPr>
+            <a:spLocks noGrp="1"/>
+          </p:cNvSpPr>
+          <p:nvPr>
+            <p:ph type="sldNum" sz="quarter" idx="10"/>
+          </p:nvPr>
+        </p:nvSpPr>
+        <p:spPr/>
+        <p:txBody>
+          <a:bodyPr/>
+          <a:lstStyle/>
+          <a:p>
+            <a:fld id="{B850756A-E1CA-4E5E-8241-A897EE7CB764}" type="slidenum">
+              <a:rPr lang="en-US" smtClean="0"/>
+              <a:t>20</a:t>
+            </a:fld>
+            <a:endParaRPr lang="en-US"/>
+          </a:p>
+        </p:txBody>
+      </p:sp>
+    </p:spTree>
+    <p:extLst>
+      <p:ext uri="{BB962C8B-B14F-4D97-AF65-F5344CB8AC3E}">
+        <p14:creationId xmlns:p14="http://schemas.microsoft.com/office/powerpoint/2010/main" val="3577601792"/>
+      </p:ext>
+    </p:extLst>
+  </p:cSld>
+  <p:clrMapOvr>
+    <a:masterClrMapping/>
+  </p:clrMapOvr>
+</p:notes>
+</file>
+
+<file path=ppt/notesSlides/notesSlide21.xml><?xml version="1.0" encoding="utf-8"?>
+<p:notes xmlns:a="http://schemas.openxmlformats.org/drawingml/2006/main" xmlns:r="http://schemas.openxmlformats.org/officeDocument/2006/relationships" xmlns:p="http://schemas.openxmlformats.org/presentationml/2006/main">
+  <p:cSld>
+    <p:spTree>
+      <p:nvGrpSpPr>
+        <p:cNvPr id="1" name=""/>
+        <p:cNvGrpSpPr/>
+        <p:nvPr/>
+      </p:nvGrpSpPr>
+      <p:grpSpPr>
+        <a:xfrm>
+          <a:off x="0" y="0"/>
+          <a:ext cx="0" cy="0"/>
+          <a:chOff x="0" y="0"/>
+          <a:chExt cx="0" cy="0"/>
+        </a:xfrm>
+      </p:grpSpPr>
+      <p:sp>
+        <p:nvSpPr>
+          <p:cNvPr id="2" name="Slide Image Placeholder 1"/>
+          <p:cNvSpPr>
+            <a:spLocks noGrp="1" noRot="1" noChangeAspect="1"/>
+          </p:cNvSpPr>
+          <p:nvPr>
+            <p:ph type="sldImg"/>
+          </p:nvPr>
+        </p:nvSpPr>
+        <p:spPr/>
+      </p:sp>
+      <p:sp>
+        <p:nvSpPr>
+          <p:cNvPr id="3" name="Notes Placeholder 2"/>
+          <p:cNvSpPr>
+            <a:spLocks noGrp="1"/>
+          </p:cNvSpPr>
+          <p:nvPr>
+            <p:ph type="body" idx="1"/>
+          </p:nvPr>
+        </p:nvSpPr>
+        <p:spPr/>
+        <p:txBody>
+          <a:bodyPr/>
+          <a:lstStyle/>
+          <a:p>
+            <a:endParaRPr lang="en-US" sz="1200" kern="1200" dirty="0">
+              <a:solidFill>
+                <a:schemeClr val="tx1"/>
+              </a:solidFill>
+              <a:effectLst/>
+              <a:latin typeface="+mn-lt"/>
+              <a:ea typeface="+mn-ea"/>
+              <a:cs typeface="+mn-cs"/>
+            </a:endParaRPr>
+          </a:p>
+        </p:txBody>
+      </p:sp>
+      <p:sp>
+        <p:nvSpPr>
+          <p:cNvPr id="4" name="Slide Number Placeholder 3"/>
+          <p:cNvSpPr>
+            <a:spLocks noGrp="1"/>
+          </p:cNvSpPr>
+          <p:nvPr>
+            <p:ph type="sldNum" sz="quarter" idx="10"/>
+          </p:nvPr>
+        </p:nvSpPr>
+        <p:spPr/>
+        <p:txBody>
+          <a:bodyPr/>
+          <a:lstStyle/>
+          <a:p>
+            <a:fld id="{B850756A-E1CA-4E5E-8241-A897EE7CB764}" type="slidenum">
+              <a:rPr lang="en-US" smtClean="0"/>
+              <a:t>21</a:t>
+            </a:fld>
+            <a:endParaRPr lang="en-US"/>
+          </a:p>
+        </p:txBody>
+      </p:sp>
+    </p:spTree>
+    <p:extLst>
+      <p:ext uri="{BB962C8B-B14F-4D97-AF65-F5344CB8AC3E}">
+        <p14:creationId xmlns:p14="http://schemas.microsoft.com/office/powerpoint/2010/main" val="1924526848"/>
+      </p:ext>
+    </p:extLst>
+  </p:cSld>
+  <p:clrMapOvr>
+    <a:masterClrMapping/>
+  </p:clrMapOvr>
+</p:notes>
+</file>
+
+<file path=ppt/notesSlides/notesSlide22.xml><?xml version="1.0" encoding="utf-8"?>
+<p:notes xmlns:a="http://schemas.openxmlformats.org/drawingml/2006/main" xmlns:r="http://schemas.openxmlformats.org/officeDocument/2006/relationships" xmlns:p="http://schemas.openxmlformats.org/presentationml/2006/main">
+  <p:cSld>
+    <p:spTree>
+      <p:nvGrpSpPr>
+        <p:cNvPr id="1" name=""/>
+        <p:cNvGrpSpPr/>
+        <p:nvPr/>
+      </p:nvGrpSpPr>
+      <p:grpSpPr>
+        <a:xfrm>
+          <a:off x="0" y="0"/>
+          <a:ext cx="0" cy="0"/>
+          <a:chOff x="0" y="0"/>
+          <a:chExt cx="0" cy="0"/>
+        </a:xfrm>
+      </p:grpSpPr>
+      <p:sp>
+        <p:nvSpPr>
+          <p:cNvPr id="2" name="Slide Image Placeholder 1"/>
+          <p:cNvSpPr>
+            <a:spLocks noGrp="1" noRot="1" noChangeAspect="1"/>
+          </p:cNvSpPr>
+          <p:nvPr>
+            <p:ph type="sldImg"/>
+          </p:nvPr>
+        </p:nvSpPr>
+        <p:spPr/>
+      </p:sp>
+      <p:sp>
+        <p:nvSpPr>
+          <p:cNvPr id="3" name="Notes Placeholder 2"/>
+          <p:cNvSpPr>
+            <a:spLocks noGrp="1"/>
+          </p:cNvSpPr>
+          <p:nvPr>
+            <p:ph type="body" idx="1"/>
+          </p:nvPr>
+        </p:nvSpPr>
+        <p:spPr/>
+        <p:txBody>
+          <a:bodyPr/>
+          <a:lstStyle/>
+          <a:p>
+            <a:endParaRPr lang="en-US" dirty="0"/>
+          </a:p>
+        </p:txBody>
+      </p:sp>
+      <p:sp>
+        <p:nvSpPr>
+          <p:cNvPr id="4" name="Slide Number Placeholder 3"/>
+          <p:cNvSpPr>
+            <a:spLocks noGrp="1"/>
+          </p:cNvSpPr>
+          <p:nvPr>
+            <p:ph type="sldNum" sz="quarter" idx="10"/>
+          </p:nvPr>
+        </p:nvSpPr>
+        <p:spPr/>
+        <p:txBody>
+          <a:bodyPr/>
+          <a:lstStyle/>
+          <a:p>
+            <a:fld id="{B850756A-E1CA-4E5E-8241-A897EE7CB764}" type="slidenum">
+              <a:rPr lang="en-US" smtClean="0"/>
+              <a:t>22</a:t>
+            </a:fld>
+            <a:endParaRPr lang="en-US"/>
+          </a:p>
+        </p:txBody>
+      </p:sp>
+    </p:spTree>
+    <p:extLst>
+      <p:ext uri="{BB962C8B-B14F-4D97-AF65-F5344CB8AC3E}">
+        <p14:creationId xmlns:p14="http://schemas.microsoft.com/office/powerpoint/2010/main" val="4196192877"/>
+      </p:ext>
+    </p:extLst>
+  </p:cSld>
+  <p:clrMapOvr>
+    <a:masterClrMapping/>
+  </p:clrMapOvr>
+</p:notes>
+</file>
+
+<file path=ppt/notesSlides/notesSlide23.xml><?xml version="1.0" encoding="utf-8"?>
+<p:notes xmlns:a="http://schemas.openxmlformats.org/drawingml/2006/main" xmlns:r="http://schemas.openxmlformats.org/officeDocument/2006/relationships" xmlns:p="http://schemas.openxmlformats.org/presentationml/2006/main">
+  <p:cSld>
+    <p:spTree>
+      <p:nvGrpSpPr>
+        <p:cNvPr id="1" name=""/>
+        <p:cNvGrpSpPr/>
+        <p:nvPr/>
+      </p:nvGrpSpPr>
+      <p:grpSpPr>
+        <a:xfrm>
+          <a:off x="0" y="0"/>
+          <a:ext cx="0" cy="0"/>
+          <a:chOff x="0" y="0"/>
+          <a:chExt cx="0" cy="0"/>
+        </a:xfrm>
+      </p:grpSpPr>
+      <p:sp>
+        <p:nvSpPr>
+          <p:cNvPr id="2" name="Slide Image Placeholder 1"/>
+          <p:cNvSpPr>
+            <a:spLocks noGrp="1" noRot="1" noChangeAspect="1"/>
+          </p:cNvSpPr>
+          <p:nvPr>
+            <p:ph type="sldImg"/>
+          </p:nvPr>
+        </p:nvSpPr>
+        <p:spPr/>
+      </p:sp>
+      <p:sp>
+        <p:nvSpPr>
+          <p:cNvPr id="3" name="Notes Placeholder 2"/>
+          <p:cNvSpPr>
+            <a:spLocks noGrp="1"/>
+          </p:cNvSpPr>
+          <p:nvPr>
+            <p:ph type="body" idx="1"/>
+          </p:nvPr>
+        </p:nvSpPr>
+        <p:spPr/>
+        <p:txBody>
+          <a:bodyPr/>
+          <a:lstStyle/>
+          <a:p>
+            <a:endParaRPr lang="en-US" sz="1200" kern="1200" dirty="0">
+              <a:solidFill>
+                <a:schemeClr val="tx1"/>
+              </a:solidFill>
+              <a:effectLst/>
+              <a:latin typeface="+mn-lt"/>
+              <a:ea typeface="+mn-ea"/>
+              <a:cs typeface="+mn-cs"/>
+            </a:endParaRPr>
+          </a:p>
+        </p:txBody>
+      </p:sp>
+      <p:sp>
+        <p:nvSpPr>
+          <p:cNvPr id="4" name="Slide Number Placeholder 3"/>
+          <p:cNvSpPr>
+            <a:spLocks noGrp="1"/>
+          </p:cNvSpPr>
+          <p:nvPr>
+            <p:ph type="sldNum" sz="quarter" idx="10"/>
+          </p:nvPr>
+        </p:nvSpPr>
+        <p:spPr/>
+        <p:txBody>
+          <a:bodyPr/>
+          <a:lstStyle/>
+          <a:p>
+            <a:fld id="{B850756A-E1CA-4E5E-8241-A897EE7CB764}" type="slidenum">
+              <a:rPr lang="en-US" smtClean="0"/>
+              <a:t>23</a:t>
+            </a:fld>
+            <a:endParaRPr lang="en-US"/>
+          </a:p>
+        </p:txBody>
+      </p:sp>
+    </p:spTree>
+    <p:extLst>
+      <p:ext uri="{BB962C8B-B14F-4D97-AF65-F5344CB8AC3E}">
+        <p14:creationId xmlns:p14="http://schemas.microsoft.com/office/powerpoint/2010/main" val="965342572"/>
+      </p:ext>
+    </p:extLst>
+  </p:cSld>
+  <p:clrMapOvr>
+    <a:masterClrMapping/>
+  </p:clrMapOvr>
+</p:notes>
+</file>
+
+<file path=ppt/notesSlides/notesSlide24.xml><?xml version="1.0" encoding="utf-8"?>
+<p:notes xmlns:a="http://schemas.openxmlformats.org/drawingml/2006/main" xmlns:r="http://schemas.openxmlformats.org/officeDocument/2006/relationships" xmlns:p="http://schemas.openxmlformats.org/presentationml/2006/main">
+  <p:cSld>
+    <p:spTree>
+      <p:nvGrpSpPr>
+        <p:cNvPr id="1" name=""/>
+        <p:cNvGrpSpPr/>
+        <p:nvPr/>
+      </p:nvGrpSpPr>
+      <p:grpSpPr>
+        <a:xfrm>
+          <a:off x="0" y="0"/>
+          <a:ext cx="0" cy="0"/>
+          <a:chOff x="0" y="0"/>
+          <a:chExt cx="0" cy="0"/>
+        </a:xfrm>
+      </p:grpSpPr>
+      <p:sp>
+        <p:nvSpPr>
+          <p:cNvPr id="2" name="Slide Image Placeholder 1"/>
+          <p:cNvSpPr>
+            <a:spLocks noGrp="1" noRot="1" noChangeAspect="1"/>
+          </p:cNvSpPr>
+          <p:nvPr>
+            <p:ph type="sldImg"/>
+          </p:nvPr>
+        </p:nvSpPr>
+        <p:spPr/>
+      </p:sp>
+      <p:sp>
+        <p:nvSpPr>
+          <p:cNvPr id="3" name="Notes Placeholder 2"/>
+          <p:cNvSpPr>
+            <a:spLocks noGrp="1"/>
+          </p:cNvSpPr>
+          <p:nvPr>
+            <p:ph type="body" idx="1"/>
+          </p:nvPr>
+        </p:nvSpPr>
+        <p:spPr/>
+        <p:txBody>
+          <a:bodyPr/>
+          <a:lstStyle/>
+          <a:p>
+            <a:endParaRPr lang="en-US" sz="1200" kern="1200" dirty="0">
+              <a:solidFill>
+                <a:schemeClr val="tx1"/>
+              </a:solidFill>
+              <a:effectLst/>
+              <a:latin typeface="+mn-lt"/>
+              <a:ea typeface="+mn-ea"/>
+              <a:cs typeface="+mn-cs"/>
+            </a:endParaRPr>
+          </a:p>
+        </p:txBody>
+      </p:sp>
+      <p:sp>
+        <p:nvSpPr>
+          <p:cNvPr id="4" name="Slide Number Placeholder 3"/>
+          <p:cNvSpPr>
+            <a:spLocks noGrp="1"/>
+          </p:cNvSpPr>
+          <p:nvPr>
+            <p:ph type="sldNum" sz="quarter" idx="10"/>
+          </p:nvPr>
+        </p:nvSpPr>
+        <p:spPr/>
+        <p:txBody>
+          <a:bodyPr/>
+          <a:lstStyle/>
+          <a:p>
+            <a:fld id="{B850756A-E1CA-4E5E-8241-A897EE7CB764}" type="slidenum">
+              <a:rPr lang="en-US" smtClean="0"/>
+              <a:t>24</a:t>
+            </a:fld>
+            <a:endParaRPr lang="en-US"/>
+          </a:p>
+        </p:txBody>
+      </p:sp>
+    </p:spTree>
+    <p:extLst>
+      <p:ext uri="{BB962C8B-B14F-4D97-AF65-F5344CB8AC3E}">
+        <p14:creationId xmlns:p14="http://schemas.microsoft.com/office/powerpoint/2010/main" val="3579942779"/>
+      </p:ext>
+    </p:extLst>
+  </p:cSld>
+  <p:clrMapOvr>
+    <a:masterClrMapping/>
+  </p:clrMapOvr>
+</p:notes>
+</file>
+
+<file path=ppt/notesSlides/notesSlide25.xml><?xml version="1.0" encoding="utf-8"?>
+<p:notes xmlns:a="http://schemas.openxmlformats.org/drawingml/2006/main" xmlns:r="http://schemas.openxmlformats.org/officeDocument/2006/relationships" xmlns:p="http://schemas.openxmlformats.org/presentationml/2006/main">
+  <p:cSld>
+    <p:spTree>
+      <p:nvGrpSpPr>
+        <p:cNvPr id="1" name=""/>
+        <p:cNvGrpSpPr/>
+        <p:nvPr/>
+      </p:nvGrpSpPr>
+      <p:grpSpPr>
+        <a:xfrm>
+          <a:off x="0" y="0"/>
+          <a:ext cx="0" cy="0"/>
+          <a:chOff x="0" y="0"/>
+          <a:chExt cx="0" cy="0"/>
+        </a:xfrm>
+      </p:grpSpPr>
+      <p:sp>
+        <p:nvSpPr>
+          <p:cNvPr id="2" name="Slide Image Placeholder 1"/>
+          <p:cNvSpPr>
+            <a:spLocks noGrp="1" noRot="1" noChangeAspect="1"/>
+          </p:cNvSpPr>
+          <p:nvPr>
+            <p:ph type="sldImg"/>
+          </p:nvPr>
+        </p:nvSpPr>
+        <p:spPr/>
+      </p:sp>
+      <p:sp>
+        <p:nvSpPr>
+          <p:cNvPr id="3" name="Notes Placeholder 2"/>
+          <p:cNvSpPr>
+            <a:spLocks noGrp="1"/>
+          </p:cNvSpPr>
+          <p:nvPr>
+            <p:ph type="body" idx="1"/>
+          </p:nvPr>
+        </p:nvSpPr>
+        <p:spPr/>
+        <p:txBody>
+          <a:bodyPr/>
+          <a:lstStyle/>
+          <a:p>
+            <a:endParaRPr lang="en-US" sz="1200" kern="1200" dirty="0">
+              <a:solidFill>
+                <a:schemeClr val="tx1"/>
+              </a:solidFill>
+              <a:effectLst/>
+              <a:latin typeface="+mn-lt"/>
+              <a:ea typeface="+mn-ea"/>
+              <a:cs typeface="+mn-cs"/>
+            </a:endParaRPr>
+          </a:p>
+        </p:txBody>
+      </p:sp>
+      <p:sp>
+        <p:nvSpPr>
+          <p:cNvPr id="4" name="Slide Number Placeholder 3"/>
+          <p:cNvSpPr>
+            <a:spLocks noGrp="1"/>
+          </p:cNvSpPr>
+          <p:nvPr>
+            <p:ph type="sldNum" sz="quarter" idx="10"/>
+          </p:nvPr>
+        </p:nvSpPr>
+        <p:spPr/>
+        <p:txBody>
+          <a:bodyPr/>
+          <a:lstStyle/>
+          <a:p>
+            <a:fld id="{B850756A-E1CA-4E5E-8241-A897EE7CB764}" type="slidenum">
+              <a:rPr lang="en-US" smtClean="0"/>
+              <a:t>25</a:t>
+            </a:fld>
+            <a:endParaRPr lang="en-US"/>
+          </a:p>
+        </p:txBody>
+      </p:sp>
+    </p:spTree>
+    <p:extLst>
+      <p:ext uri="{BB962C8B-B14F-4D97-AF65-F5344CB8AC3E}">
+        <p14:creationId xmlns:p14="http://schemas.microsoft.com/office/powerpoint/2010/main" val="784555517"/>
+      </p:ext>
+    </p:extLst>
+  </p:cSld>
+  <p:clrMapOvr>
+    <a:masterClrMapping/>
+  </p:clrMapOvr>
+</p:notes>
+</file>
+
+<file path=ppt/notesSlides/notesSlide26.xml><?xml version="1.0" encoding="utf-8"?>
+<p:notes xmlns:a="http://schemas.openxmlformats.org/drawingml/2006/main" xmlns:r="http://schemas.openxmlformats.org/officeDocument/2006/relationships" xmlns:p="http://schemas.openxmlformats.org/presentationml/2006/main">
+  <p:cSld>
+    <p:spTree>
+      <p:nvGrpSpPr>
+        <p:cNvPr id="1" name=""/>
+        <p:cNvGrpSpPr/>
+        <p:nvPr/>
+      </p:nvGrpSpPr>
+      <p:grpSpPr>
+        <a:xfrm>
+          <a:off x="0" y="0"/>
+          <a:ext cx="0" cy="0"/>
+          <a:chOff x="0" y="0"/>
+          <a:chExt cx="0" cy="0"/>
+        </a:xfrm>
+      </p:grpSpPr>
+      <p:sp>
+        <p:nvSpPr>
+          <p:cNvPr id="2" name="Slide Image Placeholder 1"/>
+          <p:cNvSpPr>
+            <a:spLocks noGrp="1" noRot="1" noChangeAspect="1"/>
+          </p:cNvSpPr>
+          <p:nvPr>
+            <p:ph type="sldImg"/>
+          </p:nvPr>
+        </p:nvSpPr>
+        <p:spPr/>
+      </p:sp>
+      <p:sp>
+        <p:nvSpPr>
+          <p:cNvPr id="3" name="Notes Placeholder 2"/>
+          <p:cNvSpPr>
+            <a:spLocks noGrp="1"/>
+          </p:cNvSpPr>
+          <p:nvPr>
+            <p:ph type="body" idx="1"/>
+          </p:nvPr>
+        </p:nvSpPr>
+        <p:spPr/>
+        <p:txBody>
+          <a:bodyPr/>
+          <a:lstStyle/>
+          <a:p>
+            <a:endParaRPr lang="en-US" sz="1200" kern="1200" dirty="0">
+              <a:solidFill>
+                <a:schemeClr val="tx1"/>
+              </a:solidFill>
+              <a:effectLst/>
+              <a:latin typeface="+mn-lt"/>
+              <a:ea typeface="+mn-ea"/>
+              <a:cs typeface="+mn-cs"/>
+            </a:endParaRPr>
+          </a:p>
+        </p:txBody>
+      </p:sp>
+      <p:sp>
+        <p:nvSpPr>
+          <p:cNvPr id="4" name="Slide Number Placeholder 3"/>
+          <p:cNvSpPr>
+            <a:spLocks noGrp="1"/>
+          </p:cNvSpPr>
+          <p:nvPr>
+            <p:ph type="sldNum" sz="quarter" idx="10"/>
+          </p:nvPr>
+        </p:nvSpPr>
+        <p:spPr/>
+        <p:txBody>
+          <a:bodyPr/>
+          <a:lstStyle/>
+          <a:p>
+            <a:fld id="{B850756A-E1CA-4E5E-8241-A897EE7CB764}" type="slidenum">
+              <a:rPr lang="en-US" smtClean="0"/>
+              <a:t>26</a:t>
+            </a:fld>
+            <a:endParaRPr lang="en-US"/>
+          </a:p>
+        </p:txBody>
+      </p:sp>
+    </p:spTree>
+    <p:extLst>
+      <p:ext uri="{BB962C8B-B14F-4D97-AF65-F5344CB8AC3E}">
+        <p14:creationId xmlns:p14="http://schemas.microsoft.com/office/powerpoint/2010/main" val="1572697987"/>
+      </p:ext>
+    </p:extLst>
+  </p:cSld>
+  <p:clrMapOvr>
+    <a:masterClrMapping/>
+  </p:clrMapOvr>
+</p:notes>
+</file>
+
+<file path=ppt/notesSlides/notesSlide27.xml><?xml version="1.0" encoding="utf-8"?>
+<p:notes xmlns:a="http://schemas.openxmlformats.org/drawingml/2006/main" xmlns:r="http://schemas.openxmlformats.org/officeDocument/2006/relationships" xmlns:p="http://schemas.openxmlformats.org/presentationml/2006/main">
+  <p:cSld>
+    <p:spTree>
+      <p:nvGrpSpPr>
+        <p:cNvPr id="1" name=""/>
+        <p:cNvGrpSpPr/>
+        <p:nvPr/>
+      </p:nvGrpSpPr>
+      <p:grpSpPr>
+        <a:xfrm>
+          <a:off x="0" y="0"/>
+          <a:ext cx="0" cy="0"/>
+          <a:chOff x="0" y="0"/>
+          <a:chExt cx="0" cy="0"/>
+        </a:xfrm>
+      </p:grpSpPr>
+      <p:sp>
+        <p:nvSpPr>
+          <p:cNvPr id="2" name="Slide Image Placeholder 1"/>
+          <p:cNvSpPr>
+            <a:spLocks noGrp="1" noRot="1" noChangeAspect="1"/>
+          </p:cNvSpPr>
+          <p:nvPr>
+            <p:ph type="sldImg"/>
+          </p:nvPr>
+        </p:nvSpPr>
+        <p:spPr/>
+      </p:sp>
+      <p:sp>
+        <p:nvSpPr>
+          <p:cNvPr id="3" name="Notes Placeholder 2"/>
+          <p:cNvSpPr>
+            <a:spLocks noGrp="1"/>
+          </p:cNvSpPr>
+          <p:nvPr>
+            <p:ph type="body" idx="1"/>
+          </p:nvPr>
+        </p:nvSpPr>
+        <p:spPr/>
+        <p:txBody>
+          <a:bodyPr/>
+          <a:lstStyle/>
+          <a:p>
+            <a:endParaRPr lang="en-US" sz="1200" kern="1200" dirty="0">
+              <a:solidFill>
+                <a:schemeClr val="tx1"/>
+              </a:solidFill>
+              <a:effectLst/>
+              <a:latin typeface="+mn-lt"/>
+              <a:ea typeface="+mn-ea"/>
+              <a:cs typeface="+mn-cs"/>
+            </a:endParaRPr>
+          </a:p>
+        </p:txBody>
+      </p:sp>
+      <p:sp>
+        <p:nvSpPr>
+          <p:cNvPr id="4" name="Slide Number Placeholder 3"/>
+          <p:cNvSpPr>
+            <a:spLocks noGrp="1"/>
+          </p:cNvSpPr>
+          <p:nvPr>
+            <p:ph type="sldNum" sz="quarter" idx="10"/>
+          </p:nvPr>
+        </p:nvSpPr>
+        <p:spPr/>
+        <p:txBody>
+          <a:bodyPr/>
+          <a:lstStyle/>
+          <a:p>
+            <a:fld id="{B850756A-E1CA-4E5E-8241-A897EE7CB764}" type="slidenum">
+              <a:rPr lang="en-US" smtClean="0"/>
+              <a:t>27</a:t>
+            </a:fld>
+            <a:endParaRPr lang="en-US"/>
+          </a:p>
+        </p:txBody>
+      </p:sp>
+    </p:spTree>
+    <p:extLst>
+      <p:ext uri="{BB962C8B-B14F-4D97-AF65-F5344CB8AC3E}">
+        <p14:creationId xmlns:p14="http://schemas.microsoft.com/office/powerpoint/2010/main" val="3466108817"/>
+      </p:ext>
+    </p:extLst>
+  </p:cSld>
+  <p:clrMapOvr>
+    <a:masterClrMapping/>
+  </p:clrMapOvr>
+</p:notes>
+</file>
+
+<file path=ppt/notesSlides/notesSlide28.xml><?xml version="1.0" encoding="utf-8"?>
+<p:notes xmlns:a="http://schemas.openxmlformats.org/drawingml/2006/main" xmlns:r="http://schemas.openxmlformats.org/officeDocument/2006/relationships" xmlns:p="http://schemas.openxmlformats.org/presentationml/2006/main">
+  <p:cSld>
+    <p:spTree>
+      <p:nvGrpSpPr>
+        <p:cNvPr id="1" name=""/>
+        <p:cNvGrpSpPr/>
+        <p:nvPr/>
+      </p:nvGrpSpPr>
+      <p:grpSpPr>
+        <a:xfrm>
+          <a:off x="0" y="0"/>
+          <a:ext cx="0" cy="0"/>
+          <a:chOff x="0" y="0"/>
+          <a:chExt cx="0" cy="0"/>
+        </a:xfrm>
+      </p:grpSpPr>
+      <p:sp>
+        <p:nvSpPr>
+          <p:cNvPr id="2" name="Slide Image Placeholder 1"/>
+          <p:cNvSpPr>
+            <a:spLocks noGrp="1" noRot="1" noChangeAspect="1"/>
+          </p:cNvSpPr>
+          <p:nvPr>
+            <p:ph type="sldImg"/>
+          </p:nvPr>
+        </p:nvSpPr>
+        <p:spPr/>
+      </p:sp>
+      <p:sp>
+        <p:nvSpPr>
+          <p:cNvPr id="3" name="Notes Placeholder 2"/>
+          <p:cNvSpPr>
+            <a:spLocks noGrp="1"/>
+          </p:cNvSpPr>
+          <p:nvPr>
+            <p:ph type="body" idx="1"/>
+          </p:nvPr>
+        </p:nvSpPr>
+        <p:spPr/>
+        <p:txBody>
+          <a:bodyPr/>
+          <a:lstStyle/>
+          <a:p>
+            <a:endParaRPr lang="en-US" sz="1200" kern="1200" dirty="0">
+              <a:solidFill>
+                <a:schemeClr val="tx1"/>
+              </a:solidFill>
+              <a:effectLst/>
+              <a:latin typeface="+mn-lt"/>
+              <a:ea typeface="+mn-ea"/>
+              <a:cs typeface="+mn-cs"/>
+            </a:endParaRPr>
+          </a:p>
+        </p:txBody>
+      </p:sp>
+      <p:sp>
+        <p:nvSpPr>
+          <p:cNvPr id="4" name="Slide Number Placeholder 3"/>
+          <p:cNvSpPr>
+            <a:spLocks noGrp="1"/>
+          </p:cNvSpPr>
+          <p:nvPr>
+            <p:ph type="sldNum" sz="quarter" idx="10"/>
+          </p:nvPr>
+        </p:nvSpPr>
+        <p:spPr/>
+        <p:txBody>
+          <a:bodyPr/>
+          <a:lstStyle/>
+          <a:p>
+            <a:fld id="{B850756A-E1CA-4E5E-8241-A897EE7CB764}" type="slidenum">
+              <a:rPr lang="en-US" smtClean="0"/>
+              <a:t>28</a:t>
+            </a:fld>
+            <a:endParaRPr lang="en-US"/>
+          </a:p>
+        </p:txBody>
+      </p:sp>
+    </p:spTree>
+    <p:extLst>
+      <p:ext uri="{BB962C8B-B14F-4D97-AF65-F5344CB8AC3E}">
+        <p14:creationId xmlns:p14="http://schemas.microsoft.com/office/powerpoint/2010/main" val="632476078"/>
+      </p:ext>
+    </p:extLst>
+  </p:cSld>
+  <p:clrMapOvr>
+    <a:masterClrMapping/>
+  </p:clrMapOvr>
+</p:notes>
+</file>
+
+<file path=ppt/notesSlides/notesSlide29.xml><?xml version="1.0" encoding="utf-8"?>
+<p:notes xmlns:a="http://schemas.openxmlformats.org/drawingml/2006/main" xmlns:r="http://schemas.openxmlformats.org/officeDocument/2006/relationships" xmlns:p="http://schemas.openxmlformats.org/presentationml/2006/main">
+  <p:cSld>
+    <p:spTree>
+      <p:nvGrpSpPr>
+        <p:cNvPr id="1" name=""/>
+        <p:cNvGrpSpPr/>
+        <p:nvPr/>
+      </p:nvGrpSpPr>
+      <p:grpSpPr>
+        <a:xfrm>
+          <a:off x="0" y="0"/>
+          <a:ext cx="0" cy="0"/>
+          <a:chOff x="0" y="0"/>
+          <a:chExt cx="0" cy="0"/>
+        </a:xfrm>
+      </p:grpSpPr>
+      <p:sp>
+        <p:nvSpPr>
+          <p:cNvPr id="2" name="Slide Image Placeholder 1"/>
+          <p:cNvSpPr>
+            <a:spLocks noGrp="1" noRot="1" noChangeAspect="1"/>
+          </p:cNvSpPr>
+          <p:nvPr>
+            <p:ph type="sldImg"/>
+          </p:nvPr>
+        </p:nvSpPr>
+        <p:spPr/>
+      </p:sp>
+      <p:sp>
+        <p:nvSpPr>
+          <p:cNvPr id="3" name="Notes Placeholder 2"/>
+          <p:cNvSpPr>
+            <a:spLocks noGrp="1"/>
+          </p:cNvSpPr>
+          <p:nvPr>
+            <p:ph type="body" idx="1"/>
+          </p:nvPr>
+        </p:nvSpPr>
+        <p:spPr/>
+        <p:txBody>
+          <a:bodyPr/>
+          <a:lstStyle/>
+          <a:p>
+            <a:pPr marL="0" marR="0" lvl="0" indent="0" algn="l" defTabSz="914400" rtl="0" eaLnBrk="1" fontAlgn="auto" latinLnBrk="0" hangingPunct="1">
+              <a:lnSpc>
+                <a:spcPct val="100000"/>
+              </a:lnSpc>
+              <a:spcBef>
+                <a:spcPts val="0"/>
+              </a:spcBef>
+              <a:spcAft>
+                <a:spcPts val="0"/>
+              </a:spcAft>
+              <a:buClrTx/>
+              <a:buSzTx/>
+              <a:buFontTx/>
+              <a:buNone/>
+              <a:tabLst/>
+              <a:defRPr/>
+            </a:pPr>
+            <a:r>
+              <a:rPr lang="en-US" sz="1200" kern="1200" dirty="0">
+                <a:solidFill>
+                  <a:schemeClr val="tx1"/>
+                </a:solidFill>
+                <a:effectLst/>
+                <a:latin typeface="+mn-lt"/>
+                <a:ea typeface="+mn-ea"/>
+                <a:cs typeface="+mn-cs"/>
+              </a:rPr>
+              <a:t>https://viblo.asia/p/so-luoc-word-embedding-gDVK2RAeKLj</a:t>
+            </a:r>
+          </a:p>
+          <a:p>
+            <a:pPr marL="0" marR="0" lvl="0" indent="0" algn="l" defTabSz="914400" rtl="0" eaLnBrk="1" fontAlgn="auto" latinLnBrk="0" hangingPunct="1">
+              <a:lnSpc>
+                <a:spcPct val="100000"/>
+              </a:lnSpc>
+              <a:spcBef>
+                <a:spcPts val="0"/>
+              </a:spcBef>
+              <a:spcAft>
+                <a:spcPts val="0"/>
+              </a:spcAft>
+              <a:buClrTx/>
+              <a:buSzTx/>
+              <a:buFontTx/>
+              <a:buNone/>
+              <a:tabLst/>
+              <a:defRPr/>
+            </a:pPr>
+            <a:r>
+              <a:rPr lang="en-US" sz="1200" kern="1200" dirty="0">
+                <a:solidFill>
+                  <a:schemeClr val="tx1"/>
+                </a:solidFill>
+                <a:effectLst/>
+                <a:latin typeface="+mn-lt"/>
+                <a:ea typeface="+mn-ea"/>
+                <a:cs typeface="+mn-cs"/>
+              </a:rPr>
+              <a:t>https://d2l.aivivn.com/chapter_natural-language-processing-pretraining/index_vn.html</a:t>
+            </a:r>
+          </a:p>
+          <a:p>
+            <a:r>
+              <a:rPr lang="en-US" sz="1200" kern="1200" dirty="0">
+                <a:solidFill>
+                  <a:schemeClr val="tx1"/>
+                </a:solidFill>
+                <a:effectLst/>
+                <a:latin typeface="+mn-lt"/>
+                <a:ea typeface="+mn-ea"/>
+                <a:cs typeface="+mn-cs"/>
+              </a:rPr>
+              <a:t>https://www.geeksforgeeks.org/word-embedding-techniques-in-nlp/</a:t>
+            </a:r>
+          </a:p>
+          <a:p>
+            <a:r>
+              <a:rPr lang="en-US" sz="1200" kern="1200" dirty="0">
+                <a:solidFill>
+                  <a:schemeClr val="tx1"/>
+                </a:solidFill>
+                <a:effectLst/>
+                <a:latin typeface="+mn-lt"/>
+                <a:ea typeface="+mn-ea"/>
+                <a:cs typeface="+mn-cs"/>
+              </a:rPr>
+              <a:t>https://scikit-learn.org/stable/modules/generated/sklearn.feature_extraction.text.CountVectorizer.html</a:t>
+            </a:r>
+          </a:p>
+          <a:p>
+            <a:r>
+              <a:rPr lang="en-US" sz="1200" kern="1200" dirty="0">
+                <a:solidFill>
+                  <a:schemeClr val="tx1"/>
+                </a:solidFill>
+                <a:effectLst/>
+                <a:latin typeface="+mn-lt"/>
+                <a:ea typeface="+mn-ea"/>
+                <a:cs typeface="+mn-cs"/>
+              </a:rPr>
+              <a:t>https://scikit-learn.org/stable/modules/generated/sklearn.feature_extraction.text.TfidfVectorizer.html</a:t>
+            </a:r>
+          </a:p>
+        </p:txBody>
+      </p:sp>
+      <p:sp>
+        <p:nvSpPr>
+          <p:cNvPr id="4" name="Slide Number Placeholder 3"/>
+          <p:cNvSpPr>
+            <a:spLocks noGrp="1"/>
+          </p:cNvSpPr>
+          <p:nvPr>
+            <p:ph type="sldNum" sz="quarter" idx="10"/>
+          </p:nvPr>
+        </p:nvSpPr>
+        <p:spPr/>
+        <p:txBody>
+          <a:bodyPr/>
+          <a:lstStyle/>
+          <a:p>
+            <a:fld id="{B850756A-E1CA-4E5E-8241-A897EE7CB764}" type="slidenum">
+              <a:rPr lang="en-US" smtClean="0"/>
+              <a:t>29</a:t>
+            </a:fld>
+            <a:endParaRPr lang="en-US"/>
+          </a:p>
+        </p:txBody>
+      </p:sp>
+    </p:spTree>
+    <p:extLst>
+      <p:ext uri="{BB962C8B-B14F-4D97-AF65-F5344CB8AC3E}">
+        <p14:creationId xmlns:p14="http://schemas.microsoft.com/office/powerpoint/2010/main" val="1328873860"/>
+      </p:ext>
+    </p:extLst>
+  </p:cSld>
+  <p:clrMapOvr>
+    <a:masterClrMapping/>
+  </p:clrMapOvr>
+</p:notes>
+</file>
+
 <file path=ppt/notesSlides/notesSlide3.xml><?xml version="1.0" encoding="utf-8"?>
 <p:notes xmlns:a="http://schemas.openxmlformats.org/drawingml/2006/main" xmlns:r="http://schemas.openxmlformats.org/officeDocument/2006/relationships" xmlns:p="http://schemas.openxmlformats.org/presentationml/2006/main">
   <p:cSld>
@@ -1616,6 +2823,146 @@
     <p:extLst>
       <p:ext uri="{BB962C8B-B14F-4D97-AF65-F5344CB8AC3E}">
         <p14:creationId xmlns:p14="http://schemas.microsoft.com/office/powerpoint/2010/main" val="1388004758"/>
+      </p:ext>
+    </p:extLst>
+  </p:cSld>
+  <p:clrMapOvr>
+    <a:masterClrMapping/>
+  </p:clrMapOvr>
+</p:notes>
+</file>
+
+<file path=ppt/notesSlides/notesSlide30.xml><?xml version="1.0" encoding="utf-8"?>
+<p:notes xmlns:a="http://schemas.openxmlformats.org/drawingml/2006/main" xmlns:r="http://schemas.openxmlformats.org/officeDocument/2006/relationships" xmlns:p="http://schemas.openxmlformats.org/presentationml/2006/main">
+  <p:cSld>
+    <p:spTree>
+      <p:nvGrpSpPr>
+        <p:cNvPr id="1" name=""/>
+        <p:cNvGrpSpPr/>
+        <p:nvPr/>
+      </p:nvGrpSpPr>
+      <p:grpSpPr>
+        <a:xfrm>
+          <a:off x="0" y="0"/>
+          <a:ext cx="0" cy="0"/>
+          <a:chOff x="0" y="0"/>
+          <a:chExt cx="0" cy="0"/>
+        </a:xfrm>
+      </p:grpSpPr>
+      <p:sp>
+        <p:nvSpPr>
+          <p:cNvPr id="2" name="Slide Image Placeholder 1"/>
+          <p:cNvSpPr>
+            <a:spLocks noGrp="1" noRot="1" noChangeAspect="1"/>
+          </p:cNvSpPr>
+          <p:nvPr>
+            <p:ph type="sldImg"/>
+          </p:nvPr>
+        </p:nvSpPr>
+        <p:spPr/>
+      </p:sp>
+      <p:sp>
+        <p:nvSpPr>
+          <p:cNvPr id="3" name="Notes Placeholder 2"/>
+          <p:cNvSpPr>
+            <a:spLocks noGrp="1"/>
+          </p:cNvSpPr>
+          <p:nvPr>
+            <p:ph type="body" idx="1"/>
+          </p:nvPr>
+        </p:nvSpPr>
+        <p:spPr/>
+        <p:txBody>
+          <a:bodyPr/>
+          <a:lstStyle/>
+          <a:p>
+            <a:pPr marL="0" marR="0" lvl="0" indent="0" algn="l" defTabSz="914400" rtl="0" eaLnBrk="1" fontAlgn="auto" latinLnBrk="0" hangingPunct="1">
+              <a:lnSpc>
+                <a:spcPct val="100000"/>
+              </a:lnSpc>
+              <a:spcBef>
+                <a:spcPts val="0"/>
+              </a:spcBef>
+              <a:spcAft>
+                <a:spcPts val="0"/>
+              </a:spcAft>
+              <a:buClrTx/>
+              <a:buSzTx/>
+              <a:buFontTx/>
+              <a:buNone/>
+              <a:tabLst/>
+              <a:defRPr/>
+            </a:pPr>
+            <a:r>
+              <a:rPr lang="en-US" sz="1200" kern="1200" dirty="0">
+                <a:solidFill>
+                  <a:schemeClr val="tx1"/>
+                </a:solidFill>
+                <a:effectLst/>
+                <a:latin typeface="+mn-lt"/>
+                <a:ea typeface="+mn-ea"/>
+                <a:cs typeface="+mn-cs"/>
+              </a:rPr>
+              <a:t>https://d2l.aivivn.com/chapter_natural-language-processing-pretraining/index_vn.html</a:t>
+            </a:r>
+          </a:p>
+          <a:p>
+            <a:r>
+              <a:rPr lang="en-US" sz="1200" kern="1200" dirty="0">
+                <a:solidFill>
+                  <a:schemeClr val="tx1"/>
+                </a:solidFill>
+                <a:effectLst/>
+                <a:latin typeface="+mn-lt"/>
+                <a:ea typeface="+mn-ea"/>
+                <a:cs typeface="+mn-cs"/>
+              </a:rPr>
+              <a:t>https://viblo.asia/p/so-luoc-word-embedding-gDVK2RAeKLj</a:t>
+            </a:r>
+          </a:p>
+          <a:p>
+            <a:r>
+              <a:rPr lang="en-US" sz="1200" kern="1200" dirty="0">
+                <a:solidFill>
+                  <a:schemeClr val="tx1"/>
+                </a:solidFill>
+                <a:effectLst/>
+                <a:latin typeface="+mn-lt"/>
+                <a:ea typeface="+mn-ea"/>
+                <a:cs typeface="+mn-cs"/>
+              </a:rPr>
+              <a:t>https://www.geeksforgeeks.org/word-embedding-techniques-in-nlp/</a:t>
+            </a:r>
+          </a:p>
+        </p:txBody>
+      </p:sp>
+      <p:sp>
+        <p:nvSpPr>
+          <p:cNvPr id="4" name="Slide Number Placeholder 3"/>
+          <p:cNvSpPr>
+            <a:spLocks noGrp="1"/>
+          </p:cNvSpPr>
+          <p:nvPr>
+            <p:ph type="sldNum" sz="quarter" idx="10"/>
+          </p:nvPr>
+        </p:nvSpPr>
+        <p:spPr/>
+        <p:txBody>
+          <a:bodyPr/>
+          <a:lstStyle/>
+          <a:p>
+            <a:fld id="{B850756A-E1CA-4E5E-8241-A897EE7CB764}" type="slidenum">
+              <a:rPr lang="en-US" smtClean="0"/>
+              <a:t>30</a:t>
+            </a:fld>
+            <a:endParaRPr lang="en-US"/>
+          </a:p>
+        </p:txBody>
+      </p:sp>
+    </p:spTree>
+    <p:extLst>
+      <p:ext uri="{BB962C8B-B14F-4D97-AF65-F5344CB8AC3E}">
+        <p14:creationId xmlns:p14="http://schemas.microsoft.com/office/powerpoint/2010/main" val="3300722882"/>
       </p:ext>
     </p:extLst>
   </p:cSld>
@@ -1853,32 +3200,15 @@
           <a:bodyPr/>
           <a:lstStyle/>
           <a:p>
-            <a:r>
-              <a:rPr lang="en-US" sz="1200" kern="1200" dirty="0">
-                <a:solidFill>
-                  <a:schemeClr val="tx1"/>
-                </a:solidFill>
-                <a:effectLst/>
-                <a:latin typeface="+mn-lt"/>
-                <a:ea typeface="+mn-ea"/>
-                <a:cs typeface="+mn-cs"/>
-              </a:rPr>
-              <a:t>https://d2l.aivivn.com/chapter_natural-language-processing-pretraining/index_vn.html</a:t>
-            </a:r>
-          </a:p>
-          <a:p>
-            <a:r>
-              <a:rPr lang="en-US" sz="1200" kern="1200" dirty="0">
-                <a:solidFill>
-                  <a:schemeClr val="tx1"/>
-                </a:solidFill>
-                <a:effectLst/>
-                <a:latin typeface="+mn-lt"/>
-                <a:ea typeface="+mn-ea"/>
-                <a:cs typeface="+mn-cs"/>
-              </a:rPr>
-              <a:t>https://viblo.asia/p/so-luoc-word-embedding-gDVK2RAeKLj</a:t>
-            </a:r>
+            <a:endParaRPr lang="en-US" sz="1200" kern="1200" dirty="0">
+              <a:solidFill>
+                <a:schemeClr val="tx1"/>
+              </a:solidFill>
+              <a:effectLst/>
+              <a:latin typeface="+mn-lt"/>
+              <a:ea typeface="+mn-ea"/>
+              <a:cs typeface="+mn-cs"/>
+            </a:endParaRPr>
           </a:p>
         </p:txBody>
       </p:sp>
@@ -1908,7 +3238,7 @@
     </p:spTree>
     <p:extLst>
       <p:ext uri="{BB962C8B-B14F-4D97-AF65-F5344CB8AC3E}">
-        <p14:creationId xmlns:p14="http://schemas.microsoft.com/office/powerpoint/2010/main" val="3921792473"/>
+        <p14:creationId xmlns:p14="http://schemas.microsoft.com/office/powerpoint/2010/main" val="1781901167"/>
       </p:ext>
     </p:extLst>
   </p:cSld>
@@ -2000,7 +3330,7 @@
     </p:spTree>
     <p:extLst>
       <p:ext uri="{BB962C8B-B14F-4D97-AF65-F5344CB8AC3E}">
-        <p14:creationId xmlns:p14="http://schemas.microsoft.com/office/powerpoint/2010/main" val="4147640543"/>
+        <p14:creationId xmlns:p14="http://schemas.microsoft.com/office/powerpoint/2010/main" val="571025799"/>
       </p:ext>
     </p:extLst>
   </p:cSld>
@@ -2092,7 +3422,7 @@
     </p:spTree>
     <p:extLst>
       <p:ext uri="{BB962C8B-B14F-4D97-AF65-F5344CB8AC3E}">
-        <p14:creationId xmlns:p14="http://schemas.microsoft.com/office/powerpoint/2010/main" val="2896136930"/>
+        <p14:creationId xmlns:p14="http://schemas.microsoft.com/office/powerpoint/2010/main" val="4019940005"/>
       </p:ext>
     </p:extLst>
   </p:cSld>
@@ -2184,7 +3514,7 @@
     </p:spTree>
     <p:extLst>
       <p:ext uri="{BB962C8B-B14F-4D97-AF65-F5344CB8AC3E}">
-        <p14:creationId xmlns:p14="http://schemas.microsoft.com/office/powerpoint/2010/main" val="2713595376"/>
+        <p14:creationId xmlns:p14="http://schemas.microsoft.com/office/powerpoint/2010/main" val="1286204355"/>
       </p:ext>
     </p:extLst>
   </p:cSld>
@@ -7287,62 +8617,45 @@
                 <a:latin typeface="Calibri" panose="020F0502020204030204" pitchFamily="34" charset="0"/>
                 <a:cs typeface="Calibri" panose="020F0502020204030204" pitchFamily="34" charset="0"/>
               </a:rPr>
-              <a:t>8. Model Evaluation</a:t>
-            </a:r>
-          </a:p>
-        </p:txBody>
-      </p:sp>
-      <p:sp>
-        <p:nvSpPr>
-          <p:cNvPr id="5" name="Content Placeholder 2"/>
-          <p:cNvSpPr>
-            <a:spLocks noGrp="1"/>
-          </p:cNvSpPr>
-          <p:nvPr>
-            <p:ph idx="1"/>
-          </p:nvPr>
-        </p:nvSpPr>
+              <a:t>3. Data Preprocessing</a:t>
+            </a:r>
+          </a:p>
+        </p:txBody>
+      </p:sp>
+      <p:pic>
+        <p:nvPicPr>
+          <p:cNvPr id="6" name="Picture 5">
+            <a:extLst>
+              <a:ext uri="{FF2B5EF4-FFF2-40B4-BE49-F238E27FC236}">
+                <a16:creationId xmlns:a16="http://schemas.microsoft.com/office/drawing/2014/main" id="{F239695C-45E4-4638-9D17-0F35EBEBA506}"/>
+              </a:ext>
+            </a:extLst>
+          </p:cNvPr>
+          <p:cNvPicPr>
+            <a:picLocks noChangeAspect="1"/>
+          </p:cNvPicPr>
+          <p:nvPr/>
+        </p:nvPicPr>
+        <p:blipFill>
+          <a:blip r:embed="rId3"/>
+          <a:stretch>
+            <a:fillRect/>
+          </a:stretch>
+        </p:blipFill>
         <p:spPr>
           <a:xfrm>
-            <a:off x="477464" y="1044421"/>
-            <a:ext cx="11714536" cy="5813579"/>
+            <a:off x="0" y="1484318"/>
+            <a:ext cx="12192000" cy="3889363"/>
           </a:xfrm>
+          <a:prstGeom prst="rect">
+            <a:avLst/>
+          </a:prstGeom>
         </p:spPr>
-        <p:txBody>
-          <a:bodyPr/>
-          <a:lstStyle/>
-          <a:p>
-            <a:pPr>
-              <a:buFont typeface="Arial" panose="020B0604020202020204" pitchFamily="34" charset="0"/>
-              <a:buChar char="•"/>
-            </a:pPr>
-            <a:r>
-              <a:rPr lang="en-US" dirty="0">
-                <a:latin typeface="Calibri" panose="020F0502020204030204" pitchFamily="34" charset="0"/>
-                <a:cs typeface="Calibri" panose="020F0502020204030204" pitchFamily="34" charset="0"/>
-              </a:rPr>
-              <a:t>Evaluate model using metrics: accuracy, precision, recall, F1-score, ROC-AUC</a:t>
-            </a:r>
-          </a:p>
-          <a:p>
-            <a:pPr>
-              <a:buFont typeface="Arial" panose="020B0604020202020204" pitchFamily="34" charset="0"/>
-              <a:buChar char="•"/>
-            </a:pPr>
-            <a:r>
-              <a:rPr lang="en-US" dirty="0">
-                <a:latin typeface="Calibri" panose="020F0502020204030204" pitchFamily="34" charset="0"/>
-                <a:cs typeface="Calibri" panose="020F0502020204030204" pitchFamily="34" charset="0"/>
-              </a:rPr>
-              <a:t>Use confusion matrix to understand the errors.</a:t>
-            </a:r>
-          </a:p>
-        </p:txBody>
-      </p:sp>
+      </p:pic>
     </p:spTree>
     <p:extLst>
       <p:ext uri="{BB962C8B-B14F-4D97-AF65-F5344CB8AC3E}">
-        <p14:creationId xmlns:p14="http://schemas.microsoft.com/office/powerpoint/2010/main" val="2006873351"/>
+        <p14:creationId xmlns:p14="http://schemas.microsoft.com/office/powerpoint/2010/main" val="4054760708"/>
       </p:ext>
     </p:extLst>
   </p:cSld>
@@ -7371,7 +8684,7 @@
       </p:grpSpPr>
       <p:sp>
         <p:nvSpPr>
-          <p:cNvPr id="2" name="Title 1"/>
+          <p:cNvPr id="4" name="Title 3"/>
           <p:cNvSpPr>
             <a:spLocks noGrp="1"/>
           </p:cNvSpPr>
@@ -7394,15 +8707,93 @@
                 <a:latin typeface="Calibri" panose="020F0502020204030204" pitchFamily="34" charset="0"/>
                 <a:cs typeface="Calibri" panose="020F0502020204030204" pitchFamily="34" charset="0"/>
               </a:rPr>
-              <a:t>9. Q&amp;A</a:t>
-            </a:r>
-          </a:p>
-        </p:txBody>
-      </p:sp>
+              <a:t>3. Data Preprocessing</a:t>
+            </a:r>
+          </a:p>
+        </p:txBody>
+      </p:sp>
+      <p:sp>
+        <p:nvSpPr>
+          <p:cNvPr id="5" name="Content Placeholder 2"/>
+          <p:cNvSpPr>
+            <a:spLocks noGrp="1"/>
+          </p:cNvSpPr>
+          <p:nvPr>
+            <p:ph idx="1"/>
+          </p:nvPr>
+        </p:nvSpPr>
+        <p:spPr>
+          <a:xfrm>
+            <a:off x="477464" y="1044421"/>
+            <a:ext cx="11714536" cy="5813579"/>
+          </a:xfrm>
+        </p:spPr>
+        <p:txBody>
+          <a:bodyPr/>
+          <a:lstStyle/>
+          <a:p>
+            <a:pPr>
+              <a:buFont typeface="Arial" panose="020B0604020202020204" pitchFamily="34" charset="0"/>
+              <a:buChar char="•"/>
+            </a:pPr>
+            <a:r>
+              <a:rPr lang="en-US" b="1" dirty="0">
+                <a:solidFill>
+                  <a:srgbClr val="002060"/>
+                </a:solidFill>
+                <a:latin typeface="Calibri" panose="020F0502020204030204" pitchFamily="34" charset="0"/>
+                <a:cs typeface="Calibri" panose="020F0502020204030204" pitchFamily="34" charset="0"/>
+              </a:rPr>
+              <a:t>Handling Imbalanced Data</a:t>
+            </a:r>
+            <a:r>
+              <a:rPr lang="en-US" dirty="0">
+                <a:latin typeface="Calibri" panose="020F0502020204030204" pitchFamily="34" charset="0"/>
+                <a:cs typeface="Calibri" panose="020F0502020204030204" pitchFamily="34" charset="0"/>
+              </a:rPr>
+              <a:t>: The data is balanced, no handle required</a:t>
+            </a:r>
+            <a:endParaRPr lang="en-US" sz="3200" b="1" dirty="0">
+              <a:latin typeface="Calibri" panose="020F0502020204030204" pitchFamily="34" charset="0"/>
+              <a:cs typeface="Calibri" panose="020F0502020204030204" pitchFamily="34" charset="0"/>
+            </a:endParaRPr>
+          </a:p>
+        </p:txBody>
+      </p:sp>
+      <p:pic>
+        <p:nvPicPr>
+          <p:cNvPr id="7" name="Picture 6">
+            <a:extLst>
+              <a:ext uri="{FF2B5EF4-FFF2-40B4-BE49-F238E27FC236}">
+                <a16:creationId xmlns:a16="http://schemas.microsoft.com/office/drawing/2014/main" id="{40EF571E-3A93-4CCE-AE88-8DDB175C5A82}"/>
+              </a:ext>
+            </a:extLst>
+          </p:cNvPr>
+          <p:cNvPicPr>
+            <a:picLocks noChangeAspect="1"/>
+          </p:cNvPicPr>
+          <p:nvPr/>
+        </p:nvPicPr>
+        <p:blipFill>
+          <a:blip r:embed="rId3"/>
+          <a:stretch>
+            <a:fillRect/>
+          </a:stretch>
+        </p:blipFill>
+        <p:spPr>
+          <a:xfrm>
+            <a:off x="1952625" y="1776412"/>
+            <a:ext cx="8286750" cy="3305175"/>
+          </a:xfrm>
+          <a:prstGeom prst="rect">
+            <a:avLst/>
+          </a:prstGeom>
+        </p:spPr>
+      </p:pic>
     </p:spTree>
     <p:extLst>
       <p:ext uri="{BB962C8B-B14F-4D97-AF65-F5344CB8AC3E}">
-        <p14:creationId xmlns:p14="http://schemas.microsoft.com/office/powerpoint/2010/main" val="577511265"/>
+        <p14:creationId xmlns:p14="http://schemas.microsoft.com/office/powerpoint/2010/main" val="1413178015"/>
       </p:ext>
     </p:extLst>
   </p:cSld>
@@ -7431,172 +8822,132 @@
       </p:grpSpPr>
       <p:sp>
         <p:nvSpPr>
-          <p:cNvPr id="3" name="TextBox 2"/>
-          <p:cNvSpPr txBox="1">
-            <a:spLocks noChangeArrowheads="1"/>
-          </p:cNvSpPr>
+          <p:cNvPr id="4" name="Title 3"/>
+          <p:cNvSpPr>
+            <a:spLocks noGrp="1"/>
+          </p:cNvSpPr>
+          <p:nvPr>
+            <p:ph type="title"/>
+          </p:nvPr>
+        </p:nvSpPr>
+        <p:spPr>
+          <a:xfrm>
+            <a:off x="466579" y="240325"/>
+            <a:ext cx="11714536" cy="441082"/>
+          </a:xfrm>
+        </p:spPr>
+        <p:txBody>
+          <a:bodyPr/>
+          <a:lstStyle/>
+          <a:p>
+            <a:r>
+              <a:rPr lang="en-US" sz="3200" dirty="0">
+                <a:latin typeface="Calibri" panose="020F0502020204030204" pitchFamily="34" charset="0"/>
+                <a:cs typeface="Calibri" panose="020F0502020204030204" pitchFamily="34" charset="0"/>
+              </a:rPr>
+              <a:t>3. Data Preprocessing</a:t>
+            </a:r>
+          </a:p>
+        </p:txBody>
+      </p:sp>
+      <p:sp>
+        <p:nvSpPr>
+          <p:cNvPr id="5" name="Content Placeholder 2"/>
+          <p:cNvSpPr>
+            <a:spLocks noGrp="1"/>
+          </p:cNvSpPr>
+          <p:nvPr>
+            <p:ph idx="1"/>
+          </p:nvPr>
+        </p:nvSpPr>
+        <p:spPr>
+          <a:xfrm>
+            <a:off x="477464" y="1044421"/>
+            <a:ext cx="11714536" cy="5813579"/>
+          </a:xfrm>
+        </p:spPr>
+        <p:txBody>
+          <a:bodyPr/>
+          <a:lstStyle/>
+          <a:p>
+            <a:pPr>
+              <a:buFont typeface="Arial" panose="020B0604020202020204" pitchFamily="34" charset="0"/>
+              <a:buChar char="•"/>
+            </a:pPr>
+            <a:r>
+              <a:rPr lang="en-US" b="1" dirty="0">
+                <a:latin typeface="Calibri" panose="020F0502020204030204" pitchFamily="34" charset="0"/>
+                <a:cs typeface="Calibri" panose="020F0502020204030204" pitchFamily="34" charset="0"/>
+              </a:rPr>
+              <a:t>Preprocessing with tokenization</a:t>
+            </a:r>
+          </a:p>
+        </p:txBody>
+      </p:sp>
+      <p:pic>
+        <p:nvPicPr>
+          <p:cNvPr id="8" name="Picture 7">
+            <a:extLst>
+              <a:ext uri="{FF2B5EF4-FFF2-40B4-BE49-F238E27FC236}">
+                <a16:creationId xmlns:a16="http://schemas.microsoft.com/office/drawing/2014/main" id="{D4352DB2-26EA-49D4-950B-8BF605C0B101}"/>
+              </a:ext>
+            </a:extLst>
+          </p:cNvPr>
+          <p:cNvPicPr>
+            <a:picLocks noChangeAspect="1"/>
+          </p:cNvPicPr>
           <p:nvPr/>
-        </p:nvSpPr>
-        <p:spPr bwMode="auto">
+        </p:nvPicPr>
+        <p:blipFill>
+          <a:blip r:embed="rId3"/>
+          <a:stretch>
+            <a:fillRect/>
+          </a:stretch>
+        </p:blipFill>
+        <p:spPr>
           <a:xfrm>
-            <a:off x="3870008" y="3069273"/>
-            <a:ext cx="4421187" cy="922337"/>
+            <a:off x="0" y="1779863"/>
+            <a:ext cx="5622047" cy="3581409"/>
           </a:xfrm>
           <a:prstGeom prst="rect">
             <a:avLst/>
           </a:prstGeom>
-          <a:noFill/>
-          <a:ln>
-            <a:noFill/>
-          </a:ln>
-          <a:extLst>
-            <a:ext uri="{909E8E84-426E-40DD-AFC4-6F175D3DCCD1}">
-              <a14:hiddenFill xmlns:a14="http://schemas.microsoft.com/office/drawing/2010/main">
-                <a:solidFill>
-                  <a:srgbClr val="FFFFFF"/>
-                </a:solidFill>
-              </a14:hiddenFill>
-            </a:ext>
-            <a:ext uri="{91240B29-F687-4F45-9708-019B960494DF}">
-              <a14:hiddenLine xmlns:a14="http://schemas.microsoft.com/office/drawing/2010/main" w="9525">
-                <a:solidFill>
-                  <a:srgbClr val="000000"/>
-                </a:solidFill>
-                <a:miter lim="800000"/>
-                <a:headEnd/>
-                <a:tailEnd/>
-              </a14:hiddenLine>
-            </a:ext>
-          </a:extLst>
         </p:spPr>
-        <p:txBody>
-          <a:bodyPr>
-            <a:spAutoFit/>
-          </a:bodyPr>
-          <a:lstStyle>
-            <a:lvl1pPr>
-              <a:defRPr>
-                <a:solidFill>
-                  <a:schemeClr val="tx1"/>
-                </a:solidFill>
-                <a:latin typeface="Calibri" panose="020F0502020204030204" pitchFamily="34" charset="0"/>
-              </a:defRPr>
-            </a:lvl1pPr>
-            <a:lvl2pPr marL="742950" indent="-285750">
-              <a:defRPr>
-                <a:solidFill>
-                  <a:schemeClr val="tx1"/>
-                </a:solidFill>
-                <a:latin typeface="Calibri" panose="020F0502020204030204" pitchFamily="34" charset="0"/>
-              </a:defRPr>
-            </a:lvl2pPr>
-            <a:lvl3pPr marL="1143000" indent="-228600">
-              <a:defRPr>
-                <a:solidFill>
-                  <a:schemeClr val="tx1"/>
-                </a:solidFill>
-                <a:latin typeface="Calibri" panose="020F0502020204030204" pitchFamily="34" charset="0"/>
-              </a:defRPr>
-            </a:lvl3pPr>
-            <a:lvl4pPr marL="1600200" indent="-228600">
-              <a:defRPr>
-                <a:solidFill>
-                  <a:schemeClr val="tx1"/>
-                </a:solidFill>
-                <a:latin typeface="Calibri" panose="020F0502020204030204" pitchFamily="34" charset="0"/>
-              </a:defRPr>
-            </a:lvl4pPr>
-            <a:lvl5pPr marL="2057400" indent="-228600">
-              <a:defRPr>
-                <a:solidFill>
-                  <a:schemeClr val="tx1"/>
-                </a:solidFill>
-                <a:latin typeface="Calibri" panose="020F0502020204030204" pitchFamily="34" charset="0"/>
-              </a:defRPr>
-            </a:lvl5pPr>
-            <a:lvl6pPr marL="2514600" indent="-228600" fontAlgn="base">
-              <a:spcBef>
-                <a:spcPct val="0"/>
-              </a:spcBef>
-              <a:spcAft>
-                <a:spcPct val="0"/>
-              </a:spcAft>
-              <a:defRPr>
-                <a:solidFill>
-                  <a:schemeClr val="tx1"/>
-                </a:solidFill>
-                <a:latin typeface="Calibri" panose="020F0502020204030204" pitchFamily="34" charset="0"/>
-              </a:defRPr>
-            </a:lvl6pPr>
-            <a:lvl7pPr marL="2971800" indent="-228600" fontAlgn="base">
-              <a:spcBef>
-                <a:spcPct val="0"/>
-              </a:spcBef>
-              <a:spcAft>
-                <a:spcPct val="0"/>
-              </a:spcAft>
-              <a:defRPr>
-                <a:solidFill>
-                  <a:schemeClr val="tx1"/>
-                </a:solidFill>
-                <a:latin typeface="Calibri" panose="020F0502020204030204" pitchFamily="34" charset="0"/>
-              </a:defRPr>
-            </a:lvl7pPr>
-            <a:lvl8pPr marL="3429000" indent="-228600" fontAlgn="base">
-              <a:spcBef>
-                <a:spcPct val="0"/>
-              </a:spcBef>
-              <a:spcAft>
-                <a:spcPct val="0"/>
-              </a:spcAft>
-              <a:defRPr>
-                <a:solidFill>
-                  <a:schemeClr val="tx1"/>
-                </a:solidFill>
-                <a:latin typeface="Calibri" panose="020F0502020204030204" pitchFamily="34" charset="0"/>
-              </a:defRPr>
-            </a:lvl8pPr>
-            <a:lvl9pPr marL="3886200" indent="-228600" fontAlgn="base">
-              <a:spcBef>
-                <a:spcPct val="0"/>
-              </a:spcBef>
-              <a:spcAft>
-                <a:spcPct val="0"/>
-              </a:spcAft>
-              <a:defRPr>
-                <a:solidFill>
-                  <a:schemeClr val="tx1"/>
-                </a:solidFill>
-                <a:latin typeface="Calibri" panose="020F0502020204030204" pitchFamily="34" charset="0"/>
-              </a:defRPr>
-            </a:lvl9pPr>
-          </a:lstStyle>
-          <a:p>
-            <a:pPr eaLnBrk="1" hangingPunct="1">
-              <a:defRPr/>
-            </a:pPr>
-            <a:r>
-              <a:rPr lang="en-US" altLang="en-US" sz="5400" b="1" dirty="0">
-                <a:solidFill>
-                  <a:srgbClr val="00B0F0"/>
-                </a:solidFill>
-                <a:cs typeface="Calibri" panose="020F0502020204030204" pitchFamily="34" charset="0"/>
-              </a:rPr>
-              <a:t>THANK YOU !</a:t>
-            </a:r>
-            <a:endParaRPr lang="en-US" altLang="en-US" sz="5400" dirty="0">
-              <a:solidFill>
-                <a:srgbClr val="00B0F0"/>
-              </a:solidFill>
-              <a:cs typeface="Calibri" panose="020F0502020204030204" pitchFamily="34" charset="0"/>
-            </a:endParaRPr>
-          </a:p>
-        </p:txBody>
-      </p:sp>
+      </p:pic>
+      <p:pic>
+        <p:nvPicPr>
+          <p:cNvPr id="10" name="Picture 9">
+            <a:extLst>
+              <a:ext uri="{FF2B5EF4-FFF2-40B4-BE49-F238E27FC236}">
+                <a16:creationId xmlns:a16="http://schemas.microsoft.com/office/drawing/2014/main" id="{673531F8-011C-4205-984B-53E629FE096F}"/>
+              </a:ext>
+            </a:extLst>
+          </p:cNvPr>
+          <p:cNvPicPr>
+            <a:picLocks noChangeAspect="1"/>
+          </p:cNvPicPr>
+          <p:nvPr/>
+        </p:nvPicPr>
+        <p:blipFill>
+          <a:blip r:embed="rId4"/>
+          <a:stretch>
+            <a:fillRect/>
+          </a:stretch>
+        </p:blipFill>
+        <p:spPr>
+          <a:xfrm>
+            <a:off x="5622047" y="1779863"/>
+            <a:ext cx="6559068" cy="3600655"/>
+          </a:xfrm>
+          <a:prstGeom prst="rect">
+            <a:avLst/>
+          </a:prstGeom>
+        </p:spPr>
+      </p:pic>
     </p:spTree>
     <p:extLst>
       <p:ext uri="{BB962C8B-B14F-4D97-AF65-F5344CB8AC3E}">
-        <p14:creationId xmlns:p14="http://schemas.microsoft.com/office/powerpoint/2010/main" val="883376971"/>
+        <p14:creationId xmlns:p14="http://schemas.microsoft.com/office/powerpoint/2010/main" val="1854013977"/>
       </p:ext>
     </p:extLst>
   </p:cSld>
@@ -7648,7 +8999,7 @@
                 <a:latin typeface="Calibri" panose="020F0502020204030204" pitchFamily="34" charset="0"/>
                 <a:cs typeface="Calibri" panose="020F0502020204030204" pitchFamily="34" charset="0"/>
               </a:rPr>
-              <a:t>Classification vs Sentiment analysis</a:t>
+              <a:t>3. Data Preprocessing</a:t>
             </a:r>
           </a:p>
         </p:txBody>
@@ -7678,69 +9029,49 @@
               <a:buChar char="•"/>
             </a:pPr>
             <a:r>
-              <a:rPr lang="en-US" b="1" i="0" dirty="0">
-                <a:solidFill>
-                  <a:srgbClr val="282829"/>
-                </a:solidFill>
-                <a:effectLst/>
-                <a:latin typeface="Calibri" panose="020F0502020204030204" pitchFamily="34" charset="0"/>
-                <a:cs typeface="Calibri" panose="020F0502020204030204" pitchFamily="34" charset="0"/>
-              </a:rPr>
-              <a:t>Classification</a:t>
-            </a:r>
-            <a:r>
-              <a:rPr lang="en-US" b="0" i="0" dirty="0">
-                <a:solidFill>
-                  <a:srgbClr val="282829"/>
-                </a:solidFill>
-                <a:effectLst/>
-                <a:latin typeface="Calibri" panose="020F0502020204030204" pitchFamily="34" charset="0"/>
-                <a:cs typeface="Calibri" panose="020F0502020204030204" pitchFamily="34" charset="0"/>
-              </a:rPr>
-              <a:t> - You have set of predefined classes, and you want to classify new incoming item in one of those classes. There you would use any of classification technique from machine learning.</a:t>
-            </a:r>
-          </a:p>
-          <a:p>
-            <a:pPr>
-              <a:buFont typeface="Arial" panose="020B0604020202020204" pitchFamily="34" charset="0"/>
-              <a:buChar char="•"/>
-            </a:pPr>
-            <a:r>
-              <a:rPr lang="en-US" sz="2400" b="1" i="0" dirty="0">
-                <a:solidFill>
-                  <a:srgbClr val="282829"/>
-                </a:solidFill>
-                <a:effectLst/>
-                <a:latin typeface="Calibri" panose="020F0502020204030204" pitchFamily="34" charset="0"/>
-                <a:cs typeface="Calibri" panose="020F0502020204030204" pitchFamily="34" charset="0"/>
-              </a:rPr>
-              <a:t>Sentiment analysis</a:t>
-            </a:r>
-            <a:r>
-              <a:rPr lang="en-US" sz="2400" b="0" i="0" dirty="0">
-                <a:solidFill>
-                  <a:srgbClr val="282829"/>
-                </a:solidFill>
-                <a:effectLst/>
-                <a:latin typeface="Calibri" panose="020F0502020204030204" pitchFamily="34" charset="0"/>
-                <a:cs typeface="Calibri" panose="020F0502020204030204" pitchFamily="34" charset="0"/>
-              </a:rPr>
-              <a:t> - It is the technique for measuring the polarity of input text. How much positive or negative content the text has.</a:t>
-            </a:r>
-            <a:endParaRPr lang="en-US" sz="3200" dirty="0">
-              <a:solidFill>
-                <a:srgbClr val="282829"/>
-              </a:solidFill>
-              <a:latin typeface="Calibri" panose="020F0502020204030204" pitchFamily="34" charset="0"/>
-              <a:cs typeface="Calibri" panose="020F0502020204030204" pitchFamily="34" charset="0"/>
-            </a:endParaRPr>
-          </a:p>
-        </p:txBody>
-      </p:sp>
+              <a:rPr lang="en-US" b="1" dirty="0">
+                <a:latin typeface="Calibri" panose="020F0502020204030204" pitchFamily="34" charset="0"/>
+                <a:cs typeface="Calibri" panose="020F0502020204030204" pitchFamily="34" charset="0"/>
+              </a:rPr>
+              <a:t>Preprocessing with tokenization</a:t>
+            </a:r>
+          </a:p>
+        </p:txBody>
+      </p:sp>
+      <p:pic>
+        <p:nvPicPr>
+          <p:cNvPr id="3" name="Picture 2">
+            <a:extLst>
+              <a:ext uri="{FF2B5EF4-FFF2-40B4-BE49-F238E27FC236}">
+                <a16:creationId xmlns:a16="http://schemas.microsoft.com/office/drawing/2014/main" id="{B5E1E02D-2DE0-4352-9AC4-4524854ED481}"/>
+              </a:ext>
+            </a:extLst>
+          </p:cNvPr>
+          <p:cNvPicPr>
+            <a:picLocks noChangeAspect="1"/>
+          </p:cNvPicPr>
+          <p:nvPr/>
+        </p:nvPicPr>
+        <p:blipFill>
+          <a:blip r:embed="rId3"/>
+          <a:stretch>
+            <a:fillRect/>
+          </a:stretch>
+        </p:blipFill>
+        <p:spPr>
+          <a:xfrm>
+            <a:off x="881062" y="2009775"/>
+            <a:ext cx="10429875" cy="2838450"/>
+          </a:xfrm>
+          <a:prstGeom prst="rect">
+            <a:avLst/>
+          </a:prstGeom>
+        </p:spPr>
+      </p:pic>
     </p:spTree>
     <p:extLst>
       <p:ext uri="{BB962C8B-B14F-4D97-AF65-F5344CB8AC3E}">
-        <p14:creationId xmlns:p14="http://schemas.microsoft.com/office/powerpoint/2010/main" val="650466616"/>
+        <p14:creationId xmlns:p14="http://schemas.microsoft.com/office/powerpoint/2010/main" val="180778101"/>
       </p:ext>
     </p:extLst>
   </p:cSld>
@@ -7792,7 +9123,2261 @@
                 <a:latin typeface="Calibri" panose="020F0502020204030204" pitchFamily="34" charset="0"/>
                 <a:cs typeface="Calibri" panose="020F0502020204030204" pitchFamily="34" charset="0"/>
               </a:rPr>
+              <a:t>4. Word Embedding</a:t>
+            </a:r>
+          </a:p>
+        </p:txBody>
+      </p:sp>
+      <p:sp>
+        <p:nvSpPr>
+          <p:cNvPr id="5" name="Content Placeholder 2"/>
+          <p:cNvSpPr>
+            <a:spLocks noGrp="1"/>
+          </p:cNvSpPr>
+          <p:nvPr>
+            <p:ph idx="1"/>
+          </p:nvPr>
+        </p:nvSpPr>
+        <p:spPr>
+          <a:xfrm>
+            <a:off x="477464" y="1044421"/>
+            <a:ext cx="11714536" cy="5813579"/>
+          </a:xfrm>
+        </p:spPr>
+        <p:txBody>
+          <a:bodyPr/>
+          <a:lstStyle/>
+          <a:p>
+            <a:pPr>
+              <a:buFont typeface="Arial" panose="020B0604020202020204" pitchFamily="34" charset="0"/>
+              <a:buChar char="•"/>
+            </a:pPr>
+            <a:r>
+              <a:rPr lang="en-US" b="1" dirty="0">
+                <a:latin typeface="Calibri" panose="020F0502020204030204" pitchFamily="34" charset="0"/>
+                <a:cs typeface="Calibri" panose="020F0502020204030204" pitchFamily="34" charset="0"/>
+              </a:rPr>
+              <a:t>Bag of Words (</a:t>
+            </a:r>
+            <a:r>
+              <a:rPr lang="en-US" b="1" dirty="0" err="1">
+                <a:latin typeface="Calibri" panose="020F0502020204030204" pitchFamily="34" charset="0"/>
+                <a:cs typeface="Calibri" panose="020F0502020204030204" pitchFamily="34" charset="0"/>
+              </a:rPr>
+              <a:t>BoW</a:t>
+            </a:r>
+            <a:r>
+              <a:rPr lang="en-US" b="1" dirty="0">
+                <a:latin typeface="Calibri" panose="020F0502020204030204" pitchFamily="34" charset="0"/>
+                <a:cs typeface="Calibri" panose="020F0502020204030204" pitchFamily="34" charset="0"/>
+              </a:rPr>
+              <a:t>)</a:t>
+            </a:r>
+            <a:r>
+              <a:rPr lang="en-US" dirty="0">
+                <a:latin typeface="Calibri" panose="020F0502020204030204" pitchFamily="34" charset="0"/>
+                <a:cs typeface="Calibri" panose="020F0502020204030204" pitchFamily="34" charset="0"/>
+              </a:rPr>
+              <a:t>: Create a matrix of token counts</a:t>
+            </a:r>
+          </a:p>
+          <a:p>
+            <a:pPr>
+              <a:buFont typeface="Arial" panose="020B0604020202020204" pitchFamily="34" charset="0"/>
+              <a:buChar char="•"/>
+            </a:pPr>
+            <a:r>
+              <a:rPr lang="en-US" b="1" dirty="0">
+                <a:latin typeface="Calibri" panose="020F0502020204030204" pitchFamily="34" charset="0"/>
+                <a:cs typeface="Calibri" panose="020F0502020204030204" pitchFamily="34" charset="0"/>
+              </a:rPr>
+              <a:t>TF-IDF (Term Frequency-Inverse Document Frequency): </a:t>
+            </a:r>
+            <a:r>
+              <a:rPr lang="en-US" dirty="0">
+                <a:latin typeface="Calibri" panose="020F0502020204030204" pitchFamily="34" charset="0"/>
+                <a:cs typeface="Calibri" panose="020F0502020204030204" pitchFamily="34" charset="0"/>
+              </a:rPr>
+              <a:t>Convert texts to a matrix of TF-IDF features</a:t>
+            </a:r>
+          </a:p>
+          <a:p>
+            <a:pPr>
+              <a:buFont typeface="Arial" panose="020B0604020202020204" pitchFamily="34" charset="0"/>
+              <a:buChar char="•"/>
+            </a:pPr>
+            <a:r>
+              <a:rPr lang="en-US" b="1" dirty="0">
+                <a:latin typeface="Calibri" panose="020F0502020204030204" pitchFamily="34" charset="0"/>
+                <a:cs typeface="Calibri" panose="020F0502020204030204" pitchFamily="34" charset="0"/>
+              </a:rPr>
+              <a:t>Word Embeddings: </a:t>
+            </a:r>
+            <a:r>
+              <a:rPr lang="en-US" dirty="0">
+                <a:latin typeface="Calibri" panose="020F0502020204030204" pitchFamily="34" charset="0"/>
+                <a:cs typeface="Calibri" panose="020F0502020204030204" pitchFamily="34" charset="0"/>
+              </a:rPr>
+              <a:t>Use pre-trained embeddings like Word2Vec, </a:t>
+            </a:r>
+            <a:r>
+              <a:rPr lang="en-US" dirty="0" err="1">
+                <a:latin typeface="Calibri" panose="020F0502020204030204" pitchFamily="34" charset="0"/>
+                <a:cs typeface="Calibri" panose="020F0502020204030204" pitchFamily="34" charset="0"/>
+              </a:rPr>
+              <a:t>GloVe</a:t>
+            </a:r>
+            <a:r>
+              <a:rPr lang="en-US" dirty="0">
+                <a:latin typeface="Calibri" panose="020F0502020204030204" pitchFamily="34" charset="0"/>
+                <a:cs typeface="Calibri" panose="020F0502020204030204" pitchFamily="34" charset="0"/>
+              </a:rPr>
+              <a:t>, </a:t>
+            </a:r>
+            <a:r>
+              <a:rPr lang="en-US" dirty="0" err="1">
+                <a:latin typeface="Calibri" panose="020F0502020204030204" pitchFamily="34" charset="0"/>
+                <a:cs typeface="Calibri" panose="020F0502020204030204" pitchFamily="34" charset="0"/>
+              </a:rPr>
+              <a:t>FastText</a:t>
+            </a:r>
+            <a:r>
+              <a:rPr lang="en-US" dirty="0">
+                <a:latin typeface="Calibri" panose="020F0502020204030204" pitchFamily="34" charset="0"/>
+                <a:cs typeface="Calibri" panose="020F0502020204030204" pitchFamily="34" charset="0"/>
+              </a:rPr>
+              <a:t> or train your own</a:t>
+            </a:r>
+            <a:endParaRPr lang="en-US" sz="3200" b="1" dirty="0">
+              <a:latin typeface="Calibri" panose="020F0502020204030204" pitchFamily="34" charset="0"/>
+              <a:cs typeface="Calibri" panose="020F0502020204030204" pitchFamily="34" charset="0"/>
+            </a:endParaRPr>
+          </a:p>
+        </p:txBody>
+      </p:sp>
+    </p:spTree>
+    <p:extLst>
+      <p:ext uri="{BB962C8B-B14F-4D97-AF65-F5344CB8AC3E}">
+        <p14:creationId xmlns:p14="http://schemas.microsoft.com/office/powerpoint/2010/main" val="1874176664"/>
+      </p:ext>
+    </p:extLst>
+  </p:cSld>
+  <p:clrMapOvr>
+    <a:masterClrMapping/>
+  </p:clrMapOvr>
+</p:sld>
+</file>
+
+<file path=ppt/slides/slide15.xml><?xml version="1.0" encoding="utf-8"?>
+<p:sld xmlns:a="http://schemas.openxmlformats.org/drawingml/2006/main" xmlns:r="http://schemas.openxmlformats.org/officeDocument/2006/relationships" xmlns:p="http://schemas.openxmlformats.org/presentationml/2006/main">
+  <p:cSld>
+    <p:spTree>
+      <p:nvGrpSpPr>
+        <p:cNvPr id="1" name=""/>
+        <p:cNvGrpSpPr/>
+        <p:nvPr/>
+      </p:nvGrpSpPr>
+      <p:grpSpPr>
+        <a:xfrm>
+          <a:off x="0" y="0"/>
+          <a:ext cx="0" cy="0"/>
+          <a:chOff x="0" y="0"/>
+          <a:chExt cx="0" cy="0"/>
+        </a:xfrm>
+      </p:grpSpPr>
+      <p:sp>
+        <p:nvSpPr>
+          <p:cNvPr id="4" name="Title 3"/>
+          <p:cNvSpPr>
+            <a:spLocks noGrp="1"/>
+          </p:cNvSpPr>
+          <p:nvPr>
+            <p:ph type="title"/>
+          </p:nvPr>
+        </p:nvSpPr>
+        <p:spPr>
+          <a:xfrm>
+            <a:off x="466579" y="240325"/>
+            <a:ext cx="11714536" cy="441082"/>
+          </a:xfrm>
+        </p:spPr>
+        <p:txBody>
+          <a:bodyPr/>
+          <a:lstStyle/>
+          <a:p>
+            <a:r>
+              <a:rPr lang="en-US" sz="3200" dirty="0">
+                <a:latin typeface="Calibri" panose="020F0502020204030204" pitchFamily="34" charset="0"/>
+                <a:cs typeface="Calibri" panose="020F0502020204030204" pitchFamily="34" charset="0"/>
+              </a:rPr>
+              <a:t>4. Word Embedding</a:t>
+            </a:r>
+          </a:p>
+        </p:txBody>
+      </p:sp>
+      <p:sp>
+        <p:nvSpPr>
+          <p:cNvPr id="5" name="Content Placeholder 2"/>
+          <p:cNvSpPr>
+            <a:spLocks noGrp="1"/>
+          </p:cNvSpPr>
+          <p:nvPr>
+            <p:ph idx="1"/>
+          </p:nvPr>
+        </p:nvSpPr>
+        <p:spPr>
+          <a:xfrm>
+            <a:off x="477464" y="1044421"/>
+            <a:ext cx="11714536" cy="5813579"/>
+          </a:xfrm>
+        </p:spPr>
+        <p:txBody>
+          <a:bodyPr/>
+          <a:lstStyle/>
+          <a:p>
+            <a:pPr>
+              <a:buFont typeface="Arial" panose="020B0604020202020204" pitchFamily="34" charset="0"/>
+              <a:buChar char="•"/>
+            </a:pPr>
+            <a:r>
+              <a:rPr lang="en-US" b="1" dirty="0">
+                <a:latin typeface="Calibri" panose="020F0502020204030204" pitchFamily="34" charset="0"/>
+                <a:cs typeface="Calibri" panose="020F0502020204030204" pitchFamily="34" charset="0"/>
+              </a:rPr>
+              <a:t>Bag of Words (</a:t>
+            </a:r>
+            <a:r>
+              <a:rPr lang="en-US" b="1" dirty="0" err="1">
+                <a:latin typeface="Calibri" panose="020F0502020204030204" pitchFamily="34" charset="0"/>
+                <a:cs typeface="Calibri" panose="020F0502020204030204" pitchFamily="34" charset="0"/>
+              </a:rPr>
+              <a:t>BoW</a:t>
+            </a:r>
+            <a:r>
+              <a:rPr lang="en-US" b="1" dirty="0">
+                <a:latin typeface="Calibri" panose="020F0502020204030204" pitchFamily="34" charset="0"/>
+                <a:cs typeface="Calibri" panose="020F0502020204030204" pitchFamily="34" charset="0"/>
+              </a:rPr>
+              <a:t>)</a:t>
+            </a:r>
+            <a:r>
+              <a:rPr lang="en-US" dirty="0">
+                <a:latin typeface="Calibri" panose="020F0502020204030204" pitchFamily="34" charset="0"/>
+                <a:cs typeface="Calibri" panose="020F0502020204030204" pitchFamily="34" charset="0"/>
+              </a:rPr>
+              <a:t>: Create a matrix of token counts</a:t>
+            </a:r>
+          </a:p>
+        </p:txBody>
+      </p:sp>
+      <p:pic>
+        <p:nvPicPr>
+          <p:cNvPr id="3" name="Picture 2">
+            <a:extLst>
+              <a:ext uri="{FF2B5EF4-FFF2-40B4-BE49-F238E27FC236}">
+                <a16:creationId xmlns:a16="http://schemas.microsoft.com/office/drawing/2014/main" id="{52E79ADB-2EB0-476D-96AC-2467ADD347C6}"/>
+              </a:ext>
+            </a:extLst>
+          </p:cNvPr>
+          <p:cNvPicPr>
+            <a:picLocks noChangeAspect="1"/>
+          </p:cNvPicPr>
+          <p:nvPr/>
+        </p:nvPicPr>
+        <p:blipFill>
+          <a:blip r:embed="rId3"/>
+          <a:stretch>
+            <a:fillRect/>
+          </a:stretch>
+        </p:blipFill>
+        <p:spPr>
+          <a:xfrm>
+            <a:off x="2993782" y="1668786"/>
+            <a:ext cx="6660130" cy="4734309"/>
+          </a:xfrm>
+          <a:prstGeom prst="rect">
+            <a:avLst/>
+          </a:prstGeom>
+        </p:spPr>
+      </p:pic>
+    </p:spTree>
+    <p:extLst>
+      <p:ext uri="{BB962C8B-B14F-4D97-AF65-F5344CB8AC3E}">
+        <p14:creationId xmlns:p14="http://schemas.microsoft.com/office/powerpoint/2010/main" val="2237355758"/>
+      </p:ext>
+    </p:extLst>
+  </p:cSld>
+  <p:clrMapOvr>
+    <a:masterClrMapping/>
+  </p:clrMapOvr>
+</p:sld>
+</file>
+
+<file path=ppt/slides/slide16.xml><?xml version="1.0" encoding="utf-8"?>
+<p:sld xmlns:a="http://schemas.openxmlformats.org/drawingml/2006/main" xmlns:r="http://schemas.openxmlformats.org/officeDocument/2006/relationships" xmlns:p="http://schemas.openxmlformats.org/presentationml/2006/main">
+  <p:cSld>
+    <p:spTree>
+      <p:nvGrpSpPr>
+        <p:cNvPr id="1" name=""/>
+        <p:cNvGrpSpPr/>
+        <p:nvPr/>
+      </p:nvGrpSpPr>
+      <p:grpSpPr>
+        <a:xfrm>
+          <a:off x="0" y="0"/>
+          <a:ext cx="0" cy="0"/>
+          <a:chOff x="0" y="0"/>
+          <a:chExt cx="0" cy="0"/>
+        </a:xfrm>
+      </p:grpSpPr>
+      <p:sp>
+        <p:nvSpPr>
+          <p:cNvPr id="4" name="Title 3"/>
+          <p:cNvSpPr>
+            <a:spLocks noGrp="1"/>
+          </p:cNvSpPr>
+          <p:nvPr>
+            <p:ph type="title"/>
+          </p:nvPr>
+        </p:nvSpPr>
+        <p:spPr>
+          <a:xfrm>
+            <a:off x="466579" y="240325"/>
+            <a:ext cx="11714536" cy="441082"/>
+          </a:xfrm>
+        </p:spPr>
+        <p:txBody>
+          <a:bodyPr/>
+          <a:lstStyle/>
+          <a:p>
+            <a:r>
+              <a:rPr lang="en-US" sz="3200" dirty="0">
+                <a:latin typeface="Calibri" panose="020F0502020204030204" pitchFamily="34" charset="0"/>
+                <a:cs typeface="Calibri" panose="020F0502020204030204" pitchFamily="34" charset="0"/>
+              </a:rPr>
+              <a:t>4. Word Embedding</a:t>
+            </a:r>
+          </a:p>
+        </p:txBody>
+      </p:sp>
+      <p:sp>
+        <p:nvSpPr>
+          <p:cNvPr id="5" name="Content Placeholder 2"/>
+          <p:cNvSpPr>
+            <a:spLocks noGrp="1"/>
+          </p:cNvSpPr>
+          <p:nvPr>
+            <p:ph idx="1"/>
+          </p:nvPr>
+        </p:nvSpPr>
+        <p:spPr>
+          <a:xfrm>
+            <a:off x="477464" y="1044421"/>
+            <a:ext cx="11714536" cy="5813579"/>
+          </a:xfrm>
+        </p:spPr>
+        <p:txBody>
+          <a:bodyPr/>
+          <a:lstStyle/>
+          <a:p>
+            <a:pPr>
+              <a:buFont typeface="Arial" panose="020B0604020202020204" pitchFamily="34" charset="0"/>
+              <a:buChar char="•"/>
+            </a:pPr>
+            <a:r>
+              <a:rPr lang="en-US" b="1">
+                <a:latin typeface="Calibri" panose="020F0502020204030204" pitchFamily="34" charset="0"/>
+                <a:cs typeface="Calibri" panose="020F0502020204030204" pitchFamily="34" charset="0"/>
+              </a:rPr>
+              <a:t>TF-IDF</a:t>
+            </a:r>
+            <a:r>
+              <a:rPr lang="en-US">
+                <a:latin typeface="Calibri" panose="020F0502020204030204" pitchFamily="34" charset="0"/>
+                <a:cs typeface="Calibri" panose="020F0502020204030204" pitchFamily="34" charset="0"/>
+              </a:rPr>
+              <a:t>:</a:t>
+            </a:r>
+            <a:endParaRPr lang="en-US" dirty="0">
+              <a:latin typeface="Calibri" panose="020F0502020204030204" pitchFamily="34" charset="0"/>
+              <a:cs typeface="Calibri" panose="020F0502020204030204" pitchFamily="34" charset="0"/>
+            </a:endParaRPr>
+          </a:p>
+        </p:txBody>
+      </p:sp>
+      <p:pic>
+        <p:nvPicPr>
+          <p:cNvPr id="6" name="Picture 5">
+            <a:extLst>
+              <a:ext uri="{FF2B5EF4-FFF2-40B4-BE49-F238E27FC236}">
+                <a16:creationId xmlns:a16="http://schemas.microsoft.com/office/drawing/2014/main" id="{044D1497-F39C-4E24-89E5-81FF8B772006}"/>
+              </a:ext>
+            </a:extLst>
+          </p:cNvPr>
+          <p:cNvPicPr>
+            <a:picLocks noChangeAspect="1"/>
+          </p:cNvPicPr>
+          <p:nvPr/>
+        </p:nvPicPr>
+        <p:blipFill>
+          <a:blip r:embed="rId3"/>
+          <a:stretch>
+            <a:fillRect/>
+          </a:stretch>
+        </p:blipFill>
+        <p:spPr>
+          <a:xfrm>
+            <a:off x="2557462" y="2076450"/>
+            <a:ext cx="7077075" cy="2705100"/>
+          </a:xfrm>
+          <a:prstGeom prst="rect">
+            <a:avLst/>
+          </a:prstGeom>
+        </p:spPr>
+      </p:pic>
+    </p:spTree>
+    <p:extLst>
+      <p:ext uri="{BB962C8B-B14F-4D97-AF65-F5344CB8AC3E}">
+        <p14:creationId xmlns:p14="http://schemas.microsoft.com/office/powerpoint/2010/main" val="731456438"/>
+      </p:ext>
+    </p:extLst>
+  </p:cSld>
+  <p:clrMapOvr>
+    <a:masterClrMapping/>
+  </p:clrMapOvr>
+</p:sld>
+</file>
+
+<file path=ppt/slides/slide17.xml><?xml version="1.0" encoding="utf-8"?>
+<p:sld xmlns:a="http://schemas.openxmlformats.org/drawingml/2006/main" xmlns:r="http://schemas.openxmlformats.org/officeDocument/2006/relationships" xmlns:p="http://schemas.openxmlformats.org/presentationml/2006/main">
+  <p:cSld>
+    <p:spTree>
+      <p:nvGrpSpPr>
+        <p:cNvPr id="1" name=""/>
+        <p:cNvGrpSpPr/>
+        <p:nvPr/>
+      </p:nvGrpSpPr>
+      <p:grpSpPr>
+        <a:xfrm>
+          <a:off x="0" y="0"/>
+          <a:ext cx="0" cy="0"/>
+          <a:chOff x="0" y="0"/>
+          <a:chExt cx="0" cy="0"/>
+        </a:xfrm>
+      </p:grpSpPr>
+      <p:sp>
+        <p:nvSpPr>
+          <p:cNvPr id="4" name="Title 3"/>
+          <p:cNvSpPr>
+            <a:spLocks noGrp="1"/>
+          </p:cNvSpPr>
+          <p:nvPr>
+            <p:ph type="title"/>
+          </p:nvPr>
+        </p:nvSpPr>
+        <p:spPr>
+          <a:xfrm>
+            <a:off x="466579" y="240325"/>
+            <a:ext cx="11714536" cy="441082"/>
+          </a:xfrm>
+        </p:spPr>
+        <p:txBody>
+          <a:bodyPr/>
+          <a:lstStyle/>
+          <a:p>
+            <a:r>
+              <a:rPr lang="en-US" sz="3200" dirty="0">
+                <a:latin typeface="Calibri" panose="020F0502020204030204" pitchFamily="34" charset="0"/>
+                <a:cs typeface="Calibri" panose="020F0502020204030204" pitchFamily="34" charset="0"/>
+              </a:rPr>
+              <a:t>5. Splitting Data</a:t>
+            </a:r>
+          </a:p>
+        </p:txBody>
+      </p:sp>
+      <p:sp>
+        <p:nvSpPr>
+          <p:cNvPr id="5" name="Content Placeholder 2"/>
+          <p:cNvSpPr>
+            <a:spLocks noGrp="1"/>
+          </p:cNvSpPr>
+          <p:nvPr>
+            <p:ph idx="1"/>
+          </p:nvPr>
+        </p:nvSpPr>
+        <p:spPr>
+          <a:xfrm>
+            <a:off x="477464" y="1044421"/>
+            <a:ext cx="11714536" cy="5813579"/>
+          </a:xfrm>
+        </p:spPr>
+        <p:txBody>
+          <a:bodyPr/>
+          <a:lstStyle/>
+          <a:p>
+            <a:pPr>
+              <a:buFont typeface="Arial" panose="020B0604020202020204" pitchFamily="34" charset="0"/>
+              <a:buChar char="•"/>
+            </a:pPr>
+            <a:r>
+              <a:rPr lang="en-US" dirty="0">
+                <a:latin typeface="Calibri" panose="020F0502020204030204" pitchFamily="34" charset="0"/>
+                <a:cs typeface="Calibri" panose="020F0502020204030204" pitchFamily="34" charset="0"/>
+              </a:rPr>
+              <a:t>Split dataset into training and validation (and possibly test) sets</a:t>
+            </a:r>
+            <a:endParaRPr lang="en-US" sz="3200" b="1" dirty="0">
+              <a:latin typeface="Calibri" panose="020F0502020204030204" pitchFamily="34" charset="0"/>
+              <a:cs typeface="Calibri" panose="020F0502020204030204" pitchFamily="34" charset="0"/>
+            </a:endParaRPr>
+          </a:p>
+        </p:txBody>
+      </p:sp>
+    </p:spTree>
+    <p:extLst>
+      <p:ext uri="{BB962C8B-B14F-4D97-AF65-F5344CB8AC3E}">
+        <p14:creationId xmlns:p14="http://schemas.microsoft.com/office/powerpoint/2010/main" val="4237053641"/>
+      </p:ext>
+    </p:extLst>
+  </p:cSld>
+  <p:clrMapOvr>
+    <a:masterClrMapping/>
+  </p:clrMapOvr>
+</p:sld>
+</file>
+
+<file path=ppt/slides/slide18.xml><?xml version="1.0" encoding="utf-8"?>
+<p:sld xmlns:a="http://schemas.openxmlformats.org/drawingml/2006/main" xmlns:r="http://schemas.openxmlformats.org/officeDocument/2006/relationships" xmlns:p="http://schemas.openxmlformats.org/presentationml/2006/main">
+  <p:cSld>
+    <p:spTree>
+      <p:nvGrpSpPr>
+        <p:cNvPr id="1" name=""/>
+        <p:cNvGrpSpPr/>
+        <p:nvPr/>
+      </p:nvGrpSpPr>
+      <p:grpSpPr>
+        <a:xfrm>
+          <a:off x="0" y="0"/>
+          <a:ext cx="0" cy="0"/>
+          <a:chOff x="0" y="0"/>
+          <a:chExt cx="0" cy="0"/>
+        </a:xfrm>
+      </p:grpSpPr>
+      <p:sp>
+        <p:nvSpPr>
+          <p:cNvPr id="4" name="Title 3"/>
+          <p:cNvSpPr>
+            <a:spLocks noGrp="1"/>
+          </p:cNvSpPr>
+          <p:nvPr>
+            <p:ph type="title"/>
+          </p:nvPr>
+        </p:nvSpPr>
+        <p:spPr>
+          <a:xfrm>
+            <a:off x="466579" y="240325"/>
+            <a:ext cx="11714536" cy="441082"/>
+          </a:xfrm>
+        </p:spPr>
+        <p:txBody>
+          <a:bodyPr/>
+          <a:lstStyle/>
+          <a:p>
+            <a:r>
+              <a:rPr lang="en-US" sz="3200" dirty="0">
+                <a:latin typeface="Calibri" panose="020F0502020204030204" pitchFamily="34" charset="0"/>
+                <a:cs typeface="Calibri" panose="020F0502020204030204" pitchFamily="34" charset="0"/>
+              </a:rPr>
+              <a:t>6. Model Building</a:t>
+            </a:r>
+          </a:p>
+        </p:txBody>
+      </p:sp>
+      <p:sp>
+        <p:nvSpPr>
+          <p:cNvPr id="5" name="Content Placeholder 2"/>
+          <p:cNvSpPr>
+            <a:spLocks noGrp="1"/>
+          </p:cNvSpPr>
+          <p:nvPr>
+            <p:ph idx="1"/>
+          </p:nvPr>
+        </p:nvSpPr>
+        <p:spPr>
+          <a:xfrm>
+            <a:off x="477464" y="1044421"/>
+            <a:ext cx="11714536" cy="5813579"/>
+          </a:xfrm>
+        </p:spPr>
+        <p:txBody>
+          <a:bodyPr/>
+          <a:lstStyle/>
+          <a:p>
+            <a:pPr>
+              <a:buFont typeface="Arial" panose="020B0604020202020204" pitchFamily="34" charset="0"/>
+              <a:buChar char="•"/>
+            </a:pPr>
+            <a:r>
+              <a:rPr lang="en-US" b="1" dirty="0">
+                <a:latin typeface="Calibri" panose="020F0502020204030204" pitchFamily="34" charset="0"/>
+                <a:cs typeface="Calibri" panose="020F0502020204030204" pitchFamily="34" charset="0"/>
+              </a:rPr>
+              <a:t>Logistic Regression</a:t>
+            </a:r>
+            <a:r>
+              <a:rPr lang="en-US" dirty="0">
+                <a:latin typeface="Calibri" panose="020F0502020204030204" pitchFamily="34" charset="0"/>
+                <a:cs typeface="Calibri" panose="020F0502020204030204" pitchFamily="34" charset="0"/>
+              </a:rPr>
+              <a:t>: Simple and effective for many text classification tasks</a:t>
+            </a:r>
+          </a:p>
+          <a:p>
+            <a:pPr>
+              <a:buFont typeface="Arial" panose="020B0604020202020204" pitchFamily="34" charset="0"/>
+              <a:buChar char="•"/>
+            </a:pPr>
+            <a:r>
+              <a:rPr lang="en-US" b="1" dirty="0">
+                <a:latin typeface="Calibri" panose="020F0502020204030204" pitchFamily="34" charset="0"/>
+                <a:cs typeface="Calibri" panose="020F0502020204030204" pitchFamily="34" charset="0"/>
+              </a:rPr>
+              <a:t>Naive Bayes</a:t>
+            </a:r>
+            <a:r>
+              <a:rPr lang="en-US" dirty="0">
+                <a:latin typeface="Calibri" panose="020F0502020204030204" pitchFamily="34" charset="0"/>
+                <a:cs typeface="Calibri" panose="020F0502020204030204" pitchFamily="34" charset="0"/>
+              </a:rPr>
+              <a:t>: Particularly effective for small datasets and text data</a:t>
+            </a:r>
+          </a:p>
+          <a:p>
+            <a:pPr>
+              <a:buFont typeface="Arial" panose="020B0604020202020204" pitchFamily="34" charset="0"/>
+              <a:buChar char="•"/>
+            </a:pPr>
+            <a:r>
+              <a:rPr lang="en-US" b="1" dirty="0">
+                <a:latin typeface="Calibri" panose="020F0502020204030204" pitchFamily="34" charset="0"/>
+                <a:cs typeface="Calibri" panose="020F0502020204030204" pitchFamily="34" charset="0"/>
+              </a:rPr>
+              <a:t>SVM (Support Vector Machine)</a:t>
+            </a:r>
+            <a:r>
+              <a:rPr lang="en-US" dirty="0">
+                <a:latin typeface="Calibri" panose="020F0502020204030204" pitchFamily="34" charset="0"/>
+                <a:cs typeface="Calibri" panose="020F0502020204030204" pitchFamily="34" charset="0"/>
+              </a:rPr>
+              <a:t>: Effective for high-dimensional spaces</a:t>
+            </a:r>
+          </a:p>
+          <a:p>
+            <a:pPr>
+              <a:buFont typeface="Arial" panose="020B0604020202020204" pitchFamily="34" charset="0"/>
+              <a:buChar char="•"/>
+            </a:pPr>
+            <a:r>
+              <a:rPr lang="en-US" b="1" dirty="0">
+                <a:latin typeface="Calibri" panose="020F0502020204030204" pitchFamily="34" charset="0"/>
+                <a:cs typeface="Calibri" panose="020F0502020204030204" pitchFamily="34" charset="0"/>
+              </a:rPr>
+              <a:t>Neural Networks</a:t>
+            </a:r>
+            <a:r>
+              <a:rPr lang="en-US" dirty="0">
+                <a:latin typeface="Calibri" panose="020F0502020204030204" pitchFamily="34" charset="0"/>
+                <a:cs typeface="Calibri" panose="020F0502020204030204" pitchFamily="34" charset="0"/>
+              </a:rPr>
+              <a:t>:</a:t>
+            </a:r>
+          </a:p>
+          <a:p>
+            <a:pPr marL="742950" lvl="1" indent="-285750">
+              <a:buFont typeface="Arial" panose="020B0604020202020204" pitchFamily="34" charset="0"/>
+              <a:buChar char="•"/>
+            </a:pPr>
+            <a:r>
+              <a:rPr lang="en-US" sz="2400" b="1" dirty="0">
+                <a:latin typeface="Calibri" panose="020F0502020204030204" pitchFamily="34" charset="0"/>
+                <a:cs typeface="Calibri" panose="020F0502020204030204" pitchFamily="34" charset="0"/>
+              </a:rPr>
+              <a:t>RNNs/</a:t>
+            </a:r>
+            <a:r>
+              <a:rPr lang="en-US" sz="2400" b="1" dirty="0">
+                <a:solidFill>
+                  <a:srgbClr val="00B050"/>
+                </a:solidFill>
+                <a:latin typeface="Calibri" panose="020F0502020204030204" pitchFamily="34" charset="0"/>
+                <a:cs typeface="Calibri" panose="020F0502020204030204" pitchFamily="34" charset="0"/>
+              </a:rPr>
+              <a:t>LSTMs</a:t>
+            </a:r>
+            <a:r>
+              <a:rPr lang="en-US" sz="2400" dirty="0">
+                <a:latin typeface="Calibri" panose="020F0502020204030204" pitchFamily="34" charset="0"/>
+                <a:cs typeface="Calibri" panose="020F0502020204030204" pitchFamily="34" charset="0"/>
+              </a:rPr>
+              <a:t>: Suitable for sequence data</a:t>
+            </a:r>
+          </a:p>
+          <a:p>
+            <a:pPr marL="742950" lvl="1" indent="-285750">
+              <a:buFont typeface="Arial" panose="020B0604020202020204" pitchFamily="34" charset="0"/>
+              <a:buChar char="•"/>
+            </a:pPr>
+            <a:r>
+              <a:rPr lang="en-US" sz="2400" b="1" dirty="0">
+                <a:latin typeface="Calibri" panose="020F0502020204030204" pitchFamily="34" charset="0"/>
+                <a:cs typeface="Calibri" panose="020F0502020204030204" pitchFamily="34" charset="0"/>
+              </a:rPr>
+              <a:t>CNNs</a:t>
+            </a:r>
+            <a:r>
+              <a:rPr lang="en-US" sz="2400" dirty="0">
+                <a:latin typeface="Calibri" panose="020F0502020204030204" pitchFamily="34" charset="0"/>
+                <a:cs typeface="Calibri" panose="020F0502020204030204" pitchFamily="34" charset="0"/>
+              </a:rPr>
+              <a:t>: Can capture local patterns in text</a:t>
+            </a:r>
+          </a:p>
+          <a:p>
+            <a:pPr marL="742950" lvl="1" indent="-285750">
+              <a:buFont typeface="Arial" panose="020B0604020202020204" pitchFamily="34" charset="0"/>
+              <a:buChar char="•"/>
+            </a:pPr>
+            <a:r>
+              <a:rPr lang="en-US" sz="2400" b="1" dirty="0">
+                <a:latin typeface="Calibri" panose="020F0502020204030204" pitchFamily="34" charset="0"/>
+                <a:cs typeface="Calibri" panose="020F0502020204030204" pitchFamily="34" charset="0"/>
+              </a:rPr>
+              <a:t>Transformers</a:t>
+            </a:r>
+            <a:r>
+              <a:rPr lang="en-US" sz="2400" dirty="0">
+                <a:latin typeface="Calibri" panose="020F0502020204030204" pitchFamily="34" charset="0"/>
+                <a:cs typeface="Calibri" panose="020F0502020204030204" pitchFamily="34" charset="0"/>
+              </a:rPr>
+              <a:t>: State-of-the-art models like BERT for capturing contextual information</a:t>
+            </a:r>
+          </a:p>
+        </p:txBody>
+      </p:sp>
+    </p:spTree>
+    <p:extLst>
+      <p:ext uri="{BB962C8B-B14F-4D97-AF65-F5344CB8AC3E}">
+        <p14:creationId xmlns:p14="http://schemas.microsoft.com/office/powerpoint/2010/main" val="3807840179"/>
+      </p:ext>
+    </p:extLst>
+  </p:cSld>
+  <p:clrMapOvr>
+    <a:masterClrMapping/>
+  </p:clrMapOvr>
+</p:sld>
+</file>
+
+<file path=ppt/slides/slide19.xml><?xml version="1.0" encoding="utf-8"?>
+<p:sld xmlns:a="http://schemas.openxmlformats.org/drawingml/2006/main" xmlns:r="http://schemas.openxmlformats.org/officeDocument/2006/relationships" xmlns:p="http://schemas.openxmlformats.org/presentationml/2006/main">
+  <p:cSld>
+    <p:spTree>
+      <p:nvGrpSpPr>
+        <p:cNvPr id="1" name=""/>
+        <p:cNvGrpSpPr/>
+        <p:nvPr/>
+      </p:nvGrpSpPr>
+      <p:grpSpPr>
+        <a:xfrm>
+          <a:off x="0" y="0"/>
+          <a:ext cx="0" cy="0"/>
+          <a:chOff x="0" y="0"/>
+          <a:chExt cx="0" cy="0"/>
+        </a:xfrm>
+      </p:grpSpPr>
+      <p:sp>
+        <p:nvSpPr>
+          <p:cNvPr id="4" name="Title 3"/>
+          <p:cNvSpPr>
+            <a:spLocks noGrp="1"/>
+          </p:cNvSpPr>
+          <p:nvPr>
+            <p:ph type="title"/>
+          </p:nvPr>
+        </p:nvSpPr>
+        <p:spPr>
+          <a:xfrm>
+            <a:off x="466579" y="240325"/>
+            <a:ext cx="11714536" cy="441082"/>
+          </a:xfrm>
+        </p:spPr>
+        <p:txBody>
+          <a:bodyPr/>
+          <a:lstStyle/>
+          <a:p>
+            <a:r>
+              <a:rPr lang="en-US" sz="3200" dirty="0">
+                <a:latin typeface="Calibri" panose="020F0502020204030204" pitchFamily="34" charset="0"/>
+                <a:cs typeface="Calibri" panose="020F0502020204030204" pitchFamily="34" charset="0"/>
+              </a:rPr>
+              <a:t>7. Model Training</a:t>
+            </a:r>
+          </a:p>
+        </p:txBody>
+      </p:sp>
+      <p:sp>
+        <p:nvSpPr>
+          <p:cNvPr id="5" name="Content Placeholder 2"/>
+          <p:cNvSpPr>
+            <a:spLocks noGrp="1"/>
+          </p:cNvSpPr>
+          <p:nvPr>
+            <p:ph idx="1"/>
+          </p:nvPr>
+        </p:nvSpPr>
+        <p:spPr>
+          <a:xfrm>
+            <a:off x="477464" y="1044421"/>
+            <a:ext cx="11714536" cy="5813579"/>
+          </a:xfrm>
+        </p:spPr>
+        <p:txBody>
+          <a:bodyPr/>
+          <a:lstStyle/>
+          <a:p>
+            <a:pPr>
+              <a:buFont typeface="Arial" panose="020B0604020202020204" pitchFamily="34" charset="0"/>
+              <a:buChar char="•"/>
+            </a:pPr>
+            <a:r>
+              <a:rPr lang="en-US" dirty="0">
+                <a:latin typeface="Calibri" panose="020F0502020204030204" pitchFamily="34" charset="0"/>
+                <a:cs typeface="Calibri" panose="020F0502020204030204" pitchFamily="34" charset="0"/>
+              </a:rPr>
+              <a:t>Train model on the training data</a:t>
+            </a:r>
+          </a:p>
+          <a:p>
+            <a:pPr>
+              <a:buFont typeface="Arial" panose="020B0604020202020204" pitchFamily="34" charset="0"/>
+              <a:buChar char="•"/>
+            </a:pPr>
+            <a:r>
+              <a:rPr lang="en-US" dirty="0">
+                <a:latin typeface="Calibri" panose="020F0502020204030204" pitchFamily="34" charset="0"/>
+                <a:cs typeface="Calibri" panose="020F0502020204030204" pitchFamily="34" charset="0"/>
+              </a:rPr>
+              <a:t>Monitor performance on the validation set</a:t>
+            </a:r>
+          </a:p>
+        </p:txBody>
+      </p:sp>
+    </p:spTree>
+    <p:extLst>
+      <p:ext uri="{BB962C8B-B14F-4D97-AF65-F5344CB8AC3E}">
+        <p14:creationId xmlns:p14="http://schemas.microsoft.com/office/powerpoint/2010/main" val="2299120418"/>
+      </p:ext>
+    </p:extLst>
+  </p:cSld>
+  <p:clrMapOvr>
+    <a:masterClrMapping/>
+  </p:clrMapOvr>
+</p:sld>
+</file>
+
+<file path=ppt/slides/slide2.xml><?xml version="1.0" encoding="utf-8"?>
+<p:sld xmlns:a="http://schemas.openxmlformats.org/drawingml/2006/main" xmlns:r="http://schemas.openxmlformats.org/officeDocument/2006/relationships" xmlns:p="http://schemas.openxmlformats.org/presentationml/2006/main">
+  <p:cSld>
+    <p:spTree>
+      <p:nvGrpSpPr>
+        <p:cNvPr id="1" name=""/>
+        <p:cNvGrpSpPr/>
+        <p:nvPr/>
+      </p:nvGrpSpPr>
+      <p:grpSpPr>
+        <a:xfrm>
+          <a:off x="0" y="0"/>
+          <a:ext cx="0" cy="0"/>
+          <a:chOff x="0" y="0"/>
+          <a:chExt cx="0" cy="0"/>
+        </a:xfrm>
+      </p:grpSpPr>
+      <p:sp>
+        <p:nvSpPr>
+          <p:cNvPr id="3" name="Content Placeholder 2"/>
+          <p:cNvSpPr>
+            <a:spLocks noGrp="1"/>
+          </p:cNvSpPr>
+          <p:nvPr>
+            <p:ph idx="1"/>
+          </p:nvPr>
+        </p:nvSpPr>
+        <p:spPr>
+          <a:xfrm>
+            <a:off x="1074279" y="1044421"/>
+            <a:ext cx="9972662" cy="5171028"/>
+          </a:xfrm>
+        </p:spPr>
+        <p:txBody>
+          <a:bodyPr/>
+          <a:lstStyle/>
+          <a:p>
+            <a:pPr marL="0" indent="0">
+              <a:buNone/>
+            </a:pPr>
+            <a:r>
+              <a:rPr lang="en-US" dirty="0">
+                <a:latin typeface="Calibri" panose="020F0502020204030204" pitchFamily="34" charset="0"/>
+                <a:cs typeface="Calibri" panose="020F0502020204030204" pitchFamily="34" charset="0"/>
+              </a:rPr>
+              <a:t>1. </a:t>
+            </a:r>
+            <a:r>
+              <a:rPr lang="en-US" sz="2400" dirty="0">
+                <a:latin typeface="Calibri" panose="020F0502020204030204" pitchFamily="34" charset="0"/>
+                <a:cs typeface="Calibri" panose="020F0502020204030204" pitchFamily="34" charset="0"/>
+              </a:rPr>
+              <a:t>Problem Definition</a:t>
+            </a:r>
+            <a:endParaRPr lang="en-US" dirty="0">
+              <a:latin typeface="Calibri" panose="020F0502020204030204" pitchFamily="34" charset="0"/>
+              <a:cs typeface="Calibri" panose="020F0502020204030204" pitchFamily="34" charset="0"/>
+            </a:endParaRPr>
+          </a:p>
+          <a:p>
+            <a:pPr marL="0" indent="0">
+              <a:buNone/>
+            </a:pPr>
+            <a:r>
+              <a:rPr lang="en-US" dirty="0">
+                <a:latin typeface="Calibri" panose="020F0502020204030204" pitchFamily="34" charset="0"/>
+                <a:cs typeface="Calibri" panose="020F0502020204030204" pitchFamily="34" charset="0"/>
+              </a:rPr>
+              <a:t>2. </a:t>
+            </a:r>
+            <a:r>
+              <a:rPr lang="en-US" sz="2400" dirty="0">
+                <a:latin typeface="Calibri" panose="020F0502020204030204" pitchFamily="34" charset="0"/>
+                <a:cs typeface="Calibri" panose="020F0502020204030204" pitchFamily="34" charset="0"/>
+              </a:rPr>
+              <a:t>Data Collection</a:t>
+            </a:r>
+          </a:p>
+          <a:p>
+            <a:pPr marL="0" indent="0">
+              <a:buNone/>
+            </a:pPr>
+            <a:r>
+              <a:rPr lang="en-US" sz="2400" dirty="0">
+                <a:latin typeface="Calibri" panose="020F0502020204030204" pitchFamily="34" charset="0"/>
+                <a:cs typeface="Calibri" panose="020F0502020204030204" pitchFamily="34" charset="0"/>
+              </a:rPr>
+              <a:t>3. Data Preprocessing</a:t>
+            </a:r>
+          </a:p>
+          <a:p>
+            <a:pPr marL="0" indent="0">
+              <a:buNone/>
+            </a:pPr>
+            <a:r>
+              <a:rPr lang="en-US" sz="2400" dirty="0">
+                <a:latin typeface="Calibri" panose="020F0502020204030204" pitchFamily="34" charset="0"/>
+                <a:cs typeface="Calibri" panose="020F0502020204030204" pitchFamily="34" charset="0"/>
+              </a:rPr>
+              <a:t>4. Word Embedding</a:t>
+            </a:r>
+          </a:p>
+          <a:p>
+            <a:pPr marL="0" indent="0">
+              <a:buNone/>
+            </a:pPr>
+            <a:r>
+              <a:rPr lang="en-US" sz="2400" dirty="0">
+                <a:latin typeface="Calibri" panose="020F0502020204030204" pitchFamily="34" charset="0"/>
+                <a:cs typeface="Calibri" panose="020F0502020204030204" pitchFamily="34" charset="0"/>
+              </a:rPr>
+              <a:t>5. Splitting Data</a:t>
+            </a:r>
+          </a:p>
+          <a:p>
+            <a:pPr marL="0" indent="0">
+              <a:buNone/>
+            </a:pPr>
+            <a:r>
+              <a:rPr lang="en-US" sz="2400" dirty="0">
+                <a:latin typeface="Calibri" panose="020F0502020204030204" pitchFamily="34" charset="0"/>
+                <a:cs typeface="Calibri" panose="020F0502020204030204" pitchFamily="34" charset="0"/>
+              </a:rPr>
+              <a:t>6. Model Building</a:t>
+            </a:r>
+          </a:p>
+          <a:p>
+            <a:pPr marL="0" indent="0">
+              <a:buNone/>
+            </a:pPr>
+            <a:r>
+              <a:rPr lang="en-US" sz="2400" dirty="0">
+                <a:latin typeface="Calibri" panose="020F0502020204030204" pitchFamily="34" charset="0"/>
+                <a:cs typeface="Calibri" panose="020F0502020204030204" pitchFamily="34" charset="0"/>
+              </a:rPr>
+              <a:t>7. Model Training</a:t>
+            </a:r>
+          </a:p>
+          <a:p>
+            <a:pPr marL="0" indent="0">
+              <a:buNone/>
+            </a:pPr>
+            <a:r>
+              <a:rPr lang="en-US" sz="2400" dirty="0">
+                <a:latin typeface="Calibri" panose="020F0502020204030204" pitchFamily="34" charset="0"/>
+                <a:cs typeface="Calibri" panose="020F0502020204030204" pitchFamily="34" charset="0"/>
+              </a:rPr>
+              <a:t>8. Model Evaluation</a:t>
+            </a:r>
+          </a:p>
+          <a:p>
+            <a:pPr marL="0" indent="0">
+              <a:buNone/>
+            </a:pPr>
+            <a:r>
+              <a:rPr lang="en-US" dirty="0">
+                <a:latin typeface="Calibri" panose="020F0502020204030204" pitchFamily="34" charset="0"/>
+                <a:cs typeface="Calibri" panose="020F0502020204030204" pitchFamily="34" charset="0"/>
+              </a:rPr>
+              <a:t>9. QA</a:t>
+            </a:r>
+          </a:p>
+          <a:p>
+            <a:pPr marL="0" indent="0">
+              <a:buNone/>
+            </a:pPr>
+            <a:endParaRPr lang="en-US" dirty="0">
+              <a:latin typeface="Calibri" panose="020F0502020204030204" pitchFamily="34" charset="0"/>
+              <a:cs typeface="Calibri" panose="020F0502020204030204" pitchFamily="34" charset="0"/>
+            </a:endParaRPr>
+          </a:p>
+        </p:txBody>
+      </p:sp>
+      <p:sp>
+        <p:nvSpPr>
+          <p:cNvPr id="4" name="Title 3"/>
+          <p:cNvSpPr>
+            <a:spLocks noGrp="1"/>
+          </p:cNvSpPr>
+          <p:nvPr>
+            <p:ph type="title"/>
+          </p:nvPr>
+        </p:nvSpPr>
+        <p:spPr>
+          <a:xfrm>
+            <a:off x="466579" y="240325"/>
+            <a:ext cx="11714536" cy="441082"/>
+          </a:xfrm>
+        </p:spPr>
+        <p:txBody>
+          <a:bodyPr/>
+          <a:lstStyle/>
+          <a:p>
+            <a:r>
+              <a:rPr lang="en-US" sz="3200" dirty="0">
+                <a:latin typeface="Calibri" panose="020F0502020204030204" pitchFamily="34" charset="0"/>
+                <a:cs typeface="Calibri" panose="020F0502020204030204" pitchFamily="34" charset="0"/>
+              </a:rPr>
+              <a:t>AGENDA</a:t>
+            </a:r>
+          </a:p>
+        </p:txBody>
+      </p:sp>
+    </p:spTree>
+    <p:extLst>
+      <p:ext uri="{BB962C8B-B14F-4D97-AF65-F5344CB8AC3E}">
+        <p14:creationId xmlns:p14="http://schemas.microsoft.com/office/powerpoint/2010/main" val="1523232517"/>
+      </p:ext>
+    </p:extLst>
+  </p:cSld>
+  <p:clrMapOvr>
+    <a:masterClrMapping/>
+  </p:clrMapOvr>
+</p:sld>
+</file>
+
+<file path=ppt/slides/slide20.xml><?xml version="1.0" encoding="utf-8"?>
+<p:sld xmlns:a="http://schemas.openxmlformats.org/drawingml/2006/main" xmlns:r="http://schemas.openxmlformats.org/officeDocument/2006/relationships" xmlns:p="http://schemas.openxmlformats.org/presentationml/2006/main">
+  <p:cSld>
+    <p:spTree>
+      <p:nvGrpSpPr>
+        <p:cNvPr id="1" name=""/>
+        <p:cNvGrpSpPr/>
+        <p:nvPr/>
+      </p:nvGrpSpPr>
+      <p:grpSpPr>
+        <a:xfrm>
+          <a:off x="0" y="0"/>
+          <a:ext cx="0" cy="0"/>
+          <a:chOff x="0" y="0"/>
+          <a:chExt cx="0" cy="0"/>
+        </a:xfrm>
+      </p:grpSpPr>
+      <p:sp>
+        <p:nvSpPr>
+          <p:cNvPr id="4" name="Title 3"/>
+          <p:cNvSpPr>
+            <a:spLocks noGrp="1"/>
+          </p:cNvSpPr>
+          <p:nvPr>
+            <p:ph type="title"/>
+          </p:nvPr>
+        </p:nvSpPr>
+        <p:spPr>
+          <a:xfrm>
+            <a:off x="466579" y="240325"/>
+            <a:ext cx="11714536" cy="441082"/>
+          </a:xfrm>
+        </p:spPr>
+        <p:txBody>
+          <a:bodyPr/>
+          <a:lstStyle/>
+          <a:p>
+            <a:r>
+              <a:rPr lang="en-US" sz="3200" dirty="0">
+                <a:latin typeface="Calibri" panose="020F0502020204030204" pitchFamily="34" charset="0"/>
+                <a:cs typeface="Calibri" panose="020F0502020204030204" pitchFamily="34" charset="0"/>
+              </a:rPr>
+              <a:t>8. Model Evaluation</a:t>
+            </a:r>
+          </a:p>
+        </p:txBody>
+      </p:sp>
+      <p:sp>
+        <p:nvSpPr>
+          <p:cNvPr id="5" name="Content Placeholder 2"/>
+          <p:cNvSpPr>
+            <a:spLocks noGrp="1"/>
+          </p:cNvSpPr>
+          <p:nvPr>
+            <p:ph idx="1"/>
+          </p:nvPr>
+        </p:nvSpPr>
+        <p:spPr>
+          <a:xfrm>
+            <a:off x="477464" y="1044421"/>
+            <a:ext cx="11714536" cy="5813579"/>
+          </a:xfrm>
+        </p:spPr>
+        <p:txBody>
+          <a:bodyPr/>
+          <a:lstStyle/>
+          <a:p>
+            <a:pPr>
+              <a:buFont typeface="Arial" panose="020B0604020202020204" pitchFamily="34" charset="0"/>
+              <a:buChar char="•"/>
+            </a:pPr>
+            <a:r>
+              <a:rPr lang="en-US" dirty="0">
+                <a:latin typeface="Calibri" panose="020F0502020204030204" pitchFamily="34" charset="0"/>
+                <a:cs typeface="Calibri" panose="020F0502020204030204" pitchFamily="34" charset="0"/>
+              </a:rPr>
+              <a:t>Evaluate model using metrics: accuracy, precision, recall, F1-score, ROC-AUC</a:t>
+            </a:r>
+          </a:p>
+          <a:p>
+            <a:pPr>
+              <a:buFont typeface="Arial" panose="020B0604020202020204" pitchFamily="34" charset="0"/>
+              <a:buChar char="•"/>
+            </a:pPr>
+            <a:r>
+              <a:rPr lang="en-US" dirty="0">
+                <a:latin typeface="Calibri" panose="020F0502020204030204" pitchFamily="34" charset="0"/>
+                <a:cs typeface="Calibri" panose="020F0502020204030204" pitchFamily="34" charset="0"/>
+              </a:rPr>
+              <a:t>Use confusion matrix to understand the errors.</a:t>
+            </a:r>
+          </a:p>
+        </p:txBody>
+      </p:sp>
+    </p:spTree>
+    <p:extLst>
+      <p:ext uri="{BB962C8B-B14F-4D97-AF65-F5344CB8AC3E}">
+        <p14:creationId xmlns:p14="http://schemas.microsoft.com/office/powerpoint/2010/main" val="2006873351"/>
+      </p:ext>
+    </p:extLst>
+  </p:cSld>
+  <p:clrMapOvr>
+    <a:masterClrMapping/>
+  </p:clrMapOvr>
+</p:sld>
+</file>
+
+<file path=ppt/slides/slide21.xml><?xml version="1.0" encoding="utf-8"?>
+<p:sld xmlns:a="http://schemas.openxmlformats.org/drawingml/2006/main" xmlns:r="http://schemas.openxmlformats.org/officeDocument/2006/relationships" xmlns:p="http://schemas.openxmlformats.org/presentationml/2006/main">
+  <p:cSld>
+    <p:spTree>
+      <p:nvGrpSpPr>
+        <p:cNvPr id="1" name=""/>
+        <p:cNvGrpSpPr/>
+        <p:nvPr/>
+      </p:nvGrpSpPr>
+      <p:grpSpPr>
+        <a:xfrm>
+          <a:off x="0" y="0"/>
+          <a:ext cx="0" cy="0"/>
+          <a:chOff x="0" y="0"/>
+          <a:chExt cx="0" cy="0"/>
+        </a:xfrm>
+      </p:grpSpPr>
+      <p:sp>
+        <p:nvSpPr>
+          <p:cNvPr id="2" name="Title 1"/>
+          <p:cNvSpPr>
+            <a:spLocks noGrp="1"/>
+          </p:cNvSpPr>
+          <p:nvPr>
+            <p:ph type="title"/>
+          </p:nvPr>
+        </p:nvSpPr>
+        <p:spPr>
+          <a:xfrm>
+            <a:off x="466579" y="240325"/>
+            <a:ext cx="11714536" cy="441082"/>
+          </a:xfrm>
+        </p:spPr>
+        <p:txBody>
+          <a:bodyPr/>
+          <a:lstStyle/>
+          <a:p>
+            <a:r>
+              <a:rPr lang="en-US" sz="3200" dirty="0">
+                <a:latin typeface="Calibri" panose="020F0502020204030204" pitchFamily="34" charset="0"/>
+                <a:cs typeface="Calibri" panose="020F0502020204030204" pitchFamily="34" charset="0"/>
+              </a:rPr>
+              <a:t>9. Q&amp;A</a:t>
+            </a:r>
+          </a:p>
+        </p:txBody>
+      </p:sp>
+    </p:spTree>
+    <p:extLst>
+      <p:ext uri="{BB962C8B-B14F-4D97-AF65-F5344CB8AC3E}">
+        <p14:creationId xmlns:p14="http://schemas.microsoft.com/office/powerpoint/2010/main" val="577511265"/>
+      </p:ext>
+    </p:extLst>
+  </p:cSld>
+  <p:clrMapOvr>
+    <a:masterClrMapping/>
+  </p:clrMapOvr>
+</p:sld>
+</file>
+
+<file path=ppt/slides/slide22.xml><?xml version="1.0" encoding="utf-8"?>
+<p:sld xmlns:a="http://schemas.openxmlformats.org/drawingml/2006/main" xmlns:r="http://schemas.openxmlformats.org/officeDocument/2006/relationships" xmlns:p="http://schemas.openxmlformats.org/presentationml/2006/main">
+  <p:cSld>
+    <p:spTree>
+      <p:nvGrpSpPr>
+        <p:cNvPr id="1" name=""/>
+        <p:cNvGrpSpPr/>
+        <p:nvPr/>
+      </p:nvGrpSpPr>
+      <p:grpSpPr>
+        <a:xfrm>
+          <a:off x="0" y="0"/>
+          <a:ext cx="0" cy="0"/>
+          <a:chOff x="0" y="0"/>
+          <a:chExt cx="0" cy="0"/>
+        </a:xfrm>
+      </p:grpSpPr>
+      <p:sp>
+        <p:nvSpPr>
+          <p:cNvPr id="3" name="TextBox 2"/>
+          <p:cNvSpPr txBox="1">
+            <a:spLocks noChangeArrowheads="1"/>
+          </p:cNvSpPr>
+          <p:nvPr/>
+        </p:nvSpPr>
+        <p:spPr bwMode="auto">
+          <a:xfrm>
+            <a:off x="3870008" y="3069273"/>
+            <a:ext cx="4421187" cy="922337"/>
+          </a:xfrm>
+          <a:prstGeom prst="rect">
+            <a:avLst/>
+          </a:prstGeom>
+          <a:noFill/>
+          <a:ln>
+            <a:noFill/>
+          </a:ln>
+          <a:extLst>
+            <a:ext uri="{909E8E84-426E-40DD-AFC4-6F175D3DCCD1}">
+              <a14:hiddenFill xmlns:a14="http://schemas.microsoft.com/office/drawing/2010/main">
+                <a:solidFill>
+                  <a:srgbClr val="FFFFFF"/>
+                </a:solidFill>
+              </a14:hiddenFill>
+            </a:ext>
+            <a:ext uri="{91240B29-F687-4F45-9708-019B960494DF}">
+              <a14:hiddenLine xmlns:a14="http://schemas.microsoft.com/office/drawing/2010/main" w="9525">
+                <a:solidFill>
+                  <a:srgbClr val="000000"/>
+                </a:solidFill>
+                <a:miter lim="800000"/>
+                <a:headEnd/>
+                <a:tailEnd/>
+              </a14:hiddenLine>
+            </a:ext>
+          </a:extLst>
+        </p:spPr>
+        <p:txBody>
+          <a:bodyPr>
+            <a:spAutoFit/>
+          </a:bodyPr>
+          <a:lstStyle>
+            <a:lvl1pPr>
+              <a:defRPr>
+                <a:solidFill>
+                  <a:schemeClr val="tx1"/>
+                </a:solidFill>
+                <a:latin typeface="Calibri" panose="020F0502020204030204" pitchFamily="34" charset="0"/>
+              </a:defRPr>
+            </a:lvl1pPr>
+            <a:lvl2pPr marL="742950" indent="-285750">
+              <a:defRPr>
+                <a:solidFill>
+                  <a:schemeClr val="tx1"/>
+                </a:solidFill>
+                <a:latin typeface="Calibri" panose="020F0502020204030204" pitchFamily="34" charset="0"/>
+              </a:defRPr>
+            </a:lvl2pPr>
+            <a:lvl3pPr marL="1143000" indent="-228600">
+              <a:defRPr>
+                <a:solidFill>
+                  <a:schemeClr val="tx1"/>
+                </a:solidFill>
+                <a:latin typeface="Calibri" panose="020F0502020204030204" pitchFamily="34" charset="0"/>
+              </a:defRPr>
+            </a:lvl3pPr>
+            <a:lvl4pPr marL="1600200" indent="-228600">
+              <a:defRPr>
+                <a:solidFill>
+                  <a:schemeClr val="tx1"/>
+                </a:solidFill>
+                <a:latin typeface="Calibri" panose="020F0502020204030204" pitchFamily="34" charset="0"/>
+              </a:defRPr>
+            </a:lvl4pPr>
+            <a:lvl5pPr marL="2057400" indent="-228600">
+              <a:defRPr>
+                <a:solidFill>
+                  <a:schemeClr val="tx1"/>
+                </a:solidFill>
+                <a:latin typeface="Calibri" panose="020F0502020204030204" pitchFamily="34" charset="0"/>
+              </a:defRPr>
+            </a:lvl5pPr>
+            <a:lvl6pPr marL="2514600" indent="-228600" fontAlgn="base">
+              <a:spcBef>
+                <a:spcPct val="0"/>
+              </a:spcBef>
+              <a:spcAft>
+                <a:spcPct val="0"/>
+              </a:spcAft>
+              <a:defRPr>
+                <a:solidFill>
+                  <a:schemeClr val="tx1"/>
+                </a:solidFill>
+                <a:latin typeface="Calibri" panose="020F0502020204030204" pitchFamily="34" charset="0"/>
+              </a:defRPr>
+            </a:lvl6pPr>
+            <a:lvl7pPr marL="2971800" indent="-228600" fontAlgn="base">
+              <a:spcBef>
+                <a:spcPct val="0"/>
+              </a:spcBef>
+              <a:spcAft>
+                <a:spcPct val="0"/>
+              </a:spcAft>
+              <a:defRPr>
+                <a:solidFill>
+                  <a:schemeClr val="tx1"/>
+                </a:solidFill>
+                <a:latin typeface="Calibri" panose="020F0502020204030204" pitchFamily="34" charset="0"/>
+              </a:defRPr>
+            </a:lvl7pPr>
+            <a:lvl8pPr marL="3429000" indent="-228600" fontAlgn="base">
+              <a:spcBef>
+                <a:spcPct val="0"/>
+              </a:spcBef>
+              <a:spcAft>
+                <a:spcPct val="0"/>
+              </a:spcAft>
+              <a:defRPr>
+                <a:solidFill>
+                  <a:schemeClr val="tx1"/>
+                </a:solidFill>
+                <a:latin typeface="Calibri" panose="020F0502020204030204" pitchFamily="34" charset="0"/>
+              </a:defRPr>
+            </a:lvl8pPr>
+            <a:lvl9pPr marL="3886200" indent="-228600" fontAlgn="base">
+              <a:spcBef>
+                <a:spcPct val="0"/>
+              </a:spcBef>
+              <a:spcAft>
+                <a:spcPct val="0"/>
+              </a:spcAft>
+              <a:defRPr>
+                <a:solidFill>
+                  <a:schemeClr val="tx1"/>
+                </a:solidFill>
+                <a:latin typeface="Calibri" panose="020F0502020204030204" pitchFamily="34" charset="0"/>
+              </a:defRPr>
+            </a:lvl9pPr>
+          </a:lstStyle>
+          <a:p>
+            <a:pPr eaLnBrk="1" hangingPunct="1">
+              <a:defRPr/>
+            </a:pPr>
+            <a:r>
+              <a:rPr lang="en-US" altLang="en-US" sz="5400" b="1" dirty="0">
+                <a:solidFill>
+                  <a:srgbClr val="00B0F0"/>
+                </a:solidFill>
+                <a:cs typeface="Calibri" panose="020F0502020204030204" pitchFamily="34" charset="0"/>
+              </a:rPr>
+              <a:t>THANK YOU !</a:t>
+            </a:r>
+            <a:endParaRPr lang="en-US" altLang="en-US" sz="5400" dirty="0">
+              <a:solidFill>
+                <a:srgbClr val="00B0F0"/>
+              </a:solidFill>
+              <a:cs typeface="Calibri" panose="020F0502020204030204" pitchFamily="34" charset="0"/>
+            </a:endParaRPr>
+          </a:p>
+        </p:txBody>
+      </p:sp>
+    </p:spTree>
+    <p:extLst>
+      <p:ext uri="{BB962C8B-B14F-4D97-AF65-F5344CB8AC3E}">
+        <p14:creationId xmlns:p14="http://schemas.microsoft.com/office/powerpoint/2010/main" val="883376971"/>
+      </p:ext>
+    </p:extLst>
+  </p:cSld>
+  <p:clrMapOvr>
+    <a:masterClrMapping/>
+  </p:clrMapOvr>
+</p:sld>
+</file>
+
+<file path=ppt/slides/slide23.xml><?xml version="1.0" encoding="utf-8"?>
+<p:sld xmlns:a="http://schemas.openxmlformats.org/drawingml/2006/main" xmlns:r="http://schemas.openxmlformats.org/officeDocument/2006/relationships" xmlns:p="http://schemas.openxmlformats.org/presentationml/2006/main">
+  <p:cSld>
+    <p:spTree>
+      <p:nvGrpSpPr>
+        <p:cNvPr id="1" name=""/>
+        <p:cNvGrpSpPr/>
+        <p:nvPr/>
+      </p:nvGrpSpPr>
+      <p:grpSpPr>
+        <a:xfrm>
+          <a:off x="0" y="0"/>
+          <a:ext cx="0" cy="0"/>
+          <a:chOff x="0" y="0"/>
+          <a:chExt cx="0" cy="0"/>
+        </a:xfrm>
+      </p:grpSpPr>
+      <p:sp>
+        <p:nvSpPr>
+          <p:cNvPr id="2" name="Title 1"/>
+          <p:cNvSpPr>
+            <a:spLocks noGrp="1"/>
+          </p:cNvSpPr>
+          <p:nvPr>
+            <p:ph type="title"/>
+          </p:nvPr>
+        </p:nvSpPr>
+        <p:spPr>
+          <a:xfrm>
+            <a:off x="466579" y="240325"/>
+            <a:ext cx="11714536" cy="441082"/>
+          </a:xfrm>
+        </p:spPr>
+        <p:txBody>
+          <a:bodyPr/>
+          <a:lstStyle/>
+          <a:p>
+            <a:r>
+              <a:rPr lang="en-US" sz="3200" dirty="0">
+                <a:latin typeface="Calibri" panose="020F0502020204030204" pitchFamily="34" charset="0"/>
+                <a:cs typeface="Calibri" panose="020F0502020204030204" pitchFamily="34" charset="0"/>
+              </a:rPr>
+              <a:t>Back Up Slide</a:t>
+            </a:r>
+          </a:p>
+        </p:txBody>
+      </p:sp>
+      <p:sp>
+        <p:nvSpPr>
+          <p:cNvPr id="3" name="TextBox 2">
+            <a:extLst>
+              <a:ext uri="{FF2B5EF4-FFF2-40B4-BE49-F238E27FC236}">
+                <a16:creationId xmlns:a16="http://schemas.microsoft.com/office/drawing/2014/main" id="{63D9B1F7-F9ED-41EB-A437-B8EB4C76F5DB}"/>
+              </a:ext>
+            </a:extLst>
+          </p:cNvPr>
+          <p:cNvSpPr txBox="1"/>
+          <p:nvPr/>
+        </p:nvSpPr>
+        <p:spPr>
+          <a:xfrm>
+            <a:off x="3867751" y="2921168"/>
+            <a:ext cx="4456497" cy="1015663"/>
+          </a:xfrm>
+          <a:prstGeom prst="rect">
+            <a:avLst/>
+          </a:prstGeom>
+          <a:noFill/>
+        </p:spPr>
+        <p:txBody>
+          <a:bodyPr wrap="square" rtlCol="0">
+            <a:spAutoFit/>
+          </a:bodyPr>
+          <a:lstStyle/>
+          <a:p>
+            <a:r>
+              <a:rPr lang="en-US" sz="6000" dirty="0">
+                <a:solidFill>
+                  <a:srgbClr val="2980B9"/>
+                </a:solidFill>
+              </a:rPr>
+              <a:t>Back Up Slide</a:t>
+            </a:r>
+          </a:p>
+        </p:txBody>
+      </p:sp>
+    </p:spTree>
+    <p:extLst>
+      <p:ext uri="{BB962C8B-B14F-4D97-AF65-F5344CB8AC3E}">
+        <p14:creationId xmlns:p14="http://schemas.microsoft.com/office/powerpoint/2010/main" val="2499661400"/>
+      </p:ext>
+    </p:extLst>
+  </p:cSld>
+  <p:clrMapOvr>
+    <a:masterClrMapping/>
+  </p:clrMapOvr>
+</p:sld>
+</file>
+
+<file path=ppt/slides/slide24.xml><?xml version="1.0" encoding="utf-8"?>
+<p:sld xmlns:a="http://schemas.openxmlformats.org/drawingml/2006/main" xmlns:r="http://schemas.openxmlformats.org/officeDocument/2006/relationships" xmlns:p="http://schemas.openxmlformats.org/presentationml/2006/main">
+  <p:cSld>
+    <p:spTree>
+      <p:nvGrpSpPr>
+        <p:cNvPr id="1" name=""/>
+        <p:cNvGrpSpPr/>
+        <p:nvPr/>
+      </p:nvGrpSpPr>
+      <p:grpSpPr>
+        <a:xfrm>
+          <a:off x="0" y="0"/>
+          <a:ext cx="0" cy="0"/>
+          <a:chOff x="0" y="0"/>
+          <a:chExt cx="0" cy="0"/>
+        </a:xfrm>
+      </p:grpSpPr>
+      <p:sp>
+        <p:nvSpPr>
+          <p:cNvPr id="4" name="Title 3"/>
+          <p:cNvSpPr>
+            <a:spLocks noGrp="1"/>
+          </p:cNvSpPr>
+          <p:nvPr>
+            <p:ph type="title"/>
+          </p:nvPr>
+        </p:nvSpPr>
+        <p:spPr>
+          <a:xfrm>
+            <a:off x="466579" y="240325"/>
+            <a:ext cx="11714536" cy="441082"/>
+          </a:xfrm>
+        </p:spPr>
+        <p:txBody>
+          <a:bodyPr/>
+          <a:lstStyle/>
+          <a:p>
+            <a:r>
+              <a:rPr lang="en-US" sz="3200" dirty="0">
+                <a:latin typeface="Calibri" panose="020F0502020204030204" pitchFamily="34" charset="0"/>
+                <a:cs typeface="Calibri" panose="020F0502020204030204" pitchFamily="34" charset="0"/>
+              </a:rPr>
+              <a:t>Classification vs Sentiment Analysis</a:t>
+            </a:r>
+          </a:p>
+        </p:txBody>
+      </p:sp>
+      <p:sp>
+        <p:nvSpPr>
+          <p:cNvPr id="5" name="Content Placeholder 2"/>
+          <p:cNvSpPr>
+            <a:spLocks noGrp="1"/>
+          </p:cNvSpPr>
+          <p:nvPr>
+            <p:ph idx="1"/>
+          </p:nvPr>
+        </p:nvSpPr>
+        <p:spPr>
+          <a:xfrm>
+            <a:off x="477464" y="1044421"/>
+            <a:ext cx="11714536" cy="5813579"/>
+          </a:xfrm>
+        </p:spPr>
+        <p:txBody>
+          <a:bodyPr/>
+          <a:lstStyle/>
+          <a:p>
+            <a:pPr>
+              <a:buFont typeface="Arial" panose="020B0604020202020204" pitchFamily="34" charset="0"/>
+              <a:buChar char="•"/>
+            </a:pPr>
+            <a:r>
+              <a:rPr lang="en-US" b="1" i="0" dirty="0">
+                <a:solidFill>
+                  <a:srgbClr val="282829"/>
+                </a:solidFill>
+                <a:effectLst/>
+                <a:latin typeface="Calibri" panose="020F0502020204030204" pitchFamily="34" charset="0"/>
+                <a:cs typeface="Calibri" panose="020F0502020204030204" pitchFamily="34" charset="0"/>
+              </a:rPr>
+              <a:t>Classification</a:t>
+            </a:r>
+            <a:r>
+              <a:rPr lang="en-US" b="0" i="0" dirty="0">
+                <a:solidFill>
+                  <a:srgbClr val="282829"/>
+                </a:solidFill>
+                <a:effectLst/>
+                <a:latin typeface="Calibri" panose="020F0502020204030204" pitchFamily="34" charset="0"/>
+                <a:cs typeface="Calibri" panose="020F0502020204030204" pitchFamily="34" charset="0"/>
+              </a:rPr>
+              <a:t> - Classification is a type of supervised learning where the goal is to predict the </a:t>
+            </a:r>
+            <a:r>
+              <a:rPr lang="en-US" b="0" i="0" dirty="0">
+                <a:solidFill>
+                  <a:srgbClr val="FF0000"/>
+                </a:solidFill>
+                <a:effectLst/>
+                <a:latin typeface="Calibri" panose="020F0502020204030204" pitchFamily="34" charset="0"/>
+                <a:cs typeface="Calibri" panose="020F0502020204030204" pitchFamily="34" charset="0"/>
+              </a:rPr>
+              <a:t>categorical class labels </a:t>
+            </a:r>
+            <a:r>
+              <a:rPr lang="en-US" b="0" i="0" dirty="0">
+                <a:solidFill>
+                  <a:srgbClr val="282829"/>
+                </a:solidFill>
+                <a:effectLst/>
+                <a:latin typeface="Calibri" panose="020F0502020204030204" pitchFamily="34" charset="0"/>
+                <a:cs typeface="Calibri" panose="020F0502020204030204" pitchFamily="34" charset="0"/>
+              </a:rPr>
+              <a:t>of new instances based on past observations. It involves assigning inputs to one of several predefined categories.</a:t>
+            </a:r>
+          </a:p>
+          <a:p>
+            <a:pPr>
+              <a:buFont typeface="Arial" panose="020B0604020202020204" pitchFamily="34" charset="0"/>
+              <a:buChar char="•"/>
+            </a:pPr>
+            <a:r>
+              <a:rPr lang="en-US" sz="2400" b="1" i="0" dirty="0">
+                <a:solidFill>
+                  <a:srgbClr val="282829"/>
+                </a:solidFill>
+                <a:effectLst/>
+                <a:latin typeface="Calibri" panose="020F0502020204030204" pitchFamily="34" charset="0"/>
+                <a:cs typeface="Calibri" panose="020F0502020204030204" pitchFamily="34" charset="0"/>
+              </a:rPr>
+              <a:t>Sentiment </a:t>
+            </a:r>
+            <a:r>
+              <a:rPr lang="en-US" b="1" dirty="0">
+                <a:solidFill>
+                  <a:srgbClr val="282829"/>
+                </a:solidFill>
+                <a:latin typeface="Calibri" panose="020F0502020204030204" pitchFamily="34" charset="0"/>
+                <a:cs typeface="Calibri" panose="020F0502020204030204" pitchFamily="34" charset="0"/>
+              </a:rPr>
+              <a:t>A</a:t>
+            </a:r>
+            <a:r>
+              <a:rPr lang="en-US" sz="2400" b="1" i="0" dirty="0">
+                <a:solidFill>
+                  <a:srgbClr val="282829"/>
+                </a:solidFill>
+                <a:effectLst/>
+                <a:latin typeface="Calibri" panose="020F0502020204030204" pitchFamily="34" charset="0"/>
+                <a:cs typeface="Calibri" panose="020F0502020204030204" pitchFamily="34" charset="0"/>
+              </a:rPr>
+              <a:t>nalysis</a:t>
+            </a:r>
+            <a:r>
+              <a:rPr lang="en-US" sz="2400" b="0" i="0" dirty="0">
+                <a:solidFill>
+                  <a:srgbClr val="282829"/>
+                </a:solidFill>
+                <a:effectLst/>
+                <a:latin typeface="Calibri" panose="020F0502020204030204" pitchFamily="34" charset="0"/>
+                <a:cs typeface="Calibri" panose="020F0502020204030204" pitchFamily="34" charset="0"/>
+              </a:rPr>
+              <a:t> - Sentiment analysis is a subfield of natural language processing (NLP) focused on determining the </a:t>
+            </a:r>
+            <a:r>
+              <a:rPr lang="en-US" sz="2400" b="0" i="0" dirty="0">
+                <a:solidFill>
+                  <a:srgbClr val="FF0000"/>
+                </a:solidFill>
+                <a:effectLst/>
+                <a:latin typeface="Calibri" panose="020F0502020204030204" pitchFamily="34" charset="0"/>
+                <a:cs typeface="Calibri" panose="020F0502020204030204" pitchFamily="34" charset="0"/>
+              </a:rPr>
+              <a:t>sentiment expressed in text</a:t>
+            </a:r>
+            <a:r>
+              <a:rPr lang="en-US" sz="2400" b="0" i="0" dirty="0">
+                <a:solidFill>
+                  <a:srgbClr val="282829"/>
+                </a:solidFill>
+                <a:effectLst/>
+                <a:latin typeface="Calibri" panose="020F0502020204030204" pitchFamily="34" charset="0"/>
+                <a:cs typeface="Calibri" panose="020F0502020204030204" pitchFamily="34" charset="0"/>
+              </a:rPr>
+              <a:t>. It typically involves classifying text into categories such as 'positive', 'negative', or 'neutral'.</a:t>
+            </a:r>
+            <a:endParaRPr lang="en-US" sz="3200" dirty="0">
+              <a:solidFill>
+                <a:srgbClr val="282829"/>
+              </a:solidFill>
+              <a:latin typeface="Calibri" panose="020F0502020204030204" pitchFamily="34" charset="0"/>
+              <a:cs typeface="Calibri" panose="020F0502020204030204" pitchFamily="34" charset="0"/>
+            </a:endParaRPr>
+          </a:p>
+        </p:txBody>
+      </p:sp>
+    </p:spTree>
+    <p:extLst>
+      <p:ext uri="{BB962C8B-B14F-4D97-AF65-F5344CB8AC3E}">
+        <p14:creationId xmlns:p14="http://schemas.microsoft.com/office/powerpoint/2010/main" val="650466616"/>
+      </p:ext>
+    </p:extLst>
+  </p:cSld>
+  <p:clrMapOvr>
+    <a:masterClrMapping/>
+  </p:clrMapOvr>
+</p:sld>
+</file>
+
+<file path=ppt/slides/slide25.xml><?xml version="1.0" encoding="utf-8"?>
+<p:sld xmlns:a="http://schemas.openxmlformats.org/drawingml/2006/main" xmlns:r="http://schemas.openxmlformats.org/officeDocument/2006/relationships" xmlns:p="http://schemas.openxmlformats.org/presentationml/2006/main">
+  <p:cSld>
+    <p:spTree>
+      <p:nvGrpSpPr>
+        <p:cNvPr id="1" name=""/>
+        <p:cNvGrpSpPr/>
+        <p:nvPr/>
+      </p:nvGrpSpPr>
+      <p:grpSpPr>
+        <a:xfrm>
+          <a:off x="0" y="0"/>
+          <a:ext cx="0" cy="0"/>
+          <a:chOff x="0" y="0"/>
+          <a:chExt cx="0" cy="0"/>
+        </a:xfrm>
+      </p:grpSpPr>
+      <p:sp>
+        <p:nvSpPr>
+          <p:cNvPr id="4" name="Title 3"/>
+          <p:cNvSpPr>
+            <a:spLocks noGrp="1"/>
+          </p:cNvSpPr>
+          <p:nvPr>
+            <p:ph type="title"/>
+          </p:nvPr>
+        </p:nvSpPr>
+        <p:spPr>
+          <a:xfrm>
+            <a:off x="466579" y="240325"/>
+            <a:ext cx="11714536" cy="441082"/>
+          </a:xfrm>
+        </p:spPr>
+        <p:txBody>
+          <a:bodyPr/>
+          <a:lstStyle/>
+          <a:p>
+            <a:r>
+              <a:rPr lang="en-US" sz="3200" dirty="0">
+                <a:latin typeface="Calibri" panose="020F0502020204030204" pitchFamily="34" charset="0"/>
+                <a:cs typeface="Calibri" panose="020F0502020204030204" pitchFamily="34" charset="0"/>
+              </a:rPr>
+              <a:t>Classification vs Sentiment Analysis</a:t>
+            </a:r>
+          </a:p>
+        </p:txBody>
+      </p:sp>
+      <p:sp>
+        <p:nvSpPr>
+          <p:cNvPr id="5" name="Content Placeholder 2"/>
+          <p:cNvSpPr>
+            <a:spLocks noGrp="1"/>
+          </p:cNvSpPr>
+          <p:nvPr>
+            <p:ph idx="1"/>
+          </p:nvPr>
+        </p:nvSpPr>
+        <p:spPr>
+          <a:xfrm>
+            <a:off x="477464" y="1044421"/>
+            <a:ext cx="11714536" cy="5813579"/>
+          </a:xfrm>
+        </p:spPr>
+        <p:txBody>
+          <a:bodyPr/>
+          <a:lstStyle/>
+          <a:p>
+            <a:pPr>
+              <a:buFont typeface="Arial" panose="020B0604020202020204" pitchFamily="34" charset="0"/>
+              <a:buChar char="•"/>
+            </a:pPr>
+            <a:r>
+              <a:rPr lang="en-US" sz="2400" b="1" i="0" dirty="0">
+                <a:solidFill>
+                  <a:srgbClr val="282829"/>
+                </a:solidFill>
+                <a:effectLst/>
+                <a:latin typeface="Calibri" panose="020F0502020204030204" pitchFamily="34" charset="0"/>
+                <a:cs typeface="Calibri" panose="020F0502020204030204" pitchFamily="34" charset="0"/>
+              </a:rPr>
+              <a:t>Classification</a:t>
+            </a:r>
+            <a:r>
+              <a:rPr lang="en-US" sz="2400" b="0" i="0" dirty="0">
+                <a:solidFill>
+                  <a:srgbClr val="282829"/>
+                </a:solidFill>
+                <a:effectLst/>
+                <a:latin typeface="Calibri" panose="020F0502020204030204" pitchFamily="34" charset="0"/>
+                <a:cs typeface="Calibri" panose="020F0502020204030204" pitchFamily="34" charset="0"/>
+              </a:rPr>
+              <a:t>: This is a broad category in machine learning that involves categorizing data into predefined labels or classes. It can be applied to various types of data such as text, images, numerical data, etc. The primary goal is to predict the category to which a new observation belongs based on a model trained on labeled data.</a:t>
+            </a:r>
+          </a:p>
+          <a:p>
+            <a:pPr>
+              <a:buFont typeface="Arial" panose="020B0604020202020204" pitchFamily="34" charset="0"/>
+              <a:buChar char="•"/>
+            </a:pPr>
+            <a:r>
+              <a:rPr lang="en-US" sz="2400" b="1" i="0" dirty="0">
+                <a:solidFill>
+                  <a:srgbClr val="282829"/>
+                </a:solidFill>
+                <a:effectLst/>
+                <a:latin typeface="Calibri" panose="020F0502020204030204" pitchFamily="34" charset="0"/>
+                <a:cs typeface="Calibri" panose="020F0502020204030204" pitchFamily="34" charset="0"/>
+              </a:rPr>
+              <a:t>Sentiment Analysis</a:t>
+            </a:r>
+            <a:r>
+              <a:rPr lang="en-US" sz="2400" b="0" i="0" dirty="0">
+                <a:solidFill>
+                  <a:srgbClr val="282829"/>
+                </a:solidFill>
+                <a:effectLst/>
+                <a:latin typeface="Calibri" panose="020F0502020204030204" pitchFamily="34" charset="0"/>
+                <a:cs typeface="Calibri" panose="020F0502020204030204" pitchFamily="34" charset="0"/>
+              </a:rPr>
+              <a:t>: This is a specialized type of classification specifically focused on text data. The goal is to determine the sentiment expressed in the text, typically categorizing it as positive, negative, or neutral. It deals primarily with understanding emotions, opinions, and attitudes conveyed in written language.</a:t>
+            </a:r>
+            <a:endParaRPr lang="en-US" sz="3200" dirty="0">
+              <a:solidFill>
+                <a:srgbClr val="282829"/>
+              </a:solidFill>
+              <a:latin typeface="Calibri" panose="020F0502020204030204" pitchFamily="34" charset="0"/>
+              <a:cs typeface="Calibri" panose="020F0502020204030204" pitchFamily="34" charset="0"/>
+            </a:endParaRPr>
+          </a:p>
+        </p:txBody>
+      </p:sp>
+    </p:spTree>
+    <p:extLst>
+      <p:ext uri="{BB962C8B-B14F-4D97-AF65-F5344CB8AC3E}">
+        <p14:creationId xmlns:p14="http://schemas.microsoft.com/office/powerpoint/2010/main" val="2850094819"/>
+      </p:ext>
+    </p:extLst>
+  </p:cSld>
+  <p:clrMapOvr>
+    <a:masterClrMapping/>
+  </p:clrMapOvr>
+</p:sld>
+</file>
+
+<file path=ppt/slides/slide26.xml><?xml version="1.0" encoding="utf-8"?>
+<p:sld xmlns:a="http://schemas.openxmlformats.org/drawingml/2006/main" xmlns:r="http://schemas.openxmlformats.org/officeDocument/2006/relationships" xmlns:p="http://schemas.openxmlformats.org/presentationml/2006/main">
+  <p:cSld>
+    <p:spTree>
+      <p:nvGrpSpPr>
+        <p:cNvPr id="1" name=""/>
+        <p:cNvGrpSpPr/>
+        <p:nvPr/>
+      </p:nvGrpSpPr>
+      <p:grpSpPr>
+        <a:xfrm>
+          <a:off x="0" y="0"/>
+          <a:ext cx="0" cy="0"/>
+          <a:chOff x="0" y="0"/>
+          <a:chExt cx="0" cy="0"/>
+        </a:xfrm>
+      </p:grpSpPr>
+      <p:sp>
+        <p:nvSpPr>
+          <p:cNvPr id="4" name="Title 3"/>
+          <p:cNvSpPr>
+            <a:spLocks noGrp="1"/>
+          </p:cNvSpPr>
+          <p:nvPr>
+            <p:ph type="title"/>
+          </p:nvPr>
+        </p:nvSpPr>
+        <p:spPr>
+          <a:xfrm>
+            <a:off x="466579" y="240325"/>
+            <a:ext cx="11714536" cy="441082"/>
+          </a:xfrm>
+        </p:spPr>
+        <p:txBody>
+          <a:bodyPr/>
+          <a:lstStyle/>
+          <a:p>
+            <a:r>
+              <a:rPr lang="en-US" sz="3200" dirty="0">
+                <a:latin typeface="Calibri" panose="020F0502020204030204" pitchFamily="34" charset="0"/>
+                <a:cs typeface="Calibri" panose="020F0502020204030204" pitchFamily="34" charset="0"/>
+              </a:rPr>
+              <a:t>Classification vs Sentiment Analysis</a:t>
+            </a:r>
+          </a:p>
+        </p:txBody>
+      </p:sp>
+      <p:sp>
+        <p:nvSpPr>
+          <p:cNvPr id="5" name="Content Placeholder 2"/>
+          <p:cNvSpPr>
+            <a:spLocks noGrp="1"/>
+          </p:cNvSpPr>
+          <p:nvPr>
+            <p:ph idx="1"/>
+          </p:nvPr>
+        </p:nvSpPr>
+        <p:spPr>
+          <a:xfrm>
+            <a:off x="477464" y="1044421"/>
+            <a:ext cx="11714536" cy="5813579"/>
+          </a:xfrm>
+        </p:spPr>
+        <p:txBody>
+          <a:bodyPr/>
+          <a:lstStyle/>
+          <a:p>
+            <a:pPr>
+              <a:buFont typeface="Arial" panose="020B0604020202020204" pitchFamily="34" charset="0"/>
+              <a:buChar char="•"/>
+            </a:pPr>
+            <a:r>
+              <a:rPr lang="en-US" sz="2400" b="1" i="0" dirty="0">
+                <a:solidFill>
+                  <a:srgbClr val="282829"/>
+                </a:solidFill>
+                <a:effectLst/>
+                <a:latin typeface="Calibri" panose="020F0502020204030204" pitchFamily="34" charset="0"/>
+                <a:cs typeface="Calibri" panose="020F0502020204030204" pitchFamily="34" charset="0"/>
+              </a:rPr>
+              <a:t>Classification</a:t>
+            </a:r>
+            <a:r>
+              <a:rPr lang="en-US" sz="2400" b="0" i="0" dirty="0">
+                <a:solidFill>
+                  <a:srgbClr val="282829"/>
+                </a:solidFill>
+                <a:effectLst/>
+                <a:latin typeface="Calibri" panose="020F0502020204030204" pitchFamily="34" charset="0"/>
+                <a:cs typeface="Calibri" panose="020F0502020204030204" pitchFamily="34" charset="0"/>
+              </a:rPr>
+              <a:t>: General task of assigning inputs to categories; applicable to various data types and domains.</a:t>
+            </a:r>
+          </a:p>
+          <a:p>
+            <a:pPr>
+              <a:buFont typeface="Arial" panose="020B0604020202020204" pitchFamily="34" charset="0"/>
+              <a:buChar char="•"/>
+            </a:pPr>
+            <a:r>
+              <a:rPr lang="en-US" sz="2400" b="1" i="0" dirty="0">
+                <a:solidFill>
+                  <a:srgbClr val="282829"/>
+                </a:solidFill>
+                <a:effectLst/>
+                <a:latin typeface="Calibri" panose="020F0502020204030204" pitchFamily="34" charset="0"/>
+                <a:cs typeface="Calibri" panose="020F0502020204030204" pitchFamily="34" charset="0"/>
+              </a:rPr>
+              <a:t>Sentiment Analysis</a:t>
+            </a:r>
+            <a:r>
+              <a:rPr lang="en-US" sz="2400" b="0" i="0" dirty="0">
+                <a:solidFill>
+                  <a:srgbClr val="282829"/>
+                </a:solidFill>
+                <a:effectLst/>
+                <a:latin typeface="Calibri" panose="020F0502020204030204" pitchFamily="34" charset="0"/>
+                <a:cs typeface="Calibri" panose="020F0502020204030204" pitchFamily="34" charset="0"/>
+              </a:rPr>
+              <a:t>: Specialized form of classification focused on determining sentiment in textual data.</a:t>
+            </a:r>
+            <a:endParaRPr lang="en-US" sz="3200" dirty="0">
+              <a:solidFill>
+                <a:srgbClr val="282829"/>
+              </a:solidFill>
+              <a:latin typeface="Calibri" panose="020F0502020204030204" pitchFamily="34" charset="0"/>
+              <a:cs typeface="Calibri" panose="020F0502020204030204" pitchFamily="34" charset="0"/>
+            </a:endParaRPr>
+          </a:p>
+        </p:txBody>
+      </p:sp>
+    </p:spTree>
+    <p:extLst>
+      <p:ext uri="{BB962C8B-B14F-4D97-AF65-F5344CB8AC3E}">
+        <p14:creationId xmlns:p14="http://schemas.microsoft.com/office/powerpoint/2010/main" val="580634757"/>
+      </p:ext>
+    </p:extLst>
+  </p:cSld>
+  <p:clrMapOvr>
+    <a:masterClrMapping/>
+  </p:clrMapOvr>
+</p:sld>
+</file>
+
+<file path=ppt/slides/slide27.xml><?xml version="1.0" encoding="utf-8"?>
+<p:sld xmlns:a="http://schemas.openxmlformats.org/drawingml/2006/main" xmlns:r="http://schemas.openxmlformats.org/officeDocument/2006/relationships" xmlns:p="http://schemas.openxmlformats.org/presentationml/2006/main">
+  <p:cSld>
+    <p:spTree>
+      <p:nvGrpSpPr>
+        <p:cNvPr id="1" name=""/>
+        <p:cNvGrpSpPr/>
+        <p:nvPr/>
+      </p:nvGrpSpPr>
+      <p:grpSpPr>
+        <a:xfrm>
+          <a:off x="0" y="0"/>
+          <a:ext cx="0" cy="0"/>
+          <a:chOff x="0" y="0"/>
+          <a:chExt cx="0" cy="0"/>
+        </a:xfrm>
+      </p:grpSpPr>
+      <p:sp>
+        <p:nvSpPr>
+          <p:cNvPr id="4" name="Title 3"/>
+          <p:cNvSpPr>
+            <a:spLocks noGrp="1"/>
+          </p:cNvSpPr>
+          <p:nvPr>
+            <p:ph type="title"/>
+          </p:nvPr>
+        </p:nvSpPr>
+        <p:spPr>
+          <a:xfrm>
+            <a:off x="466579" y="240325"/>
+            <a:ext cx="11714536" cy="441082"/>
+          </a:xfrm>
+        </p:spPr>
+        <p:txBody>
+          <a:bodyPr/>
+          <a:lstStyle/>
+          <a:p>
+            <a:r>
+              <a:rPr lang="en-US" sz="3200" dirty="0">
+                <a:latin typeface="Calibri" panose="020F0502020204030204" pitchFamily="34" charset="0"/>
+                <a:cs typeface="Calibri" panose="020F0502020204030204" pitchFamily="34" charset="0"/>
+              </a:rPr>
               <a:t>Classification vs Sentiment analysis</a:t>
+            </a:r>
+          </a:p>
+        </p:txBody>
+      </p:sp>
+      <p:sp>
+        <p:nvSpPr>
+          <p:cNvPr id="5" name="Content Placeholder 2"/>
+          <p:cNvSpPr>
+            <a:spLocks noGrp="1"/>
+          </p:cNvSpPr>
+          <p:nvPr>
+            <p:ph idx="1"/>
+          </p:nvPr>
+        </p:nvSpPr>
+        <p:spPr>
+          <a:xfrm>
+            <a:off x="477464" y="1044421"/>
+            <a:ext cx="11714536" cy="5813579"/>
+          </a:xfrm>
+        </p:spPr>
+        <p:txBody>
+          <a:bodyPr/>
+          <a:lstStyle/>
+          <a:p>
+            <a:pPr>
+              <a:buFont typeface="Arial" panose="020B0604020202020204" pitchFamily="34" charset="0"/>
+              <a:buChar char="•"/>
+            </a:pPr>
+            <a:r>
+              <a:rPr lang="en-US" b="1" i="0" dirty="0">
+                <a:solidFill>
+                  <a:srgbClr val="282829"/>
+                </a:solidFill>
+                <a:effectLst/>
+                <a:latin typeface="+mn-lt"/>
+              </a:rPr>
+              <a:t>Classification</a:t>
+            </a:r>
+            <a:r>
+              <a:rPr lang="en-US" dirty="0">
+                <a:solidFill>
+                  <a:srgbClr val="282829"/>
+                </a:solidFill>
+                <a:latin typeface="+mn-lt"/>
+              </a:rPr>
+              <a:t>: Spam Detection</a:t>
+            </a:r>
+          </a:p>
+          <a:p>
+            <a:pPr>
+              <a:buFont typeface="Arial" panose="020B0604020202020204" pitchFamily="34" charset="0"/>
+              <a:buChar char="•"/>
+            </a:pPr>
+            <a:r>
+              <a:rPr lang="en-US" sz="2400" b="1" i="0" dirty="0">
+                <a:solidFill>
+                  <a:srgbClr val="282829"/>
+                </a:solidFill>
+                <a:effectLst/>
+                <a:latin typeface="+mn-lt"/>
+              </a:rPr>
+              <a:t>Sentiment </a:t>
+            </a:r>
+            <a:r>
+              <a:rPr lang="en-US" b="1" dirty="0">
+                <a:solidFill>
+                  <a:srgbClr val="282829"/>
+                </a:solidFill>
+                <a:latin typeface="+mn-lt"/>
+              </a:rPr>
+              <a:t>A</a:t>
+            </a:r>
+            <a:r>
+              <a:rPr lang="en-US" sz="2400" b="1" i="0" dirty="0">
+                <a:solidFill>
+                  <a:srgbClr val="282829"/>
+                </a:solidFill>
+                <a:effectLst/>
+                <a:latin typeface="+mn-lt"/>
+              </a:rPr>
+              <a:t>nalysis</a:t>
+            </a:r>
+            <a:r>
+              <a:rPr lang="en-US" sz="2400" b="0" i="0" dirty="0">
+                <a:solidFill>
+                  <a:srgbClr val="282829"/>
+                </a:solidFill>
+                <a:effectLst/>
+                <a:latin typeface="+mn-lt"/>
+              </a:rPr>
+              <a:t> :</a:t>
+            </a:r>
+            <a:r>
+              <a:rPr lang="en-US" sz="2400" b="0" i="1" dirty="0">
+                <a:solidFill>
+                  <a:srgbClr val="282829"/>
+                </a:solidFill>
+                <a:effectLst/>
+                <a:latin typeface="+mn-lt"/>
+              </a:rPr>
+              <a:t> </a:t>
+            </a:r>
+            <a:r>
+              <a:rPr lang="en-US" sz="2400" b="0" dirty="0">
+                <a:solidFill>
+                  <a:srgbClr val="282829"/>
+                </a:solidFill>
+                <a:effectLst/>
+                <a:latin typeface="+mn-lt"/>
+              </a:rPr>
+              <a:t>Product Reviews</a:t>
+            </a:r>
+            <a:endParaRPr lang="en-US" sz="3200" dirty="0">
+              <a:solidFill>
+                <a:srgbClr val="282829"/>
+              </a:solidFill>
+              <a:latin typeface="+mn-lt"/>
+              <a:cs typeface="Times New Roman" panose="02020603050405020304" pitchFamily="18" charset="0"/>
+            </a:endParaRPr>
+          </a:p>
+        </p:txBody>
+      </p:sp>
+    </p:spTree>
+    <p:extLst>
+      <p:ext uri="{BB962C8B-B14F-4D97-AF65-F5344CB8AC3E}">
+        <p14:creationId xmlns:p14="http://schemas.microsoft.com/office/powerpoint/2010/main" val="1435739677"/>
+      </p:ext>
+    </p:extLst>
+  </p:cSld>
+  <p:clrMapOvr>
+    <a:masterClrMapping/>
+  </p:clrMapOvr>
+</p:sld>
+</file>
+
+<file path=ppt/slides/slide28.xml><?xml version="1.0" encoding="utf-8"?>
+<p:sld xmlns:a="http://schemas.openxmlformats.org/drawingml/2006/main" xmlns:r="http://schemas.openxmlformats.org/officeDocument/2006/relationships" xmlns:p="http://schemas.openxmlformats.org/presentationml/2006/main">
+  <p:cSld>
+    <p:spTree>
+      <p:nvGrpSpPr>
+        <p:cNvPr id="1" name=""/>
+        <p:cNvGrpSpPr/>
+        <p:nvPr/>
+      </p:nvGrpSpPr>
+      <p:grpSpPr>
+        <a:xfrm>
+          <a:off x="0" y="0"/>
+          <a:ext cx="0" cy="0"/>
+          <a:chOff x="0" y="0"/>
+          <a:chExt cx="0" cy="0"/>
+        </a:xfrm>
+      </p:grpSpPr>
+      <p:sp>
+        <p:nvSpPr>
+          <p:cNvPr id="4" name="Title 3"/>
+          <p:cNvSpPr>
+            <a:spLocks noGrp="1"/>
+          </p:cNvSpPr>
+          <p:nvPr>
+            <p:ph type="title"/>
+          </p:nvPr>
+        </p:nvSpPr>
+        <p:spPr>
+          <a:xfrm>
+            <a:off x="466579" y="240325"/>
+            <a:ext cx="11714536" cy="441082"/>
+          </a:xfrm>
+        </p:spPr>
+        <p:txBody>
+          <a:bodyPr/>
+          <a:lstStyle/>
+          <a:p>
+            <a:r>
+              <a:rPr lang="en-US" sz="3200" dirty="0">
+                <a:latin typeface="Calibri" panose="020F0502020204030204" pitchFamily="34" charset="0"/>
+                <a:cs typeface="Calibri" panose="020F0502020204030204" pitchFamily="34" charset="0"/>
+              </a:rPr>
+              <a:t>Classification vs Sentiment Analysis</a:t>
             </a:r>
           </a:p>
         </p:txBody>
@@ -7857,7 +11442,7 @@
 </p:sld>
 </file>
 
-<file path=ppt/slides/slide15.xml><?xml version="1.0" encoding="utf-8"?>
+<file path=ppt/slides/slide29.xml><?xml version="1.0" encoding="utf-8"?>
 <p:sld xmlns:a="http://schemas.openxmlformats.org/drawingml/2006/main" xmlns:r="http://schemas.openxmlformats.org/officeDocument/2006/relationships" xmlns:p="http://schemas.openxmlformats.org/presentationml/2006/main">
   <p:cSld>
     <p:spTree>
@@ -7895,12 +11480,16 @@
           <a:lstStyle/>
           <a:p>
             <a:r>
-              <a:rPr lang="en-US" sz="3200" dirty="0">
-                <a:latin typeface="Calibri" panose="020F0502020204030204" pitchFamily="34" charset="0"/>
-                <a:cs typeface="Calibri" panose="020F0502020204030204" pitchFamily="34" charset="0"/>
-              </a:rPr>
-              <a:t>Classification vs Sentiment analysis</a:t>
-            </a:r>
+              <a:rPr lang="vi-VN" sz="3200" dirty="0">
+                <a:latin typeface="Calibri" panose="020F0502020204030204" pitchFamily="34" charset="0"/>
+                <a:cs typeface="Calibri" panose="020F0502020204030204" pitchFamily="34" charset="0"/>
+              </a:rPr>
+              <a:t>SƠ LƯỢC WORD EMBEDDING</a:t>
+            </a:r>
+            <a:endParaRPr lang="en-US" sz="3200" dirty="0">
+              <a:latin typeface="Calibri" panose="020F0502020204030204" pitchFamily="34" charset="0"/>
+              <a:cs typeface="Calibri" panose="020F0502020204030204" pitchFamily="34" charset="0"/>
+            </a:endParaRPr>
           </a:p>
         </p:txBody>
       </p:sp>
@@ -7925,169 +11514,309 @@
           <a:lstStyle/>
           <a:p>
             <a:pPr>
+              <a:buFont typeface="Wingdings" panose="05000000000000000000" pitchFamily="2" charset="2"/>
+              <a:buChar char="v"/>
+            </a:pPr>
+            <a:r>
+              <a:rPr lang="vi-VN" sz="1800" i="0" dirty="0">
+                <a:solidFill>
+                  <a:srgbClr val="282829"/>
+                </a:solidFill>
+                <a:effectLst/>
+                <a:latin typeface="Calibri" panose="020F0502020204030204" pitchFamily="34" charset="0"/>
+                <a:cs typeface="Calibri" panose="020F0502020204030204" pitchFamily="34" charset="0"/>
+              </a:rPr>
+              <a:t>1. Khái niệm</a:t>
+            </a:r>
+            <a:r>
+              <a:rPr lang="en-US" sz="1800" i="0" dirty="0">
+                <a:solidFill>
+                  <a:srgbClr val="282829"/>
+                </a:solidFill>
+                <a:effectLst/>
+                <a:latin typeface="Calibri" panose="020F0502020204030204" pitchFamily="34" charset="0"/>
+                <a:cs typeface="Calibri" panose="020F0502020204030204" pitchFamily="34" charset="0"/>
+              </a:rPr>
+              <a:t>: </a:t>
+            </a:r>
+            <a:r>
+              <a:rPr lang="vi-VN" sz="1800" b="1" i="0" dirty="0">
+                <a:solidFill>
+                  <a:srgbClr val="282829"/>
+                </a:solidFill>
+                <a:effectLst/>
+                <a:latin typeface="Calibri" panose="020F0502020204030204" pitchFamily="34" charset="0"/>
+                <a:cs typeface="Calibri" panose="020F0502020204030204" pitchFamily="34" charset="0"/>
+              </a:rPr>
+              <a:t>Word Embedding </a:t>
+            </a:r>
+            <a:r>
+              <a:rPr lang="vi-VN" sz="1800" i="0" dirty="0">
+                <a:solidFill>
+                  <a:srgbClr val="282829"/>
+                </a:solidFill>
+                <a:effectLst/>
+                <a:latin typeface="Calibri" panose="020F0502020204030204" pitchFamily="34" charset="0"/>
+                <a:cs typeface="Calibri" panose="020F0502020204030204" pitchFamily="34" charset="0"/>
+              </a:rPr>
+              <a:t>là tên gọi chung của các mô hình ngôn ngữ và các phương pháp học theo đặc trưng trong Xử lý ngôn ngữ tự nhiên(NLP), ở đó </a:t>
+            </a:r>
+            <a:r>
+              <a:rPr lang="vi-VN" sz="1800" b="1" i="0" dirty="0">
+                <a:solidFill>
+                  <a:srgbClr val="FF0000"/>
+                </a:solidFill>
+                <a:effectLst/>
+                <a:latin typeface="Calibri" panose="020F0502020204030204" pitchFamily="34" charset="0"/>
+                <a:cs typeface="Calibri" panose="020F0502020204030204" pitchFamily="34" charset="0"/>
+              </a:rPr>
+              <a:t>các từ hoặc cụm từ </a:t>
+            </a:r>
+            <a:r>
+              <a:rPr lang="vi-VN" sz="1800" i="0" dirty="0">
+                <a:solidFill>
+                  <a:srgbClr val="282829"/>
+                </a:solidFill>
+                <a:effectLst/>
+                <a:latin typeface="Calibri" panose="020F0502020204030204" pitchFamily="34" charset="0"/>
+                <a:cs typeface="Calibri" panose="020F0502020204030204" pitchFamily="34" charset="0"/>
+              </a:rPr>
+              <a:t>được ánh xạ sang các </a:t>
+            </a:r>
+            <a:r>
+              <a:rPr lang="vi-VN" sz="1800" b="1" i="0" dirty="0">
+                <a:solidFill>
+                  <a:srgbClr val="FF0000"/>
+                </a:solidFill>
+                <a:effectLst/>
+                <a:latin typeface="Calibri" panose="020F0502020204030204" pitchFamily="34" charset="0"/>
+                <a:cs typeface="Calibri" panose="020F0502020204030204" pitchFamily="34" charset="0"/>
+              </a:rPr>
+              <a:t>vector số </a:t>
+            </a:r>
+            <a:r>
+              <a:rPr lang="vi-VN" sz="1800" i="0" dirty="0">
+                <a:solidFill>
+                  <a:srgbClr val="282829"/>
+                </a:solidFill>
+                <a:effectLst/>
+                <a:latin typeface="Calibri" panose="020F0502020204030204" pitchFamily="34" charset="0"/>
+                <a:cs typeface="Calibri" panose="020F0502020204030204" pitchFamily="34" charset="0"/>
+              </a:rPr>
+              <a:t>(thường là số thực). Đây là một công cụ đóng vai trò quan trọng đối với hầu hết các thuật toán, kiến trúc Machine Learning, Deep Learning trong việc xử lý </a:t>
+            </a:r>
+            <a:r>
+              <a:rPr lang="vi-VN" sz="1800" i="0" dirty="0">
+                <a:solidFill>
+                  <a:srgbClr val="FF0000"/>
+                </a:solidFill>
+                <a:effectLst/>
+                <a:latin typeface="Calibri" panose="020F0502020204030204" pitchFamily="34" charset="0"/>
+                <a:cs typeface="Calibri" panose="020F0502020204030204" pitchFamily="34" charset="0"/>
+              </a:rPr>
+              <a:t>Input</a:t>
+            </a:r>
+            <a:r>
+              <a:rPr lang="vi-VN" sz="1800" i="0" dirty="0">
+                <a:solidFill>
+                  <a:srgbClr val="282829"/>
+                </a:solidFill>
+                <a:effectLst/>
+                <a:latin typeface="Calibri" panose="020F0502020204030204" pitchFamily="34" charset="0"/>
+                <a:cs typeface="Calibri" panose="020F0502020204030204" pitchFamily="34" charset="0"/>
+              </a:rPr>
+              <a:t> ở dạng </a:t>
+            </a:r>
+            <a:r>
+              <a:rPr lang="vi-VN" sz="1800" i="0" dirty="0">
+                <a:solidFill>
+                  <a:srgbClr val="FF0000"/>
+                </a:solidFill>
+                <a:effectLst/>
+                <a:latin typeface="Calibri" panose="020F0502020204030204" pitchFamily="34" charset="0"/>
+                <a:cs typeface="Calibri" panose="020F0502020204030204" pitchFamily="34" charset="0"/>
+              </a:rPr>
+              <a:t>text</a:t>
+            </a:r>
+            <a:r>
+              <a:rPr lang="vi-VN" sz="1800" i="0" dirty="0">
+                <a:solidFill>
+                  <a:srgbClr val="282829"/>
+                </a:solidFill>
+                <a:effectLst/>
+                <a:latin typeface="Calibri" panose="020F0502020204030204" pitchFamily="34" charset="0"/>
+                <a:cs typeface="Calibri" panose="020F0502020204030204" pitchFamily="34" charset="0"/>
+              </a:rPr>
+              <a:t>, do chúng chỉ có thể hiểu được Input ở dạng là số, từ đó mới thực hiện các công việc phân loại, hồi quy,vv…</a:t>
+            </a:r>
+            <a:r>
+              <a:rPr lang="en-US" sz="1800" i="0" dirty="0">
+                <a:solidFill>
+                  <a:srgbClr val="282829"/>
+                </a:solidFill>
+                <a:effectLst/>
+                <a:latin typeface="Calibri" panose="020F0502020204030204" pitchFamily="34" charset="0"/>
+                <a:cs typeface="Calibri" panose="020F0502020204030204" pitchFamily="34" charset="0"/>
+              </a:rPr>
+              <a:t>.</a:t>
+            </a:r>
+          </a:p>
+          <a:p>
+            <a:pPr>
+              <a:buFont typeface="Wingdings" panose="05000000000000000000" pitchFamily="2" charset="2"/>
+              <a:buChar char="v"/>
+            </a:pPr>
+            <a:r>
+              <a:rPr lang="vi-VN" sz="1800" dirty="0">
+                <a:solidFill>
+                  <a:srgbClr val="282829"/>
+                </a:solidFill>
+                <a:latin typeface="Calibri" panose="020F0502020204030204" pitchFamily="34" charset="0"/>
+                <a:cs typeface="Calibri" panose="020F0502020204030204" pitchFamily="34" charset="0"/>
+              </a:rPr>
+              <a:t>2. Các loại Word Embedding</a:t>
+            </a:r>
+          </a:p>
+          <a:p>
+            <a:pPr lvl="1">
+              <a:buFont typeface="Wingdings" panose="05000000000000000000" pitchFamily="2" charset="2"/>
+              <a:buChar char="ü"/>
+            </a:pPr>
+            <a:r>
+              <a:rPr lang="vi-VN" sz="1800" dirty="0">
+                <a:solidFill>
+                  <a:srgbClr val="282829"/>
+                </a:solidFill>
+                <a:latin typeface="Calibri" panose="020F0502020204030204" pitchFamily="34" charset="0"/>
+                <a:cs typeface="Calibri" panose="020F0502020204030204" pitchFamily="34" charset="0"/>
+              </a:rPr>
+              <a:t>Word Embedding được phân chủ yếu thành 2 loại:</a:t>
+            </a:r>
+          </a:p>
+          <a:p>
+            <a:pPr lvl="2">
               <a:buFont typeface="Arial" panose="020B0604020202020204" pitchFamily="34" charset="0"/>
               <a:buChar char="•"/>
             </a:pPr>
             <a:r>
-              <a:rPr lang="en-US" b="1" i="0" dirty="0">
+              <a:rPr lang="vi-VN" dirty="0">
                 <a:solidFill>
                   <a:srgbClr val="282829"/>
                 </a:solidFill>
-                <a:effectLst/>
-                <a:latin typeface="+mn-lt"/>
-              </a:rPr>
-              <a:t>Classification</a:t>
+                <a:latin typeface="Calibri" panose="020F0502020204030204" pitchFamily="34" charset="0"/>
+                <a:cs typeface="Calibri" panose="020F0502020204030204" pitchFamily="34" charset="0"/>
+              </a:rPr>
+              <a:t>Frequency-based embedding</a:t>
             </a:r>
             <a:r>
               <a:rPr lang="en-US" dirty="0">
                 <a:solidFill>
                   <a:srgbClr val="282829"/>
                 </a:solidFill>
-                <a:latin typeface="+mn-lt"/>
-              </a:rPr>
-              <a:t>: </a:t>
-            </a:r>
-            <a:r>
-              <a:rPr lang="en-US" b="0" i="0" dirty="0">
-                <a:solidFill>
-                  <a:srgbClr val="282829"/>
-                </a:solidFill>
-                <a:effectLst/>
-                <a:latin typeface="+mn-lt"/>
-              </a:rPr>
-              <a:t>Basically what you do here: You make your system learn using existing data for all classes you have. Actually it will consider the basic features for each class, matches those classes with incoming item. The class, for which maximum features get matched, new item get classified in that class.</a:t>
-            </a:r>
-          </a:p>
-          <a:p>
-            <a:pPr>
+                <a:latin typeface="Calibri" panose="020F0502020204030204" pitchFamily="34" charset="0"/>
+                <a:cs typeface="Calibri" panose="020F0502020204030204" pitchFamily="34" charset="0"/>
+              </a:rPr>
+              <a:t>: Count Vector, TF-IDF Vector, Co-occurrence Matrix, </a:t>
+            </a:r>
+            <a:r>
+              <a:rPr lang="en-US" dirty="0" err="1">
+                <a:solidFill>
+                  <a:schemeClr val="tx1"/>
+                </a:solidFill>
+                <a:latin typeface="Calibri" panose="020F0502020204030204" pitchFamily="34" charset="0"/>
+                <a:cs typeface="Calibri" panose="020F0502020204030204" pitchFamily="34" charset="0"/>
+              </a:rPr>
+              <a:t>GloVe</a:t>
+            </a:r>
+            <a:r>
+              <a:rPr lang="en-US" dirty="0">
+                <a:solidFill>
+                  <a:srgbClr val="00B050"/>
+                </a:solidFill>
+                <a:latin typeface="Calibri" panose="020F0502020204030204" pitchFamily="34" charset="0"/>
+                <a:cs typeface="Calibri" panose="020F0502020204030204" pitchFamily="34" charset="0"/>
+              </a:rPr>
+              <a:t> </a:t>
+            </a:r>
+            <a:r>
+              <a:rPr lang="en-US" dirty="0">
+                <a:solidFill>
+                  <a:schemeClr val="tx1"/>
+                </a:solidFill>
+                <a:latin typeface="Calibri" panose="020F0502020204030204" pitchFamily="34" charset="0"/>
+                <a:cs typeface="Calibri" panose="020F0502020204030204" pitchFamily="34" charset="0"/>
+              </a:rPr>
+              <a:t>(Global Vector)</a:t>
+            </a:r>
+            <a:endParaRPr lang="vi-VN" dirty="0">
+              <a:solidFill>
+                <a:schemeClr val="tx1"/>
+              </a:solidFill>
+              <a:latin typeface="Calibri" panose="020F0502020204030204" pitchFamily="34" charset="0"/>
+              <a:cs typeface="Calibri" panose="020F0502020204030204" pitchFamily="34" charset="0"/>
+            </a:endParaRPr>
+          </a:p>
+          <a:p>
+            <a:pPr lvl="2">
               <a:buFont typeface="Arial" panose="020B0604020202020204" pitchFamily="34" charset="0"/>
               <a:buChar char="•"/>
             </a:pPr>
             <a:r>
-              <a:rPr lang="en-US" sz="2400" b="1" i="0" dirty="0">
+              <a:rPr lang="vi-VN" dirty="0">
                 <a:solidFill>
                   <a:srgbClr val="282829"/>
                 </a:solidFill>
-                <a:effectLst/>
-                <a:latin typeface="+mn-lt"/>
-              </a:rPr>
-              <a:t>Sentiment analysis</a:t>
-            </a:r>
-            <a:r>
-              <a:rPr lang="en-US" sz="2400" b="0" i="0" dirty="0">
+                <a:latin typeface="Calibri" panose="020F0502020204030204" pitchFamily="34" charset="0"/>
+                <a:cs typeface="Calibri" panose="020F0502020204030204" pitchFamily="34" charset="0"/>
+              </a:rPr>
+              <a:t>Prediction-based embedding</a:t>
+            </a:r>
+            <a:r>
+              <a:rPr lang="en-US" dirty="0">
                 <a:solidFill>
                   <a:srgbClr val="282829"/>
                 </a:solidFill>
-                <a:effectLst/>
-                <a:latin typeface="+mn-lt"/>
-              </a:rPr>
-              <a:t> :</a:t>
-            </a:r>
-            <a:r>
-              <a:rPr lang="en-US" sz="2400" b="0" i="1" dirty="0">
+                <a:latin typeface="Calibri" panose="020F0502020204030204" pitchFamily="34" charset="0"/>
+                <a:cs typeface="Calibri" panose="020F0502020204030204" pitchFamily="34" charset="0"/>
+              </a:rPr>
+              <a:t>: Word2vec (CBOW, Skip-gram), </a:t>
+            </a:r>
+            <a:r>
+              <a:rPr lang="en-US" dirty="0" err="1">
                 <a:solidFill>
                   <a:srgbClr val="282829"/>
                 </a:solidFill>
-                <a:effectLst/>
-                <a:latin typeface="+mn-lt"/>
-              </a:rPr>
-              <a:t> Oh! </a:t>
-            </a:r>
-            <a:r>
-              <a:rPr lang="en-US" sz="2400" b="0" i="1" dirty="0" err="1">
+                <a:latin typeface="Calibri" panose="020F0502020204030204" pitchFamily="34" charset="0"/>
+                <a:cs typeface="Calibri" panose="020F0502020204030204" pitchFamily="34" charset="0"/>
+              </a:rPr>
+              <a:t>GloVe</a:t>
+            </a:r>
+            <a:r>
+              <a:rPr lang="en-US" dirty="0">
                 <a:solidFill>
                   <a:srgbClr val="282829"/>
                 </a:solidFill>
-                <a:effectLst/>
-                <a:latin typeface="+mn-lt"/>
-              </a:rPr>
-              <a:t>Iphone</a:t>
-            </a:r>
-            <a:r>
-              <a:rPr lang="en-US" sz="2400" b="0" i="1" dirty="0">
+                <a:latin typeface="Calibri" panose="020F0502020204030204" pitchFamily="34" charset="0"/>
+                <a:cs typeface="Calibri" panose="020F0502020204030204" pitchFamily="34" charset="0"/>
+              </a:rPr>
+              <a:t>, </a:t>
+            </a:r>
+            <a:r>
+              <a:rPr lang="en-US" dirty="0" err="1">
                 <a:solidFill>
                   <a:srgbClr val="282829"/>
                 </a:solidFill>
-                <a:effectLst/>
-                <a:latin typeface="+mn-lt"/>
-              </a:rPr>
-              <a:t> 15 is so decent mobile.</a:t>
-            </a:r>
-            <a:r>
-              <a:rPr lang="en-US" sz="2400" b="0" i="0" dirty="0">
-                <a:solidFill>
-                  <a:srgbClr val="282829"/>
-                </a:solidFill>
-                <a:effectLst/>
-                <a:latin typeface="+mn-lt"/>
-              </a:rPr>
-              <a:t> That shows positive sentiment. </a:t>
-            </a:r>
-            <a:r>
-              <a:rPr lang="en-US" sz="2400" b="0" i="1" dirty="0">
-                <a:solidFill>
-                  <a:srgbClr val="282829"/>
-                </a:solidFill>
-                <a:effectLst/>
-                <a:latin typeface="+mn-lt"/>
-              </a:rPr>
-              <a:t>Your idea is fine, </a:t>
-            </a:r>
-            <a:r>
-              <a:rPr lang="en-US" sz="2400" b="0" i="1">
-                <a:solidFill>
-                  <a:srgbClr val="282829"/>
-                </a:solidFill>
-                <a:effectLst/>
-                <a:latin typeface="+mn-lt"/>
-              </a:rPr>
-              <a:t>but </a:t>
-            </a:r>
-            <a:r>
-              <a:rPr lang="en-US" i="1" dirty="0">
-                <a:solidFill>
-                  <a:srgbClr val="282829"/>
-                </a:solidFill>
-                <a:latin typeface="+mn-lt"/>
-              </a:rPr>
-              <a:t>I</a:t>
-            </a:r>
-            <a:r>
-              <a:rPr lang="en-US" sz="2400" b="0" i="1">
-                <a:solidFill>
-                  <a:srgbClr val="282829"/>
-                </a:solidFill>
-                <a:effectLst/>
-                <a:latin typeface="+mn-lt"/>
-              </a:rPr>
-              <a:t> </a:t>
-            </a:r>
-            <a:r>
-              <a:rPr lang="en-US" sz="2400" b="0" i="1" dirty="0">
-                <a:solidFill>
-                  <a:srgbClr val="282829"/>
-                </a:solidFill>
-                <a:effectLst/>
-                <a:latin typeface="+mn-lt"/>
-              </a:rPr>
-              <a:t>don’t feel it is going to create any positive intact.</a:t>
-            </a:r>
-            <a:r>
-              <a:rPr lang="en-US" sz="2400" b="0" i="0" dirty="0">
-                <a:solidFill>
-                  <a:srgbClr val="282829"/>
-                </a:solidFill>
-                <a:effectLst/>
-                <a:latin typeface="+mn-lt"/>
-              </a:rPr>
-              <a:t> That shows negative sentiment. Now a days machine learning techniques also being used for sentiment analysis.</a:t>
-            </a:r>
-            <a:endParaRPr lang="en-US" sz="3200" dirty="0">
+                <a:latin typeface="Calibri" panose="020F0502020204030204" pitchFamily="34" charset="0"/>
+                <a:cs typeface="Calibri" panose="020F0502020204030204" pitchFamily="34" charset="0"/>
+              </a:rPr>
+              <a:t>FastText</a:t>
+            </a:r>
+            <a:endParaRPr lang="en-US" dirty="0">
               <a:solidFill>
                 <a:srgbClr val="282829"/>
               </a:solidFill>
-              <a:latin typeface="+mn-lt"/>
-              <a:cs typeface="Times New Roman" panose="02020603050405020304" pitchFamily="18" charset="0"/>
+              <a:latin typeface="Calibri" panose="020F0502020204030204" pitchFamily="34" charset="0"/>
+              <a:cs typeface="Calibri" panose="020F0502020204030204" pitchFamily="34" charset="0"/>
             </a:endParaRPr>
           </a:p>
         </p:txBody>
@@ -8095,7 +11824,7 @@
     </p:spTree>
     <p:extLst>
       <p:ext uri="{BB962C8B-B14F-4D97-AF65-F5344CB8AC3E}">
-        <p14:creationId xmlns:p14="http://schemas.microsoft.com/office/powerpoint/2010/main" val="1435739677"/>
+        <p14:creationId xmlns:p14="http://schemas.microsoft.com/office/powerpoint/2010/main" val="3292763428"/>
       </p:ext>
     </p:extLst>
   </p:cSld>
@@ -8105,7 +11834,7 @@
 </p:sld>
 </file>
 
-<file path=ppt/slides/slide16.xml><?xml version="1.0" encoding="utf-8"?>
+<file path=ppt/slides/slide3.xml><?xml version="1.0" encoding="utf-8"?>
 <p:sld xmlns:a="http://schemas.openxmlformats.org/drawingml/2006/main" xmlns:r="http://schemas.openxmlformats.org/officeDocument/2006/relationships" xmlns:p="http://schemas.openxmlformats.org/presentationml/2006/main">
   <p:cSld>
     <p:spTree>
@@ -8143,16 +11872,12 @@
           <a:lstStyle/>
           <a:p>
             <a:r>
-              <a:rPr lang="vi-VN" sz="3200" dirty="0">
-                <a:latin typeface="Calibri" panose="020F0502020204030204" pitchFamily="34" charset="0"/>
-                <a:cs typeface="Calibri" panose="020F0502020204030204" pitchFamily="34" charset="0"/>
-              </a:rPr>
-              <a:t>SƠ LƯỢC WORD EMBEDDING</a:t>
-            </a:r>
-            <a:endParaRPr lang="en-US" sz="3200" dirty="0">
-              <a:latin typeface="Calibri" panose="020F0502020204030204" pitchFamily="34" charset="0"/>
-              <a:cs typeface="Calibri" panose="020F0502020204030204" pitchFamily="34" charset="0"/>
-            </a:endParaRPr>
+              <a:rPr lang="en-US" sz="3200" dirty="0">
+                <a:latin typeface="Calibri" panose="020F0502020204030204" pitchFamily="34" charset="0"/>
+                <a:cs typeface="Calibri" panose="020F0502020204030204" pitchFamily="34" charset="0"/>
+              </a:rPr>
+              <a:t>1. Problem Definition</a:t>
+            </a:r>
           </a:p>
         </p:txBody>
       </p:sp>
@@ -8177,218 +11902,116 @@
           <a:lstStyle/>
           <a:p>
             <a:pPr>
-              <a:buFont typeface="Wingdings" panose="05000000000000000000" pitchFamily="2" charset="2"/>
-              <a:buChar char="v"/>
-            </a:pPr>
-            <a:r>
-              <a:rPr lang="vi-VN" sz="1800" i="0" dirty="0">
-                <a:solidFill>
-                  <a:srgbClr val="282829"/>
-                </a:solidFill>
-                <a:effectLst/>
-                <a:latin typeface="Calibri" panose="020F0502020204030204" pitchFamily="34" charset="0"/>
-                <a:cs typeface="Calibri" panose="020F0502020204030204" pitchFamily="34" charset="0"/>
-              </a:rPr>
-              <a:t>1. Khái niệm</a:t>
-            </a:r>
-            <a:r>
-              <a:rPr lang="en-US" sz="1800" i="0" dirty="0">
-                <a:solidFill>
-                  <a:srgbClr val="282829"/>
-                </a:solidFill>
-                <a:effectLst/>
-                <a:latin typeface="Calibri" panose="020F0502020204030204" pitchFamily="34" charset="0"/>
-                <a:cs typeface="Calibri" panose="020F0502020204030204" pitchFamily="34" charset="0"/>
-              </a:rPr>
-              <a:t>: </a:t>
-            </a:r>
-            <a:r>
-              <a:rPr lang="vi-VN" sz="1800" i="0" dirty="0">
-                <a:solidFill>
-                  <a:srgbClr val="282829"/>
-                </a:solidFill>
-                <a:effectLst/>
-                <a:latin typeface="Calibri" panose="020F0502020204030204" pitchFamily="34" charset="0"/>
-                <a:cs typeface="Calibri" panose="020F0502020204030204" pitchFamily="34" charset="0"/>
-              </a:rPr>
-              <a:t>Word Embedding là tên gọi chung của các mô hình ngôn ngữ và các phương pháp học theo đặc trưng trong Xử lý ngôn ngữ tự nhiên(NLP), ở đó các từ hoặc cụm từ được ánh xạ sang các vector số (thường là số thực). Đây là một công cụ đóng vai trò quan trọng đối với hầu hết các thuật toán, kiến trúc Machine Learning, Deep Learning trong việc xử lý Input ở dạng text, do chúng chỉ có thể hiểu được Input ở dạng là số, từ đó mới thực hiện các công việc phân loại, hồi quy,vv…</a:t>
-            </a:r>
-            <a:r>
-              <a:rPr lang="en-US" sz="1800" i="0" dirty="0">
-                <a:solidFill>
-                  <a:srgbClr val="282829"/>
-                </a:solidFill>
-                <a:effectLst/>
-                <a:latin typeface="Calibri" panose="020F0502020204030204" pitchFamily="34" charset="0"/>
-                <a:cs typeface="Calibri" panose="020F0502020204030204" pitchFamily="34" charset="0"/>
-              </a:rPr>
-              <a:t>.</a:t>
-            </a:r>
-          </a:p>
-          <a:p>
-            <a:pPr>
-              <a:buFont typeface="Wingdings" panose="05000000000000000000" pitchFamily="2" charset="2"/>
-              <a:buChar char="v"/>
-            </a:pPr>
-            <a:r>
-              <a:rPr lang="vi-VN" sz="1800" dirty="0">
-                <a:solidFill>
-                  <a:srgbClr val="282829"/>
-                </a:solidFill>
-                <a:latin typeface="Calibri" panose="020F0502020204030204" pitchFamily="34" charset="0"/>
-                <a:cs typeface="Calibri" panose="020F0502020204030204" pitchFamily="34" charset="0"/>
-              </a:rPr>
-              <a:t>2. Các loại Word Embedding</a:t>
-            </a:r>
-          </a:p>
-          <a:p>
-            <a:pPr lvl="1">
-              <a:buFont typeface="Wingdings" panose="05000000000000000000" pitchFamily="2" charset="2"/>
-              <a:buChar char="ü"/>
-            </a:pPr>
-            <a:r>
-              <a:rPr lang="vi-VN" sz="1800" dirty="0">
-                <a:solidFill>
-                  <a:srgbClr val="282829"/>
-                </a:solidFill>
-                <a:latin typeface="Calibri" panose="020F0502020204030204" pitchFamily="34" charset="0"/>
-                <a:cs typeface="Calibri" panose="020F0502020204030204" pitchFamily="34" charset="0"/>
-              </a:rPr>
-              <a:t>Word Embedding được phân chủ yếu thành 2 loại:</a:t>
-            </a:r>
-          </a:p>
-          <a:p>
-            <a:pPr lvl="2">
               <a:buFont typeface="Arial" panose="020B0604020202020204" pitchFamily="34" charset="0"/>
               <a:buChar char="•"/>
             </a:pPr>
             <a:r>
-              <a:rPr lang="vi-VN" dirty="0">
-                <a:solidFill>
-                  <a:srgbClr val="282829"/>
-                </a:solidFill>
-                <a:latin typeface="Calibri" panose="020F0502020204030204" pitchFamily="34" charset="0"/>
-                <a:cs typeface="Calibri" panose="020F0502020204030204" pitchFamily="34" charset="0"/>
-              </a:rPr>
-              <a:t>Frequency-based embedding</a:t>
-            </a:r>
-            <a:r>
               <a:rPr lang="en-US" dirty="0">
-                <a:solidFill>
-                  <a:srgbClr val="282829"/>
-                </a:solidFill>
-                <a:latin typeface="Calibri" panose="020F0502020204030204" pitchFamily="34" charset="0"/>
-                <a:cs typeface="Calibri" panose="020F0502020204030204" pitchFamily="34" charset="0"/>
-              </a:rPr>
-              <a:t>: Count Vector, TF-IDF Vector, Co-occurrence Matrix, </a:t>
-            </a:r>
-            <a:r>
-              <a:rPr lang="en-US" dirty="0" err="1">
-                <a:solidFill>
-                  <a:schemeClr val="tx1"/>
-                </a:solidFill>
-                <a:latin typeface="Calibri" panose="020F0502020204030204" pitchFamily="34" charset="0"/>
-                <a:cs typeface="Calibri" panose="020F0502020204030204" pitchFamily="34" charset="0"/>
-              </a:rPr>
-              <a:t>GloVe</a:t>
-            </a:r>
+                <a:latin typeface="Calibri" panose="020F0502020204030204" pitchFamily="34" charset="0"/>
+                <a:cs typeface="Calibri" panose="020F0502020204030204" pitchFamily="34" charset="0"/>
+              </a:rPr>
+              <a:t>The task: Sentiment analysis</a:t>
+            </a:r>
+          </a:p>
+          <a:p>
+            <a:pPr>
+              <a:buFont typeface="Arial" panose="020B0604020202020204" pitchFamily="34" charset="0"/>
+              <a:buChar char="•"/>
+            </a:pPr>
             <a:r>
               <a:rPr lang="en-US" dirty="0">
-                <a:solidFill>
-                  <a:srgbClr val="00B050"/>
-                </a:solidFill>
-                <a:latin typeface="Calibri" panose="020F0502020204030204" pitchFamily="34" charset="0"/>
-                <a:cs typeface="Calibri" panose="020F0502020204030204" pitchFamily="34" charset="0"/>
-              </a:rPr>
-              <a:t> </a:t>
-            </a:r>
-            <a:r>
-              <a:rPr lang="en-US" dirty="0">
-                <a:solidFill>
-                  <a:schemeClr val="tx1"/>
-                </a:solidFill>
-                <a:latin typeface="Calibri" panose="020F0502020204030204" pitchFamily="34" charset="0"/>
-                <a:cs typeface="Calibri" panose="020F0502020204030204" pitchFamily="34" charset="0"/>
-              </a:rPr>
-              <a:t>(Global Vector)</a:t>
-            </a:r>
-            <a:endParaRPr lang="vi-VN" dirty="0">
+                <a:latin typeface="Calibri" panose="020F0502020204030204" pitchFamily="34" charset="0"/>
+                <a:cs typeface="Calibri" panose="020F0502020204030204" pitchFamily="34" charset="0"/>
+              </a:rPr>
+              <a:t>T</a:t>
+            </a:r>
+            <a:r>
+              <a:rPr lang="en-US" sz="2400" dirty="0">
+                <a:latin typeface="Calibri" panose="020F0502020204030204" pitchFamily="34" charset="0"/>
+                <a:cs typeface="Calibri" panose="020F0502020204030204" pitchFamily="34" charset="0"/>
+              </a:rPr>
+              <a:t>he target labels: </a:t>
+            </a:r>
+            <a:r>
+              <a:rPr lang="en-US" sz="2400" dirty="0">
+                <a:solidFill>
+                  <a:srgbClr val="C00000"/>
+                </a:solidFill>
+                <a:latin typeface="Calibri" panose="020F0502020204030204" pitchFamily="34" charset="0"/>
+                <a:cs typeface="Calibri" panose="020F0502020204030204" pitchFamily="34" charset="0"/>
+              </a:rPr>
+              <a:t>__label__&lt;X&gt;</a:t>
+            </a:r>
+            <a:r>
+              <a:rPr lang="en-US" sz="2400" dirty="0">
+                <a:latin typeface="Calibri" panose="020F0502020204030204" pitchFamily="34" charset="0"/>
+                <a:cs typeface="Calibri" panose="020F0502020204030204" pitchFamily="34" charset="0"/>
+              </a:rPr>
+              <a:t>, features: review </a:t>
+            </a:r>
+            <a:r>
+              <a:rPr lang="en-US" sz="2400" dirty="0">
+                <a:solidFill>
+                  <a:srgbClr val="C00000"/>
+                </a:solidFill>
+                <a:latin typeface="Calibri" panose="020F0502020204030204" pitchFamily="34" charset="0"/>
+                <a:cs typeface="Calibri" panose="020F0502020204030204" pitchFamily="34" charset="0"/>
+              </a:rPr>
+              <a:t>&lt;text&gt;</a:t>
+            </a:r>
+            <a:endParaRPr lang="en-US" sz="3200" b="1" dirty="0">
               <a:solidFill>
-                <a:schemeClr val="tx1"/>
+                <a:srgbClr val="C00000"/>
               </a:solidFill>
               <a:latin typeface="Calibri" panose="020F0502020204030204" pitchFamily="34" charset="0"/>
               <a:cs typeface="Calibri" panose="020F0502020204030204" pitchFamily="34" charset="0"/>
             </a:endParaRPr>
           </a:p>
           <a:p>
-            <a:pPr lvl="2">
-              <a:buFont typeface="Arial" panose="020B0604020202020204" pitchFamily="34" charset="0"/>
-              <a:buChar char="•"/>
+            <a:pPr marL="0" indent="0">
+              <a:buNone/>
             </a:pPr>
-            <a:r>
-              <a:rPr lang="vi-VN" dirty="0">
-                <a:solidFill>
-                  <a:srgbClr val="282829"/>
-                </a:solidFill>
-                <a:latin typeface="Calibri" panose="020F0502020204030204" pitchFamily="34" charset="0"/>
-                <a:cs typeface="Calibri" panose="020F0502020204030204" pitchFamily="34" charset="0"/>
-              </a:rPr>
-              <a:t>Prediction-based embedding</a:t>
-            </a:r>
-            <a:r>
-              <a:rPr lang="en-US" dirty="0">
-                <a:solidFill>
-                  <a:srgbClr val="282829"/>
-                </a:solidFill>
-                <a:latin typeface="Calibri" panose="020F0502020204030204" pitchFamily="34" charset="0"/>
-                <a:cs typeface="Calibri" panose="020F0502020204030204" pitchFamily="34" charset="0"/>
-              </a:rPr>
-              <a:t>: Word2vec (CBOW, Skip-gram), </a:t>
-            </a:r>
-            <a:r>
-              <a:rPr lang="en-US" dirty="0" err="1">
-                <a:solidFill>
-                  <a:srgbClr val="282829"/>
-                </a:solidFill>
-                <a:latin typeface="Calibri" panose="020F0502020204030204" pitchFamily="34" charset="0"/>
-                <a:cs typeface="Calibri" panose="020F0502020204030204" pitchFamily="34" charset="0"/>
-              </a:rPr>
-              <a:t>GloVe</a:t>
-            </a:r>
-            <a:r>
-              <a:rPr lang="en-US" dirty="0">
-                <a:solidFill>
-                  <a:srgbClr val="282829"/>
-                </a:solidFill>
-                <a:latin typeface="Calibri" panose="020F0502020204030204" pitchFamily="34" charset="0"/>
-                <a:cs typeface="Calibri" panose="020F0502020204030204" pitchFamily="34" charset="0"/>
-              </a:rPr>
-              <a:t>, </a:t>
-            </a:r>
-            <a:r>
-              <a:rPr lang="en-US" dirty="0" err="1">
-                <a:solidFill>
-                  <a:srgbClr val="282829"/>
-                </a:solidFill>
-                <a:latin typeface="Calibri" panose="020F0502020204030204" pitchFamily="34" charset="0"/>
-                <a:cs typeface="Calibri" panose="020F0502020204030204" pitchFamily="34" charset="0"/>
-              </a:rPr>
-              <a:t>FastText</a:t>
-            </a:r>
-            <a:endParaRPr lang="en-US" dirty="0">
-              <a:solidFill>
-                <a:srgbClr val="282829"/>
-              </a:solidFill>
+            <a:endParaRPr lang="en-US" sz="3200" b="1" dirty="0">
               <a:latin typeface="Calibri" panose="020F0502020204030204" pitchFamily="34" charset="0"/>
               <a:cs typeface="Calibri" panose="020F0502020204030204" pitchFamily="34" charset="0"/>
             </a:endParaRPr>
           </a:p>
         </p:txBody>
       </p:sp>
+      <p:pic>
+        <p:nvPicPr>
+          <p:cNvPr id="7" name="Picture 6">
+            <a:extLst>
+              <a:ext uri="{FF2B5EF4-FFF2-40B4-BE49-F238E27FC236}">
+                <a16:creationId xmlns:a16="http://schemas.microsoft.com/office/drawing/2014/main" id="{8345A725-A752-46BA-9E35-C713E1CA59D4}"/>
+              </a:ext>
+            </a:extLst>
+          </p:cNvPr>
+          <p:cNvPicPr>
+            <a:picLocks noChangeAspect="1"/>
+          </p:cNvPicPr>
+          <p:nvPr/>
+        </p:nvPicPr>
+        <p:blipFill>
+          <a:blip r:embed="rId3"/>
+          <a:stretch>
+            <a:fillRect/>
+          </a:stretch>
+        </p:blipFill>
+        <p:spPr>
+          <a:xfrm>
+            <a:off x="596767" y="2219881"/>
+            <a:ext cx="11203806" cy="4064669"/>
+          </a:xfrm>
+          <a:prstGeom prst="rect">
+            <a:avLst/>
+          </a:prstGeom>
+        </p:spPr>
+      </p:pic>
     </p:spTree>
     <p:extLst>
       <p:ext uri="{BB962C8B-B14F-4D97-AF65-F5344CB8AC3E}">
-        <p14:creationId xmlns:p14="http://schemas.microsoft.com/office/powerpoint/2010/main" val="3292763428"/>
+        <p14:creationId xmlns:p14="http://schemas.microsoft.com/office/powerpoint/2010/main" val="3964758600"/>
       </p:ext>
     </p:extLst>
   </p:cSld>
@@ -8398,7 +12021,7 @@
 </p:sld>
 </file>
 
-<file path=ppt/slides/slide17.xml><?xml version="1.0" encoding="utf-8"?>
+<file path=ppt/slides/slide30.xml><?xml version="1.0" encoding="utf-8"?>
 <p:sld xmlns:a="http://schemas.openxmlformats.org/drawingml/2006/main" xmlns:r="http://schemas.openxmlformats.org/officeDocument/2006/relationships" xmlns:p="http://schemas.openxmlformats.org/presentationml/2006/main">
   <p:cSld>
     <p:spTree>
@@ -8528,409 +12151,6 @@
 </p:sld>
 </file>
 
-<file path=ppt/slides/slide2.xml><?xml version="1.0" encoding="utf-8"?>
-<p:sld xmlns:a="http://schemas.openxmlformats.org/drawingml/2006/main" xmlns:r="http://schemas.openxmlformats.org/officeDocument/2006/relationships" xmlns:p="http://schemas.openxmlformats.org/presentationml/2006/main">
-  <p:cSld>
-    <p:spTree>
-      <p:nvGrpSpPr>
-        <p:cNvPr id="1" name=""/>
-        <p:cNvGrpSpPr/>
-        <p:nvPr/>
-      </p:nvGrpSpPr>
-      <p:grpSpPr>
-        <a:xfrm>
-          <a:off x="0" y="0"/>
-          <a:ext cx="0" cy="0"/>
-          <a:chOff x="0" y="0"/>
-          <a:chExt cx="0" cy="0"/>
-        </a:xfrm>
-      </p:grpSpPr>
-      <p:sp>
-        <p:nvSpPr>
-          <p:cNvPr id="3" name="Content Placeholder 2"/>
-          <p:cNvSpPr>
-            <a:spLocks noGrp="1"/>
-          </p:cNvSpPr>
-          <p:nvPr>
-            <p:ph idx="1"/>
-          </p:nvPr>
-        </p:nvSpPr>
-        <p:spPr>
-          <a:xfrm>
-            <a:off x="1074279" y="1044421"/>
-            <a:ext cx="9972662" cy="5171028"/>
-          </a:xfrm>
-        </p:spPr>
-        <p:txBody>
-          <a:bodyPr/>
-          <a:lstStyle/>
-          <a:p>
-            <a:pPr marL="0" indent="0">
-              <a:buNone/>
-            </a:pPr>
-            <a:r>
-              <a:rPr lang="en-US" dirty="0">
-                <a:latin typeface="Calibri" panose="020F0502020204030204" pitchFamily="34" charset="0"/>
-                <a:cs typeface="Calibri" panose="020F0502020204030204" pitchFamily="34" charset="0"/>
-              </a:rPr>
-              <a:t>1. </a:t>
-            </a:r>
-            <a:r>
-              <a:rPr lang="en-US" sz="2400" dirty="0">
-                <a:latin typeface="Calibri" panose="020F0502020204030204" pitchFamily="34" charset="0"/>
-                <a:cs typeface="Calibri" panose="020F0502020204030204" pitchFamily="34" charset="0"/>
-              </a:rPr>
-              <a:t>Problem Definition</a:t>
-            </a:r>
-            <a:endParaRPr lang="en-US" dirty="0">
-              <a:latin typeface="Calibri" panose="020F0502020204030204" pitchFamily="34" charset="0"/>
-              <a:cs typeface="Calibri" panose="020F0502020204030204" pitchFamily="34" charset="0"/>
-            </a:endParaRPr>
-          </a:p>
-          <a:p>
-            <a:pPr marL="0" indent="0">
-              <a:buNone/>
-            </a:pPr>
-            <a:r>
-              <a:rPr lang="en-US" dirty="0">
-                <a:latin typeface="Calibri" panose="020F0502020204030204" pitchFamily="34" charset="0"/>
-                <a:cs typeface="Calibri" panose="020F0502020204030204" pitchFamily="34" charset="0"/>
-              </a:rPr>
-              <a:t>2. </a:t>
-            </a:r>
-            <a:r>
-              <a:rPr lang="en-US" sz="2400" dirty="0">
-                <a:latin typeface="Calibri" panose="020F0502020204030204" pitchFamily="34" charset="0"/>
-                <a:cs typeface="Calibri" panose="020F0502020204030204" pitchFamily="34" charset="0"/>
-              </a:rPr>
-              <a:t>Data Collection</a:t>
-            </a:r>
-          </a:p>
-          <a:p>
-            <a:pPr marL="0" indent="0">
-              <a:buNone/>
-            </a:pPr>
-            <a:r>
-              <a:rPr lang="en-US" sz="2400" dirty="0">
-                <a:latin typeface="Calibri" panose="020F0502020204030204" pitchFamily="34" charset="0"/>
-                <a:cs typeface="Calibri" panose="020F0502020204030204" pitchFamily="34" charset="0"/>
-              </a:rPr>
-              <a:t>3. Data Preprocessing</a:t>
-            </a:r>
-          </a:p>
-          <a:p>
-            <a:pPr marL="0" indent="0">
-              <a:buNone/>
-            </a:pPr>
-            <a:r>
-              <a:rPr lang="en-US" sz="2400" dirty="0">
-                <a:latin typeface="Calibri" panose="020F0502020204030204" pitchFamily="34" charset="0"/>
-                <a:cs typeface="Calibri" panose="020F0502020204030204" pitchFamily="34" charset="0"/>
-              </a:rPr>
-              <a:t>4. Word Embedding</a:t>
-            </a:r>
-          </a:p>
-          <a:p>
-            <a:pPr marL="0" indent="0">
-              <a:buNone/>
-            </a:pPr>
-            <a:r>
-              <a:rPr lang="en-US" sz="2400" dirty="0">
-                <a:latin typeface="Calibri" panose="020F0502020204030204" pitchFamily="34" charset="0"/>
-                <a:cs typeface="Calibri" panose="020F0502020204030204" pitchFamily="34" charset="0"/>
-              </a:rPr>
-              <a:t>5. Splitting Data</a:t>
-            </a:r>
-          </a:p>
-          <a:p>
-            <a:pPr marL="0" indent="0">
-              <a:buNone/>
-            </a:pPr>
-            <a:r>
-              <a:rPr lang="en-US" sz="2400" dirty="0">
-                <a:latin typeface="Calibri" panose="020F0502020204030204" pitchFamily="34" charset="0"/>
-                <a:cs typeface="Calibri" panose="020F0502020204030204" pitchFamily="34" charset="0"/>
-              </a:rPr>
-              <a:t>6. Model Building</a:t>
-            </a:r>
-          </a:p>
-          <a:p>
-            <a:pPr marL="0" indent="0">
-              <a:buNone/>
-            </a:pPr>
-            <a:r>
-              <a:rPr lang="en-US" sz="2400" dirty="0">
-                <a:latin typeface="Calibri" panose="020F0502020204030204" pitchFamily="34" charset="0"/>
-                <a:cs typeface="Calibri" panose="020F0502020204030204" pitchFamily="34" charset="0"/>
-              </a:rPr>
-              <a:t>7. Model Training</a:t>
-            </a:r>
-          </a:p>
-          <a:p>
-            <a:pPr marL="0" indent="0">
-              <a:buNone/>
-            </a:pPr>
-            <a:r>
-              <a:rPr lang="en-US" sz="2400" dirty="0">
-                <a:latin typeface="Calibri" panose="020F0502020204030204" pitchFamily="34" charset="0"/>
-                <a:cs typeface="Calibri" panose="020F0502020204030204" pitchFamily="34" charset="0"/>
-              </a:rPr>
-              <a:t>8. Model Evaluation</a:t>
-            </a:r>
-          </a:p>
-          <a:p>
-            <a:pPr marL="0" indent="0">
-              <a:buNone/>
-            </a:pPr>
-            <a:r>
-              <a:rPr lang="en-US" dirty="0">
-                <a:latin typeface="Calibri" panose="020F0502020204030204" pitchFamily="34" charset="0"/>
-                <a:cs typeface="Calibri" panose="020F0502020204030204" pitchFamily="34" charset="0"/>
-              </a:rPr>
-              <a:t>9. QA</a:t>
-            </a:r>
-          </a:p>
-          <a:p>
-            <a:pPr marL="0" indent="0">
-              <a:buNone/>
-            </a:pPr>
-            <a:endParaRPr lang="en-US" dirty="0">
-              <a:latin typeface="Calibri" panose="020F0502020204030204" pitchFamily="34" charset="0"/>
-              <a:cs typeface="Calibri" panose="020F0502020204030204" pitchFamily="34" charset="0"/>
-            </a:endParaRPr>
-          </a:p>
-        </p:txBody>
-      </p:sp>
-      <p:sp>
-        <p:nvSpPr>
-          <p:cNvPr id="4" name="Title 3"/>
-          <p:cNvSpPr>
-            <a:spLocks noGrp="1"/>
-          </p:cNvSpPr>
-          <p:nvPr>
-            <p:ph type="title"/>
-          </p:nvPr>
-        </p:nvSpPr>
-        <p:spPr>
-          <a:xfrm>
-            <a:off x="466579" y="240325"/>
-            <a:ext cx="11714536" cy="441082"/>
-          </a:xfrm>
-        </p:spPr>
-        <p:txBody>
-          <a:bodyPr/>
-          <a:lstStyle/>
-          <a:p>
-            <a:r>
-              <a:rPr lang="en-US" sz="3200" dirty="0">
-                <a:latin typeface="Calibri" panose="020F0502020204030204" pitchFamily="34" charset="0"/>
-                <a:cs typeface="Calibri" panose="020F0502020204030204" pitchFamily="34" charset="0"/>
-              </a:rPr>
-              <a:t>AGENDA</a:t>
-            </a:r>
-          </a:p>
-        </p:txBody>
-      </p:sp>
-    </p:spTree>
-    <p:extLst>
-      <p:ext uri="{BB962C8B-B14F-4D97-AF65-F5344CB8AC3E}">
-        <p14:creationId xmlns:p14="http://schemas.microsoft.com/office/powerpoint/2010/main" val="1523232517"/>
-      </p:ext>
-    </p:extLst>
-  </p:cSld>
-  <p:clrMapOvr>
-    <a:masterClrMapping/>
-  </p:clrMapOvr>
-</p:sld>
-</file>
-
-<file path=ppt/slides/slide3.xml><?xml version="1.0" encoding="utf-8"?>
-<p:sld xmlns:a="http://schemas.openxmlformats.org/drawingml/2006/main" xmlns:r="http://schemas.openxmlformats.org/officeDocument/2006/relationships" xmlns:p="http://schemas.openxmlformats.org/presentationml/2006/main">
-  <p:cSld>
-    <p:spTree>
-      <p:nvGrpSpPr>
-        <p:cNvPr id="1" name=""/>
-        <p:cNvGrpSpPr/>
-        <p:nvPr/>
-      </p:nvGrpSpPr>
-      <p:grpSpPr>
-        <a:xfrm>
-          <a:off x="0" y="0"/>
-          <a:ext cx="0" cy="0"/>
-          <a:chOff x="0" y="0"/>
-          <a:chExt cx="0" cy="0"/>
-        </a:xfrm>
-      </p:grpSpPr>
-      <p:sp>
-        <p:nvSpPr>
-          <p:cNvPr id="4" name="Title 3"/>
-          <p:cNvSpPr>
-            <a:spLocks noGrp="1"/>
-          </p:cNvSpPr>
-          <p:nvPr>
-            <p:ph type="title"/>
-          </p:nvPr>
-        </p:nvSpPr>
-        <p:spPr>
-          <a:xfrm>
-            <a:off x="466579" y="240325"/>
-            <a:ext cx="11714536" cy="441082"/>
-          </a:xfrm>
-        </p:spPr>
-        <p:txBody>
-          <a:bodyPr/>
-          <a:lstStyle/>
-          <a:p>
-            <a:r>
-              <a:rPr lang="en-US" sz="3200" dirty="0">
-                <a:latin typeface="Calibri" panose="020F0502020204030204" pitchFamily="34" charset="0"/>
-                <a:cs typeface="Calibri" panose="020F0502020204030204" pitchFamily="34" charset="0"/>
-              </a:rPr>
-              <a:t>1. Problem Definition</a:t>
-            </a:r>
-          </a:p>
-        </p:txBody>
-      </p:sp>
-      <p:sp>
-        <p:nvSpPr>
-          <p:cNvPr id="5" name="Content Placeholder 2"/>
-          <p:cNvSpPr>
-            <a:spLocks noGrp="1"/>
-          </p:cNvSpPr>
-          <p:nvPr>
-            <p:ph idx="1"/>
-          </p:nvPr>
-        </p:nvSpPr>
-        <p:spPr>
-          <a:xfrm>
-            <a:off x="477464" y="1044421"/>
-            <a:ext cx="11714536" cy="5813579"/>
-          </a:xfrm>
-        </p:spPr>
-        <p:txBody>
-          <a:bodyPr/>
-          <a:lstStyle/>
-          <a:p>
-            <a:pPr>
-              <a:buFont typeface="Arial" panose="020B0604020202020204" pitchFamily="34" charset="0"/>
-              <a:buChar char="•"/>
-            </a:pPr>
-            <a:r>
-              <a:rPr lang="en-US" dirty="0">
-                <a:latin typeface="Calibri" panose="020F0502020204030204" pitchFamily="34" charset="0"/>
-                <a:cs typeface="Calibri" panose="020F0502020204030204" pitchFamily="34" charset="0"/>
-              </a:rPr>
-              <a:t>The task: Sentiment analysis</a:t>
-            </a:r>
-          </a:p>
-          <a:p>
-            <a:pPr>
-              <a:buFont typeface="Arial" panose="020B0604020202020204" pitchFamily="34" charset="0"/>
-              <a:buChar char="•"/>
-            </a:pPr>
-            <a:r>
-              <a:rPr lang="en-US" dirty="0">
-                <a:latin typeface="Calibri" panose="020F0502020204030204" pitchFamily="34" charset="0"/>
-                <a:cs typeface="Calibri" panose="020F0502020204030204" pitchFamily="34" charset="0"/>
-              </a:rPr>
-              <a:t>T</a:t>
-            </a:r>
-            <a:r>
-              <a:rPr lang="en-US" sz="2400" dirty="0">
-                <a:latin typeface="Calibri" panose="020F0502020204030204" pitchFamily="34" charset="0"/>
-                <a:cs typeface="Calibri" panose="020F0502020204030204" pitchFamily="34" charset="0"/>
-              </a:rPr>
-              <a:t>he target labels: </a:t>
-            </a:r>
-            <a:r>
-              <a:rPr lang="en-US" sz="2400" dirty="0">
-                <a:solidFill>
-                  <a:srgbClr val="C00000"/>
-                </a:solidFill>
-                <a:latin typeface="Calibri" panose="020F0502020204030204" pitchFamily="34" charset="0"/>
-                <a:cs typeface="Calibri" panose="020F0502020204030204" pitchFamily="34" charset="0"/>
-              </a:rPr>
-              <a:t>__label__&lt;X&gt;</a:t>
-            </a:r>
-            <a:r>
-              <a:rPr lang="en-US" sz="2400" dirty="0">
-                <a:latin typeface="Calibri" panose="020F0502020204030204" pitchFamily="34" charset="0"/>
-                <a:cs typeface="Calibri" panose="020F0502020204030204" pitchFamily="34" charset="0"/>
-              </a:rPr>
-              <a:t>, features: review </a:t>
-            </a:r>
-            <a:r>
-              <a:rPr lang="en-US" sz="2400" dirty="0">
-                <a:solidFill>
-                  <a:srgbClr val="C00000"/>
-                </a:solidFill>
-                <a:latin typeface="Calibri" panose="020F0502020204030204" pitchFamily="34" charset="0"/>
-                <a:cs typeface="Calibri" panose="020F0502020204030204" pitchFamily="34" charset="0"/>
-              </a:rPr>
-              <a:t>&lt;text&gt;</a:t>
-            </a:r>
-            <a:endParaRPr lang="en-US" sz="3200" b="1" dirty="0">
-              <a:solidFill>
-                <a:srgbClr val="C00000"/>
-              </a:solidFill>
-              <a:latin typeface="Calibri" panose="020F0502020204030204" pitchFamily="34" charset="0"/>
-              <a:cs typeface="Calibri" panose="020F0502020204030204" pitchFamily="34" charset="0"/>
-            </a:endParaRPr>
-          </a:p>
-          <a:p>
-            <a:pPr marL="0" indent="0">
-              <a:buNone/>
-            </a:pPr>
-            <a:endParaRPr lang="en-US" sz="3200" b="1" dirty="0">
-              <a:latin typeface="Calibri" panose="020F0502020204030204" pitchFamily="34" charset="0"/>
-              <a:cs typeface="Calibri" panose="020F0502020204030204" pitchFamily="34" charset="0"/>
-            </a:endParaRPr>
-          </a:p>
-        </p:txBody>
-      </p:sp>
-      <p:pic>
-        <p:nvPicPr>
-          <p:cNvPr id="7" name="Picture 6">
-            <a:extLst>
-              <a:ext uri="{FF2B5EF4-FFF2-40B4-BE49-F238E27FC236}">
-                <a16:creationId xmlns:a16="http://schemas.microsoft.com/office/drawing/2014/main" id="{8345A725-A752-46BA-9E35-C713E1CA59D4}"/>
-              </a:ext>
-            </a:extLst>
-          </p:cNvPr>
-          <p:cNvPicPr>
-            <a:picLocks noChangeAspect="1"/>
-          </p:cNvPicPr>
-          <p:nvPr/>
-        </p:nvPicPr>
-        <p:blipFill>
-          <a:blip r:embed="rId3"/>
-          <a:stretch>
-            <a:fillRect/>
-          </a:stretch>
-        </p:blipFill>
-        <p:spPr>
-          <a:xfrm>
-            <a:off x="596767" y="2219881"/>
-            <a:ext cx="11203806" cy="4064669"/>
-          </a:xfrm>
-          <a:prstGeom prst="rect">
-            <a:avLst/>
-          </a:prstGeom>
-        </p:spPr>
-      </p:pic>
-    </p:spTree>
-    <p:extLst>
-      <p:ext uri="{BB962C8B-B14F-4D97-AF65-F5344CB8AC3E}">
-        <p14:creationId xmlns:p14="http://schemas.microsoft.com/office/powerpoint/2010/main" val="3964758600"/>
-      </p:ext>
-    </p:extLst>
-  </p:cSld>
-  <p:clrMapOvr>
-    <a:masterClrMapping/>
-  </p:clrMapOvr>
-</p:sld>
-</file>
-
 <file path=ppt/slides/slide4.xml><?xml version="1.0" encoding="utf-8"?>
 <p:sld xmlns:a="http://schemas.openxmlformats.org/drawingml/2006/main" xmlns:r="http://schemas.openxmlformats.org/officeDocument/2006/relationships" xmlns:p="http://schemas.openxmlformats.org/presentationml/2006/main">
   <p:cSld>
@@ -9024,6 +12244,36 @@
           </a:p>
         </p:txBody>
       </p:sp>
+      <p:pic>
+        <p:nvPicPr>
+          <p:cNvPr id="7" name="Picture 6">
+            <a:extLst>
+              <a:ext uri="{FF2B5EF4-FFF2-40B4-BE49-F238E27FC236}">
+                <a16:creationId xmlns:a16="http://schemas.microsoft.com/office/drawing/2014/main" id="{7E377E26-8FF2-4CEF-BBEA-0CD127A36285}"/>
+              </a:ext>
+            </a:extLst>
+          </p:cNvPr>
+          <p:cNvPicPr>
+            <a:picLocks noChangeAspect="1"/>
+          </p:cNvPicPr>
+          <p:nvPr/>
+        </p:nvPicPr>
+        <p:blipFill>
+          <a:blip r:embed="rId3"/>
+          <a:stretch>
+            <a:fillRect/>
+          </a:stretch>
+        </p:blipFill>
+        <p:spPr>
+          <a:xfrm>
+            <a:off x="746971" y="2455344"/>
+            <a:ext cx="7486460" cy="1298508"/>
+          </a:xfrm>
+          <a:prstGeom prst="rect">
+            <a:avLst/>
+          </a:prstGeom>
+        </p:spPr>
+      </p:pic>
     </p:spTree>
     <p:extLst>
       <p:ext uri="{BB962C8B-B14F-4D97-AF65-F5344CB8AC3E}">
@@ -9354,7 +12604,7 @@
                 <a:latin typeface="Calibri" panose="020F0502020204030204" pitchFamily="34" charset="0"/>
                 <a:cs typeface="Calibri" panose="020F0502020204030204" pitchFamily="34" charset="0"/>
               </a:rPr>
-              <a:t>4. Word Embedding</a:t>
+              <a:t>3. Data Preprocessing</a:t>
             </a:r>
           </a:p>
         </p:txBody>
@@ -9388,114 +12638,93 @@
                 <a:latin typeface="Calibri" panose="020F0502020204030204" pitchFamily="34" charset="0"/>
                 <a:cs typeface="Calibri" panose="020F0502020204030204" pitchFamily="34" charset="0"/>
               </a:rPr>
-              <a:t>Bag of Words (</a:t>
-            </a:r>
-            <a:r>
-              <a:rPr lang="en-US" b="1" dirty="0" err="1">
-                <a:latin typeface="Calibri" panose="020F0502020204030204" pitchFamily="34" charset="0"/>
-                <a:cs typeface="Calibri" panose="020F0502020204030204" pitchFamily="34" charset="0"/>
-              </a:rPr>
-              <a:t>BoW</a:t>
-            </a:r>
-            <a:r>
-              <a:rPr lang="en-US" b="1" dirty="0">
-                <a:latin typeface="Calibri" panose="020F0502020204030204" pitchFamily="34" charset="0"/>
-                <a:cs typeface="Calibri" panose="020F0502020204030204" pitchFamily="34" charset="0"/>
-              </a:rPr>
-              <a:t>)</a:t>
+              <a:t>Loading Data</a:t>
             </a:r>
             <a:r>
               <a:rPr lang="en-US" dirty="0">
                 <a:latin typeface="Calibri" panose="020F0502020204030204" pitchFamily="34" charset="0"/>
                 <a:cs typeface="Calibri" panose="020F0502020204030204" pitchFamily="34" charset="0"/>
               </a:rPr>
-              <a:t>: Create a matrix of token counts</a:t>
-            </a:r>
-          </a:p>
-          <a:p>
-            <a:pPr>
-              <a:buFont typeface="Arial" panose="020B0604020202020204" pitchFamily="34" charset="0"/>
-              <a:buChar char="•"/>
-            </a:pPr>
-            <a:r>
-              <a:rPr lang="en-US" b="1" dirty="0">
-                <a:solidFill>
-                  <a:srgbClr val="00B050"/>
-                </a:solidFill>
-                <a:latin typeface="Calibri" panose="020F0502020204030204" pitchFamily="34" charset="0"/>
-                <a:cs typeface="Calibri" panose="020F0502020204030204" pitchFamily="34" charset="0"/>
-              </a:rPr>
-              <a:t>TF-IDF (Term Frequency-Inverse Document Frequency)</a:t>
-            </a:r>
-            <a:r>
-              <a:rPr lang="en-US" dirty="0">
-                <a:latin typeface="Calibri" panose="020F0502020204030204" pitchFamily="34" charset="0"/>
-                <a:cs typeface="Calibri" panose="020F0502020204030204" pitchFamily="34" charset="0"/>
-              </a:rPr>
-              <a:t>: Convert texts to a matrix of TF-IDF features</a:t>
-            </a:r>
-          </a:p>
-          <a:p>
-            <a:pPr>
-              <a:buFont typeface="Arial" panose="020B0604020202020204" pitchFamily="34" charset="0"/>
-              <a:buChar char="•"/>
-            </a:pPr>
-            <a:r>
-              <a:rPr lang="en-US" b="1" dirty="0">
-                <a:solidFill>
-                  <a:srgbClr val="002060"/>
-                </a:solidFill>
-                <a:latin typeface="Calibri" panose="020F0502020204030204" pitchFamily="34" charset="0"/>
-                <a:cs typeface="Calibri" panose="020F0502020204030204" pitchFamily="34" charset="0"/>
-              </a:rPr>
-              <a:t>Word Embeddings</a:t>
-            </a:r>
-            <a:r>
-              <a:rPr lang="en-US" dirty="0">
-                <a:latin typeface="Calibri" panose="020F0502020204030204" pitchFamily="34" charset="0"/>
-                <a:cs typeface="Calibri" panose="020F0502020204030204" pitchFamily="34" charset="0"/>
-              </a:rPr>
-              <a:t>: Use pre-trained embeddings like Word2Vec, </a:t>
+              <a:t>: Load data to </a:t>
             </a:r>
             <a:r>
               <a:rPr lang="en-US" dirty="0" err="1">
                 <a:latin typeface="Calibri" panose="020F0502020204030204" pitchFamily="34" charset="0"/>
                 <a:cs typeface="Calibri" panose="020F0502020204030204" pitchFamily="34" charset="0"/>
               </a:rPr>
-              <a:t>GloVe</a:t>
-            </a:r>
-            <a:r>
-              <a:rPr lang="en-US" dirty="0">
-                <a:latin typeface="Calibri" panose="020F0502020204030204" pitchFamily="34" charset="0"/>
-                <a:cs typeface="Calibri" panose="020F0502020204030204" pitchFamily="34" charset="0"/>
-              </a:rPr>
-              <a:t>, </a:t>
-            </a:r>
-            <a:r>
-              <a:rPr lang="en-US" dirty="0" err="1">
-                <a:latin typeface="Calibri" panose="020F0502020204030204" pitchFamily="34" charset="0"/>
-                <a:cs typeface="Calibri" panose="020F0502020204030204" pitchFamily="34" charset="0"/>
-              </a:rPr>
-              <a:t>FastText</a:t>
-            </a:r>
-            <a:r>
-              <a:rPr lang="en-US" dirty="0">
-                <a:latin typeface="Calibri" panose="020F0502020204030204" pitchFamily="34" charset="0"/>
-                <a:cs typeface="Calibri" panose="020F0502020204030204" pitchFamily="34" charset="0"/>
-              </a:rPr>
-              <a:t> or train your own</a:t>
-            </a:r>
-            <a:endParaRPr lang="en-US" sz="3200" b="1" dirty="0">
+              <a:t>pandas.DataFrame</a:t>
+            </a:r>
+            <a:endParaRPr lang="en-US" dirty="0">
               <a:latin typeface="Calibri" panose="020F0502020204030204" pitchFamily="34" charset="0"/>
               <a:cs typeface="Calibri" panose="020F0502020204030204" pitchFamily="34" charset="0"/>
             </a:endParaRPr>
           </a:p>
         </p:txBody>
       </p:sp>
+      <p:pic>
+        <p:nvPicPr>
+          <p:cNvPr id="7" name="Picture 6">
+            <a:extLst>
+              <a:ext uri="{FF2B5EF4-FFF2-40B4-BE49-F238E27FC236}">
+                <a16:creationId xmlns:a16="http://schemas.microsoft.com/office/drawing/2014/main" id="{8BA7D9C9-5C67-4121-AD6A-939075EE1470}"/>
+              </a:ext>
+            </a:extLst>
+          </p:cNvPr>
+          <p:cNvPicPr>
+            <a:picLocks noChangeAspect="1"/>
+          </p:cNvPicPr>
+          <p:nvPr/>
+        </p:nvPicPr>
+        <p:blipFill>
+          <a:blip r:embed="rId3"/>
+          <a:stretch>
+            <a:fillRect/>
+          </a:stretch>
+        </p:blipFill>
+        <p:spPr>
+          <a:xfrm>
+            <a:off x="672843" y="1569280"/>
+            <a:ext cx="5625316" cy="4763859"/>
+          </a:xfrm>
+          <a:prstGeom prst="rect">
+            <a:avLst/>
+          </a:prstGeom>
+        </p:spPr>
+      </p:pic>
+      <p:pic>
+        <p:nvPicPr>
+          <p:cNvPr id="11" name="Picture 10">
+            <a:extLst>
+              <a:ext uri="{FF2B5EF4-FFF2-40B4-BE49-F238E27FC236}">
+                <a16:creationId xmlns:a16="http://schemas.microsoft.com/office/drawing/2014/main" id="{CEF1519F-F58E-4186-941A-C04091B13B1E}"/>
+              </a:ext>
+            </a:extLst>
+          </p:cNvPr>
+          <p:cNvPicPr>
+            <a:picLocks noChangeAspect="1"/>
+          </p:cNvPicPr>
+          <p:nvPr/>
+        </p:nvPicPr>
+        <p:blipFill>
+          <a:blip r:embed="rId4"/>
+          <a:stretch>
+            <a:fillRect/>
+          </a:stretch>
+        </p:blipFill>
+        <p:spPr>
+          <a:xfrm>
+            <a:off x="6493538" y="1569280"/>
+            <a:ext cx="5307152" cy="2839716"/>
+          </a:xfrm>
+          <a:prstGeom prst="rect">
+            <a:avLst/>
+          </a:prstGeom>
+        </p:spPr>
+      </p:pic>
     </p:spTree>
     <p:extLst>
       <p:ext uri="{BB962C8B-B14F-4D97-AF65-F5344CB8AC3E}">
-        <p14:creationId xmlns:p14="http://schemas.microsoft.com/office/powerpoint/2010/main" val="1874176664"/>
+        <p14:creationId xmlns:p14="http://schemas.microsoft.com/office/powerpoint/2010/main" val="3546595525"/>
       </p:ext>
     </p:extLst>
   </p:cSld>
@@ -9547,7 +12776,7 @@
                 <a:latin typeface="Calibri" panose="020F0502020204030204" pitchFamily="34" charset="0"/>
                 <a:cs typeface="Calibri" panose="020F0502020204030204" pitchFamily="34" charset="0"/>
               </a:rPr>
-              <a:t>5. Splitting Data</a:t>
+              <a:t>3. Data Preprocessing</a:t>
             </a:r>
           </a:p>
         </p:txBody>
@@ -9577,23 +12806,67 @@
               <a:buChar char="•"/>
             </a:pPr>
             <a:r>
+              <a:rPr lang="en-US" b="1" dirty="0">
+                <a:latin typeface="Calibri" panose="020F0502020204030204" pitchFamily="34" charset="0"/>
+                <a:cs typeface="Calibri" panose="020F0502020204030204" pitchFamily="34" charset="0"/>
+              </a:rPr>
+              <a:t>Text Cleaning</a:t>
+            </a:r>
+            <a:r>
               <a:rPr lang="en-US" dirty="0">
                 <a:latin typeface="Calibri" panose="020F0502020204030204" pitchFamily="34" charset="0"/>
                 <a:cs typeface="Calibri" panose="020F0502020204030204" pitchFamily="34" charset="0"/>
               </a:rPr>
-              <a:t>Split dataset into training and validation (and possibly test) sets</a:t>
-            </a:r>
-            <a:endParaRPr lang="en-US" sz="3200" b="1" dirty="0">
+              <a:t>, </a:t>
+            </a:r>
+            <a:r>
+              <a:rPr lang="en-US" b="1" dirty="0">
+                <a:latin typeface="Calibri" panose="020F0502020204030204" pitchFamily="34" charset="0"/>
+                <a:cs typeface="Calibri" panose="020F0502020204030204" pitchFamily="34" charset="0"/>
+              </a:rPr>
+              <a:t>Lowercasing</a:t>
+            </a:r>
+            <a:endParaRPr lang="en-US" dirty="0">
               <a:latin typeface="Calibri" panose="020F0502020204030204" pitchFamily="34" charset="0"/>
               <a:cs typeface="Calibri" panose="020F0502020204030204" pitchFamily="34" charset="0"/>
             </a:endParaRPr>
           </a:p>
         </p:txBody>
       </p:sp>
+      <p:pic>
+        <p:nvPicPr>
+          <p:cNvPr id="3" name="Picture 2">
+            <a:extLst>
+              <a:ext uri="{FF2B5EF4-FFF2-40B4-BE49-F238E27FC236}">
+                <a16:creationId xmlns:a16="http://schemas.microsoft.com/office/drawing/2014/main" id="{E48D153B-EBF7-46CD-A04B-C9B550340CFB}"/>
+              </a:ext>
+            </a:extLst>
+          </p:cNvPr>
+          <p:cNvPicPr>
+            <a:picLocks noChangeAspect="1"/>
+          </p:cNvPicPr>
+          <p:nvPr/>
+        </p:nvPicPr>
+        <p:blipFill>
+          <a:blip r:embed="rId3"/>
+          <a:stretch>
+            <a:fillRect/>
+          </a:stretch>
+        </p:blipFill>
+        <p:spPr>
+          <a:xfrm>
+            <a:off x="1700212" y="1612822"/>
+            <a:ext cx="8791575" cy="4676775"/>
+          </a:xfrm>
+          <a:prstGeom prst="rect">
+            <a:avLst/>
+          </a:prstGeom>
+        </p:spPr>
+      </p:pic>
     </p:spTree>
     <p:extLst>
       <p:ext uri="{BB962C8B-B14F-4D97-AF65-F5344CB8AC3E}">
-        <p14:creationId xmlns:p14="http://schemas.microsoft.com/office/powerpoint/2010/main" val="4237053641"/>
+        <p14:creationId xmlns:p14="http://schemas.microsoft.com/office/powerpoint/2010/main" val="2067014460"/>
       </p:ext>
     </p:extLst>
   </p:cSld>
@@ -9645,7 +12918,7 @@
                 <a:latin typeface="Calibri" panose="020F0502020204030204" pitchFamily="34" charset="0"/>
                 <a:cs typeface="Calibri" panose="020F0502020204030204" pitchFamily="34" charset="0"/>
               </a:rPr>
-              <a:t>6. Model Building</a:t>
+              <a:t>3. Data Preprocessing</a:t>
             </a:r>
           </a:p>
         </p:txBody>
@@ -9679,152 +12952,77 @@
                 <a:latin typeface="Calibri" panose="020F0502020204030204" pitchFamily="34" charset="0"/>
                 <a:cs typeface="Calibri" panose="020F0502020204030204" pitchFamily="34" charset="0"/>
               </a:rPr>
-              <a:t>Logistic Regression</a:t>
+              <a:t>Stop Words Removal</a:t>
             </a:r>
             <a:r>
               <a:rPr lang="en-US" dirty="0">
                 <a:latin typeface="Calibri" panose="020F0502020204030204" pitchFamily="34" charset="0"/>
                 <a:cs typeface="Calibri" panose="020F0502020204030204" pitchFamily="34" charset="0"/>
               </a:rPr>
-              <a:t>: Simple and effective for many text classification tasks</a:t>
-            </a:r>
-          </a:p>
-          <a:p>
-            <a:pPr>
-              <a:buFont typeface="Arial" panose="020B0604020202020204" pitchFamily="34" charset="0"/>
-              <a:buChar char="•"/>
-            </a:pPr>
-            <a:r>
-              <a:rPr lang="en-US" b="1" dirty="0">
-                <a:latin typeface="Calibri" panose="020F0502020204030204" pitchFamily="34" charset="0"/>
-                <a:cs typeface="Calibri" panose="020F0502020204030204" pitchFamily="34" charset="0"/>
-              </a:rPr>
-              <a:t>Naive Bayes</a:t>
+              <a:t>: Remove words that not be useful, use </a:t>
+            </a:r>
+            <a:r>
+              <a:rPr lang="en-US" dirty="0" err="1">
+                <a:latin typeface="Calibri" panose="020F0502020204030204" pitchFamily="34" charset="0"/>
+                <a:cs typeface="Calibri" panose="020F0502020204030204" pitchFamily="34" charset="0"/>
+              </a:rPr>
+              <a:t>nltk</a:t>
             </a:r>
             <a:r>
               <a:rPr lang="en-US" dirty="0">
                 <a:latin typeface="Calibri" panose="020F0502020204030204" pitchFamily="34" charset="0"/>
                 <a:cs typeface="Calibri" panose="020F0502020204030204" pitchFamily="34" charset="0"/>
               </a:rPr>
-              <a:t>: Particularly effective for small datasets and text data</a:t>
-            </a:r>
-          </a:p>
-          <a:p>
-            <a:pPr>
-              <a:buFont typeface="Arial" panose="020B0604020202020204" pitchFamily="34" charset="0"/>
-              <a:buChar char="•"/>
-            </a:pPr>
-            <a:r>
-              <a:rPr lang="en-US" b="1" dirty="0">
-                <a:latin typeface="Calibri" panose="020F0502020204030204" pitchFamily="34" charset="0"/>
-                <a:cs typeface="Calibri" panose="020F0502020204030204" pitchFamily="34" charset="0"/>
-              </a:rPr>
-              <a:t>SVM (Support Vector Machine)</a:t>
-            </a:r>
-            <a:r>
-              <a:rPr lang="en-US" dirty="0">
-                <a:latin typeface="Calibri" panose="020F0502020204030204" pitchFamily="34" charset="0"/>
-                <a:cs typeface="Calibri" panose="020F0502020204030204" pitchFamily="34" charset="0"/>
-              </a:rPr>
-              <a:t>: Effective for high-dimensional spaces</a:t>
-            </a:r>
-          </a:p>
-          <a:p>
-            <a:pPr>
-              <a:buFont typeface="Arial" panose="020B0604020202020204" pitchFamily="34" charset="0"/>
-              <a:buChar char="•"/>
-            </a:pPr>
-            <a:r>
-              <a:rPr lang="en-US" b="1" dirty="0">
-                <a:latin typeface="Calibri" panose="020F0502020204030204" pitchFamily="34" charset="0"/>
-                <a:cs typeface="Calibri" panose="020F0502020204030204" pitchFamily="34" charset="0"/>
-              </a:rPr>
-              <a:t>Neural Networks</a:t>
-            </a:r>
-            <a:r>
-              <a:rPr lang="en-US" dirty="0">
-                <a:latin typeface="Calibri" panose="020F0502020204030204" pitchFamily="34" charset="0"/>
-                <a:cs typeface="Calibri" panose="020F0502020204030204" pitchFamily="34" charset="0"/>
-              </a:rPr>
-              <a:t>:</a:t>
-            </a:r>
-          </a:p>
-          <a:p>
-            <a:pPr marL="742950" lvl="1" indent="-285750">
-              <a:buFont typeface="Arial" panose="020B0604020202020204" pitchFamily="34" charset="0"/>
-              <a:buChar char="•"/>
-            </a:pPr>
-            <a:r>
-              <a:rPr lang="en-US" sz="2400" b="1" dirty="0">
-                <a:latin typeface="Calibri" panose="020F0502020204030204" pitchFamily="34" charset="0"/>
-                <a:cs typeface="Calibri" panose="020F0502020204030204" pitchFamily="34" charset="0"/>
-              </a:rPr>
-              <a:t>RNNs/</a:t>
-            </a:r>
-            <a:r>
-              <a:rPr lang="en-US" sz="2400" b="1" dirty="0">
-                <a:solidFill>
-                  <a:srgbClr val="00B050"/>
-                </a:solidFill>
-                <a:latin typeface="Calibri" panose="020F0502020204030204" pitchFamily="34" charset="0"/>
-                <a:cs typeface="Calibri" panose="020F0502020204030204" pitchFamily="34" charset="0"/>
-              </a:rPr>
-              <a:t>LSTMs</a:t>
-            </a:r>
-            <a:r>
-              <a:rPr lang="en-US" sz="2400" dirty="0">
-                <a:latin typeface="Calibri" panose="020F0502020204030204" pitchFamily="34" charset="0"/>
-                <a:cs typeface="Calibri" panose="020F0502020204030204" pitchFamily="34" charset="0"/>
-              </a:rPr>
-              <a:t>: Suitable for sequence data</a:t>
-            </a:r>
-          </a:p>
-          <a:p>
-            <a:pPr marL="742950" lvl="1" indent="-285750">
-              <a:buFont typeface="Arial" panose="020B0604020202020204" pitchFamily="34" charset="0"/>
-              <a:buChar char="•"/>
-            </a:pPr>
-            <a:r>
-              <a:rPr lang="en-US" sz="2400" b="1" dirty="0">
-                <a:latin typeface="Calibri" panose="020F0502020204030204" pitchFamily="34" charset="0"/>
-                <a:cs typeface="Calibri" panose="020F0502020204030204" pitchFamily="34" charset="0"/>
-              </a:rPr>
-              <a:t>CNNs</a:t>
-            </a:r>
-            <a:r>
-              <a:rPr lang="en-US" sz="2400" dirty="0">
-                <a:latin typeface="Calibri" panose="020F0502020204030204" pitchFamily="34" charset="0"/>
-                <a:cs typeface="Calibri" panose="020F0502020204030204" pitchFamily="34" charset="0"/>
-              </a:rPr>
-              <a:t>: Can capture local patterns in text</a:t>
-            </a:r>
-          </a:p>
-          <a:p>
-            <a:pPr marL="742950" lvl="1" indent="-285750">
-              <a:buFont typeface="Arial" panose="020B0604020202020204" pitchFamily="34" charset="0"/>
-              <a:buChar char="•"/>
-            </a:pPr>
-            <a:r>
-              <a:rPr lang="en-US" sz="2400" b="1" dirty="0">
-                <a:latin typeface="Calibri" panose="020F0502020204030204" pitchFamily="34" charset="0"/>
-                <a:cs typeface="Calibri" panose="020F0502020204030204" pitchFamily="34" charset="0"/>
-              </a:rPr>
-              <a:t>Transformers</a:t>
-            </a:r>
-            <a:r>
-              <a:rPr lang="en-US" sz="2400" dirty="0">
-                <a:latin typeface="Calibri" panose="020F0502020204030204" pitchFamily="34" charset="0"/>
-                <a:cs typeface="Calibri" panose="020F0502020204030204" pitchFamily="34" charset="0"/>
-              </a:rPr>
-              <a:t>: State-of-the-art models like BERT for capturing contextual information</a:t>
-            </a:r>
-          </a:p>
-        </p:txBody>
-      </p:sp>
+              <a:t> ‘English’ </a:t>
+            </a:r>
+            <a:r>
+              <a:rPr lang="en-US" dirty="0" err="1">
+                <a:latin typeface="Calibri" panose="020F0502020204030204" pitchFamily="34" charset="0"/>
+                <a:cs typeface="Calibri" panose="020F0502020204030204" pitchFamily="34" charset="0"/>
+              </a:rPr>
+              <a:t>stopwords</a:t>
+            </a:r>
+            <a:endParaRPr lang="en-US" b="1" dirty="0">
+              <a:latin typeface="Calibri" panose="020F0502020204030204" pitchFamily="34" charset="0"/>
+              <a:cs typeface="Calibri" panose="020F0502020204030204" pitchFamily="34" charset="0"/>
+            </a:endParaRPr>
+          </a:p>
+        </p:txBody>
+      </p:sp>
+      <p:pic>
+        <p:nvPicPr>
+          <p:cNvPr id="3" name="Picture 2">
+            <a:extLst>
+              <a:ext uri="{FF2B5EF4-FFF2-40B4-BE49-F238E27FC236}">
+                <a16:creationId xmlns:a16="http://schemas.microsoft.com/office/drawing/2014/main" id="{9A5568B0-8400-430A-8ABC-E99E5F430657}"/>
+              </a:ext>
+            </a:extLst>
+          </p:cNvPr>
+          <p:cNvPicPr>
+            <a:picLocks noChangeAspect="1"/>
+          </p:cNvPicPr>
+          <p:nvPr/>
+        </p:nvPicPr>
+        <p:blipFill>
+          <a:blip r:embed="rId3"/>
+          <a:stretch>
+            <a:fillRect/>
+          </a:stretch>
+        </p:blipFill>
+        <p:spPr>
+          <a:xfrm>
+            <a:off x="2414587" y="1687679"/>
+            <a:ext cx="7362825" cy="4733925"/>
+          </a:xfrm>
+          <a:prstGeom prst="rect">
+            <a:avLst/>
+          </a:prstGeom>
+        </p:spPr>
+      </p:pic>
     </p:spTree>
     <p:extLst>
       <p:ext uri="{BB962C8B-B14F-4D97-AF65-F5344CB8AC3E}">
-        <p14:creationId xmlns:p14="http://schemas.microsoft.com/office/powerpoint/2010/main" val="3807840179"/>
+        <p14:creationId xmlns:p14="http://schemas.microsoft.com/office/powerpoint/2010/main" val="350095161"/>
       </p:ext>
     </p:extLst>
   </p:cSld>
@@ -9876,7 +13074,7 @@
                 <a:latin typeface="Calibri" panose="020F0502020204030204" pitchFamily="34" charset="0"/>
                 <a:cs typeface="Calibri" panose="020F0502020204030204" pitchFamily="34" charset="0"/>
               </a:rPr>
-              <a:t>7. Model Training</a:t>
+              <a:t>3. Data Preprocessing</a:t>
             </a:r>
           </a:p>
         </p:txBody>
@@ -9906,32 +13104,66 @@
               <a:buChar char="•"/>
             </a:pPr>
             <a:r>
+              <a:rPr lang="en-US" b="1" dirty="0">
+                <a:latin typeface="Calibri" panose="020F0502020204030204" pitchFamily="34" charset="0"/>
+                <a:cs typeface="Calibri" panose="020F0502020204030204" pitchFamily="34" charset="0"/>
+              </a:rPr>
+              <a:t>Lemmatization/Stemming</a:t>
+            </a:r>
+            <a:r>
               <a:rPr lang="en-US" dirty="0">
                 <a:latin typeface="Calibri" panose="020F0502020204030204" pitchFamily="34" charset="0"/>
                 <a:cs typeface="Calibri" panose="020F0502020204030204" pitchFamily="34" charset="0"/>
               </a:rPr>
-              <a:t>Train model on the training data</a:t>
-            </a:r>
-          </a:p>
-          <a:p>
-            <a:pPr>
-              <a:buFont typeface="Arial" panose="020B0604020202020204" pitchFamily="34" charset="0"/>
-              <a:buChar char="•"/>
-            </a:pPr>
+              <a:t>: Reduce words to their base or root form. </a:t>
+            </a:r>
             <a:r>
               <a:rPr lang="en-US" dirty="0">
-                <a:latin typeface="Calibri" panose="020F0502020204030204" pitchFamily="34" charset="0"/>
-                <a:cs typeface="Calibri" panose="020F0502020204030204" pitchFamily="34" charset="0"/>
-              </a:rPr>
-              <a:t>Monitor performance on the validation set</a:t>
-            </a:r>
-          </a:p>
-        </p:txBody>
-      </p:sp>
+                <a:solidFill>
+                  <a:srgbClr val="16A085"/>
+                </a:solidFill>
+                <a:latin typeface="Calibri" panose="020F0502020204030204" pitchFamily="34" charset="0"/>
+                <a:cs typeface="Calibri" panose="020F0502020204030204" pitchFamily="34" charset="0"/>
+              </a:rPr>
+              <a:t>Use Lemmatization</a:t>
+            </a:r>
+          </a:p>
+        </p:txBody>
+      </p:sp>
+      <p:pic>
+        <p:nvPicPr>
+          <p:cNvPr id="3" name="Picture 2">
+            <a:extLst>
+              <a:ext uri="{FF2B5EF4-FFF2-40B4-BE49-F238E27FC236}">
+                <a16:creationId xmlns:a16="http://schemas.microsoft.com/office/drawing/2014/main" id="{EE6E005E-9FA5-4137-9F2C-0543574A4F09}"/>
+              </a:ext>
+            </a:extLst>
+          </p:cNvPr>
+          <p:cNvPicPr>
+            <a:picLocks noChangeAspect="1"/>
+          </p:cNvPicPr>
+          <p:nvPr/>
+        </p:nvPicPr>
+        <p:blipFill>
+          <a:blip r:embed="rId3"/>
+          <a:stretch>
+            <a:fillRect/>
+          </a:stretch>
+        </p:blipFill>
+        <p:spPr>
+          <a:xfrm>
+            <a:off x="2021795" y="1559160"/>
+            <a:ext cx="8148410" cy="4851266"/>
+          </a:xfrm>
+          <a:prstGeom prst="rect">
+            <a:avLst/>
+          </a:prstGeom>
+        </p:spPr>
+      </p:pic>
     </p:spTree>
     <p:extLst>
       <p:ext uri="{BB962C8B-B14F-4D97-AF65-F5344CB8AC3E}">
-        <p14:creationId xmlns:p14="http://schemas.microsoft.com/office/powerpoint/2010/main" val="2299120418"/>
+        <p14:creationId xmlns:p14="http://schemas.microsoft.com/office/powerpoint/2010/main" val="4165244628"/>
       </p:ext>
     </p:extLst>
   </p:cSld>

--- a/Workshop-3_AI Advance Training_Group 80.pptx
+++ b/Workshop-3_AI Advance Training_Group 80.pptx
@@ -5,7 +5,7 @@
     <p:sldMasterId id="2147483666" r:id="rId1"/>
   </p:sldMasterIdLst>
   <p:notesMasterIdLst>
-    <p:notesMasterId r:id="rId32"/>
+    <p:notesMasterId r:id="rId39"/>
   </p:notesMasterIdLst>
   <p:sldIdLst>
     <p:sldId id="257" r:id="rId2"/>
@@ -26,18 +26,25 @@
     <p:sldId id="356" r:id="rId17"/>
     <p:sldId id="335" r:id="rId18"/>
     <p:sldId id="339" r:id="rId19"/>
-    <p:sldId id="340" r:id="rId20"/>
-    <p:sldId id="341" r:id="rId21"/>
-    <p:sldId id="330" r:id="rId22"/>
-    <p:sldId id="287" r:id="rId23"/>
-    <p:sldId id="350" r:id="rId24"/>
-    <p:sldId id="336" r:id="rId25"/>
-    <p:sldId id="352" r:id="rId26"/>
-    <p:sldId id="351" r:id="rId27"/>
-    <p:sldId id="337" r:id="rId28"/>
-    <p:sldId id="338" r:id="rId29"/>
-    <p:sldId id="342" r:id="rId30"/>
-    <p:sldId id="343" r:id="rId31"/>
+    <p:sldId id="357" r:id="rId20"/>
+    <p:sldId id="358" r:id="rId21"/>
+    <p:sldId id="359" r:id="rId22"/>
+    <p:sldId id="340" r:id="rId23"/>
+    <p:sldId id="360" r:id="rId24"/>
+    <p:sldId id="341" r:id="rId25"/>
+    <p:sldId id="362" r:id="rId26"/>
+    <p:sldId id="363" r:id="rId27"/>
+    <p:sldId id="361" r:id="rId28"/>
+    <p:sldId id="330" r:id="rId29"/>
+    <p:sldId id="287" r:id="rId30"/>
+    <p:sldId id="350" r:id="rId31"/>
+    <p:sldId id="336" r:id="rId32"/>
+    <p:sldId id="352" r:id="rId33"/>
+    <p:sldId id="351" r:id="rId34"/>
+    <p:sldId id="337" r:id="rId35"/>
+    <p:sldId id="338" r:id="rId36"/>
+    <p:sldId id="342" r:id="rId37"/>
+    <p:sldId id="343" r:id="rId38"/>
   </p:sldIdLst>
   <p:sldSz cx="12192000" cy="6858000"/>
   <p:notesSz cx="6858000" cy="9144000"/>
@@ -1633,7 +1640,7 @@
     </p:spTree>
     <p:extLst>
       <p:ext uri="{BB962C8B-B14F-4D97-AF65-F5344CB8AC3E}">
-        <p14:creationId xmlns:p14="http://schemas.microsoft.com/office/powerpoint/2010/main" val="2713595376"/>
+        <p14:creationId xmlns:p14="http://schemas.microsoft.com/office/powerpoint/2010/main" val="79936506"/>
       </p:ext>
     </p:extLst>
   </p:cSld>
@@ -1817,7 +1824,7 @@
     </p:spTree>
     <p:extLst>
       <p:ext uri="{BB962C8B-B14F-4D97-AF65-F5344CB8AC3E}">
-        <p14:creationId xmlns:p14="http://schemas.microsoft.com/office/powerpoint/2010/main" val="3577601792"/>
+        <p14:creationId xmlns:p14="http://schemas.microsoft.com/office/powerpoint/2010/main" val="3510418805"/>
       </p:ext>
     </p:extLst>
   </p:cSld>
@@ -1909,7 +1916,7 @@
     </p:spTree>
     <p:extLst>
       <p:ext uri="{BB962C8B-B14F-4D97-AF65-F5344CB8AC3E}">
-        <p14:creationId xmlns:p14="http://schemas.microsoft.com/office/powerpoint/2010/main" val="1924526848"/>
+        <p14:creationId xmlns:p14="http://schemas.microsoft.com/office/powerpoint/2010/main" val="194395143"/>
       </p:ext>
     </p:extLst>
   </p:cSld>
@@ -1963,7 +1970,15 @@
           <a:bodyPr/>
           <a:lstStyle/>
           <a:p>
-            <a:endParaRPr lang="en-US" dirty="0"/>
+            <a:endParaRPr lang="en-US" sz="1200" kern="1200" dirty="0">
+              <a:solidFill>
+                <a:schemeClr val="tx1"/>
+              </a:solidFill>
+              <a:effectLst/>
+              <a:latin typeface="+mn-lt"/>
+              <a:ea typeface="+mn-ea"/>
+              <a:cs typeface="+mn-cs"/>
+            </a:endParaRPr>
           </a:p>
         </p:txBody>
       </p:sp>
@@ -1993,7 +2008,7 @@
     </p:spTree>
     <p:extLst>
       <p:ext uri="{BB962C8B-B14F-4D97-AF65-F5344CB8AC3E}">
-        <p14:creationId xmlns:p14="http://schemas.microsoft.com/office/powerpoint/2010/main" val="4196192877"/>
+        <p14:creationId xmlns:p14="http://schemas.microsoft.com/office/powerpoint/2010/main" val="2713595376"/>
       </p:ext>
     </p:extLst>
   </p:cSld>
@@ -2085,7 +2100,7 @@
     </p:spTree>
     <p:extLst>
       <p:ext uri="{BB962C8B-B14F-4D97-AF65-F5344CB8AC3E}">
-        <p14:creationId xmlns:p14="http://schemas.microsoft.com/office/powerpoint/2010/main" val="965342572"/>
+        <p14:creationId xmlns:p14="http://schemas.microsoft.com/office/powerpoint/2010/main" val="1401846330"/>
       </p:ext>
     </p:extLst>
   </p:cSld>
@@ -2177,7 +2192,7 @@
     </p:spTree>
     <p:extLst>
       <p:ext uri="{BB962C8B-B14F-4D97-AF65-F5344CB8AC3E}">
-        <p14:creationId xmlns:p14="http://schemas.microsoft.com/office/powerpoint/2010/main" val="3579942779"/>
+        <p14:creationId xmlns:p14="http://schemas.microsoft.com/office/powerpoint/2010/main" val="3577601792"/>
       </p:ext>
     </p:extLst>
   </p:cSld>
@@ -2269,7 +2284,7 @@
     </p:spTree>
     <p:extLst>
       <p:ext uri="{BB962C8B-B14F-4D97-AF65-F5344CB8AC3E}">
-        <p14:creationId xmlns:p14="http://schemas.microsoft.com/office/powerpoint/2010/main" val="784555517"/>
+        <p14:creationId xmlns:p14="http://schemas.microsoft.com/office/powerpoint/2010/main" val="3533885532"/>
       </p:ext>
     </p:extLst>
   </p:cSld>
@@ -2361,7 +2376,7 @@
     </p:spTree>
     <p:extLst>
       <p:ext uri="{BB962C8B-B14F-4D97-AF65-F5344CB8AC3E}">
-        <p14:creationId xmlns:p14="http://schemas.microsoft.com/office/powerpoint/2010/main" val="1572697987"/>
+        <p14:creationId xmlns:p14="http://schemas.microsoft.com/office/powerpoint/2010/main" val="1765270506"/>
       </p:ext>
     </p:extLst>
   </p:cSld>
@@ -2453,7 +2468,7 @@
     </p:spTree>
     <p:extLst>
       <p:ext uri="{BB962C8B-B14F-4D97-AF65-F5344CB8AC3E}">
-        <p14:creationId xmlns:p14="http://schemas.microsoft.com/office/powerpoint/2010/main" val="3466108817"/>
+        <p14:creationId xmlns:p14="http://schemas.microsoft.com/office/powerpoint/2010/main" val="254500431"/>
       </p:ext>
     </p:extLst>
   </p:cSld>
@@ -2545,7 +2560,7 @@
     </p:spTree>
     <p:extLst>
       <p:ext uri="{BB962C8B-B14F-4D97-AF65-F5344CB8AC3E}">
-        <p14:creationId xmlns:p14="http://schemas.microsoft.com/office/powerpoint/2010/main" val="632476078"/>
+        <p14:creationId xmlns:p14="http://schemas.microsoft.com/office/powerpoint/2010/main" val="1924526848"/>
       </p:ext>
     </p:extLst>
   </p:cSld>
@@ -2599,108 +2614,7 @@
           <a:bodyPr/>
           <a:lstStyle/>
           <a:p>
-            <a:pPr marL="0" marR="0" lvl="0" indent="0" algn="l" defTabSz="914400" rtl="0" eaLnBrk="1" fontAlgn="auto" latinLnBrk="0" hangingPunct="1">
-              <a:lnSpc>
-                <a:spcPct val="100000"/>
-              </a:lnSpc>
-              <a:spcBef>
-                <a:spcPts val="0"/>
-              </a:spcBef>
-              <a:spcAft>
-                <a:spcPts val="0"/>
-              </a:spcAft>
-              <a:buClrTx/>
-              <a:buSzTx/>
-              <a:buFontTx/>
-              <a:buNone/>
-              <a:tabLst/>
-              <a:defRPr/>
-            </a:pPr>
-            <a:r>
-              <a:rPr lang="en-US" sz="1200" kern="1200" dirty="0">
-                <a:solidFill>
-                  <a:schemeClr val="tx1"/>
-                </a:solidFill>
-                <a:effectLst/>
-                <a:latin typeface="+mn-lt"/>
-                <a:ea typeface="+mn-ea"/>
-                <a:cs typeface="+mn-cs"/>
-              </a:rPr>
-              <a:t>https://viblo.asia/p/so-luoc-word-embedding-gDVK2RAeKLj</a:t>
-            </a:r>
-          </a:p>
-          <a:p>
-            <a:pPr marL="0" marR="0" lvl="0" indent="0" algn="l" defTabSz="914400" rtl="0" eaLnBrk="1" fontAlgn="auto" latinLnBrk="0" hangingPunct="1">
-              <a:lnSpc>
-                <a:spcPct val="100000"/>
-              </a:lnSpc>
-              <a:spcBef>
-                <a:spcPts val="0"/>
-              </a:spcBef>
-              <a:spcAft>
-                <a:spcPts val="0"/>
-              </a:spcAft>
-              <a:buClrTx/>
-              <a:buSzTx/>
-              <a:buFontTx/>
-              <a:buNone/>
-              <a:tabLst/>
-              <a:defRPr/>
-            </a:pPr>
-            <a:r>
-              <a:rPr lang="en-US" sz="1200" kern="1200" dirty="0">
-                <a:solidFill>
-                  <a:schemeClr val="tx1"/>
-                </a:solidFill>
-                <a:effectLst/>
-                <a:latin typeface="+mn-lt"/>
-                <a:ea typeface="+mn-ea"/>
-                <a:cs typeface="+mn-cs"/>
-              </a:rPr>
-              <a:t>https://d2l.aivivn.com/chapter_natural-language-processing-pretraining/index_vn.html</a:t>
-            </a:r>
-          </a:p>
-          <a:p>
-            <a:r>
-              <a:rPr lang="en-US" sz="1200" kern="1200" dirty="0">
-                <a:solidFill>
-                  <a:schemeClr val="tx1"/>
-                </a:solidFill>
-                <a:effectLst/>
-                <a:latin typeface="+mn-lt"/>
-                <a:ea typeface="+mn-ea"/>
-                <a:cs typeface="+mn-cs"/>
-              </a:rPr>
-              <a:t>https://www.geeksforgeeks.org/word-embedding-techniques-in-nlp/</a:t>
-            </a:r>
-          </a:p>
-          <a:p>
-            <a:r>
-              <a:rPr lang="en-US" sz="1200" kern="1200" dirty="0">
-                <a:solidFill>
-                  <a:schemeClr val="tx1"/>
-                </a:solidFill>
-                <a:effectLst/>
-                <a:latin typeface="+mn-lt"/>
-                <a:ea typeface="+mn-ea"/>
-                <a:cs typeface="+mn-cs"/>
-              </a:rPr>
-              <a:t>https://scikit-learn.org/stable/modules/generated/sklearn.feature_extraction.text.CountVectorizer.html</a:t>
-            </a:r>
-          </a:p>
-          <a:p>
-            <a:r>
-              <a:rPr lang="en-US" sz="1200" kern="1200" dirty="0">
-                <a:solidFill>
-                  <a:schemeClr val="tx1"/>
-                </a:solidFill>
-                <a:effectLst/>
-                <a:latin typeface="+mn-lt"/>
-                <a:ea typeface="+mn-ea"/>
-                <a:cs typeface="+mn-cs"/>
-              </a:rPr>
-              <a:t>https://scikit-learn.org/stable/modules/generated/sklearn.feature_extraction.text.TfidfVectorizer.html</a:t>
-            </a:r>
+            <a:endParaRPr lang="en-US" dirty="0"/>
           </a:p>
         </p:txBody>
       </p:sp>
@@ -2730,7 +2644,7 @@
     </p:spTree>
     <p:extLst>
       <p:ext uri="{BB962C8B-B14F-4D97-AF65-F5344CB8AC3E}">
-        <p14:creationId xmlns:p14="http://schemas.microsoft.com/office/powerpoint/2010/main" val="1328873860"/>
+        <p14:creationId xmlns:p14="http://schemas.microsoft.com/office/powerpoint/2010/main" val="4196192877"/>
       </p:ext>
     </p:extLst>
   </p:cSld>
@@ -2876,6 +2790,558 @@
           <a:bodyPr/>
           <a:lstStyle/>
           <a:p>
+            <a:endParaRPr lang="en-US" sz="1200" kern="1200" dirty="0">
+              <a:solidFill>
+                <a:schemeClr val="tx1"/>
+              </a:solidFill>
+              <a:effectLst/>
+              <a:latin typeface="+mn-lt"/>
+              <a:ea typeface="+mn-ea"/>
+              <a:cs typeface="+mn-cs"/>
+            </a:endParaRPr>
+          </a:p>
+        </p:txBody>
+      </p:sp>
+      <p:sp>
+        <p:nvSpPr>
+          <p:cNvPr id="4" name="Slide Number Placeholder 3"/>
+          <p:cNvSpPr>
+            <a:spLocks noGrp="1"/>
+          </p:cNvSpPr>
+          <p:nvPr>
+            <p:ph type="sldNum" sz="quarter" idx="10"/>
+          </p:nvPr>
+        </p:nvSpPr>
+        <p:spPr/>
+        <p:txBody>
+          <a:bodyPr/>
+          <a:lstStyle/>
+          <a:p>
+            <a:fld id="{B850756A-E1CA-4E5E-8241-A897EE7CB764}" type="slidenum">
+              <a:rPr lang="en-US" smtClean="0"/>
+              <a:t>30</a:t>
+            </a:fld>
+            <a:endParaRPr lang="en-US"/>
+          </a:p>
+        </p:txBody>
+      </p:sp>
+    </p:spTree>
+    <p:extLst>
+      <p:ext uri="{BB962C8B-B14F-4D97-AF65-F5344CB8AC3E}">
+        <p14:creationId xmlns:p14="http://schemas.microsoft.com/office/powerpoint/2010/main" val="965342572"/>
+      </p:ext>
+    </p:extLst>
+  </p:cSld>
+  <p:clrMapOvr>
+    <a:masterClrMapping/>
+  </p:clrMapOvr>
+</p:notes>
+</file>
+
+<file path=ppt/notesSlides/notesSlide31.xml><?xml version="1.0" encoding="utf-8"?>
+<p:notes xmlns:a="http://schemas.openxmlformats.org/drawingml/2006/main" xmlns:r="http://schemas.openxmlformats.org/officeDocument/2006/relationships" xmlns:p="http://schemas.openxmlformats.org/presentationml/2006/main">
+  <p:cSld>
+    <p:spTree>
+      <p:nvGrpSpPr>
+        <p:cNvPr id="1" name=""/>
+        <p:cNvGrpSpPr/>
+        <p:nvPr/>
+      </p:nvGrpSpPr>
+      <p:grpSpPr>
+        <a:xfrm>
+          <a:off x="0" y="0"/>
+          <a:ext cx="0" cy="0"/>
+          <a:chOff x="0" y="0"/>
+          <a:chExt cx="0" cy="0"/>
+        </a:xfrm>
+      </p:grpSpPr>
+      <p:sp>
+        <p:nvSpPr>
+          <p:cNvPr id="2" name="Slide Image Placeholder 1"/>
+          <p:cNvSpPr>
+            <a:spLocks noGrp="1" noRot="1" noChangeAspect="1"/>
+          </p:cNvSpPr>
+          <p:nvPr>
+            <p:ph type="sldImg"/>
+          </p:nvPr>
+        </p:nvSpPr>
+        <p:spPr/>
+      </p:sp>
+      <p:sp>
+        <p:nvSpPr>
+          <p:cNvPr id="3" name="Notes Placeholder 2"/>
+          <p:cNvSpPr>
+            <a:spLocks noGrp="1"/>
+          </p:cNvSpPr>
+          <p:nvPr>
+            <p:ph type="body" idx="1"/>
+          </p:nvPr>
+        </p:nvSpPr>
+        <p:spPr/>
+        <p:txBody>
+          <a:bodyPr/>
+          <a:lstStyle/>
+          <a:p>
+            <a:endParaRPr lang="en-US" sz="1200" kern="1200" dirty="0">
+              <a:solidFill>
+                <a:schemeClr val="tx1"/>
+              </a:solidFill>
+              <a:effectLst/>
+              <a:latin typeface="+mn-lt"/>
+              <a:ea typeface="+mn-ea"/>
+              <a:cs typeface="+mn-cs"/>
+            </a:endParaRPr>
+          </a:p>
+        </p:txBody>
+      </p:sp>
+      <p:sp>
+        <p:nvSpPr>
+          <p:cNvPr id="4" name="Slide Number Placeholder 3"/>
+          <p:cNvSpPr>
+            <a:spLocks noGrp="1"/>
+          </p:cNvSpPr>
+          <p:nvPr>
+            <p:ph type="sldNum" sz="quarter" idx="10"/>
+          </p:nvPr>
+        </p:nvSpPr>
+        <p:spPr/>
+        <p:txBody>
+          <a:bodyPr/>
+          <a:lstStyle/>
+          <a:p>
+            <a:fld id="{B850756A-E1CA-4E5E-8241-A897EE7CB764}" type="slidenum">
+              <a:rPr lang="en-US" smtClean="0"/>
+              <a:t>31</a:t>
+            </a:fld>
+            <a:endParaRPr lang="en-US"/>
+          </a:p>
+        </p:txBody>
+      </p:sp>
+    </p:spTree>
+    <p:extLst>
+      <p:ext uri="{BB962C8B-B14F-4D97-AF65-F5344CB8AC3E}">
+        <p14:creationId xmlns:p14="http://schemas.microsoft.com/office/powerpoint/2010/main" val="3579942779"/>
+      </p:ext>
+    </p:extLst>
+  </p:cSld>
+  <p:clrMapOvr>
+    <a:masterClrMapping/>
+  </p:clrMapOvr>
+</p:notes>
+</file>
+
+<file path=ppt/notesSlides/notesSlide32.xml><?xml version="1.0" encoding="utf-8"?>
+<p:notes xmlns:a="http://schemas.openxmlformats.org/drawingml/2006/main" xmlns:r="http://schemas.openxmlformats.org/officeDocument/2006/relationships" xmlns:p="http://schemas.openxmlformats.org/presentationml/2006/main">
+  <p:cSld>
+    <p:spTree>
+      <p:nvGrpSpPr>
+        <p:cNvPr id="1" name=""/>
+        <p:cNvGrpSpPr/>
+        <p:nvPr/>
+      </p:nvGrpSpPr>
+      <p:grpSpPr>
+        <a:xfrm>
+          <a:off x="0" y="0"/>
+          <a:ext cx="0" cy="0"/>
+          <a:chOff x="0" y="0"/>
+          <a:chExt cx="0" cy="0"/>
+        </a:xfrm>
+      </p:grpSpPr>
+      <p:sp>
+        <p:nvSpPr>
+          <p:cNvPr id="2" name="Slide Image Placeholder 1"/>
+          <p:cNvSpPr>
+            <a:spLocks noGrp="1" noRot="1" noChangeAspect="1"/>
+          </p:cNvSpPr>
+          <p:nvPr>
+            <p:ph type="sldImg"/>
+          </p:nvPr>
+        </p:nvSpPr>
+        <p:spPr/>
+      </p:sp>
+      <p:sp>
+        <p:nvSpPr>
+          <p:cNvPr id="3" name="Notes Placeholder 2"/>
+          <p:cNvSpPr>
+            <a:spLocks noGrp="1"/>
+          </p:cNvSpPr>
+          <p:nvPr>
+            <p:ph type="body" idx="1"/>
+          </p:nvPr>
+        </p:nvSpPr>
+        <p:spPr/>
+        <p:txBody>
+          <a:bodyPr/>
+          <a:lstStyle/>
+          <a:p>
+            <a:endParaRPr lang="en-US" sz="1200" kern="1200" dirty="0">
+              <a:solidFill>
+                <a:schemeClr val="tx1"/>
+              </a:solidFill>
+              <a:effectLst/>
+              <a:latin typeface="+mn-lt"/>
+              <a:ea typeface="+mn-ea"/>
+              <a:cs typeface="+mn-cs"/>
+            </a:endParaRPr>
+          </a:p>
+        </p:txBody>
+      </p:sp>
+      <p:sp>
+        <p:nvSpPr>
+          <p:cNvPr id="4" name="Slide Number Placeholder 3"/>
+          <p:cNvSpPr>
+            <a:spLocks noGrp="1"/>
+          </p:cNvSpPr>
+          <p:nvPr>
+            <p:ph type="sldNum" sz="quarter" idx="10"/>
+          </p:nvPr>
+        </p:nvSpPr>
+        <p:spPr/>
+        <p:txBody>
+          <a:bodyPr/>
+          <a:lstStyle/>
+          <a:p>
+            <a:fld id="{B850756A-E1CA-4E5E-8241-A897EE7CB764}" type="slidenum">
+              <a:rPr lang="en-US" smtClean="0"/>
+              <a:t>32</a:t>
+            </a:fld>
+            <a:endParaRPr lang="en-US"/>
+          </a:p>
+        </p:txBody>
+      </p:sp>
+    </p:spTree>
+    <p:extLst>
+      <p:ext uri="{BB962C8B-B14F-4D97-AF65-F5344CB8AC3E}">
+        <p14:creationId xmlns:p14="http://schemas.microsoft.com/office/powerpoint/2010/main" val="784555517"/>
+      </p:ext>
+    </p:extLst>
+  </p:cSld>
+  <p:clrMapOvr>
+    <a:masterClrMapping/>
+  </p:clrMapOvr>
+</p:notes>
+</file>
+
+<file path=ppt/notesSlides/notesSlide33.xml><?xml version="1.0" encoding="utf-8"?>
+<p:notes xmlns:a="http://schemas.openxmlformats.org/drawingml/2006/main" xmlns:r="http://schemas.openxmlformats.org/officeDocument/2006/relationships" xmlns:p="http://schemas.openxmlformats.org/presentationml/2006/main">
+  <p:cSld>
+    <p:spTree>
+      <p:nvGrpSpPr>
+        <p:cNvPr id="1" name=""/>
+        <p:cNvGrpSpPr/>
+        <p:nvPr/>
+      </p:nvGrpSpPr>
+      <p:grpSpPr>
+        <a:xfrm>
+          <a:off x="0" y="0"/>
+          <a:ext cx="0" cy="0"/>
+          <a:chOff x="0" y="0"/>
+          <a:chExt cx="0" cy="0"/>
+        </a:xfrm>
+      </p:grpSpPr>
+      <p:sp>
+        <p:nvSpPr>
+          <p:cNvPr id="2" name="Slide Image Placeholder 1"/>
+          <p:cNvSpPr>
+            <a:spLocks noGrp="1" noRot="1" noChangeAspect="1"/>
+          </p:cNvSpPr>
+          <p:nvPr>
+            <p:ph type="sldImg"/>
+          </p:nvPr>
+        </p:nvSpPr>
+        <p:spPr/>
+      </p:sp>
+      <p:sp>
+        <p:nvSpPr>
+          <p:cNvPr id="3" name="Notes Placeholder 2"/>
+          <p:cNvSpPr>
+            <a:spLocks noGrp="1"/>
+          </p:cNvSpPr>
+          <p:nvPr>
+            <p:ph type="body" idx="1"/>
+          </p:nvPr>
+        </p:nvSpPr>
+        <p:spPr/>
+        <p:txBody>
+          <a:bodyPr/>
+          <a:lstStyle/>
+          <a:p>
+            <a:endParaRPr lang="en-US" sz="1200" kern="1200" dirty="0">
+              <a:solidFill>
+                <a:schemeClr val="tx1"/>
+              </a:solidFill>
+              <a:effectLst/>
+              <a:latin typeface="+mn-lt"/>
+              <a:ea typeface="+mn-ea"/>
+              <a:cs typeface="+mn-cs"/>
+            </a:endParaRPr>
+          </a:p>
+        </p:txBody>
+      </p:sp>
+      <p:sp>
+        <p:nvSpPr>
+          <p:cNvPr id="4" name="Slide Number Placeholder 3"/>
+          <p:cNvSpPr>
+            <a:spLocks noGrp="1"/>
+          </p:cNvSpPr>
+          <p:nvPr>
+            <p:ph type="sldNum" sz="quarter" idx="10"/>
+          </p:nvPr>
+        </p:nvSpPr>
+        <p:spPr/>
+        <p:txBody>
+          <a:bodyPr/>
+          <a:lstStyle/>
+          <a:p>
+            <a:fld id="{B850756A-E1CA-4E5E-8241-A897EE7CB764}" type="slidenum">
+              <a:rPr lang="en-US" smtClean="0"/>
+              <a:t>33</a:t>
+            </a:fld>
+            <a:endParaRPr lang="en-US"/>
+          </a:p>
+        </p:txBody>
+      </p:sp>
+    </p:spTree>
+    <p:extLst>
+      <p:ext uri="{BB962C8B-B14F-4D97-AF65-F5344CB8AC3E}">
+        <p14:creationId xmlns:p14="http://schemas.microsoft.com/office/powerpoint/2010/main" val="1572697987"/>
+      </p:ext>
+    </p:extLst>
+  </p:cSld>
+  <p:clrMapOvr>
+    <a:masterClrMapping/>
+  </p:clrMapOvr>
+</p:notes>
+</file>
+
+<file path=ppt/notesSlides/notesSlide34.xml><?xml version="1.0" encoding="utf-8"?>
+<p:notes xmlns:a="http://schemas.openxmlformats.org/drawingml/2006/main" xmlns:r="http://schemas.openxmlformats.org/officeDocument/2006/relationships" xmlns:p="http://schemas.openxmlformats.org/presentationml/2006/main">
+  <p:cSld>
+    <p:spTree>
+      <p:nvGrpSpPr>
+        <p:cNvPr id="1" name=""/>
+        <p:cNvGrpSpPr/>
+        <p:nvPr/>
+      </p:nvGrpSpPr>
+      <p:grpSpPr>
+        <a:xfrm>
+          <a:off x="0" y="0"/>
+          <a:ext cx="0" cy="0"/>
+          <a:chOff x="0" y="0"/>
+          <a:chExt cx="0" cy="0"/>
+        </a:xfrm>
+      </p:grpSpPr>
+      <p:sp>
+        <p:nvSpPr>
+          <p:cNvPr id="2" name="Slide Image Placeholder 1"/>
+          <p:cNvSpPr>
+            <a:spLocks noGrp="1" noRot="1" noChangeAspect="1"/>
+          </p:cNvSpPr>
+          <p:nvPr>
+            <p:ph type="sldImg"/>
+          </p:nvPr>
+        </p:nvSpPr>
+        <p:spPr/>
+      </p:sp>
+      <p:sp>
+        <p:nvSpPr>
+          <p:cNvPr id="3" name="Notes Placeholder 2"/>
+          <p:cNvSpPr>
+            <a:spLocks noGrp="1"/>
+          </p:cNvSpPr>
+          <p:nvPr>
+            <p:ph type="body" idx="1"/>
+          </p:nvPr>
+        </p:nvSpPr>
+        <p:spPr/>
+        <p:txBody>
+          <a:bodyPr/>
+          <a:lstStyle/>
+          <a:p>
+            <a:endParaRPr lang="en-US" sz="1200" kern="1200" dirty="0">
+              <a:solidFill>
+                <a:schemeClr val="tx1"/>
+              </a:solidFill>
+              <a:effectLst/>
+              <a:latin typeface="+mn-lt"/>
+              <a:ea typeface="+mn-ea"/>
+              <a:cs typeface="+mn-cs"/>
+            </a:endParaRPr>
+          </a:p>
+        </p:txBody>
+      </p:sp>
+      <p:sp>
+        <p:nvSpPr>
+          <p:cNvPr id="4" name="Slide Number Placeholder 3"/>
+          <p:cNvSpPr>
+            <a:spLocks noGrp="1"/>
+          </p:cNvSpPr>
+          <p:nvPr>
+            <p:ph type="sldNum" sz="quarter" idx="10"/>
+          </p:nvPr>
+        </p:nvSpPr>
+        <p:spPr/>
+        <p:txBody>
+          <a:bodyPr/>
+          <a:lstStyle/>
+          <a:p>
+            <a:fld id="{B850756A-E1CA-4E5E-8241-A897EE7CB764}" type="slidenum">
+              <a:rPr lang="en-US" smtClean="0"/>
+              <a:t>34</a:t>
+            </a:fld>
+            <a:endParaRPr lang="en-US"/>
+          </a:p>
+        </p:txBody>
+      </p:sp>
+    </p:spTree>
+    <p:extLst>
+      <p:ext uri="{BB962C8B-B14F-4D97-AF65-F5344CB8AC3E}">
+        <p14:creationId xmlns:p14="http://schemas.microsoft.com/office/powerpoint/2010/main" val="3466108817"/>
+      </p:ext>
+    </p:extLst>
+  </p:cSld>
+  <p:clrMapOvr>
+    <a:masterClrMapping/>
+  </p:clrMapOvr>
+</p:notes>
+</file>
+
+<file path=ppt/notesSlides/notesSlide35.xml><?xml version="1.0" encoding="utf-8"?>
+<p:notes xmlns:a="http://schemas.openxmlformats.org/drawingml/2006/main" xmlns:r="http://schemas.openxmlformats.org/officeDocument/2006/relationships" xmlns:p="http://schemas.openxmlformats.org/presentationml/2006/main">
+  <p:cSld>
+    <p:spTree>
+      <p:nvGrpSpPr>
+        <p:cNvPr id="1" name=""/>
+        <p:cNvGrpSpPr/>
+        <p:nvPr/>
+      </p:nvGrpSpPr>
+      <p:grpSpPr>
+        <a:xfrm>
+          <a:off x="0" y="0"/>
+          <a:ext cx="0" cy="0"/>
+          <a:chOff x="0" y="0"/>
+          <a:chExt cx="0" cy="0"/>
+        </a:xfrm>
+      </p:grpSpPr>
+      <p:sp>
+        <p:nvSpPr>
+          <p:cNvPr id="2" name="Slide Image Placeholder 1"/>
+          <p:cNvSpPr>
+            <a:spLocks noGrp="1" noRot="1" noChangeAspect="1"/>
+          </p:cNvSpPr>
+          <p:nvPr>
+            <p:ph type="sldImg"/>
+          </p:nvPr>
+        </p:nvSpPr>
+        <p:spPr/>
+      </p:sp>
+      <p:sp>
+        <p:nvSpPr>
+          <p:cNvPr id="3" name="Notes Placeholder 2"/>
+          <p:cNvSpPr>
+            <a:spLocks noGrp="1"/>
+          </p:cNvSpPr>
+          <p:nvPr>
+            <p:ph type="body" idx="1"/>
+          </p:nvPr>
+        </p:nvSpPr>
+        <p:spPr/>
+        <p:txBody>
+          <a:bodyPr/>
+          <a:lstStyle/>
+          <a:p>
+            <a:endParaRPr lang="en-US" sz="1200" kern="1200" dirty="0">
+              <a:solidFill>
+                <a:schemeClr val="tx1"/>
+              </a:solidFill>
+              <a:effectLst/>
+              <a:latin typeface="+mn-lt"/>
+              <a:ea typeface="+mn-ea"/>
+              <a:cs typeface="+mn-cs"/>
+            </a:endParaRPr>
+          </a:p>
+        </p:txBody>
+      </p:sp>
+      <p:sp>
+        <p:nvSpPr>
+          <p:cNvPr id="4" name="Slide Number Placeholder 3"/>
+          <p:cNvSpPr>
+            <a:spLocks noGrp="1"/>
+          </p:cNvSpPr>
+          <p:nvPr>
+            <p:ph type="sldNum" sz="quarter" idx="10"/>
+          </p:nvPr>
+        </p:nvSpPr>
+        <p:spPr/>
+        <p:txBody>
+          <a:bodyPr/>
+          <a:lstStyle/>
+          <a:p>
+            <a:fld id="{B850756A-E1CA-4E5E-8241-A897EE7CB764}" type="slidenum">
+              <a:rPr lang="en-US" smtClean="0"/>
+              <a:t>35</a:t>
+            </a:fld>
+            <a:endParaRPr lang="en-US"/>
+          </a:p>
+        </p:txBody>
+      </p:sp>
+    </p:spTree>
+    <p:extLst>
+      <p:ext uri="{BB962C8B-B14F-4D97-AF65-F5344CB8AC3E}">
+        <p14:creationId xmlns:p14="http://schemas.microsoft.com/office/powerpoint/2010/main" val="632476078"/>
+      </p:ext>
+    </p:extLst>
+  </p:cSld>
+  <p:clrMapOvr>
+    <a:masterClrMapping/>
+  </p:clrMapOvr>
+</p:notes>
+</file>
+
+<file path=ppt/notesSlides/notesSlide36.xml><?xml version="1.0" encoding="utf-8"?>
+<p:notes xmlns:a="http://schemas.openxmlformats.org/drawingml/2006/main" xmlns:r="http://schemas.openxmlformats.org/officeDocument/2006/relationships" xmlns:p="http://schemas.openxmlformats.org/presentationml/2006/main">
+  <p:cSld>
+    <p:spTree>
+      <p:nvGrpSpPr>
+        <p:cNvPr id="1" name=""/>
+        <p:cNvGrpSpPr/>
+        <p:nvPr/>
+      </p:nvGrpSpPr>
+      <p:grpSpPr>
+        <a:xfrm>
+          <a:off x="0" y="0"/>
+          <a:ext cx="0" cy="0"/>
+          <a:chOff x="0" y="0"/>
+          <a:chExt cx="0" cy="0"/>
+        </a:xfrm>
+      </p:grpSpPr>
+      <p:sp>
+        <p:nvSpPr>
+          <p:cNvPr id="2" name="Slide Image Placeholder 1"/>
+          <p:cNvSpPr>
+            <a:spLocks noGrp="1" noRot="1" noChangeAspect="1"/>
+          </p:cNvSpPr>
+          <p:nvPr>
+            <p:ph type="sldImg"/>
+          </p:nvPr>
+        </p:nvSpPr>
+        <p:spPr/>
+      </p:sp>
+      <p:sp>
+        <p:nvSpPr>
+          <p:cNvPr id="3" name="Notes Placeholder 2"/>
+          <p:cNvSpPr>
+            <a:spLocks noGrp="1"/>
+          </p:cNvSpPr>
+          <p:nvPr>
+            <p:ph type="body" idx="1"/>
+          </p:nvPr>
+        </p:nvSpPr>
+        <p:spPr/>
+        <p:txBody>
+          <a:bodyPr/>
+          <a:lstStyle/>
+          <a:p>
             <a:pPr marL="0" marR="0" lvl="0" indent="0" algn="l" defTabSz="914400" rtl="0" eaLnBrk="1" fontAlgn="auto" latinLnBrk="0" hangingPunct="1">
               <a:lnSpc>
                 <a:spcPct val="100000"/>
@@ -2903,10 +3369,27 @@
                 <a:ea typeface="+mn-ea"/>
                 <a:cs typeface="+mn-cs"/>
               </a:rPr>
-              <a:t>https://d2l.aivivn.com/chapter_natural-language-processing-pretraining/index_vn.html</a:t>
-            </a:r>
-          </a:p>
-          <a:p>
+              <a:t>https://viblo.asia/p/so-luoc-word-embedding-gDVK2RAeKLj</a:t>
+            </a:r>
+          </a:p>
+          <a:p>
+            <a:pPr marL="0" marR="0" lvl="0" indent="0" algn="l" defTabSz="914400" rtl="0" eaLnBrk="1" fontAlgn="auto" latinLnBrk="0" hangingPunct="1">
+              <a:lnSpc>
+                <a:spcPct val="100000"/>
+              </a:lnSpc>
+              <a:spcBef>
+                <a:spcPts val="0"/>
+              </a:spcBef>
+              <a:spcAft>
+                <a:spcPts val="0"/>
+              </a:spcAft>
+              <a:buClrTx/>
+              <a:buSzTx/>
+              <a:buFontTx/>
+              <a:buNone/>
+              <a:tabLst/>
+              <a:defRPr/>
+            </a:pPr>
             <a:r>
               <a:rPr lang="en-US" sz="1200" kern="1200" dirty="0">
                 <a:solidFill>
@@ -2917,7 +3400,7 @@
                 <a:ea typeface="+mn-ea"/>
                 <a:cs typeface="+mn-cs"/>
               </a:rPr>
-              <a:t>https://viblo.asia/p/so-luoc-word-embedding-gDVK2RAeKLj</a:t>
+              <a:t>https://d2l.aivivn.com/chapter_natural-language-processing-pretraining/index_vn.html</a:t>
             </a:r>
           </a:p>
           <a:p>
@@ -2934,6 +3417,34 @@
               <a:t>https://www.geeksforgeeks.org/word-embedding-techniques-in-nlp/</a:t>
             </a:r>
           </a:p>
+          <a:p>
+            <a:r>
+              <a:rPr lang="en-US" sz="1200" kern="1200" dirty="0">
+                <a:solidFill>
+                  <a:schemeClr val="tx1"/>
+                </a:solidFill>
+                <a:effectLst/>
+                <a:latin typeface="+mn-lt"/>
+                <a:ea typeface="+mn-ea"/>
+                <a:cs typeface="+mn-cs"/>
+              </a:rPr>
+              <a:t>https://scikit-learn.org/stable/modules/generated/sklearn.feature_extraction.text.CountVectorizer.html</a:t>
+            </a:r>
+          </a:p>
+          <a:p>
+            <a:r>
+              <a:rPr lang="en-US" sz="1200" kern="1200" dirty="0">
+                <a:solidFill>
+                  <a:schemeClr val="tx1"/>
+                </a:solidFill>
+                <a:effectLst/>
+                <a:latin typeface="+mn-lt"/>
+                <a:ea typeface="+mn-ea"/>
+                <a:cs typeface="+mn-cs"/>
+              </a:rPr>
+              <a:t>https://scikit-learn.org/stable/modules/generated/sklearn.feature_extraction.text.TfidfVectorizer.html</a:t>
+            </a:r>
+          </a:p>
         </p:txBody>
       </p:sp>
       <p:sp>
@@ -2953,7 +3464,147 @@
           <a:p>
             <a:fld id="{B850756A-E1CA-4E5E-8241-A897EE7CB764}" type="slidenum">
               <a:rPr lang="en-US" smtClean="0"/>
-              <a:t>30</a:t>
+              <a:t>36</a:t>
+            </a:fld>
+            <a:endParaRPr lang="en-US"/>
+          </a:p>
+        </p:txBody>
+      </p:sp>
+    </p:spTree>
+    <p:extLst>
+      <p:ext uri="{BB962C8B-B14F-4D97-AF65-F5344CB8AC3E}">
+        <p14:creationId xmlns:p14="http://schemas.microsoft.com/office/powerpoint/2010/main" val="1328873860"/>
+      </p:ext>
+    </p:extLst>
+  </p:cSld>
+  <p:clrMapOvr>
+    <a:masterClrMapping/>
+  </p:clrMapOvr>
+</p:notes>
+</file>
+
+<file path=ppt/notesSlides/notesSlide37.xml><?xml version="1.0" encoding="utf-8"?>
+<p:notes xmlns:a="http://schemas.openxmlformats.org/drawingml/2006/main" xmlns:r="http://schemas.openxmlformats.org/officeDocument/2006/relationships" xmlns:p="http://schemas.openxmlformats.org/presentationml/2006/main">
+  <p:cSld>
+    <p:spTree>
+      <p:nvGrpSpPr>
+        <p:cNvPr id="1" name=""/>
+        <p:cNvGrpSpPr/>
+        <p:nvPr/>
+      </p:nvGrpSpPr>
+      <p:grpSpPr>
+        <a:xfrm>
+          <a:off x="0" y="0"/>
+          <a:ext cx="0" cy="0"/>
+          <a:chOff x="0" y="0"/>
+          <a:chExt cx="0" cy="0"/>
+        </a:xfrm>
+      </p:grpSpPr>
+      <p:sp>
+        <p:nvSpPr>
+          <p:cNvPr id="2" name="Slide Image Placeholder 1"/>
+          <p:cNvSpPr>
+            <a:spLocks noGrp="1" noRot="1" noChangeAspect="1"/>
+          </p:cNvSpPr>
+          <p:nvPr>
+            <p:ph type="sldImg"/>
+          </p:nvPr>
+        </p:nvSpPr>
+        <p:spPr/>
+      </p:sp>
+      <p:sp>
+        <p:nvSpPr>
+          <p:cNvPr id="3" name="Notes Placeholder 2"/>
+          <p:cNvSpPr>
+            <a:spLocks noGrp="1"/>
+          </p:cNvSpPr>
+          <p:nvPr>
+            <p:ph type="body" idx="1"/>
+          </p:nvPr>
+        </p:nvSpPr>
+        <p:spPr/>
+        <p:txBody>
+          <a:bodyPr/>
+          <a:lstStyle/>
+          <a:p>
+            <a:pPr marL="0" marR="0" lvl="0" indent="0" algn="l" defTabSz="914400" rtl="0" eaLnBrk="1" fontAlgn="auto" latinLnBrk="0" hangingPunct="1">
+              <a:lnSpc>
+                <a:spcPct val="100000"/>
+              </a:lnSpc>
+              <a:spcBef>
+                <a:spcPts val="0"/>
+              </a:spcBef>
+              <a:spcAft>
+                <a:spcPts val="0"/>
+              </a:spcAft>
+              <a:buClrTx/>
+              <a:buSzTx/>
+              <a:buFontTx/>
+              <a:buNone/>
+              <a:tabLst/>
+              <a:defRPr/>
+            </a:pPr>
+            <a:r>
+              <a:rPr lang="en-US" sz="1200" kern="1200" dirty="0">
+                <a:solidFill>
+                  <a:schemeClr val="tx1"/>
+                </a:solidFill>
+                <a:effectLst/>
+                <a:latin typeface="+mn-lt"/>
+                <a:ea typeface="+mn-ea"/>
+                <a:cs typeface="+mn-cs"/>
+              </a:rPr>
+              <a:t>https://d2l.aivivn.com/chapter_natural-language-processing-pretraining/index_vn.html</a:t>
+            </a:r>
+          </a:p>
+          <a:p>
+            <a:r>
+              <a:rPr lang="en-US" sz="1200" kern="1200" dirty="0">
+                <a:solidFill>
+                  <a:schemeClr val="tx1"/>
+                </a:solidFill>
+                <a:effectLst/>
+                <a:latin typeface="+mn-lt"/>
+                <a:ea typeface="+mn-ea"/>
+                <a:cs typeface="+mn-cs"/>
+              </a:rPr>
+              <a:t>https://viblo.asia/p/so-luoc-word-embedding-gDVK2RAeKLj</a:t>
+            </a:r>
+          </a:p>
+          <a:p>
+            <a:r>
+              <a:rPr lang="en-US" sz="1200" kern="1200" dirty="0">
+                <a:solidFill>
+                  <a:schemeClr val="tx1"/>
+                </a:solidFill>
+                <a:effectLst/>
+                <a:latin typeface="+mn-lt"/>
+                <a:ea typeface="+mn-ea"/>
+                <a:cs typeface="+mn-cs"/>
+              </a:rPr>
+              <a:t>https://www.geeksforgeeks.org/word-embedding-techniques-in-nlp/</a:t>
+            </a:r>
+          </a:p>
+        </p:txBody>
+      </p:sp>
+      <p:sp>
+        <p:nvSpPr>
+          <p:cNvPr id="4" name="Slide Number Placeholder 3"/>
+          <p:cNvSpPr>
+            <a:spLocks noGrp="1"/>
+          </p:cNvSpPr>
+          <p:nvPr>
+            <p:ph type="sldNum" sz="quarter" idx="10"/>
+          </p:nvPr>
+        </p:nvSpPr>
+        <p:spPr/>
+        <p:txBody>
+          <a:bodyPr/>
+          <a:lstStyle/>
+          <a:p>
+            <a:fld id="{B850756A-E1CA-4E5E-8241-A897EE7CB764}" type="slidenum">
+              <a:rPr lang="en-US" smtClean="0"/>
+              <a:t>37</a:t>
             </a:fld>
             <a:endParaRPr lang="en-US"/>
           </a:p>
@@ -9633,6 +10284,36 @@
           </a:p>
         </p:txBody>
       </p:sp>
+      <p:pic>
+        <p:nvPicPr>
+          <p:cNvPr id="3" name="Picture 2">
+            <a:extLst>
+              <a:ext uri="{FF2B5EF4-FFF2-40B4-BE49-F238E27FC236}">
+                <a16:creationId xmlns:a16="http://schemas.microsoft.com/office/drawing/2014/main" id="{5AAD0BB4-8730-40DE-BBFE-086C30E915BA}"/>
+              </a:ext>
+            </a:extLst>
+          </p:cNvPr>
+          <p:cNvPicPr>
+            <a:picLocks noChangeAspect="1"/>
+          </p:cNvPicPr>
+          <p:nvPr/>
+        </p:nvPicPr>
+        <p:blipFill>
+          <a:blip r:embed="rId3"/>
+          <a:stretch>
+            <a:fillRect/>
+          </a:stretch>
+        </p:blipFill>
+        <p:spPr>
+          <a:xfrm>
+            <a:off x="1904415" y="2779448"/>
+            <a:ext cx="8383170" cy="1781424"/>
+          </a:xfrm>
+          <a:prstGeom prst="rect">
+            <a:avLst/>
+          </a:prstGeom>
+        </p:spPr>
+      </p:pic>
     </p:spTree>
     <p:extLst>
       <p:ext uri="{BB962C8B-B14F-4D97-AF65-F5344CB8AC3E}">
@@ -9799,27 +10480,43 @@
             </a:pPr>
             <a:r>
               <a:rPr lang="en-US" sz="2400" b="1" dirty="0">
-                <a:latin typeface="Calibri" panose="020F0502020204030204" pitchFamily="34" charset="0"/>
-                <a:cs typeface="Calibri" panose="020F0502020204030204" pitchFamily="34" charset="0"/>
-              </a:rPr>
-              <a:t>RNNs/</a:t>
-            </a:r>
+                <a:solidFill>
+                  <a:schemeClr val="tx1"/>
+                </a:solidFill>
+                <a:latin typeface="Calibri" panose="020F0502020204030204" pitchFamily="34" charset="0"/>
+                <a:cs typeface="Calibri" panose="020F0502020204030204" pitchFamily="34" charset="0"/>
+              </a:rPr>
+              <a:t>Multi-Layer Perceptron</a:t>
+            </a:r>
+          </a:p>
+          <a:p>
+            <a:pPr marL="742950" lvl="1" indent="-285750">
+              <a:buFont typeface="Arial" panose="020B0604020202020204" pitchFamily="34" charset="0"/>
+              <a:buChar char="•"/>
+            </a:pPr>
             <a:r>
               <a:rPr lang="en-US" sz="2400" b="1" dirty="0">
                 <a:solidFill>
-                  <a:srgbClr val="00B050"/>
-                </a:solidFill>
-                <a:latin typeface="Calibri" panose="020F0502020204030204" pitchFamily="34" charset="0"/>
-                <a:cs typeface="Calibri" panose="020F0502020204030204" pitchFamily="34" charset="0"/>
-              </a:rPr>
-              <a:t>LSTMs</a:t>
+                  <a:srgbClr val="FF0000"/>
+                </a:solidFill>
+                <a:latin typeface="Calibri" panose="020F0502020204030204" pitchFamily="34" charset="0"/>
+                <a:cs typeface="Calibri" panose="020F0502020204030204" pitchFamily="34" charset="0"/>
+              </a:rPr>
+              <a:t>RNNs</a:t>
+            </a:r>
+            <a:r>
+              <a:rPr lang="en-US" sz="2400" b="1" dirty="0">
+                <a:latin typeface="Calibri" panose="020F0502020204030204" pitchFamily="34" charset="0"/>
+                <a:cs typeface="Calibri" panose="020F0502020204030204" pitchFamily="34" charset="0"/>
+              </a:rPr>
+              <a:t>/LSTMs: </a:t>
             </a:r>
             <a:r>
               <a:rPr lang="en-US" sz="2400" dirty="0">
                 <a:latin typeface="Calibri" panose="020F0502020204030204" pitchFamily="34" charset="0"/>
                 <a:cs typeface="Calibri" panose="020F0502020204030204" pitchFamily="34" charset="0"/>
               </a:rPr>
-              <a:t>: Suitable for sequence data</a:t>
+              <a:t>Suitable for sequence data</a:t>
             </a:r>
           </a:p>
           <a:p>
@@ -9919,7 +10616,7 @@
                 <a:latin typeface="Calibri" panose="020F0502020204030204" pitchFamily="34" charset="0"/>
                 <a:cs typeface="Calibri" panose="020F0502020204030204" pitchFamily="34" charset="0"/>
               </a:rPr>
-              <a:t>7. Model Training</a:t>
+              <a:t>6. Model Building</a:t>
             </a:r>
           </a:p>
         </p:txBody>
@@ -9944,37 +10641,73 @@
           <a:bodyPr/>
           <a:lstStyle/>
           <a:p>
-            <a:pPr>
+            <a:pPr marL="742950" lvl="1" indent="-285750">
               <a:buFont typeface="Arial" panose="020B0604020202020204" pitchFamily="34" charset="0"/>
               <a:buChar char="•"/>
             </a:pPr>
             <a:r>
-              <a:rPr lang="en-US" dirty="0">
-                <a:latin typeface="Calibri" panose="020F0502020204030204" pitchFamily="34" charset="0"/>
-                <a:cs typeface="Calibri" panose="020F0502020204030204" pitchFamily="34" charset="0"/>
-              </a:rPr>
-              <a:t>Train model on the training data</a:t>
-            </a:r>
-          </a:p>
-          <a:p>
-            <a:pPr>
+              <a:rPr lang="en-US" sz="2400" b="1" dirty="0">
+                <a:solidFill>
+                  <a:schemeClr val="tx1"/>
+                </a:solidFill>
+                <a:latin typeface="Calibri" panose="020F0502020204030204" pitchFamily="34" charset="0"/>
+                <a:cs typeface="Calibri" panose="020F0502020204030204" pitchFamily="34" charset="0"/>
+              </a:rPr>
+              <a:t>MLP </a:t>
+            </a:r>
+          </a:p>
+          <a:p>
+            <a:pPr marL="742950" lvl="1" indent="-285750">
               <a:buFont typeface="Arial" panose="020B0604020202020204" pitchFamily="34" charset="0"/>
               <a:buChar char="•"/>
             </a:pPr>
             <a:r>
-              <a:rPr lang="en-US" dirty="0">
-                <a:latin typeface="Calibri" panose="020F0502020204030204" pitchFamily="34" charset="0"/>
-                <a:cs typeface="Calibri" panose="020F0502020204030204" pitchFamily="34" charset="0"/>
-              </a:rPr>
-              <a:t>Monitor performance on the validation set</a:t>
-            </a:r>
-          </a:p>
-        </p:txBody>
-      </p:sp>
+              <a:rPr lang="en-US" sz="2400" b="1" dirty="0">
+                <a:solidFill>
+                  <a:schemeClr val="tx1"/>
+                </a:solidFill>
+                <a:latin typeface="Calibri" panose="020F0502020204030204" pitchFamily="34" charset="0"/>
+                <a:cs typeface="Calibri" panose="020F0502020204030204" pitchFamily="34" charset="0"/>
+              </a:rPr>
+              <a:t>Custom Layers</a:t>
+            </a:r>
+          </a:p>
+        </p:txBody>
+      </p:sp>
+      <p:pic>
+        <p:nvPicPr>
+          <p:cNvPr id="3" name="Picture 2">
+            <a:extLst>
+              <a:ext uri="{FF2B5EF4-FFF2-40B4-BE49-F238E27FC236}">
+                <a16:creationId xmlns:a16="http://schemas.microsoft.com/office/drawing/2014/main" id="{02002905-536D-7E46-0065-1D1859DBE023}"/>
+              </a:ext>
+            </a:extLst>
+          </p:cNvPr>
+          <p:cNvPicPr>
+            <a:picLocks noChangeAspect="1"/>
+          </p:cNvPicPr>
+          <p:nvPr/>
+        </p:nvPicPr>
+        <p:blipFill>
+          <a:blip r:embed="rId3"/>
+          <a:stretch>
+            <a:fillRect/>
+          </a:stretch>
+        </p:blipFill>
+        <p:spPr>
+          <a:xfrm>
+            <a:off x="3194985" y="934497"/>
+            <a:ext cx="7892087" cy="5491424"/>
+          </a:xfrm>
+          <a:prstGeom prst="rect">
+            <a:avLst/>
+          </a:prstGeom>
+        </p:spPr>
+      </p:pic>
     </p:spTree>
     <p:extLst>
       <p:ext uri="{BB962C8B-B14F-4D97-AF65-F5344CB8AC3E}">
-        <p14:creationId xmlns:p14="http://schemas.microsoft.com/office/powerpoint/2010/main" val="2299120418"/>
+        <p14:creationId xmlns:p14="http://schemas.microsoft.com/office/powerpoint/2010/main" val="1137388695"/>
       </p:ext>
     </p:extLst>
   </p:cSld>
@@ -10242,7 +10975,7 @@
                 <a:latin typeface="Calibri" panose="020F0502020204030204" pitchFamily="34" charset="0"/>
                 <a:cs typeface="Calibri" panose="020F0502020204030204" pitchFamily="34" charset="0"/>
               </a:rPr>
-              <a:t>8. Model Evaluation</a:t>
+              <a:t>6. Model Building</a:t>
             </a:r>
           </a:p>
         </p:txBody>
@@ -10267,37 +11000,73 @@
           <a:bodyPr/>
           <a:lstStyle/>
           <a:p>
-            <a:pPr>
+            <a:pPr marL="742950" lvl="1" indent="-285750">
               <a:buFont typeface="Arial" panose="020B0604020202020204" pitchFamily="34" charset="0"/>
               <a:buChar char="•"/>
             </a:pPr>
             <a:r>
-              <a:rPr lang="en-US" dirty="0">
-                <a:latin typeface="Calibri" panose="020F0502020204030204" pitchFamily="34" charset="0"/>
-                <a:cs typeface="Calibri" panose="020F0502020204030204" pitchFamily="34" charset="0"/>
-              </a:rPr>
-              <a:t>Evaluate model using metrics: accuracy, precision, recall, F1-score, ROC-AUC</a:t>
-            </a:r>
-          </a:p>
-          <a:p>
-            <a:pPr>
+              <a:rPr lang="en-US" sz="2400" b="1" dirty="0">
+                <a:solidFill>
+                  <a:schemeClr val="tx1"/>
+                </a:solidFill>
+                <a:latin typeface="Calibri" panose="020F0502020204030204" pitchFamily="34" charset="0"/>
+                <a:cs typeface="Calibri" panose="020F0502020204030204" pitchFamily="34" charset="0"/>
+              </a:rPr>
+              <a:t>MLP </a:t>
+            </a:r>
+          </a:p>
+          <a:p>
+            <a:pPr marL="742950" lvl="1" indent="-285750">
               <a:buFont typeface="Arial" panose="020B0604020202020204" pitchFamily="34" charset="0"/>
               <a:buChar char="•"/>
             </a:pPr>
             <a:r>
-              <a:rPr lang="en-US" dirty="0">
-                <a:latin typeface="Calibri" panose="020F0502020204030204" pitchFamily="34" charset="0"/>
-                <a:cs typeface="Calibri" panose="020F0502020204030204" pitchFamily="34" charset="0"/>
-              </a:rPr>
-              <a:t>Use confusion matrix to understand the errors.</a:t>
-            </a:r>
-          </a:p>
-        </p:txBody>
-      </p:sp>
+              <a:rPr lang="en-US" sz="2400" b="1" dirty="0">
+                <a:solidFill>
+                  <a:schemeClr val="tx1"/>
+                </a:solidFill>
+                <a:latin typeface="Calibri" panose="020F0502020204030204" pitchFamily="34" charset="0"/>
+                <a:cs typeface="Calibri" panose="020F0502020204030204" pitchFamily="34" charset="0"/>
+              </a:rPr>
+              <a:t>Custom Layers</a:t>
+            </a:r>
+          </a:p>
+        </p:txBody>
+      </p:sp>
+      <p:pic>
+        <p:nvPicPr>
+          <p:cNvPr id="6" name="Picture 5">
+            <a:extLst>
+              <a:ext uri="{FF2B5EF4-FFF2-40B4-BE49-F238E27FC236}">
+                <a16:creationId xmlns:a16="http://schemas.microsoft.com/office/drawing/2014/main" id="{94747F1B-AC66-D78D-8D6F-E155DB502B51}"/>
+              </a:ext>
+            </a:extLst>
+          </p:cNvPr>
+          <p:cNvPicPr>
+            <a:picLocks noChangeAspect="1"/>
+          </p:cNvPicPr>
+          <p:nvPr/>
+        </p:nvPicPr>
+        <p:blipFill>
+          <a:blip r:embed="rId3"/>
+          <a:stretch>
+            <a:fillRect/>
+          </a:stretch>
+        </p:blipFill>
+        <p:spPr>
+          <a:xfrm>
+            <a:off x="3043760" y="2396265"/>
+            <a:ext cx="6104480" cy="2728395"/>
+          </a:xfrm>
+          <a:prstGeom prst="rect">
+            <a:avLst/>
+          </a:prstGeom>
+        </p:spPr>
+      </p:pic>
     </p:spTree>
     <p:extLst>
       <p:ext uri="{BB962C8B-B14F-4D97-AF65-F5344CB8AC3E}">
-        <p14:creationId xmlns:p14="http://schemas.microsoft.com/office/powerpoint/2010/main" val="2006873351"/>
+        <p14:creationId xmlns:p14="http://schemas.microsoft.com/office/powerpoint/2010/main" val="749671216"/>
       </p:ext>
     </p:extLst>
   </p:cSld>
@@ -10326,7 +11095,7 @@
       </p:grpSpPr>
       <p:sp>
         <p:nvSpPr>
-          <p:cNvPr id="2" name="Title 1"/>
+          <p:cNvPr id="4" name="Title 3"/>
           <p:cNvSpPr>
             <a:spLocks noGrp="1"/>
           </p:cNvSpPr>
@@ -10349,15 +11118,98 @@
                 <a:latin typeface="Calibri" panose="020F0502020204030204" pitchFamily="34" charset="0"/>
                 <a:cs typeface="Calibri" panose="020F0502020204030204" pitchFamily="34" charset="0"/>
               </a:rPr>
-              <a:t>9. Q&amp;A</a:t>
-            </a:r>
-          </a:p>
-        </p:txBody>
-      </p:sp>
+              <a:t>6. Model Building</a:t>
+            </a:r>
+          </a:p>
+        </p:txBody>
+      </p:sp>
+      <p:sp>
+        <p:nvSpPr>
+          <p:cNvPr id="5" name="Content Placeholder 2"/>
+          <p:cNvSpPr>
+            <a:spLocks noGrp="1"/>
+          </p:cNvSpPr>
+          <p:nvPr>
+            <p:ph idx="1"/>
+          </p:nvPr>
+        </p:nvSpPr>
+        <p:spPr>
+          <a:xfrm>
+            <a:off x="477464" y="1044421"/>
+            <a:ext cx="11714536" cy="5813579"/>
+          </a:xfrm>
+        </p:spPr>
+        <p:txBody>
+          <a:bodyPr/>
+          <a:lstStyle/>
+          <a:p>
+            <a:pPr marL="742950" lvl="1" indent="-285750">
+              <a:buFont typeface="Arial" panose="020B0604020202020204" pitchFamily="34" charset="0"/>
+              <a:buChar char="•"/>
+            </a:pPr>
+            <a:r>
+              <a:rPr lang="en-US" sz="2400" b="1" dirty="0">
+                <a:solidFill>
+                  <a:schemeClr val="tx1"/>
+                </a:solidFill>
+                <a:latin typeface="Calibri" panose="020F0502020204030204" pitchFamily="34" charset="0"/>
+                <a:cs typeface="Calibri" panose="020F0502020204030204" pitchFamily="34" charset="0"/>
+              </a:rPr>
+              <a:t>MLP </a:t>
+            </a:r>
+          </a:p>
+          <a:p>
+            <a:pPr marL="742950" lvl="1" indent="-285750">
+              <a:buFont typeface="Arial" panose="020B0604020202020204" pitchFamily="34" charset="0"/>
+              <a:buChar char="•"/>
+            </a:pPr>
+            <a:r>
+              <a:rPr lang="en-US" sz="2400" b="1" dirty="0">
+                <a:solidFill>
+                  <a:schemeClr val="tx1"/>
+                </a:solidFill>
+                <a:latin typeface="Calibri" panose="020F0502020204030204" pitchFamily="34" charset="0"/>
+                <a:cs typeface="Calibri" panose="020F0502020204030204" pitchFamily="34" charset="0"/>
+              </a:rPr>
+              <a:t>Custom Layers</a:t>
+            </a:r>
+          </a:p>
+        </p:txBody>
+      </p:sp>
+      <p:pic>
+        <p:nvPicPr>
+          <p:cNvPr id="3" name="Picture 2">
+            <a:extLst>
+              <a:ext uri="{FF2B5EF4-FFF2-40B4-BE49-F238E27FC236}">
+                <a16:creationId xmlns:a16="http://schemas.microsoft.com/office/drawing/2014/main" id="{C873187B-C66E-CCC4-1D89-4D6625942895}"/>
+              </a:ext>
+            </a:extLst>
+          </p:cNvPr>
+          <p:cNvPicPr>
+            <a:picLocks noChangeAspect="1"/>
+          </p:cNvPicPr>
+          <p:nvPr/>
+        </p:nvPicPr>
+        <p:blipFill>
+          <a:blip r:embed="rId3"/>
+          <a:stretch>
+            <a:fillRect/>
+          </a:stretch>
+        </p:blipFill>
+        <p:spPr>
+          <a:xfrm>
+            <a:off x="1924493" y="681407"/>
+            <a:ext cx="8820477" cy="6176593"/>
+          </a:xfrm>
+          <a:prstGeom prst="rect">
+            <a:avLst/>
+          </a:prstGeom>
+        </p:spPr>
+      </p:pic>
     </p:spTree>
     <p:extLst>
       <p:ext uri="{BB962C8B-B14F-4D97-AF65-F5344CB8AC3E}">
-        <p14:creationId xmlns:p14="http://schemas.microsoft.com/office/powerpoint/2010/main" val="577511265"/>
+        <p14:creationId xmlns:p14="http://schemas.microsoft.com/office/powerpoint/2010/main" val="3121474419"/>
       </p:ext>
     </p:extLst>
   </p:cSld>
@@ -10386,172 +11238,102 @@
       </p:grpSpPr>
       <p:sp>
         <p:nvSpPr>
-          <p:cNvPr id="3" name="TextBox 2"/>
-          <p:cNvSpPr txBox="1">
-            <a:spLocks noChangeArrowheads="1"/>
-          </p:cNvSpPr>
+          <p:cNvPr id="4" name="Title 3"/>
+          <p:cNvSpPr>
+            <a:spLocks noGrp="1"/>
+          </p:cNvSpPr>
+          <p:nvPr>
+            <p:ph type="title"/>
+          </p:nvPr>
+        </p:nvSpPr>
+        <p:spPr>
+          <a:xfrm>
+            <a:off x="466579" y="240325"/>
+            <a:ext cx="11714536" cy="441082"/>
+          </a:xfrm>
+        </p:spPr>
+        <p:txBody>
+          <a:bodyPr/>
+          <a:lstStyle/>
+          <a:p>
+            <a:r>
+              <a:rPr lang="en-US" sz="3200" dirty="0">
+                <a:latin typeface="Calibri" panose="020F0502020204030204" pitchFamily="34" charset="0"/>
+                <a:cs typeface="Calibri" panose="020F0502020204030204" pitchFamily="34" charset="0"/>
+              </a:rPr>
+              <a:t>7. Model Training</a:t>
+            </a:r>
+          </a:p>
+        </p:txBody>
+      </p:sp>
+      <p:sp>
+        <p:nvSpPr>
+          <p:cNvPr id="5" name="Content Placeholder 2"/>
+          <p:cNvSpPr>
+            <a:spLocks noGrp="1"/>
+          </p:cNvSpPr>
+          <p:nvPr>
+            <p:ph idx="1"/>
+          </p:nvPr>
+        </p:nvSpPr>
+        <p:spPr>
+          <a:xfrm>
+            <a:off x="477464" y="1044421"/>
+            <a:ext cx="11714536" cy="5813579"/>
+          </a:xfrm>
+        </p:spPr>
+        <p:txBody>
+          <a:bodyPr/>
+          <a:lstStyle/>
+          <a:p>
+            <a:pPr>
+              <a:buFont typeface="Arial" panose="020B0604020202020204" pitchFamily="34" charset="0"/>
+              <a:buChar char="•"/>
+            </a:pPr>
+            <a:r>
+              <a:rPr lang="en-US" dirty="0">
+                <a:latin typeface="Calibri" panose="020F0502020204030204" pitchFamily="34" charset="0"/>
+                <a:cs typeface="Calibri" panose="020F0502020204030204" pitchFamily="34" charset="0"/>
+              </a:rPr>
+              <a:t>Train model on the training data</a:t>
+            </a:r>
+          </a:p>
+        </p:txBody>
+      </p:sp>
+      <p:pic>
+        <p:nvPicPr>
+          <p:cNvPr id="3" name="Picture 2">
+            <a:extLst>
+              <a:ext uri="{FF2B5EF4-FFF2-40B4-BE49-F238E27FC236}">
+                <a16:creationId xmlns:a16="http://schemas.microsoft.com/office/drawing/2014/main" id="{B382E5CB-33CD-23DC-93C3-8A60892F751E}"/>
+              </a:ext>
+            </a:extLst>
+          </p:cNvPr>
+          <p:cNvPicPr>
+            <a:picLocks noChangeAspect="1"/>
+          </p:cNvPicPr>
           <p:nvPr/>
-        </p:nvSpPr>
-        <p:spPr bwMode="auto">
+        </p:nvPicPr>
+        <p:blipFill>
+          <a:blip r:embed="rId3"/>
+          <a:stretch>
+            <a:fillRect/>
+          </a:stretch>
+        </p:blipFill>
+        <p:spPr>
           <a:xfrm>
-            <a:off x="3870008" y="3069273"/>
-            <a:ext cx="4421187" cy="922337"/>
+            <a:off x="1731445" y="1725210"/>
+            <a:ext cx="8729109" cy="4286100"/>
           </a:xfrm>
           <a:prstGeom prst="rect">
             <a:avLst/>
           </a:prstGeom>
-          <a:noFill/>
-          <a:ln>
-            <a:noFill/>
-          </a:ln>
-          <a:extLst>
-            <a:ext uri="{909E8E84-426E-40DD-AFC4-6F175D3DCCD1}">
-              <a14:hiddenFill xmlns:a14="http://schemas.microsoft.com/office/drawing/2010/main">
-                <a:solidFill>
-                  <a:srgbClr val="FFFFFF"/>
-                </a:solidFill>
-              </a14:hiddenFill>
-            </a:ext>
-            <a:ext uri="{91240B29-F687-4F45-9708-019B960494DF}">
-              <a14:hiddenLine xmlns:a14="http://schemas.microsoft.com/office/drawing/2010/main" w="9525">
-                <a:solidFill>
-                  <a:srgbClr val="000000"/>
-                </a:solidFill>
-                <a:miter lim="800000"/>
-                <a:headEnd/>
-                <a:tailEnd/>
-              </a14:hiddenLine>
-            </a:ext>
-          </a:extLst>
         </p:spPr>
-        <p:txBody>
-          <a:bodyPr>
-            <a:spAutoFit/>
-          </a:bodyPr>
-          <a:lstStyle>
-            <a:lvl1pPr>
-              <a:defRPr>
-                <a:solidFill>
-                  <a:schemeClr val="tx1"/>
-                </a:solidFill>
-                <a:latin typeface="Calibri" panose="020F0502020204030204" pitchFamily="34" charset="0"/>
-              </a:defRPr>
-            </a:lvl1pPr>
-            <a:lvl2pPr marL="742950" indent="-285750">
-              <a:defRPr>
-                <a:solidFill>
-                  <a:schemeClr val="tx1"/>
-                </a:solidFill>
-                <a:latin typeface="Calibri" panose="020F0502020204030204" pitchFamily="34" charset="0"/>
-              </a:defRPr>
-            </a:lvl2pPr>
-            <a:lvl3pPr marL="1143000" indent="-228600">
-              <a:defRPr>
-                <a:solidFill>
-                  <a:schemeClr val="tx1"/>
-                </a:solidFill>
-                <a:latin typeface="Calibri" panose="020F0502020204030204" pitchFamily="34" charset="0"/>
-              </a:defRPr>
-            </a:lvl3pPr>
-            <a:lvl4pPr marL="1600200" indent="-228600">
-              <a:defRPr>
-                <a:solidFill>
-                  <a:schemeClr val="tx1"/>
-                </a:solidFill>
-                <a:latin typeface="Calibri" panose="020F0502020204030204" pitchFamily="34" charset="0"/>
-              </a:defRPr>
-            </a:lvl4pPr>
-            <a:lvl5pPr marL="2057400" indent="-228600">
-              <a:defRPr>
-                <a:solidFill>
-                  <a:schemeClr val="tx1"/>
-                </a:solidFill>
-                <a:latin typeface="Calibri" panose="020F0502020204030204" pitchFamily="34" charset="0"/>
-              </a:defRPr>
-            </a:lvl5pPr>
-            <a:lvl6pPr marL="2514600" indent="-228600" fontAlgn="base">
-              <a:spcBef>
-                <a:spcPct val="0"/>
-              </a:spcBef>
-              <a:spcAft>
-                <a:spcPct val="0"/>
-              </a:spcAft>
-              <a:defRPr>
-                <a:solidFill>
-                  <a:schemeClr val="tx1"/>
-                </a:solidFill>
-                <a:latin typeface="Calibri" panose="020F0502020204030204" pitchFamily="34" charset="0"/>
-              </a:defRPr>
-            </a:lvl6pPr>
-            <a:lvl7pPr marL="2971800" indent="-228600" fontAlgn="base">
-              <a:spcBef>
-                <a:spcPct val="0"/>
-              </a:spcBef>
-              <a:spcAft>
-                <a:spcPct val="0"/>
-              </a:spcAft>
-              <a:defRPr>
-                <a:solidFill>
-                  <a:schemeClr val="tx1"/>
-                </a:solidFill>
-                <a:latin typeface="Calibri" panose="020F0502020204030204" pitchFamily="34" charset="0"/>
-              </a:defRPr>
-            </a:lvl7pPr>
-            <a:lvl8pPr marL="3429000" indent="-228600" fontAlgn="base">
-              <a:spcBef>
-                <a:spcPct val="0"/>
-              </a:spcBef>
-              <a:spcAft>
-                <a:spcPct val="0"/>
-              </a:spcAft>
-              <a:defRPr>
-                <a:solidFill>
-                  <a:schemeClr val="tx1"/>
-                </a:solidFill>
-                <a:latin typeface="Calibri" panose="020F0502020204030204" pitchFamily="34" charset="0"/>
-              </a:defRPr>
-            </a:lvl8pPr>
-            <a:lvl9pPr marL="3886200" indent="-228600" fontAlgn="base">
-              <a:spcBef>
-                <a:spcPct val="0"/>
-              </a:spcBef>
-              <a:spcAft>
-                <a:spcPct val="0"/>
-              </a:spcAft>
-              <a:defRPr>
-                <a:solidFill>
-                  <a:schemeClr val="tx1"/>
-                </a:solidFill>
-                <a:latin typeface="Calibri" panose="020F0502020204030204" pitchFamily="34" charset="0"/>
-              </a:defRPr>
-            </a:lvl9pPr>
-          </a:lstStyle>
-          <a:p>
-            <a:pPr eaLnBrk="1" hangingPunct="1">
-              <a:defRPr/>
-            </a:pPr>
-            <a:r>
-              <a:rPr lang="en-US" altLang="en-US" sz="5400" b="1" dirty="0">
-                <a:solidFill>
-                  <a:srgbClr val="00B0F0"/>
-                </a:solidFill>
-                <a:cs typeface="Calibri" panose="020F0502020204030204" pitchFamily="34" charset="0"/>
-              </a:rPr>
-              <a:t>THANK YOU !</a:t>
-            </a:r>
-            <a:endParaRPr lang="en-US" altLang="en-US" sz="5400" dirty="0">
-              <a:solidFill>
-                <a:srgbClr val="00B0F0"/>
-              </a:solidFill>
-              <a:cs typeface="Calibri" panose="020F0502020204030204" pitchFamily="34" charset="0"/>
-            </a:endParaRPr>
-          </a:p>
-        </p:txBody>
-      </p:sp>
+      </p:pic>
     </p:spTree>
     <p:extLst>
       <p:ext uri="{BB962C8B-B14F-4D97-AF65-F5344CB8AC3E}">
-        <p14:creationId xmlns:p14="http://schemas.microsoft.com/office/powerpoint/2010/main" val="883376971"/>
+        <p14:creationId xmlns:p14="http://schemas.microsoft.com/office/powerpoint/2010/main" val="2299120418"/>
       </p:ext>
     </p:extLst>
   </p:cSld>
@@ -10580,7 +11362,7 @@
       </p:grpSpPr>
       <p:sp>
         <p:nvSpPr>
-          <p:cNvPr id="2" name="Title 1"/>
+          <p:cNvPr id="4" name="Title 3"/>
           <p:cNvSpPr>
             <a:spLocks noGrp="1"/>
           </p:cNvSpPr>
@@ -10603,54 +11385,79 @@
                 <a:latin typeface="Calibri" panose="020F0502020204030204" pitchFamily="34" charset="0"/>
                 <a:cs typeface="Calibri" panose="020F0502020204030204" pitchFamily="34" charset="0"/>
               </a:rPr>
-              <a:t>Back Up Slide</a:t>
-            </a:r>
-          </a:p>
-        </p:txBody>
-      </p:sp>
-      <p:sp>
-        <p:nvSpPr>
-          <p:cNvPr id="3" name="TextBox 2">
+              <a:t>7. Model Training</a:t>
+            </a:r>
+          </a:p>
+        </p:txBody>
+      </p:sp>
+      <p:sp>
+        <p:nvSpPr>
+          <p:cNvPr id="5" name="Content Placeholder 2"/>
+          <p:cNvSpPr>
+            <a:spLocks noGrp="1"/>
+          </p:cNvSpPr>
+          <p:nvPr>
+            <p:ph idx="1"/>
+          </p:nvPr>
+        </p:nvSpPr>
+        <p:spPr>
+          <a:xfrm>
+            <a:off x="477464" y="1044421"/>
+            <a:ext cx="11714536" cy="5813579"/>
+          </a:xfrm>
+        </p:spPr>
+        <p:txBody>
+          <a:bodyPr/>
+          <a:lstStyle/>
+          <a:p>
+            <a:pPr>
+              <a:buFont typeface="Arial" panose="020B0604020202020204" pitchFamily="34" charset="0"/>
+              <a:buChar char="•"/>
+            </a:pPr>
+            <a:r>
+              <a:rPr lang="en-US" dirty="0">
+                <a:latin typeface="Calibri" panose="020F0502020204030204" pitchFamily="34" charset="0"/>
+                <a:cs typeface="Calibri" panose="020F0502020204030204" pitchFamily="34" charset="0"/>
+              </a:rPr>
+              <a:t>Monitor performance on the validation set</a:t>
+            </a:r>
+          </a:p>
+        </p:txBody>
+      </p:sp>
+      <p:pic>
+        <p:nvPicPr>
+          <p:cNvPr id="6" name="Picture 5">
             <a:extLst>
               <a:ext uri="{FF2B5EF4-FFF2-40B4-BE49-F238E27FC236}">
-                <a16:creationId xmlns:a16="http://schemas.microsoft.com/office/drawing/2014/main" id="{63D9B1F7-F9ED-41EB-A437-B8EB4C76F5DB}"/>
+                <a16:creationId xmlns:a16="http://schemas.microsoft.com/office/drawing/2014/main" id="{86201037-34F5-5D7B-D4E8-EAE6846C1587}"/>
               </a:ext>
             </a:extLst>
           </p:cNvPr>
-          <p:cNvSpPr txBox="1"/>
+          <p:cNvPicPr>
+            <a:picLocks noChangeAspect="1"/>
+          </p:cNvPicPr>
           <p:nvPr/>
-        </p:nvSpPr>
+        </p:nvPicPr>
+        <p:blipFill>
+          <a:blip r:embed="rId3"/>
+          <a:stretch>
+            <a:fillRect/>
+          </a:stretch>
+        </p:blipFill>
         <p:spPr>
           <a:xfrm>
-            <a:off x="3867751" y="2921168"/>
-            <a:ext cx="4456497" cy="1015663"/>
+            <a:off x="1726661" y="1912002"/>
+            <a:ext cx="6648620" cy="4078416"/>
           </a:xfrm>
           <a:prstGeom prst="rect">
             <a:avLst/>
           </a:prstGeom>
-          <a:noFill/>
         </p:spPr>
-        <p:txBody>
-          <a:bodyPr wrap="square" rtlCol="0">
-            <a:spAutoFit/>
-          </a:bodyPr>
-          <a:lstStyle/>
-          <a:p>
-            <a:r>
-              <a:rPr lang="en-US" sz="6000" dirty="0">
-                <a:solidFill>
-                  <a:srgbClr val="2980B9"/>
-                </a:solidFill>
-              </a:rPr>
-              <a:t>Back Up Slide</a:t>
-            </a:r>
-          </a:p>
-        </p:txBody>
-      </p:sp>
+      </p:pic>
     </p:spTree>
     <p:extLst>
       <p:ext uri="{BB962C8B-B14F-4D97-AF65-F5344CB8AC3E}">
-        <p14:creationId xmlns:p14="http://schemas.microsoft.com/office/powerpoint/2010/main" val="2499661400"/>
+        <p14:creationId xmlns:p14="http://schemas.microsoft.com/office/powerpoint/2010/main" val="3646827251"/>
       </p:ext>
     </p:extLst>
   </p:cSld>
@@ -10702,7 +11509,7 @@
                 <a:latin typeface="Calibri" panose="020F0502020204030204" pitchFamily="34" charset="0"/>
                 <a:cs typeface="Calibri" panose="020F0502020204030204" pitchFamily="34" charset="0"/>
               </a:rPr>
-              <a:t>Classification vs Sentiment Analysis</a:t>
+              <a:t>8. Model Evaluation</a:t>
             </a:r>
           </a:p>
         </p:txBody>
@@ -10732,134 +11539,49 @@
               <a:buChar char="•"/>
             </a:pPr>
             <a:r>
-              <a:rPr lang="en-US" b="1" i="0" dirty="0">
-                <a:solidFill>
-                  <a:srgbClr val="282829"/>
-                </a:solidFill>
-                <a:effectLst/>
-                <a:latin typeface="Calibri" panose="020F0502020204030204" pitchFamily="34" charset="0"/>
-                <a:cs typeface="Calibri" panose="020F0502020204030204" pitchFamily="34" charset="0"/>
-              </a:rPr>
-              <a:t>Classification</a:t>
-            </a:r>
-            <a:r>
-              <a:rPr lang="en-US" b="0" i="0" dirty="0">
-                <a:solidFill>
-                  <a:srgbClr val="282829"/>
-                </a:solidFill>
-                <a:effectLst/>
-                <a:latin typeface="Calibri" panose="020F0502020204030204" pitchFamily="34" charset="0"/>
-                <a:cs typeface="Calibri" panose="020F0502020204030204" pitchFamily="34" charset="0"/>
-              </a:rPr>
-              <a:t> - Classification is a type of supervised learning where the goal is to predict the </a:t>
-            </a:r>
-            <a:r>
-              <a:rPr lang="en-US" b="0" i="0" dirty="0">
-                <a:solidFill>
-                  <a:srgbClr val="FF0000"/>
-                </a:solidFill>
-                <a:effectLst/>
-                <a:latin typeface="Calibri" panose="020F0502020204030204" pitchFamily="34" charset="0"/>
-                <a:cs typeface="Calibri" panose="020F0502020204030204" pitchFamily="34" charset="0"/>
-              </a:rPr>
-              <a:t>categorical class labels </a:t>
-            </a:r>
-            <a:r>
-              <a:rPr lang="en-US" b="0" i="0" dirty="0">
-                <a:solidFill>
-                  <a:srgbClr val="282829"/>
-                </a:solidFill>
-                <a:effectLst/>
-                <a:latin typeface="Calibri" panose="020F0502020204030204" pitchFamily="34" charset="0"/>
-                <a:cs typeface="Calibri" panose="020F0502020204030204" pitchFamily="34" charset="0"/>
-              </a:rPr>
-              <a:t>of new instances based on past observations. It involves assigning inputs to one of several predefined categories.</a:t>
-            </a:r>
-          </a:p>
-          <a:p>
-            <a:pPr>
-              <a:buFont typeface="Arial" panose="020B0604020202020204" pitchFamily="34" charset="0"/>
-              <a:buChar char="•"/>
-            </a:pPr>
-            <a:r>
-              <a:rPr lang="en-US" sz="2400" b="1" i="0" dirty="0">
-                <a:solidFill>
-                  <a:srgbClr val="282829"/>
-                </a:solidFill>
-                <a:effectLst/>
-                <a:latin typeface="Calibri" panose="020F0502020204030204" pitchFamily="34" charset="0"/>
-                <a:cs typeface="Calibri" panose="020F0502020204030204" pitchFamily="34" charset="0"/>
-              </a:rPr>
-              <a:t>Sentiment </a:t>
-            </a:r>
-            <a:r>
-              <a:rPr lang="en-US" b="1" dirty="0">
-                <a:solidFill>
-                  <a:srgbClr val="282829"/>
-                </a:solidFill>
-                <a:latin typeface="Calibri" panose="020F0502020204030204" pitchFamily="34" charset="0"/>
-                <a:cs typeface="Calibri" panose="020F0502020204030204" pitchFamily="34" charset="0"/>
-              </a:rPr>
-              <a:t>A</a:t>
-            </a:r>
-            <a:r>
-              <a:rPr lang="en-US" sz="2400" b="1" i="0" dirty="0">
-                <a:solidFill>
-                  <a:srgbClr val="282829"/>
-                </a:solidFill>
-                <a:effectLst/>
-                <a:latin typeface="Calibri" panose="020F0502020204030204" pitchFamily="34" charset="0"/>
-                <a:cs typeface="Calibri" panose="020F0502020204030204" pitchFamily="34" charset="0"/>
-              </a:rPr>
-              <a:t>nalysis</a:t>
-            </a:r>
-            <a:r>
-              <a:rPr lang="en-US" sz="2400" b="0" i="0" dirty="0">
-                <a:solidFill>
-                  <a:srgbClr val="282829"/>
-                </a:solidFill>
-                <a:effectLst/>
-                <a:latin typeface="Calibri" panose="020F0502020204030204" pitchFamily="34" charset="0"/>
-                <a:cs typeface="Calibri" panose="020F0502020204030204" pitchFamily="34" charset="0"/>
-              </a:rPr>
-              <a:t> - Sentiment analysis is a subfield of natural language processing (NLP) focused on determining the </a:t>
-            </a:r>
-            <a:r>
-              <a:rPr lang="en-US" sz="2400" b="0" i="0" dirty="0">
-                <a:solidFill>
-                  <a:srgbClr val="FF0000"/>
-                </a:solidFill>
-                <a:effectLst/>
-                <a:latin typeface="Calibri" panose="020F0502020204030204" pitchFamily="34" charset="0"/>
-                <a:cs typeface="Calibri" panose="020F0502020204030204" pitchFamily="34" charset="0"/>
-              </a:rPr>
-              <a:t>sentiment expressed in text</a:t>
-            </a:r>
-            <a:r>
-              <a:rPr lang="en-US" sz="2400" b="0" i="0" dirty="0">
-                <a:solidFill>
-                  <a:srgbClr val="282829"/>
-                </a:solidFill>
-                <a:effectLst/>
-                <a:latin typeface="Calibri" panose="020F0502020204030204" pitchFamily="34" charset="0"/>
-                <a:cs typeface="Calibri" panose="020F0502020204030204" pitchFamily="34" charset="0"/>
-              </a:rPr>
-              <a:t>. It typically involves classifying text into categories such as 'positive', 'negative', or 'neutral'.</a:t>
-            </a:r>
-            <a:endParaRPr lang="en-US" sz="3200" dirty="0">
-              <a:solidFill>
-                <a:srgbClr val="282829"/>
-              </a:solidFill>
-              <a:latin typeface="Calibri" panose="020F0502020204030204" pitchFamily="34" charset="0"/>
-              <a:cs typeface="Calibri" panose="020F0502020204030204" pitchFamily="34" charset="0"/>
-            </a:endParaRPr>
-          </a:p>
-        </p:txBody>
-      </p:sp>
+              <a:rPr lang="en-US" dirty="0">
+                <a:latin typeface="Calibri" panose="020F0502020204030204" pitchFamily="34" charset="0"/>
+                <a:cs typeface="Calibri" panose="020F0502020204030204" pitchFamily="34" charset="0"/>
+              </a:rPr>
+              <a:t>Evaluate model using sample texts</a:t>
+            </a:r>
+          </a:p>
+        </p:txBody>
+      </p:sp>
+      <p:pic>
+        <p:nvPicPr>
+          <p:cNvPr id="3" name="Picture 2">
+            <a:extLst>
+              <a:ext uri="{FF2B5EF4-FFF2-40B4-BE49-F238E27FC236}">
+                <a16:creationId xmlns:a16="http://schemas.microsoft.com/office/drawing/2014/main" id="{09F6153E-F028-72BC-8CFC-07D3B54DB1D5}"/>
+              </a:ext>
+            </a:extLst>
+          </p:cNvPr>
+          <p:cNvPicPr>
+            <a:picLocks noChangeAspect="1"/>
+          </p:cNvPicPr>
+          <p:nvPr/>
+        </p:nvPicPr>
+        <p:blipFill>
+          <a:blip r:embed="rId3"/>
+          <a:stretch>
+            <a:fillRect/>
+          </a:stretch>
+        </p:blipFill>
+        <p:spPr>
+          <a:xfrm>
+            <a:off x="0" y="2074703"/>
+            <a:ext cx="12192000" cy="3527860"/>
+          </a:xfrm>
+          <a:prstGeom prst="rect">
+            <a:avLst/>
+          </a:prstGeom>
+        </p:spPr>
+      </p:pic>
     </p:spTree>
     <p:extLst>
       <p:ext uri="{BB962C8B-B14F-4D97-AF65-F5344CB8AC3E}">
-        <p14:creationId xmlns:p14="http://schemas.microsoft.com/office/powerpoint/2010/main" val="650466616"/>
+        <p14:creationId xmlns:p14="http://schemas.microsoft.com/office/powerpoint/2010/main" val="2006873351"/>
       </p:ext>
     </p:extLst>
   </p:cSld>
@@ -10911,7 +11633,7 @@
                 <a:latin typeface="Calibri" panose="020F0502020204030204" pitchFamily="34" charset="0"/>
                 <a:cs typeface="Calibri" panose="020F0502020204030204" pitchFamily="34" charset="0"/>
               </a:rPr>
-              <a:t>Classification vs Sentiment Analysis</a:t>
+              <a:t>8. Model Evaluation</a:t>
             </a:r>
           </a:p>
         </p:txBody>
@@ -10941,69 +11663,49 @@
               <a:buChar char="•"/>
             </a:pPr>
             <a:r>
-              <a:rPr lang="en-US" sz="2400" b="1" i="0" dirty="0">
-                <a:solidFill>
-                  <a:srgbClr val="282829"/>
-                </a:solidFill>
-                <a:effectLst/>
-                <a:latin typeface="Calibri" panose="020F0502020204030204" pitchFamily="34" charset="0"/>
-                <a:cs typeface="Calibri" panose="020F0502020204030204" pitchFamily="34" charset="0"/>
-              </a:rPr>
-              <a:t>Classification</a:t>
-            </a:r>
-            <a:r>
-              <a:rPr lang="en-US" sz="2400" b="0" i="0" dirty="0">
-                <a:solidFill>
-                  <a:srgbClr val="282829"/>
-                </a:solidFill>
-                <a:effectLst/>
-                <a:latin typeface="Calibri" panose="020F0502020204030204" pitchFamily="34" charset="0"/>
-                <a:cs typeface="Calibri" panose="020F0502020204030204" pitchFamily="34" charset="0"/>
-              </a:rPr>
-              <a:t>: This is a broad category in machine learning that involves categorizing data into predefined labels or classes. It can be applied to various types of data such as text, images, numerical data, etc. The primary goal is to predict the category to which a new observation belongs based on a model trained on labeled data.</a:t>
-            </a:r>
-          </a:p>
-          <a:p>
-            <a:pPr>
-              <a:buFont typeface="Arial" panose="020B0604020202020204" pitchFamily="34" charset="0"/>
-              <a:buChar char="•"/>
-            </a:pPr>
-            <a:r>
-              <a:rPr lang="en-US" sz="2400" b="1" i="0" dirty="0">
-                <a:solidFill>
-                  <a:srgbClr val="282829"/>
-                </a:solidFill>
-                <a:effectLst/>
-                <a:latin typeface="Calibri" panose="020F0502020204030204" pitchFamily="34" charset="0"/>
-                <a:cs typeface="Calibri" panose="020F0502020204030204" pitchFamily="34" charset="0"/>
-              </a:rPr>
-              <a:t>Sentiment Analysis</a:t>
-            </a:r>
-            <a:r>
-              <a:rPr lang="en-US" sz="2400" b="0" i="0" dirty="0">
-                <a:solidFill>
-                  <a:srgbClr val="282829"/>
-                </a:solidFill>
-                <a:effectLst/>
-                <a:latin typeface="Calibri" panose="020F0502020204030204" pitchFamily="34" charset="0"/>
-                <a:cs typeface="Calibri" panose="020F0502020204030204" pitchFamily="34" charset="0"/>
-              </a:rPr>
-              <a:t>: This is a specialized type of classification specifically focused on text data. The goal is to determine the sentiment expressed in the text, typically categorizing it as positive, negative, or neutral. It deals primarily with understanding emotions, opinions, and attitudes conveyed in written language.</a:t>
-            </a:r>
-            <a:endParaRPr lang="en-US" sz="3200" dirty="0">
-              <a:solidFill>
-                <a:srgbClr val="282829"/>
-              </a:solidFill>
-              <a:latin typeface="Calibri" panose="020F0502020204030204" pitchFamily="34" charset="0"/>
-              <a:cs typeface="Calibri" panose="020F0502020204030204" pitchFamily="34" charset="0"/>
-            </a:endParaRPr>
-          </a:p>
-        </p:txBody>
-      </p:sp>
+              <a:rPr lang="en-US" dirty="0">
+                <a:latin typeface="Calibri" panose="020F0502020204030204" pitchFamily="34" charset="0"/>
+                <a:cs typeface="Calibri" panose="020F0502020204030204" pitchFamily="34" charset="0"/>
+              </a:rPr>
+              <a:t>Plot train and validation data</a:t>
+            </a:r>
+          </a:p>
+        </p:txBody>
+      </p:sp>
+      <p:pic>
+        <p:nvPicPr>
+          <p:cNvPr id="6" name="Picture 5">
+            <a:extLst>
+              <a:ext uri="{FF2B5EF4-FFF2-40B4-BE49-F238E27FC236}">
+                <a16:creationId xmlns:a16="http://schemas.microsoft.com/office/drawing/2014/main" id="{3A5A96EC-E175-8CBE-D76F-AFCEE37883E2}"/>
+              </a:ext>
+            </a:extLst>
+          </p:cNvPr>
+          <p:cNvPicPr>
+            <a:picLocks noChangeAspect="1"/>
+          </p:cNvPicPr>
+          <p:nvPr/>
+        </p:nvPicPr>
+        <p:blipFill>
+          <a:blip r:embed="rId3"/>
+          <a:stretch>
+            <a:fillRect/>
+          </a:stretch>
+        </p:blipFill>
+        <p:spPr>
+          <a:xfrm>
+            <a:off x="380202" y="1783970"/>
+            <a:ext cx="11431595" cy="4334480"/>
+          </a:xfrm>
+          <a:prstGeom prst="rect">
+            <a:avLst/>
+          </a:prstGeom>
+        </p:spPr>
+      </p:pic>
     </p:spTree>
     <p:extLst>
       <p:ext uri="{BB962C8B-B14F-4D97-AF65-F5344CB8AC3E}">
-        <p14:creationId xmlns:p14="http://schemas.microsoft.com/office/powerpoint/2010/main" val="2850094819"/>
+        <p14:creationId xmlns:p14="http://schemas.microsoft.com/office/powerpoint/2010/main" val="2002726539"/>
       </p:ext>
     </p:extLst>
   </p:cSld>
@@ -11055,7 +11757,7 @@
                 <a:latin typeface="Calibri" panose="020F0502020204030204" pitchFamily="34" charset="0"/>
                 <a:cs typeface="Calibri" panose="020F0502020204030204" pitchFamily="34" charset="0"/>
               </a:rPr>
-              <a:t>Classification vs Sentiment Analysis</a:t>
+              <a:t>8. Model Evaluation</a:t>
             </a:r>
           </a:p>
         </p:txBody>
@@ -11085,69 +11787,49 @@
               <a:buChar char="•"/>
             </a:pPr>
             <a:r>
-              <a:rPr lang="en-US" sz="2400" b="1" i="0" dirty="0">
-                <a:solidFill>
-                  <a:srgbClr val="282829"/>
-                </a:solidFill>
-                <a:effectLst/>
-                <a:latin typeface="Calibri" panose="020F0502020204030204" pitchFamily="34" charset="0"/>
-                <a:cs typeface="Calibri" panose="020F0502020204030204" pitchFamily="34" charset="0"/>
-              </a:rPr>
-              <a:t>Classification</a:t>
-            </a:r>
-            <a:r>
-              <a:rPr lang="en-US" sz="2400" b="0" i="0" dirty="0">
-                <a:solidFill>
-                  <a:srgbClr val="282829"/>
-                </a:solidFill>
-                <a:effectLst/>
-                <a:latin typeface="Calibri" panose="020F0502020204030204" pitchFamily="34" charset="0"/>
-                <a:cs typeface="Calibri" panose="020F0502020204030204" pitchFamily="34" charset="0"/>
-              </a:rPr>
-              <a:t>: General task of assigning inputs to categories; applicable to various data types and domains.</a:t>
-            </a:r>
-          </a:p>
-          <a:p>
-            <a:pPr>
-              <a:buFont typeface="Arial" panose="020B0604020202020204" pitchFamily="34" charset="0"/>
-              <a:buChar char="•"/>
-            </a:pPr>
-            <a:r>
-              <a:rPr lang="en-US" sz="2400" b="1" i="0" dirty="0">
-                <a:solidFill>
-                  <a:srgbClr val="282829"/>
-                </a:solidFill>
-                <a:effectLst/>
-                <a:latin typeface="Calibri" panose="020F0502020204030204" pitchFamily="34" charset="0"/>
-                <a:cs typeface="Calibri" panose="020F0502020204030204" pitchFamily="34" charset="0"/>
-              </a:rPr>
-              <a:t>Sentiment Analysis</a:t>
-            </a:r>
-            <a:r>
-              <a:rPr lang="en-US" sz="2400" b="0" i="0" dirty="0">
-                <a:solidFill>
-                  <a:srgbClr val="282829"/>
-                </a:solidFill>
-                <a:effectLst/>
-                <a:latin typeface="Calibri" panose="020F0502020204030204" pitchFamily="34" charset="0"/>
-                <a:cs typeface="Calibri" panose="020F0502020204030204" pitchFamily="34" charset="0"/>
-              </a:rPr>
-              <a:t>: Specialized form of classification focused on determining sentiment in textual data.</a:t>
-            </a:r>
-            <a:endParaRPr lang="en-US" sz="3200" dirty="0">
-              <a:solidFill>
-                <a:srgbClr val="282829"/>
-              </a:solidFill>
-              <a:latin typeface="Calibri" panose="020F0502020204030204" pitchFamily="34" charset="0"/>
-              <a:cs typeface="Calibri" panose="020F0502020204030204" pitchFamily="34" charset="0"/>
-            </a:endParaRPr>
-          </a:p>
-        </p:txBody>
-      </p:sp>
+              <a:rPr lang="en-US" dirty="0">
+                <a:latin typeface="Calibri" panose="020F0502020204030204" pitchFamily="34" charset="0"/>
+                <a:cs typeface="Calibri" panose="020F0502020204030204" pitchFamily="34" charset="0"/>
+              </a:rPr>
+              <a:t>Evaluate model using metrics: accuracy, precision, recall, F1-score</a:t>
+            </a:r>
+          </a:p>
+        </p:txBody>
+      </p:sp>
+      <p:pic>
+        <p:nvPicPr>
+          <p:cNvPr id="3" name="Picture 2">
+            <a:extLst>
+              <a:ext uri="{FF2B5EF4-FFF2-40B4-BE49-F238E27FC236}">
+                <a16:creationId xmlns:a16="http://schemas.microsoft.com/office/drawing/2014/main" id="{C1AA55F5-7765-D223-EBDD-C3B8A5B70435}"/>
+              </a:ext>
+            </a:extLst>
+          </p:cNvPr>
+          <p:cNvPicPr>
+            <a:picLocks noChangeAspect="1"/>
+          </p:cNvPicPr>
+          <p:nvPr/>
+        </p:nvPicPr>
+        <p:blipFill>
+          <a:blip r:embed="rId3"/>
+          <a:stretch>
+            <a:fillRect/>
+          </a:stretch>
+        </p:blipFill>
+        <p:spPr>
+          <a:xfrm>
+            <a:off x="4135812" y="1532015"/>
+            <a:ext cx="3920375" cy="4838390"/>
+          </a:xfrm>
+          <a:prstGeom prst="rect">
+            <a:avLst/>
+          </a:prstGeom>
+        </p:spPr>
+      </p:pic>
     </p:spTree>
     <p:extLst>
       <p:ext uri="{BB962C8B-B14F-4D97-AF65-F5344CB8AC3E}">
-        <p14:creationId xmlns:p14="http://schemas.microsoft.com/office/powerpoint/2010/main" val="580634757"/>
+        <p14:creationId xmlns:p14="http://schemas.microsoft.com/office/powerpoint/2010/main" val="1832701451"/>
       </p:ext>
     </p:extLst>
   </p:cSld>
@@ -11199,7 +11881,7 @@
                 <a:latin typeface="Calibri" panose="020F0502020204030204" pitchFamily="34" charset="0"/>
                 <a:cs typeface="Calibri" panose="020F0502020204030204" pitchFamily="34" charset="0"/>
               </a:rPr>
-              <a:t>Classification vs Sentiment analysis</a:t>
+              <a:t>8. Model Evaluation</a:t>
             </a:r>
           </a:p>
         </p:txBody>
@@ -11229,103 +11911,19 @@
               <a:buChar char="•"/>
             </a:pPr>
             <a:r>
-              <a:rPr lang="en-US" b="1" i="0" dirty="0">
-                <a:solidFill>
-                  <a:srgbClr val="282829"/>
-                </a:solidFill>
-                <a:effectLst/>
-                <a:latin typeface="+mn-lt"/>
-              </a:rPr>
-              <a:t>Classification</a:t>
-            </a:r>
-            <a:r>
               <a:rPr lang="en-US" dirty="0">
-                <a:solidFill>
-                  <a:srgbClr val="282829"/>
-                </a:solidFill>
-                <a:latin typeface="+mn-lt"/>
-              </a:rPr>
-              <a:t>: Spam Detection</a:t>
-            </a:r>
-          </a:p>
-          <a:p>
-            <a:pPr>
-              <a:buFont typeface="Arial" panose="020B0604020202020204" pitchFamily="34" charset="0"/>
-              <a:buChar char="•"/>
-            </a:pPr>
-            <a:r>
-              <a:rPr lang="en-US" sz="2400" b="1" i="0" dirty="0">
-                <a:solidFill>
-                  <a:srgbClr val="282829"/>
-                </a:solidFill>
-                <a:effectLst/>
-                <a:latin typeface="+mn-lt"/>
-              </a:rPr>
-              <a:t>Sentiment </a:t>
-            </a:r>
-            <a:r>
-              <a:rPr lang="en-US" b="1" dirty="0">
-                <a:solidFill>
-                  <a:srgbClr val="282829"/>
-                </a:solidFill>
-                <a:latin typeface="+mn-lt"/>
-              </a:rPr>
-              <a:t>A</a:t>
-            </a:r>
-            <a:r>
-              <a:rPr lang="en-US" sz="2400" b="1" i="0" dirty="0">
-                <a:solidFill>
-                  <a:srgbClr val="282829"/>
-                </a:solidFill>
-                <a:effectLst/>
-                <a:latin typeface="+mn-lt"/>
-              </a:rPr>
-              <a:t>nalysis</a:t>
-            </a:r>
-            <a:r>
-              <a:rPr lang="en-US" sz="2400" b="0" i="0" dirty="0">
-                <a:solidFill>
-                  <a:srgbClr val="282829"/>
-                </a:solidFill>
-                <a:effectLst/>
-                <a:latin typeface="+mn-lt"/>
-              </a:rPr>
-              <a:t> :</a:t>
-            </a:r>
-            <a:r>
-              <a:rPr lang="en-US" sz="2400" b="0" i="1" dirty="0">
-                <a:solidFill>
-                  <a:srgbClr val="282829"/>
-                </a:solidFill>
-                <a:effectLst/>
-                <a:latin typeface="+mn-lt"/>
-              </a:rPr>
-              <a:t> </a:t>
-            </a:r>
-            <a:r>
-              <a:rPr lang="en-US" sz="2400" b="0" dirty="0">
-                <a:solidFill>
-                  <a:srgbClr val="282829"/>
-                </a:solidFill>
-                <a:effectLst/>
-                <a:latin typeface="+mn-lt"/>
-              </a:rPr>
-              <a:t>Product Reviews</a:t>
-            </a:r>
-            <a:endParaRPr lang="en-US" sz="3200" dirty="0">
-              <a:solidFill>
-                <a:srgbClr val="282829"/>
-              </a:solidFill>
-              <a:latin typeface="+mn-lt"/>
-              <a:cs typeface="Times New Roman" panose="02020603050405020304" pitchFamily="18" charset="0"/>
-            </a:endParaRPr>
+                <a:latin typeface="Calibri" panose="020F0502020204030204" pitchFamily="34" charset="0"/>
+                <a:cs typeface="Calibri" panose="020F0502020204030204" pitchFamily="34" charset="0"/>
+              </a:rPr>
+              <a:t>Use confusion matrix to understand the errors.</a:t>
+            </a:r>
           </a:p>
         </p:txBody>
       </p:sp>
     </p:spTree>
     <p:extLst>
       <p:ext uri="{BB962C8B-B14F-4D97-AF65-F5344CB8AC3E}">
-        <p14:creationId xmlns:p14="http://schemas.microsoft.com/office/powerpoint/2010/main" val="1435739677"/>
+        <p14:creationId xmlns:p14="http://schemas.microsoft.com/office/powerpoint/2010/main" val="1462006644"/>
       </p:ext>
     </p:extLst>
   </p:cSld>
@@ -11354,7 +11952,7 @@
       </p:grpSpPr>
       <p:sp>
         <p:nvSpPr>
-          <p:cNvPr id="4" name="Title 3"/>
+          <p:cNvPr id="2" name="Title 1"/>
           <p:cNvSpPr>
             <a:spLocks noGrp="1"/>
           </p:cNvSpPr>
@@ -11377,62 +11975,15 @@
                 <a:latin typeface="Calibri" panose="020F0502020204030204" pitchFamily="34" charset="0"/>
                 <a:cs typeface="Calibri" panose="020F0502020204030204" pitchFamily="34" charset="0"/>
               </a:rPr>
-              <a:t>Classification vs Sentiment Analysis</a:t>
-            </a:r>
-          </a:p>
-        </p:txBody>
-      </p:sp>
-      <p:pic>
-        <p:nvPicPr>
-          <p:cNvPr id="4098" name="Picture 2" descr="Differences between two classification approaches of sentiment... |  Download Scientific Diagram">
-            <a:extLst>
-              <a:ext uri="{FF2B5EF4-FFF2-40B4-BE49-F238E27FC236}">
-                <a16:creationId xmlns:a16="http://schemas.microsoft.com/office/drawing/2014/main" id="{BF02DAEB-CA51-4EAD-84F8-8ED2A93D566C}"/>
-              </a:ext>
-            </a:extLst>
-          </p:cNvPr>
-          <p:cNvPicPr>
-            <a:picLocks noChangeAspect="1" noChangeArrowheads="1"/>
-          </p:cNvPicPr>
-          <p:nvPr/>
-        </p:nvPicPr>
-        <p:blipFill>
-          <a:blip r:embed="rId3">
-            <a:extLst>
-              <a:ext uri="{28A0092B-C50C-407E-A947-70E740481C1C}">
-                <a14:useLocalDpi xmlns:a14="http://schemas.microsoft.com/office/drawing/2010/main" val="0"/>
-              </a:ext>
-            </a:extLst>
-          </a:blip>
-          <a:srcRect/>
-          <a:stretch>
-            <a:fillRect/>
-          </a:stretch>
-        </p:blipFill>
-        <p:spPr bwMode="auto">
-          <a:xfrm>
-            <a:off x="2047875" y="1004888"/>
-            <a:ext cx="8096250" cy="4848225"/>
-          </a:xfrm>
-          <a:prstGeom prst="rect">
-            <a:avLst/>
-          </a:prstGeom>
-          <a:noFill/>
-          <a:extLst>
-            <a:ext uri="{909E8E84-426E-40DD-AFC4-6F175D3DCCD1}">
-              <a14:hiddenFill xmlns:a14="http://schemas.microsoft.com/office/drawing/2010/main">
-                <a:solidFill>
-                  <a:srgbClr val="FFFFFF"/>
-                </a:solidFill>
-              </a14:hiddenFill>
-            </a:ext>
-          </a:extLst>
-        </p:spPr>
-      </p:pic>
+              <a:t>9. Q&amp;A</a:t>
+            </a:r>
+          </a:p>
+        </p:txBody>
+      </p:sp>
     </p:spTree>
     <p:extLst>
       <p:ext uri="{BB962C8B-B14F-4D97-AF65-F5344CB8AC3E}">
-        <p14:creationId xmlns:p14="http://schemas.microsoft.com/office/powerpoint/2010/main" val="664132864"/>
+        <p14:creationId xmlns:p14="http://schemas.microsoft.com/office/powerpoint/2010/main" val="577511265"/>
       </p:ext>
     </p:extLst>
   </p:cSld>
@@ -11461,361 +12012,163 @@
       </p:grpSpPr>
       <p:sp>
         <p:nvSpPr>
-          <p:cNvPr id="4" name="Title 3"/>
-          <p:cNvSpPr>
-            <a:spLocks noGrp="1"/>
-          </p:cNvSpPr>
-          <p:nvPr>
-            <p:ph type="title"/>
-          </p:nvPr>
-        </p:nvSpPr>
-        <p:spPr>
+          <p:cNvPr id="3" name="TextBox 2"/>
+          <p:cNvSpPr txBox="1">
+            <a:spLocks noChangeArrowheads="1"/>
+          </p:cNvSpPr>
+          <p:nvPr/>
+        </p:nvSpPr>
+        <p:spPr bwMode="auto">
           <a:xfrm>
-            <a:off x="466579" y="240325"/>
-            <a:ext cx="11714536" cy="441082"/>
+            <a:off x="3870008" y="3069273"/>
+            <a:ext cx="4421187" cy="922337"/>
           </a:xfrm>
+          <a:prstGeom prst="rect">
+            <a:avLst/>
+          </a:prstGeom>
+          <a:noFill/>
+          <a:ln>
+            <a:noFill/>
+          </a:ln>
+          <a:extLst>
+            <a:ext uri="{909E8E84-426E-40DD-AFC4-6F175D3DCCD1}">
+              <a14:hiddenFill xmlns:a14="http://schemas.microsoft.com/office/drawing/2010/main">
+                <a:solidFill>
+                  <a:srgbClr val="FFFFFF"/>
+                </a:solidFill>
+              </a14:hiddenFill>
+            </a:ext>
+            <a:ext uri="{91240B29-F687-4F45-9708-019B960494DF}">
+              <a14:hiddenLine xmlns:a14="http://schemas.microsoft.com/office/drawing/2010/main" w="9525">
+                <a:solidFill>
+                  <a:srgbClr val="000000"/>
+                </a:solidFill>
+                <a:miter lim="800000"/>
+                <a:headEnd/>
+                <a:tailEnd/>
+              </a14:hiddenLine>
+            </a:ext>
+          </a:extLst>
         </p:spPr>
         <p:txBody>
-          <a:bodyPr/>
-          <a:lstStyle/>
-          <a:p>
-            <a:r>
-              <a:rPr lang="vi-VN" sz="3200" dirty="0">
-                <a:latin typeface="Calibri" panose="020F0502020204030204" pitchFamily="34" charset="0"/>
-                <a:cs typeface="Calibri" panose="020F0502020204030204" pitchFamily="34" charset="0"/>
-              </a:rPr>
-              <a:t>SƠ LƯỢC WORD EMBEDDING</a:t>
-            </a:r>
-            <a:endParaRPr lang="en-US" sz="3200" dirty="0">
-              <a:latin typeface="Calibri" panose="020F0502020204030204" pitchFamily="34" charset="0"/>
-              <a:cs typeface="Calibri" panose="020F0502020204030204" pitchFamily="34" charset="0"/>
-            </a:endParaRPr>
-          </a:p>
-        </p:txBody>
-      </p:sp>
-      <p:sp>
-        <p:nvSpPr>
-          <p:cNvPr id="5" name="Content Placeholder 2"/>
-          <p:cNvSpPr>
-            <a:spLocks noGrp="1"/>
-          </p:cNvSpPr>
-          <p:nvPr>
-            <p:ph idx="1"/>
-          </p:nvPr>
-        </p:nvSpPr>
-        <p:spPr>
-          <a:xfrm>
-            <a:off x="477464" y="1044421"/>
-            <a:ext cx="11714536" cy="5813579"/>
-          </a:xfrm>
-        </p:spPr>
-        <p:txBody>
-          <a:bodyPr/>
-          <a:lstStyle/>
-          <a:p>
-            <a:pPr>
-              <a:buFont typeface="Wingdings" panose="05000000000000000000" pitchFamily="2" charset="2"/>
-              <a:buChar char="v"/>
+          <a:bodyPr>
+            <a:spAutoFit/>
+          </a:bodyPr>
+          <a:lstStyle>
+            <a:lvl1pPr>
+              <a:defRPr>
+                <a:solidFill>
+                  <a:schemeClr val="tx1"/>
+                </a:solidFill>
+                <a:latin typeface="Calibri" panose="020F0502020204030204" pitchFamily="34" charset="0"/>
+              </a:defRPr>
+            </a:lvl1pPr>
+            <a:lvl2pPr marL="742950" indent="-285750">
+              <a:defRPr>
+                <a:solidFill>
+                  <a:schemeClr val="tx1"/>
+                </a:solidFill>
+                <a:latin typeface="Calibri" panose="020F0502020204030204" pitchFamily="34" charset="0"/>
+              </a:defRPr>
+            </a:lvl2pPr>
+            <a:lvl3pPr marL="1143000" indent="-228600">
+              <a:defRPr>
+                <a:solidFill>
+                  <a:schemeClr val="tx1"/>
+                </a:solidFill>
+                <a:latin typeface="Calibri" panose="020F0502020204030204" pitchFamily="34" charset="0"/>
+              </a:defRPr>
+            </a:lvl3pPr>
+            <a:lvl4pPr marL="1600200" indent="-228600">
+              <a:defRPr>
+                <a:solidFill>
+                  <a:schemeClr val="tx1"/>
+                </a:solidFill>
+                <a:latin typeface="Calibri" panose="020F0502020204030204" pitchFamily="34" charset="0"/>
+              </a:defRPr>
+            </a:lvl4pPr>
+            <a:lvl5pPr marL="2057400" indent="-228600">
+              <a:defRPr>
+                <a:solidFill>
+                  <a:schemeClr val="tx1"/>
+                </a:solidFill>
+                <a:latin typeface="Calibri" panose="020F0502020204030204" pitchFamily="34" charset="0"/>
+              </a:defRPr>
+            </a:lvl5pPr>
+            <a:lvl6pPr marL="2514600" indent="-228600" fontAlgn="base">
+              <a:spcBef>
+                <a:spcPct val="0"/>
+              </a:spcBef>
+              <a:spcAft>
+                <a:spcPct val="0"/>
+              </a:spcAft>
+              <a:defRPr>
+                <a:solidFill>
+                  <a:schemeClr val="tx1"/>
+                </a:solidFill>
+                <a:latin typeface="Calibri" panose="020F0502020204030204" pitchFamily="34" charset="0"/>
+              </a:defRPr>
+            </a:lvl6pPr>
+            <a:lvl7pPr marL="2971800" indent="-228600" fontAlgn="base">
+              <a:spcBef>
+                <a:spcPct val="0"/>
+              </a:spcBef>
+              <a:spcAft>
+                <a:spcPct val="0"/>
+              </a:spcAft>
+              <a:defRPr>
+                <a:solidFill>
+                  <a:schemeClr val="tx1"/>
+                </a:solidFill>
+                <a:latin typeface="Calibri" panose="020F0502020204030204" pitchFamily="34" charset="0"/>
+              </a:defRPr>
+            </a:lvl7pPr>
+            <a:lvl8pPr marL="3429000" indent="-228600" fontAlgn="base">
+              <a:spcBef>
+                <a:spcPct val="0"/>
+              </a:spcBef>
+              <a:spcAft>
+                <a:spcPct val="0"/>
+              </a:spcAft>
+              <a:defRPr>
+                <a:solidFill>
+                  <a:schemeClr val="tx1"/>
+                </a:solidFill>
+                <a:latin typeface="Calibri" panose="020F0502020204030204" pitchFamily="34" charset="0"/>
+              </a:defRPr>
+            </a:lvl8pPr>
+            <a:lvl9pPr marL="3886200" indent="-228600" fontAlgn="base">
+              <a:spcBef>
+                <a:spcPct val="0"/>
+              </a:spcBef>
+              <a:spcAft>
+                <a:spcPct val="0"/>
+              </a:spcAft>
+              <a:defRPr>
+                <a:solidFill>
+                  <a:schemeClr val="tx1"/>
+                </a:solidFill>
+                <a:latin typeface="Calibri" panose="020F0502020204030204" pitchFamily="34" charset="0"/>
+              </a:defRPr>
+            </a:lvl9pPr>
+          </a:lstStyle>
+          <a:p>
+            <a:pPr eaLnBrk="1" hangingPunct="1">
+              <a:defRPr/>
             </a:pPr>
             <a:r>
-              <a:rPr lang="vi-VN" sz="1800" i="0" dirty="0">
-                <a:solidFill>
-                  <a:srgbClr val="282829"/>
-                </a:solidFill>
-                <a:effectLst/>
-                <a:latin typeface="Calibri" panose="020F0502020204030204" pitchFamily="34" charset="0"/>
-                <a:cs typeface="Calibri" panose="020F0502020204030204" pitchFamily="34" charset="0"/>
-              </a:rPr>
-              <a:t>1. Khái niệm</a:t>
-            </a:r>
-            <a:r>
-              <a:rPr lang="en-US" sz="1800" i="0" dirty="0">
-                <a:solidFill>
-                  <a:srgbClr val="282829"/>
-                </a:solidFill>
-                <a:effectLst/>
-                <a:latin typeface="Calibri" panose="020F0502020204030204" pitchFamily="34" charset="0"/>
-                <a:cs typeface="Calibri" panose="020F0502020204030204" pitchFamily="34" charset="0"/>
-              </a:rPr>
-              <a:t>: </a:t>
-            </a:r>
-            <a:r>
-              <a:rPr lang="vi-VN" sz="1800" b="1" i="0" dirty="0">
-                <a:solidFill>
-                  <a:srgbClr val="282829"/>
-                </a:solidFill>
-                <a:effectLst/>
-                <a:latin typeface="Calibri" panose="020F0502020204030204" pitchFamily="34" charset="0"/>
-                <a:cs typeface="Calibri" panose="020F0502020204030204" pitchFamily="34" charset="0"/>
-              </a:rPr>
-              <a:t>Word Embedding </a:t>
-            </a:r>
-            <a:r>
-              <a:rPr lang="vi-VN" sz="1800" i="0" dirty="0">
-                <a:solidFill>
-                  <a:srgbClr val="282829"/>
-                </a:solidFill>
-                <a:effectLst/>
-                <a:latin typeface="Calibri" panose="020F0502020204030204" pitchFamily="34" charset="0"/>
-                <a:cs typeface="Calibri" panose="020F0502020204030204" pitchFamily="34" charset="0"/>
-              </a:rPr>
-              <a:t>là tên gọi chung của các mô hình ngôn ngữ và các phương pháp học theo đặc trưng trong Xử lý ngôn ngữ tự nhiên(NLP), ở đó </a:t>
-            </a:r>
-            <a:r>
-              <a:rPr lang="vi-VN" sz="1800" b="1" i="0" dirty="0">
-                <a:solidFill>
-                  <a:srgbClr val="FF0000"/>
-                </a:solidFill>
-                <a:effectLst/>
-                <a:latin typeface="Calibri" panose="020F0502020204030204" pitchFamily="34" charset="0"/>
-                <a:cs typeface="Calibri" panose="020F0502020204030204" pitchFamily="34" charset="0"/>
-              </a:rPr>
-              <a:t>các từ hoặc cụm từ </a:t>
-            </a:r>
-            <a:r>
-              <a:rPr lang="vi-VN" sz="1800" i="0" dirty="0">
-                <a:solidFill>
-                  <a:srgbClr val="282829"/>
-                </a:solidFill>
-                <a:effectLst/>
-                <a:latin typeface="Calibri" panose="020F0502020204030204" pitchFamily="34" charset="0"/>
-                <a:cs typeface="Calibri" panose="020F0502020204030204" pitchFamily="34" charset="0"/>
-              </a:rPr>
-              <a:t>được ánh xạ sang các </a:t>
-            </a:r>
-            <a:r>
-              <a:rPr lang="vi-VN" sz="1800" b="1" i="0" dirty="0">
-                <a:solidFill>
-                  <a:srgbClr val="FF0000"/>
-                </a:solidFill>
-                <a:effectLst/>
-                <a:latin typeface="Calibri" panose="020F0502020204030204" pitchFamily="34" charset="0"/>
-                <a:cs typeface="Calibri" panose="020F0502020204030204" pitchFamily="34" charset="0"/>
-              </a:rPr>
-              <a:t>vector số </a:t>
-            </a:r>
-            <a:r>
-              <a:rPr lang="vi-VN" sz="1800" i="0" dirty="0">
-                <a:solidFill>
-                  <a:srgbClr val="282829"/>
-                </a:solidFill>
-                <a:effectLst/>
-                <a:latin typeface="Calibri" panose="020F0502020204030204" pitchFamily="34" charset="0"/>
-                <a:cs typeface="Calibri" panose="020F0502020204030204" pitchFamily="34" charset="0"/>
-              </a:rPr>
-              <a:t>(thường là số thực). Đây là một công cụ đóng vai trò quan trọng đối với hầu hết các thuật toán, kiến trúc Machine Learning, Deep Learning trong việc xử lý </a:t>
-            </a:r>
-            <a:r>
-              <a:rPr lang="vi-VN" sz="1800" i="0" dirty="0">
-                <a:solidFill>
-                  <a:srgbClr val="FF0000"/>
-                </a:solidFill>
-                <a:effectLst/>
-                <a:latin typeface="Calibri" panose="020F0502020204030204" pitchFamily="34" charset="0"/>
-                <a:cs typeface="Calibri" panose="020F0502020204030204" pitchFamily="34" charset="0"/>
-              </a:rPr>
-              <a:t>Input</a:t>
-            </a:r>
-            <a:r>
-              <a:rPr lang="vi-VN" sz="1800" i="0" dirty="0">
-                <a:solidFill>
-                  <a:srgbClr val="282829"/>
-                </a:solidFill>
-                <a:effectLst/>
-                <a:latin typeface="Calibri" panose="020F0502020204030204" pitchFamily="34" charset="0"/>
-                <a:cs typeface="Calibri" panose="020F0502020204030204" pitchFamily="34" charset="0"/>
-              </a:rPr>
-              <a:t> ở dạng </a:t>
-            </a:r>
-            <a:r>
-              <a:rPr lang="vi-VN" sz="1800" i="0" dirty="0">
-                <a:solidFill>
-                  <a:srgbClr val="FF0000"/>
-                </a:solidFill>
-                <a:effectLst/>
-                <a:latin typeface="Calibri" panose="020F0502020204030204" pitchFamily="34" charset="0"/>
-                <a:cs typeface="Calibri" panose="020F0502020204030204" pitchFamily="34" charset="0"/>
-              </a:rPr>
-              <a:t>text</a:t>
-            </a:r>
-            <a:r>
-              <a:rPr lang="vi-VN" sz="1800" i="0" dirty="0">
-                <a:solidFill>
-                  <a:srgbClr val="282829"/>
-                </a:solidFill>
-                <a:effectLst/>
-                <a:latin typeface="Calibri" panose="020F0502020204030204" pitchFamily="34" charset="0"/>
-                <a:cs typeface="Calibri" panose="020F0502020204030204" pitchFamily="34" charset="0"/>
-              </a:rPr>
-              <a:t>, do chúng chỉ có thể hiểu được Input ở dạng là số, từ đó mới thực hiện các công việc phân loại, hồi quy,vv…</a:t>
-            </a:r>
-            <a:r>
-              <a:rPr lang="en-US" sz="1800" i="0" dirty="0">
-                <a:solidFill>
-                  <a:srgbClr val="282829"/>
-                </a:solidFill>
-                <a:effectLst/>
-                <a:latin typeface="Calibri" panose="020F0502020204030204" pitchFamily="34" charset="0"/>
-                <a:cs typeface="Calibri" panose="020F0502020204030204" pitchFamily="34" charset="0"/>
-              </a:rPr>
-              <a:t>.</a:t>
-            </a:r>
-          </a:p>
-          <a:p>
-            <a:pPr>
-              <a:buFont typeface="Wingdings" panose="05000000000000000000" pitchFamily="2" charset="2"/>
-              <a:buChar char="v"/>
-            </a:pPr>
-            <a:r>
-              <a:rPr lang="vi-VN" sz="1800" dirty="0">
-                <a:solidFill>
-                  <a:srgbClr val="282829"/>
-                </a:solidFill>
-                <a:latin typeface="Calibri" panose="020F0502020204030204" pitchFamily="34" charset="0"/>
-                <a:cs typeface="Calibri" panose="020F0502020204030204" pitchFamily="34" charset="0"/>
-              </a:rPr>
-              <a:t>2. Các loại Word Embedding</a:t>
-            </a:r>
-          </a:p>
-          <a:p>
-            <a:pPr lvl="1">
-              <a:buFont typeface="Wingdings" panose="05000000000000000000" pitchFamily="2" charset="2"/>
-              <a:buChar char="ü"/>
-            </a:pPr>
-            <a:r>
-              <a:rPr lang="vi-VN" sz="1800" dirty="0">
-                <a:solidFill>
-                  <a:srgbClr val="282829"/>
-                </a:solidFill>
-                <a:latin typeface="Calibri" panose="020F0502020204030204" pitchFamily="34" charset="0"/>
-                <a:cs typeface="Calibri" panose="020F0502020204030204" pitchFamily="34" charset="0"/>
-              </a:rPr>
-              <a:t>Word Embedding được phân chủ yếu thành 2 loại:</a:t>
-            </a:r>
-          </a:p>
-          <a:p>
-            <a:pPr lvl="2">
-              <a:buFont typeface="Arial" panose="020B0604020202020204" pitchFamily="34" charset="0"/>
-              <a:buChar char="•"/>
-            </a:pPr>
-            <a:r>
-              <a:rPr lang="vi-VN" dirty="0">
-                <a:solidFill>
-                  <a:srgbClr val="282829"/>
-                </a:solidFill>
-                <a:latin typeface="Calibri" panose="020F0502020204030204" pitchFamily="34" charset="0"/>
-                <a:cs typeface="Calibri" panose="020F0502020204030204" pitchFamily="34" charset="0"/>
-              </a:rPr>
-              <a:t>Frequency-based embedding</a:t>
-            </a:r>
-            <a:r>
-              <a:rPr lang="en-US" dirty="0">
-                <a:solidFill>
-                  <a:srgbClr val="282829"/>
-                </a:solidFill>
-                <a:latin typeface="Calibri" panose="020F0502020204030204" pitchFamily="34" charset="0"/>
-                <a:cs typeface="Calibri" panose="020F0502020204030204" pitchFamily="34" charset="0"/>
-              </a:rPr>
-              <a:t>: Count Vector, TF-IDF Vector, Co-occurrence Matrix, </a:t>
-            </a:r>
-            <a:r>
-              <a:rPr lang="en-US" dirty="0" err="1">
-                <a:solidFill>
-                  <a:schemeClr val="tx1"/>
-                </a:solidFill>
-                <a:latin typeface="Calibri" panose="020F0502020204030204" pitchFamily="34" charset="0"/>
-                <a:cs typeface="Calibri" panose="020F0502020204030204" pitchFamily="34" charset="0"/>
-              </a:rPr>
-              <a:t>GloVe</a:t>
-            </a:r>
-            <a:r>
-              <a:rPr lang="en-US" dirty="0">
-                <a:solidFill>
-                  <a:srgbClr val="00B050"/>
-                </a:solidFill>
-                <a:latin typeface="Calibri" panose="020F0502020204030204" pitchFamily="34" charset="0"/>
-                <a:cs typeface="Calibri" panose="020F0502020204030204" pitchFamily="34" charset="0"/>
-              </a:rPr>
-              <a:t> </a:t>
-            </a:r>
-            <a:r>
-              <a:rPr lang="en-US" dirty="0">
-                <a:solidFill>
-                  <a:schemeClr val="tx1"/>
-                </a:solidFill>
-                <a:latin typeface="Calibri" panose="020F0502020204030204" pitchFamily="34" charset="0"/>
-                <a:cs typeface="Calibri" panose="020F0502020204030204" pitchFamily="34" charset="0"/>
-              </a:rPr>
-              <a:t>(Global Vector)</a:t>
-            </a:r>
-            <a:endParaRPr lang="vi-VN" dirty="0">
+              <a:rPr lang="en-US" altLang="en-US" sz="5400" b="1" dirty="0">
+                <a:solidFill>
+                  <a:srgbClr val="00B0F0"/>
+                </a:solidFill>
+                <a:cs typeface="Calibri" panose="020F0502020204030204" pitchFamily="34" charset="0"/>
+              </a:rPr>
+              <a:t>THANK YOU !</a:t>
+            </a:r>
+            <a:endParaRPr lang="en-US" altLang="en-US" sz="5400" dirty="0">
               <a:solidFill>
-                <a:schemeClr val="tx1"/>
+                <a:srgbClr val="00B0F0"/>
               </a:solidFill>
-              <a:latin typeface="Calibri" panose="020F0502020204030204" pitchFamily="34" charset="0"/>
-              <a:cs typeface="Calibri" panose="020F0502020204030204" pitchFamily="34" charset="0"/>
-            </a:endParaRPr>
-          </a:p>
-          <a:p>
-            <a:pPr lvl="2">
-              <a:buFont typeface="Arial" panose="020B0604020202020204" pitchFamily="34" charset="0"/>
-              <a:buChar char="•"/>
-            </a:pPr>
-            <a:r>
-              <a:rPr lang="vi-VN" dirty="0">
-                <a:solidFill>
-                  <a:srgbClr val="282829"/>
-                </a:solidFill>
-                <a:latin typeface="Calibri" panose="020F0502020204030204" pitchFamily="34" charset="0"/>
-                <a:cs typeface="Calibri" panose="020F0502020204030204" pitchFamily="34" charset="0"/>
-              </a:rPr>
-              <a:t>Prediction-based embedding</a:t>
-            </a:r>
-            <a:r>
-              <a:rPr lang="en-US" dirty="0">
-                <a:solidFill>
-                  <a:srgbClr val="282829"/>
-                </a:solidFill>
-                <a:latin typeface="Calibri" panose="020F0502020204030204" pitchFamily="34" charset="0"/>
-                <a:cs typeface="Calibri" panose="020F0502020204030204" pitchFamily="34" charset="0"/>
-              </a:rPr>
-              <a:t>: Word2vec (CBOW, Skip-gram), </a:t>
-            </a:r>
-            <a:r>
-              <a:rPr lang="en-US" dirty="0" err="1">
-                <a:solidFill>
-                  <a:srgbClr val="282829"/>
-                </a:solidFill>
-                <a:latin typeface="Calibri" panose="020F0502020204030204" pitchFamily="34" charset="0"/>
-                <a:cs typeface="Calibri" panose="020F0502020204030204" pitchFamily="34" charset="0"/>
-              </a:rPr>
-              <a:t>GloVe</a:t>
-            </a:r>
-            <a:r>
-              <a:rPr lang="en-US" dirty="0">
-                <a:solidFill>
-                  <a:srgbClr val="282829"/>
-                </a:solidFill>
-                <a:latin typeface="Calibri" panose="020F0502020204030204" pitchFamily="34" charset="0"/>
-                <a:cs typeface="Calibri" panose="020F0502020204030204" pitchFamily="34" charset="0"/>
-              </a:rPr>
-              <a:t>, </a:t>
-            </a:r>
-            <a:r>
-              <a:rPr lang="en-US" dirty="0" err="1">
-                <a:solidFill>
-                  <a:srgbClr val="282829"/>
-                </a:solidFill>
-                <a:latin typeface="Calibri" panose="020F0502020204030204" pitchFamily="34" charset="0"/>
-                <a:cs typeface="Calibri" panose="020F0502020204030204" pitchFamily="34" charset="0"/>
-              </a:rPr>
-              <a:t>FastText</a:t>
-            </a:r>
-            <a:endParaRPr lang="en-US" dirty="0">
-              <a:solidFill>
-                <a:srgbClr val="282829"/>
-              </a:solidFill>
-              <a:latin typeface="Calibri" panose="020F0502020204030204" pitchFamily="34" charset="0"/>
               <a:cs typeface="Calibri" panose="020F0502020204030204" pitchFamily="34" charset="0"/>
             </a:endParaRPr>
           </a:p>
@@ -11824,7 +12177,7 @@
     </p:spTree>
     <p:extLst>
       <p:ext uri="{BB962C8B-B14F-4D97-AF65-F5344CB8AC3E}">
-        <p14:creationId xmlns:p14="http://schemas.microsoft.com/office/powerpoint/2010/main" val="3292763428"/>
+        <p14:creationId xmlns:p14="http://schemas.microsoft.com/office/powerpoint/2010/main" val="883376971"/>
       </p:ext>
     </p:extLst>
   </p:cSld>
@@ -12022,6 +12375,1279 @@
 </file>
 
 <file path=ppt/slides/slide30.xml><?xml version="1.0" encoding="utf-8"?>
+<p:sld xmlns:a="http://schemas.openxmlformats.org/drawingml/2006/main" xmlns:r="http://schemas.openxmlformats.org/officeDocument/2006/relationships" xmlns:p="http://schemas.openxmlformats.org/presentationml/2006/main">
+  <p:cSld>
+    <p:spTree>
+      <p:nvGrpSpPr>
+        <p:cNvPr id="1" name=""/>
+        <p:cNvGrpSpPr/>
+        <p:nvPr/>
+      </p:nvGrpSpPr>
+      <p:grpSpPr>
+        <a:xfrm>
+          <a:off x="0" y="0"/>
+          <a:ext cx="0" cy="0"/>
+          <a:chOff x="0" y="0"/>
+          <a:chExt cx="0" cy="0"/>
+        </a:xfrm>
+      </p:grpSpPr>
+      <p:sp>
+        <p:nvSpPr>
+          <p:cNvPr id="2" name="Title 1"/>
+          <p:cNvSpPr>
+            <a:spLocks noGrp="1"/>
+          </p:cNvSpPr>
+          <p:nvPr>
+            <p:ph type="title"/>
+          </p:nvPr>
+        </p:nvSpPr>
+        <p:spPr>
+          <a:xfrm>
+            <a:off x="466579" y="240325"/>
+            <a:ext cx="11714536" cy="441082"/>
+          </a:xfrm>
+        </p:spPr>
+        <p:txBody>
+          <a:bodyPr/>
+          <a:lstStyle/>
+          <a:p>
+            <a:r>
+              <a:rPr lang="en-US" sz="3200" dirty="0">
+                <a:latin typeface="Calibri" panose="020F0502020204030204" pitchFamily="34" charset="0"/>
+                <a:cs typeface="Calibri" panose="020F0502020204030204" pitchFamily="34" charset="0"/>
+              </a:rPr>
+              <a:t>Back Up Slide</a:t>
+            </a:r>
+          </a:p>
+        </p:txBody>
+      </p:sp>
+      <p:sp>
+        <p:nvSpPr>
+          <p:cNvPr id="3" name="TextBox 2">
+            <a:extLst>
+              <a:ext uri="{FF2B5EF4-FFF2-40B4-BE49-F238E27FC236}">
+                <a16:creationId xmlns:a16="http://schemas.microsoft.com/office/drawing/2014/main" id="{63D9B1F7-F9ED-41EB-A437-B8EB4C76F5DB}"/>
+              </a:ext>
+            </a:extLst>
+          </p:cNvPr>
+          <p:cNvSpPr txBox="1"/>
+          <p:nvPr/>
+        </p:nvSpPr>
+        <p:spPr>
+          <a:xfrm>
+            <a:off x="3867751" y="2921168"/>
+            <a:ext cx="4456497" cy="1015663"/>
+          </a:xfrm>
+          <a:prstGeom prst="rect">
+            <a:avLst/>
+          </a:prstGeom>
+          <a:noFill/>
+        </p:spPr>
+        <p:txBody>
+          <a:bodyPr wrap="square" rtlCol="0">
+            <a:spAutoFit/>
+          </a:bodyPr>
+          <a:lstStyle/>
+          <a:p>
+            <a:r>
+              <a:rPr lang="en-US" sz="6000" dirty="0">
+                <a:solidFill>
+                  <a:srgbClr val="2980B9"/>
+                </a:solidFill>
+              </a:rPr>
+              <a:t>Back Up Slide</a:t>
+            </a:r>
+          </a:p>
+        </p:txBody>
+      </p:sp>
+    </p:spTree>
+    <p:extLst>
+      <p:ext uri="{BB962C8B-B14F-4D97-AF65-F5344CB8AC3E}">
+        <p14:creationId xmlns:p14="http://schemas.microsoft.com/office/powerpoint/2010/main" val="2499661400"/>
+      </p:ext>
+    </p:extLst>
+  </p:cSld>
+  <p:clrMapOvr>
+    <a:masterClrMapping/>
+  </p:clrMapOvr>
+</p:sld>
+</file>
+
+<file path=ppt/slides/slide31.xml><?xml version="1.0" encoding="utf-8"?>
+<p:sld xmlns:a="http://schemas.openxmlformats.org/drawingml/2006/main" xmlns:r="http://schemas.openxmlformats.org/officeDocument/2006/relationships" xmlns:p="http://schemas.openxmlformats.org/presentationml/2006/main">
+  <p:cSld>
+    <p:spTree>
+      <p:nvGrpSpPr>
+        <p:cNvPr id="1" name=""/>
+        <p:cNvGrpSpPr/>
+        <p:nvPr/>
+      </p:nvGrpSpPr>
+      <p:grpSpPr>
+        <a:xfrm>
+          <a:off x="0" y="0"/>
+          <a:ext cx="0" cy="0"/>
+          <a:chOff x="0" y="0"/>
+          <a:chExt cx="0" cy="0"/>
+        </a:xfrm>
+      </p:grpSpPr>
+      <p:sp>
+        <p:nvSpPr>
+          <p:cNvPr id="4" name="Title 3"/>
+          <p:cNvSpPr>
+            <a:spLocks noGrp="1"/>
+          </p:cNvSpPr>
+          <p:nvPr>
+            <p:ph type="title"/>
+          </p:nvPr>
+        </p:nvSpPr>
+        <p:spPr>
+          <a:xfrm>
+            <a:off x="466579" y="240325"/>
+            <a:ext cx="11714536" cy="441082"/>
+          </a:xfrm>
+        </p:spPr>
+        <p:txBody>
+          <a:bodyPr/>
+          <a:lstStyle/>
+          <a:p>
+            <a:r>
+              <a:rPr lang="en-US" sz="3200" dirty="0">
+                <a:latin typeface="Calibri" panose="020F0502020204030204" pitchFamily="34" charset="0"/>
+                <a:cs typeface="Calibri" panose="020F0502020204030204" pitchFamily="34" charset="0"/>
+              </a:rPr>
+              <a:t>Classification vs Sentiment Analysis</a:t>
+            </a:r>
+          </a:p>
+        </p:txBody>
+      </p:sp>
+      <p:sp>
+        <p:nvSpPr>
+          <p:cNvPr id="5" name="Content Placeholder 2"/>
+          <p:cNvSpPr>
+            <a:spLocks noGrp="1"/>
+          </p:cNvSpPr>
+          <p:nvPr>
+            <p:ph idx="1"/>
+          </p:nvPr>
+        </p:nvSpPr>
+        <p:spPr>
+          <a:xfrm>
+            <a:off x="477464" y="1044421"/>
+            <a:ext cx="11714536" cy="5813579"/>
+          </a:xfrm>
+        </p:spPr>
+        <p:txBody>
+          <a:bodyPr/>
+          <a:lstStyle/>
+          <a:p>
+            <a:pPr>
+              <a:buFont typeface="Arial" panose="020B0604020202020204" pitchFamily="34" charset="0"/>
+              <a:buChar char="•"/>
+            </a:pPr>
+            <a:r>
+              <a:rPr lang="en-US" b="1" i="0" dirty="0">
+                <a:solidFill>
+                  <a:srgbClr val="282829"/>
+                </a:solidFill>
+                <a:effectLst/>
+                <a:latin typeface="Calibri" panose="020F0502020204030204" pitchFamily="34" charset="0"/>
+                <a:cs typeface="Calibri" panose="020F0502020204030204" pitchFamily="34" charset="0"/>
+              </a:rPr>
+              <a:t>Classification</a:t>
+            </a:r>
+            <a:r>
+              <a:rPr lang="en-US" b="0" i="0" dirty="0">
+                <a:solidFill>
+                  <a:srgbClr val="282829"/>
+                </a:solidFill>
+                <a:effectLst/>
+                <a:latin typeface="Calibri" panose="020F0502020204030204" pitchFamily="34" charset="0"/>
+                <a:cs typeface="Calibri" panose="020F0502020204030204" pitchFamily="34" charset="0"/>
+              </a:rPr>
+              <a:t> - Classification is a type of supervised learning where the goal is to predict the </a:t>
+            </a:r>
+            <a:r>
+              <a:rPr lang="en-US" b="0" i="0" dirty="0">
+                <a:solidFill>
+                  <a:srgbClr val="FF0000"/>
+                </a:solidFill>
+                <a:effectLst/>
+                <a:latin typeface="Calibri" panose="020F0502020204030204" pitchFamily="34" charset="0"/>
+                <a:cs typeface="Calibri" panose="020F0502020204030204" pitchFamily="34" charset="0"/>
+              </a:rPr>
+              <a:t>categorical class labels </a:t>
+            </a:r>
+            <a:r>
+              <a:rPr lang="en-US" b="0" i="0" dirty="0">
+                <a:solidFill>
+                  <a:srgbClr val="282829"/>
+                </a:solidFill>
+                <a:effectLst/>
+                <a:latin typeface="Calibri" panose="020F0502020204030204" pitchFamily="34" charset="0"/>
+                <a:cs typeface="Calibri" panose="020F0502020204030204" pitchFamily="34" charset="0"/>
+              </a:rPr>
+              <a:t>of new instances based on past observations. It involves assigning inputs to one of several predefined categories.</a:t>
+            </a:r>
+          </a:p>
+          <a:p>
+            <a:pPr>
+              <a:buFont typeface="Arial" panose="020B0604020202020204" pitchFamily="34" charset="0"/>
+              <a:buChar char="•"/>
+            </a:pPr>
+            <a:r>
+              <a:rPr lang="en-US" sz="2400" b="1" i="0" dirty="0">
+                <a:solidFill>
+                  <a:srgbClr val="282829"/>
+                </a:solidFill>
+                <a:effectLst/>
+                <a:latin typeface="Calibri" panose="020F0502020204030204" pitchFamily="34" charset="0"/>
+                <a:cs typeface="Calibri" panose="020F0502020204030204" pitchFamily="34" charset="0"/>
+              </a:rPr>
+              <a:t>Sentiment </a:t>
+            </a:r>
+            <a:r>
+              <a:rPr lang="en-US" b="1" dirty="0">
+                <a:solidFill>
+                  <a:srgbClr val="282829"/>
+                </a:solidFill>
+                <a:latin typeface="Calibri" panose="020F0502020204030204" pitchFamily="34" charset="0"/>
+                <a:cs typeface="Calibri" panose="020F0502020204030204" pitchFamily="34" charset="0"/>
+              </a:rPr>
+              <a:t>A</a:t>
+            </a:r>
+            <a:r>
+              <a:rPr lang="en-US" sz="2400" b="1" i="0" dirty="0">
+                <a:solidFill>
+                  <a:srgbClr val="282829"/>
+                </a:solidFill>
+                <a:effectLst/>
+                <a:latin typeface="Calibri" panose="020F0502020204030204" pitchFamily="34" charset="0"/>
+                <a:cs typeface="Calibri" panose="020F0502020204030204" pitchFamily="34" charset="0"/>
+              </a:rPr>
+              <a:t>nalysis</a:t>
+            </a:r>
+            <a:r>
+              <a:rPr lang="en-US" sz="2400" b="0" i="0" dirty="0">
+                <a:solidFill>
+                  <a:srgbClr val="282829"/>
+                </a:solidFill>
+                <a:effectLst/>
+                <a:latin typeface="Calibri" panose="020F0502020204030204" pitchFamily="34" charset="0"/>
+                <a:cs typeface="Calibri" panose="020F0502020204030204" pitchFamily="34" charset="0"/>
+              </a:rPr>
+              <a:t> - Sentiment analysis is a subfield of natural language processing (NLP) focused on determining the </a:t>
+            </a:r>
+            <a:r>
+              <a:rPr lang="en-US" sz="2400" b="0" i="0" dirty="0">
+                <a:solidFill>
+                  <a:srgbClr val="FF0000"/>
+                </a:solidFill>
+                <a:effectLst/>
+                <a:latin typeface="Calibri" panose="020F0502020204030204" pitchFamily="34" charset="0"/>
+                <a:cs typeface="Calibri" panose="020F0502020204030204" pitchFamily="34" charset="0"/>
+              </a:rPr>
+              <a:t>sentiment expressed in text</a:t>
+            </a:r>
+            <a:r>
+              <a:rPr lang="en-US" sz="2400" b="0" i="0" dirty="0">
+                <a:solidFill>
+                  <a:srgbClr val="282829"/>
+                </a:solidFill>
+                <a:effectLst/>
+                <a:latin typeface="Calibri" panose="020F0502020204030204" pitchFamily="34" charset="0"/>
+                <a:cs typeface="Calibri" panose="020F0502020204030204" pitchFamily="34" charset="0"/>
+              </a:rPr>
+              <a:t>. It typically involves classifying text into categories such as 'positive', 'negative', or 'neutral'.</a:t>
+            </a:r>
+            <a:endParaRPr lang="en-US" sz="3200" dirty="0">
+              <a:solidFill>
+                <a:srgbClr val="282829"/>
+              </a:solidFill>
+              <a:latin typeface="Calibri" panose="020F0502020204030204" pitchFamily="34" charset="0"/>
+              <a:cs typeface="Calibri" panose="020F0502020204030204" pitchFamily="34" charset="0"/>
+            </a:endParaRPr>
+          </a:p>
+        </p:txBody>
+      </p:sp>
+    </p:spTree>
+    <p:extLst>
+      <p:ext uri="{BB962C8B-B14F-4D97-AF65-F5344CB8AC3E}">
+        <p14:creationId xmlns:p14="http://schemas.microsoft.com/office/powerpoint/2010/main" val="650466616"/>
+      </p:ext>
+    </p:extLst>
+  </p:cSld>
+  <p:clrMapOvr>
+    <a:masterClrMapping/>
+  </p:clrMapOvr>
+</p:sld>
+</file>
+
+<file path=ppt/slides/slide32.xml><?xml version="1.0" encoding="utf-8"?>
+<p:sld xmlns:a="http://schemas.openxmlformats.org/drawingml/2006/main" xmlns:r="http://schemas.openxmlformats.org/officeDocument/2006/relationships" xmlns:p="http://schemas.openxmlformats.org/presentationml/2006/main">
+  <p:cSld>
+    <p:spTree>
+      <p:nvGrpSpPr>
+        <p:cNvPr id="1" name=""/>
+        <p:cNvGrpSpPr/>
+        <p:nvPr/>
+      </p:nvGrpSpPr>
+      <p:grpSpPr>
+        <a:xfrm>
+          <a:off x="0" y="0"/>
+          <a:ext cx="0" cy="0"/>
+          <a:chOff x="0" y="0"/>
+          <a:chExt cx="0" cy="0"/>
+        </a:xfrm>
+      </p:grpSpPr>
+      <p:sp>
+        <p:nvSpPr>
+          <p:cNvPr id="4" name="Title 3"/>
+          <p:cNvSpPr>
+            <a:spLocks noGrp="1"/>
+          </p:cNvSpPr>
+          <p:nvPr>
+            <p:ph type="title"/>
+          </p:nvPr>
+        </p:nvSpPr>
+        <p:spPr>
+          <a:xfrm>
+            <a:off x="466579" y="240325"/>
+            <a:ext cx="11714536" cy="441082"/>
+          </a:xfrm>
+        </p:spPr>
+        <p:txBody>
+          <a:bodyPr/>
+          <a:lstStyle/>
+          <a:p>
+            <a:r>
+              <a:rPr lang="en-US" sz="3200" dirty="0">
+                <a:latin typeface="Calibri" panose="020F0502020204030204" pitchFamily="34" charset="0"/>
+                <a:cs typeface="Calibri" panose="020F0502020204030204" pitchFamily="34" charset="0"/>
+              </a:rPr>
+              <a:t>Classification vs Sentiment Analysis</a:t>
+            </a:r>
+          </a:p>
+        </p:txBody>
+      </p:sp>
+      <p:sp>
+        <p:nvSpPr>
+          <p:cNvPr id="5" name="Content Placeholder 2"/>
+          <p:cNvSpPr>
+            <a:spLocks noGrp="1"/>
+          </p:cNvSpPr>
+          <p:nvPr>
+            <p:ph idx="1"/>
+          </p:nvPr>
+        </p:nvSpPr>
+        <p:spPr>
+          <a:xfrm>
+            <a:off x="477464" y="1044421"/>
+            <a:ext cx="11714536" cy="5813579"/>
+          </a:xfrm>
+        </p:spPr>
+        <p:txBody>
+          <a:bodyPr/>
+          <a:lstStyle/>
+          <a:p>
+            <a:pPr>
+              <a:buFont typeface="Arial" panose="020B0604020202020204" pitchFamily="34" charset="0"/>
+              <a:buChar char="•"/>
+            </a:pPr>
+            <a:r>
+              <a:rPr lang="en-US" sz="2400" b="1" i="0" dirty="0">
+                <a:solidFill>
+                  <a:srgbClr val="282829"/>
+                </a:solidFill>
+                <a:effectLst/>
+                <a:latin typeface="Calibri" panose="020F0502020204030204" pitchFamily="34" charset="0"/>
+                <a:cs typeface="Calibri" panose="020F0502020204030204" pitchFamily="34" charset="0"/>
+              </a:rPr>
+              <a:t>Classification</a:t>
+            </a:r>
+            <a:r>
+              <a:rPr lang="en-US" sz="2400" b="0" i="0" dirty="0">
+                <a:solidFill>
+                  <a:srgbClr val="282829"/>
+                </a:solidFill>
+                <a:effectLst/>
+                <a:latin typeface="Calibri" panose="020F0502020204030204" pitchFamily="34" charset="0"/>
+                <a:cs typeface="Calibri" panose="020F0502020204030204" pitchFamily="34" charset="0"/>
+              </a:rPr>
+              <a:t>: This is a broad category in machine learning that involves categorizing data into predefined labels or classes. It can be applied to various types of data such as text, images, numerical data, etc. The primary goal is to predict the category to which a new observation belongs based on a model trained on labeled data.</a:t>
+            </a:r>
+          </a:p>
+          <a:p>
+            <a:pPr>
+              <a:buFont typeface="Arial" panose="020B0604020202020204" pitchFamily="34" charset="0"/>
+              <a:buChar char="•"/>
+            </a:pPr>
+            <a:r>
+              <a:rPr lang="en-US" sz="2400" b="1" i="0" dirty="0">
+                <a:solidFill>
+                  <a:srgbClr val="282829"/>
+                </a:solidFill>
+                <a:effectLst/>
+                <a:latin typeface="Calibri" panose="020F0502020204030204" pitchFamily="34" charset="0"/>
+                <a:cs typeface="Calibri" panose="020F0502020204030204" pitchFamily="34" charset="0"/>
+              </a:rPr>
+              <a:t>Sentiment Analysis</a:t>
+            </a:r>
+            <a:r>
+              <a:rPr lang="en-US" sz="2400" b="0" i="0" dirty="0">
+                <a:solidFill>
+                  <a:srgbClr val="282829"/>
+                </a:solidFill>
+                <a:effectLst/>
+                <a:latin typeface="Calibri" panose="020F0502020204030204" pitchFamily="34" charset="0"/>
+                <a:cs typeface="Calibri" panose="020F0502020204030204" pitchFamily="34" charset="0"/>
+              </a:rPr>
+              <a:t>: This is a specialized type of classification specifically focused on text data. The goal is to determine the sentiment expressed in the text, typically categorizing it as positive, negative, or neutral. It deals primarily with understanding emotions, opinions, and attitudes conveyed in written language.</a:t>
+            </a:r>
+            <a:endParaRPr lang="en-US" sz="3200" dirty="0">
+              <a:solidFill>
+                <a:srgbClr val="282829"/>
+              </a:solidFill>
+              <a:latin typeface="Calibri" panose="020F0502020204030204" pitchFamily="34" charset="0"/>
+              <a:cs typeface="Calibri" panose="020F0502020204030204" pitchFamily="34" charset="0"/>
+            </a:endParaRPr>
+          </a:p>
+        </p:txBody>
+      </p:sp>
+    </p:spTree>
+    <p:extLst>
+      <p:ext uri="{BB962C8B-B14F-4D97-AF65-F5344CB8AC3E}">
+        <p14:creationId xmlns:p14="http://schemas.microsoft.com/office/powerpoint/2010/main" val="2850094819"/>
+      </p:ext>
+    </p:extLst>
+  </p:cSld>
+  <p:clrMapOvr>
+    <a:masterClrMapping/>
+  </p:clrMapOvr>
+</p:sld>
+</file>
+
+<file path=ppt/slides/slide33.xml><?xml version="1.0" encoding="utf-8"?>
+<p:sld xmlns:a="http://schemas.openxmlformats.org/drawingml/2006/main" xmlns:r="http://schemas.openxmlformats.org/officeDocument/2006/relationships" xmlns:p="http://schemas.openxmlformats.org/presentationml/2006/main">
+  <p:cSld>
+    <p:spTree>
+      <p:nvGrpSpPr>
+        <p:cNvPr id="1" name=""/>
+        <p:cNvGrpSpPr/>
+        <p:nvPr/>
+      </p:nvGrpSpPr>
+      <p:grpSpPr>
+        <a:xfrm>
+          <a:off x="0" y="0"/>
+          <a:ext cx="0" cy="0"/>
+          <a:chOff x="0" y="0"/>
+          <a:chExt cx="0" cy="0"/>
+        </a:xfrm>
+      </p:grpSpPr>
+      <p:sp>
+        <p:nvSpPr>
+          <p:cNvPr id="4" name="Title 3"/>
+          <p:cNvSpPr>
+            <a:spLocks noGrp="1"/>
+          </p:cNvSpPr>
+          <p:nvPr>
+            <p:ph type="title"/>
+          </p:nvPr>
+        </p:nvSpPr>
+        <p:spPr>
+          <a:xfrm>
+            <a:off x="466579" y="240325"/>
+            <a:ext cx="11714536" cy="441082"/>
+          </a:xfrm>
+        </p:spPr>
+        <p:txBody>
+          <a:bodyPr/>
+          <a:lstStyle/>
+          <a:p>
+            <a:r>
+              <a:rPr lang="en-US" sz="3200" dirty="0">
+                <a:latin typeface="Calibri" panose="020F0502020204030204" pitchFamily="34" charset="0"/>
+                <a:cs typeface="Calibri" panose="020F0502020204030204" pitchFamily="34" charset="0"/>
+              </a:rPr>
+              <a:t>Classification vs Sentiment Analysis</a:t>
+            </a:r>
+          </a:p>
+        </p:txBody>
+      </p:sp>
+      <p:sp>
+        <p:nvSpPr>
+          <p:cNvPr id="5" name="Content Placeholder 2"/>
+          <p:cNvSpPr>
+            <a:spLocks noGrp="1"/>
+          </p:cNvSpPr>
+          <p:nvPr>
+            <p:ph idx="1"/>
+          </p:nvPr>
+        </p:nvSpPr>
+        <p:spPr>
+          <a:xfrm>
+            <a:off x="477464" y="1044421"/>
+            <a:ext cx="11714536" cy="5813579"/>
+          </a:xfrm>
+        </p:spPr>
+        <p:txBody>
+          <a:bodyPr/>
+          <a:lstStyle/>
+          <a:p>
+            <a:pPr>
+              <a:buFont typeface="Arial" panose="020B0604020202020204" pitchFamily="34" charset="0"/>
+              <a:buChar char="•"/>
+            </a:pPr>
+            <a:r>
+              <a:rPr lang="en-US" sz="2400" b="1" i="0" dirty="0">
+                <a:solidFill>
+                  <a:srgbClr val="282829"/>
+                </a:solidFill>
+                <a:effectLst/>
+                <a:latin typeface="Calibri" panose="020F0502020204030204" pitchFamily="34" charset="0"/>
+                <a:cs typeface="Calibri" panose="020F0502020204030204" pitchFamily="34" charset="0"/>
+              </a:rPr>
+              <a:t>Classification</a:t>
+            </a:r>
+            <a:r>
+              <a:rPr lang="en-US" sz="2400" b="0" i="0" dirty="0">
+                <a:solidFill>
+                  <a:srgbClr val="282829"/>
+                </a:solidFill>
+                <a:effectLst/>
+                <a:latin typeface="Calibri" panose="020F0502020204030204" pitchFamily="34" charset="0"/>
+                <a:cs typeface="Calibri" panose="020F0502020204030204" pitchFamily="34" charset="0"/>
+              </a:rPr>
+              <a:t>: General task of assigning inputs to categories; applicable to various data types and domains.</a:t>
+            </a:r>
+          </a:p>
+          <a:p>
+            <a:pPr>
+              <a:buFont typeface="Arial" panose="020B0604020202020204" pitchFamily="34" charset="0"/>
+              <a:buChar char="•"/>
+            </a:pPr>
+            <a:r>
+              <a:rPr lang="en-US" sz="2400" b="1" i="0" dirty="0">
+                <a:solidFill>
+                  <a:srgbClr val="282829"/>
+                </a:solidFill>
+                <a:effectLst/>
+                <a:latin typeface="Calibri" panose="020F0502020204030204" pitchFamily="34" charset="0"/>
+                <a:cs typeface="Calibri" panose="020F0502020204030204" pitchFamily="34" charset="0"/>
+              </a:rPr>
+              <a:t>Sentiment Analysis</a:t>
+            </a:r>
+            <a:r>
+              <a:rPr lang="en-US" sz="2400" b="0" i="0" dirty="0">
+                <a:solidFill>
+                  <a:srgbClr val="282829"/>
+                </a:solidFill>
+                <a:effectLst/>
+                <a:latin typeface="Calibri" panose="020F0502020204030204" pitchFamily="34" charset="0"/>
+                <a:cs typeface="Calibri" panose="020F0502020204030204" pitchFamily="34" charset="0"/>
+              </a:rPr>
+              <a:t>: Specialized form of classification focused on determining sentiment in textual data.</a:t>
+            </a:r>
+            <a:endParaRPr lang="en-US" sz="3200" dirty="0">
+              <a:solidFill>
+                <a:srgbClr val="282829"/>
+              </a:solidFill>
+              <a:latin typeface="Calibri" panose="020F0502020204030204" pitchFamily="34" charset="0"/>
+              <a:cs typeface="Calibri" panose="020F0502020204030204" pitchFamily="34" charset="0"/>
+            </a:endParaRPr>
+          </a:p>
+        </p:txBody>
+      </p:sp>
+    </p:spTree>
+    <p:extLst>
+      <p:ext uri="{BB962C8B-B14F-4D97-AF65-F5344CB8AC3E}">
+        <p14:creationId xmlns:p14="http://schemas.microsoft.com/office/powerpoint/2010/main" val="580634757"/>
+      </p:ext>
+    </p:extLst>
+  </p:cSld>
+  <p:clrMapOvr>
+    <a:masterClrMapping/>
+  </p:clrMapOvr>
+</p:sld>
+</file>
+
+<file path=ppt/slides/slide34.xml><?xml version="1.0" encoding="utf-8"?>
+<p:sld xmlns:a="http://schemas.openxmlformats.org/drawingml/2006/main" xmlns:r="http://schemas.openxmlformats.org/officeDocument/2006/relationships" xmlns:p="http://schemas.openxmlformats.org/presentationml/2006/main">
+  <p:cSld>
+    <p:spTree>
+      <p:nvGrpSpPr>
+        <p:cNvPr id="1" name=""/>
+        <p:cNvGrpSpPr/>
+        <p:nvPr/>
+      </p:nvGrpSpPr>
+      <p:grpSpPr>
+        <a:xfrm>
+          <a:off x="0" y="0"/>
+          <a:ext cx="0" cy="0"/>
+          <a:chOff x="0" y="0"/>
+          <a:chExt cx="0" cy="0"/>
+        </a:xfrm>
+      </p:grpSpPr>
+      <p:sp>
+        <p:nvSpPr>
+          <p:cNvPr id="4" name="Title 3"/>
+          <p:cNvSpPr>
+            <a:spLocks noGrp="1"/>
+          </p:cNvSpPr>
+          <p:nvPr>
+            <p:ph type="title"/>
+          </p:nvPr>
+        </p:nvSpPr>
+        <p:spPr>
+          <a:xfrm>
+            <a:off x="466579" y="240325"/>
+            <a:ext cx="11714536" cy="441082"/>
+          </a:xfrm>
+        </p:spPr>
+        <p:txBody>
+          <a:bodyPr/>
+          <a:lstStyle/>
+          <a:p>
+            <a:r>
+              <a:rPr lang="en-US" sz="3200" dirty="0">
+                <a:latin typeface="Calibri" panose="020F0502020204030204" pitchFamily="34" charset="0"/>
+                <a:cs typeface="Calibri" panose="020F0502020204030204" pitchFamily="34" charset="0"/>
+              </a:rPr>
+              <a:t>Classification vs Sentiment analysis</a:t>
+            </a:r>
+          </a:p>
+        </p:txBody>
+      </p:sp>
+      <p:sp>
+        <p:nvSpPr>
+          <p:cNvPr id="5" name="Content Placeholder 2"/>
+          <p:cNvSpPr>
+            <a:spLocks noGrp="1"/>
+          </p:cNvSpPr>
+          <p:nvPr>
+            <p:ph idx="1"/>
+          </p:nvPr>
+        </p:nvSpPr>
+        <p:spPr>
+          <a:xfrm>
+            <a:off x="477464" y="1044421"/>
+            <a:ext cx="11714536" cy="5813579"/>
+          </a:xfrm>
+        </p:spPr>
+        <p:txBody>
+          <a:bodyPr/>
+          <a:lstStyle/>
+          <a:p>
+            <a:pPr>
+              <a:buFont typeface="Arial" panose="020B0604020202020204" pitchFamily="34" charset="0"/>
+              <a:buChar char="•"/>
+            </a:pPr>
+            <a:r>
+              <a:rPr lang="en-US" b="1" i="0" dirty="0">
+                <a:solidFill>
+                  <a:srgbClr val="282829"/>
+                </a:solidFill>
+                <a:effectLst/>
+                <a:latin typeface="+mn-lt"/>
+              </a:rPr>
+              <a:t>Classification</a:t>
+            </a:r>
+            <a:r>
+              <a:rPr lang="en-US" dirty="0">
+                <a:solidFill>
+                  <a:srgbClr val="282829"/>
+                </a:solidFill>
+                <a:latin typeface="+mn-lt"/>
+              </a:rPr>
+              <a:t>: Spam Detection</a:t>
+            </a:r>
+          </a:p>
+          <a:p>
+            <a:pPr>
+              <a:buFont typeface="Arial" panose="020B0604020202020204" pitchFamily="34" charset="0"/>
+              <a:buChar char="•"/>
+            </a:pPr>
+            <a:r>
+              <a:rPr lang="en-US" sz="2400" b="1" i="0" dirty="0">
+                <a:solidFill>
+                  <a:srgbClr val="282829"/>
+                </a:solidFill>
+                <a:effectLst/>
+                <a:latin typeface="+mn-lt"/>
+              </a:rPr>
+              <a:t>Sentiment </a:t>
+            </a:r>
+            <a:r>
+              <a:rPr lang="en-US" b="1" dirty="0">
+                <a:solidFill>
+                  <a:srgbClr val="282829"/>
+                </a:solidFill>
+                <a:latin typeface="+mn-lt"/>
+              </a:rPr>
+              <a:t>A</a:t>
+            </a:r>
+            <a:r>
+              <a:rPr lang="en-US" sz="2400" b="1" i="0" dirty="0">
+                <a:solidFill>
+                  <a:srgbClr val="282829"/>
+                </a:solidFill>
+                <a:effectLst/>
+                <a:latin typeface="+mn-lt"/>
+              </a:rPr>
+              <a:t>nalysis</a:t>
+            </a:r>
+            <a:r>
+              <a:rPr lang="en-US" sz="2400" b="0" i="0" dirty="0">
+                <a:solidFill>
+                  <a:srgbClr val="282829"/>
+                </a:solidFill>
+                <a:effectLst/>
+                <a:latin typeface="+mn-lt"/>
+              </a:rPr>
+              <a:t> :</a:t>
+            </a:r>
+            <a:r>
+              <a:rPr lang="en-US" sz="2400" b="0" i="1" dirty="0">
+                <a:solidFill>
+                  <a:srgbClr val="282829"/>
+                </a:solidFill>
+                <a:effectLst/>
+                <a:latin typeface="+mn-lt"/>
+              </a:rPr>
+              <a:t> </a:t>
+            </a:r>
+            <a:r>
+              <a:rPr lang="en-US" sz="2400" b="0" dirty="0">
+                <a:solidFill>
+                  <a:srgbClr val="282829"/>
+                </a:solidFill>
+                <a:effectLst/>
+                <a:latin typeface="+mn-lt"/>
+              </a:rPr>
+              <a:t>Product Reviews</a:t>
+            </a:r>
+            <a:endParaRPr lang="en-US" sz="3200" dirty="0">
+              <a:solidFill>
+                <a:srgbClr val="282829"/>
+              </a:solidFill>
+              <a:latin typeface="+mn-lt"/>
+              <a:cs typeface="Times New Roman" panose="02020603050405020304" pitchFamily="18" charset="0"/>
+            </a:endParaRPr>
+          </a:p>
+        </p:txBody>
+      </p:sp>
+    </p:spTree>
+    <p:extLst>
+      <p:ext uri="{BB962C8B-B14F-4D97-AF65-F5344CB8AC3E}">
+        <p14:creationId xmlns:p14="http://schemas.microsoft.com/office/powerpoint/2010/main" val="1435739677"/>
+      </p:ext>
+    </p:extLst>
+  </p:cSld>
+  <p:clrMapOvr>
+    <a:masterClrMapping/>
+  </p:clrMapOvr>
+</p:sld>
+</file>
+
+<file path=ppt/slides/slide35.xml><?xml version="1.0" encoding="utf-8"?>
+<p:sld xmlns:a="http://schemas.openxmlformats.org/drawingml/2006/main" xmlns:r="http://schemas.openxmlformats.org/officeDocument/2006/relationships" xmlns:p="http://schemas.openxmlformats.org/presentationml/2006/main">
+  <p:cSld>
+    <p:spTree>
+      <p:nvGrpSpPr>
+        <p:cNvPr id="1" name=""/>
+        <p:cNvGrpSpPr/>
+        <p:nvPr/>
+      </p:nvGrpSpPr>
+      <p:grpSpPr>
+        <a:xfrm>
+          <a:off x="0" y="0"/>
+          <a:ext cx="0" cy="0"/>
+          <a:chOff x="0" y="0"/>
+          <a:chExt cx="0" cy="0"/>
+        </a:xfrm>
+      </p:grpSpPr>
+      <p:sp>
+        <p:nvSpPr>
+          <p:cNvPr id="4" name="Title 3"/>
+          <p:cNvSpPr>
+            <a:spLocks noGrp="1"/>
+          </p:cNvSpPr>
+          <p:nvPr>
+            <p:ph type="title"/>
+          </p:nvPr>
+        </p:nvSpPr>
+        <p:spPr>
+          <a:xfrm>
+            <a:off x="466579" y="240325"/>
+            <a:ext cx="11714536" cy="441082"/>
+          </a:xfrm>
+        </p:spPr>
+        <p:txBody>
+          <a:bodyPr/>
+          <a:lstStyle/>
+          <a:p>
+            <a:r>
+              <a:rPr lang="en-US" sz="3200" dirty="0">
+                <a:latin typeface="Calibri" panose="020F0502020204030204" pitchFamily="34" charset="0"/>
+                <a:cs typeface="Calibri" panose="020F0502020204030204" pitchFamily="34" charset="0"/>
+              </a:rPr>
+              <a:t>Classification vs Sentiment Analysis</a:t>
+            </a:r>
+          </a:p>
+        </p:txBody>
+      </p:sp>
+      <p:pic>
+        <p:nvPicPr>
+          <p:cNvPr id="4098" name="Picture 2" descr="Differences between two classification approaches of sentiment... |  Download Scientific Diagram">
+            <a:extLst>
+              <a:ext uri="{FF2B5EF4-FFF2-40B4-BE49-F238E27FC236}">
+                <a16:creationId xmlns:a16="http://schemas.microsoft.com/office/drawing/2014/main" id="{BF02DAEB-CA51-4EAD-84F8-8ED2A93D566C}"/>
+              </a:ext>
+            </a:extLst>
+          </p:cNvPr>
+          <p:cNvPicPr>
+            <a:picLocks noChangeAspect="1" noChangeArrowheads="1"/>
+          </p:cNvPicPr>
+          <p:nvPr/>
+        </p:nvPicPr>
+        <p:blipFill>
+          <a:blip r:embed="rId3">
+            <a:extLst>
+              <a:ext uri="{28A0092B-C50C-407E-A947-70E740481C1C}">
+                <a14:useLocalDpi xmlns:a14="http://schemas.microsoft.com/office/drawing/2010/main" val="0"/>
+              </a:ext>
+            </a:extLst>
+          </a:blip>
+          <a:srcRect/>
+          <a:stretch>
+            <a:fillRect/>
+          </a:stretch>
+        </p:blipFill>
+        <p:spPr bwMode="auto">
+          <a:xfrm>
+            <a:off x="2047875" y="1004888"/>
+            <a:ext cx="8096250" cy="4848225"/>
+          </a:xfrm>
+          <a:prstGeom prst="rect">
+            <a:avLst/>
+          </a:prstGeom>
+          <a:noFill/>
+          <a:extLst>
+            <a:ext uri="{909E8E84-426E-40DD-AFC4-6F175D3DCCD1}">
+              <a14:hiddenFill xmlns:a14="http://schemas.microsoft.com/office/drawing/2010/main">
+                <a:solidFill>
+                  <a:srgbClr val="FFFFFF"/>
+                </a:solidFill>
+              </a14:hiddenFill>
+            </a:ext>
+          </a:extLst>
+        </p:spPr>
+      </p:pic>
+    </p:spTree>
+    <p:extLst>
+      <p:ext uri="{BB962C8B-B14F-4D97-AF65-F5344CB8AC3E}">
+        <p14:creationId xmlns:p14="http://schemas.microsoft.com/office/powerpoint/2010/main" val="664132864"/>
+      </p:ext>
+    </p:extLst>
+  </p:cSld>
+  <p:clrMapOvr>
+    <a:masterClrMapping/>
+  </p:clrMapOvr>
+</p:sld>
+</file>
+
+<file path=ppt/slides/slide36.xml><?xml version="1.0" encoding="utf-8"?>
+<p:sld xmlns:a="http://schemas.openxmlformats.org/drawingml/2006/main" xmlns:r="http://schemas.openxmlformats.org/officeDocument/2006/relationships" xmlns:p="http://schemas.openxmlformats.org/presentationml/2006/main">
+  <p:cSld>
+    <p:spTree>
+      <p:nvGrpSpPr>
+        <p:cNvPr id="1" name=""/>
+        <p:cNvGrpSpPr/>
+        <p:nvPr/>
+      </p:nvGrpSpPr>
+      <p:grpSpPr>
+        <a:xfrm>
+          <a:off x="0" y="0"/>
+          <a:ext cx="0" cy="0"/>
+          <a:chOff x="0" y="0"/>
+          <a:chExt cx="0" cy="0"/>
+        </a:xfrm>
+      </p:grpSpPr>
+      <p:sp>
+        <p:nvSpPr>
+          <p:cNvPr id="4" name="Title 3"/>
+          <p:cNvSpPr>
+            <a:spLocks noGrp="1"/>
+          </p:cNvSpPr>
+          <p:nvPr>
+            <p:ph type="title"/>
+          </p:nvPr>
+        </p:nvSpPr>
+        <p:spPr>
+          <a:xfrm>
+            <a:off x="466579" y="240325"/>
+            <a:ext cx="11714536" cy="441082"/>
+          </a:xfrm>
+        </p:spPr>
+        <p:txBody>
+          <a:bodyPr/>
+          <a:lstStyle/>
+          <a:p>
+            <a:r>
+              <a:rPr lang="vi-VN" sz="3200" dirty="0">
+                <a:latin typeface="Calibri" panose="020F0502020204030204" pitchFamily="34" charset="0"/>
+                <a:cs typeface="Calibri" panose="020F0502020204030204" pitchFamily="34" charset="0"/>
+              </a:rPr>
+              <a:t>SƠ LƯỢC WORD EMBEDDING</a:t>
+            </a:r>
+            <a:endParaRPr lang="en-US" sz="3200" dirty="0">
+              <a:latin typeface="Calibri" panose="020F0502020204030204" pitchFamily="34" charset="0"/>
+              <a:cs typeface="Calibri" panose="020F0502020204030204" pitchFamily="34" charset="0"/>
+            </a:endParaRPr>
+          </a:p>
+        </p:txBody>
+      </p:sp>
+      <p:sp>
+        <p:nvSpPr>
+          <p:cNvPr id="5" name="Content Placeholder 2"/>
+          <p:cNvSpPr>
+            <a:spLocks noGrp="1"/>
+          </p:cNvSpPr>
+          <p:nvPr>
+            <p:ph idx="1"/>
+          </p:nvPr>
+        </p:nvSpPr>
+        <p:spPr>
+          <a:xfrm>
+            <a:off x="477464" y="1044421"/>
+            <a:ext cx="11714536" cy="5813579"/>
+          </a:xfrm>
+        </p:spPr>
+        <p:txBody>
+          <a:bodyPr/>
+          <a:lstStyle/>
+          <a:p>
+            <a:pPr>
+              <a:buFont typeface="Wingdings" panose="05000000000000000000" pitchFamily="2" charset="2"/>
+              <a:buChar char="v"/>
+            </a:pPr>
+            <a:r>
+              <a:rPr lang="vi-VN" sz="1800" i="0" dirty="0">
+                <a:solidFill>
+                  <a:srgbClr val="282829"/>
+                </a:solidFill>
+                <a:effectLst/>
+                <a:latin typeface="Calibri" panose="020F0502020204030204" pitchFamily="34" charset="0"/>
+                <a:cs typeface="Calibri" panose="020F0502020204030204" pitchFamily="34" charset="0"/>
+              </a:rPr>
+              <a:t>1. Khái niệm</a:t>
+            </a:r>
+            <a:r>
+              <a:rPr lang="en-US" sz="1800" i="0" dirty="0">
+                <a:solidFill>
+                  <a:srgbClr val="282829"/>
+                </a:solidFill>
+                <a:effectLst/>
+                <a:latin typeface="Calibri" panose="020F0502020204030204" pitchFamily="34" charset="0"/>
+                <a:cs typeface="Calibri" panose="020F0502020204030204" pitchFamily="34" charset="0"/>
+              </a:rPr>
+              <a:t>: </a:t>
+            </a:r>
+            <a:r>
+              <a:rPr lang="vi-VN" sz="1800" b="1" i="0" dirty="0">
+                <a:solidFill>
+                  <a:srgbClr val="282829"/>
+                </a:solidFill>
+                <a:effectLst/>
+                <a:latin typeface="Calibri" panose="020F0502020204030204" pitchFamily="34" charset="0"/>
+                <a:cs typeface="Calibri" panose="020F0502020204030204" pitchFamily="34" charset="0"/>
+              </a:rPr>
+              <a:t>Word Embedding </a:t>
+            </a:r>
+            <a:r>
+              <a:rPr lang="vi-VN" sz="1800" i="0" dirty="0">
+                <a:solidFill>
+                  <a:srgbClr val="282829"/>
+                </a:solidFill>
+                <a:effectLst/>
+                <a:latin typeface="Calibri" panose="020F0502020204030204" pitchFamily="34" charset="0"/>
+                <a:cs typeface="Calibri" panose="020F0502020204030204" pitchFamily="34" charset="0"/>
+              </a:rPr>
+              <a:t>là tên gọi chung của các mô hình ngôn ngữ và các phương pháp học theo đặc trưng trong Xử lý ngôn ngữ tự nhiên(NLP), ở đó </a:t>
+            </a:r>
+            <a:r>
+              <a:rPr lang="vi-VN" sz="1800" b="1" i="0" dirty="0">
+                <a:solidFill>
+                  <a:srgbClr val="FF0000"/>
+                </a:solidFill>
+                <a:effectLst/>
+                <a:latin typeface="Calibri" panose="020F0502020204030204" pitchFamily="34" charset="0"/>
+                <a:cs typeface="Calibri" panose="020F0502020204030204" pitchFamily="34" charset="0"/>
+              </a:rPr>
+              <a:t>các từ hoặc cụm từ </a:t>
+            </a:r>
+            <a:r>
+              <a:rPr lang="vi-VN" sz="1800" i="0" dirty="0">
+                <a:solidFill>
+                  <a:srgbClr val="282829"/>
+                </a:solidFill>
+                <a:effectLst/>
+                <a:latin typeface="Calibri" panose="020F0502020204030204" pitchFamily="34" charset="0"/>
+                <a:cs typeface="Calibri" panose="020F0502020204030204" pitchFamily="34" charset="0"/>
+              </a:rPr>
+              <a:t>được ánh xạ sang các </a:t>
+            </a:r>
+            <a:r>
+              <a:rPr lang="vi-VN" sz="1800" b="1" i="0" dirty="0">
+                <a:solidFill>
+                  <a:srgbClr val="FF0000"/>
+                </a:solidFill>
+                <a:effectLst/>
+                <a:latin typeface="Calibri" panose="020F0502020204030204" pitchFamily="34" charset="0"/>
+                <a:cs typeface="Calibri" panose="020F0502020204030204" pitchFamily="34" charset="0"/>
+              </a:rPr>
+              <a:t>vector số </a:t>
+            </a:r>
+            <a:r>
+              <a:rPr lang="vi-VN" sz="1800" i="0" dirty="0">
+                <a:solidFill>
+                  <a:srgbClr val="282829"/>
+                </a:solidFill>
+                <a:effectLst/>
+                <a:latin typeface="Calibri" panose="020F0502020204030204" pitchFamily="34" charset="0"/>
+                <a:cs typeface="Calibri" panose="020F0502020204030204" pitchFamily="34" charset="0"/>
+              </a:rPr>
+              <a:t>(thường là số thực). Đây là một công cụ đóng vai trò quan trọng đối với hầu hết các thuật toán, kiến trúc Machine Learning, Deep Learning trong việc xử lý </a:t>
+            </a:r>
+            <a:r>
+              <a:rPr lang="vi-VN" sz="1800" i="0" dirty="0">
+                <a:solidFill>
+                  <a:srgbClr val="FF0000"/>
+                </a:solidFill>
+                <a:effectLst/>
+                <a:latin typeface="Calibri" panose="020F0502020204030204" pitchFamily="34" charset="0"/>
+                <a:cs typeface="Calibri" panose="020F0502020204030204" pitchFamily="34" charset="0"/>
+              </a:rPr>
+              <a:t>Input</a:t>
+            </a:r>
+            <a:r>
+              <a:rPr lang="vi-VN" sz="1800" i="0" dirty="0">
+                <a:solidFill>
+                  <a:srgbClr val="282829"/>
+                </a:solidFill>
+                <a:effectLst/>
+                <a:latin typeface="Calibri" panose="020F0502020204030204" pitchFamily="34" charset="0"/>
+                <a:cs typeface="Calibri" panose="020F0502020204030204" pitchFamily="34" charset="0"/>
+              </a:rPr>
+              <a:t> ở dạng </a:t>
+            </a:r>
+            <a:r>
+              <a:rPr lang="vi-VN" sz="1800" i="0" dirty="0">
+                <a:solidFill>
+                  <a:srgbClr val="FF0000"/>
+                </a:solidFill>
+                <a:effectLst/>
+                <a:latin typeface="Calibri" panose="020F0502020204030204" pitchFamily="34" charset="0"/>
+                <a:cs typeface="Calibri" panose="020F0502020204030204" pitchFamily="34" charset="0"/>
+              </a:rPr>
+              <a:t>text</a:t>
+            </a:r>
+            <a:r>
+              <a:rPr lang="vi-VN" sz="1800" i="0" dirty="0">
+                <a:solidFill>
+                  <a:srgbClr val="282829"/>
+                </a:solidFill>
+                <a:effectLst/>
+                <a:latin typeface="Calibri" panose="020F0502020204030204" pitchFamily="34" charset="0"/>
+                <a:cs typeface="Calibri" panose="020F0502020204030204" pitchFamily="34" charset="0"/>
+              </a:rPr>
+              <a:t>, do chúng chỉ có thể hiểu được Input ở dạng là số, từ đó mới thực hiện các công việc phân loại, hồi quy,vv…</a:t>
+            </a:r>
+            <a:r>
+              <a:rPr lang="en-US" sz="1800" i="0" dirty="0">
+                <a:solidFill>
+                  <a:srgbClr val="282829"/>
+                </a:solidFill>
+                <a:effectLst/>
+                <a:latin typeface="Calibri" panose="020F0502020204030204" pitchFamily="34" charset="0"/>
+                <a:cs typeface="Calibri" panose="020F0502020204030204" pitchFamily="34" charset="0"/>
+              </a:rPr>
+              <a:t>.</a:t>
+            </a:r>
+          </a:p>
+          <a:p>
+            <a:pPr>
+              <a:buFont typeface="Wingdings" panose="05000000000000000000" pitchFamily="2" charset="2"/>
+              <a:buChar char="v"/>
+            </a:pPr>
+            <a:r>
+              <a:rPr lang="vi-VN" sz="1800" dirty="0">
+                <a:solidFill>
+                  <a:srgbClr val="282829"/>
+                </a:solidFill>
+                <a:latin typeface="Calibri" panose="020F0502020204030204" pitchFamily="34" charset="0"/>
+                <a:cs typeface="Calibri" panose="020F0502020204030204" pitchFamily="34" charset="0"/>
+              </a:rPr>
+              <a:t>2. Các loại Word Embedding</a:t>
+            </a:r>
+          </a:p>
+          <a:p>
+            <a:pPr lvl="1">
+              <a:buFont typeface="Wingdings" panose="05000000000000000000" pitchFamily="2" charset="2"/>
+              <a:buChar char="ü"/>
+            </a:pPr>
+            <a:r>
+              <a:rPr lang="vi-VN" sz="1800" dirty="0">
+                <a:solidFill>
+                  <a:srgbClr val="282829"/>
+                </a:solidFill>
+                <a:latin typeface="Calibri" panose="020F0502020204030204" pitchFamily="34" charset="0"/>
+                <a:cs typeface="Calibri" panose="020F0502020204030204" pitchFamily="34" charset="0"/>
+              </a:rPr>
+              <a:t>Word Embedding được phân chủ yếu thành 2 loại:</a:t>
+            </a:r>
+          </a:p>
+          <a:p>
+            <a:pPr lvl="2">
+              <a:buFont typeface="Arial" panose="020B0604020202020204" pitchFamily="34" charset="0"/>
+              <a:buChar char="•"/>
+            </a:pPr>
+            <a:r>
+              <a:rPr lang="vi-VN" dirty="0">
+                <a:solidFill>
+                  <a:srgbClr val="282829"/>
+                </a:solidFill>
+                <a:latin typeface="Calibri" panose="020F0502020204030204" pitchFamily="34" charset="0"/>
+                <a:cs typeface="Calibri" panose="020F0502020204030204" pitchFamily="34" charset="0"/>
+              </a:rPr>
+              <a:t>Frequency-based embedding</a:t>
+            </a:r>
+            <a:r>
+              <a:rPr lang="en-US" dirty="0">
+                <a:solidFill>
+                  <a:srgbClr val="282829"/>
+                </a:solidFill>
+                <a:latin typeface="Calibri" panose="020F0502020204030204" pitchFamily="34" charset="0"/>
+                <a:cs typeface="Calibri" panose="020F0502020204030204" pitchFamily="34" charset="0"/>
+              </a:rPr>
+              <a:t>: Count Vector, TF-IDF Vector, Co-occurrence Matrix, </a:t>
+            </a:r>
+            <a:r>
+              <a:rPr lang="en-US" dirty="0" err="1">
+                <a:solidFill>
+                  <a:schemeClr val="tx1"/>
+                </a:solidFill>
+                <a:latin typeface="Calibri" panose="020F0502020204030204" pitchFamily="34" charset="0"/>
+                <a:cs typeface="Calibri" panose="020F0502020204030204" pitchFamily="34" charset="0"/>
+              </a:rPr>
+              <a:t>GloVe</a:t>
+            </a:r>
+            <a:r>
+              <a:rPr lang="en-US" dirty="0">
+                <a:solidFill>
+                  <a:srgbClr val="00B050"/>
+                </a:solidFill>
+                <a:latin typeface="Calibri" panose="020F0502020204030204" pitchFamily="34" charset="0"/>
+                <a:cs typeface="Calibri" panose="020F0502020204030204" pitchFamily="34" charset="0"/>
+              </a:rPr>
+              <a:t> </a:t>
+            </a:r>
+            <a:r>
+              <a:rPr lang="en-US" dirty="0">
+                <a:solidFill>
+                  <a:schemeClr val="tx1"/>
+                </a:solidFill>
+                <a:latin typeface="Calibri" panose="020F0502020204030204" pitchFamily="34" charset="0"/>
+                <a:cs typeface="Calibri" panose="020F0502020204030204" pitchFamily="34" charset="0"/>
+              </a:rPr>
+              <a:t>(Global Vector)</a:t>
+            </a:r>
+            <a:endParaRPr lang="vi-VN" dirty="0">
+              <a:solidFill>
+                <a:schemeClr val="tx1"/>
+              </a:solidFill>
+              <a:latin typeface="Calibri" panose="020F0502020204030204" pitchFamily="34" charset="0"/>
+              <a:cs typeface="Calibri" panose="020F0502020204030204" pitchFamily="34" charset="0"/>
+            </a:endParaRPr>
+          </a:p>
+          <a:p>
+            <a:pPr lvl="2">
+              <a:buFont typeface="Arial" panose="020B0604020202020204" pitchFamily="34" charset="0"/>
+              <a:buChar char="•"/>
+            </a:pPr>
+            <a:r>
+              <a:rPr lang="vi-VN" dirty="0">
+                <a:solidFill>
+                  <a:srgbClr val="282829"/>
+                </a:solidFill>
+                <a:latin typeface="Calibri" panose="020F0502020204030204" pitchFamily="34" charset="0"/>
+                <a:cs typeface="Calibri" panose="020F0502020204030204" pitchFamily="34" charset="0"/>
+              </a:rPr>
+              <a:t>Prediction-based embedding</a:t>
+            </a:r>
+            <a:r>
+              <a:rPr lang="en-US" dirty="0">
+                <a:solidFill>
+                  <a:srgbClr val="282829"/>
+                </a:solidFill>
+                <a:latin typeface="Calibri" panose="020F0502020204030204" pitchFamily="34" charset="0"/>
+                <a:cs typeface="Calibri" panose="020F0502020204030204" pitchFamily="34" charset="0"/>
+              </a:rPr>
+              <a:t>: Word2vec (CBOW, Skip-gram), </a:t>
+            </a:r>
+            <a:r>
+              <a:rPr lang="en-US" dirty="0" err="1">
+                <a:solidFill>
+                  <a:srgbClr val="282829"/>
+                </a:solidFill>
+                <a:latin typeface="Calibri" panose="020F0502020204030204" pitchFamily="34" charset="0"/>
+                <a:cs typeface="Calibri" panose="020F0502020204030204" pitchFamily="34" charset="0"/>
+              </a:rPr>
+              <a:t>GloVe</a:t>
+            </a:r>
+            <a:r>
+              <a:rPr lang="en-US" dirty="0">
+                <a:solidFill>
+                  <a:srgbClr val="282829"/>
+                </a:solidFill>
+                <a:latin typeface="Calibri" panose="020F0502020204030204" pitchFamily="34" charset="0"/>
+                <a:cs typeface="Calibri" panose="020F0502020204030204" pitchFamily="34" charset="0"/>
+              </a:rPr>
+              <a:t>, </a:t>
+            </a:r>
+            <a:r>
+              <a:rPr lang="en-US" dirty="0" err="1">
+                <a:solidFill>
+                  <a:srgbClr val="282829"/>
+                </a:solidFill>
+                <a:latin typeface="Calibri" panose="020F0502020204030204" pitchFamily="34" charset="0"/>
+                <a:cs typeface="Calibri" panose="020F0502020204030204" pitchFamily="34" charset="0"/>
+              </a:rPr>
+              <a:t>FastText</a:t>
+            </a:r>
+            <a:endParaRPr lang="en-US" dirty="0">
+              <a:solidFill>
+                <a:srgbClr val="282829"/>
+              </a:solidFill>
+              <a:latin typeface="Calibri" panose="020F0502020204030204" pitchFamily="34" charset="0"/>
+              <a:cs typeface="Calibri" panose="020F0502020204030204" pitchFamily="34" charset="0"/>
+            </a:endParaRPr>
+          </a:p>
+        </p:txBody>
+      </p:sp>
+    </p:spTree>
+    <p:extLst>
+      <p:ext uri="{BB962C8B-B14F-4D97-AF65-F5344CB8AC3E}">
+        <p14:creationId xmlns:p14="http://schemas.microsoft.com/office/powerpoint/2010/main" val="3292763428"/>
+      </p:ext>
+    </p:extLst>
+  </p:cSld>
+  <p:clrMapOvr>
+    <a:masterClrMapping/>
+  </p:clrMapOvr>
+</p:sld>
+</file>
+
+<file path=ppt/slides/slide37.xml><?xml version="1.0" encoding="utf-8"?>
 <p:sld xmlns:a="http://schemas.openxmlformats.org/drawingml/2006/main" xmlns:r="http://schemas.openxmlformats.org/officeDocument/2006/relationships" xmlns:p="http://schemas.openxmlformats.org/presentationml/2006/main">
   <p:cSld>
     <p:spTree>

--- a/Workshop-3_AI Advance Training_Group 80.pptx
+++ b/Workshop-3_AI Advance Training_Group 80.pptx
@@ -5,7 +5,7 @@
     <p:sldMasterId id="2147483666" r:id="rId1"/>
   </p:sldMasterIdLst>
   <p:notesMasterIdLst>
-    <p:notesMasterId r:id="rId39"/>
+    <p:notesMasterId r:id="rId46"/>
   </p:notesMasterIdLst>
   <p:sldIdLst>
     <p:sldId id="257" r:id="rId2"/>
@@ -20,31 +20,38 @@
     <p:sldId id="349" r:id="rId11"/>
     <p:sldId id="348" r:id="rId12"/>
     <p:sldId id="353" r:id="rId13"/>
-    <p:sldId id="354" r:id="rId14"/>
-    <p:sldId id="334" r:id="rId15"/>
-    <p:sldId id="355" r:id="rId16"/>
-    <p:sldId id="356" r:id="rId17"/>
-    <p:sldId id="335" r:id="rId18"/>
-    <p:sldId id="339" r:id="rId19"/>
-    <p:sldId id="357" r:id="rId20"/>
-    <p:sldId id="358" r:id="rId21"/>
-    <p:sldId id="359" r:id="rId22"/>
-    <p:sldId id="340" r:id="rId23"/>
-    <p:sldId id="360" r:id="rId24"/>
-    <p:sldId id="341" r:id="rId25"/>
-    <p:sldId id="362" r:id="rId26"/>
-    <p:sldId id="363" r:id="rId27"/>
-    <p:sldId id="361" r:id="rId28"/>
-    <p:sldId id="330" r:id="rId29"/>
-    <p:sldId id="287" r:id="rId30"/>
-    <p:sldId id="350" r:id="rId31"/>
-    <p:sldId id="336" r:id="rId32"/>
-    <p:sldId id="352" r:id="rId33"/>
-    <p:sldId id="351" r:id="rId34"/>
-    <p:sldId id="337" r:id="rId35"/>
-    <p:sldId id="338" r:id="rId36"/>
-    <p:sldId id="342" r:id="rId37"/>
-    <p:sldId id="343" r:id="rId38"/>
+    <p:sldId id="364" r:id="rId14"/>
+    <p:sldId id="354" r:id="rId15"/>
+    <p:sldId id="334" r:id="rId16"/>
+    <p:sldId id="355" r:id="rId17"/>
+    <p:sldId id="366" r:id="rId18"/>
+    <p:sldId id="365" r:id="rId19"/>
+    <p:sldId id="367" r:id="rId20"/>
+    <p:sldId id="369" r:id="rId21"/>
+    <p:sldId id="370" r:id="rId22"/>
+    <p:sldId id="356" r:id="rId23"/>
+    <p:sldId id="368" r:id="rId24"/>
+    <p:sldId id="335" r:id="rId25"/>
+    <p:sldId id="339" r:id="rId26"/>
+    <p:sldId id="357" r:id="rId27"/>
+    <p:sldId id="358" r:id="rId28"/>
+    <p:sldId id="359" r:id="rId29"/>
+    <p:sldId id="340" r:id="rId30"/>
+    <p:sldId id="360" r:id="rId31"/>
+    <p:sldId id="341" r:id="rId32"/>
+    <p:sldId id="362" r:id="rId33"/>
+    <p:sldId id="363" r:id="rId34"/>
+    <p:sldId id="361" r:id="rId35"/>
+    <p:sldId id="330" r:id="rId36"/>
+    <p:sldId id="287" r:id="rId37"/>
+    <p:sldId id="350" r:id="rId38"/>
+    <p:sldId id="336" r:id="rId39"/>
+    <p:sldId id="352" r:id="rId40"/>
+    <p:sldId id="351" r:id="rId41"/>
+    <p:sldId id="337" r:id="rId42"/>
+    <p:sldId id="338" r:id="rId43"/>
+    <p:sldId id="342" r:id="rId44"/>
+    <p:sldId id="343" r:id="rId45"/>
   </p:sldIdLst>
   <p:sldSz cx="12192000" cy="6858000"/>
   <p:notesSz cx="6858000" cy="9144000"/>
@@ -286,7 +293,7 @@
           <a:p>
             <a:fld id="{196123A9-CE3C-4C8B-8AC9-81BA8A358B74}" type="datetimeFigureOut">
               <a:rPr lang="en-US" smtClean="0"/>
-              <a:t>6/26/2024</a:t>
+              <a:t>6/27/2024</a:t>
             </a:fld>
             <a:endParaRPr lang="en-US"/>
           </a:p>
@@ -995,7 +1002,7 @@
     </p:spTree>
     <p:extLst>
       <p:ext uri="{BB962C8B-B14F-4D97-AF65-F5344CB8AC3E}">
-        <p14:creationId xmlns:p14="http://schemas.microsoft.com/office/powerpoint/2010/main" val="3138489670"/>
+        <p14:creationId xmlns:p14="http://schemas.microsoft.com/office/powerpoint/2010/main" val="2807599462"/>
       </p:ext>
     </p:extLst>
   </p:cSld>
@@ -1049,46 +1056,15 @@
           <a:bodyPr/>
           <a:lstStyle/>
           <a:p>
-            <a:r>
-              <a:rPr lang="en-US" sz="1200" kern="1200" dirty="0">
-                <a:solidFill>
-                  <a:schemeClr val="tx1"/>
-                </a:solidFill>
-                <a:effectLst/>
-                <a:latin typeface="+mn-lt"/>
-                <a:ea typeface="+mn-ea"/>
-                <a:cs typeface="+mn-cs"/>
-              </a:rPr>
-              <a:t>https://d2l.aivivn.com/chapter_natural-language-processing-pretraining/index_vn.html</a:t>
-            </a:r>
-          </a:p>
-          <a:p>
-            <a:r>
-              <a:rPr lang="en-US" sz="1200" kern="1200" dirty="0">
-                <a:solidFill>
-                  <a:schemeClr val="tx1"/>
-                </a:solidFill>
-                <a:effectLst/>
-                <a:latin typeface="+mn-lt"/>
-                <a:ea typeface="+mn-ea"/>
-                <a:cs typeface="+mn-cs"/>
-              </a:rPr>
-              <a:t>https://viblo.asia/p/so-luoc-word-embedding-gDVK2RAeKLj</a:t>
-            </a:r>
-          </a:p>
-          <a:p>
-            <a:r>
-              <a:rPr lang="en-US" sz="1200" kern="1200" dirty="0">
-                <a:solidFill>
-                  <a:schemeClr val="tx1"/>
-                </a:solidFill>
-                <a:effectLst/>
-                <a:latin typeface="+mn-lt"/>
-                <a:ea typeface="+mn-ea"/>
-                <a:cs typeface="+mn-cs"/>
-              </a:rPr>
-              <a:t>https://vinbigdata.com/kham-pha/word-embedding-so-sanh-cac-cach-tiep-can-truyen-thong-va-hien-dai.html</a:t>
-            </a:r>
+            <a:endParaRPr lang="en-US" sz="1200" kern="1200" dirty="0">
+              <a:solidFill>
+                <a:schemeClr val="tx1"/>
+              </a:solidFill>
+              <a:effectLst/>
+              <a:latin typeface="+mn-lt"/>
+              <a:ea typeface="+mn-ea"/>
+              <a:cs typeface="+mn-cs"/>
+            </a:endParaRPr>
           </a:p>
         </p:txBody>
       </p:sp>
@@ -1118,7 +1094,7 @@
     </p:spTree>
     <p:extLst>
       <p:ext uri="{BB962C8B-B14F-4D97-AF65-F5344CB8AC3E}">
-        <p14:creationId xmlns:p14="http://schemas.microsoft.com/office/powerpoint/2010/main" val="3921792473"/>
+        <p14:creationId xmlns:p14="http://schemas.microsoft.com/office/powerpoint/2010/main" val="3138489670"/>
       </p:ext>
     </p:extLst>
   </p:cSld>
@@ -1241,7 +1217,7 @@
     </p:spTree>
     <p:extLst>
       <p:ext uri="{BB962C8B-B14F-4D97-AF65-F5344CB8AC3E}">
-        <p14:creationId xmlns:p14="http://schemas.microsoft.com/office/powerpoint/2010/main" val="2597660251"/>
+        <p14:creationId xmlns:p14="http://schemas.microsoft.com/office/powerpoint/2010/main" val="3921792473"/>
       </p:ext>
     </p:extLst>
   </p:cSld>
@@ -1364,7 +1340,7 @@
     </p:spTree>
     <p:extLst>
       <p:ext uri="{BB962C8B-B14F-4D97-AF65-F5344CB8AC3E}">
-        <p14:creationId xmlns:p14="http://schemas.microsoft.com/office/powerpoint/2010/main" val="743087950"/>
+        <p14:creationId xmlns:p14="http://schemas.microsoft.com/office/powerpoint/2010/main" val="2597660251"/>
       </p:ext>
     </p:extLst>
   </p:cSld>
@@ -1418,15 +1394,18 @@
           <a:bodyPr/>
           <a:lstStyle/>
           <a:p>
-            <a:endParaRPr lang="en-US" sz="1200" kern="1200" dirty="0">
-              <a:solidFill>
-                <a:schemeClr val="tx1"/>
-              </a:solidFill>
-              <a:effectLst/>
-              <a:latin typeface="+mn-lt"/>
-              <a:ea typeface="+mn-ea"/>
-              <a:cs typeface="+mn-cs"/>
-            </a:endParaRPr>
+            <a:r>
+              <a:rPr lang="en-US" sz="1200" kern="1200" dirty="0">
+                <a:solidFill>
+                  <a:schemeClr val="tx1"/>
+                </a:solidFill>
+                <a:effectLst/>
+                <a:latin typeface="+mn-lt"/>
+                <a:ea typeface="+mn-ea"/>
+                <a:cs typeface="+mn-cs"/>
+              </a:rPr>
+              <a:t>https://en.wikipedia.org/wiki/Bag-of-words_model</a:t>
+            </a:r>
           </a:p>
         </p:txBody>
       </p:sp>
@@ -1456,7 +1435,7 @@
     </p:spTree>
     <p:extLst>
       <p:ext uri="{BB962C8B-B14F-4D97-AF65-F5344CB8AC3E}">
-        <p14:creationId xmlns:p14="http://schemas.microsoft.com/office/powerpoint/2010/main" val="4147640543"/>
+        <p14:creationId xmlns:p14="http://schemas.microsoft.com/office/powerpoint/2010/main" val="1402868336"/>
       </p:ext>
     </p:extLst>
   </p:cSld>
@@ -1510,15 +1489,46 @@
           <a:bodyPr/>
           <a:lstStyle/>
           <a:p>
-            <a:endParaRPr lang="en-US" sz="1200" kern="1200" dirty="0">
-              <a:solidFill>
-                <a:schemeClr val="tx1"/>
-              </a:solidFill>
-              <a:effectLst/>
-              <a:latin typeface="+mn-lt"/>
-              <a:ea typeface="+mn-ea"/>
-              <a:cs typeface="+mn-cs"/>
-            </a:endParaRPr>
+            <a:r>
+              <a:rPr lang="en-US" sz="1200" kern="1200" dirty="0">
+                <a:solidFill>
+                  <a:schemeClr val="tx1"/>
+                </a:solidFill>
+                <a:effectLst/>
+                <a:latin typeface="+mn-lt"/>
+                <a:ea typeface="+mn-ea"/>
+                <a:cs typeface="+mn-cs"/>
+              </a:rPr>
+              <a:t>https://d2l.aivivn.com/chapter_natural-language-processing-pretraining/index_vn.html</a:t>
+            </a:r>
+          </a:p>
+          <a:p>
+            <a:r>
+              <a:rPr lang="en-US" sz="1200" kern="1200" dirty="0">
+                <a:solidFill>
+                  <a:schemeClr val="tx1"/>
+                </a:solidFill>
+                <a:effectLst/>
+                <a:latin typeface="+mn-lt"/>
+                <a:ea typeface="+mn-ea"/>
+                <a:cs typeface="+mn-cs"/>
+              </a:rPr>
+              <a:t>https://viblo.asia/p/so-luoc-word-embedding-gDVK2RAeKLj</a:t>
+            </a:r>
+          </a:p>
+          <a:p>
+            <a:r>
+              <a:rPr lang="en-US" sz="1200" kern="1200" dirty="0">
+                <a:solidFill>
+                  <a:schemeClr val="tx1"/>
+                </a:solidFill>
+                <a:effectLst/>
+                <a:latin typeface="+mn-lt"/>
+                <a:ea typeface="+mn-ea"/>
+                <a:cs typeface="+mn-cs"/>
+              </a:rPr>
+              <a:t>https://vinbigdata.com/kham-pha/word-embedding-so-sanh-cac-cach-tiep-can-truyen-thong-va-hien-dai.html</a:t>
+            </a:r>
           </a:p>
         </p:txBody>
       </p:sp>
@@ -1548,7 +1558,7 @@
     </p:spTree>
     <p:extLst>
       <p:ext uri="{BB962C8B-B14F-4D97-AF65-F5344CB8AC3E}">
-        <p14:creationId xmlns:p14="http://schemas.microsoft.com/office/powerpoint/2010/main" val="2896136930"/>
+        <p14:creationId xmlns:p14="http://schemas.microsoft.com/office/powerpoint/2010/main" val="1719199196"/>
       </p:ext>
     </p:extLst>
   </p:cSld>
@@ -1602,15 +1612,46 @@
           <a:bodyPr/>
           <a:lstStyle/>
           <a:p>
-            <a:endParaRPr lang="en-US" sz="1200" kern="1200" dirty="0">
-              <a:solidFill>
-                <a:schemeClr val="tx1"/>
-              </a:solidFill>
-              <a:effectLst/>
-              <a:latin typeface="+mn-lt"/>
-              <a:ea typeface="+mn-ea"/>
-              <a:cs typeface="+mn-cs"/>
-            </a:endParaRPr>
+            <a:r>
+              <a:rPr lang="en-US" sz="1200" kern="1200" dirty="0">
+                <a:solidFill>
+                  <a:schemeClr val="tx1"/>
+                </a:solidFill>
+                <a:effectLst/>
+                <a:latin typeface="+mn-lt"/>
+                <a:ea typeface="+mn-ea"/>
+                <a:cs typeface="+mn-cs"/>
+              </a:rPr>
+              <a:t>https://d2l.aivivn.com/chapter_natural-language-processing-pretraining/index_vn.html</a:t>
+            </a:r>
+          </a:p>
+          <a:p>
+            <a:r>
+              <a:rPr lang="en-US" sz="1200" kern="1200" dirty="0">
+                <a:solidFill>
+                  <a:schemeClr val="tx1"/>
+                </a:solidFill>
+                <a:effectLst/>
+                <a:latin typeface="+mn-lt"/>
+                <a:ea typeface="+mn-ea"/>
+                <a:cs typeface="+mn-cs"/>
+              </a:rPr>
+              <a:t>https://viblo.asia/p/so-luoc-word-embedding-gDVK2RAeKLj</a:t>
+            </a:r>
+          </a:p>
+          <a:p>
+            <a:r>
+              <a:rPr lang="en-US" sz="1200" kern="1200" dirty="0">
+                <a:solidFill>
+                  <a:schemeClr val="tx1"/>
+                </a:solidFill>
+                <a:effectLst/>
+                <a:latin typeface="+mn-lt"/>
+                <a:ea typeface="+mn-ea"/>
+                <a:cs typeface="+mn-cs"/>
+              </a:rPr>
+              <a:t>https://vinbigdata.com/kham-pha/word-embedding-so-sanh-cac-cach-tiep-can-truyen-thong-va-hien-dai.html</a:t>
+            </a:r>
           </a:p>
         </p:txBody>
       </p:sp>
@@ -1640,7 +1681,7 @@
     </p:spTree>
     <p:extLst>
       <p:ext uri="{BB962C8B-B14F-4D97-AF65-F5344CB8AC3E}">
-        <p14:creationId xmlns:p14="http://schemas.microsoft.com/office/powerpoint/2010/main" val="79936506"/>
+        <p14:creationId xmlns:p14="http://schemas.microsoft.com/office/powerpoint/2010/main" val="820837152"/>
       </p:ext>
     </p:extLst>
   </p:cSld>
@@ -1786,15 +1827,46 @@
           <a:bodyPr/>
           <a:lstStyle/>
           <a:p>
-            <a:endParaRPr lang="en-US" sz="1200" kern="1200" dirty="0">
-              <a:solidFill>
-                <a:schemeClr val="tx1"/>
-              </a:solidFill>
-              <a:effectLst/>
-              <a:latin typeface="+mn-lt"/>
-              <a:ea typeface="+mn-ea"/>
-              <a:cs typeface="+mn-cs"/>
-            </a:endParaRPr>
+            <a:r>
+              <a:rPr lang="en-US" sz="1200" kern="1200" dirty="0">
+                <a:solidFill>
+                  <a:schemeClr val="tx1"/>
+                </a:solidFill>
+                <a:effectLst/>
+                <a:latin typeface="+mn-lt"/>
+                <a:ea typeface="+mn-ea"/>
+                <a:cs typeface="+mn-cs"/>
+              </a:rPr>
+              <a:t>https://d2l.aivivn.com/chapter_natural-language-processing-pretraining/index_vn.html</a:t>
+            </a:r>
+          </a:p>
+          <a:p>
+            <a:r>
+              <a:rPr lang="en-US" sz="1200" kern="1200" dirty="0">
+                <a:solidFill>
+                  <a:schemeClr val="tx1"/>
+                </a:solidFill>
+                <a:effectLst/>
+                <a:latin typeface="+mn-lt"/>
+                <a:ea typeface="+mn-ea"/>
+                <a:cs typeface="+mn-cs"/>
+              </a:rPr>
+              <a:t>https://viblo.asia/p/so-luoc-word-embedding-gDVK2RAeKLj</a:t>
+            </a:r>
+          </a:p>
+          <a:p>
+            <a:r>
+              <a:rPr lang="en-US" sz="1200" kern="1200" dirty="0">
+                <a:solidFill>
+                  <a:schemeClr val="tx1"/>
+                </a:solidFill>
+                <a:effectLst/>
+                <a:latin typeface="+mn-lt"/>
+                <a:ea typeface="+mn-ea"/>
+                <a:cs typeface="+mn-cs"/>
+              </a:rPr>
+              <a:t>https://vinbigdata.com/kham-pha/word-embedding-so-sanh-cac-cach-tiep-can-truyen-thong-va-hien-dai.html</a:t>
+            </a:r>
           </a:p>
         </p:txBody>
       </p:sp>
@@ -1824,7 +1896,7 @@
     </p:spTree>
     <p:extLst>
       <p:ext uri="{BB962C8B-B14F-4D97-AF65-F5344CB8AC3E}">
-        <p14:creationId xmlns:p14="http://schemas.microsoft.com/office/powerpoint/2010/main" val="3510418805"/>
+        <p14:creationId xmlns:p14="http://schemas.microsoft.com/office/powerpoint/2010/main" val="1019733098"/>
       </p:ext>
     </p:extLst>
   </p:cSld>
@@ -1878,15 +1950,46 @@
           <a:bodyPr/>
           <a:lstStyle/>
           <a:p>
-            <a:endParaRPr lang="en-US" sz="1200" kern="1200" dirty="0">
-              <a:solidFill>
-                <a:schemeClr val="tx1"/>
-              </a:solidFill>
-              <a:effectLst/>
-              <a:latin typeface="+mn-lt"/>
-              <a:ea typeface="+mn-ea"/>
-              <a:cs typeface="+mn-cs"/>
-            </a:endParaRPr>
+            <a:r>
+              <a:rPr lang="en-US" sz="1200" kern="1200" dirty="0">
+                <a:solidFill>
+                  <a:schemeClr val="tx1"/>
+                </a:solidFill>
+                <a:effectLst/>
+                <a:latin typeface="+mn-lt"/>
+                <a:ea typeface="+mn-ea"/>
+                <a:cs typeface="+mn-cs"/>
+              </a:rPr>
+              <a:t>https://d2l.aivivn.com/chapter_natural-language-processing-pretraining/index_vn.html</a:t>
+            </a:r>
+          </a:p>
+          <a:p>
+            <a:r>
+              <a:rPr lang="en-US" sz="1200" kern="1200" dirty="0">
+                <a:solidFill>
+                  <a:schemeClr val="tx1"/>
+                </a:solidFill>
+                <a:effectLst/>
+                <a:latin typeface="+mn-lt"/>
+                <a:ea typeface="+mn-ea"/>
+                <a:cs typeface="+mn-cs"/>
+              </a:rPr>
+              <a:t>https://viblo.asia/p/so-luoc-word-embedding-gDVK2RAeKLj</a:t>
+            </a:r>
+          </a:p>
+          <a:p>
+            <a:r>
+              <a:rPr lang="en-US" sz="1200" kern="1200" dirty="0">
+                <a:solidFill>
+                  <a:schemeClr val="tx1"/>
+                </a:solidFill>
+                <a:effectLst/>
+                <a:latin typeface="+mn-lt"/>
+                <a:ea typeface="+mn-ea"/>
+                <a:cs typeface="+mn-cs"/>
+              </a:rPr>
+              <a:t>https://vinbigdata.com/kham-pha/word-embedding-so-sanh-cac-cach-tiep-can-truyen-thong-va-hien-dai.html</a:t>
+            </a:r>
           </a:p>
         </p:txBody>
       </p:sp>
@@ -1916,7 +2019,7 @@
     </p:spTree>
     <p:extLst>
       <p:ext uri="{BB962C8B-B14F-4D97-AF65-F5344CB8AC3E}">
-        <p14:creationId xmlns:p14="http://schemas.microsoft.com/office/powerpoint/2010/main" val="194395143"/>
+        <p14:creationId xmlns:p14="http://schemas.microsoft.com/office/powerpoint/2010/main" val="3918714637"/>
       </p:ext>
     </p:extLst>
   </p:cSld>
@@ -1970,15 +2073,46 @@
           <a:bodyPr/>
           <a:lstStyle/>
           <a:p>
-            <a:endParaRPr lang="en-US" sz="1200" kern="1200" dirty="0">
-              <a:solidFill>
-                <a:schemeClr val="tx1"/>
-              </a:solidFill>
-              <a:effectLst/>
-              <a:latin typeface="+mn-lt"/>
-              <a:ea typeface="+mn-ea"/>
-              <a:cs typeface="+mn-cs"/>
-            </a:endParaRPr>
+            <a:r>
+              <a:rPr lang="en-US" sz="1200" kern="1200" dirty="0">
+                <a:solidFill>
+                  <a:schemeClr val="tx1"/>
+                </a:solidFill>
+                <a:effectLst/>
+                <a:latin typeface="+mn-lt"/>
+                <a:ea typeface="+mn-ea"/>
+                <a:cs typeface="+mn-cs"/>
+              </a:rPr>
+              <a:t>https://d2l.aivivn.com/chapter_natural-language-processing-pretraining/index_vn.html</a:t>
+            </a:r>
+          </a:p>
+          <a:p>
+            <a:r>
+              <a:rPr lang="en-US" sz="1200" kern="1200" dirty="0">
+                <a:solidFill>
+                  <a:schemeClr val="tx1"/>
+                </a:solidFill>
+                <a:effectLst/>
+                <a:latin typeface="+mn-lt"/>
+                <a:ea typeface="+mn-ea"/>
+                <a:cs typeface="+mn-cs"/>
+              </a:rPr>
+              <a:t>https://viblo.asia/p/so-luoc-word-embedding-gDVK2RAeKLj</a:t>
+            </a:r>
+          </a:p>
+          <a:p>
+            <a:r>
+              <a:rPr lang="en-US" sz="1200" kern="1200" dirty="0">
+                <a:solidFill>
+                  <a:schemeClr val="tx1"/>
+                </a:solidFill>
+                <a:effectLst/>
+                <a:latin typeface="+mn-lt"/>
+                <a:ea typeface="+mn-ea"/>
+                <a:cs typeface="+mn-cs"/>
+              </a:rPr>
+              <a:t>https://vinbigdata.com/kham-pha/word-embedding-so-sanh-cac-cach-tiep-can-truyen-thong-va-hien-dai.html</a:t>
+            </a:r>
           </a:p>
         </p:txBody>
       </p:sp>
@@ -2008,7 +2142,7 @@
     </p:spTree>
     <p:extLst>
       <p:ext uri="{BB962C8B-B14F-4D97-AF65-F5344CB8AC3E}">
-        <p14:creationId xmlns:p14="http://schemas.microsoft.com/office/powerpoint/2010/main" val="2713595376"/>
+        <p14:creationId xmlns:p14="http://schemas.microsoft.com/office/powerpoint/2010/main" val="743087950"/>
       </p:ext>
     </p:extLst>
   </p:cSld>
@@ -2062,15 +2196,46 @@
           <a:bodyPr/>
           <a:lstStyle/>
           <a:p>
-            <a:endParaRPr lang="en-US" sz="1200" kern="1200" dirty="0">
-              <a:solidFill>
-                <a:schemeClr val="tx1"/>
-              </a:solidFill>
-              <a:effectLst/>
-              <a:latin typeface="+mn-lt"/>
-              <a:ea typeface="+mn-ea"/>
-              <a:cs typeface="+mn-cs"/>
-            </a:endParaRPr>
+            <a:r>
+              <a:rPr lang="en-US" sz="1200" kern="1200" dirty="0">
+                <a:solidFill>
+                  <a:schemeClr val="tx1"/>
+                </a:solidFill>
+                <a:effectLst/>
+                <a:latin typeface="+mn-lt"/>
+                <a:ea typeface="+mn-ea"/>
+                <a:cs typeface="+mn-cs"/>
+              </a:rPr>
+              <a:t>https://d2l.aivivn.com/chapter_natural-language-processing-pretraining/index_vn.html</a:t>
+            </a:r>
+          </a:p>
+          <a:p>
+            <a:r>
+              <a:rPr lang="en-US" sz="1200" kern="1200" dirty="0">
+                <a:solidFill>
+                  <a:schemeClr val="tx1"/>
+                </a:solidFill>
+                <a:effectLst/>
+                <a:latin typeface="+mn-lt"/>
+                <a:ea typeface="+mn-ea"/>
+                <a:cs typeface="+mn-cs"/>
+              </a:rPr>
+              <a:t>https://viblo.asia/p/so-luoc-word-embedding-gDVK2RAeKLj</a:t>
+            </a:r>
+          </a:p>
+          <a:p>
+            <a:r>
+              <a:rPr lang="en-US" sz="1200" kern="1200" dirty="0">
+                <a:solidFill>
+                  <a:schemeClr val="tx1"/>
+                </a:solidFill>
+                <a:effectLst/>
+                <a:latin typeface="+mn-lt"/>
+                <a:ea typeface="+mn-ea"/>
+                <a:cs typeface="+mn-cs"/>
+              </a:rPr>
+              <a:t>https://vinbigdata.com/kham-pha/word-embedding-so-sanh-cac-cach-tiep-can-truyen-thong-va-hien-dai.html</a:t>
+            </a:r>
           </a:p>
         </p:txBody>
       </p:sp>
@@ -2100,7 +2265,7 @@
     </p:spTree>
     <p:extLst>
       <p:ext uri="{BB962C8B-B14F-4D97-AF65-F5344CB8AC3E}">
-        <p14:creationId xmlns:p14="http://schemas.microsoft.com/office/powerpoint/2010/main" val="1401846330"/>
+        <p14:creationId xmlns:p14="http://schemas.microsoft.com/office/powerpoint/2010/main" val="3046255440"/>
       </p:ext>
     </p:extLst>
   </p:cSld>
@@ -2192,7 +2357,7 @@
     </p:spTree>
     <p:extLst>
       <p:ext uri="{BB962C8B-B14F-4D97-AF65-F5344CB8AC3E}">
-        <p14:creationId xmlns:p14="http://schemas.microsoft.com/office/powerpoint/2010/main" val="3577601792"/>
+        <p14:creationId xmlns:p14="http://schemas.microsoft.com/office/powerpoint/2010/main" val="4147640543"/>
       </p:ext>
     </p:extLst>
   </p:cSld>
@@ -2284,7 +2449,7 @@
     </p:spTree>
     <p:extLst>
       <p:ext uri="{BB962C8B-B14F-4D97-AF65-F5344CB8AC3E}">
-        <p14:creationId xmlns:p14="http://schemas.microsoft.com/office/powerpoint/2010/main" val="3533885532"/>
+        <p14:creationId xmlns:p14="http://schemas.microsoft.com/office/powerpoint/2010/main" val="2896136930"/>
       </p:ext>
     </p:extLst>
   </p:cSld>
@@ -2376,7 +2541,7 @@
     </p:spTree>
     <p:extLst>
       <p:ext uri="{BB962C8B-B14F-4D97-AF65-F5344CB8AC3E}">
-        <p14:creationId xmlns:p14="http://schemas.microsoft.com/office/powerpoint/2010/main" val="1765270506"/>
+        <p14:creationId xmlns:p14="http://schemas.microsoft.com/office/powerpoint/2010/main" val="79936506"/>
       </p:ext>
     </p:extLst>
   </p:cSld>
@@ -2468,7 +2633,7 @@
     </p:spTree>
     <p:extLst>
       <p:ext uri="{BB962C8B-B14F-4D97-AF65-F5344CB8AC3E}">
-        <p14:creationId xmlns:p14="http://schemas.microsoft.com/office/powerpoint/2010/main" val="254500431"/>
+        <p14:creationId xmlns:p14="http://schemas.microsoft.com/office/powerpoint/2010/main" val="3510418805"/>
       </p:ext>
     </p:extLst>
   </p:cSld>
@@ -2560,7 +2725,7 @@
     </p:spTree>
     <p:extLst>
       <p:ext uri="{BB962C8B-B14F-4D97-AF65-F5344CB8AC3E}">
-        <p14:creationId xmlns:p14="http://schemas.microsoft.com/office/powerpoint/2010/main" val="1924526848"/>
+        <p14:creationId xmlns:p14="http://schemas.microsoft.com/office/powerpoint/2010/main" val="194395143"/>
       </p:ext>
     </p:extLst>
   </p:cSld>
@@ -2614,7 +2779,15 @@
           <a:bodyPr/>
           <a:lstStyle/>
           <a:p>
-            <a:endParaRPr lang="en-US" dirty="0"/>
+            <a:endParaRPr lang="en-US" sz="1200" kern="1200" dirty="0">
+              <a:solidFill>
+                <a:schemeClr val="tx1"/>
+              </a:solidFill>
+              <a:effectLst/>
+              <a:latin typeface="+mn-lt"/>
+              <a:ea typeface="+mn-ea"/>
+              <a:cs typeface="+mn-cs"/>
+            </a:endParaRPr>
           </a:p>
         </p:txBody>
       </p:sp>
@@ -2644,7 +2817,7 @@
     </p:spTree>
     <p:extLst>
       <p:ext uri="{BB962C8B-B14F-4D97-AF65-F5344CB8AC3E}">
-        <p14:creationId xmlns:p14="http://schemas.microsoft.com/office/powerpoint/2010/main" val="4196192877"/>
+        <p14:creationId xmlns:p14="http://schemas.microsoft.com/office/powerpoint/2010/main" val="2713595376"/>
       </p:ext>
     </p:extLst>
   </p:cSld>
@@ -2828,7 +3001,7 @@
     </p:spTree>
     <p:extLst>
       <p:ext uri="{BB962C8B-B14F-4D97-AF65-F5344CB8AC3E}">
-        <p14:creationId xmlns:p14="http://schemas.microsoft.com/office/powerpoint/2010/main" val="965342572"/>
+        <p14:creationId xmlns:p14="http://schemas.microsoft.com/office/powerpoint/2010/main" val="1401846330"/>
       </p:ext>
     </p:extLst>
   </p:cSld>
@@ -2920,7 +3093,7 @@
     </p:spTree>
     <p:extLst>
       <p:ext uri="{BB962C8B-B14F-4D97-AF65-F5344CB8AC3E}">
-        <p14:creationId xmlns:p14="http://schemas.microsoft.com/office/powerpoint/2010/main" val="3579942779"/>
+        <p14:creationId xmlns:p14="http://schemas.microsoft.com/office/powerpoint/2010/main" val="3577601792"/>
       </p:ext>
     </p:extLst>
   </p:cSld>
@@ -3012,7 +3185,7 @@
     </p:spTree>
     <p:extLst>
       <p:ext uri="{BB962C8B-B14F-4D97-AF65-F5344CB8AC3E}">
-        <p14:creationId xmlns:p14="http://schemas.microsoft.com/office/powerpoint/2010/main" val="784555517"/>
+        <p14:creationId xmlns:p14="http://schemas.microsoft.com/office/powerpoint/2010/main" val="3533885532"/>
       </p:ext>
     </p:extLst>
   </p:cSld>
@@ -3104,7 +3277,7 @@
     </p:spTree>
     <p:extLst>
       <p:ext uri="{BB962C8B-B14F-4D97-AF65-F5344CB8AC3E}">
-        <p14:creationId xmlns:p14="http://schemas.microsoft.com/office/powerpoint/2010/main" val="1572697987"/>
+        <p14:creationId xmlns:p14="http://schemas.microsoft.com/office/powerpoint/2010/main" val="1765270506"/>
       </p:ext>
     </p:extLst>
   </p:cSld>
@@ -3196,7 +3369,7 @@
     </p:spTree>
     <p:extLst>
       <p:ext uri="{BB962C8B-B14F-4D97-AF65-F5344CB8AC3E}">
-        <p14:creationId xmlns:p14="http://schemas.microsoft.com/office/powerpoint/2010/main" val="3466108817"/>
+        <p14:creationId xmlns:p14="http://schemas.microsoft.com/office/powerpoint/2010/main" val="254500431"/>
       </p:ext>
     </p:extLst>
   </p:cSld>
@@ -3288,7 +3461,7 @@
     </p:spTree>
     <p:extLst>
       <p:ext uri="{BB962C8B-B14F-4D97-AF65-F5344CB8AC3E}">
-        <p14:creationId xmlns:p14="http://schemas.microsoft.com/office/powerpoint/2010/main" val="632476078"/>
+        <p14:creationId xmlns:p14="http://schemas.microsoft.com/office/powerpoint/2010/main" val="1924526848"/>
       </p:ext>
     </p:extLst>
   </p:cSld>
@@ -3342,108 +3515,7 @@
           <a:bodyPr/>
           <a:lstStyle/>
           <a:p>
-            <a:pPr marL="0" marR="0" lvl="0" indent="0" algn="l" defTabSz="914400" rtl="0" eaLnBrk="1" fontAlgn="auto" latinLnBrk="0" hangingPunct="1">
-              <a:lnSpc>
-                <a:spcPct val="100000"/>
-              </a:lnSpc>
-              <a:spcBef>
-                <a:spcPts val="0"/>
-              </a:spcBef>
-              <a:spcAft>
-                <a:spcPts val="0"/>
-              </a:spcAft>
-              <a:buClrTx/>
-              <a:buSzTx/>
-              <a:buFontTx/>
-              <a:buNone/>
-              <a:tabLst/>
-              <a:defRPr/>
-            </a:pPr>
-            <a:r>
-              <a:rPr lang="en-US" sz="1200" kern="1200" dirty="0">
-                <a:solidFill>
-                  <a:schemeClr val="tx1"/>
-                </a:solidFill>
-                <a:effectLst/>
-                <a:latin typeface="+mn-lt"/>
-                <a:ea typeface="+mn-ea"/>
-                <a:cs typeface="+mn-cs"/>
-              </a:rPr>
-              <a:t>https://viblo.asia/p/so-luoc-word-embedding-gDVK2RAeKLj</a:t>
-            </a:r>
-          </a:p>
-          <a:p>
-            <a:pPr marL="0" marR="0" lvl="0" indent="0" algn="l" defTabSz="914400" rtl="0" eaLnBrk="1" fontAlgn="auto" latinLnBrk="0" hangingPunct="1">
-              <a:lnSpc>
-                <a:spcPct val="100000"/>
-              </a:lnSpc>
-              <a:spcBef>
-                <a:spcPts val="0"/>
-              </a:spcBef>
-              <a:spcAft>
-                <a:spcPts val="0"/>
-              </a:spcAft>
-              <a:buClrTx/>
-              <a:buSzTx/>
-              <a:buFontTx/>
-              <a:buNone/>
-              <a:tabLst/>
-              <a:defRPr/>
-            </a:pPr>
-            <a:r>
-              <a:rPr lang="en-US" sz="1200" kern="1200" dirty="0">
-                <a:solidFill>
-                  <a:schemeClr val="tx1"/>
-                </a:solidFill>
-                <a:effectLst/>
-                <a:latin typeface="+mn-lt"/>
-                <a:ea typeface="+mn-ea"/>
-                <a:cs typeface="+mn-cs"/>
-              </a:rPr>
-              <a:t>https://d2l.aivivn.com/chapter_natural-language-processing-pretraining/index_vn.html</a:t>
-            </a:r>
-          </a:p>
-          <a:p>
-            <a:r>
-              <a:rPr lang="en-US" sz="1200" kern="1200" dirty="0">
-                <a:solidFill>
-                  <a:schemeClr val="tx1"/>
-                </a:solidFill>
-                <a:effectLst/>
-                <a:latin typeface="+mn-lt"/>
-                <a:ea typeface="+mn-ea"/>
-                <a:cs typeface="+mn-cs"/>
-              </a:rPr>
-              <a:t>https://www.geeksforgeeks.org/word-embedding-techniques-in-nlp/</a:t>
-            </a:r>
-          </a:p>
-          <a:p>
-            <a:r>
-              <a:rPr lang="en-US" sz="1200" kern="1200" dirty="0">
-                <a:solidFill>
-                  <a:schemeClr val="tx1"/>
-                </a:solidFill>
-                <a:effectLst/>
-                <a:latin typeface="+mn-lt"/>
-                <a:ea typeface="+mn-ea"/>
-                <a:cs typeface="+mn-cs"/>
-              </a:rPr>
-              <a:t>https://scikit-learn.org/stable/modules/generated/sklearn.feature_extraction.text.CountVectorizer.html</a:t>
-            </a:r>
-          </a:p>
-          <a:p>
-            <a:r>
-              <a:rPr lang="en-US" sz="1200" kern="1200" dirty="0">
-                <a:solidFill>
-                  <a:schemeClr val="tx1"/>
-                </a:solidFill>
-                <a:effectLst/>
-                <a:latin typeface="+mn-lt"/>
-                <a:ea typeface="+mn-ea"/>
-                <a:cs typeface="+mn-cs"/>
-              </a:rPr>
-              <a:t>https://scikit-learn.org/stable/modules/generated/sklearn.feature_extraction.text.TfidfVectorizer.html</a:t>
-            </a:r>
+            <a:endParaRPr lang="en-US" dirty="0"/>
           </a:p>
         </p:txBody>
       </p:sp>
@@ -3473,7 +3545,7 @@
     </p:spTree>
     <p:extLst>
       <p:ext uri="{BB962C8B-B14F-4D97-AF65-F5344CB8AC3E}">
-        <p14:creationId xmlns:p14="http://schemas.microsoft.com/office/powerpoint/2010/main" val="1328873860"/>
+        <p14:creationId xmlns:p14="http://schemas.microsoft.com/office/powerpoint/2010/main" val="4196192877"/>
       </p:ext>
     </p:extLst>
   </p:cSld>
@@ -3527,63 +3599,15 @@
           <a:bodyPr/>
           <a:lstStyle/>
           <a:p>
-            <a:pPr marL="0" marR="0" lvl="0" indent="0" algn="l" defTabSz="914400" rtl="0" eaLnBrk="1" fontAlgn="auto" latinLnBrk="0" hangingPunct="1">
-              <a:lnSpc>
-                <a:spcPct val="100000"/>
-              </a:lnSpc>
-              <a:spcBef>
-                <a:spcPts val="0"/>
-              </a:spcBef>
-              <a:spcAft>
-                <a:spcPts val="0"/>
-              </a:spcAft>
-              <a:buClrTx/>
-              <a:buSzTx/>
-              <a:buFontTx/>
-              <a:buNone/>
-              <a:tabLst/>
-              <a:defRPr/>
-            </a:pPr>
-            <a:r>
-              <a:rPr lang="en-US" sz="1200" kern="1200" dirty="0">
-                <a:solidFill>
-                  <a:schemeClr val="tx1"/>
-                </a:solidFill>
-                <a:effectLst/>
-                <a:latin typeface="+mn-lt"/>
-                <a:ea typeface="+mn-ea"/>
-                <a:cs typeface="+mn-cs"/>
-              </a:rPr>
-              <a:t>https://d2l.aivivn.com/chapter_natural-language-processing-pretraining/index_vn.html</a:t>
-            </a:r>
-          </a:p>
-          <a:p>
-            <a:r>
-              <a:rPr lang="en-US" sz="1200" kern="1200" dirty="0">
-                <a:solidFill>
-                  <a:schemeClr val="tx1"/>
-                </a:solidFill>
-                <a:effectLst/>
-                <a:latin typeface="+mn-lt"/>
-                <a:ea typeface="+mn-ea"/>
-                <a:cs typeface="+mn-cs"/>
-              </a:rPr>
-              <a:t>https://viblo.asia/p/so-luoc-word-embedding-gDVK2RAeKLj</a:t>
-            </a:r>
-          </a:p>
-          <a:p>
-            <a:r>
-              <a:rPr lang="en-US" sz="1200" kern="1200" dirty="0">
-                <a:solidFill>
-                  <a:schemeClr val="tx1"/>
-                </a:solidFill>
-                <a:effectLst/>
-                <a:latin typeface="+mn-lt"/>
-                <a:ea typeface="+mn-ea"/>
-                <a:cs typeface="+mn-cs"/>
-              </a:rPr>
-              <a:t>https://www.geeksforgeeks.org/word-embedding-techniques-in-nlp/</a:t>
-            </a:r>
+            <a:endParaRPr lang="en-US" sz="1200" kern="1200" dirty="0">
+              <a:solidFill>
+                <a:schemeClr val="tx1"/>
+              </a:solidFill>
+              <a:effectLst/>
+              <a:latin typeface="+mn-lt"/>
+              <a:ea typeface="+mn-ea"/>
+              <a:cs typeface="+mn-cs"/>
+            </a:endParaRPr>
           </a:p>
         </p:txBody>
       </p:sp>
@@ -3613,7 +3637,191 @@
     </p:spTree>
     <p:extLst>
       <p:ext uri="{BB962C8B-B14F-4D97-AF65-F5344CB8AC3E}">
-        <p14:creationId xmlns:p14="http://schemas.microsoft.com/office/powerpoint/2010/main" val="3300722882"/>
+        <p14:creationId xmlns:p14="http://schemas.microsoft.com/office/powerpoint/2010/main" val="965342572"/>
+      </p:ext>
+    </p:extLst>
+  </p:cSld>
+  <p:clrMapOvr>
+    <a:masterClrMapping/>
+  </p:clrMapOvr>
+</p:notes>
+</file>
+
+<file path=ppt/notesSlides/notesSlide38.xml><?xml version="1.0" encoding="utf-8"?>
+<p:notes xmlns:a="http://schemas.openxmlformats.org/drawingml/2006/main" xmlns:r="http://schemas.openxmlformats.org/officeDocument/2006/relationships" xmlns:p="http://schemas.openxmlformats.org/presentationml/2006/main">
+  <p:cSld>
+    <p:spTree>
+      <p:nvGrpSpPr>
+        <p:cNvPr id="1" name=""/>
+        <p:cNvGrpSpPr/>
+        <p:nvPr/>
+      </p:nvGrpSpPr>
+      <p:grpSpPr>
+        <a:xfrm>
+          <a:off x="0" y="0"/>
+          <a:ext cx="0" cy="0"/>
+          <a:chOff x="0" y="0"/>
+          <a:chExt cx="0" cy="0"/>
+        </a:xfrm>
+      </p:grpSpPr>
+      <p:sp>
+        <p:nvSpPr>
+          <p:cNvPr id="2" name="Slide Image Placeholder 1"/>
+          <p:cNvSpPr>
+            <a:spLocks noGrp="1" noRot="1" noChangeAspect="1"/>
+          </p:cNvSpPr>
+          <p:nvPr>
+            <p:ph type="sldImg"/>
+          </p:nvPr>
+        </p:nvSpPr>
+        <p:spPr/>
+      </p:sp>
+      <p:sp>
+        <p:nvSpPr>
+          <p:cNvPr id="3" name="Notes Placeholder 2"/>
+          <p:cNvSpPr>
+            <a:spLocks noGrp="1"/>
+          </p:cNvSpPr>
+          <p:nvPr>
+            <p:ph type="body" idx="1"/>
+          </p:nvPr>
+        </p:nvSpPr>
+        <p:spPr/>
+        <p:txBody>
+          <a:bodyPr/>
+          <a:lstStyle/>
+          <a:p>
+            <a:endParaRPr lang="en-US" sz="1200" kern="1200" dirty="0">
+              <a:solidFill>
+                <a:schemeClr val="tx1"/>
+              </a:solidFill>
+              <a:effectLst/>
+              <a:latin typeface="+mn-lt"/>
+              <a:ea typeface="+mn-ea"/>
+              <a:cs typeface="+mn-cs"/>
+            </a:endParaRPr>
+          </a:p>
+        </p:txBody>
+      </p:sp>
+      <p:sp>
+        <p:nvSpPr>
+          <p:cNvPr id="4" name="Slide Number Placeholder 3"/>
+          <p:cNvSpPr>
+            <a:spLocks noGrp="1"/>
+          </p:cNvSpPr>
+          <p:nvPr>
+            <p:ph type="sldNum" sz="quarter" idx="10"/>
+          </p:nvPr>
+        </p:nvSpPr>
+        <p:spPr/>
+        <p:txBody>
+          <a:bodyPr/>
+          <a:lstStyle/>
+          <a:p>
+            <a:fld id="{B850756A-E1CA-4E5E-8241-A897EE7CB764}" type="slidenum">
+              <a:rPr lang="en-US" smtClean="0"/>
+              <a:t>38</a:t>
+            </a:fld>
+            <a:endParaRPr lang="en-US"/>
+          </a:p>
+        </p:txBody>
+      </p:sp>
+    </p:spTree>
+    <p:extLst>
+      <p:ext uri="{BB962C8B-B14F-4D97-AF65-F5344CB8AC3E}">
+        <p14:creationId xmlns:p14="http://schemas.microsoft.com/office/powerpoint/2010/main" val="3579942779"/>
+      </p:ext>
+    </p:extLst>
+  </p:cSld>
+  <p:clrMapOvr>
+    <a:masterClrMapping/>
+  </p:clrMapOvr>
+</p:notes>
+</file>
+
+<file path=ppt/notesSlides/notesSlide39.xml><?xml version="1.0" encoding="utf-8"?>
+<p:notes xmlns:a="http://schemas.openxmlformats.org/drawingml/2006/main" xmlns:r="http://schemas.openxmlformats.org/officeDocument/2006/relationships" xmlns:p="http://schemas.openxmlformats.org/presentationml/2006/main">
+  <p:cSld>
+    <p:spTree>
+      <p:nvGrpSpPr>
+        <p:cNvPr id="1" name=""/>
+        <p:cNvGrpSpPr/>
+        <p:nvPr/>
+      </p:nvGrpSpPr>
+      <p:grpSpPr>
+        <a:xfrm>
+          <a:off x="0" y="0"/>
+          <a:ext cx="0" cy="0"/>
+          <a:chOff x="0" y="0"/>
+          <a:chExt cx="0" cy="0"/>
+        </a:xfrm>
+      </p:grpSpPr>
+      <p:sp>
+        <p:nvSpPr>
+          <p:cNvPr id="2" name="Slide Image Placeholder 1"/>
+          <p:cNvSpPr>
+            <a:spLocks noGrp="1" noRot="1" noChangeAspect="1"/>
+          </p:cNvSpPr>
+          <p:nvPr>
+            <p:ph type="sldImg"/>
+          </p:nvPr>
+        </p:nvSpPr>
+        <p:spPr/>
+      </p:sp>
+      <p:sp>
+        <p:nvSpPr>
+          <p:cNvPr id="3" name="Notes Placeholder 2"/>
+          <p:cNvSpPr>
+            <a:spLocks noGrp="1"/>
+          </p:cNvSpPr>
+          <p:nvPr>
+            <p:ph type="body" idx="1"/>
+          </p:nvPr>
+        </p:nvSpPr>
+        <p:spPr/>
+        <p:txBody>
+          <a:bodyPr/>
+          <a:lstStyle/>
+          <a:p>
+            <a:endParaRPr lang="en-US" sz="1200" kern="1200" dirty="0">
+              <a:solidFill>
+                <a:schemeClr val="tx1"/>
+              </a:solidFill>
+              <a:effectLst/>
+              <a:latin typeface="+mn-lt"/>
+              <a:ea typeface="+mn-ea"/>
+              <a:cs typeface="+mn-cs"/>
+            </a:endParaRPr>
+          </a:p>
+        </p:txBody>
+      </p:sp>
+      <p:sp>
+        <p:nvSpPr>
+          <p:cNvPr id="4" name="Slide Number Placeholder 3"/>
+          <p:cNvSpPr>
+            <a:spLocks noGrp="1"/>
+          </p:cNvSpPr>
+          <p:nvPr>
+            <p:ph type="sldNum" sz="quarter" idx="10"/>
+          </p:nvPr>
+        </p:nvSpPr>
+        <p:spPr/>
+        <p:txBody>
+          <a:bodyPr/>
+          <a:lstStyle/>
+          <a:p>
+            <a:fld id="{B850756A-E1CA-4E5E-8241-A897EE7CB764}" type="slidenum">
+              <a:rPr lang="en-US" smtClean="0"/>
+              <a:t>39</a:t>
+            </a:fld>
+            <a:endParaRPr lang="en-US"/>
+          </a:p>
+        </p:txBody>
+      </p:sp>
+    </p:spTree>
+    <p:extLst>
+      <p:ext uri="{BB962C8B-B14F-4D97-AF65-F5344CB8AC3E}">
+        <p14:creationId xmlns:p14="http://schemas.microsoft.com/office/powerpoint/2010/main" val="784555517"/>
       </p:ext>
     </p:extLst>
   </p:cSld>
@@ -3706,6 +3914,607 @@
     <p:extLst>
       <p:ext uri="{BB962C8B-B14F-4D97-AF65-F5344CB8AC3E}">
         <p14:creationId xmlns:p14="http://schemas.microsoft.com/office/powerpoint/2010/main" val="2479967851"/>
+      </p:ext>
+    </p:extLst>
+  </p:cSld>
+  <p:clrMapOvr>
+    <a:masterClrMapping/>
+  </p:clrMapOvr>
+</p:notes>
+</file>
+
+<file path=ppt/notesSlides/notesSlide40.xml><?xml version="1.0" encoding="utf-8"?>
+<p:notes xmlns:a="http://schemas.openxmlformats.org/drawingml/2006/main" xmlns:r="http://schemas.openxmlformats.org/officeDocument/2006/relationships" xmlns:p="http://schemas.openxmlformats.org/presentationml/2006/main">
+  <p:cSld>
+    <p:spTree>
+      <p:nvGrpSpPr>
+        <p:cNvPr id="1" name=""/>
+        <p:cNvGrpSpPr/>
+        <p:nvPr/>
+      </p:nvGrpSpPr>
+      <p:grpSpPr>
+        <a:xfrm>
+          <a:off x="0" y="0"/>
+          <a:ext cx="0" cy="0"/>
+          <a:chOff x="0" y="0"/>
+          <a:chExt cx="0" cy="0"/>
+        </a:xfrm>
+      </p:grpSpPr>
+      <p:sp>
+        <p:nvSpPr>
+          <p:cNvPr id="2" name="Slide Image Placeholder 1"/>
+          <p:cNvSpPr>
+            <a:spLocks noGrp="1" noRot="1" noChangeAspect="1"/>
+          </p:cNvSpPr>
+          <p:nvPr>
+            <p:ph type="sldImg"/>
+          </p:nvPr>
+        </p:nvSpPr>
+        <p:spPr/>
+      </p:sp>
+      <p:sp>
+        <p:nvSpPr>
+          <p:cNvPr id="3" name="Notes Placeholder 2"/>
+          <p:cNvSpPr>
+            <a:spLocks noGrp="1"/>
+          </p:cNvSpPr>
+          <p:nvPr>
+            <p:ph type="body" idx="1"/>
+          </p:nvPr>
+        </p:nvSpPr>
+        <p:spPr/>
+        <p:txBody>
+          <a:bodyPr/>
+          <a:lstStyle/>
+          <a:p>
+            <a:endParaRPr lang="en-US" sz="1200" kern="1200" dirty="0">
+              <a:solidFill>
+                <a:schemeClr val="tx1"/>
+              </a:solidFill>
+              <a:effectLst/>
+              <a:latin typeface="+mn-lt"/>
+              <a:ea typeface="+mn-ea"/>
+              <a:cs typeface="+mn-cs"/>
+            </a:endParaRPr>
+          </a:p>
+        </p:txBody>
+      </p:sp>
+      <p:sp>
+        <p:nvSpPr>
+          <p:cNvPr id="4" name="Slide Number Placeholder 3"/>
+          <p:cNvSpPr>
+            <a:spLocks noGrp="1"/>
+          </p:cNvSpPr>
+          <p:nvPr>
+            <p:ph type="sldNum" sz="quarter" idx="10"/>
+          </p:nvPr>
+        </p:nvSpPr>
+        <p:spPr/>
+        <p:txBody>
+          <a:bodyPr/>
+          <a:lstStyle/>
+          <a:p>
+            <a:fld id="{B850756A-E1CA-4E5E-8241-A897EE7CB764}" type="slidenum">
+              <a:rPr lang="en-US" smtClean="0"/>
+              <a:t>40</a:t>
+            </a:fld>
+            <a:endParaRPr lang="en-US"/>
+          </a:p>
+        </p:txBody>
+      </p:sp>
+    </p:spTree>
+    <p:extLst>
+      <p:ext uri="{BB962C8B-B14F-4D97-AF65-F5344CB8AC3E}">
+        <p14:creationId xmlns:p14="http://schemas.microsoft.com/office/powerpoint/2010/main" val="1572697987"/>
+      </p:ext>
+    </p:extLst>
+  </p:cSld>
+  <p:clrMapOvr>
+    <a:masterClrMapping/>
+  </p:clrMapOvr>
+</p:notes>
+</file>
+
+<file path=ppt/notesSlides/notesSlide41.xml><?xml version="1.0" encoding="utf-8"?>
+<p:notes xmlns:a="http://schemas.openxmlformats.org/drawingml/2006/main" xmlns:r="http://schemas.openxmlformats.org/officeDocument/2006/relationships" xmlns:p="http://schemas.openxmlformats.org/presentationml/2006/main">
+  <p:cSld>
+    <p:spTree>
+      <p:nvGrpSpPr>
+        <p:cNvPr id="1" name=""/>
+        <p:cNvGrpSpPr/>
+        <p:nvPr/>
+      </p:nvGrpSpPr>
+      <p:grpSpPr>
+        <a:xfrm>
+          <a:off x="0" y="0"/>
+          <a:ext cx="0" cy="0"/>
+          <a:chOff x="0" y="0"/>
+          <a:chExt cx="0" cy="0"/>
+        </a:xfrm>
+      </p:grpSpPr>
+      <p:sp>
+        <p:nvSpPr>
+          <p:cNvPr id="2" name="Slide Image Placeholder 1"/>
+          <p:cNvSpPr>
+            <a:spLocks noGrp="1" noRot="1" noChangeAspect="1"/>
+          </p:cNvSpPr>
+          <p:nvPr>
+            <p:ph type="sldImg"/>
+          </p:nvPr>
+        </p:nvSpPr>
+        <p:spPr/>
+      </p:sp>
+      <p:sp>
+        <p:nvSpPr>
+          <p:cNvPr id="3" name="Notes Placeholder 2"/>
+          <p:cNvSpPr>
+            <a:spLocks noGrp="1"/>
+          </p:cNvSpPr>
+          <p:nvPr>
+            <p:ph type="body" idx="1"/>
+          </p:nvPr>
+        </p:nvSpPr>
+        <p:spPr/>
+        <p:txBody>
+          <a:bodyPr/>
+          <a:lstStyle/>
+          <a:p>
+            <a:endParaRPr lang="en-US" sz="1200" kern="1200" dirty="0">
+              <a:solidFill>
+                <a:schemeClr val="tx1"/>
+              </a:solidFill>
+              <a:effectLst/>
+              <a:latin typeface="+mn-lt"/>
+              <a:ea typeface="+mn-ea"/>
+              <a:cs typeface="+mn-cs"/>
+            </a:endParaRPr>
+          </a:p>
+        </p:txBody>
+      </p:sp>
+      <p:sp>
+        <p:nvSpPr>
+          <p:cNvPr id="4" name="Slide Number Placeholder 3"/>
+          <p:cNvSpPr>
+            <a:spLocks noGrp="1"/>
+          </p:cNvSpPr>
+          <p:nvPr>
+            <p:ph type="sldNum" sz="quarter" idx="10"/>
+          </p:nvPr>
+        </p:nvSpPr>
+        <p:spPr/>
+        <p:txBody>
+          <a:bodyPr/>
+          <a:lstStyle/>
+          <a:p>
+            <a:fld id="{B850756A-E1CA-4E5E-8241-A897EE7CB764}" type="slidenum">
+              <a:rPr lang="en-US" smtClean="0"/>
+              <a:t>41</a:t>
+            </a:fld>
+            <a:endParaRPr lang="en-US"/>
+          </a:p>
+        </p:txBody>
+      </p:sp>
+    </p:spTree>
+    <p:extLst>
+      <p:ext uri="{BB962C8B-B14F-4D97-AF65-F5344CB8AC3E}">
+        <p14:creationId xmlns:p14="http://schemas.microsoft.com/office/powerpoint/2010/main" val="3466108817"/>
+      </p:ext>
+    </p:extLst>
+  </p:cSld>
+  <p:clrMapOvr>
+    <a:masterClrMapping/>
+  </p:clrMapOvr>
+</p:notes>
+</file>
+
+<file path=ppt/notesSlides/notesSlide42.xml><?xml version="1.0" encoding="utf-8"?>
+<p:notes xmlns:a="http://schemas.openxmlformats.org/drawingml/2006/main" xmlns:r="http://schemas.openxmlformats.org/officeDocument/2006/relationships" xmlns:p="http://schemas.openxmlformats.org/presentationml/2006/main">
+  <p:cSld>
+    <p:spTree>
+      <p:nvGrpSpPr>
+        <p:cNvPr id="1" name=""/>
+        <p:cNvGrpSpPr/>
+        <p:nvPr/>
+      </p:nvGrpSpPr>
+      <p:grpSpPr>
+        <a:xfrm>
+          <a:off x="0" y="0"/>
+          <a:ext cx="0" cy="0"/>
+          <a:chOff x="0" y="0"/>
+          <a:chExt cx="0" cy="0"/>
+        </a:xfrm>
+      </p:grpSpPr>
+      <p:sp>
+        <p:nvSpPr>
+          <p:cNvPr id="2" name="Slide Image Placeholder 1"/>
+          <p:cNvSpPr>
+            <a:spLocks noGrp="1" noRot="1" noChangeAspect="1"/>
+          </p:cNvSpPr>
+          <p:nvPr>
+            <p:ph type="sldImg"/>
+          </p:nvPr>
+        </p:nvSpPr>
+        <p:spPr/>
+      </p:sp>
+      <p:sp>
+        <p:nvSpPr>
+          <p:cNvPr id="3" name="Notes Placeholder 2"/>
+          <p:cNvSpPr>
+            <a:spLocks noGrp="1"/>
+          </p:cNvSpPr>
+          <p:nvPr>
+            <p:ph type="body" idx="1"/>
+          </p:nvPr>
+        </p:nvSpPr>
+        <p:spPr/>
+        <p:txBody>
+          <a:bodyPr/>
+          <a:lstStyle/>
+          <a:p>
+            <a:endParaRPr lang="en-US" sz="1200" kern="1200" dirty="0">
+              <a:solidFill>
+                <a:schemeClr val="tx1"/>
+              </a:solidFill>
+              <a:effectLst/>
+              <a:latin typeface="+mn-lt"/>
+              <a:ea typeface="+mn-ea"/>
+              <a:cs typeface="+mn-cs"/>
+            </a:endParaRPr>
+          </a:p>
+        </p:txBody>
+      </p:sp>
+      <p:sp>
+        <p:nvSpPr>
+          <p:cNvPr id="4" name="Slide Number Placeholder 3"/>
+          <p:cNvSpPr>
+            <a:spLocks noGrp="1"/>
+          </p:cNvSpPr>
+          <p:nvPr>
+            <p:ph type="sldNum" sz="quarter" idx="10"/>
+          </p:nvPr>
+        </p:nvSpPr>
+        <p:spPr/>
+        <p:txBody>
+          <a:bodyPr/>
+          <a:lstStyle/>
+          <a:p>
+            <a:fld id="{B850756A-E1CA-4E5E-8241-A897EE7CB764}" type="slidenum">
+              <a:rPr lang="en-US" smtClean="0"/>
+              <a:t>42</a:t>
+            </a:fld>
+            <a:endParaRPr lang="en-US"/>
+          </a:p>
+        </p:txBody>
+      </p:sp>
+    </p:spTree>
+    <p:extLst>
+      <p:ext uri="{BB962C8B-B14F-4D97-AF65-F5344CB8AC3E}">
+        <p14:creationId xmlns:p14="http://schemas.microsoft.com/office/powerpoint/2010/main" val="632476078"/>
+      </p:ext>
+    </p:extLst>
+  </p:cSld>
+  <p:clrMapOvr>
+    <a:masterClrMapping/>
+  </p:clrMapOvr>
+</p:notes>
+</file>
+
+<file path=ppt/notesSlides/notesSlide43.xml><?xml version="1.0" encoding="utf-8"?>
+<p:notes xmlns:a="http://schemas.openxmlformats.org/drawingml/2006/main" xmlns:r="http://schemas.openxmlformats.org/officeDocument/2006/relationships" xmlns:p="http://schemas.openxmlformats.org/presentationml/2006/main">
+  <p:cSld>
+    <p:spTree>
+      <p:nvGrpSpPr>
+        <p:cNvPr id="1" name=""/>
+        <p:cNvGrpSpPr/>
+        <p:nvPr/>
+      </p:nvGrpSpPr>
+      <p:grpSpPr>
+        <a:xfrm>
+          <a:off x="0" y="0"/>
+          <a:ext cx="0" cy="0"/>
+          <a:chOff x="0" y="0"/>
+          <a:chExt cx="0" cy="0"/>
+        </a:xfrm>
+      </p:grpSpPr>
+      <p:sp>
+        <p:nvSpPr>
+          <p:cNvPr id="2" name="Slide Image Placeholder 1"/>
+          <p:cNvSpPr>
+            <a:spLocks noGrp="1" noRot="1" noChangeAspect="1"/>
+          </p:cNvSpPr>
+          <p:nvPr>
+            <p:ph type="sldImg"/>
+          </p:nvPr>
+        </p:nvSpPr>
+        <p:spPr/>
+      </p:sp>
+      <p:sp>
+        <p:nvSpPr>
+          <p:cNvPr id="3" name="Notes Placeholder 2"/>
+          <p:cNvSpPr>
+            <a:spLocks noGrp="1"/>
+          </p:cNvSpPr>
+          <p:nvPr>
+            <p:ph type="body" idx="1"/>
+          </p:nvPr>
+        </p:nvSpPr>
+        <p:spPr/>
+        <p:txBody>
+          <a:bodyPr/>
+          <a:lstStyle/>
+          <a:p>
+            <a:pPr marL="0" marR="0" lvl="0" indent="0" algn="l" defTabSz="914400" rtl="0" eaLnBrk="1" fontAlgn="auto" latinLnBrk="0" hangingPunct="1">
+              <a:lnSpc>
+                <a:spcPct val="100000"/>
+              </a:lnSpc>
+              <a:spcBef>
+                <a:spcPts val="0"/>
+              </a:spcBef>
+              <a:spcAft>
+                <a:spcPts val="0"/>
+              </a:spcAft>
+              <a:buClrTx/>
+              <a:buSzTx/>
+              <a:buFontTx/>
+              <a:buNone/>
+              <a:tabLst/>
+              <a:defRPr/>
+            </a:pPr>
+            <a:r>
+              <a:rPr lang="en-US" sz="1200" kern="1200" dirty="0">
+                <a:solidFill>
+                  <a:schemeClr val="tx1"/>
+                </a:solidFill>
+                <a:effectLst/>
+                <a:latin typeface="+mn-lt"/>
+                <a:ea typeface="+mn-ea"/>
+                <a:cs typeface="+mn-cs"/>
+              </a:rPr>
+              <a:t>https://viblo.asia/p/so-luoc-word-embedding-gDVK2RAeKLj</a:t>
+            </a:r>
+          </a:p>
+          <a:p>
+            <a:pPr marL="0" marR="0" lvl="0" indent="0" algn="l" defTabSz="914400" rtl="0" eaLnBrk="1" fontAlgn="auto" latinLnBrk="0" hangingPunct="1">
+              <a:lnSpc>
+                <a:spcPct val="100000"/>
+              </a:lnSpc>
+              <a:spcBef>
+                <a:spcPts val="0"/>
+              </a:spcBef>
+              <a:spcAft>
+                <a:spcPts val="0"/>
+              </a:spcAft>
+              <a:buClrTx/>
+              <a:buSzTx/>
+              <a:buFontTx/>
+              <a:buNone/>
+              <a:tabLst/>
+              <a:defRPr/>
+            </a:pPr>
+            <a:r>
+              <a:rPr lang="en-US" sz="1200" kern="1200" dirty="0">
+                <a:solidFill>
+                  <a:schemeClr val="tx1"/>
+                </a:solidFill>
+                <a:effectLst/>
+                <a:latin typeface="+mn-lt"/>
+                <a:ea typeface="+mn-ea"/>
+                <a:cs typeface="+mn-cs"/>
+              </a:rPr>
+              <a:t>https://d2l.aivivn.com/chapter_natural-language-processing-pretraining/index_vn.html</a:t>
+            </a:r>
+          </a:p>
+          <a:p>
+            <a:r>
+              <a:rPr lang="en-US" sz="1200" kern="1200" dirty="0">
+                <a:solidFill>
+                  <a:schemeClr val="tx1"/>
+                </a:solidFill>
+                <a:effectLst/>
+                <a:latin typeface="+mn-lt"/>
+                <a:ea typeface="+mn-ea"/>
+                <a:cs typeface="+mn-cs"/>
+              </a:rPr>
+              <a:t>https://www.geeksforgeeks.org/word-embedding-techniques-in-nlp/</a:t>
+            </a:r>
+          </a:p>
+          <a:p>
+            <a:r>
+              <a:rPr lang="en-US" sz="1200" kern="1200" dirty="0">
+                <a:solidFill>
+                  <a:schemeClr val="tx1"/>
+                </a:solidFill>
+                <a:effectLst/>
+                <a:latin typeface="+mn-lt"/>
+                <a:ea typeface="+mn-ea"/>
+                <a:cs typeface="+mn-cs"/>
+              </a:rPr>
+              <a:t>https://scikit-learn.org/stable/modules/generated/sklearn.feature_extraction.text.CountVectorizer.html</a:t>
+            </a:r>
+          </a:p>
+          <a:p>
+            <a:r>
+              <a:rPr lang="en-US" sz="1200" kern="1200" dirty="0">
+                <a:solidFill>
+                  <a:schemeClr val="tx1"/>
+                </a:solidFill>
+                <a:effectLst/>
+                <a:latin typeface="+mn-lt"/>
+                <a:ea typeface="+mn-ea"/>
+                <a:cs typeface="+mn-cs"/>
+              </a:rPr>
+              <a:t>https://scikit-learn.org/stable/modules/generated/sklearn.feature_extraction.text.TfidfVectorizer.html</a:t>
+            </a:r>
+          </a:p>
+        </p:txBody>
+      </p:sp>
+      <p:sp>
+        <p:nvSpPr>
+          <p:cNvPr id="4" name="Slide Number Placeholder 3"/>
+          <p:cNvSpPr>
+            <a:spLocks noGrp="1"/>
+          </p:cNvSpPr>
+          <p:nvPr>
+            <p:ph type="sldNum" sz="quarter" idx="10"/>
+          </p:nvPr>
+        </p:nvSpPr>
+        <p:spPr/>
+        <p:txBody>
+          <a:bodyPr/>
+          <a:lstStyle/>
+          <a:p>
+            <a:fld id="{B850756A-E1CA-4E5E-8241-A897EE7CB764}" type="slidenum">
+              <a:rPr lang="en-US" smtClean="0"/>
+              <a:t>43</a:t>
+            </a:fld>
+            <a:endParaRPr lang="en-US"/>
+          </a:p>
+        </p:txBody>
+      </p:sp>
+    </p:spTree>
+    <p:extLst>
+      <p:ext uri="{BB962C8B-B14F-4D97-AF65-F5344CB8AC3E}">
+        <p14:creationId xmlns:p14="http://schemas.microsoft.com/office/powerpoint/2010/main" val="1328873860"/>
+      </p:ext>
+    </p:extLst>
+  </p:cSld>
+  <p:clrMapOvr>
+    <a:masterClrMapping/>
+  </p:clrMapOvr>
+</p:notes>
+</file>
+
+<file path=ppt/notesSlides/notesSlide44.xml><?xml version="1.0" encoding="utf-8"?>
+<p:notes xmlns:a="http://schemas.openxmlformats.org/drawingml/2006/main" xmlns:r="http://schemas.openxmlformats.org/officeDocument/2006/relationships" xmlns:p="http://schemas.openxmlformats.org/presentationml/2006/main">
+  <p:cSld>
+    <p:spTree>
+      <p:nvGrpSpPr>
+        <p:cNvPr id="1" name=""/>
+        <p:cNvGrpSpPr/>
+        <p:nvPr/>
+      </p:nvGrpSpPr>
+      <p:grpSpPr>
+        <a:xfrm>
+          <a:off x="0" y="0"/>
+          <a:ext cx="0" cy="0"/>
+          <a:chOff x="0" y="0"/>
+          <a:chExt cx="0" cy="0"/>
+        </a:xfrm>
+      </p:grpSpPr>
+      <p:sp>
+        <p:nvSpPr>
+          <p:cNvPr id="2" name="Slide Image Placeholder 1"/>
+          <p:cNvSpPr>
+            <a:spLocks noGrp="1" noRot="1" noChangeAspect="1"/>
+          </p:cNvSpPr>
+          <p:nvPr>
+            <p:ph type="sldImg"/>
+          </p:nvPr>
+        </p:nvSpPr>
+        <p:spPr/>
+      </p:sp>
+      <p:sp>
+        <p:nvSpPr>
+          <p:cNvPr id="3" name="Notes Placeholder 2"/>
+          <p:cNvSpPr>
+            <a:spLocks noGrp="1"/>
+          </p:cNvSpPr>
+          <p:nvPr>
+            <p:ph type="body" idx="1"/>
+          </p:nvPr>
+        </p:nvSpPr>
+        <p:spPr/>
+        <p:txBody>
+          <a:bodyPr/>
+          <a:lstStyle/>
+          <a:p>
+            <a:pPr marL="0" marR="0" lvl="0" indent="0" algn="l" defTabSz="914400" rtl="0" eaLnBrk="1" fontAlgn="auto" latinLnBrk="0" hangingPunct="1">
+              <a:lnSpc>
+                <a:spcPct val="100000"/>
+              </a:lnSpc>
+              <a:spcBef>
+                <a:spcPts val="0"/>
+              </a:spcBef>
+              <a:spcAft>
+                <a:spcPts val="0"/>
+              </a:spcAft>
+              <a:buClrTx/>
+              <a:buSzTx/>
+              <a:buFontTx/>
+              <a:buNone/>
+              <a:tabLst/>
+              <a:defRPr/>
+            </a:pPr>
+            <a:r>
+              <a:rPr lang="en-US" sz="1200" kern="1200" dirty="0">
+                <a:solidFill>
+                  <a:schemeClr val="tx1"/>
+                </a:solidFill>
+                <a:effectLst/>
+                <a:latin typeface="+mn-lt"/>
+                <a:ea typeface="+mn-ea"/>
+                <a:cs typeface="+mn-cs"/>
+              </a:rPr>
+              <a:t>https://d2l.aivivn.com/chapter_natural-language-processing-pretraining/index_vn.html</a:t>
+            </a:r>
+          </a:p>
+          <a:p>
+            <a:r>
+              <a:rPr lang="en-US" sz="1200" kern="1200" dirty="0">
+                <a:solidFill>
+                  <a:schemeClr val="tx1"/>
+                </a:solidFill>
+                <a:effectLst/>
+                <a:latin typeface="+mn-lt"/>
+                <a:ea typeface="+mn-ea"/>
+                <a:cs typeface="+mn-cs"/>
+              </a:rPr>
+              <a:t>https://viblo.asia/p/so-luoc-word-embedding-gDVK2RAeKLj</a:t>
+            </a:r>
+          </a:p>
+          <a:p>
+            <a:r>
+              <a:rPr lang="en-US" sz="1200" kern="1200" dirty="0">
+                <a:solidFill>
+                  <a:schemeClr val="tx1"/>
+                </a:solidFill>
+                <a:effectLst/>
+                <a:latin typeface="+mn-lt"/>
+                <a:ea typeface="+mn-ea"/>
+                <a:cs typeface="+mn-cs"/>
+              </a:rPr>
+              <a:t>https://www.geeksforgeeks.org/word-embedding-techniques-in-nlp/</a:t>
+            </a:r>
+          </a:p>
+        </p:txBody>
+      </p:sp>
+      <p:sp>
+        <p:nvSpPr>
+          <p:cNvPr id="4" name="Slide Number Placeholder 3"/>
+          <p:cNvSpPr>
+            <a:spLocks noGrp="1"/>
+          </p:cNvSpPr>
+          <p:nvPr>
+            <p:ph type="sldNum" sz="quarter" idx="10"/>
+          </p:nvPr>
+        </p:nvSpPr>
+        <p:spPr/>
+        <p:txBody>
+          <a:bodyPr/>
+          <a:lstStyle/>
+          <a:p>
+            <a:fld id="{B850756A-E1CA-4E5E-8241-A897EE7CB764}" type="slidenum">
+              <a:rPr lang="en-US" smtClean="0"/>
+              <a:t>44</a:t>
+            </a:fld>
+            <a:endParaRPr lang="en-US"/>
+          </a:p>
+        </p:txBody>
+      </p:sp>
+    </p:spTree>
+    <p:extLst>
+      <p:ext uri="{BB962C8B-B14F-4D97-AF65-F5344CB8AC3E}">
+        <p14:creationId xmlns:p14="http://schemas.microsoft.com/office/powerpoint/2010/main" val="3300722882"/>
       </p:ext>
     </p:extLst>
   </p:cSld>
@@ -9684,7 +10493,7 @@
                 <a:latin typeface="Calibri" panose="020F0502020204030204" pitchFamily="34" charset="0"/>
                 <a:cs typeface="Calibri" panose="020F0502020204030204" pitchFamily="34" charset="0"/>
               </a:rPr>
-              <a:t>Preprocessing with tokenization</a:t>
+              <a:t>Full steps preprocessing all-at-once</a:t>
             </a:r>
           </a:p>
         </p:txBody>
@@ -9694,7 +10503,7 @@
           <p:cNvPr id="3" name="Picture 2">
             <a:extLst>
               <a:ext uri="{FF2B5EF4-FFF2-40B4-BE49-F238E27FC236}">
-                <a16:creationId xmlns:a16="http://schemas.microsoft.com/office/drawing/2014/main" id="{B5E1E02D-2DE0-4352-9AC4-4524854ED481}"/>
+                <a16:creationId xmlns:a16="http://schemas.microsoft.com/office/drawing/2014/main" id="{C74AF667-1A96-EED7-0A31-75DB98EB3A7E}"/>
               </a:ext>
             </a:extLst>
           </p:cNvPr>
@@ -9711,8 +10520,38 @@
         </p:blipFill>
         <p:spPr>
           <a:xfrm>
-            <a:off x="881062" y="2009775"/>
-            <a:ext cx="10429875" cy="2838450"/>
+            <a:off x="477464" y="1758462"/>
+            <a:ext cx="5974986" cy="3969098"/>
+          </a:xfrm>
+          <a:prstGeom prst="rect">
+            <a:avLst/>
+          </a:prstGeom>
+        </p:spPr>
+      </p:pic>
+      <p:pic>
+        <p:nvPicPr>
+          <p:cNvPr id="7" name="Picture 6">
+            <a:extLst>
+              <a:ext uri="{FF2B5EF4-FFF2-40B4-BE49-F238E27FC236}">
+                <a16:creationId xmlns:a16="http://schemas.microsoft.com/office/drawing/2014/main" id="{A974B51E-A55F-E922-C298-EDA46E3FE54B}"/>
+              </a:ext>
+            </a:extLst>
+          </p:cNvPr>
+          <p:cNvPicPr>
+            <a:picLocks noChangeAspect="1"/>
+          </p:cNvPicPr>
+          <p:nvPr/>
+        </p:nvPicPr>
+        <p:blipFill>
+          <a:blip r:embed="rId4"/>
+          <a:stretch>
+            <a:fillRect/>
+          </a:stretch>
+        </p:blipFill>
+        <p:spPr>
+          <a:xfrm>
+            <a:off x="6452450" y="1758462"/>
+            <a:ext cx="5640269" cy="3526971"/>
           </a:xfrm>
           <a:prstGeom prst="rect">
             <a:avLst/>
@@ -9722,7 +10561,7 @@
     </p:spTree>
     <p:extLst>
       <p:ext uri="{BB962C8B-B14F-4D97-AF65-F5344CB8AC3E}">
-        <p14:creationId xmlns:p14="http://schemas.microsoft.com/office/powerpoint/2010/main" val="180778101"/>
+        <p14:creationId xmlns:p14="http://schemas.microsoft.com/office/powerpoint/2010/main" val="2127074427"/>
       </p:ext>
     </p:extLst>
   </p:cSld>
@@ -9774,7 +10613,7 @@
                 <a:latin typeface="Calibri" panose="020F0502020204030204" pitchFamily="34" charset="0"/>
                 <a:cs typeface="Calibri" panose="020F0502020204030204" pitchFamily="34" charset="0"/>
               </a:rPr>
-              <a:t>4. Word Embedding</a:t>
+              <a:t>3. Data Preprocessing</a:t>
             </a:r>
           </a:p>
         </p:txBody>
@@ -9808,108 +10647,45 @@
                 <a:latin typeface="Calibri" panose="020F0502020204030204" pitchFamily="34" charset="0"/>
                 <a:cs typeface="Calibri" panose="020F0502020204030204" pitchFamily="34" charset="0"/>
               </a:rPr>
-              <a:t>Bag of Words (</a:t>
-            </a:r>
-            <a:r>
-              <a:rPr lang="en-US" b="1" dirty="0" err="1">
-                <a:latin typeface="Calibri" panose="020F0502020204030204" pitchFamily="34" charset="0"/>
-                <a:cs typeface="Calibri" panose="020F0502020204030204" pitchFamily="34" charset="0"/>
-              </a:rPr>
-              <a:t>BoW</a:t>
-            </a:r>
-            <a:r>
-              <a:rPr lang="en-US" b="1" dirty="0">
-                <a:latin typeface="Calibri" panose="020F0502020204030204" pitchFamily="34" charset="0"/>
-                <a:cs typeface="Calibri" panose="020F0502020204030204" pitchFamily="34" charset="0"/>
-              </a:rPr>
-              <a:t>)</a:t>
-            </a:r>
-            <a:r>
-              <a:rPr lang="en-US" dirty="0">
-                <a:latin typeface="Calibri" panose="020F0502020204030204" pitchFamily="34" charset="0"/>
-                <a:cs typeface="Calibri" panose="020F0502020204030204" pitchFamily="34" charset="0"/>
-              </a:rPr>
-              <a:t>: Create a matrix of token counts</a:t>
-            </a:r>
-          </a:p>
-          <a:p>
-            <a:pPr>
-              <a:buFont typeface="Arial" panose="020B0604020202020204" pitchFamily="34" charset="0"/>
-              <a:buChar char="•"/>
-            </a:pPr>
-            <a:r>
-              <a:rPr lang="en-US" b="1" dirty="0">
-                <a:latin typeface="Calibri" panose="020F0502020204030204" pitchFamily="34" charset="0"/>
-                <a:cs typeface="Calibri" panose="020F0502020204030204" pitchFamily="34" charset="0"/>
-              </a:rPr>
-              <a:t>TF-IDF (Term Frequency-Inverse Document Frequency): </a:t>
-            </a:r>
-            <a:r>
-              <a:rPr lang="en-US" dirty="0">
-                <a:latin typeface="Calibri" panose="020F0502020204030204" pitchFamily="34" charset="0"/>
-                <a:cs typeface="Calibri" panose="020F0502020204030204" pitchFamily="34" charset="0"/>
-              </a:rPr>
-              <a:t>Convert texts to a matrix of TF-IDF features</a:t>
-            </a:r>
-          </a:p>
-          <a:p>
-            <a:pPr>
-              <a:buFont typeface="Arial" panose="020B0604020202020204" pitchFamily="34" charset="0"/>
-              <a:buChar char="•"/>
-            </a:pPr>
-            <a:r>
-              <a:rPr lang="en-US" b="1" dirty="0">
-                <a:latin typeface="Calibri" panose="020F0502020204030204" pitchFamily="34" charset="0"/>
-                <a:cs typeface="Calibri" panose="020F0502020204030204" pitchFamily="34" charset="0"/>
-              </a:rPr>
-              <a:t>Word Embeddings: </a:t>
-            </a:r>
-            <a:r>
-              <a:rPr lang="en-US" dirty="0">
-                <a:latin typeface="Calibri" panose="020F0502020204030204" pitchFamily="34" charset="0"/>
-                <a:cs typeface="Calibri" panose="020F0502020204030204" pitchFamily="34" charset="0"/>
-              </a:rPr>
-              <a:t>Use pre-trained embeddings like Word2Vec, </a:t>
-            </a:r>
-            <a:r>
-              <a:rPr lang="en-US" dirty="0" err="1">
-                <a:latin typeface="Calibri" panose="020F0502020204030204" pitchFamily="34" charset="0"/>
-                <a:cs typeface="Calibri" panose="020F0502020204030204" pitchFamily="34" charset="0"/>
-              </a:rPr>
-              <a:t>GloVe</a:t>
-            </a:r>
-            <a:r>
-              <a:rPr lang="en-US" dirty="0">
-                <a:latin typeface="Calibri" panose="020F0502020204030204" pitchFamily="34" charset="0"/>
-                <a:cs typeface="Calibri" panose="020F0502020204030204" pitchFamily="34" charset="0"/>
-              </a:rPr>
-              <a:t>, </a:t>
-            </a:r>
-            <a:r>
-              <a:rPr lang="en-US" dirty="0" err="1">
-                <a:latin typeface="Calibri" panose="020F0502020204030204" pitchFamily="34" charset="0"/>
-                <a:cs typeface="Calibri" panose="020F0502020204030204" pitchFamily="34" charset="0"/>
-              </a:rPr>
-              <a:t>FastText</a:t>
-            </a:r>
-            <a:r>
-              <a:rPr lang="en-US" dirty="0">
-                <a:latin typeface="Calibri" panose="020F0502020204030204" pitchFamily="34" charset="0"/>
-                <a:cs typeface="Calibri" panose="020F0502020204030204" pitchFamily="34" charset="0"/>
-              </a:rPr>
-              <a:t> or train your own</a:t>
-            </a:r>
-            <a:endParaRPr lang="en-US" sz="3200" b="1" dirty="0">
-              <a:latin typeface="Calibri" panose="020F0502020204030204" pitchFamily="34" charset="0"/>
-              <a:cs typeface="Calibri" panose="020F0502020204030204" pitchFamily="34" charset="0"/>
-            </a:endParaRPr>
-          </a:p>
-        </p:txBody>
-      </p:sp>
+              <a:t>Exploratory data analysis (EDA)</a:t>
+            </a:r>
+          </a:p>
+        </p:txBody>
+      </p:sp>
+      <p:pic>
+        <p:nvPicPr>
+          <p:cNvPr id="6" name="Picture 5">
+            <a:extLst>
+              <a:ext uri="{FF2B5EF4-FFF2-40B4-BE49-F238E27FC236}">
+                <a16:creationId xmlns:a16="http://schemas.microsoft.com/office/drawing/2014/main" id="{FB88D166-926C-0E33-D378-099F3E1DF486}"/>
+              </a:ext>
+            </a:extLst>
+          </p:cNvPr>
+          <p:cNvPicPr>
+            <a:picLocks noChangeAspect="1"/>
+          </p:cNvPicPr>
+          <p:nvPr/>
+        </p:nvPicPr>
+        <p:blipFill>
+          <a:blip r:embed="rId3"/>
+          <a:stretch>
+            <a:fillRect/>
+          </a:stretch>
+        </p:blipFill>
+        <p:spPr>
+          <a:xfrm>
+            <a:off x="2281213" y="1617785"/>
+            <a:ext cx="7629574" cy="5240215"/>
+          </a:xfrm>
+          <a:prstGeom prst="rect">
+            <a:avLst/>
+          </a:prstGeom>
+        </p:spPr>
+      </p:pic>
     </p:spTree>
     <p:extLst>
       <p:ext uri="{BB962C8B-B14F-4D97-AF65-F5344CB8AC3E}">
-        <p14:creationId xmlns:p14="http://schemas.microsoft.com/office/powerpoint/2010/main" val="1874176664"/>
+        <p14:creationId xmlns:p14="http://schemas.microsoft.com/office/powerpoint/2010/main" val="180778101"/>
       </p:ext>
     </p:extLst>
   </p:cSld>
@@ -10018,6 +10794,176 @@
               </a:rPr>
               <a:t>: Create a matrix of token counts</a:t>
             </a:r>
+          </a:p>
+          <a:p>
+            <a:pPr>
+              <a:buFont typeface="Arial" panose="020B0604020202020204" pitchFamily="34" charset="0"/>
+              <a:buChar char="•"/>
+            </a:pPr>
+            <a:r>
+              <a:rPr lang="en-US" b="1" dirty="0">
+                <a:latin typeface="Calibri" panose="020F0502020204030204" pitchFamily="34" charset="0"/>
+                <a:cs typeface="Calibri" panose="020F0502020204030204" pitchFamily="34" charset="0"/>
+              </a:rPr>
+              <a:t>TF-IDF (Term Frequency-Inverse Document Frequency): </a:t>
+            </a:r>
+            <a:r>
+              <a:rPr lang="en-US" dirty="0">
+                <a:latin typeface="Calibri" panose="020F0502020204030204" pitchFamily="34" charset="0"/>
+                <a:cs typeface="Calibri" panose="020F0502020204030204" pitchFamily="34" charset="0"/>
+              </a:rPr>
+              <a:t>Convert texts to a matrix of TF-IDF features</a:t>
+            </a:r>
+          </a:p>
+          <a:p>
+            <a:pPr>
+              <a:buFont typeface="Arial" panose="020B0604020202020204" pitchFamily="34" charset="0"/>
+              <a:buChar char="•"/>
+            </a:pPr>
+            <a:r>
+              <a:rPr lang="en-US" b="1" dirty="0">
+                <a:latin typeface="Calibri" panose="020F0502020204030204" pitchFamily="34" charset="0"/>
+                <a:cs typeface="Calibri" panose="020F0502020204030204" pitchFamily="34" charset="0"/>
+              </a:rPr>
+              <a:t>Word Embeddings: </a:t>
+            </a:r>
+            <a:r>
+              <a:rPr lang="en-US" dirty="0">
+                <a:latin typeface="Calibri" panose="020F0502020204030204" pitchFamily="34" charset="0"/>
+                <a:cs typeface="Calibri" panose="020F0502020204030204" pitchFamily="34" charset="0"/>
+              </a:rPr>
+              <a:t>Use pre-trained embeddings like Word2Vec, </a:t>
+            </a:r>
+            <a:r>
+              <a:rPr lang="en-US" dirty="0" err="1">
+                <a:latin typeface="Calibri" panose="020F0502020204030204" pitchFamily="34" charset="0"/>
+                <a:cs typeface="Calibri" panose="020F0502020204030204" pitchFamily="34" charset="0"/>
+              </a:rPr>
+              <a:t>GloVe</a:t>
+            </a:r>
+            <a:r>
+              <a:rPr lang="en-US" dirty="0">
+                <a:latin typeface="Calibri" panose="020F0502020204030204" pitchFamily="34" charset="0"/>
+                <a:cs typeface="Calibri" panose="020F0502020204030204" pitchFamily="34" charset="0"/>
+              </a:rPr>
+              <a:t>, </a:t>
+            </a:r>
+            <a:r>
+              <a:rPr lang="en-US" dirty="0" err="1">
+                <a:latin typeface="Calibri" panose="020F0502020204030204" pitchFamily="34" charset="0"/>
+                <a:cs typeface="Calibri" panose="020F0502020204030204" pitchFamily="34" charset="0"/>
+              </a:rPr>
+              <a:t>FastText</a:t>
+            </a:r>
+            <a:r>
+              <a:rPr lang="en-US" dirty="0">
+                <a:latin typeface="Calibri" panose="020F0502020204030204" pitchFamily="34" charset="0"/>
+                <a:cs typeface="Calibri" panose="020F0502020204030204" pitchFamily="34" charset="0"/>
+              </a:rPr>
+              <a:t> or train your own</a:t>
+            </a:r>
+            <a:endParaRPr lang="en-US" sz="3200" b="1" dirty="0">
+              <a:latin typeface="Calibri" panose="020F0502020204030204" pitchFamily="34" charset="0"/>
+              <a:cs typeface="Calibri" panose="020F0502020204030204" pitchFamily="34" charset="0"/>
+            </a:endParaRPr>
+          </a:p>
+        </p:txBody>
+      </p:sp>
+    </p:spTree>
+    <p:extLst>
+      <p:ext uri="{BB962C8B-B14F-4D97-AF65-F5344CB8AC3E}">
+        <p14:creationId xmlns:p14="http://schemas.microsoft.com/office/powerpoint/2010/main" val="1874176664"/>
+      </p:ext>
+    </p:extLst>
+  </p:cSld>
+  <p:clrMapOvr>
+    <a:masterClrMapping/>
+  </p:clrMapOvr>
+</p:sld>
+</file>
+
+<file path=ppt/slides/slide16.xml><?xml version="1.0" encoding="utf-8"?>
+<p:sld xmlns:a="http://schemas.openxmlformats.org/drawingml/2006/main" xmlns:r="http://schemas.openxmlformats.org/officeDocument/2006/relationships" xmlns:p="http://schemas.openxmlformats.org/presentationml/2006/main">
+  <p:cSld>
+    <p:spTree>
+      <p:nvGrpSpPr>
+        <p:cNvPr id="1" name=""/>
+        <p:cNvGrpSpPr/>
+        <p:nvPr/>
+      </p:nvGrpSpPr>
+      <p:grpSpPr>
+        <a:xfrm>
+          <a:off x="0" y="0"/>
+          <a:ext cx="0" cy="0"/>
+          <a:chOff x="0" y="0"/>
+          <a:chExt cx="0" cy="0"/>
+        </a:xfrm>
+      </p:grpSpPr>
+      <p:sp>
+        <p:nvSpPr>
+          <p:cNvPr id="4" name="Title 3"/>
+          <p:cNvSpPr>
+            <a:spLocks noGrp="1"/>
+          </p:cNvSpPr>
+          <p:nvPr>
+            <p:ph type="title"/>
+          </p:nvPr>
+        </p:nvSpPr>
+        <p:spPr>
+          <a:xfrm>
+            <a:off x="466579" y="240325"/>
+            <a:ext cx="11714536" cy="441082"/>
+          </a:xfrm>
+        </p:spPr>
+        <p:txBody>
+          <a:bodyPr/>
+          <a:lstStyle/>
+          <a:p>
+            <a:r>
+              <a:rPr lang="en-US" sz="3200" dirty="0">
+                <a:latin typeface="Calibri" panose="020F0502020204030204" pitchFamily="34" charset="0"/>
+                <a:cs typeface="Calibri" panose="020F0502020204030204" pitchFamily="34" charset="0"/>
+              </a:rPr>
+              <a:t>4. Word Embedding</a:t>
+            </a:r>
+          </a:p>
+        </p:txBody>
+      </p:sp>
+      <p:sp>
+        <p:nvSpPr>
+          <p:cNvPr id="5" name="Content Placeholder 2"/>
+          <p:cNvSpPr>
+            <a:spLocks noGrp="1"/>
+          </p:cNvSpPr>
+          <p:nvPr>
+            <p:ph idx="1"/>
+          </p:nvPr>
+        </p:nvSpPr>
+        <p:spPr>
+          <a:xfrm>
+            <a:off x="477464" y="1044421"/>
+            <a:ext cx="11714536" cy="5813579"/>
+          </a:xfrm>
+        </p:spPr>
+        <p:txBody>
+          <a:bodyPr/>
+          <a:lstStyle/>
+          <a:p>
+            <a:pPr>
+              <a:buFont typeface="Arial" panose="020B0604020202020204" pitchFamily="34" charset="0"/>
+              <a:buChar char="•"/>
+            </a:pPr>
+            <a:r>
+              <a:rPr lang="en-US" b="1" dirty="0">
+                <a:latin typeface="Calibri" panose="020F0502020204030204" pitchFamily="34" charset="0"/>
+                <a:cs typeface="Calibri" panose="020F0502020204030204" pitchFamily="34" charset="0"/>
+              </a:rPr>
+              <a:t>Counter</a:t>
+            </a:r>
+            <a:endParaRPr lang="en-US" dirty="0">
+              <a:latin typeface="Calibri" panose="020F0502020204030204" pitchFamily="34" charset="0"/>
+              <a:cs typeface="Calibri" panose="020F0502020204030204" pitchFamily="34" charset="0"/>
+            </a:endParaRPr>
           </a:p>
         </p:txBody>
       </p:sp>
@@ -10064,7 +11010,900 @@
 </p:sld>
 </file>
 
-<file path=ppt/slides/slide16.xml><?xml version="1.0" encoding="utf-8"?>
+<file path=ppt/slides/slide17.xml><?xml version="1.0" encoding="utf-8"?>
+<p:sld xmlns:a="http://schemas.openxmlformats.org/drawingml/2006/main" xmlns:r="http://schemas.openxmlformats.org/officeDocument/2006/relationships" xmlns:p="http://schemas.openxmlformats.org/presentationml/2006/main">
+  <p:cSld>
+    <p:spTree>
+      <p:nvGrpSpPr>
+        <p:cNvPr id="1" name=""/>
+        <p:cNvGrpSpPr/>
+        <p:nvPr/>
+      </p:nvGrpSpPr>
+      <p:grpSpPr>
+        <a:xfrm>
+          <a:off x="0" y="0"/>
+          <a:ext cx="0" cy="0"/>
+          <a:chOff x="0" y="0"/>
+          <a:chExt cx="0" cy="0"/>
+        </a:xfrm>
+      </p:grpSpPr>
+      <p:sp>
+        <p:nvSpPr>
+          <p:cNvPr id="4" name="Title 3"/>
+          <p:cNvSpPr>
+            <a:spLocks noGrp="1"/>
+          </p:cNvSpPr>
+          <p:nvPr>
+            <p:ph type="title"/>
+          </p:nvPr>
+        </p:nvSpPr>
+        <p:spPr>
+          <a:xfrm>
+            <a:off x="466579" y="240325"/>
+            <a:ext cx="11714536" cy="441082"/>
+          </a:xfrm>
+        </p:spPr>
+        <p:txBody>
+          <a:bodyPr/>
+          <a:lstStyle/>
+          <a:p>
+            <a:r>
+              <a:rPr lang="en-US" sz="3200" dirty="0">
+                <a:latin typeface="Calibri" panose="020F0502020204030204" pitchFamily="34" charset="0"/>
+                <a:cs typeface="Calibri" panose="020F0502020204030204" pitchFamily="34" charset="0"/>
+              </a:rPr>
+              <a:t>4. Word Embedding</a:t>
+            </a:r>
+          </a:p>
+        </p:txBody>
+      </p:sp>
+      <p:sp>
+        <p:nvSpPr>
+          <p:cNvPr id="5" name="Content Placeholder 2"/>
+          <p:cNvSpPr>
+            <a:spLocks noGrp="1"/>
+          </p:cNvSpPr>
+          <p:nvPr>
+            <p:ph idx="1"/>
+          </p:nvPr>
+        </p:nvSpPr>
+        <p:spPr>
+          <a:xfrm>
+            <a:off x="477464" y="1044421"/>
+            <a:ext cx="11714536" cy="5813579"/>
+          </a:xfrm>
+        </p:spPr>
+        <p:txBody>
+          <a:bodyPr/>
+          <a:lstStyle/>
+          <a:p>
+            <a:pPr>
+              <a:buFont typeface="Arial" panose="020B0604020202020204" pitchFamily="34" charset="0"/>
+              <a:buChar char="•"/>
+            </a:pPr>
+            <a:r>
+              <a:rPr lang="en-US" b="1" dirty="0">
+                <a:latin typeface="Calibri" panose="020F0502020204030204" pitchFamily="34" charset="0"/>
+                <a:cs typeface="Calibri" panose="020F0502020204030204" pitchFamily="34" charset="0"/>
+              </a:rPr>
+              <a:t>Bag of Words (</a:t>
+            </a:r>
+            <a:r>
+              <a:rPr lang="en-US" b="1" dirty="0" err="1">
+                <a:latin typeface="Calibri" panose="020F0502020204030204" pitchFamily="34" charset="0"/>
+                <a:cs typeface="Calibri" panose="020F0502020204030204" pitchFamily="34" charset="0"/>
+              </a:rPr>
+              <a:t>BoW</a:t>
+            </a:r>
+            <a:r>
+              <a:rPr lang="en-US" b="1" dirty="0">
+                <a:latin typeface="Calibri" panose="020F0502020204030204" pitchFamily="34" charset="0"/>
+                <a:cs typeface="Calibri" panose="020F0502020204030204" pitchFamily="34" charset="0"/>
+              </a:rPr>
+              <a:t>)</a:t>
+            </a:r>
+            <a:r>
+              <a:rPr lang="en-US" dirty="0">
+                <a:latin typeface="Calibri" panose="020F0502020204030204" pitchFamily="34" charset="0"/>
+                <a:cs typeface="Calibri" panose="020F0502020204030204" pitchFamily="34" charset="0"/>
+              </a:rPr>
+              <a:t>: Create a matrix of token counts</a:t>
+            </a:r>
+          </a:p>
+        </p:txBody>
+      </p:sp>
+      <p:pic>
+        <p:nvPicPr>
+          <p:cNvPr id="8" name="Picture 7">
+            <a:extLst>
+              <a:ext uri="{FF2B5EF4-FFF2-40B4-BE49-F238E27FC236}">
+                <a16:creationId xmlns:a16="http://schemas.microsoft.com/office/drawing/2014/main" id="{F80C56A6-E57E-C67D-DCC1-F20696D1B4ED}"/>
+              </a:ext>
+            </a:extLst>
+          </p:cNvPr>
+          <p:cNvPicPr>
+            <a:picLocks noChangeAspect="1"/>
+          </p:cNvPicPr>
+          <p:nvPr/>
+        </p:nvPicPr>
+        <p:blipFill>
+          <a:blip r:embed="rId3"/>
+          <a:stretch>
+            <a:fillRect/>
+          </a:stretch>
+        </p:blipFill>
+        <p:spPr>
+          <a:xfrm>
+            <a:off x="2823706" y="1668849"/>
+            <a:ext cx="6544588" cy="4706007"/>
+          </a:xfrm>
+          <a:prstGeom prst="rect">
+            <a:avLst/>
+          </a:prstGeom>
+        </p:spPr>
+      </p:pic>
+    </p:spTree>
+    <p:extLst>
+      <p:ext uri="{BB962C8B-B14F-4D97-AF65-F5344CB8AC3E}">
+        <p14:creationId xmlns:p14="http://schemas.microsoft.com/office/powerpoint/2010/main" val="1893671878"/>
+      </p:ext>
+    </p:extLst>
+  </p:cSld>
+  <p:clrMapOvr>
+    <a:masterClrMapping/>
+  </p:clrMapOvr>
+</p:sld>
+</file>
+
+<file path=ppt/slides/slide18.xml><?xml version="1.0" encoding="utf-8"?>
+<p:sld xmlns:a="http://schemas.openxmlformats.org/drawingml/2006/main" xmlns:r="http://schemas.openxmlformats.org/officeDocument/2006/relationships" xmlns:p="http://schemas.openxmlformats.org/presentationml/2006/main">
+  <p:cSld>
+    <p:spTree>
+      <p:nvGrpSpPr>
+        <p:cNvPr id="1" name=""/>
+        <p:cNvGrpSpPr/>
+        <p:nvPr/>
+      </p:nvGrpSpPr>
+      <p:grpSpPr>
+        <a:xfrm>
+          <a:off x="0" y="0"/>
+          <a:ext cx="0" cy="0"/>
+          <a:chOff x="0" y="0"/>
+          <a:chExt cx="0" cy="0"/>
+        </a:xfrm>
+      </p:grpSpPr>
+      <p:sp>
+        <p:nvSpPr>
+          <p:cNvPr id="4" name="Title 3"/>
+          <p:cNvSpPr>
+            <a:spLocks noGrp="1"/>
+          </p:cNvSpPr>
+          <p:nvPr>
+            <p:ph type="title"/>
+          </p:nvPr>
+        </p:nvSpPr>
+        <p:spPr>
+          <a:xfrm>
+            <a:off x="466579" y="240325"/>
+            <a:ext cx="11714536" cy="441082"/>
+          </a:xfrm>
+        </p:spPr>
+        <p:txBody>
+          <a:bodyPr/>
+          <a:lstStyle/>
+          <a:p>
+            <a:r>
+              <a:rPr lang="en-US" sz="3200" dirty="0">
+                <a:latin typeface="Calibri" panose="020F0502020204030204" pitchFamily="34" charset="0"/>
+                <a:cs typeface="Calibri" panose="020F0502020204030204" pitchFamily="34" charset="0"/>
+              </a:rPr>
+              <a:t>4. Word Embedding</a:t>
+            </a:r>
+          </a:p>
+        </p:txBody>
+      </p:sp>
+      <p:sp>
+        <p:nvSpPr>
+          <p:cNvPr id="5" name="Content Placeholder 2"/>
+          <p:cNvSpPr>
+            <a:spLocks noGrp="1"/>
+          </p:cNvSpPr>
+          <p:nvPr>
+            <p:ph idx="1"/>
+          </p:nvPr>
+        </p:nvSpPr>
+        <p:spPr>
+          <a:xfrm>
+            <a:off x="477464" y="1044421"/>
+            <a:ext cx="11714536" cy="5813579"/>
+          </a:xfrm>
+        </p:spPr>
+        <p:txBody>
+          <a:bodyPr/>
+          <a:lstStyle/>
+          <a:p>
+            <a:pPr>
+              <a:buFont typeface="Arial" panose="020B0604020202020204" pitchFamily="34" charset="0"/>
+              <a:buChar char="•"/>
+            </a:pPr>
+            <a:r>
+              <a:rPr lang="en-US" b="1" dirty="0">
+                <a:latin typeface="Calibri" panose="020F0502020204030204" pitchFamily="34" charset="0"/>
+                <a:cs typeface="Calibri" panose="020F0502020204030204" pitchFamily="34" charset="0"/>
+              </a:rPr>
+              <a:t>Bag of Words (</a:t>
+            </a:r>
+            <a:r>
+              <a:rPr lang="en-US" b="1" dirty="0" err="1">
+                <a:latin typeface="Calibri" panose="020F0502020204030204" pitchFamily="34" charset="0"/>
+                <a:cs typeface="Calibri" panose="020F0502020204030204" pitchFamily="34" charset="0"/>
+              </a:rPr>
+              <a:t>BoW</a:t>
+            </a:r>
+            <a:r>
+              <a:rPr lang="en-US" b="1" dirty="0">
+                <a:latin typeface="Calibri" panose="020F0502020204030204" pitchFamily="34" charset="0"/>
+                <a:cs typeface="Calibri" panose="020F0502020204030204" pitchFamily="34" charset="0"/>
+              </a:rPr>
+              <a:t>)</a:t>
+            </a:r>
+            <a:endParaRPr lang="en-US" dirty="0">
+              <a:latin typeface="Calibri" panose="020F0502020204030204" pitchFamily="34" charset="0"/>
+              <a:cs typeface="Calibri" panose="020F0502020204030204" pitchFamily="34" charset="0"/>
+            </a:endParaRPr>
+          </a:p>
+        </p:txBody>
+      </p:sp>
+      <p:pic>
+        <p:nvPicPr>
+          <p:cNvPr id="6" name="Picture 5">
+            <a:extLst>
+              <a:ext uri="{FF2B5EF4-FFF2-40B4-BE49-F238E27FC236}">
+                <a16:creationId xmlns:a16="http://schemas.microsoft.com/office/drawing/2014/main" id="{AA8328E1-B70D-6CF4-5752-448C524DF206}"/>
+              </a:ext>
+            </a:extLst>
+          </p:cNvPr>
+          <p:cNvPicPr>
+            <a:picLocks noChangeAspect="1"/>
+          </p:cNvPicPr>
+          <p:nvPr/>
+        </p:nvPicPr>
+        <p:blipFill>
+          <a:blip r:embed="rId3"/>
+          <a:stretch>
+            <a:fillRect/>
+          </a:stretch>
+        </p:blipFill>
+        <p:spPr>
+          <a:xfrm>
+            <a:off x="3594779" y="681407"/>
+            <a:ext cx="7904205" cy="6176593"/>
+          </a:xfrm>
+          <a:prstGeom prst="rect">
+            <a:avLst/>
+          </a:prstGeom>
+        </p:spPr>
+      </p:pic>
+    </p:spTree>
+    <p:extLst>
+      <p:ext uri="{BB962C8B-B14F-4D97-AF65-F5344CB8AC3E}">
+        <p14:creationId xmlns:p14="http://schemas.microsoft.com/office/powerpoint/2010/main" val="3990299152"/>
+      </p:ext>
+    </p:extLst>
+  </p:cSld>
+  <p:clrMapOvr>
+    <a:masterClrMapping/>
+  </p:clrMapOvr>
+</p:sld>
+</file>
+
+<file path=ppt/slides/slide19.xml><?xml version="1.0" encoding="utf-8"?>
+<p:sld xmlns:a="http://schemas.openxmlformats.org/drawingml/2006/main" xmlns:r="http://schemas.openxmlformats.org/officeDocument/2006/relationships" xmlns:p="http://schemas.openxmlformats.org/presentationml/2006/main">
+  <p:cSld>
+    <p:spTree>
+      <p:nvGrpSpPr>
+        <p:cNvPr id="1" name=""/>
+        <p:cNvGrpSpPr/>
+        <p:nvPr/>
+      </p:nvGrpSpPr>
+      <p:grpSpPr>
+        <a:xfrm>
+          <a:off x="0" y="0"/>
+          <a:ext cx="0" cy="0"/>
+          <a:chOff x="0" y="0"/>
+          <a:chExt cx="0" cy="0"/>
+        </a:xfrm>
+      </p:grpSpPr>
+      <p:sp>
+        <p:nvSpPr>
+          <p:cNvPr id="4" name="Title 3"/>
+          <p:cNvSpPr>
+            <a:spLocks noGrp="1"/>
+          </p:cNvSpPr>
+          <p:nvPr>
+            <p:ph type="title"/>
+          </p:nvPr>
+        </p:nvSpPr>
+        <p:spPr>
+          <a:xfrm>
+            <a:off x="466579" y="240325"/>
+            <a:ext cx="11714536" cy="441082"/>
+          </a:xfrm>
+        </p:spPr>
+        <p:txBody>
+          <a:bodyPr/>
+          <a:lstStyle/>
+          <a:p>
+            <a:r>
+              <a:rPr lang="en-US" sz="3200" dirty="0">
+                <a:latin typeface="Calibri" panose="020F0502020204030204" pitchFamily="34" charset="0"/>
+                <a:cs typeface="Calibri" panose="020F0502020204030204" pitchFamily="34" charset="0"/>
+              </a:rPr>
+              <a:t>4. Word Embedding</a:t>
+            </a:r>
+          </a:p>
+        </p:txBody>
+      </p:sp>
+      <p:pic>
+        <p:nvPicPr>
+          <p:cNvPr id="3" name="Picture 2">
+            <a:extLst>
+              <a:ext uri="{FF2B5EF4-FFF2-40B4-BE49-F238E27FC236}">
+                <a16:creationId xmlns:a16="http://schemas.microsoft.com/office/drawing/2014/main" id="{9AE429E3-8DB6-2A19-AAAC-663525B28DC3}"/>
+              </a:ext>
+            </a:extLst>
+          </p:cNvPr>
+          <p:cNvPicPr>
+            <a:picLocks noChangeAspect="1"/>
+          </p:cNvPicPr>
+          <p:nvPr/>
+        </p:nvPicPr>
+        <p:blipFill>
+          <a:blip r:embed="rId3"/>
+          <a:stretch>
+            <a:fillRect/>
+          </a:stretch>
+        </p:blipFill>
+        <p:spPr>
+          <a:xfrm>
+            <a:off x="466579" y="1113086"/>
+            <a:ext cx="6356252" cy="4576249"/>
+          </a:xfrm>
+          <a:prstGeom prst="rect">
+            <a:avLst/>
+          </a:prstGeom>
+        </p:spPr>
+      </p:pic>
+      <p:pic>
+        <p:nvPicPr>
+          <p:cNvPr id="8" name="Picture 7">
+            <a:extLst>
+              <a:ext uri="{FF2B5EF4-FFF2-40B4-BE49-F238E27FC236}">
+                <a16:creationId xmlns:a16="http://schemas.microsoft.com/office/drawing/2014/main" id="{FCD66FC5-A34C-17A0-6C2E-B3B36C81C913}"/>
+              </a:ext>
+            </a:extLst>
+          </p:cNvPr>
+          <p:cNvPicPr>
+            <a:picLocks noChangeAspect="1"/>
+          </p:cNvPicPr>
+          <p:nvPr/>
+        </p:nvPicPr>
+        <p:blipFill>
+          <a:blip r:embed="rId4"/>
+          <a:stretch>
+            <a:fillRect/>
+          </a:stretch>
+        </p:blipFill>
+        <p:spPr>
+          <a:xfrm>
+            <a:off x="6811946" y="2230734"/>
+            <a:ext cx="5369169" cy="2882325"/>
+          </a:xfrm>
+          <a:prstGeom prst="rect">
+            <a:avLst/>
+          </a:prstGeom>
+        </p:spPr>
+      </p:pic>
+    </p:spTree>
+    <p:extLst>
+      <p:ext uri="{BB962C8B-B14F-4D97-AF65-F5344CB8AC3E}">
+        <p14:creationId xmlns:p14="http://schemas.microsoft.com/office/powerpoint/2010/main" val="2734049491"/>
+      </p:ext>
+    </p:extLst>
+  </p:cSld>
+  <p:clrMapOvr>
+    <a:masterClrMapping/>
+  </p:clrMapOvr>
+</p:sld>
+</file>
+
+<file path=ppt/slides/slide2.xml><?xml version="1.0" encoding="utf-8"?>
+<p:sld xmlns:a="http://schemas.openxmlformats.org/drawingml/2006/main" xmlns:r="http://schemas.openxmlformats.org/officeDocument/2006/relationships" xmlns:p="http://schemas.openxmlformats.org/presentationml/2006/main">
+  <p:cSld>
+    <p:spTree>
+      <p:nvGrpSpPr>
+        <p:cNvPr id="1" name=""/>
+        <p:cNvGrpSpPr/>
+        <p:nvPr/>
+      </p:nvGrpSpPr>
+      <p:grpSpPr>
+        <a:xfrm>
+          <a:off x="0" y="0"/>
+          <a:ext cx="0" cy="0"/>
+          <a:chOff x="0" y="0"/>
+          <a:chExt cx="0" cy="0"/>
+        </a:xfrm>
+      </p:grpSpPr>
+      <p:sp>
+        <p:nvSpPr>
+          <p:cNvPr id="3" name="Content Placeholder 2"/>
+          <p:cNvSpPr>
+            <a:spLocks noGrp="1"/>
+          </p:cNvSpPr>
+          <p:nvPr>
+            <p:ph idx="1"/>
+          </p:nvPr>
+        </p:nvSpPr>
+        <p:spPr>
+          <a:xfrm>
+            <a:off x="1074279" y="1044421"/>
+            <a:ext cx="9972662" cy="5171028"/>
+          </a:xfrm>
+        </p:spPr>
+        <p:txBody>
+          <a:bodyPr/>
+          <a:lstStyle/>
+          <a:p>
+            <a:pPr marL="0" indent="0">
+              <a:buNone/>
+            </a:pPr>
+            <a:r>
+              <a:rPr lang="en-US" dirty="0">
+                <a:latin typeface="Calibri" panose="020F0502020204030204" pitchFamily="34" charset="0"/>
+                <a:cs typeface="Calibri" panose="020F0502020204030204" pitchFamily="34" charset="0"/>
+              </a:rPr>
+              <a:t>1. </a:t>
+            </a:r>
+            <a:r>
+              <a:rPr lang="en-US" sz="2400" dirty="0">
+                <a:latin typeface="Calibri" panose="020F0502020204030204" pitchFamily="34" charset="0"/>
+                <a:cs typeface="Calibri" panose="020F0502020204030204" pitchFamily="34" charset="0"/>
+              </a:rPr>
+              <a:t>Problem Definition</a:t>
+            </a:r>
+            <a:endParaRPr lang="en-US" dirty="0">
+              <a:latin typeface="Calibri" panose="020F0502020204030204" pitchFamily="34" charset="0"/>
+              <a:cs typeface="Calibri" panose="020F0502020204030204" pitchFamily="34" charset="0"/>
+            </a:endParaRPr>
+          </a:p>
+          <a:p>
+            <a:pPr marL="0" indent="0">
+              <a:buNone/>
+            </a:pPr>
+            <a:r>
+              <a:rPr lang="en-US" dirty="0">
+                <a:latin typeface="Calibri" panose="020F0502020204030204" pitchFamily="34" charset="0"/>
+                <a:cs typeface="Calibri" panose="020F0502020204030204" pitchFamily="34" charset="0"/>
+              </a:rPr>
+              <a:t>2. </a:t>
+            </a:r>
+            <a:r>
+              <a:rPr lang="en-US" sz="2400" dirty="0">
+                <a:latin typeface="Calibri" panose="020F0502020204030204" pitchFamily="34" charset="0"/>
+                <a:cs typeface="Calibri" panose="020F0502020204030204" pitchFamily="34" charset="0"/>
+              </a:rPr>
+              <a:t>Data Collection</a:t>
+            </a:r>
+          </a:p>
+          <a:p>
+            <a:pPr marL="0" indent="0">
+              <a:buNone/>
+            </a:pPr>
+            <a:r>
+              <a:rPr lang="en-US" sz="2400" dirty="0">
+                <a:latin typeface="Calibri" panose="020F0502020204030204" pitchFamily="34" charset="0"/>
+                <a:cs typeface="Calibri" panose="020F0502020204030204" pitchFamily="34" charset="0"/>
+              </a:rPr>
+              <a:t>3. Data Preprocessing</a:t>
+            </a:r>
+          </a:p>
+          <a:p>
+            <a:pPr marL="0" indent="0">
+              <a:buNone/>
+            </a:pPr>
+            <a:r>
+              <a:rPr lang="en-US" sz="2400" dirty="0">
+                <a:latin typeface="Calibri" panose="020F0502020204030204" pitchFamily="34" charset="0"/>
+                <a:cs typeface="Calibri" panose="020F0502020204030204" pitchFamily="34" charset="0"/>
+              </a:rPr>
+              <a:t>4. Word Embedding</a:t>
+            </a:r>
+          </a:p>
+          <a:p>
+            <a:pPr marL="0" indent="0">
+              <a:buNone/>
+            </a:pPr>
+            <a:r>
+              <a:rPr lang="en-US" sz="2400" dirty="0">
+                <a:latin typeface="Calibri" panose="020F0502020204030204" pitchFamily="34" charset="0"/>
+                <a:cs typeface="Calibri" panose="020F0502020204030204" pitchFamily="34" charset="0"/>
+              </a:rPr>
+              <a:t>5. Splitting Data</a:t>
+            </a:r>
+          </a:p>
+          <a:p>
+            <a:pPr marL="0" indent="0">
+              <a:buNone/>
+            </a:pPr>
+            <a:r>
+              <a:rPr lang="en-US" sz="2400" dirty="0">
+                <a:latin typeface="Calibri" panose="020F0502020204030204" pitchFamily="34" charset="0"/>
+                <a:cs typeface="Calibri" panose="020F0502020204030204" pitchFamily="34" charset="0"/>
+              </a:rPr>
+              <a:t>6. Model Building</a:t>
+            </a:r>
+          </a:p>
+          <a:p>
+            <a:pPr marL="0" indent="0">
+              <a:buNone/>
+            </a:pPr>
+            <a:r>
+              <a:rPr lang="en-US" sz="2400" dirty="0">
+                <a:latin typeface="Calibri" panose="020F0502020204030204" pitchFamily="34" charset="0"/>
+                <a:cs typeface="Calibri" panose="020F0502020204030204" pitchFamily="34" charset="0"/>
+              </a:rPr>
+              <a:t>7. Model Training</a:t>
+            </a:r>
+          </a:p>
+          <a:p>
+            <a:pPr marL="0" indent="0">
+              <a:buNone/>
+            </a:pPr>
+            <a:r>
+              <a:rPr lang="en-US" sz="2400" dirty="0">
+                <a:latin typeface="Calibri" panose="020F0502020204030204" pitchFamily="34" charset="0"/>
+                <a:cs typeface="Calibri" panose="020F0502020204030204" pitchFamily="34" charset="0"/>
+              </a:rPr>
+              <a:t>8. Model Evaluation</a:t>
+            </a:r>
+          </a:p>
+          <a:p>
+            <a:pPr marL="0" indent="0">
+              <a:buNone/>
+            </a:pPr>
+            <a:r>
+              <a:rPr lang="en-US" dirty="0">
+                <a:latin typeface="Calibri" panose="020F0502020204030204" pitchFamily="34" charset="0"/>
+                <a:cs typeface="Calibri" panose="020F0502020204030204" pitchFamily="34" charset="0"/>
+              </a:rPr>
+              <a:t>9. QA</a:t>
+            </a:r>
+          </a:p>
+          <a:p>
+            <a:pPr marL="0" indent="0">
+              <a:buNone/>
+            </a:pPr>
+            <a:endParaRPr lang="en-US" dirty="0">
+              <a:latin typeface="Calibri" panose="020F0502020204030204" pitchFamily="34" charset="0"/>
+              <a:cs typeface="Calibri" panose="020F0502020204030204" pitchFamily="34" charset="0"/>
+            </a:endParaRPr>
+          </a:p>
+        </p:txBody>
+      </p:sp>
+      <p:sp>
+        <p:nvSpPr>
+          <p:cNvPr id="4" name="Title 3"/>
+          <p:cNvSpPr>
+            <a:spLocks noGrp="1"/>
+          </p:cNvSpPr>
+          <p:nvPr>
+            <p:ph type="title"/>
+          </p:nvPr>
+        </p:nvSpPr>
+        <p:spPr>
+          <a:xfrm>
+            <a:off x="466579" y="240325"/>
+            <a:ext cx="11714536" cy="441082"/>
+          </a:xfrm>
+        </p:spPr>
+        <p:txBody>
+          <a:bodyPr/>
+          <a:lstStyle/>
+          <a:p>
+            <a:r>
+              <a:rPr lang="en-US" sz="3200" dirty="0">
+                <a:latin typeface="Calibri" panose="020F0502020204030204" pitchFamily="34" charset="0"/>
+                <a:cs typeface="Calibri" panose="020F0502020204030204" pitchFamily="34" charset="0"/>
+              </a:rPr>
+              <a:t>AGENDA</a:t>
+            </a:r>
+          </a:p>
+        </p:txBody>
+      </p:sp>
+    </p:spTree>
+    <p:extLst>
+      <p:ext uri="{BB962C8B-B14F-4D97-AF65-F5344CB8AC3E}">
+        <p14:creationId xmlns:p14="http://schemas.microsoft.com/office/powerpoint/2010/main" val="1523232517"/>
+      </p:ext>
+    </p:extLst>
+  </p:cSld>
+  <p:clrMapOvr>
+    <a:masterClrMapping/>
+  </p:clrMapOvr>
+</p:sld>
+</file>
+
+<file path=ppt/slides/slide20.xml><?xml version="1.0" encoding="utf-8"?>
+<p:sld xmlns:a="http://schemas.openxmlformats.org/drawingml/2006/main" xmlns:r="http://schemas.openxmlformats.org/officeDocument/2006/relationships" xmlns:p="http://schemas.openxmlformats.org/presentationml/2006/main">
+  <p:cSld>
+    <p:spTree>
+      <p:nvGrpSpPr>
+        <p:cNvPr id="1" name=""/>
+        <p:cNvGrpSpPr/>
+        <p:nvPr/>
+      </p:nvGrpSpPr>
+      <p:grpSpPr>
+        <a:xfrm>
+          <a:off x="0" y="0"/>
+          <a:ext cx="0" cy="0"/>
+          <a:chOff x="0" y="0"/>
+          <a:chExt cx="0" cy="0"/>
+        </a:xfrm>
+      </p:grpSpPr>
+      <p:sp>
+        <p:nvSpPr>
+          <p:cNvPr id="4" name="Title 3"/>
+          <p:cNvSpPr>
+            <a:spLocks noGrp="1"/>
+          </p:cNvSpPr>
+          <p:nvPr>
+            <p:ph type="title"/>
+          </p:nvPr>
+        </p:nvSpPr>
+        <p:spPr>
+          <a:xfrm>
+            <a:off x="466579" y="240325"/>
+            <a:ext cx="11714536" cy="441082"/>
+          </a:xfrm>
+        </p:spPr>
+        <p:txBody>
+          <a:bodyPr/>
+          <a:lstStyle/>
+          <a:p>
+            <a:r>
+              <a:rPr lang="en-US" sz="3200" dirty="0">
+                <a:latin typeface="Calibri" panose="020F0502020204030204" pitchFamily="34" charset="0"/>
+                <a:cs typeface="Calibri" panose="020F0502020204030204" pitchFamily="34" charset="0"/>
+              </a:rPr>
+              <a:t>4. Word Embedding</a:t>
+            </a:r>
+          </a:p>
+        </p:txBody>
+      </p:sp>
+      <p:sp>
+        <p:nvSpPr>
+          <p:cNvPr id="5" name="Content Placeholder 2"/>
+          <p:cNvSpPr>
+            <a:spLocks noGrp="1"/>
+          </p:cNvSpPr>
+          <p:nvPr>
+            <p:ph idx="1"/>
+          </p:nvPr>
+        </p:nvSpPr>
+        <p:spPr>
+          <a:xfrm>
+            <a:off x="477464" y="1044421"/>
+            <a:ext cx="11714536" cy="5813579"/>
+          </a:xfrm>
+        </p:spPr>
+        <p:txBody>
+          <a:bodyPr/>
+          <a:lstStyle/>
+          <a:p>
+            <a:pPr>
+              <a:buFont typeface="Arial" panose="020B0604020202020204" pitchFamily="34" charset="0"/>
+              <a:buChar char="•"/>
+            </a:pPr>
+            <a:r>
+              <a:rPr lang="en-US" b="1">
+                <a:latin typeface="Calibri" panose="020F0502020204030204" pitchFamily="34" charset="0"/>
+                <a:cs typeface="Calibri" panose="020F0502020204030204" pitchFamily="34" charset="0"/>
+              </a:rPr>
+              <a:t>TF-IDF</a:t>
+            </a:r>
+            <a:r>
+              <a:rPr lang="en-US">
+                <a:latin typeface="Calibri" panose="020F0502020204030204" pitchFamily="34" charset="0"/>
+                <a:cs typeface="Calibri" panose="020F0502020204030204" pitchFamily="34" charset="0"/>
+              </a:rPr>
+              <a:t>:</a:t>
+            </a:r>
+            <a:endParaRPr lang="en-US" dirty="0">
+              <a:latin typeface="Calibri" panose="020F0502020204030204" pitchFamily="34" charset="0"/>
+              <a:cs typeface="Calibri" panose="020F0502020204030204" pitchFamily="34" charset="0"/>
+            </a:endParaRPr>
+          </a:p>
+        </p:txBody>
+      </p:sp>
+      <p:pic>
+        <p:nvPicPr>
+          <p:cNvPr id="3" name="Picture 2">
+            <a:extLst>
+              <a:ext uri="{FF2B5EF4-FFF2-40B4-BE49-F238E27FC236}">
+                <a16:creationId xmlns:a16="http://schemas.microsoft.com/office/drawing/2014/main" id="{8D16D334-F809-89D2-3EEC-75A5DA74D87B}"/>
+              </a:ext>
+            </a:extLst>
+          </p:cNvPr>
+          <p:cNvPicPr>
+            <a:picLocks noChangeAspect="1"/>
+          </p:cNvPicPr>
+          <p:nvPr/>
+        </p:nvPicPr>
+        <p:blipFill>
+          <a:blip r:embed="rId3"/>
+          <a:stretch>
+            <a:fillRect/>
+          </a:stretch>
+        </p:blipFill>
+        <p:spPr>
+          <a:xfrm>
+            <a:off x="3076153" y="1290339"/>
+            <a:ext cx="6039693" cy="4277322"/>
+          </a:xfrm>
+          <a:prstGeom prst="rect">
+            <a:avLst/>
+          </a:prstGeom>
+        </p:spPr>
+      </p:pic>
+    </p:spTree>
+    <p:extLst>
+      <p:ext uri="{BB962C8B-B14F-4D97-AF65-F5344CB8AC3E}">
+        <p14:creationId xmlns:p14="http://schemas.microsoft.com/office/powerpoint/2010/main" val="2606204275"/>
+      </p:ext>
+    </p:extLst>
+  </p:cSld>
+  <p:clrMapOvr>
+    <a:masterClrMapping/>
+  </p:clrMapOvr>
+</p:sld>
+</file>
+
+<file path=ppt/slides/slide21.xml><?xml version="1.0" encoding="utf-8"?>
+<p:sld xmlns:a="http://schemas.openxmlformats.org/drawingml/2006/main" xmlns:r="http://schemas.openxmlformats.org/officeDocument/2006/relationships" xmlns:p="http://schemas.openxmlformats.org/presentationml/2006/main">
+  <p:cSld>
+    <p:spTree>
+      <p:nvGrpSpPr>
+        <p:cNvPr id="1" name=""/>
+        <p:cNvGrpSpPr/>
+        <p:nvPr/>
+      </p:nvGrpSpPr>
+      <p:grpSpPr>
+        <a:xfrm>
+          <a:off x="0" y="0"/>
+          <a:ext cx="0" cy="0"/>
+          <a:chOff x="0" y="0"/>
+          <a:chExt cx="0" cy="0"/>
+        </a:xfrm>
+      </p:grpSpPr>
+      <p:sp>
+        <p:nvSpPr>
+          <p:cNvPr id="4" name="Title 3"/>
+          <p:cNvSpPr>
+            <a:spLocks noGrp="1"/>
+          </p:cNvSpPr>
+          <p:nvPr>
+            <p:ph type="title"/>
+          </p:nvPr>
+        </p:nvSpPr>
+        <p:spPr>
+          <a:xfrm>
+            <a:off x="466579" y="240325"/>
+            <a:ext cx="11714536" cy="441082"/>
+          </a:xfrm>
+        </p:spPr>
+        <p:txBody>
+          <a:bodyPr/>
+          <a:lstStyle/>
+          <a:p>
+            <a:r>
+              <a:rPr lang="en-US" sz="3200" dirty="0">
+                <a:latin typeface="Calibri" panose="020F0502020204030204" pitchFamily="34" charset="0"/>
+                <a:cs typeface="Calibri" panose="020F0502020204030204" pitchFamily="34" charset="0"/>
+              </a:rPr>
+              <a:t>4. Word Embedding</a:t>
+            </a:r>
+          </a:p>
+        </p:txBody>
+      </p:sp>
+      <p:sp>
+        <p:nvSpPr>
+          <p:cNvPr id="5" name="Content Placeholder 2"/>
+          <p:cNvSpPr>
+            <a:spLocks noGrp="1"/>
+          </p:cNvSpPr>
+          <p:nvPr>
+            <p:ph idx="1"/>
+          </p:nvPr>
+        </p:nvSpPr>
+        <p:spPr>
+          <a:xfrm>
+            <a:off x="477464" y="1044421"/>
+            <a:ext cx="11714536" cy="5813579"/>
+          </a:xfrm>
+        </p:spPr>
+        <p:txBody>
+          <a:bodyPr/>
+          <a:lstStyle/>
+          <a:p>
+            <a:pPr>
+              <a:buFont typeface="Arial" panose="020B0604020202020204" pitchFamily="34" charset="0"/>
+              <a:buChar char="•"/>
+            </a:pPr>
+            <a:r>
+              <a:rPr lang="en-US" b="1">
+                <a:latin typeface="Calibri" panose="020F0502020204030204" pitchFamily="34" charset="0"/>
+                <a:cs typeface="Calibri" panose="020F0502020204030204" pitchFamily="34" charset="0"/>
+              </a:rPr>
+              <a:t>TF-IDF</a:t>
+            </a:r>
+            <a:r>
+              <a:rPr lang="en-US">
+                <a:latin typeface="Calibri" panose="020F0502020204030204" pitchFamily="34" charset="0"/>
+                <a:cs typeface="Calibri" panose="020F0502020204030204" pitchFamily="34" charset="0"/>
+              </a:rPr>
+              <a:t>:</a:t>
+            </a:r>
+            <a:endParaRPr lang="en-US" dirty="0">
+              <a:latin typeface="Calibri" panose="020F0502020204030204" pitchFamily="34" charset="0"/>
+              <a:cs typeface="Calibri" panose="020F0502020204030204" pitchFamily="34" charset="0"/>
+            </a:endParaRPr>
+          </a:p>
+        </p:txBody>
+      </p:sp>
+      <p:pic>
+        <p:nvPicPr>
+          <p:cNvPr id="6" name="Picture 5">
+            <a:extLst>
+              <a:ext uri="{FF2B5EF4-FFF2-40B4-BE49-F238E27FC236}">
+                <a16:creationId xmlns:a16="http://schemas.microsoft.com/office/drawing/2014/main" id="{887D6312-A760-DAAC-C007-7EEB3073D445}"/>
+              </a:ext>
+            </a:extLst>
+          </p:cNvPr>
+          <p:cNvPicPr>
+            <a:picLocks noChangeAspect="1"/>
+          </p:cNvPicPr>
+          <p:nvPr/>
+        </p:nvPicPr>
+        <p:blipFill>
+          <a:blip r:embed="rId3"/>
+          <a:stretch>
+            <a:fillRect/>
+          </a:stretch>
+        </p:blipFill>
+        <p:spPr>
+          <a:xfrm>
+            <a:off x="3947718" y="240325"/>
+            <a:ext cx="5292635" cy="6617675"/>
+          </a:xfrm>
+          <a:prstGeom prst="rect">
+            <a:avLst/>
+          </a:prstGeom>
+        </p:spPr>
+      </p:pic>
+    </p:spTree>
+    <p:extLst>
+      <p:ext uri="{BB962C8B-B14F-4D97-AF65-F5344CB8AC3E}">
+        <p14:creationId xmlns:p14="http://schemas.microsoft.com/office/powerpoint/2010/main" val="701870961"/>
+      </p:ext>
+    </p:extLst>
+  </p:cSld>
+  <p:clrMapOvr>
+    <a:masterClrMapping/>
+  </p:clrMapOvr>
+</p:sld>
+</file>
+
+<file path=ppt/slides/slide22.xml><?xml version="1.0" encoding="utf-8"?>
 <p:sld xmlns:a="http://schemas.openxmlformats.org/drawingml/2006/main" xmlns:r="http://schemas.openxmlformats.org/officeDocument/2006/relationships" xmlns:p="http://schemas.openxmlformats.org/presentationml/2006/main">
   <p:cSld>
     <p:spTree>
@@ -10199,7 +12038,142 @@
 </p:sld>
 </file>
 
-<file path=ppt/slides/slide17.xml><?xml version="1.0" encoding="utf-8"?>
+<file path=ppt/slides/slide23.xml><?xml version="1.0" encoding="utf-8"?>
+<p:sld xmlns:a="http://schemas.openxmlformats.org/drawingml/2006/main" xmlns:r="http://schemas.openxmlformats.org/officeDocument/2006/relationships" xmlns:p="http://schemas.openxmlformats.org/presentationml/2006/main">
+  <p:cSld>
+    <p:spTree>
+      <p:nvGrpSpPr>
+        <p:cNvPr id="1" name=""/>
+        <p:cNvGrpSpPr/>
+        <p:nvPr/>
+      </p:nvGrpSpPr>
+      <p:grpSpPr>
+        <a:xfrm>
+          <a:off x="0" y="0"/>
+          <a:ext cx="0" cy="0"/>
+          <a:chOff x="0" y="0"/>
+          <a:chExt cx="0" cy="0"/>
+        </a:xfrm>
+      </p:grpSpPr>
+      <p:sp>
+        <p:nvSpPr>
+          <p:cNvPr id="4" name="Title 3"/>
+          <p:cNvSpPr>
+            <a:spLocks noGrp="1"/>
+          </p:cNvSpPr>
+          <p:nvPr>
+            <p:ph type="title"/>
+          </p:nvPr>
+        </p:nvSpPr>
+        <p:spPr>
+          <a:xfrm>
+            <a:off x="466579" y="240325"/>
+            <a:ext cx="11714536" cy="441082"/>
+          </a:xfrm>
+        </p:spPr>
+        <p:txBody>
+          <a:bodyPr/>
+          <a:lstStyle/>
+          <a:p>
+            <a:r>
+              <a:rPr lang="en-US" sz="3200" dirty="0">
+                <a:latin typeface="Calibri" panose="020F0502020204030204" pitchFamily="34" charset="0"/>
+                <a:cs typeface="Calibri" panose="020F0502020204030204" pitchFamily="34" charset="0"/>
+              </a:rPr>
+              <a:t>4. Word Embedding</a:t>
+            </a:r>
+          </a:p>
+        </p:txBody>
+      </p:sp>
+      <p:sp>
+        <p:nvSpPr>
+          <p:cNvPr id="5" name="Content Placeholder 2"/>
+          <p:cNvSpPr>
+            <a:spLocks noGrp="1"/>
+          </p:cNvSpPr>
+          <p:nvPr>
+            <p:ph idx="1"/>
+          </p:nvPr>
+        </p:nvSpPr>
+        <p:spPr>
+          <a:xfrm>
+            <a:off x="477464" y="1044421"/>
+            <a:ext cx="11714536" cy="5813579"/>
+          </a:xfrm>
+        </p:spPr>
+        <p:txBody>
+          <a:bodyPr/>
+          <a:lstStyle/>
+          <a:p>
+            <a:pPr>
+              <a:buFont typeface="Arial" panose="020B0604020202020204" pitchFamily="34" charset="0"/>
+              <a:buChar char="•"/>
+            </a:pPr>
+            <a:r>
+              <a:rPr lang="en-US" b="1">
+                <a:latin typeface="Calibri" panose="020F0502020204030204" pitchFamily="34" charset="0"/>
+                <a:cs typeface="Calibri" panose="020F0502020204030204" pitchFamily="34" charset="0"/>
+              </a:rPr>
+              <a:t>TF-IDF</a:t>
+            </a:r>
+            <a:r>
+              <a:rPr lang="en-US">
+                <a:latin typeface="Calibri" panose="020F0502020204030204" pitchFamily="34" charset="0"/>
+                <a:cs typeface="Calibri" panose="020F0502020204030204" pitchFamily="34" charset="0"/>
+              </a:rPr>
+              <a:t>:</a:t>
+            </a:r>
+            <a:endParaRPr lang="en-US" dirty="0">
+              <a:latin typeface="Calibri" panose="020F0502020204030204" pitchFamily="34" charset="0"/>
+              <a:cs typeface="Calibri" panose="020F0502020204030204" pitchFamily="34" charset="0"/>
+            </a:endParaRPr>
+          </a:p>
+        </p:txBody>
+      </p:sp>
+      <p:pic>
+        <p:nvPicPr>
+          <p:cNvPr id="3" name="Picture 2">
+            <a:extLst>
+              <a:ext uri="{FF2B5EF4-FFF2-40B4-BE49-F238E27FC236}">
+                <a16:creationId xmlns:a16="http://schemas.microsoft.com/office/drawing/2014/main" id="{BE5F463F-9909-9DD5-FCD5-08556ED484CF}"/>
+              </a:ext>
+            </a:extLst>
+          </p:cNvPr>
+          <p:cNvPicPr>
+            <a:picLocks noChangeAspect="1"/>
+          </p:cNvPicPr>
+          <p:nvPr/>
+        </p:nvPicPr>
+        <p:blipFill>
+          <a:blip r:embed="rId3"/>
+          <a:stretch>
+            <a:fillRect/>
+          </a:stretch>
+        </p:blipFill>
+        <p:spPr>
+          <a:xfrm>
+            <a:off x="3418114" y="755444"/>
+            <a:ext cx="5355771" cy="5656863"/>
+          </a:xfrm>
+          <a:prstGeom prst="rect">
+            <a:avLst/>
+          </a:prstGeom>
+        </p:spPr>
+      </p:pic>
+    </p:spTree>
+    <p:extLst>
+      <p:ext uri="{BB962C8B-B14F-4D97-AF65-F5344CB8AC3E}">
+        <p14:creationId xmlns:p14="http://schemas.microsoft.com/office/powerpoint/2010/main" val="1457282873"/>
+      </p:ext>
+    </p:extLst>
+  </p:cSld>
+  <p:clrMapOvr>
+    <a:masterClrMapping/>
+  </p:clrMapOvr>
+</p:sld>
+</file>
+
+<file path=ppt/slides/slide24.xml><?xml version="1.0" encoding="utf-8"?>
 <p:sld xmlns:a="http://schemas.openxmlformats.org/drawingml/2006/main" xmlns:r="http://schemas.openxmlformats.org/officeDocument/2006/relationships" xmlns:p="http://schemas.openxmlformats.org/presentationml/2006/main">
   <p:cSld>
     <p:spTree>
@@ -10327,7 +12301,7 @@
 </p:sld>
 </file>
 
-<file path=ppt/slides/slide18.xml><?xml version="1.0" encoding="utf-8"?>
+<file path=ppt/slides/slide25.xml><?xml version="1.0" encoding="utf-8"?>
 <p:sld xmlns:a="http://schemas.openxmlformats.org/drawingml/2006/main" xmlns:r="http://schemas.openxmlformats.org/officeDocument/2006/relationships" xmlns:p="http://schemas.openxmlformats.org/presentationml/2006/main">
   <p:cSld>
     <p:spTree>
@@ -10574,7 +12548,7 @@
 </p:sld>
 </file>
 
-<file path=ppt/slides/slide19.xml><?xml version="1.0" encoding="utf-8"?>
+<file path=ppt/slides/slide26.xml><?xml version="1.0" encoding="utf-8"?>
 <p:sld xmlns:a="http://schemas.openxmlformats.org/drawingml/2006/main" xmlns:r="http://schemas.openxmlformats.org/officeDocument/2006/relationships" xmlns:p="http://schemas.openxmlformats.org/presentationml/2006/main">
   <p:cSld>
     <p:spTree>
@@ -10717,223 +12691,7 @@
 </p:sld>
 </file>
 
-<file path=ppt/slides/slide2.xml><?xml version="1.0" encoding="utf-8"?>
-<p:sld xmlns:a="http://schemas.openxmlformats.org/drawingml/2006/main" xmlns:r="http://schemas.openxmlformats.org/officeDocument/2006/relationships" xmlns:p="http://schemas.openxmlformats.org/presentationml/2006/main">
-  <p:cSld>
-    <p:spTree>
-      <p:nvGrpSpPr>
-        <p:cNvPr id="1" name=""/>
-        <p:cNvGrpSpPr/>
-        <p:nvPr/>
-      </p:nvGrpSpPr>
-      <p:grpSpPr>
-        <a:xfrm>
-          <a:off x="0" y="0"/>
-          <a:ext cx="0" cy="0"/>
-          <a:chOff x="0" y="0"/>
-          <a:chExt cx="0" cy="0"/>
-        </a:xfrm>
-      </p:grpSpPr>
-      <p:sp>
-        <p:nvSpPr>
-          <p:cNvPr id="3" name="Content Placeholder 2"/>
-          <p:cNvSpPr>
-            <a:spLocks noGrp="1"/>
-          </p:cNvSpPr>
-          <p:nvPr>
-            <p:ph idx="1"/>
-          </p:nvPr>
-        </p:nvSpPr>
-        <p:spPr>
-          <a:xfrm>
-            <a:off x="1074279" y="1044421"/>
-            <a:ext cx="9972662" cy="5171028"/>
-          </a:xfrm>
-        </p:spPr>
-        <p:txBody>
-          <a:bodyPr/>
-          <a:lstStyle/>
-          <a:p>
-            <a:pPr marL="0" indent="0">
-              <a:buNone/>
-            </a:pPr>
-            <a:r>
-              <a:rPr lang="en-US" dirty="0">
-                <a:latin typeface="Calibri" panose="020F0502020204030204" pitchFamily="34" charset="0"/>
-                <a:cs typeface="Calibri" panose="020F0502020204030204" pitchFamily="34" charset="0"/>
-              </a:rPr>
-              <a:t>1. </a:t>
-            </a:r>
-            <a:r>
-              <a:rPr lang="en-US" sz="2400" dirty="0">
-                <a:latin typeface="Calibri" panose="020F0502020204030204" pitchFamily="34" charset="0"/>
-                <a:cs typeface="Calibri" panose="020F0502020204030204" pitchFamily="34" charset="0"/>
-              </a:rPr>
-              <a:t>Problem Definition</a:t>
-            </a:r>
-            <a:endParaRPr lang="en-US" dirty="0">
-              <a:latin typeface="Calibri" panose="020F0502020204030204" pitchFamily="34" charset="0"/>
-              <a:cs typeface="Calibri" panose="020F0502020204030204" pitchFamily="34" charset="0"/>
-            </a:endParaRPr>
-          </a:p>
-          <a:p>
-            <a:pPr marL="0" indent="0">
-              <a:buNone/>
-            </a:pPr>
-            <a:r>
-              <a:rPr lang="en-US" dirty="0">
-                <a:latin typeface="Calibri" panose="020F0502020204030204" pitchFamily="34" charset="0"/>
-                <a:cs typeface="Calibri" panose="020F0502020204030204" pitchFamily="34" charset="0"/>
-              </a:rPr>
-              <a:t>2. </a:t>
-            </a:r>
-            <a:r>
-              <a:rPr lang="en-US" sz="2400" dirty="0">
-                <a:latin typeface="Calibri" panose="020F0502020204030204" pitchFamily="34" charset="0"/>
-                <a:cs typeface="Calibri" panose="020F0502020204030204" pitchFamily="34" charset="0"/>
-              </a:rPr>
-              <a:t>Data Collection</a:t>
-            </a:r>
-          </a:p>
-          <a:p>
-            <a:pPr marL="0" indent="0">
-              <a:buNone/>
-            </a:pPr>
-            <a:r>
-              <a:rPr lang="en-US" sz="2400" dirty="0">
-                <a:latin typeface="Calibri" panose="020F0502020204030204" pitchFamily="34" charset="0"/>
-                <a:cs typeface="Calibri" panose="020F0502020204030204" pitchFamily="34" charset="0"/>
-              </a:rPr>
-              <a:t>3. Data Preprocessing</a:t>
-            </a:r>
-          </a:p>
-          <a:p>
-            <a:pPr marL="0" indent="0">
-              <a:buNone/>
-            </a:pPr>
-            <a:r>
-              <a:rPr lang="en-US" sz="2400" dirty="0">
-                <a:latin typeface="Calibri" panose="020F0502020204030204" pitchFamily="34" charset="0"/>
-                <a:cs typeface="Calibri" panose="020F0502020204030204" pitchFamily="34" charset="0"/>
-              </a:rPr>
-              <a:t>4. Word Embedding</a:t>
-            </a:r>
-          </a:p>
-          <a:p>
-            <a:pPr marL="0" indent="0">
-              <a:buNone/>
-            </a:pPr>
-            <a:r>
-              <a:rPr lang="en-US" sz="2400" dirty="0">
-                <a:latin typeface="Calibri" panose="020F0502020204030204" pitchFamily="34" charset="0"/>
-                <a:cs typeface="Calibri" panose="020F0502020204030204" pitchFamily="34" charset="0"/>
-              </a:rPr>
-              <a:t>5. Splitting Data</a:t>
-            </a:r>
-          </a:p>
-          <a:p>
-            <a:pPr marL="0" indent="0">
-              <a:buNone/>
-            </a:pPr>
-            <a:r>
-              <a:rPr lang="en-US" sz="2400" dirty="0">
-                <a:latin typeface="Calibri" panose="020F0502020204030204" pitchFamily="34" charset="0"/>
-                <a:cs typeface="Calibri" panose="020F0502020204030204" pitchFamily="34" charset="0"/>
-              </a:rPr>
-              <a:t>6. Model Building</a:t>
-            </a:r>
-          </a:p>
-          <a:p>
-            <a:pPr marL="0" indent="0">
-              <a:buNone/>
-            </a:pPr>
-            <a:r>
-              <a:rPr lang="en-US" sz="2400" dirty="0">
-                <a:latin typeface="Calibri" panose="020F0502020204030204" pitchFamily="34" charset="0"/>
-                <a:cs typeface="Calibri" panose="020F0502020204030204" pitchFamily="34" charset="0"/>
-              </a:rPr>
-              <a:t>7. Model Training</a:t>
-            </a:r>
-          </a:p>
-          <a:p>
-            <a:pPr marL="0" indent="0">
-              <a:buNone/>
-            </a:pPr>
-            <a:r>
-              <a:rPr lang="en-US" sz="2400" dirty="0">
-                <a:latin typeface="Calibri" panose="020F0502020204030204" pitchFamily="34" charset="0"/>
-                <a:cs typeface="Calibri" panose="020F0502020204030204" pitchFamily="34" charset="0"/>
-              </a:rPr>
-              <a:t>8. Model Evaluation</a:t>
-            </a:r>
-          </a:p>
-          <a:p>
-            <a:pPr marL="0" indent="0">
-              <a:buNone/>
-            </a:pPr>
-            <a:r>
-              <a:rPr lang="en-US" dirty="0">
-                <a:latin typeface="Calibri" panose="020F0502020204030204" pitchFamily="34" charset="0"/>
-                <a:cs typeface="Calibri" panose="020F0502020204030204" pitchFamily="34" charset="0"/>
-              </a:rPr>
-              <a:t>9. QA</a:t>
-            </a:r>
-          </a:p>
-          <a:p>
-            <a:pPr marL="0" indent="0">
-              <a:buNone/>
-            </a:pPr>
-            <a:endParaRPr lang="en-US" dirty="0">
-              <a:latin typeface="Calibri" panose="020F0502020204030204" pitchFamily="34" charset="0"/>
-              <a:cs typeface="Calibri" panose="020F0502020204030204" pitchFamily="34" charset="0"/>
-            </a:endParaRPr>
-          </a:p>
-        </p:txBody>
-      </p:sp>
-      <p:sp>
-        <p:nvSpPr>
-          <p:cNvPr id="4" name="Title 3"/>
-          <p:cNvSpPr>
-            <a:spLocks noGrp="1"/>
-          </p:cNvSpPr>
-          <p:nvPr>
-            <p:ph type="title"/>
-          </p:nvPr>
-        </p:nvSpPr>
-        <p:spPr>
-          <a:xfrm>
-            <a:off x="466579" y="240325"/>
-            <a:ext cx="11714536" cy="441082"/>
-          </a:xfrm>
-        </p:spPr>
-        <p:txBody>
-          <a:bodyPr/>
-          <a:lstStyle/>
-          <a:p>
-            <a:r>
-              <a:rPr lang="en-US" sz="3200" dirty="0">
-                <a:latin typeface="Calibri" panose="020F0502020204030204" pitchFamily="34" charset="0"/>
-                <a:cs typeface="Calibri" panose="020F0502020204030204" pitchFamily="34" charset="0"/>
-              </a:rPr>
-              <a:t>AGENDA</a:t>
-            </a:r>
-          </a:p>
-        </p:txBody>
-      </p:sp>
-    </p:spTree>
-    <p:extLst>
-      <p:ext uri="{BB962C8B-B14F-4D97-AF65-F5344CB8AC3E}">
-        <p14:creationId xmlns:p14="http://schemas.microsoft.com/office/powerpoint/2010/main" val="1523232517"/>
-      </p:ext>
-    </p:extLst>
-  </p:cSld>
-  <p:clrMapOvr>
-    <a:masterClrMapping/>
-  </p:clrMapOvr>
-</p:sld>
-</file>
-
-<file path=ppt/slides/slide20.xml><?xml version="1.0" encoding="utf-8"?>
+<file path=ppt/slides/slide27.xml><?xml version="1.0" encoding="utf-8"?>
 <p:sld xmlns:a="http://schemas.openxmlformats.org/drawingml/2006/main" xmlns:r="http://schemas.openxmlformats.org/officeDocument/2006/relationships" xmlns:p="http://schemas.openxmlformats.org/presentationml/2006/main">
   <p:cSld>
     <p:spTree>
@@ -11076,7 +12834,7 @@
 </p:sld>
 </file>
 
-<file path=ppt/slides/slide21.xml><?xml version="1.0" encoding="utf-8"?>
+<file path=ppt/slides/slide28.xml><?xml version="1.0" encoding="utf-8"?>
 <p:sld xmlns:a="http://schemas.openxmlformats.org/drawingml/2006/main" xmlns:r="http://schemas.openxmlformats.org/officeDocument/2006/relationships" xmlns:p="http://schemas.openxmlformats.org/presentationml/2006/main">
   <p:cSld>
     <p:spTree>
@@ -11219,7 +12977,7 @@
 </p:sld>
 </file>
 
-<file path=ppt/slides/slide22.xml><?xml version="1.0" encoding="utf-8"?>
+<file path=ppt/slides/slide29.xml><?xml version="1.0" encoding="utf-8"?>
 <p:sld xmlns:a="http://schemas.openxmlformats.org/drawingml/2006/main" xmlns:r="http://schemas.openxmlformats.org/officeDocument/2006/relationships" xmlns:p="http://schemas.openxmlformats.org/presentationml/2006/main">
   <p:cSld>
     <p:spTree>
@@ -11334,850 +13092,6 @@
     <p:extLst>
       <p:ext uri="{BB962C8B-B14F-4D97-AF65-F5344CB8AC3E}">
         <p14:creationId xmlns:p14="http://schemas.microsoft.com/office/powerpoint/2010/main" val="2299120418"/>
-      </p:ext>
-    </p:extLst>
-  </p:cSld>
-  <p:clrMapOvr>
-    <a:masterClrMapping/>
-  </p:clrMapOvr>
-</p:sld>
-</file>
-
-<file path=ppt/slides/slide23.xml><?xml version="1.0" encoding="utf-8"?>
-<p:sld xmlns:a="http://schemas.openxmlformats.org/drawingml/2006/main" xmlns:r="http://schemas.openxmlformats.org/officeDocument/2006/relationships" xmlns:p="http://schemas.openxmlformats.org/presentationml/2006/main">
-  <p:cSld>
-    <p:spTree>
-      <p:nvGrpSpPr>
-        <p:cNvPr id="1" name=""/>
-        <p:cNvGrpSpPr/>
-        <p:nvPr/>
-      </p:nvGrpSpPr>
-      <p:grpSpPr>
-        <a:xfrm>
-          <a:off x="0" y="0"/>
-          <a:ext cx="0" cy="0"/>
-          <a:chOff x="0" y="0"/>
-          <a:chExt cx="0" cy="0"/>
-        </a:xfrm>
-      </p:grpSpPr>
-      <p:sp>
-        <p:nvSpPr>
-          <p:cNvPr id="4" name="Title 3"/>
-          <p:cNvSpPr>
-            <a:spLocks noGrp="1"/>
-          </p:cNvSpPr>
-          <p:nvPr>
-            <p:ph type="title"/>
-          </p:nvPr>
-        </p:nvSpPr>
-        <p:spPr>
-          <a:xfrm>
-            <a:off x="466579" y="240325"/>
-            <a:ext cx="11714536" cy="441082"/>
-          </a:xfrm>
-        </p:spPr>
-        <p:txBody>
-          <a:bodyPr/>
-          <a:lstStyle/>
-          <a:p>
-            <a:r>
-              <a:rPr lang="en-US" sz="3200" dirty="0">
-                <a:latin typeface="Calibri" panose="020F0502020204030204" pitchFamily="34" charset="0"/>
-                <a:cs typeface="Calibri" panose="020F0502020204030204" pitchFamily="34" charset="0"/>
-              </a:rPr>
-              <a:t>7. Model Training</a:t>
-            </a:r>
-          </a:p>
-        </p:txBody>
-      </p:sp>
-      <p:sp>
-        <p:nvSpPr>
-          <p:cNvPr id="5" name="Content Placeholder 2"/>
-          <p:cNvSpPr>
-            <a:spLocks noGrp="1"/>
-          </p:cNvSpPr>
-          <p:nvPr>
-            <p:ph idx="1"/>
-          </p:nvPr>
-        </p:nvSpPr>
-        <p:spPr>
-          <a:xfrm>
-            <a:off x="477464" y="1044421"/>
-            <a:ext cx="11714536" cy="5813579"/>
-          </a:xfrm>
-        </p:spPr>
-        <p:txBody>
-          <a:bodyPr/>
-          <a:lstStyle/>
-          <a:p>
-            <a:pPr>
-              <a:buFont typeface="Arial" panose="020B0604020202020204" pitchFamily="34" charset="0"/>
-              <a:buChar char="•"/>
-            </a:pPr>
-            <a:r>
-              <a:rPr lang="en-US" dirty="0">
-                <a:latin typeface="Calibri" panose="020F0502020204030204" pitchFamily="34" charset="0"/>
-                <a:cs typeface="Calibri" panose="020F0502020204030204" pitchFamily="34" charset="0"/>
-              </a:rPr>
-              <a:t>Monitor performance on the validation set</a:t>
-            </a:r>
-          </a:p>
-        </p:txBody>
-      </p:sp>
-      <p:pic>
-        <p:nvPicPr>
-          <p:cNvPr id="6" name="Picture 5">
-            <a:extLst>
-              <a:ext uri="{FF2B5EF4-FFF2-40B4-BE49-F238E27FC236}">
-                <a16:creationId xmlns:a16="http://schemas.microsoft.com/office/drawing/2014/main" id="{86201037-34F5-5D7B-D4E8-EAE6846C1587}"/>
-              </a:ext>
-            </a:extLst>
-          </p:cNvPr>
-          <p:cNvPicPr>
-            <a:picLocks noChangeAspect="1"/>
-          </p:cNvPicPr>
-          <p:nvPr/>
-        </p:nvPicPr>
-        <p:blipFill>
-          <a:blip r:embed="rId3"/>
-          <a:stretch>
-            <a:fillRect/>
-          </a:stretch>
-        </p:blipFill>
-        <p:spPr>
-          <a:xfrm>
-            <a:off x="1726661" y="1912002"/>
-            <a:ext cx="6648620" cy="4078416"/>
-          </a:xfrm>
-          <a:prstGeom prst="rect">
-            <a:avLst/>
-          </a:prstGeom>
-        </p:spPr>
-      </p:pic>
-    </p:spTree>
-    <p:extLst>
-      <p:ext uri="{BB962C8B-B14F-4D97-AF65-F5344CB8AC3E}">
-        <p14:creationId xmlns:p14="http://schemas.microsoft.com/office/powerpoint/2010/main" val="3646827251"/>
-      </p:ext>
-    </p:extLst>
-  </p:cSld>
-  <p:clrMapOvr>
-    <a:masterClrMapping/>
-  </p:clrMapOvr>
-</p:sld>
-</file>
-
-<file path=ppt/slides/slide24.xml><?xml version="1.0" encoding="utf-8"?>
-<p:sld xmlns:a="http://schemas.openxmlformats.org/drawingml/2006/main" xmlns:r="http://schemas.openxmlformats.org/officeDocument/2006/relationships" xmlns:p="http://schemas.openxmlformats.org/presentationml/2006/main">
-  <p:cSld>
-    <p:spTree>
-      <p:nvGrpSpPr>
-        <p:cNvPr id="1" name=""/>
-        <p:cNvGrpSpPr/>
-        <p:nvPr/>
-      </p:nvGrpSpPr>
-      <p:grpSpPr>
-        <a:xfrm>
-          <a:off x="0" y="0"/>
-          <a:ext cx="0" cy="0"/>
-          <a:chOff x="0" y="0"/>
-          <a:chExt cx="0" cy="0"/>
-        </a:xfrm>
-      </p:grpSpPr>
-      <p:sp>
-        <p:nvSpPr>
-          <p:cNvPr id="4" name="Title 3"/>
-          <p:cNvSpPr>
-            <a:spLocks noGrp="1"/>
-          </p:cNvSpPr>
-          <p:nvPr>
-            <p:ph type="title"/>
-          </p:nvPr>
-        </p:nvSpPr>
-        <p:spPr>
-          <a:xfrm>
-            <a:off x="466579" y="240325"/>
-            <a:ext cx="11714536" cy="441082"/>
-          </a:xfrm>
-        </p:spPr>
-        <p:txBody>
-          <a:bodyPr/>
-          <a:lstStyle/>
-          <a:p>
-            <a:r>
-              <a:rPr lang="en-US" sz="3200" dirty="0">
-                <a:latin typeface="Calibri" panose="020F0502020204030204" pitchFamily="34" charset="0"/>
-                <a:cs typeface="Calibri" panose="020F0502020204030204" pitchFamily="34" charset="0"/>
-              </a:rPr>
-              <a:t>8. Model Evaluation</a:t>
-            </a:r>
-          </a:p>
-        </p:txBody>
-      </p:sp>
-      <p:sp>
-        <p:nvSpPr>
-          <p:cNvPr id="5" name="Content Placeholder 2"/>
-          <p:cNvSpPr>
-            <a:spLocks noGrp="1"/>
-          </p:cNvSpPr>
-          <p:nvPr>
-            <p:ph idx="1"/>
-          </p:nvPr>
-        </p:nvSpPr>
-        <p:spPr>
-          <a:xfrm>
-            <a:off x="477464" y="1044421"/>
-            <a:ext cx="11714536" cy="5813579"/>
-          </a:xfrm>
-        </p:spPr>
-        <p:txBody>
-          <a:bodyPr/>
-          <a:lstStyle/>
-          <a:p>
-            <a:pPr>
-              <a:buFont typeface="Arial" panose="020B0604020202020204" pitchFamily="34" charset="0"/>
-              <a:buChar char="•"/>
-            </a:pPr>
-            <a:r>
-              <a:rPr lang="en-US" dirty="0">
-                <a:latin typeface="Calibri" panose="020F0502020204030204" pitchFamily="34" charset="0"/>
-                <a:cs typeface="Calibri" panose="020F0502020204030204" pitchFamily="34" charset="0"/>
-              </a:rPr>
-              <a:t>Evaluate model using sample texts</a:t>
-            </a:r>
-          </a:p>
-        </p:txBody>
-      </p:sp>
-      <p:pic>
-        <p:nvPicPr>
-          <p:cNvPr id="3" name="Picture 2">
-            <a:extLst>
-              <a:ext uri="{FF2B5EF4-FFF2-40B4-BE49-F238E27FC236}">
-                <a16:creationId xmlns:a16="http://schemas.microsoft.com/office/drawing/2014/main" id="{09F6153E-F028-72BC-8CFC-07D3B54DB1D5}"/>
-              </a:ext>
-            </a:extLst>
-          </p:cNvPr>
-          <p:cNvPicPr>
-            <a:picLocks noChangeAspect="1"/>
-          </p:cNvPicPr>
-          <p:nvPr/>
-        </p:nvPicPr>
-        <p:blipFill>
-          <a:blip r:embed="rId3"/>
-          <a:stretch>
-            <a:fillRect/>
-          </a:stretch>
-        </p:blipFill>
-        <p:spPr>
-          <a:xfrm>
-            <a:off x="0" y="2074703"/>
-            <a:ext cx="12192000" cy="3527860"/>
-          </a:xfrm>
-          <a:prstGeom prst="rect">
-            <a:avLst/>
-          </a:prstGeom>
-        </p:spPr>
-      </p:pic>
-    </p:spTree>
-    <p:extLst>
-      <p:ext uri="{BB962C8B-B14F-4D97-AF65-F5344CB8AC3E}">
-        <p14:creationId xmlns:p14="http://schemas.microsoft.com/office/powerpoint/2010/main" val="2006873351"/>
-      </p:ext>
-    </p:extLst>
-  </p:cSld>
-  <p:clrMapOvr>
-    <a:masterClrMapping/>
-  </p:clrMapOvr>
-</p:sld>
-</file>
-
-<file path=ppt/slides/slide25.xml><?xml version="1.0" encoding="utf-8"?>
-<p:sld xmlns:a="http://schemas.openxmlformats.org/drawingml/2006/main" xmlns:r="http://schemas.openxmlformats.org/officeDocument/2006/relationships" xmlns:p="http://schemas.openxmlformats.org/presentationml/2006/main">
-  <p:cSld>
-    <p:spTree>
-      <p:nvGrpSpPr>
-        <p:cNvPr id="1" name=""/>
-        <p:cNvGrpSpPr/>
-        <p:nvPr/>
-      </p:nvGrpSpPr>
-      <p:grpSpPr>
-        <a:xfrm>
-          <a:off x="0" y="0"/>
-          <a:ext cx="0" cy="0"/>
-          <a:chOff x="0" y="0"/>
-          <a:chExt cx="0" cy="0"/>
-        </a:xfrm>
-      </p:grpSpPr>
-      <p:sp>
-        <p:nvSpPr>
-          <p:cNvPr id="4" name="Title 3"/>
-          <p:cNvSpPr>
-            <a:spLocks noGrp="1"/>
-          </p:cNvSpPr>
-          <p:nvPr>
-            <p:ph type="title"/>
-          </p:nvPr>
-        </p:nvSpPr>
-        <p:spPr>
-          <a:xfrm>
-            <a:off x="466579" y="240325"/>
-            <a:ext cx="11714536" cy="441082"/>
-          </a:xfrm>
-        </p:spPr>
-        <p:txBody>
-          <a:bodyPr/>
-          <a:lstStyle/>
-          <a:p>
-            <a:r>
-              <a:rPr lang="en-US" sz="3200" dirty="0">
-                <a:latin typeface="Calibri" panose="020F0502020204030204" pitchFamily="34" charset="0"/>
-                <a:cs typeface="Calibri" panose="020F0502020204030204" pitchFamily="34" charset="0"/>
-              </a:rPr>
-              <a:t>8. Model Evaluation</a:t>
-            </a:r>
-          </a:p>
-        </p:txBody>
-      </p:sp>
-      <p:sp>
-        <p:nvSpPr>
-          <p:cNvPr id="5" name="Content Placeholder 2"/>
-          <p:cNvSpPr>
-            <a:spLocks noGrp="1"/>
-          </p:cNvSpPr>
-          <p:nvPr>
-            <p:ph idx="1"/>
-          </p:nvPr>
-        </p:nvSpPr>
-        <p:spPr>
-          <a:xfrm>
-            <a:off x="477464" y="1044421"/>
-            <a:ext cx="11714536" cy="5813579"/>
-          </a:xfrm>
-        </p:spPr>
-        <p:txBody>
-          <a:bodyPr/>
-          <a:lstStyle/>
-          <a:p>
-            <a:pPr>
-              <a:buFont typeface="Arial" panose="020B0604020202020204" pitchFamily="34" charset="0"/>
-              <a:buChar char="•"/>
-            </a:pPr>
-            <a:r>
-              <a:rPr lang="en-US" dirty="0">
-                <a:latin typeface="Calibri" panose="020F0502020204030204" pitchFamily="34" charset="0"/>
-                <a:cs typeface="Calibri" panose="020F0502020204030204" pitchFamily="34" charset="0"/>
-              </a:rPr>
-              <a:t>Plot train and validation data</a:t>
-            </a:r>
-          </a:p>
-        </p:txBody>
-      </p:sp>
-      <p:pic>
-        <p:nvPicPr>
-          <p:cNvPr id="6" name="Picture 5">
-            <a:extLst>
-              <a:ext uri="{FF2B5EF4-FFF2-40B4-BE49-F238E27FC236}">
-                <a16:creationId xmlns:a16="http://schemas.microsoft.com/office/drawing/2014/main" id="{3A5A96EC-E175-8CBE-D76F-AFCEE37883E2}"/>
-              </a:ext>
-            </a:extLst>
-          </p:cNvPr>
-          <p:cNvPicPr>
-            <a:picLocks noChangeAspect="1"/>
-          </p:cNvPicPr>
-          <p:nvPr/>
-        </p:nvPicPr>
-        <p:blipFill>
-          <a:blip r:embed="rId3"/>
-          <a:stretch>
-            <a:fillRect/>
-          </a:stretch>
-        </p:blipFill>
-        <p:spPr>
-          <a:xfrm>
-            <a:off x="380202" y="1783970"/>
-            <a:ext cx="11431595" cy="4334480"/>
-          </a:xfrm>
-          <a:prstGeom prst="rect">
-            <a:avLst/>
-          </a:prstGeom>
-        </p:spPr>
-      </p:pic>
-    </p:spTree>
-    <p:extLst>
-      <p:ext uri="{BB962C8B-B14F-4D97-AF65-F5344CB8AC3E}">
-        <p14:creationId xmlns:p14="http://schemas.microsoft.com/office/powerpoint/2010/main" val="2002726539"/>
-      </p:ext>
-    </p:extLst>
-  </p:cSld>
-  <p:clrMapOvr>
-    <a:masterClrMapping/>
-  </p:clrMapOvr>
-</p:sld>
-</file>
-
-<file path=ppt/slides/slide26.xml><?xml version="1.0" encoding="utf-8"?>
-<p:sld xmlns:a="http://schemas.openxmlformats.org/drawingml/2006/main" xmlns:r="http://schemas.openxmlformats.org/officeDocument/2006/relationships" xmlns:p="http://schemas.openxmlformats.org/presentationml/2006/main">
-  <p:cSld>
-    <p:spTree>
-      <p:nvGrpSpPr>
-        <p:cNvPr id="1" name=""/>
-        <p:cNvGrpSpPr/>
-        <p:nvPr/>
-      </p:nvGrpSpPr>
-      <p:grpSpPr>
-        <a:xfrm>
-          <a:off x="0" y="0"/>
-          <a:ext cx="0" cy="0"/>
-          <a:chOff x="0" y="0"/>
-          <a:chExt cx="0" cy="0"/>
-        </a:xfrm>
-      </p:grpSpPr>
-      <p:sp>
-        <p:nvSpPr>
-          <p:cNvPr id="4" name="Title 3"/>
-          <p:cNvSpPr>
-            <a:spLocks noGrp="1"/>
-          </p:cNvSpPr>
-          <p:nvPr>
-            <p:ph type="title"/>
-          </p:nvPr>
-        </p:nvSpPr>
-        <p:spPr>
-          <a:xfrm>
-            <a:off x="466579" y="240325"/>
-            <a:ext cx="11714536" cy="441082"/>
-          </a:xfrm>
-        </p:spPr>
-        <p:txBody>
-          <a:bodyPr/>
-          <a:lstStyle/>
-          <a:p>
-            <a:r>
-              <a:rPr lang="en-US" sz="3200" dirty="0">
-                <a:latin typeface="Calibri" panose="020F0502020204030204" pitchFamily="34" charset="0"/>
-                <a:cs typeface="Calibri" panose="020F0502020204030204" pitchFamily="34" charset="0"/>
-              </a:rPr>
-              <a:t>8. Model Evaluation</a:t>
-            </a:r>
-          </a:p>
-        </p:txBody>
-      </p:sp>
-      <p:sp>
-        <p:nvSpPr>
-          <p:cNvPr id="5" name="Content Placeholder 2"/>
-          <p:cNvSpPr>
-            <a:spLocks noGrp="1"/>
-          </p:cNvSpPr>
-          <p:nvPr>
-            <p:ph idx="1"/>
-          </p:nvPr>
-        </p:nvSpPr>
-        <p:spPr>
-          <a:xfrm>
-            <a:off x="477464" y="1044421"/>
-            <a:ext cx="11714536" cy="5813579"/>
-          </a:xfrm>
-        </p:spPr>
-        <p:txBody>
-          <a:bodyPr/>
-          <a:lstStyle/>
-          <a:p>
-            <a:pPr>
-              <a:buFont typeface="Arial" panose="020B0604020202020204" pitchFamily="34" charset="0"/>
-              <a:buChar char="•"/>
-            </a:pPr>
-            <a:r>
-              <a:rPr lang="en-US" dirty="0">
-                <a:latin typeface="Calibri" panose="020F0502020204030204" pitchFamily="34" charset="0"/>
-                <a:cs typeface="Calibri" panose="020F0502020204030204" pitchFamily="34" charset="0"/>
-              </a:rPr>
-              <a:t>Evaluate model using metrics: accuracy, precision, recall, F1-score</a:t>
-            </a:r>
-          </a:p>
-        </p:txBody>
-      </p:sp>
-      <p:pic>
-        <p:nvPicPr>
-          <p:cNvPr id="3" name="Picture 2">
-            <a:extLst>
-              <a:ext uri="{FF2B5EF4-FFF2-40B4-BE49-F238E27FC236}">
-                <a16:creationId xmlns:a16="http://schemas.microsoft.com/office/drawing/2014/main" id="{C1AA55F5-7765-D223-EBDD-C3B8A5B70435}"/>
-              </a:ext>
-            </a:extLst>
-          </p:cNvPr>
-          <p:cNvPicPr>
-            <a:picLocks noChangeAspect="1"/>
-          </p:cNvPicPr>
-          <p:nvPr/>
-        </p:nvPicPr>
-        <p:blipFill>
-          <a:blip r:embed="rId3"/>
-          <a:stretch>
-            <a:fillRect/>
-          </a:stretch>
-        </p:blipFill>
-        <p:spPr>
-          <a:xfrm>
-            <a:off x="4135812" y="1532015"/>
-            <a:ext cx="3920375" cy="4838390"/>
-          </a:xfrm>
-          <a:prstGeom prst="rect">
-            <a:avLst/>
-          </a:prstGeom>
-        </p:spPr>
-      </p:pic>
-    </p:spTree>
-    <p:extLst>
-      <p:ext uri="{BB962C8B-B14F-4D97-AF65-F5344CB8AC3E}">
-        <p14:creationId xmlns:p14="http://schemas.microsoft.com/office/powerpoint/2010/main" val="1832701451"/>
-      </p:ext>
-    </p:extLst>
-  </p:cSld>
-  <p:clrMapOvr>
-    <a:masterClrMapping/>
-  </p:clrMapOvr>
-</p:sld>
-</file>
-
-<file path=ppt/slides/slide27.xml><?xml version="1.0" encoding="utf-8"?>
-<p:sld xmlns:a="http://schemas.openxmlformats.org/drawingml/2006/main" xmlns:r="http://schemas.openxmlformats.org/officeDocument/2006/relationships" xmlns:p="http://schemas.openxmlformats.org/presentationml/2006/main">
-  <p:cSld>
-    <p:spTree>
-      <p:nvGrpSpPr>
-        <p:cNvPr id="1" name=""/>
-        <p:cNvGrpSpPr/>
-        <p:nvPr/>
-      </p:nvGrpSpPr>
-      <p:grpSpPr>
-        <a:xfrm>
-          <a:off x="0" y="0"/>
-          <a:ext cx="0" cy="0"/>
-          <a:chOff x="0" y="0"/>
-          <a:chExt cx="0" cy="0"/>
-        </a:xfrm>
-      </p:grpSpPr>
-      <p:sp>
-        <p:nvSpPr>
-          <p:cNvPr id="4" name="Title 3"/>
-          <p:cNvSpPr>
-            <a:spLocks noGrp="1"/>
-          </p:cNvSpPr>
-          <p:nvPr>
-            <p:ph type="title"/>
-          </p:nvPr>
-        </p:nvSpPr>
-        <p:spPr>
-          <a:xfrm>
-            <a:off x="466579" y="240325"/>
-            <a:ext cx="11714536" cy="441082"/>
-          </a:xfrm>
-        </p:spPr>
-        <p:txBody>
-          <a:bodyPr/>
-          <a:lstStyle/>
-          <a:p>
-            <a:r>
-              <a:rPr lang="en-US" sz="3200" dirty="0">
-                <a:latin typeface="Calibri" panose="020F0502020204030204" pitchFamily="34" charset="0"/>
-                <a:cs typeface="Calibri" panose="020F0502020204030204" pitchFamily="34" charset="0"/>
-              </a:rPr>
-              <a:t>8. Model Evaluation</a:t>
-            </a:r>
-          </a:p>
-        </p:txBody>
-      </p:sp>
-      <p:sp>
-        <p:nvSpPr>
-          <p:cNvPr id="5" name="Content Placeholder 2"/>
-          <p:cNvSpPr>
-            <a:spLocks noGrp="1"/>
-          </p:cNvSpPr>
-          <p:nvPr>
-            <p:ph idx="1"/>
-          </p:nvPr>
-        </p:nvSpPr>
-        <p:spPr>
-          <a:xfrm>
-            <a:off x="477464" y="1044421"/>
-            <a:ext cx="11714536" cy="5813579"/>
-          </a:xfrm>
-        </p:spPr>
-        <p:txBody>
-          <a:bodyPr/>
-          <a:lstStyle/>
-          <a:p>
-            <a:pPr>
-              <a:buFont typeface="Arial" panose="020B0604020202020204" pitchFamily="34" charset="0"/>
-              <a:buChar char="•"/>
-            </a:pPr>
-            <a:r>
-              <a:rPr lang="en-US" dirty="0">
-                <a:latin typeface="Calibri" panose="020F0502020204030204" pitchFamily="34" charset="0"/>
-                <a:cs typeface="Calibri" panose="020F0502020204030204" pitchFamily="34" charset="0"/>
-              </a:rPr>
-              <a:t>Use confusion matrix to understand the errors.</a:t>
-            </a:r>
-          </a:p>
-        </p:txBody>
-      </p:sp>
-    </p:spTree>
-    <p:extLst>
-      <p:ext uri="{BB962C8B-B14F-4D97-AF65-F5344CB8AC3E}">
-        <p14:creationId xmlns:p14="http://schemas.microsoft.com/office/powerpoint/2010/main" val="1462006644"/>
-      </p:ext>
-    </p:extLst>
-  </p:cSld>
-  <p:clrMapOvr>
-    <a:masterClrMapping/>
-  </p:clrMapOvr>
-</p:sld>
-</file>
-
-<file path=ppt/slides/slide28.xml><?xml version="1.0" encoding="utf-8"?>
-<p:sld xmlns:a="http://schemas.openxmlformats.org/drawingml/2006/main" xmlns:r="http://schemas.openxmlformats.org/officeDocument/2006/relationships" xmlns:p="http://schemas.openxmlformats.org/presentationml/2006/main">
-  <p:cSld>
-    <p:spTree>
-      <p:nvGrpSpPr>
-        <p:cNvPr id="1" name=""/>
-        <p:cNvGrpSpPr/>
-        <p:nvPr/>
-      </p:nvGrpSpPr>
-      <p:grpSpPr>
-        <a:xfrm>
-          <a:off x="0" y="0"/>
-          <a:ext cx="0" cy="0"/>
-          <a:chOff x="0" y="0"/>
-          <a:chExt cx="0" cy="0"/>
-        </a:xfrm>
-      </p:grpSpPr>
-      <p:sp>
-        <p:nvSpPr>
-          <p:cNvPr id="2" name="Title 1"/>
-          <p:cNvSpPr>
-            <a:spLocks noGrp="1"/>
-          </p:cNvSpPr>
-          <p:nvPr>
-            <p:ph type="title"/>
-          </p:nvPr>
-        </p:nvSpPr>
-        <p:spPr>
-          <a:xfrm>
-            <a:off x="466579" y="240325"/>
-            <a:ext cx="11714536" cy="441082"/>
-          </a:xfrm>
-        </p:spPr>
-        <p:txBody>
-          <a:bodyPr/>
-          <a:lstStyle/>
-          <a:p>
-            <a:r>
-              <a:rPr lang="en-US" sz="3200" dirty="0">
-                <a:latin typeface="Calibri" panose="020F0502020204030204" pitchFamily="34" charset="0"/>
-                <a:cs typeface="Calibri" panose="020F0502020204030204" pitchFamily="34" charset="0"/>
-              </a:rPr>
-              <a:t>9. Q&amp;A</a:t>
-            </a:r>
-          </a:p>
-        </p:txBody>
-      </p:sp>
-    </p:spTree>
-    <p:extLst>
-      <p:ext uri="{BB962C8B-B14F-4D97-AF65-F5344CB8AC3E}">
-        <p14:creationId xmlns:p14="http://schemas.microsoft.com/office/powerpoint/2010/main" val="577511265"/>
-      </p:ext>
-    </p:extLst>
-  </p:cSld>
-  <p:clrMapOvr>
-    <a:masterClrMapping/>
-  </p:clrMapOvr>
-</p:sld>
-</file>
-
-<file path=ppt/slides/slide29.xml><?xml version="1.0" encoding="utf-8"?>
-<p:sld xmlns:a="http://schemas.openxmlformats.org/drawingml/2006/main" xmlns:r="http://schemas.openxmlformats.org/officeDocument/2006/relationships" xmlns:p="http://schemas.openxmlformats.org/presentationml/2006/main">
-  <p:cSld>
-    <p:spTree>
-      <p:nvGrpSpPr>
-        <p:cNvPr id="1" name=""/>
-        <p:cNvGrpSpPr/>
-        <p:nvPr/>
-      </p:nvGrpSpPr>
-      <p:grpSpPr>
-        <a:xfrm>
-          <a:off x="0" y="0"/>
-          <a:ext cx="0" cy="0"/>
-          <a:chOff x="0" y="0"/>
-          <a:chExt cx="0" cy="0"/>
-        </a:xfrm>
-      </p:grpSpPr>
-      <p:sp>
-        <p:nvSpPr>
-          <p:cNvPr id="3" name="TextBox 2"/>
-          <p:cNvSpPr txBox="1">
-            <a:spLocks noChangeArrowheads="1"/>
-          </p:cNvSpPr>
-          <p:nvPr/>
-        </p:nvSpPr>
-        <p:spPr bwMode="auto">
-          <a:xfrm>
-            <a:off x="3870008" y="3069273"/>
-            <a:ext cx="4421187" cy="922337"/>
-          </a:xfrm>
-          <a:prstGeom prst="rect">
-            <a:avLst/>
-          </a:prstGeom>
-          <a:noFill/>
-          <a:ln>
-            <a:noFill/>
-          </a:ln>
-          <a:extLst>
-            <a:ext uri="{909E8E84-426E-40DD-AFC4-6F175D3DCCD1}">
-              <a14:hiddenFill xmlns:a14="http://schemas.microsoft.com/office/drawing/2010/main">
-                <a:solidFill>
-                  <a:srgbClr val="FFFFFF"/>
-                </a:solidFill>
-              </a14:hiddenFill>
-            </a:ext>
-            <a:ext uri="{91240B29-F687-4F45-9708-019B960494DF}">
-              <a14:hiddenLine xmlns:a14="http://schemas.microsoft.com/office/drawing/2010/main" w="9525">
-                <a:solidFill>
-                  <a:srgbClr val="000000"/>
-                </a:solidFill>
-                <a:miter lim="800000"/>
-                <a:headEnd/>
-                <a:tailEnd/>
-              </a14:hiddenLine>
-            </a:ext>
-          </a:extLst>
-        </p:spPr>
-        <p:txBody>
-          <a:bodyPr>
-            <a:spAutoFit/>
-          </a:bodyPr>
-          <a:lstStyle>
-            <a:lvl1pPr>
-              <a:defRPr>
-                <a:solidFill>
-                  <a:schemeClr val="tx1"/>
-                </a:solidFill>
-                <a:latin typeface="Calibri" panose="020F0502020204030204" pitchFamily="34" charset="0"/>
-              </a:defRPr>
-            </a:lvl1pPr>
-            <a:lvl2pPr marL="742950" indent="-285750">
-              <a:defRPr>
-                <a:solidFill>
-                  <a:schemeClr val="tx1"/>
-                </a:solidFill>
-                <a:latin typeface="Calibri" panose="020F0502020204030204" pitchFamily="34" charset="0"/>
-              </a:defRPr>
-            </a:lvl2pPr>
-            <a:lvl3pPr marL="1143000" indent="-228600">
-              <a:defRPr>
-                <a:solidFill>
-                  <a:schemeClr val="tx1"/>
-                </a:solidFill>
-                <a:latin typeface="Calibri" panose="020F0502020204030204" pitchFamily="34" charset="0"/>
-              </a:defRPr>
-            </a:lvl3pPr>
-            <a:lvl4pPr marL="1600200" indent="-228600">
-              <a:defRPr>
-                <a:solidFill>
-                  <a:schemeClr val="tx1"/>
-                </a:solidFill>
-                <a:latin typeface="Calibri" panose="020F0502020204030204" pitchFamily="34" charset="0"/>
-              </a:defRPr>
-            </a:lvl4pPr>
-            <a:lvl5pPr marL="2057400" indent="-228600">
-              <a:defRPr>
-                <a:solidFill>
-                  <a:schemeClr val="tx1"/>
-                </a:solidFill>
-                <a:latin typeface="Calibri" panose="020F0502020204030204" pitchFamily="34" charset="0"/>
-              </a:defRPr>
-            </a:lvl5pPr>
-            <a:lvl6pPr marL="2514600" indent="-228600" fontAlgn="base">
-              <a:spcBef>
-                <a:spcPct val="0"/>
-              </a:spcBef>
-              <a:spcAft>
-                <a:spcPct val="0"/>
-              </a:spcAft>
-              <a:defRPr>
-                <a:solidFill>
-                  <a:schemeClr val="tx1"/>
-                </a:solidFill>
-                <a:latin typeface="Calibri" panose="020F0502020204030204" pitchFamily="34" charset="0"/>
-              </a:defRPr>
-            </a:lvl6pPr>
-            <a:lvl7pPr marL="2971800" indent="-228600" fontAlgn="base">
-              <a:spcBef>
-                <a:spcPct val="0"/>
-              </a:spcBef>
-              <a:spcAft>
-                <a:spcPct val="0"/>
-              </a:spcAft>
-              <a:defRPr>
-                <a:solidFill>
-                  <a:schemeClr val="tx1"/>
-                </a:solidFill>
-                <a:latin typeface="Calibri" panose="020F0502020204030204" pitchFamily="34" charset="0"/>
-              </a:defRPr>
-            </a:lvl7pPr>
-            <a:lvl8pPr marL="3429000" indent="-228600" fontAlgn="base">
-              <a:spcBef>
-                <a:spcPct val="0"/>
-              </a:spcBef>
-              <a:spcAft>
-                <a:spcPct val="0"/>
-              </a:spcAft>
-              <a:defRPr>
-                <a:solidFill>
-                  <a:schemeClr val="tx1"/>
-                </a:solidFill>
-                <a:latin typeface="Calibri" panose="020F0502020204030204" pitchFamily="34" charset="0"/>
-              </a:defRPr>
-            </a:lvl8pPr>
-            <a:lvl9pPr marL="3886200" indent="-228600" fontAlgn="base">
-              <a:spcBef>
-                <a:spcPct val="0"/>
-              </a:spcBef>
-              <a:spcAft>
-                <a:spcPct val="0"/>
-              </a:spcAft>
-              <a:defRPr>
-                <a:solidFill>
-                  <a:schemeClr val="tx1"/>
-                </a:solidFill>
-                <a:latin typeface="Calibri" panose="020F0502020204030204" pitchFamily="34" charset="0"/>
-              </a:defRPr>
-            </a:lvl9pPr>
-          </a:lstStyle>
-          <a:p>
-            <a:pPr eaLnBrk="1" hangingPunct="1">
-              <a:defRPr/>
-            </a:pPr>
-            <a:r>
-              <a:rPr lang="en-US" altLang="en-US" sz="5400" b="1" dirty="0">
-                <a:solidFill>
-                  <a:srgbClr val="00B0F0"/>
-                </a:solidFill>
-                <a:cs typeface="Calibri" panose="020F0502020204030204" pitchFamily="34" charset="0"/>
-              </a:rPr>
-              <a:t>THANK YOU !</a:t>
-            </a:r>
-            <a:endParaRPr lang="en-US" altLang="en-US" sz="5400" dirty="0">
-              <a:solidFill>
-                <a:srgbClr val="00B0F0"/>
-              </a:solidFill>
-              <a:cs typeface="Calibri" panose="020F0502020204030204" pitchFamily="34" charset="0"/>
-            </a:endParaRPr>
-          </a:p>
-        </p:txBody>
-      </p:sp>
-    </p:spTree>
-    <p:extLst>
-      <p:ext uri="{BB962C8B-B14F-4D97-AF65-F5344CB8AC3E}">
-        <p14:creationId xmlns:p14="http://schemas.microsoft.com/office/powerpoint/2010/main" val="883376971"/>
       </p:ext>
     </p:extLst>
   </p:cSld>
@@ -12393,7 +13307,7 @@
       </p:grpSpPr>
       <p:sp>
         <p:nvSpPr>
-          <p:cNvPr id="2" name="Title 1"/>
+          <p:cNvPr id="4" name="Title 3"/>
           <p:cNvSpPr>
             <a:spLocks noGrp="1"/>
           </p:cNvSpPr>
@@ -12416,54 +13330,79 @@
                 <a:latin typeface="Calibri" panose="020F0502020204030204" pitchFamily="34" charset="0"/>
                 <a:cs typeface="Calibri" panose="020F0502020204030204" pitchFamily="34" charset="0"/>
               </a:rPr>
-              <a:t>Back Up Slide</a:t>
-            </a:r>
-          </a:p>
-        </p:txBody>
-      </p:sp>
-      <p:sp>
-        <p:nvSpPr>
-          <p:cNvPr id="3" name="TextBox 2">
+              <a:t>7. Model Training</a:t>
+            </a:r>
+          </a:p>
+        </p:txBody>
+      </p:sp>
+      <p:sp>
+        <p:nvSpPr>
+          <p:cNvPr id="5" name="Content Placeholder 2"/>
+          <p:cNvSpPr>
+            <a:spLocks noGrp="1"/>
+          </p:cNvSpPr>
+          <p:nvPr>
+            <p:ph idx="1"/>
+          </p:nvPr>
+        </p:nvSpPr>
+        <p:spPr>
+          <a:xfrm>
+            <a:off x="477464" y="1044421"/>
+            <a:ext cx="11714536" cy="5813579"/>
+          </a:xfrm>
+        </p:spPr>
+        <p:txBody>
+          <a:bodyPr/>
+          <a:lstStyle/>
+          <a:p>
+            <a:pPr>
+              <a:buFont typeface="Arial" panose="020B0604020202020204" pitchFamily="34" charset="0"/>
+              <a:buChar char="•"/>
+            </a:pPr>
+            <a:r>
+              <a:rPr lang="en-US" dirty="0">
+                <a:latin typeface="Calibri" panose="020F0502020204030204" pitchFamily="34" charset="0"/>
+                <a:cs typeface="Calibri" panose="020F0502020204030204" pitchFamily="34" charset="0"/>
+              </a:rPr>
+              <a:t>Monitor performance on the validation set</a:t>
+            </a:r>
+          </a:p>
+        </p:txBody>
+      </p:sp>
+      <p:pic>
+        <p:nvPicPr>
+          <p:cNvPr id="6" name="Picture 5">
             <a:extLst>
               <a:ext uri="{FF2B5EF4-FFF2-40B4-BE49-F238E27FC236}">
-                <a16:creationId xmlns:a16="http://schemas.microsoft.com/office/drawing/2014/main" id="{63D9B1F7-F9ED-41EB-A437-B8EB4C76F5DB}"/>
+                <a16:creationId xmlns:a16="http://schemas.microsoft.com/office/drawing/2014/main" id="{86201037-34F5-5D7B-D4E8-EAE6846C1587}"/>
               </a:ext>
             </a:extLst>
           </p:cNvPr>
-          <p:cNvSpPr txBox="1"/>
+          <p:cNvPicPr>
+            <a:picLocks noChangeAspect="1"/>
+          </p:cNvPicPr>
           <p:nvPr/>
-        </p:nvSpPr>
+        </p:nvPicPr>
+        <p:blipFill>
+          <a:blip r:embed="rId3"/>
+          <a:stretch>
+            <a:fillRect/>
+          </a:stretch>
+        </p:blipFill>
         <p:spPr>
           <a:xfrm>
-            <a:off x="3867751" y="2921168"/>
-            <a:ext cx="4456497" cy="1015663"/>
+            <a:off x="1726661" y="1912002"/>
+            <a:ext cx="6648620" cy="4078416"/>
           </a:xfrm>
           <a:prstGeom prst="rect">
             <a:avLst/>
           </a:prstGeom>
-          <a:noFill/>
         </p:spPr>
-        <p:txBody>
-          <a:bodyPr wrap="square" rtlCol="0">
-            <a:spAutoFit/>
-          </a:bodyPr>
-          <a:lstStyle/>
-          <a:p>
-            <a:r>
-              <a:rPr lang="en-US" sz="6000" dirty="0">
-                <a:solidFill>
-                  <a:srgbClr val="2980B9"/>
-                </a:solidFill>
-              </a:rPr>
-              <a:t>Back Up Slide</a:t>
-            </a:r>
-          </a:p>
-        </p:txBody>
-      </p:sp>
+      </p:pic>
     </p:spTree>
     <p:extLst>
       <p:ext uri="{BB962C8B-B14F-4D97-AF65-F5344CB8AC3E}">
-        <p14:creationId xmlns:p14="http://schemas.microsoft.com/office/powerpoint/2010/main" val="2499661400"/>
+        <p14:creationId xmlns:p14="http://schemas.microsoft.com/office/powerpoint/2010/main" val="3646827251"/>
       </p:ext>
     </p:extLst>
   </p:cSld>
@@ -12515,7 +13454,7 @@
                 <a:latin typeface="Calibri" panose="020F0502020204030204" pitchFamily="34" charset="0"/>
                 <a:cs typeface="Calibri" panose="020F0502020204030204" pitchFamily="34" charset="0"/>
               </a:rPr>
-              <a:t>Classification vs Sentiment Analysis</a:t>
+              <a:t>8. Model Evaluation</a:t>
             </a:r>
           </a:p>
         </p:txBody>
@@ -12545,134 +13484,49 @@
               <a:buChar char="•"/>
             </a:pPr>
             <a:r>
-              <a:rPr lang="en-US" b="1" i="0" dirty="0">
-                <a:solidFill>
-                  <a:srgbClr val="282829"/>
-                </a:solidFill>
-                <a:effectLst/>
-                <a:latin typeface="Calibri" panose="020F0502020204030204" pitchFamily="34" charset="0"/>
-                <a:cs typeface="Calibri" panose="020F0502020204030204" pitchFamily="34" charset="0"/>
-              </a:rPr>
-              <a:t>Classification</a:t>
-            </a:r>
-            <a:r>
-              <a:rPr lang="en-US" b="0" i="0" dirty="0">
-                <a:solidFill>
-                  <a:srgbClr val="282829"/>
-                </a:solidFill>
-                <a:effectLst/>
-                <a:latin typeface="Calibri" panose="020F0502020204030204" pitchFamily="34" charset="0"/>
-                <a:cs typeface="Calibri" panose="020F0502020204030204" pitchFamily="34" charset="0"/>
-              </a:rPr>
-              <a:t> - Classification is a type of supervised learning where the goal is to predict the </a:t>
-            </a:r>
-            <a:r>
-              <a:rPr lang="en-US" b="0" i="0" dirty="0">
-                <a:solidFill>
-                  <a:srgbClr val="FF0000"/>
-                </a:solidFill>
-                <a:effectLst/>
-                <a:latin typeface="Calibri" panose="020F0502020204030204" pitchFamily="34" charset="0"/>
-                <a:cs typeface="Calibri" panose="020F0502020204030204" pitchFamily="34" charset="0"/>
-              </a:rPr>
-              <a:t>categorical class labels </a:t>
-            </a:r>
-            <a:r>
-              <a:rPr lang="en-US" b="0" i="0" dirty="0">
-                <a:solidFill>
-                  <a:srgbClr val="282829"/>
-                </a:solidFill>
-                <a:effectLst/>
-                <a:latin typeface="Calibri" panose="020F0502020204030204" pitchFamily="34" charset="0"/>
-                <a:cs typeface="Calibri" panose="020F0502020204030204" pitchFamily="34" charset="0"/>
-              </a:rPr>
-              <a:t>of new instances based on past observations. It involves assigning inputs to one of several predefined categories.</a:t>
-            </a:r>
-          </a:p>
-          <a:p>
-            <a:pPr>
-              <a:buFont typeface="Arial" panose="020B0604020202020204" pitchFamily="34" charset="0"/>
-              <a:buChar char="•"/>
-            </a:pPr>
-            <a:r>
-              <a:rPr lang="en-US" sz="2400" b="1" i="0" dirty="0">
-                <a:solidFill>
-                  <a:srgbClr val="282829"/>
-                </a:solidFill>
-                <a:effectLst/>
-                <a:latin typeface="Calibri" panose="020F0502020204030204" pitchFamily="34" charset="0"/>
-                <a:cs typeface="Calibri" panose="020F0502020204030204" pitchFamily="34" charset="0"/>
-              </a:rPr>
-              <a:t>Sentiment </a:t>
-            </a:r>
-            <a:r>
-              <a:rPr lang="en-US" b="1" dirty="0">
-                <a:solidFill>
-                  <a:srgbClr val="282829"/>
-                </a:solidFill>
-                <a:latin typeface="Calibri" panose="020F0502020204030204" pitchFamily="34" charset="0"/>
-                <a:cs typeface="Calibri" panose="020F0502020204030204" pitchFamily="34" charset="0"/>
-              </a:rPr>
-              <a:t>A</a:t>
-            </a:r>
-            <a:r>
-              <a:rPr lang="en-US" sz="2400" b="1" i="0" dirty="0">
-                <a:solidFill>
-                  <a:srgbClr val="282829"/>
-                </a:solidFill>
-                <a:effectLst/>
-                <a:latin typeface="Calibri" panose="020F0502020204030204" pitchFamily="34" charset="0"/>
-                <a:cs typeface="Calibri" panose="020F0502020204030204" pitchFamily="34" charset="0"/>
-              </a:rPr>
-              <a:t>nalysis</a:t>
-            </a:r>
-            <a:r>
-              <a:rPr lang="en-US" sz="2400" b="0" i="0" dirty="0">
-                <a:solidFill>
-                  <a:srgbClr val="282829"/>
-                </a:solidFill>
-                <a:effectLst/>
-                <a:latin typeface="Calibri" panose="020F0502020204030204" pitchFamily="34" charset="0"/>
-                <a:cs typeface="Calibri" panose="020F0502020204030204" pitchFamily="34" charset="0"/>
-              </a:rPr>
-              <a:t> - Sentiment analysis is a subfield of natural language processing (NLP) focused on determining the </a:t>
-            </a:r>
-            <a:r>
-              <a:rPr lang="en-US" sz="2400" b="0" i="0" dirty="0">
-                <a:solidFill>
-                  <a:srgbClr val="FF0000"/>
-                </a:solidFill>
-                <a:effectLst/>
-                <a:latin typeface="Calibri" panose="020F0502020204030204" pitchFamily="34" charset="0"/>
-                <a:cs typeface="Calibri" panose="020F0502020204030204" pitchFamily="34" charset="0"/>
-              </a:rPr>
-              <a:t>sentiment expressed in text</a:t>
-            </a:r>
-            <a:r>
-              <a:rPr lang="en-US" sz="2400" b="0" i="0" dirty="0">
-                <a:solidFill>
-                  <a:srgbClr val="282829"/>
-                </a:solidFill>
-                <a:effectLst/>
-                <a:latin typeface="Calibri" panose="020F0502020204030204" pitchFamily="34" charset="0"/>
-                <a:cs typeface="Calibri" panose="020F0502020204030204" pitchFamily="34" charset="0"/>
-              </a:rPr>
-              <a:t>. It typically involves classifying text into categories such as 'positive', 'negative', or 'neutral'.</a:t>
-            </a:r>
-            <a:endParaRPr lang="en-US" sz="3200" dirty="0">
-              <a:solidFill>
-                <a:srgbClr val="282829"/>
-              </a:solidFill>
-              <a:latin typeface="Calibri" panose="020F0502020204030204" pitchFamily="34" charset="0"/>
-              <a:cs typeface="Calibri" panose="020F0502020204030204" pitchFamily="34" charset="0"/>
-            </a:endParaRPr>
-          </a:p>
-        </p:txBody>
-      </p:sp>
+              <a:rPr lang="en-US" dirty="0">
+                <a:latin typeface="Calibri" panose="020F0502020204030204" pitchFamily="34" charset="0"/>
+                <a:cs typeface="Calibri" panose="020F0502020204030204" pitchFamily="34" charset="0"/>
+              </a:rPr>
+              <a:t>Evaluate model using sample texts</a:t>
+            </a:r>
+          </a:p>
+        </p:txBody>
+      </p:sp>
+      <p:pic>
+        <p:nvPicPr>
+          <p:cNvPr id="3" name="Picture 2">
+            <a:extLst>
+              <a:ext uri="{FF2B5EF4-FFF2-40B4-BE49-F238E27FC236}">
+                <a16:creationId xmlns:a16="http://schemas.microsoft.com/office/drawing/2014/main" id="{09F6153E-F028-72BC-8CFC-07D3B54DB1D5}"/>
+              </a:ext>
+            </a:extLst>
+          </p:cNvPr>
+          <p:cNvPicPr>
+            <a:picLocks noChangeAspect="1"/>
+          </p:cNvPicPr>
+          <p:nvPr/>
+        </p:nvPicPr>
+        <p:blipFill>
+          <a:blip r:embed="rId3"/>
+          <a:stretch>
+            <a:fillRect/>
+          </a:stretch>
+        </p:blipFill>
+        <p:spPr>
+          <a:xfrm>
+            <a:off x="0" y="2074703"/>
+            <a:ext cx="12192000" cy="3527860"/>
+          </a:xfrm>
+          <a:prstGeom prst="rect">
+            <a:avLst/>
+          </a:prstGeom>
+        </p:spPr>
+      </p:pic>
     </p:spTree>
     <p:extLst>
       <p:ext uri="{BB962C8B-B14F-4D97-AF65-F5344CB8AC3E}">
-        <p14:creationId xmlns:p14="http://schemas.microsoft.com/office/powerpoint/2010/main" val="650466616"/>
+        <p14:creationId xmlns:p14="http://schemas.microsoft.com/office/powerpoint/2010/main" val="2006873351"/>
       </p:ext>
     </p:extLst>
   </p:cSld>
@@ -12724,7 +13578,7 @@
                 <a:latin typeface="Calibri" panose="020F0502020204030204" pitchFamily="34" charset="0"/>
                 <a:cs typeface="Calibri" panose="020F0502020204030204" pitchFamily="34" charset="0"/>
               </a:rPr>
-              <a:t>Classification vs Sentiment Analysis</a:t>
+              <a:t>8. Model Evaluation</a:t>
             </a:r>
           </a:p>
         </p:txBody>
@@ -12754,69 +13608,49 @@
               <a:buChar char="•"/>
             </a:pPr>
             <a:r>
-              <a:rPr lang="en-US" sz="2400" b="1" i="0" dirty="0">
-                <a:solidFill>
-                  <a:srgbClr val="282829"/>
-                </a:solidFill>
-                <a:effectLst/>
-                <a:latin typeface="Calibri" panose="020F0502020204030204" pitchFamily="34" charset="0"/>
-                <a:cs typeface="Calibri" panose="020F0502020204030204" pitchFamily="34" charset="0"/>
-              </a:rPr>
-              <a:t>Classification</a:t>
-            </a:r>
-            <a:r>
-              <a:rPr lang="en-US" sz="2400" b="0" i="0" dirty="0">
-                <a:solidFill>
-                  <a:srgbClr val="282829"/>
-                </a:solidFill>
-                <a:effectLst/>
-                <a:latin typeface="Calibri" panose="020F0502020204030204" pitchFamily="34" charset="0"/>
-                <a:cs typeface="Calibri" panose="020F0502020204030204" pitchFamily="34" charset="0"/>
-              </a:rPr>
-              <a:t>: This is a broad category in machine learning that involves categorizing data into predefined labels or classes. It can be applied to various types of data such as text, images, numerical data, etc. The primary goal is to predict the category to which a new observation belongs based on a model trained on labeled data.</a:t>
-            </a:r>
-          </a:p>
-          <a:p>
-            <a:pPr>
-              <a:buFont typeface="Arial" panose="020B0604020202020204" pitchFamily="34" charset="0"/>
-              <a:buChar char="•"/>
-            </a:pPr>
-            <a:r>
-              <a:rPr lang="en-US" sz="2400" b="1" i="0" dirty="0">
-                <a:solidFill>
-                  <a:srgbClr val="282829"/>
-                </a:solidFill>
-                <a:effectLst/>
-                <a:latin typeface="Calibri" panose="020F0502020204030204" pitchFamily="34" charset="0"/>
-                <a:cs typeface="Calibri" panose="020F0502020204030204" pitchFamily="34" charset="0"/>
-              </a:rPr>
-              <a:t>Sentiment Analysis</a:t>
-            </a:r>
-            <a:r>
-              <a:rPr lang="en-US" sz="2400" b="0" i="0" dirty="0">
-                <a:solidFill>
-                  <a:srgbClr val="282829"/>
-                </a:solidFill>
-                <a:effectLst/>
-                <a:latin typeface="Calibri" panose="020F0502020204030204" pitchFamily="34" charset="0"/>
-                <a:cs typeface="Calibri" panose="020F0502020204030204" pitchFamily="34" charset="0"/>
-              </a:rPr>
-              <a:t>: This is a specialized type of classification specifically focused on text data. The goal is to determine the sentiment expressed in the text, typically categorizing it as positive, negative, or neutral. It deals primarily with understanding emotions, opinions, and attitudes conveyed in written language.</a:t>
-            </a:r>
-            <a:endParaRPr lang="en-US" sz="3200" dirty="0">
-              <a:solidFill>
-                <a:srgbClr val="282829"/>
-              </a:solidFill>
-              <a:latin typeface="Calibri" panose="020F0502020204030204" pitchFamily="34" charset="0"/>
-              <a:cs typeface="Calibri" panose="020F0502020204030204" pitchFamily="34" charset="0"/>
-            </a:endParaRPr>
-          </a:p>
-        </p:txBody>
-      </p:sp>
+              <a:rPr lang="en-US" dirty="0">
+                <a:latin typeface="Calibri" panose="020F0502020204030204" pitchFamily="34" charset="0"/>
+                <a:cs typeface="Calibri" panose="020F0502020204030204" pitchFamily="34" charset="0"/>
+              </a:rPr>
+              <a:t>Plot train and validation data</a:t>
+            </a:r>
+          </a:p>
+        </p:txBody>
+      </p:sp>
+      <p:pic>
+        <p:nvPicPr>
+          <p:cNvPr id="6" name="Picture 5">
+            <a:extLst>
+              <a:ext uri="{FF2B5EF4-FFF2-40B4-BE49-F238E27FC236}">
+                <a16:creationId xmlns:a16="http://schemas.microsoft.com/office/drawing/2014/main" id="{3A5A96EC-E175-8CBE-D76F-AFCEE37883E2}"/>
+              </a:ext>
+            </a:extLst>
+          </p:cNvPr>
+          <p:cNvPicPr>
+            <a:picLocks noChangeAspect="1"/>
+          </p:cNvPicPr>
+          <p:nvPr/>
+        </p:nvPicPr>
+        <p:blipFill>
+          <a:blip r:embed="rId3"/>
+          <a:stretch>
+            <a:fillRect/>
+          </a:stretch>
+        </p:blipFill>
+        <p:spPr>
+          <a:xfrm>
+            <a:off x="380202" y="1783970"/>
+            <a:ext cx="11431595" cy="4334480"/>
+          </a:xfrm>
+          <a:prstGeom prst="rect">
+            <a:avLst/>
+          </a:prstGeom>
+        </p:spPr>
+      </p:pic>
     </p:spTree>
     <p:extLst>
       <p:ext uri="{BB962C8B-B14F-4D97-AF65-F5344CB8AC3E}">
-        <p14:creationId xmlns:p14="http://schemas.microsoft.com/office/powerpoint/2010/main" val="2850094819"/>
+        <p14:creationId xmlns:p14="http://schemas.microsoft.com/office/powerpoint/2010/main" val="2002726539"/>
       </p:ext>
     </p:extLst>
   </p:cSld>
@@ -12868,7 +13702,7 @@
                 <a:latin typeface="Calibri" panose="020F0502020204030204" pitchFamily="34" charset="0"/>
                 <a:cs typeface="Calibri" panose="020F0502020204030204" pitchFamily="34" charset="0"/>
               </a:rPr>
-              <a:t>Classification vs Sentiment Analysis</a:t>
+              <a:t>8. Model Evaluation</a:t>
             </a:r>
           </a:p>
         </p:txBody>
@@ -12898,69 +13732,49 @@
               <a:buChar char="•"/>
             </a:pPr>
             <a:r>
-              <a:rPr lang="en-US" sz="2400" b="1" i="0" dirty="0">
-                <a:solidFill>
-                  <a:srgbClr val="282829"/>
-                </a:solidFill>
-                <a:effectLst/>
-                <a:latin typeface="Calibri" panose="020F0502020204030204" pitchFamily="34" charset="0"/>
-                <a:cs typeface="Calibri" panose="020F0502020204030204" pitchFamily="34" charset="0"/>
-              </a:rPr>
-              <a:t>Classification</a:t>
-            </a:r>
-            <a:r>
-              <a:rPr lang="en-US" sz="2400" b="0" i="0" dirty="0">
-                <a:solidFill>
-                  <a:srgbClr val="282829"/>
-                </a:solidFill>
-                <a:effectLst/>
-                <a:latin typeface="Calibri" panose="020F0502020204030204" pitchFamily="34" charset="0"/>
-                <a:cs typeface="Calibri" panose="020F0502020204030204" pitchFamily="34" charset="0"/>
-              </a:rPr>
-              <a:t>: General task of assigning inputs to categories; applicable to various data types and domains.</a:t>
-            </a:r>
-          </a:p>
-          <a:p>
-            <a:pPr>
-              <a:buFont typeface="Arial" panose="020B0604020202020204" pitchFamily="34" charset="0"/>
-              <a:buChar char="•"/>
-            </a:pPr>
-            <a:r>
-              <a:rPr lang="en-US" sz="2400" b="1" i="0" dirty="0">
-                <a:solidFill>
-                  <a:srgbClr val="282829"/>
-                </a:solidFill>
-                <a:effectLst/>
-                <a:latin typeface="Calibri" panose="020F0502020204030204" pitchFamily="34" charset="0"/>
-                <a:cs typeface="Calibri" panose="020F0502020204030204" pitchFamily="34" charset="0"/>
-              </a:rPr>
-              <a:t>Sentiment Analysis</a:t>
-            </a:r>
-            <a:r>
-              <a:rPr lang="en-US" sz="2400" b="0" i="0" dirty="0">
-                <a:solidFill>
-                  <a:srgbClr val="282829"/>
-                </a:solidFill>
-                <a:effectLst/>
-                <a:latin typeface="Calibri" panose="020F0502020204030204" pitchFamily="34" charset="0"/>
-                <a:cs typeface="Calibri" panose="020F0502020204030204" pitchFamily="34" charset="0"/>
-              </a:rPr>
-              <a:t>: Specialized form of classification focused on determining sentiment in textual data.</a:t>
-            </a:r>
-            <a:endParaRPr lang="en-US" sz="3200" dirty="0">
-              <a:solidFill>
-                <a:srgbClr val="282829"/>
-              </a:solidFill>
-              <a:latin typeface="Calibri" panose="020F0502020204030204" pitchFamily="34" charset="0"/>
-              <a:cs typeface="Calibri" panose="020F0502020204030204" pitchFamily="34" charset="0"/>
-            </a:endParaRPr>
-          </a:p>
-        </p:txBody>
-      </p:sp>
+              <a:rPr lang="en-US" dirty="0">
+                <a:latin typeface="Calibri" panose="020F0502020204030204" pitchFamily="34" charset="0"/>
+                <a:cs typeface="Calibri" panose="020F0502020204030204" pitchFamily="34" charset="0"/>
+              </a:rPr>
+              <a:t>Evaluate model using metrics: accuracy, precision, recall, F1-score</a:t>
+            </a:r>
+          </a:p>
+        </p:txBody>
+      </p:sp>
+      <p:pic>
+        <p:nvPicPr>
+          <p:cNvPr id="3" name="Picture 2">
+            <a:extLst>
+              <a:ext uri="{FF2B5EF4-FFF2-40B4-BE49-F238E27FC236}">
+                <a16:creationId xmlns:a16="http://schemas.microsoft.com/office/drawing/2014/main" id="{C1AA55F5-7765-D223-EBDD-C3B8A5B70435}"/>
+              </a:ext>
+            </a:extLst>
+          </p:cNvPr>
+          <p:cNvPicPr>
+            <a:picLocks noChangeAspect="1"/>
+          </p:cNvPicPr>
+          <p:nvPr/>
+        </p:nvPicPr>
+        <p:blipFill>
+          <a:blip r:embed="rId3"/>
+          <a:stretch>
+            <a:fillRect/>
+          </a:stretch>
+        </p:blipFill>
+        <p:spPr>
+          <a:xfrm>
+            <a:off x="4135812" y="1532015"/>
+            <a:ext cx="3920375" cy="4838390"/>
+          </a:xfrm>
+          <a:prstGeom prst="rect">
+            <a:avLst/>
+          </a:prstGeom>
+        </p:spPr>
+      </p:pic>
     </p:spTree>
     <p:extLst>
       <p:ext uri="{BB962C8B-B14F-4D97-AF65-F5344CB8AC3E}">
-        <p14:creationId xmlns:p14="http://schemas.microsoft.com/office/powerpoint/2010/main" val="580634757"/>
+        <p14:creationId xmlns:p14="http://schemas.microsoft.com/office/powerpoint/2010/main" val="1832701451"/>
       </p:ext>
     </p:extLst>
   </p:cSld>
@@ -13012,6 +13826,1086 @@
                 <a:latin typeface="Calibri" panose="020F0502020204030204" pitchFamily="34" charset="0"/>
                 <a:cs typeface="Calibri" panose="020F0502020204030204" pitchFamily="34" charset="0"/>
               </a:rPr>
+              <a:t>8. Model Evaluation</a:t>
+            </a:r>
+          </a:p>
+        </p:txBody>
+      </p:sp>
+      <p:sp>
+        <p:nvSpPr>
+          <p:cNvPr id="5" name="Content Placeholder 2"/>
+          <p:cNvSpPr>
+            <a:spLocks noGrp="1"/>
+          </p:cNvSpPr>
+          <p:nvPr>
+            <p:ph idx="1"/>
+          </p:nvPr>
+        </p:nvSpPr>
+        <p:spPr>
+          <a:xfrm>
+            <a:off x="477464" y="1044421"/>
+            <a:ext cx="11714536" cy="5813579"/>
+          </a:xfrm>
+        </p:spPr>
+        <p:txBody>
+          <a:bodyPr/>
+          <a:lstStyle/>
+          <a:p>
+            <a:pPr>
+              <a:buFont typeface="Arial" panose="020B0604020202020204" pitchFamily="34" charset="0"/>
+              <a:buChar char="•"/>
+            </a:pPr>
+            <a:r>
+              <a:rPr lang="en-US" dirty="0">
+                <a:latin typeface="Calibri" panose="020F0502020204030204" pitchFamily="34" charset="0"/>
+                <a:cs typeface="Calibri" panose="020F0502020204030204" pitchFamily="34" charset="0"/>
+              </a:rPr>
+              <a:t>Use confusion matrix to understand the errors.</a:t>
+            </a:r>
+          </a:p>
+        </p:txBody>
+      </p:sp>
+    </p:spTree>
+    <p:extLst>
+      <p:ext uri="{BB962C8B-B14F-4D97-AF65-F5344CB8AC3E}">
+        <p14:creationId xmlns:p14="http://schemas.microsoft.com/office/powerpoint/2010/main" val="1462006644"/>
+      </p:ext>
+    </p:extLst>
+  </p:cSld>
+  <p:clrMapOvr>
+    <a:masterClrMapping/>
+  </p:clrMapOvr>
+</p:sld>
+</file>
+
+<file path=ppt/slides/slide35.xml><?xml version="1.0" encoding="utf-8"?>
+<p:sld xmlns:a="http://schemas.openxmlformats.org/drawingml/2006/main" xmlns:r="http://schemas.openxmlformats.org/officeDocument/2006/relationships" xmlns:p="http://schemas.openxmlformats.org/presentationml/2006/main">
+  <p:cSld>
+    <p:spTree>
+      <p:nvGrpSpPr>
+        <p:cNvPr id="1" name=""/>
+        <p:cNvGrpSpPr/>
+        <p:nvPr/>
+      </p:nvGrpSpPr>
+      <p:grpSpPr>
+        <a:xfrm>
+          <a:off x="0" y="0"/>
+          <a:ext cx="0" cy="0"/>
+          <a:chOff x="0" y="0"/>
+          <a:chExt cx="0" cy="0"/>
+        </a:xfrm>
+      </p:grpSpPr>
+      <p:sp>
+        <p:nvSpPr>
+          <p:cNvPr id="2" name="Title 1"/>
+          <p:cNvSpPr>
+            <a:spLocks noGrp="1"/>
+          </p:cNvSpPr>
+          <p:nvPr>
+            <p:ph type="title"/>
+          </p:nvPr>
+        </p:nvSpPr>
+        <p:spPr>
+          <a:xfrm>
+            <a:off x="466579" y="240325"/>
+            <a:ext cx="11714536" cy="441082"/>
+          </a:xfrm>
+        </p:spPr>
+        <p:txBody>
+          <a:bodyPr/>
+          <a:lstStyle/>
+          <a:p>
+            <a:r>
+              <a:rPr lang="en-US" sz="3200" dirty="0">
+                <a:latin typeface="Calibri" panose="020F0502020204030204" pitchFamily="34" charset="0"/>
+                <a:cs typeface="Calibri" panose="020F0502020204030204" pitchFamily="34" charset="0"/>
+              </a:rPr>
+              <a:t>9. Q&amp;A</a:t>
+            </a:r>
+          </a:p>
+        </p:txBody>
+      </p:sp>
+    </p:spTree>
+    <p:extLst>
+      <p:ext uri="{BB962C8B-B14F-4D97-AF65-F5344CB8AC3E}">
+        <p14:creationId xmlns:p14="http://schemas.microsoft.com/office/powerpoint/2010/main" val="577511265"/>
+      </p:ext>
+    </p:extLst>
+  </p:cSld>
+  <p:clrMapOvr>
+    <a:masterClrMapping/>
+  </p:clrMapOvr>
+</p:sld>
+</file>
+
+<file path=ppt/slides/slide36.xml><?xml version="1.0" encoding="utf-8"?>
+<p:sld xmlns:a="http://schemas.openxmlformats.org/drawingml/2006/main" xmlns:r="http://schemas.openxmlformats.org/officeDocument/2006/relationships" xmlns:p="http://schemas.openxmlformats.org/presentationml/2006/main">
+  <p:cSld>
+    <p:spTree>
+      <p:nvGrpSpPr>
+        <p:cNvPr id="1" name=""/>
+        <p:cNvGrpSpPr/>
+        <p:nvPr/>
+      </p:nvGrpSpPr>
+      <p:grpSpPr>
+        <a:xfrm>
+          <a:off x="0" y="0"/>
+          <a:ext cx="0" cy="0"/>
+          <a:chOff x="0" y="0"/>
+          <a:chExt cx="0" cy="0"/>
+        </a:xfrm>
+      </p:grpSpPr>
+      <p:sp>
+        <p:nvSpPr>
+          <p:cNvPr id="3" name="TextBox 2"/>
+          <p:cNvSpPr txBox="1">
+            <a:spLocks noChangeArrowheads="1"/>
+          </p:cNvSpPr>
+          <p:nvPr/>
+        </p:nvSpPr>
+        <p:spPr bwMode="auto">
+          <a:xfrm>
+            <a:off x="3870008" y="3069273"/>
+            <a:ext cx="4421187" cy="922337"/>
+          </a:xfrm>
+          <a:prstGeom prst="rect">
+            <a:avLst/>
+          </a:prstGeom>
+          <a:noFill/>
+          <a:ln>
+            <a:noFill/>
+          </a:ln>
+          <a:extLst>
+            <a:ext uri="{909E8E84-426E-40DD-AFC4-6F175D3DCCD1}">
+              <a14:hiddenFill xmlns:a14="http://schemas.microsoft.com/office/drawing/2010/main">
+                <a:solidFill>
+                  <a:srgbClr val="FFFFFF"/>
+                </a:solidFill>
+              </a14:hiddenFill>
+            </a:ext>
+            <a:ext uri="{91240B29-F687-4F45-9708-019B960494DF}">
+              <a14:hiddenLine xmlns:a14="http://schemas.microsoft.com/office/drawing/2010/main" w="9525">
+                <a:solidFill>
+                  <a:srgbClr val="000000"/>
+                </a:solidFill>
+                <a:miter lim="800000"/>
+                <a:headEnd/>
+                <a:tailEnd/>
+              </a14:hiddenLine>
+            </a:ext>
+          </a:extLst>
+        </p:spPr>
+        <p:txBody>
+          <a:bodyPr>
+            <a:spAutoFit/>
+          </a:bodyPr>
+          <a:lstStyle>
+            <a:lvl1pPr>
+              <a:defRPr>
+                <a:solidFill>
+                  <a:schemeClr val="tx1"/>
+                </a:solidFill>
+                <a:latin typeface="Calibri" panose="020F0502020204030204" pitchFamily="34" charset="0"/>
+              </a:defRPr>
+            </a:lvl1pPr>
+            <a:lvl2pPr marL="742950" indent="-285750">
+              <a:defRPr>
+                <a:solidFill>
+                  <a:schemeClr val="tx1"/>
+                </a:solidFill>
+                <a:latin typeface="Calibri" panose="020F0502020204030204" pitchFamily="34" charset="0"/>
+              </a:defRPr>
+            </a:lvl2pPr>
+            <a:lvl3pPr marL="1143000" indent="-228600">
+              <a:defRPr>
+                <a:solidFill>
+                  <a:schemeClr val="tx1"/>
+                </a:solidFill>
+                <a:latin typeface="Calibri" panose="020F0502020204030204" pitchFamily="34" charset="0"/>
+              </a:defRPr>
+            </a:lvl3pPr>
+            <a:lvl4pPr marL="1600200" indent="-228600">
+              <a:defRPr>
+                <a:solidFill>
+                  <a:schemeClr val="tx1"/>
+                </a:solidFill>
+                <a:latin typeface="Calibri" panose="020F0502020204030204" pitchFamily="34" charset="0"/>
+              </a:defRPr>
+            </a:lvl4pPr>
+            <a:lvl5pPr marL="2057400" indent="-228600">
+              <a:defRPr>
+                <a:solidFill>
+                  <a:schemeClr val="tx1"/>
+                </a:solidFill>
+                <a:latin typeface="Calibri" panose="020F0502020204030204" pitchFamily="34" charset="0"/>
+              </a:defRPr>
+            </a:lvl5pPr>
+            <a:lvl6pPr marL="2514600" indent="-228600" fontAlgn="base">
+              <a:spcBef>
+                <a:spcPct val="0"/>
+              </a:spcBef>
+              <a:spcAft>
+                <a:spcPct val="0"/>
+              </a:spcAft>
+              <a:defRPr>
+                <a:solidFill>
+                  <a:schemeClr val="tx1"/>
+                </a:solidFill>
+                <a:latin typeface="Calibri" panose="020F0502020204030204" pitchFamily="34" charset="0"/>
+              </a:defRPr>
+            </a:lvl6pPr>
+            <a:lvl7pPr marL="2971800" indent="-228600" fontAlgn="base">
+              <a:spcBef>
+                <a:spcPct val="0"/>
+              </a:spcBef>
+              <a:spcAft>
+                <a:spcPct val="0"/>
+              </a:spcAft>
+              <a:defRPr>
+                <a:solidFill>
+                  <a:schemeClr val="tx1"/>
+                </a:solidFill>
+                <a:latin typeface="Calibri" panose="020F0502020204030204" pitchFamily="34" charset="0"/>
+              </a:defRPr>
+            </a:lvl7pPr>
+            <a:lvl8pPr marL="3429000" indent="-228600" fontAlgn="base">
+              <a:spcBef>
+                <a:spcPct val="0"/>
+              </a:spcBef>
+              <a:spcAft>
+                <a:spcPct val="0"/>
+              </a:spcAft>
+              <a:defRPr>
+                <a:solidFill>
+                  <a:schemeClr val="tx1"/>
+                </a:solidFill>
+                <a:latin typeface="Calibri" panose="020F0502020204030204" pitchFamily="34" charset="0"/>
+              </a:defRPr>
+            </a:lvl8pPr>
+            <a:lvl9pPr marL="3886200" indent="-228600" fontAlgn="base">
+              <a:spcBef>
+                <a:spcPct val="0"/>
+              </a:spcBef>
+              <a:spcAft>
+                <a:spcPct val="0"/>
+              </a:spcAft>
+              <a:defRPr>
+                <a:solidFill>
+                  <a:schemeClr val="tx1"/>
+                </a:solidFill>
+                <a:latin typeface="Calibri" panose="020F0502020204030204" pitchFamily="34" charset="0"/>
+              </a:defRPr>
+            </a:lvl9pPr>
+          </a:lstStyle>
+          <a:p>
+            <a:pPr eaLnBrk="1" hangingPunct="1">
+              <a:defRPr/>
+            </a:pPr>
+            <a:r>
+              <a:rPr lang="en-US" altLang="en-US" sz="5400" b="1" dirty="0">
+                <a:solidFill>
+                  <a:srgbClr val="00B0F0"/>
+                </a:solidFill>
+                <a:cs typeface="Calibri" panose="020F0502020204030204" pitchFamily="34" charset="0"/>
+              </a:rPr>
+              <a:t>THANK YOU !</a:t>
+            </a:r>
+            <a:endParaRPr lang="en-US" altLang="en-US" sz="5400" dirty="0">
+              <a:solidFill>
+                <a:srgbClr val="00B0F0"/>
+              </a:solidFill>
+              <a:cs typeface="Calibri" panose="020F0502020204030204" pitchFamily="34" charset="0"/>
+            </a:endParaRPr>
+          </a:p>
+        </p:txBody>
+      </p:sp>
+    </p:spTree>
+    <p:extLst>
+      <p:ext uri="{BB962C8B-B14F-4D97-AF65-F5344CB8AC3E}">
+        <p14:creationId xmlns:p14="http://schemas.microsoft.com/office/powerpoint/2010/main" val="883376971"/>
+      </p:ext>
+    </p:extLst>
+  </p:cSld>
+  <p:clrMapOvr>
+    <a:masterClrMapping/>
+  </p:clrMapOvr>
+</p:sld>
+</file>
+
+<file path=ppt/slides/slide37.xml><?xml version="1.0" encoding="utf-8"?>
+<p:sld xmlns:a="http://schemas.openxmlformats.org/drawingml/2006/main" xmlns:r="http://schemas.openxmlformats.org/officeDocument/2006/relationships" xmlns:p="http://schemas.openxmlformats.org/presentationml/2006/main">
+  <p:cSld>
+    <p:spTree>
+      <p:nvGrpSpPr>
+        <p:cNvPr id="1" name=""/>
+        <p:cNvGrpSpPr/>
+        <p:nvPr/>
+      </p:nvGrpSpPr>
+      <p:grpSpPr>
+        <a:xfrm>
+          <a:off x="0" y="0"/>
+          <a:ext cx="0" cy="0"/>
+          <a:chOff x="0" y="0"/>
+          <a:chExt cx="0" cy="0"/>
+        </a:xfrm>
+      </p:grpSpPr>
+      <p:sp>
+        <p:nvSpPr>
+          <p:cNvPr id="2" name="Title 1"/>
+          <p:cNvSpPr>
+            <a:spLocks noGrp="1"/>
+          </p:cNvSpPr>
+          <p:nvPr>
+            <p:ph type="title"/>
+          </p:nvPr>
+        </p:nvSpPr>
+        <p:spPr>
+          <a:xfrm>
+            <a:off x="466579" y="240325"/>
+            <a:ext cx="11714536" cy="441082"/>
+          </a:xfrm>
+        </p:spPr>
+        <p:txBody>
+          <a:bodyPr/>
+          <a:lstStyle/>
+          <a:p>
+            <a:r>
+              <a:rPr lang="en-US" sz="3200" dirty="0">
+                <a:latin typeface="Calibri" panose="020F0502020204030204" pitchFamily="34" charset="0"/>
+                <a:cs typeface="Calibri" panose="020F0502020204030204" pitchFamily="34" charset="0"/>
+              </a:rPr>
+              <a:t>Back Up Slide</a:t>
+            </a:r>
+          </a:p>
+        </p:txBody>
+      </p:sp>
+      <p:sp>
+        <p:nvSpPr>
+          <p:cNvPr id="3" name="TextBox 2">
+            <a:extLst>
+              <a:ext uri="{FF2B5EF4-FFF2-40B4-BE49-F238E27FC236}">
+                <a16:creationId xmlns:a16="http://schemas.microsoft.com/office/drawing/2014/main" id="{63D9B1F7-F9ED-41EB-A437-B8EB4C76F5DB}"/>
+              </a:ext>
+            </a:extLst>
+          </p:cNvPr>
+          <p:cNvSpPr txBox="1"/>
+          <p:nvPr/>
+        </p:nvSpPr>
+        <p:spPr>
+          <a:xfrm>
+            <a:off x="3867751" y="2921168"/>
+            <a:ext cx="4456497" cy="1015663"/>
+          </a:xfrm>
+          <a:prstGeom prst="rect">
+            <a:avLst/>
+          </a:prstGeom>
+          <a:noFill/>
+        </p:spPr>
+        <p:txBody>
+          <a:bodyPr wrap="square" rtlCol="0">
+            <a:spAutoFit/>
+          </a:bodyPr>
+          <a:lstStyle/>
+          <a:p>
+            <a:r>
+              <a:rPr lang="en-US" sz="6000" dirty="0">
+                <a:solidFill>
+                  <a:srgbClr val="2980B9"/>
+                </a:solidFill>
+              </a:rPr>
+              <a:t>Back Up Slide</a:t>
+            </a:r>
+          </a:p>
+        </p:txBody>
+      </p:sp>
+    </p:spTree>
+    <p:extLst>
+      <p:ext uri="{BB962C8B-B14F-4D97-AF65-F5344CB8AC3E}">
+        <p14:creationId xmlns:p14="http://schemas.microsoft.com/office/powerpoint/2010/main" val="2499661400"/>
+      </p:ext>
+    </p:extLst>
+  </p:cSld>
+  <p:clrMapOvr>
+    <a:masterClrMapping/>
+  </p:clrMapOvr>
+</p:sld>
+</file>
+
+<file path=ppt/slides/slide38.xml><?xml version="1.0" encoding="utf-8"?>
+<p:sld xmlns:a="http://schemas.openxmlformats.org/drawingml/2006/main" xmlns:r="http://schemas.openxmlformats.org/officeDocument/2006/relationships" xmlns:p="http://schemas.openxmlformats.org/presentationml/2006/main">
+  <p:cSld>
+    <p:spTree>
+      <p:nvGrpSpPr>
+        <p:cNvPr id="1" name=""/>
+        <p:cNvGrpSpPr/>
+        <p:nvPr/>
+      </p:nvGrpSpPr>
+      <p:grpSpPr>
+        <a:xfrm>
+          <a:off x="0" y="0"/>
+          <a:ext cx="0" cy="0"/>
+          <a:chOff x="0" y="0"/>
+          <a:chExt cx="0" cy="0"/>
+        </a:xfrm>
+      </p:grpSpPr>
+      <p:sp>
+        <p:nvSpPr>
+          <p:cNvPr id="4" name="Title 3"/>
+          <p:cNvSpPr>
+            <a:spLocks noGrp="1"/>
+          </p:cNvSpPr>
+          <p:nvPr>
+            <p:ph type="title"/>
+          </p:nvPr>
+        </p:nvSpPr>
+        <p:spPr>
+          <a:xfrm>
+            <a:off x="466579" y="240325"/>
+            <a:ext cx="11714536" cy="441082"/>
+          </a:xfrm>
+        </p:spPr>
+        <p:txBody>
+          <a:bodyPr/>
+          <a:lstStyle/>
+          <a:p>
+            <a:r>
+              <a:rPr lang="en-US" sz="3200" dirty="0">
+                <a:latin typeface="Calibri" panose="020F0502020204030204" pitchFamily="34" charset="0"/>
+                <a:cs typeface="Calibri" panose="020F0502020204030204" pitchFamily="34" charset="0"/>
+              </a:rPr>
+              <a:t>Classification vs Sentiment Analysis</a:t>
+            </a:r>
+          </a:p>
+        </p:txBody>
+      </p:sp>
+      <p:sp>
+        <p:nvSpPr>
+          <p:cNvPr id="5" name="Content Placeholder 2"/>
+          <p:cNvSpPr>
+            <a:spLocks noGrp="1"/>
+          </p:cNvSpPr>
+          <p:nvPr>
+            <p:ph idx="1"/>
+          </p:nvPr>
+        </p:nvSpPr>
+        <p:spPr>
+          <a:xfrm>
+            <a:off x="477464" y="1044421"/>
+            <a:ext cx="11714536" cy="5813579"/>
+          </a:xfrm>
+        </p:spPr>
+        <p:txBody>
+          <a:bodyPr/>
+          <a:lstStyle/>
+          <a:p>
+            <a:pPr>
+              <a:buFont typeface="Arial" panose="020B0604020202020204" pitchFamily="34" charset="0"/>
+              <a:buChar char="•"/>
+            </a:pPr>
+            <a:r>
+              <a:rPr lang="en-US" b="1" i="0" dirty="0">
+                <a:solidFill>
+                  <a:srgbClr val="282829"/>
+                </a:solidFill>
+                <a:effectLst/>
+                <a:latin typeface="Calibri" panose="020F0502020204030204" pitchFamily="34" charset="0"/>
+                <a:cs typeface="Calibri" panose="020F0502020204030204" pitchFamily="34" charset="0"/>
+              </a:rPr>
+              <a:t>Classification</a:t>
+            </a:r>
+            <a:r>
+              <a:rPr lang="en-US" b="0" i="0" dirty="0">
+                <a:solidFill>
+                  <a:srgbClr val="282829"/>
+                </a:solidFill>
+                <a:effectLst/>
+                <a:latin typeface="Calibri" panose="020F0502020204030204" pitchFamily="34" charset="0"/>
+                <a:cs typeface="Calibri" panose="020F0502020204030204" pitchFamily="34" charset="0"/>
+              </a:rPr>
+              <a:t> - Classification is a type of supervised learning where the goal is to predict the </a:t>
+            </a:r>
+            <a:r>
+              <a:rPr lang="en-US" b="0" i="0" dirty="0">
+                <a:solidFill>
+                  <a:srgbClr val="FF0000"/>
+                </a:solidFill>
+                <a:effectLst/>
+                <a:latin typeface="Calibri" panose="020F0502020204030204" pitchFamily="34" charset="0"/>
+                <a:cs typeface="Calibri" panose="020F0502020204030204" pitchFamily="34" charset="0"/>
+              </a:rPr>
+              <a:t>categorical class labels </a:t>
+            </a:r>
+            <a:r>
+              <a:rPr lang="en-US" b="0" i="0" dirty="0">
+                <a:solidFill>
+                  <a:srgbClr val="282829"/>
+                </a:solidFill>
+                <a:effectLst/>
+                <a:latin typeface="Calibri" panose="020F0502020204030204" pitchFamily="34" charset="0"/>
+                <a:cs typeface="Calibri" panose="020F0502020204030204" pitchFamily="34" charset="0"/>
+              </a:rPr>
+              <a:t>of new instances based on past observations. It involves assigning inputs to one of several predefined categories.</a:t>
+            </a:r>
+          </a:p>
+          <a:p>
+            <a:pPr>
+              <a:buFont typeface="Arial" panose="020B0604020202020204" pitchFamily="34" charset="0"/>
+              <a:buChar char="•"/>
+            </a:pPr>
+            <a:r>
+              <a:rPr lang="en-US" sz="2400" b="1" i="0" dirty="0">
+                <a:solidFill>
+                  <a:srgbClr val="282829"/>
+                </a:solidFill>
+                <a:effectLst/>
+                <a:latin typeface="Calibri" panose="020F0502020204030204" pitchFamily="34" charset="0"/>
+                <a:cs typeface="Calibri" panose="020F0502020204030204" pitchFamily="34" charset="0"/>
+              </a:rPr>
+              <a:t>Sentiment </a:t>
+            </a:r>
+            <a:r>
+              <a:rPr lang="en-US" b="1" dirty="0">
+                <a:solidFill>
+                  <a:srgbClr val="282829"/>
+                </a:solidFill>
+                <a:latin typeface="Calibri" panose="020F0502020204030204" pitchFamily="34" charset="0"/>
+                <a:cs typeface="Calibri" panose="020F0502020204030204" pitchFamily="34" charset="0"/>
+              </a:rPr>
+              <a:t>A</a:t>
+            </a:r>
+            <a:r>
+              <a:rPr lang="en-US" sz="2400" b="1" i="0" dirty="0">
+                <a:solidFill>
+                  <a:srgbClr val="282829"/>
+                </a:solidFill>
+                <a:effectLst/>
+                <a:latin typeface="Calibri" panose="020F0502020204030204" pitchFamily="34" charset="0"/>
+                <a:cs typeface="Calibri" panose="020F0502020204030204" pitchFamily="34" charset="0"/>
+              </a:rPr>
+              <a:t>nalysis</a:t>
+            </a:r>
+            <a:r>
+              <a:rPr lang="en-US" sz="2400" b="0" i="0" dirty="0">
+                <a:solidFill>
+                  <a:srgbClr val="282829"/>
+                </a:solidFill>
+                <a:effectLst/>
+                <a:latin typeface="Calibri" panose="020F0502020204030204" pitchFamily="34" charset="0"/>
+                <a:cs typeface="Calibri" panose="020F0502020204030204" pitchFamily="34" charset="0"/>
+              </a:rPr>
+              <a:t> - Sentiment analysis is a subfield of natural language processing (NLP) focused on determining the </a:t>
+            </a:r>
+            <a:r>
+              <a:rPr lang="en-US" sz="2400" b="0" i="0" dirty="0">
+                <a:solidFill>
+                  <a:srgbClr val="FF0000"/>
+                </a:solidFill>
+                <a:effectLst/>
+                <a:latin typeface="Calibri" panose="020F0502020204030204" pitchFamily="34" charset="0"/>
+                <a:cs typeface="Calibri" panose="020F0502020204030204" pitchFamily="34" charset="0"/>
+              </a:rPr>
+              <a:t>sentiment expressed in text</a:t>
+            </a:r>
+            <a:r>
+              <a:rPr lang="en-US" sz="2400" b="0" i="0" dirty="0">
+                <a:solidFill>
+                  <a:srgbClr val="282829"/>
+                </a:solidFill>
+                <a:effectLst/>
+                <a:latin typeface="Calibri" panose="020F0502020204030204" pitchFamily="34" charset="0"/>
+                <a:cs typeface="Calibri" panose="020F0502020204030204" pitchFamily="34" charset="0"/>
+              </a:rPr>
+              <a:t>. It typically involves classifying text into categories such as 'positive', 'negative', or 'neutral'.</a:t>
+            </a:r>
+            <a:endParaRPr lang="en-US" sz="3200" dirty="0">
+              <a:solidFill>
+                <a:srgbClr val="282829"/>
+              </a:solidFill>
+              <a:latin typeface="Calibri" panose="020F0502020204030204" pitchFamily="34" charset="0"/>
+              <a:cs typeface="Calibri" panose="020F0502020204030204" pitchFamily="34" charset="0"/>
+            </a:endParaRPr>
+          </a:p>
+        </p:txBody>
+      </p:sp>
+    </p:spTree>
+    <p:extLst>
+      <p:ext uri="{BB962C8B-B14F-4D97-AF65-F5344CB8AC3E}">
+        <p14:creationId xmlns:p14="http://schemas.microsoft.com/office/powerpoint/2010/main" val="650466616"/>
+      </p:ext>
+    </p:extLst>
+  </p:cSld>
+  <p:clrMapOvr>
+    <a:masterClrMapping/>
+  </p:clrMapOvr>
+</p:sld>
+</file>
+
+<file path=ppt/slides/slide39.xml><?xml version="1.0" encoding="utf-8"?>
+<p:sld xmlns:a="http://schemas.openxmlformats.org/drawingml/2006/main" xmlns:r="http://schemas.openxmlformats.org/officeDocument/2006/relationships" xmlns:p="http://schemas.openxmlformats.org/presentationml/2006/main">
+  <p:cSld>
+    <p:spTree>
+      <p:nvGrpSpPr>
+        <p:cNvPr id="1" name=""/>
+        <p:cNvGrpSpPr/>
+        <p:nvPr/>
+      </p:nvGrpSpPr>
+      <p:grpSpPr>
+        <a:xfrm>
+          <a:off x="0" y="0"/>
+          <a:ext cx="0" cy="0"/>
+          <a:chOff x="0" y="0"/>
+          <a:chExt cx="0" cy="0"/>
+        </a:xfrm>
+      </p:grpSpPr>
+      <p:sp>
+        <p:nvSpPr>
+          <p:cNvPr id="4" name="Title 3"/>
+          <p:cNvSpPr>
+            <a:spLocks noGrp="1"/>
+          </p:cNvSpPr>
+          <p:nvPr>
+            <p:ph type="title"/>
+          </p:nvPr>
+        </p:nvSpPr>
+        <p:spPr>
+          <a:xfrm>
+            <a:off x="466579" y="240325"/>
+            <a:ext cx="11714536" cy="441082"/>
+          </a:xfrm>
+        </p:spPr>
+        <p:txBody>
+          <a:bodyPr/>
+          <a:lstStyle/>
+          <a:p>
+            <a:r>
+              <a:rPr lang="en-US" sz="3200" dirty="0">
+                <a:latin typeface="Calibri" panose="020F0502020204030204" pitchFamily="34" charset="0"/>
+                <a:cs typeface="Calibri" panose="020F0502020204030204" pitchFamily="34" charset="0"/>
+              </a:rPr>
+              <a:t>Classification vs Sentiment Analysis</a:t>
+            </a:r>
+          </a:p>
+        </p:txBody>
+      </p:sp>
+      <p:sp>
+        <p:nvSpPr>
+          <p:cNvPr id="5" name="Content Placeholder 2"/>
+          <p:cNvSpPr>
+            <a:spLocks noGrp="1"/>
+          </p:cNvSpPr>
+          <p:nvPr>
+            <p:ph idx="1"/>
+          </p:nvPr>
+        </p:nvSpPr>
+        <p:spPr>
+          <a:xfrm>
+            <a:off x="477464" y="1044421"/>
+            <a:ext cx="11714536" cy="5813579"/>
+          </a:xfrm>
+        </p:spPr>
+        <p:txBody>
+          <a:bodyPr/>
+          <a:lstStyle/>
+          <a:p>
+            <a:pPr>
+              <a:buFont typeface="Arial" panose="020B0604020202020204" pitchFamily="34" charset="0"/>
+              <a:buChar char="•"/>
+            </a:pPr>
+            <a:r>
+              <a:rPr lang="en-US" sz="2400" b="1" i="0" dirty="0">
+                <a:solidFill>
+                  <a:srgbClr val="282829"/>
+                </a:solidFill>
+                <a:effectLst/>
+                <a:latin typeface="Calibri" panose="020F0502020204030204" pitchFamily="34" charset="0"/>
+                <a:cs typeface="Calibri" panose="020F0502020204030204" pitchFamily="34" charset="0"/>
+              </a:rPr>
+              <a:t>Classification</a:t>
+            </a:r>
+            <a:r>
+              <a:rPr lang="en-US" sz="2400" b="0" i="0" dirty="0">
+                <a:solidFill>
+                  <a:srgbClr val="282829"/>
+                </a:solidFill>
+                <a:effectLst/>
+                <a:latin typeface="Calibri" panose="020F0502020204030204" pitchFamily="34" charset="0"/>
+                <a:cs typeface="Calibri" panose="020F0502020204030204" pitchFamily="34" charset="0"/>
+              </a:rPr>
+              <a:t>: This is a broad category in machine learning that involves categorizing data into predefined labels or classes. It can be applied to various types of data such as text, images, numerical data, etc. The primary goal is to predict the category to which a new observation belongs based on a model trained on labeled data.</a:t>
+            </a:r>
+          </a:p>
+          <a:p>
+            <a:pPr>
+              <a:buFont typeface="Arial" panose="020B0604020202020204" pitchFamily="34" charset="0"/>
+              <a:buChar char="•"/>
+            </a:pPr>
+            <a:r>
+              <a:rPr lang="en-US" sz="2400" b="1" i="0" dirty="0">
+                <a:solidFill>
+                  <a:srgbClr val="282829"/>
+                </a:solidFill>
+                <a:effectLst/>
+                <a:latin typeface="Calibri" panose="020F0502020204030204" pitchFamily="34" charset="0"/>
+                <a:cs typeface="Calibri" panose="020F0502020204030204" pitchFamily="34" charset="0"/>
+              </a:rPr>
+              <a:t>Sentiment Analysis</a:t>
+            </a:r>
+            <a:r>
+              <a:rPr lang="en-US" sz="2400" b="0" i="0" dirty="0">
+                <a:solidFill>
+                  <a:srgbClr val="282829"/>
+                </a:solidFill>
+                <a:effectLst/>
+                <a:latin typeface="Calibri" panose="020F0502020204030204" pitchFamily="34" charset="0"/>
+                <a:cs typeface="Calibri" panose="020F0502020204030204" pitchFamily="34" charset="0"/>
+              </a:rPr>
+              <a:t>: This is a specialized type of classification specifically focused on text data. The goal is to determine the sentiment expressed in the text, typically categorizing it as positive, negative, or neutral. It deals primarily with understanding emotions, opinions, and attitudes conveyed in written language.</a:t>
+            </a:r>
+            <a:endParaRPr lang="en-US" sz="3200" dirty="0">
+              <a:solidFill>
+                <a:srgbClr val="282829"/>
+              </a:solidFill>
+              <a:latin typeface="Calibri" panose="020F0502020204030204" pitchFamily="34" charset="0"/>
+              <a:cs typeface="Calibri" panose="020F0502020204030204" pitchFamily="34" charset="0"/>
+            </a:endParaRPr>
+          </a:p>
+        </p:txBody>
+      </p:sp>
+    </p:spTree>
+    <p:extLst>
+      <p:ext uri="{BB962C8B-B14F-4D97-AF65-F5344CB8AC3E}">
+        <p14:creationId xmlns:p14="http://schemas.microsoft.com/office/powerpoint/2010/main" val="2850094819"/>
+      </p:ext>
+    </p:extLst>
+  </p:cSld>
+  <p:clrMapOvr>
+    <a:masterClrMapping/>
+  </p:clrMapOvr>
+</p:sld>
+</file>
+
+<file path=ppt/slides/slide4.xml><?xml version="1.0" encoding="utf-8"?>
+<p:sld xmlns:a="http://schemas.openxmlformats.org/drawingml/2006/main" xmlns:r="http://schemas.openxmlformats.org/officeDocument/2006/relationships" xmlns:p="http://schemas.openxmlformats.org/presentationml/2006/main">
+  <p:cSld>
+    <p:spTree>
+      <p:nvGrpSpPr>
+        <p:cNvPr id="1" name=""/>
+        <p:cNvGrpSpPr/>
+        <p:nvPr/>
+      </p:nvGrpSpPr>
+      <p:grpSpPr>
+        <a:xfrm>
+          <a:off x="0" y="0"/>
+          <a:ext cx="0" cy="0"/>
+          <a:chOff x="0" y="0"/>
+          <a:chExt cx="0" cy="0"/>
+        </a:xfrm>
+      </p:grpSpPr>
+      <p:sp>
+        <p:nvSpPr>
+          <p:cNvPr id="4" name="Title 3"/>
+          <p:cNvSpPr>
+            <a:spLocks noGrp="1"/>
+          </p:cNvSpPr>
+          <p:nvPr>
+            <p:ph type="title"/>
+          </p:nvPr>
+        </p:nvSpPr>
+        <p:spPr>
+          <a:xfrm>
+            <a:off x="466579" y="240325"/>
+            <a:ext cx="11714536" cy="441082"/>
+          </a:xfrm>
+        </p:spPr>
+        <p:txBody>
+          <a:bodyPr/>
+          <a:lstStyle/>
+          <a:p>
+            <a:r>
+              <a:rPr lang="en-US" sz="3200" dirty="0">
+                <a:latin typeface="Calibri" panose="020F0502020204030204" pitchFamily="34" charset="0"/>
+                <a:cs typeface="Calibri" panose="020F0502020204030204" pitchFamily="34" charset="0"/>
+              </a:rPr>
+              <a:t>2. Data Collection</a:t>
+            </a:r>
+          </a:p>
+        </p:txBody>
+      </p:sp>
+      <p:sp>
+        <p:nvSpPr>
+          <p:cNvPr id="5" name="Content Placeholder 2"/>
+          <p:cNvSpPr>
+            <a:spLocks noGrp="1"/>
+          </p:cNvSpPr>
+          <p:nvPr>
+            <p:ph idx="1"/>
+          </p:nvPr>
+        </p:nvSpPr>
+        <p:spPr>
+          <a:xfrm>
+            <a:off x="477464" y="1044421"/>
+            <a:ext cx="11714536" cy="5813579"/>
+          </a:xfrm>
+        </p:spPr>
+        <p:txBody>
+          <a:bodyPr/>
+          <a:lstStyle/>
+          <a:p>
+            <a:pPr>
+              <a:buFont typeface="Arial" panose="020B0604020202020204" pitchFamily="34" charset="0"/>
+              <a:buChar char="•"/>
+            </a:pPr>
+            <a:r>
+              <a:rPr lang="en-US" dirty="0">
+                <a:latin typeface="Calibri" panose="020F0502020204030204" pitchFamily="34" charset="0"/>
+                <a:cs typeface="Calibri" panose="020F0502020204030204" pitchFamily="34" charset="0"/>
+              </a:rPr>
+              <a:t>A dataset of Amazon reviews</a:t>
+            </a:r>
+          </a:p>
+          <a:p>
+            <a:pPr marL="0" indent="0">
+              <a:buNone/>
+            </a:pPr>
+            <a:r>
+              <a:rPr lang="en-US" dirty="0">
+                <a:latin typeface="Calibri" panose="020F0502020204030204" pitchFamily="34" charset="0"/>
+                <a:cs typeface="Calibri" panose="020F0502020204030204" pitchFamily="34" charset="0"/>
+              </a:rPr>
+              <a:t>https://www.kaggle.com/datasets/bittlingmayer/amazonreviews</a:t>
+            </a:r>
+          </a:p>
+        </p:txBody>
+      </p:sp>
+      <p:pic>
+        <p:nvPicPr>
+          <p:cNvPr id="7" name="Picture 6">
+            <a:extLst>
+              <a:ext uri="{FF2B5EF4-FFF2-40B4-BE49-F238E27FC236}">
+                <a16:creationId xmlns:a16="http://schemas.microsoft.com/office/drawing/2014/main" id="{7E377E26-8FF2-4CEF-BBEA-0CD127A36285}"/>
+              </a:ext>
+            </a:extLst>
+          </p:cNvPr>
+          <p:cNvPicPr>
+            <a:picLocks noChangeAspect="1"/>
+          </p:cNvPicPr>
+          <p:nvPr/>
+        </p:nvPicPr>
+        <p:blipFill>
+          <a:blip r:embed="rId3"/>
+          <a:stretch>
+            <a:fillRect/>
+          </a:stretch>
+        </p:blipFill>
+        <p:spPr>
+          <a:xfrm>
+            <a:off x="746971" y="2455344"/>
+            <a:ext cx="7486460" cy="1298508"/>
+          </a:xfrm>
+          <a:prstGeom prst="rect">
+            <a:avLst/>
+          </a:prstGeom>
+        </p:spPr>
+      </p:pic>
+    </p:spTree>
+    <p:extLst>
+      <p:ext uri="{BB962C8B-B14F-4D97-AF65-F5344CB8AC3E}">
+        <p14:creationId xmlns:p14="http://schemas.microsoft.com/office/powerpoint/2010/main" val="3079303567"/>
+      </p:ext>
+    </p:extLst>
+  </p:cSld>
+  <p:clrMapOvr>
+    <a:masterClrMapping/>
+  </p:clrMapOvr>
+</p:sld>
+</file>
+
+<file path=ppt/slides/slide40.xml><?xml version="1.0" encoding="utf-8"?>
+<p:sld xmlns:a="http://schemas.openxmlformats.org/drawingml/2006/main" xmlns:r="http://schemas.openxmlformats.org/officeDocument/2006/relationships" xmlns:p="http://schemas.openxmlformats.org/presentationml/2006/main">
+  <p:cSld>
+    <p:spTree>
+      <p:nvGrpSpPr>
+        <p:cNvPr id="1" name=""/>
+        <p:cNvGrpSpPr/>
+        <p:nvPr/>
+      </p:nvGrpSpPr>
+      <p:grpSpPr>
+        <a:xfrm>
+          <a:off x="0" y="0"/>
+          <a:ext cx="0" cy="0"/>
+          <a:chOff x="0" y="0"/>
+          <a:chExt cx="0" cy="0"/>
+        </a:xfrm>
+      </p:grpSpPr>
+      <p:sp>
+        <p:nvSpPr>
+          <p:cNvPr id="4" name="Title 3"/>
+          <p:cNvSpPr>
+            <a:spLocks noGrp="1"/>
+          </p:cNvSpPr>
+          <p:nvPr>
+            <p:ph type="title"/>
+          </p:nvPr>
+        </p:nvSpPr>
+        <p:spPr>
+          <a:xfrm>
+            <a:off x="466579" y="240325"/>
+            <a:ext cx="11714536" cy="441082"/>
+          </a:xfrm>
+        </p:spPr>
+        <p:txBody>
+          <a:bodyPr/>
+          <a:lstStyle/>
+          <a:p>
+            <a:r>
+              <a:rPr lang="en-US" sz="3200" dirty="0">
+                <a:latin typeface="Calibri" panose="020F0502020204030204" pitchFamily="34" charset="0"/>
+                <a:cs typeface="Calibri" panose="020F0502020204030204" pitchFamily="34" charset="0"/>
+              </a:rPr>
+              <a:t>Classification vs Sentiment Analysis</a:t>
+            </a:r>
+          </a:p>
+        </p:txBody>
+      </p:sp>
+      <p:sp>
+        <p:nvSpPr>
+          <p:cNvPr id="5" name="Content Placeholder 2"/>
+          <p:cNvSpPr>
+            <a:spLocks noGrp="1"/>
+          </p:cNvSpPr>
+          <p:nvPr>
+            <p:ph idx="1"/>
+          </p:nvPr>
+        </p:nvSpPr>
+        <p:spPr>
+          <a:xfrm>
+            <a:off x="477464" y="1044421"/>
+            <a:ext cx="11714536" cy="5813579"/>
+          </a:xfrm>
+        </p:spPr>
+        <p:txBody>
+          <a:bodyPr/>
+          <a:lstStyle/>
+          <a:p>
+            <a:pPr>
+              <a:buFont typeface="Arial" panose="020B0604020202020204" pitchFamily="34" charset="0"/>
+              <a:buChar char="•"/>
+            </a:pPr>
+            <a:r>
+              <a:rPr lang="en-US" sz="2400" b="1" i="0" dirty="0">
+                <a:solidFill>
+                  <a:srgbClr val="282829"/>
+                </a:solidFill>
+                <a:effectLst/>
+                <a:latin typeface="Calibri" panose="020F0502020204030204" pitchFamily="34" charset="0"/>
+                <a:cs typeface="Calibri" panose="020F0502020204030204" pitchFamily="34" charset="0"/>
+              </a:rPr>
+              <a:t>Classification</a:t>
+            </a:r>
+            <a:r>
+              <a:rPr lang="en-US" sz="2400" b="0" i="0" dirty="0">
+                <a:solidFill>
+                  <a:srgbClr val="282829"/>
+                </a:solidFill>
+                <a:effectLst/>
+                <a:latin typeface="Calibri" panose="020F0502020204030204" pitchFamily="34" charset="0"/>
+                <a:cs typeface="Calibri" panose="020F0502020204030204" pitchFamily="34" charset="0"/>
+              </a:rPr>
+              <a:t>: General task of assigning inputs to categories; applicable to various data types and domains.</a:t>
+            </a:r>
+          </a:p>
+          <a:p>
+            <a:pPr>
+              <a:buFont typeface="Arial" panose="020B0604020202020204" pitchFamily="34" charset="0"/>
+              <a:buChar char="•"/>
+            </a:pPr>
+            <a:r>
+              <a:rPr lang="en-US" sz="2400" b="1" i="0" dirty="0">
+                <a:solidFill>
+                  <a:srgbClr val="282829"/>
+                </a:solidFill>
+                <a:effectLst/>
+                <a:latin typeface="Calibri" panose="020F0502020204030204" pitchFamily="34" charset="0"/>
+                <a:cs typeface="Calibri" panose="020F0502020204030204" pitchFamily="34" charset="0"/>
+              </a:rPr>
+              <a:t>Sentiment Analysis</a:t>
+            </a:r>
+            <a:r>
+              <a:rPr lang="en-US" sz="2400" b="0" i="0" dirty="0">
+                <a:solidFill>
+                  <a:srgbClr val="282829"/>
+                </a:solidFill>
+                <a:effectLst/>
+                <a:latin typeface="Calibri" panose="020F0502020204030204" pitchFamily="34" charset="0"/>
+                <a:cs typeface="Calibri" panose="020F0502020204030204" pitchFamily="34" charset="0"/>
+              </a:rPr>
+              <a:t>: Specialized form of classification focused on determining sentiment in textual data.</a:t>
+            </a:r>
+            <a:endParaRPr lang="en-US" sz="3200" dirty="0">
+              <a:solidFill>
+                <a:srgbClr val="282829"/>
+              </a:solidFill>
+              <a:latin typeface="Calibri" panose="020F0502020204030204" pitchFamily="34" charset="0"/>
+              <a:cs typeface="Calibri" panose="020F0502020204030204" pitchFamily="34" charset="0"/>
+            </a:endParaRPr>
+          </a:p>
+        </p:txBody>
+      </p:sp>
+    </p:spTree>
+    <p:extLst>
+      <p:ext uri="{BB962C8B-B14F-4D97-AF65-F5344CB8AC3E}">
+        <p14:creationId xmlns:p14="http://schemas.microsoft.com/office/powerpoint/2010/main" val="580634757"/>
+      </p:ext>
+    </p:extLst>
+  </p:cSld>
+  <p:clrMapOvr>
+    <a:masterClrMapping/>
+  </p:clrMapOvr>
+</p:sld>
+</file>
+
+<file path=ppt/slides/slide41.xml><?xml version="1.0" encoding="utf-8"?>
+<p:sld xmlns:a="http://schemas.openxmlformats.org/drawingml/2006/main" xmlns:r="http://schemas.openxmlformats.org/officeDocument/2006/relationships" xmlns:p="http://schemas.openxmlformats.org/presentationml/2006/main">
+  <p:cSld>
+    <p:spTree>
+      <p:nvGrpSpPr>
+        <p:cNvPr id="1" name=""/>
+        <p:cNvGrpSpPr/>
+        <p:nvPr/>
+      </p:nvGrpSpPr>
+      <p:grpSpPr>
+        <a:xfrm>
+          <a:off x="0" y="0"/>
+          <a:ext cx="0" cy="0"/>
+          <a:chOff x="0" y="0"/>
+          <a:chExt cx="0" cy="0"/>
+        </a:xfrm>
+      </p:grpSpPr>
+      <p:sp>
+        <p:nvSpPr>
+          <p:cNvPr id="4" name="Title 3"/>
+          <p:cNvSpPr>
+            <a:spLocks noGrp="1"/>
+          </p:cNvSpPr>
+          <p:nvPr>
+            <p:ph type="title"/>
+          </p:nvPr>
+        </p:nvSpPr>
+        <p:spPr>
+          <a:xfrm>
+            <a:off x="466579" y="240325"/>
+            <a:ext cx="11714536" cy="441082"/>
+          </a:xfrm>
+        </p:spPr>
+        <p:txBody>
+          <a:bodyPr/>
+          <a:lstStyle/>
+          <a:p>
+            <a:r>
+              <a:rPr lang="en-US" sz="3200" dirty="0">
+                <a:latin typeface="Calibri" panose="020F0502020204030204" pitchFamily="34" charset="0"/>
+                <a:cs typeface="Calibri" panose="020F0502020204030204" pitchFamily="34" charset="0"/>
+              </a:rPr>
               <a:t>Classification vs Sentiment analysis</a:t>
             </a:r>
           </a:p>
@@ -13148,7 +15042,7 @@
 </p:sld>
 </file>
 
-<file path=ppt/slides/slide35.xml><?xml version="1.0" encoding="utf-8"?>
+<file path=ppt/slides/slide42.xml><?xml version="1.0" encoding="utf-8"?>
 <p:sld xmlns:a="http://schemas.openxmlformats.org/drawingml/2006/main" xmlns:r="http://schemas.openxmlformats.org/officeDocument/2006/relationships" xmlns:p="http://schemas.openxmlformats.org/presentationml/2006/main">
   <p:cSld>
     <p:spTree>
@@ -13255,7 +15149,7 @@
 </p:sld>
 </file>
 
-<file path=ppt/slides/slide36.xml><?xml version="1.0" encoding="utf-8"?>
+<file path=ppt/slides/slide43.xml><?xml version="1.0" encoding="utf-8"?>
 <p:sld xmlns:a="http://schemas.openxmlformats.org/drawingml/2006/main" xmlns:r="http://schemas.openxmlformats.org/officeDocument/2006/relationships" xmlns:p="http://schemas.openxmlformats.org/presentationml/2006/main">
   <p:cSld>
     <p:spTree>
@@ -13647,7 +15541,7 @@
 </p:sld>
 </file>
 
-<file path=ppt/slides/slide37.xml><?xml version="1.0" encoding="utf-8"?>
+<file path=ppt/slides/slide44.xml><?xml version="1.0" encoding="utf-8"?>
 <p:sld xmlns:a="http://schemas.openxmlformats.org/drawingml/2006/main" xmlns:r="http://schemas.openxmlformats.org/officeDocument/2006/relationships" xmlns:p="http://schemas.openxmlformats.org/presentationml/2006/main">
   <p:cSld>
     <p:spTree>
@@ -13777,142 +15671,6 @@
 </p:sld>
 </file>
 
-<file path=ppt/slides/slide4.xml><?xml version="1.0" encoding="utf-8"?>
-<p:sld xmlns:a="http://schemas.openxmlformats.org/drawingml/2006/main" xmlns:r="http://schemas.openxmlformats.org/officeDocument/2006/relationships" xmlns:p="http://schemas.openxmlformats.org/presentationml/2006/main">
-  <p:cSld>
-    <p:spTree>
-      <p:nvGrpSpPr>
-        <p:cNvPr id="1" name=""/>
-        <p:cNvGrpSpPr/>
-        <p:nvPr/>
-      </p:nvGrpSpPr>
-      <p:grpSpPr>
-        <a:xfrm>
-          <a:off x="0" y="0"/>
-          <a:ext cx="0" cy="0"/>
-          <a:chOff x="0" y="0"/>
-          <a:chExt cx="0" cy="0"/>
-        </a:xfrm>
-      </p:grpSpPr>
-      <p:sp>
-        <p:nvSpPr>
-          <p:cNvPr id="4" name="Title 3"/>
-          <p:cNvSpPr>
-            <a:spLocks noGrp="1"/>
-          </p:cNvSpPr>
-          <p:nvPr>
-            <p:ph type="title"/>
-          </p:nvPr>
-        </p:nvSpPr>
-        <p:spPr>
-          <a:xfrm>
-            <a:off x="466579" y="240325"/>
-            <a:ext cx="11714536" cy="441082"/>
-          </a:xfrm>
-        </p:spPr>
-        <p:txBody>
-          <a:bodyPr/>
-          <a:lstStyle/>
-          <a:p>
-            <a:r>
-              <a:rPr lang="en-US" sz="3200" dirty="0">
-                <a:latin typeface="Calibri" panose="020F0502020204030204" pitchFamily="34" charset="0"/>
-                <a:cs typeface="Calibri" panose="020F0502020204030204" pitchFamily="34" charset="0"/>
-              </a:rPr>
-              <a:t>2. Data Collection</a:t>
-            </a:r>
-          </a:p>
-        </p:txBody>
-      </p:sp>
-      <p:sp>
-        <p:nvSpPr>
-          <p:cNvPr id="5" name="Content Placeholder 2"/>
-          <p:cNvSpPr>
-            <a:spLocks noGrp="1"/>
-          </p:cNvSpPr>
-          <p:nvPr>
-            <p:ph idx="1"/>
-          </p:nvPr>
-        </p:nvSpPr>
-        <p:spPr>
-          <a:xfrm>
-            <a:off x="477464" y="1044421"/>
-            <a:ext cx="11714536" cy="5813579"/>
-          </a:xfrm>
-        </p:spPr>
-        <p:txBody>
-          <a:bodyPr/>
-          <a:lstStyle/>
-          <a:p>
-            <a:pPr>
-              <a:buFont typeface="Arial" panose="020B0604020202020204" pitchFamily="34" charset="0"/>
-              <a:buChar char="•"/>
-            </a:pPr>
-            <a:r>
-              <a:rPr lang="en-US" dirty="0">
-                <a:latin typeface="Calibri" panose="020F0502020204030204" pitchFamily="34" charset="0"/>
-                <a:cs typeface="Calibri" panose="020F0502020204030204" pitchFamily="34" charset="0"/>
-              </a:rPr>
-              <a:t>A dataset of Amazon reviews</a:t>
-            </a:r>
-          </a:p>
-          <a:p>
-            <a:pPr marL="0" indent="0">
-              <a:buNone/>
-            </a:pPr>
-            <a:r>
-              <a:rPr lang="en-US" dirty="0">
-                <a:latin typeface="Calibri" panose="020F0502020204030204" pitchFamily="34" charset="0"/>
-                <a:cs typeface="Calibri" panose="020F0502020204030204" pitchFamily="34" charset="0"/>
-              </a:rPr>
-              <a:t>https://www.kaggle.com/datasets/bittlingmayer/amazonreviews</a:t>
-            </a:r>
-          </a:p>
-        </p:txBody>
-      </p:sp>
-      <p:pic>
-        <p:nvPicPr>
-          <p:cNvPr id="7" name="Picture 6">
-            <a:extLst>
-              <a:ext uri="{FF2B5EF4-FFF2-40B4-BE49-F238E27FC236}">
-                <a16:creationId xmlns:a16="http://schemas.microsoft.com/office/drawing/2014/main" id="{7E377E26-8FF2-4CEF-BBEA-0CD127A36285}"/>
-              </a:ext>
-            </a:extLst>
-          </p:cNvPr>
-          <p:cNvPicPr>
-            <a:picLocks noChangeAspect="1"/>
-          </p:cNvPicPr>
-          <p:nvPr/>
-        </p:nvPicPr>
-        <p:blipFill>
-          <a:blip r:embed="rId3"/>
-          <a:stretch>
-            <a:fillRect/>
-          </a:stretch>
-        </p:blipFill>
-        <p:spPr>
-          <a:xfrm>
-            <a:off x="746971" y="2455344"/>
-            <a:ext cx="7486460" cy="1298508"/>
-          </a:xfrm>
-          <a:prstGeom prst="rect">
-            <a:avLst/>
-          </a:prstGeom>
-        </p:spPr>
-      </p:pic>
-    </p:spTree>
-    <p:extLst>
-      <p:ext uri="{BB962C8B-B14F-4D97-AF65-F5344CB8AC3E}">
-        <p14:creationId xmlns:p14="http://schemas.microsoft.com/office/powerpoint/2010/main" val="3079303567"/>
-      </p:ext>
-    </p:extLst>
-  </p:cSld>
-  <p:clrMapOvr>
-    <a:masterClrMapping/>
-  </p:clrMapOvr>
-</p:sld>
-</file>
-
 <file path=ppt/slides/slide5.xml><?xml version="1.0" encoding="utf-8"?>
 <p:sld xmlns:a="http://schemas.openxmlformats.org/drawingml/2006/main" xmlns:r="http://schemas.openxmlformats.org/officeDocument/2006/relationships" xmlns:p="http://schemas.openxmlformats.org/presentationml/2006/main">
   <p:cSld>
@@ -14319,10 +16077,10 @@
       </p:pic>
       <p:pic>
         <p:nvPicPr>
-          <p:cNvPr id="11" name="Picture 10">
+          <p:cNvPr id="3" name="Picture 2">
             <a:extLst>
               <a:ext uri="{FF2B5EF4-FFF2-40B4-BE49-F238E27FC236}">
-                <a16:creationId xmlns:a16="http://schemas.microsoft.com/office/drawing/2014/main" id="{CEF1519F-F58E-4186-941A-C04091B13B1E}"/>
+                <a16:creationId xmlns:a16="http://schemas.microsoft.com/office/drawing/2014/main" id="{4A2A0DE4-FDC4-D93D-8C44-771A38243D11}"/>
               </a:ext>
             </a:extLst>
           </p:cNvPr>
@@ -14340,7 +16098,7 @@
         <p:spPr>
           <a:xfrm>
             <a:off x="6493538" y="1569280"/>
-            <a:ext cx="5307152" cy="2839716"/>
+            <a:ext cx="5115639" cy="2924583"/>
           </a:xfrm>
           <a:prstGeom prst="rect">
             <a:avLst/>

--- a/Workshop-3_AI Advance Training_Group 80.pptx
+++ b/Workshop-3_AI Advance Training_Group 80.pptx
@@ -5,7 +5,7 @@
     <p:sldMasterId id="2147483666" r:id="rId1"/>
   </p:sldMasterIdLst>
   <p:notesMasterIdLst>
-    <p:notesMasterId r:id="rId46"/>
+    <p:notesMasterId r:id="rId47"/>
   </p:notesMasterIdLst>
   <p:sldIdLst>
     <p:sldId id="257" r:id="rId2"/>
@@ -23,35 +23,36 @@
     <p:sldId id="364" r:id="rId14"/>
     <p:sldId id="354" r:id="rId15"/>
     <p:sldId id="334" r:id="rId16"/>
-    <p:sldId id="355" r:id="rId17"/>
-    <p:sldId id="366" r:id="rId18"/>
-    <p:sldId id="365" r:id="rId19"/>
-    <p:sldId id="367" r:id="rId20"/>
-    <p:sldId id="369" r:id="rId21"/>
-    <p:sldId id="370" r:id="rId22"/>
-    <p:sldId id="356" r:id="rId23"/>
-    <p:sldId id="368" r:id="rId24"/>
-    <p:sldId id="335" r:id="rId25"/>
-    <p:sldId id="339" r:id="rId26"/>
-    <p:sldId id="357" r:id="rId27"/>
-    <p:sldId id="358" r:id="rId28"/>
-    <p:sldId id="359" r:id="rId29"/>
-    <p:sldId id="340" r:id="rId30"/>
-    <p:sldId id="360" r:id="rId31"/>
-    <p:sldId id="341" r:id="rId32"/>
-    <p:sldId id="362" r:id="rId33"/>
-    <p:sldId id="363" r:id="rId34"/>
-    <p:sldId id="361" r:id="rId35"/>
-    <p:sldId id="330" r:id="rId36"/>
-    <p:sldId id="287" r:id="rId37"/>
-    <p:sldId id="350" r:id="rId38"/>
-    <p:sldId id="336" r:id="rId39"/>
-    <p:sldId id="352" r:id="rId40"/>
-    <p:sldId id="351" r:id="rId41"/>
-    <p:sldId id="337" r:id="rId42"/>
-    <p:sldId id="338" r:id="rId43"/>
-    <p:sldId id="342" r:id="rId44"/>
-    <p:sldId id="343" r:id="rId45"/>
+    <p:sldId id="371" r:id="rId17"/>
+    <p:sldId id="355" r:id="rId18"/>
+    <p:sldId id="366" r:id="rId19"/>
+    <p:sldId id="365" r:id="rId20"/>
+    <p:sldId id="367" r:id="rId21"/>
+    <p:sldId id="369" r:id="rId22"/>
+    <p:sldId id="370" r:id="rId23"/>
+    <p:sldId id="356" r:id="rId24"/>
+    <p:sldId id="368" r:id="rId25"/>
+    <p:sldId id="335" r:id="rId26"/>
+    <p:sldId id="339" r:id="rId27"/>
+    <p:sldId id="357" r:id="rId28"/>
+    <p:sldId id="358" r:id="rId29"/>
+    <p:sldId id="359" r:id="rId30"/>
+    <p:sldId id="340" r:id="rId31"/>
+    <p:sldId id="360" r:id="rId32"/>
+    <p:sldId id="341" r:id="rId33"/>
+    <p:sldId id="362" r:id="rId34"/>
+    <p:sldId id="363" r:id="rId35"/>
+    <p:sldId id="361" r:id="rId36"/>
+    <p:sldId id="330" r:id="rId37"/>
+    <p:sldId id="287" r:id="rId38"/>
+    <p:sldId id="350" r:id="rId39"/>
+    <p:sldId id="336" r:id="rId40"/>
+    <p:sldId id="352" r:id="rId41"/>
+    <p:sldId id="351" r:id="rId42"/>
+    <p:sldId id="337" r:id="rId43"/>
+    <p:sldId id="338" r:id="rId44"/>
+    <p:sldId id="342" r:id="rId45"/>
+    <p:sldId id="343" r:id="rId46"/>
   </p:sldIdLst>
   <p:sldSz cx="12192000" cy="6858000"/>
   <p:notesSz cx="6858000" cy="9144000"/>
@@ -1340,7 +1341,7 @@
     </p:spTree>
     <p:extLst>
       <p:ext uri="{BB962C8B-B14F-4D97-AF65-F5344CB8AC3E}">
-        <p14:creationId xmlns:p14="http://schemas.microsoft.com/office/powerpoint/2010/main" val="2597660251"/>
+        <p14:creationId xmlns:p14="http://schemas.microsoft.com/office/powerpoint/2010/main" val="3351796492"/>
       </p:ext>
     </p:extLst>
   </p:cSld>
@@ -1404,7 +1405,35 @@
                 <a:ea typeface="+mn-ea"/>
                 <a:cs typeface="+mn-cs"/>
               </a:rPr>
-              <a:t>https://en.wikipedia.org/wiki/Bag-of-words_model</a:t>
+              <a:t>https://d2l.aivivn.com/chapter_natural-language-processing-pretraining/index_vn.html</a:t>
+            </a:r>
+          </a:p>
+          <a:p>
+            <a:r>
+              <a:rPr lang="en-US" sz="1200" kern="1200" dirty="0">
+                <a:solidFill>
+                  <a:schemeClr val="tx1"/>
+                </a:solidFill>
+                <a:effectLst/>
+                <a:latin typeface="+mn-lt"/>
+                <a:ea typeface="+mn-ea"/>
+                <a:cs typeface="+mn-cs"/>
+              </a:rPr>
+              <a:t>https://viblo.asia/p/so-luoc-word-embedding-gDVK2RAeKLj</a:t>
+            </a:r>
+          </a:p>
+          <a:p>
+            <a:r>
+              <a:rPr lang="en-US" sz="1200" kern="1200" dirty="0">
+                <a:solidFill>
+                  <a:schemeClr val="tx1"/>
+                </a:solidFill>
+                <a:effectLst/>
+                <a:latin typeface="+mn-lt"/>
+                <a:ea typeface="+mn-ea"/>
+                <a:cs typeface="+mn-cs"/>
+              </a:rPr>
+              <a:t>https://vinbigdata.com/kham-pha/word-embedding-so-sanh-cac-cach-tiep-can-truyen-thong-va-hien-dai.html</a:t>
             </a:r>
           </a:p>
         </p:txBody>
@@ -1435,7 +1464,7 @@
     </p:spTree>
     <p:extLst>
       <p:ext uri="{BB962C8B-B14F-4D97-AF65-F5344CB8AC3E}">
-        <p14:creationId xmlns:p14="http://schemas.microsoft.com/office/powerpoint/2010/main" val="1402868336"/>
+        <p14:creationId xmlns:p14="http://schemas.microsoft.com/office/powerpoint/2010/main" val="2597660251"/>
       </p:ext>
     </p:extLst>
   </p:cSld>
@@ -1499,35 +1528,7 @@
                 <a:ea typeface="+mn-ea"/>
                 <a:cs typeface="+mn-cs"/>
               </a:rPr>
-              <a:t>https://d2l.aivivn.com/chapter_natural-language-processing-pretraining/index_vn.html</a:t>
-            </a:r>
-          </a:p>
-          <a:p>
-            <a:r>
-              <a:rPr lang="en-US" sz="1200" kern="1200" dirty="0">
-                <a:solidFill>
-                  <a:schemeClr val="tx1"/>
-                </a:solidFill>
-                <a:effectLst/>
-                <a:latin typeface="+mn-lt"/>
-                <a:ea typeface="+mn-ea"/>
-                <a:cs typeface="+mn-cs"/>
-              </a:rPr>
-              <a:t>https://viblo.asia/p/so-luoc-word-embedding-gDVK2RAeKLj</a:t>
-            </a:r>
-          </a:p>
-          <a:p>
-            <a:r>
-              <a:rPr lang="en-US" sz="1200" kern="1200" dirty="0">
-                <a:solidFill>
-                  <a:schemeClr val="tx1"/>
-                </a:solidFill>
-                <a:effectLst/>
-                <a:latin typeface="+mn-lt"/>
-                <a:ea typeface="+mn-ea"/>
-                <a:cs typeface="+mn-cs"/>
-              </a:rPr>
-              <a:t>https://vinbigdata.com/kham-pha/word-embedding-so-sanh-cac-cach-tiep-can-truyen-thong-va-hien-dai.html</a:t>
+              <a:t>https://en.wikipedia.org/wiki/Bag-of-words_model</a:t>
             </a:r>
           </a:p>
         </p:txBody>
@@ -1558,7 +1559,7 @@
     </p:spTree>
     <p:extLst>
       <p:ext uri="{BB962C8B-B14F-4D97-AF65-F5344CB8AC3E}">
-        <p14:creationId xmlns:p14="http://schemas.microsoft.com/office/powerpoint/2010/main" val="1719199196"/>
+        <p14:creationId xmlns:p14="http://schemas.microsoft.com/office/powerpoint/2010/main" val="1402868336"/>
       </p:ext>
     </p:extLst>
   </p:cSld>
@@ -1681,7 +1682,7 @@
     </p:spTree>
     <p:extLst>
       <p:ext uri="{BB962C8B-B14F-4D97-AF65-F5344CB8AC3E}">
-        <p14:creationId xmlns:p14="http://schemas.microsoft.com/office/powerpoint/2010/main" val="820837152"/>
+        <p14:creationId xmlns:p14="http://schemas.microsoft.com/office/powerpoint/2010/main" val="1719199196"/>
       </p:ext>
     </p:extLst>
   </p:cSld>
@@ -1896,7 +1897,7 @@
     </p:spTree>
     <p:extLst>
       <p:ext uri="{BB962C8B-B14F-4D97-AF65-F5344CB8AC3E}">
-        <p14:creationId xmlns:p14="http://schemas.microsoft.com/office/powerpoint/2010/main" val="1019733098"/>
+        <p14:creationId xmlns:p14="http://schemas.microsoft.com/office/powerpoint/2010/main" val="820837152"/>
       </p:ext>
     </p:extLst>
   </p:cSld>
@@ -2019,7 +2020,7 @@
     </p:spTree>
     <p:extLst>
       <p:ext uri="{BB962C8B-B14F-4D97-AF65-F5344CB8AC3E}">
-        <p14:creationId xmlns:p14="http://schemas.microsoft.com/office/powerpoint/2010/main" val="3918714637"/>
+        <p14:creationId xmlns:p14="http://schemas.microsoft.com/office/powerpoint/2010/main" val="1019733098"/>
       </p:ext>
     </p:extLst>
   </p:cSld>
@@ -2142,7 +2143,7 @@
     </p:spTree>
     <p:extLst>
       <p:ext uri="{BB962C8B-B14F-4D97-AF65-F5344CB8AC3E}">
-        <p14:creationId xmlns:p14="http://schemas.microsoft.com/office/powerpoint/2010/main" val="743087950"/>
+        <p14:creationId xmlns:p14="http://schemas.microsoft.com/office/powerpoint/2010/main" val="3918714637"/>
       </p:ext>
     </p:extLst>
   </p:cSld>
@@ -2265,7 +2266,7 @@
     </p:spTree>
     <p:extLst>
       <p:ext uri="{BB962C8B-B14F-4D97-AF65-F5344CB8AC3E}">
-        <p14:creationId xmlns:p14="http://schemas.microsoft.com/office/powerpoint/2010/main" val="3046255440"/>
+        <p14:creationId xmlns:p14="http://schemas.microsoft.com/office/powerpoint/2010/main" val="743087950"/>
       </p:ext>
     </p:extLst>
   </p:cSld>
@@ -2319,15 +2320,46 @@
           <a:bodyPr/>
           <a:lstStyle/>
           <a:p>
-            <a:endParaRPr lang="en-US" sz="1200" kern="1200" dirty="0">
-              <a:solidFill>
-                <a:schemeClr val="tx1"/>
-              </a:solidFill>
-              <a:effectLst/>
-              <a:latin typeface="+mn-lt"/>
-              <a:ea typeface="+mn-ea"/>
-              <a:cs typeface="+mn-cs"/>
-            </a:endParaRPr>
+            <a:r>
+              <a:rPr lang="en-US" sz="1200" kern="1200" dirty="0">
+                <a:solidFill>
+                  <a:schemeClr val="tx1"/>
+                </a:solidFill>
+                <a:effectLst/>
+                <a:latin typeface="+mn-lt"/>
+                <a:ea typeface="+mn-ea"/>
+                <a:cs typeface="+mn-cs"/>
+              </a:rPr>
+              <a:t>https://d2l.aivivn.com/chapter_natural-language-processing-pretraining/index_vn.html</a:t>
+            </a:r>
+          </a:p>
+          <a:p>
+            <a:r>
+              <a:rPr lang="en-US" sz="1200" kern="1200" dirty="0">
+                <a:solidFill>
+                  <a:schemeClr val="tx1"/>
+                </a:solidFill>
+                <a:effectLst/>
+                <a:latin typeface="+mn-lt"/>
+                <a:ea typeface="+mn-ea"/>
+                <a:cs typeface="+mn-cs"/>
+              </a:rPr>
+              <a:t>https://viblo.asia/p/so-luoc-word-embedding-gDVK2RAeKLj</a:t>
+            </a:r>
+          </a:p>
+          <a:p>
+            <a:r>
+              <a:rPr lang="en-US" sz="1200" kern="1200" dirty="0">
+                <a:solidFill>
+                  <a:schemeClr val="tx1"/>
+                </a:solidFill>
+                <a:effectLst/>
+                <a:latin typeface="+mn-lt"/>
+                <a:ea typeface="+mn-ea"/>
+                <a:cs typeface="+mn-cs"/>
+              </a:rPr>
+              <a:t>https://vinbigdata.com/kham-pha/word-embedding-so-sanh-cac-cach-tiep-can-truyen-thong-va-hien-dai.html</a:t>
+            </a:r>
           </a:p>
         </p:txBody>
       </p:sp>
@@ -2357,7 +2389,7 @@
     </p:spTree>
     <p:extLst>
       <p:ext uri="{BB962C8B-B14F-4D97-AF65-F5344CB8AC3E}">
-        <p14:creationId xmlns:p14="http://schemas.microsoft.com/office/powerpoint/2010/main" val="4147640543"/>
+        <p14:creationId xmlns:p14="http://schemas.microsoft.com/office/powerpoint/2010/main" val="3046255440"/>
       </p:ext>
     </p:extLst>
   </p:cSld>
@@ -2449,7 +2481,7 @@
     </p:spTree>
     <p:extLst>
       <p:ext uri="{BB962C8B-B14F-4D97-AF65-F5344CB8AC3E}">
-        <p14:creationId xmlns:p14="http://schemas.microsoft.com/office/powerpoint/2010/main" val="2896136930"/>
+        <p14:creationId xmlns:p14="http://schemas.microsoft.com/office/powerpoint/2010/main" val="4147640543"/>
       </p:ext>
     </p:extLst>
   </p:cSld>
@@ -2541,7 +2573,7 @@
     </p:spTree>
     <p:extLst>
       <p:ext uri="{BB962C8B-B14F-4D97-AF65-F5344CB8AC3E}">
-        <p14:creationId xmlns:p14="http://schemas.microsoft.com/office/powerpoint/2010/main" val="79936506"/>
+        <p14:creationId xmlns:p14="http://schemas.microsoft.com/office/powerpoint/2010/main" val="2896136930"/>
       </p:ext>
     </p:extLst>
   </p:cSld>
@@ -2633,7 +2665,7 @@
     </p:spTree>
     <p:extLst>
       <p:ext uri="{BB962C8B-B14F-4D97-AF65-F5344CB8AC3E}">
-        <p14:creationId xmlns:p14="http://schemas.microsoft.com/office/powerpoint/2010/main" val="3510418805"/>
+        <p14:creationId xmlns:p14="http://schemas.microsoft.com/office/powerpoint/2010/main" val="79936506"/>
       </p:ext>
     </p:extLst>
   </p:cSld>
@@ -2725,7 +2757,7 @@
     </p:spTree>
     <p:extLst>
       <p:ext uri="{BB962C8B-B14F-4D97-AF65-F5344CB8AC3E}">
-        <p14:creationId xmlns:p14="http://schemas.microsoft.com/office/powerpoint/2010/main" val="194395143"/>
+        <p14:creationId xmlns:p14="http://schemas.microsoft.com/office/powerpoint/2010/main" val="3510418805"/>
       </p:ext>
     </p:extLst>
   </p:cSld>
@@ -2817,7 +2849,7 @@
     </p:spTree>
     <p:extLst>
       <p:ext uri="{BB962C8B-B14F-4D97-AF65-F5344CB8AC3E}">
-        <p14:creationId xmlns:p14="http://schemas.microsoft.com/office/powerpoint/2010/main" val="2713595376"/>
+        <p14:creationId xmlns:p14="http://schemas.microsoft.com/office/powerpoint/2010/main" val="194395143"/>
       </p:ext>
     </p:extLst>
   </p:cSld>
@@ -3001,7 +3033,7 @@
     </p:spTree>
     <p:extLst>
       <p:ext uri="{BB962C8B-B14F-4D97-AF65-F5344CB8AC3E}">
-        <p14:creationId xmlns:p14="http://schemas.microsoft.com/office/powerpoint/2010/main" val="1401846330"/>
+        <p14:creationId xmlns:p14="http://schemas.microsoft.com/office/powerpoint/2010/main" val="2713595376"/>
       </p:ext>
     </p:extLst>
   </p:cSld>
@@ -3093,7 +3125,7 @@
     </p:spTree>
     <p:extLst>
       <p:ext uri="{BB962C8B-B14F-4D97-AF65-F5344CB8AC3E}">
-        <p14:creationId xmlns:p14="http://schemas.microsoft.com/office/powerpoint/2010/main" val="3577601792"/>
+        <p14:creationId xmlns:p14="http://schemas.microsoft.com/office/powerpoint/2010/main" val="1401846330"/>
       </p:ext>
     </p:extLst>
   </p:cSld>
@@ -3185,7 +3217,7 @@
     </p:spTree>
     <p:extLst>
       <p:ext uri="{BB962C8B-B14F-4D97-AF65-F5344CB8AC3E}">
-        <p14:creationId xmlns:p14="http://schemas.microsoft.com/office/powerpoint/2010/main" val="3533885532"/>
+        <p14:creationId xmlns:p14="http://schemas.microsoft.com/office/powerpoint/2010/main" val="3577601792"/>
       </p:ext>
     </p:extLst>
   </p:cSld>
@@ -3277,7 +3309,7 @@
     </p:spTree>
     <p:extLst>
       <p:ext uri="{BB962C8B-B14F-4D97-AF65-F5344CB8AC3E}">
-        <p14:creationId xmlns:p14="http://schemas.microsoft.com/office/powerpoint/2010/main" val="1765270506"/>
+        <p14:creationId xmlns:p14="http://schemas.microsoft.com/office/powerpoint/2010/main" val="3533885532"/>
       </p:ext>
     </p:extLst>
   </p:cSld>
@@ -3369,7 +3401,7 @@
     </p:spTree>
     <p:extLst>
       <p:ext uri="{BB962C8B-B14F-4D97-AF65-F5344CB8AC3E}">
-        <p14:creationId xmlns:p14="http://schemas.microsoft.com/office/powerpoint/2010/main" val="254500431"/>
+        <p14:creationId xmlns:p14="http://schemas.microsoft.com/office/powerpoint/2010/main" val="1765270506"/>
       </p:ext>
     </p:extLst>
   </p:cSld>
@@ -3461,7 +3493,7 @@
     </p:spTree>
     <p:extLst>
       <p:ext uri="{BB962C8B-B14F-4D97-AF65-F5344CB8AC3E}">
-        <p14:creationId xmlns:p14="http://schemas.microsoft.com/office/powerpoint/2010/main" val="1924526848"/>
+        <p14:creationId xmlns:p14="http://schemas.microsoft.com/office/powerpoint/2010/main" val="254500431"/>
       </p:ext>
     </p:extLst>
   </p:cSld>
@@ -3515,7 +3547,15 @@
           <a:bodyPr/>
           <a:lstStyle/>
           <a:p>
-            <a:endParaRPr lang="en-US" dirty="0"/>
+            <a:endParaRPr lang="en-US" sz="1200" kern="1200" dirty="0">
+              <a:solidFill>
+                <a:schemeClr val="tx1"/>
+              </a:solidFill>
+              <a:effectLst/>
+              <a:latin typeface="+mn-lt"/>
+              <a:ea typeface="+mn-ea"/>
+              <a:cs typeface="+mn-cs"/>
+            </a:endParaRPr>
           </a:p>
         </p:txBody>
       </p:sp>
@@ -3545,7 +3585,7 @@
     </p:spTree>
     <p:extLst>
       <p:ext uri="{BB962C8B-B14F-4D97-AF65-F5344CB8AC3E}">
-        <p14:creationId xmlns:p14="http://schemas.microsoft.com/office/powerpoint/2010/main" val="4196192877"/>
+        <p14:creationId xmlns:p14="http://schemas.microsoft.com/office/powerpoint/2010/main" val="1924526848"/>
       </p:ext>
     </p:extLst>
   </p:cSld>
@@ -3599,15 +3639,7 @@
           <a:bodyPr/>
           <a:lstStyle/>
           <a:p>
-            <a:endParaRPr lang="en-US" sz="1200" kern="1200" dirty="0">
-              <a:solidFill>
-                <a:schemeClr val="tx1"/>
-              </a:solidFill>
-              <a:effectLst/>
-              <a:latin typeface="+mn-lt"/>
-              <a:ea typeface="+mn-ea"/>
-              <a:cs typeface="+mn-cs"/>
-            </a:endParaRPr>
+            <a:endParaRPr lang="en-US" dirty="0"/>
           </a:p>
         </p:txBody>
       </p:sp>
@@ -3637,7 +3669,7 @@
     </p:spTree>
     <p:extLst>
       <p:ext uri="{BB962C8B-B14F-4D97-AF65-F5344CB8AC3E}">
-        <p14:creationId xmlns:p14="http://schemas.microsoft.com/office/powerpoint/2010/main" val="965342572"/>
+        <p14:creationId xmlns:p14="http://schemas.microsoft.com/office/powerpoint/2010/main" val="4196192877"/>
       </p:ext>
     </p:extLst>
   </p:cSld>
@@ -3729,7 +3761,7 @@
     </p:spTree>
     <p:extLst>
       <p:ext uri="{BB962C8B-B14F-4D97-AF65-F5344CB8AC3E}">
-        <p14:creationId xmlns:p14="http://schemas.microsoft.com/office/powerpoint/2010/main" val="3579942779"/>
+        <p14:creationId xmlns:p14="http://schemas.microsoft.com/office/powerpoint/2010/main" val="965342572"/>
       </p:ext>
     </p:extLst>
   </p:cSld>
@@ -3821,7 +3853,7 @@
     </p:spTree>
     <p:extLst>
       <p:ext uri="{BB962C8B-B14F-4D97-AF65-F5344CB8AC3E}">
-        <p14:creationId xmlns:p14="http://schemas.microsoft.com/office/powerpoint/2010/main" val="784555517"/>
+        <p14:creationId xmlns:p14="http://schemas.microsoft.com/office/powerpoint/2010/main" val="3579942779"/>
       </p:ext>
     </p:extLst>
   </p:cSld>
@@ -4005,7 +4037,7 @@
     </p:spTree>
     <p:extLst>
       <p:ext uri="{BB962C8B-B14F-4D97-AF65-F5344CB8AC3E}">
-        <p14:creationId xmlns:p14="http://schemas.microsoft.com/office/powerpoint/2010/main" val="1572697987"/>
+        <p14:creationId xmlns:p14="http://schemas.microsoft.com/office/powerpoint/2010/main" val="784555517"/>
       </p:ext>
     </p:extLst>
   </p:cSld>
@@ -4097,7 +4129,7 @@
     </p:spTree>
     <p:extLst>
       <p:ext uri="{BB962C8B-B14F-4D97-AF65-F5344CB8AC3E}">
-        <p14:creationId xmlns:p14="http://schemas.microsoft.com/office/powerpoint/2010/main" val="3466108817"/>
+        <p14:creationId xmlns:p14="http://schemas.microsoft.com/office/powerpoint/2010/main" val="1572697987"/>
       </p:ext>
     </p:extLst>
   </p:cSld>
@@ -4189,7 +4221,7 @@
     </p:spTree>
     <p:extLst>
       <p:ext uri="{BB962C8B-B14F-4D97-AF65-F5344CB8AC3E}">
-        <p14:creationId xmlns:p14="http://schemas.microsoft.com/office/powerpoint/2010/main" val="632476078"/>
+        <p14:creationId xmlns:p14="http://schemas.microsoft.com/office/powerpoint/2010/main" val="3466108817"/>
       </p:ext>
     </p:extLst>
   </p:cSld>
@@ -4243,108 +4275,15 @@
           <a:bodyPr/>
           <a:lstStyle/>
           <a:p>
-            <a:pPr marL="0" marR="0" lvl="0" indent="0" algn="l" defTabSz="914400" rtl="0" eaLnBrk="1" fontAlgn="auto" latinLnBrk="0" hangingPunct="1">
-              <a:lnSpc>
-                <a:spcPct val="100000"/>
-              </a:lnSpc>
-              <a:spcBef>
-                <a:spcPts val="0"/>
-              </a:spcBef>
-              <a:spcAft>
-                <a:spcPts val="0"/>
-              </a:spcAft>
-              <a:buClrTx/>
-              <a:buSzTx/>
-              <a:buFontTx/>
-              <a:buNone/>
-              <a:tabLst/>
-              <a:defRPr/>
-            </a:pPr>
-            <a:r>
-              <a:rPr lang="en-US" sz="1200" kern="1200" dirty="0">
-                <a:solidFill>
-                  <a:schemeClr val="tx1"/>
-                </a:solidFill>
-                <a:effectLst/>
-                <a:latin typeface="+mn-lt"/>
-                <a:ea typeface="+mn-ea"/>
-                <a:cs typeface="+mn-cs"/>
-              </a:rPr>
-              <a:t>https://viblo.asia/p/so-luoc-word-embedding-gDVK2RAeKLj</a:t>
-            </a:r>
-          </a:p>
-          <a:p>
-            <a:pPr marL="0" marR="0" lvl="0" indent="0" algn="l" defTabSz="914400" rtl="0" eaLnBrk="1" fontAlgn="auto" latinLnBrk="0" hangingPunct="1">
-              <a:lnSpc>
-                <a:spcPct val="100000"/>
-              </a:lnSpc>
-              <a:spcBef>
-                <a:spcPts val="0"/>
-              </a:spcBef>
-              <a:spcAft>
-                <a:spcPts val="0"/>
-              </a:spcAft>
-              <a:buClrTx/>
-              <a:buSzTx/>
-              <a:buFontTx/>
-              <a:buNone/>
-              <a:tabLst/>
-              <a:defRPr/>
-            </a:pPr>
-            <a:r>
-              <a:rPr lang="en-US" sz="1200" kern="1200" dirty="0">
-                <a:solidFill>
-                  <a:schemeClr val="tx1"/>
-                </a:solidFill>
-                <a:effectLst/>
-                <a:latin typeface="+mn-lt"/>
-                <a:ea typeface="+mn-ea"/>
-                <a:cs typeface="+mn-cs"/>
-              </a:rPr>
-              <a:t>https://d2l.aivivn.com/chapter_natural-language-processing-pretraining/index_vn.html</a:t>
-            </a:r>
-          </a:p>
-          <a:p>
-            <a:r>
-              <a:rPr lang="en-US" sz="1200" kern="1200" dirty="0">
-                <a:solidFill>
-                  <a:schemeClr val="tx1"/>
-                </a:solidFill>
-                <a:effectLst/>
-                <a:latin typeface="+mn-lt"/>
-                <a:ea typeface="+mn-ea"/>
-                <a:cs typeface="+mn-cs"/>
-              </a:rPr>
-              <a:t>https://www.geeksforgeeks.org/word-embedding-techniques-in-nlp/</a:t>
-            </a:r>
-          </a:p>
-          <a:p>
-            <a:r>
-              <a:rPr lang="en-US" sz="1200" kern="1200" dirty="0">
-                <a:solidFill>
-                  <a:schemeClr val="tx1"/>
-                </a:solidFill>
-                <a:effectLst/>
-                <a:latin typeface="+mn-lt"/>
-                <a:ea typeface="+mn-ea"/>
-                <a:cs typeface="+mn-cs"/>
-              </a:rPr>
-              <a:t>https://scikit-learn.org/stable/modules/generated/sklearn.feature_extraction.text.CountVectorizer.html</a:t>
-            </a:r>
-          </a:p>
-          <a:p>
-            <a:r>
-              <a:rPr lang="en-US" sz="1200" kern="1200" dirty="0">
-                <a:solidFill>
-                  <a:schemeClr val="tx1"/>
-                </a:solidFill>
-                <a:effectLst/>
-                <a:latin typeface="+mn-lt"/>
-                <a:ea typeface="+mn-ea"/>
-                <a:cs typeface="+mn-cs"/>
-              </a:rPr>
-              <a:t>https://scikit-learn.org/stable/modules/generated/sklearn.feature_extraction.text.TfidfVectorizer.html</a:t>
-            </a:r>
+            <a:endParaRPr lang="en-US" sz="1200" kern="1200" dirty="0">
+              <a:solidFill>
+                <a:schemeClr val="tx1"/>
+              </a:solidFill>
+              <a:effectLst/>
+              <a:latin typeface="+mn-lt"/>
+              <a:ea typeface="+mn-ea"/>
+              <a:cs typeface="+mn-cs"/>
+            </a:endParaRPr>
           </a:p>
         </p:txBody>
       </p:sp>
@@ -4374,7 +4313,7 @@
     </p:spTree>
     <p:extLst>
       <p:ext uri="{BB962C8B-B14F-4D97-AF65-F5344CB8AC3E}">
-        <p14:creationId xmlns:p14="http://schemas.microsoft.com/office/powerpoint/2010/main" val="1328873860"/>
+        <p14:creationId xmlns:p14="http://schemas.microsoft.com/office/powerpoint/2010/main" val="632476078"/>
       </p:ext>
     </p:extLst>
   </p:cSld>
@@ -4455,10 +4394,27 @@
                 <a:ea typeface="+mn-ea"/>
                 <a:cs typeface="+mn-cs"/>
               </a:rPr>
-              <a:t>https://d2l.aivivn.com/chapter_natural-language-processing-pretraining/index_vn.html</a:t>
-            </a:r>
-          </a:p>
-          <a:p>
+              <a:t>https://viblo.asia/p/so-luoc-word-embedding-gDVK2RAeKLj</a:t>
+            </a:r>
+          </a:p>
+          <a:p>
+            <a:pPr marL="0" marR="0" lvl="0" indent="0" algn="l" defTabSz="914400" rtl="0" eaLnBrk="1" fontAlgn="auto" latinLnBrk="0" hangingPunct="1">
+              <a:lnSpc>
+                <a:spcPct val="100000"/>
+              </a:lnSpc>
+              <a:spcBef>
+                <a:spcPts val="0"/>
+              </a:spcBef>
+              <a:spcAft>
+                <a:spcPts val="0"/>
+              </a:spcAft>
+              <a:buClrTx/>
+              <a:buSzTx/>
+              <a:buFontTx/>
+              <a:buNone/>
+              <a:tabLst/>
+              <a:defRPr/>
+            </a:pPr>
             <a:r>
               <a:rPr lang="en-US" sz="1200" kern="1200" dirty="0">
                 <a:solidFill>
@@ -4469,7 +4425,7 @@
                 <a:ea typeface="+mn-ea"/>
                 <a:cs typeface="+mn-cs"/>
               </a:rPr>
-              <a:t>https://viblo.asia/p/so-luoc-word-embedding-gDVK2RAeKLj</a:t>
+              <a:t>https://d2l.aivivn.com/chapter_natural-language-processing-pretraining/index_vn.html</a:t>
             </a:r>
           </a:p>
           <a:p>
@@ -4486,6 +4442,34 @@
               <a:t>https://www.geeksforgeeks.org/word-embedding-techniques-in-nlp/</a:t>
             </a:r>
           </a:p>
+          <a:p>
+            <a:r>
+              <a:rPr lang="en-US" sz="1200" kern="1200" dirty="0">
+                <a:solidFill>
+                  <a:schemeClr val="tx1"/>
+                </a:solidFill>
+                <a:effectLst/>
+                <a:latin typeface="+mn-lt"/>
+                <a:ea typeface="+mn-ea"/>
+                <a:cs typeface="+mn-cs"/>
+              </a:rPr>
+              <a:t>https://scikit-learn.org/stable/modules/generated/sklearn.feature_extraction.text.CountVectorizer.html</a:t>
+            </a:r>
+          </a:p>
+          <a:p>
+            <a:r>
+              <a:rPr lang="en-US" sz="1200" kern="1200" dirty="0">
+                <a:solidFill>
+                  <a:schemeClr val="tx1"/>
+                </a:solidFill>
+                <a:effectLst/>
+                <a:latin typeface="+mn-lt"/>
+                <a:ea typeface="+mn-ea"/>
+                <a:cs typeface="+mn-cs"/>
+              </a:rPr>
+              <a:t>https://scikit-learn.org/stable/modules/generated/sklearn.feature_extraction.text.TfidfVectorizer.html</a:t>
+            </a:r>
+          </a:p>
         </p:txBody>
       </p:sp>
       <p:sp>
@@ -4506,6 +4490,146 @@
             <a:fld id="{B850756A-E1CA-4E5E-8241-A897EE7CB764}" type="slidenum">
               <a:rPr lang="en-US" smtClean="0"/>
               <a:t>44</a:t>
+            </a:fld>
+            <a:endParaRPr lang="en-US"/>
+          </a:p>
+        </p:txBody>
+      </p:sp>
+    </p:spTree>
+    <p:extLst>
+      <p:ext uri="{BB962C8B-B14F-4D97-AF65-F5344CB8AC3E}">
+        <p14:creationId xmlns:p14="http://schemas.microsoft.com/office/powerpoint/2010/main" val="1328873860"/>
+      </p:ext>
+    </p:extLst>
+  </p:cSld>
+  <p:clrMapOvr>
+    <a:masterClrMapping/>
+  </p:clrMapOvr>
+</p:notes>
+</file>
+
+<file path=ppt/notesSlides/notesSlide45.xml><?xml version="1.0" encoding="utf-8"?>
+<p:notes xmlns:a="http://schemas.openxmlformats.org/drawingml/2006/main" xmlns:r="http://schemas.openxmlformats.org/officeDocument/2006/relationships" xmlns:p="http://schemas.openxmlformats.org/presentationml/2006/main">
+  <p:cSld>
+    <p:spTree>
+      <p:nvGrpSpPr>
+        <p:cNvPr id="1" name=""/>
+        <p:cNvGrpSpPr/>
+        <p:nvPr/>
+      </p:nvGrpSpPr>
+      <p:grpSpPr>
+        <a:xfrm>
+          <a:off x="0" y="0"/>
+          <a:ext cx="0" cy="0"/>
+          <a:chOff x="0" y="0"/>
+          <a:chExt cx="0" cy="0"/>
+        </a:xfrm>
+      </p:grpSpPr>
+      <p:sp>
+        <p:nvSpPr>
+          <p:cNvPr id="2" name="Slide Image Placeholder 1"/>
+          <p:cNvSpPr>
+            <a:spLocks noGrp="1" noRot="1" noChangeAspect="1"/>
+          </p:cNvSpPr>
+          <p:nvPr>
+            <p:ph type="sldImg"/>
+          </p:nvPr>
+        </p:nvSpPr>
+        <p:spPr/>
+      </p:sp>
+      <p:sp>
+        <p:nvSpPr>
+          <p:cNvPr id="3" name="Notes Placeholder 2"/>
+          <p:cNvSpPr>
+            <a:spLocks noGrp="1"/>
+          </p:cNvSpPr>
+          <p:nvPr>
+            <p:ph type="body" idx="1"/>
+          </p:nvPr>
+        </p:nvSpPr>
+        <p:spPr/>
+        <p:txBody>
+          <a:bodyPr/>
+          <a:lstStyle/>
+          <a:p>
+            <a:pPr marL="0" marR="0" lvl="0" indent="0" algn="l" defTabSz="914400" rtl="0" eaLnBrk="1" fontAlgn="auto" latinLnBrk="0" hangingPunct="1">
+              <a:lnSpc>
+                <a:spcPct val="100000"/>
+              </a:lnSpc>
+              <a:spcBef>
+                <a:spcPts val="0"/>
+              </a:spcBef>
+              <a:spcAft>
+                <a:spcPts val="0"/>
+              </a:spcAft>
+              <a:buClrTx/>
+              <a:buSzTx/>
+              <a:buFontTx/>
+              <a:buNone/>
+              <a:tabLst/>
+              <a:defRPr/>
+            </a:pPr>
+            <a:r>
+              <a:rPr lang="en-US" sz="1200" kern="1200" dirty="0">
+                <a:solidFill>
+                  <a:schemeClr val="tx1"/>
+                </a:solidFill>
+                <a:effectLst/>
+                <a:latin typeface="+mn-lt"/>
+                <a:ea typeface="+mn-ea"/>
+                <a:cs typeface="+mn-cs"/>
+              </a:rPr>
+              <a:t>https://d2l.aivivn.com/chapter_natural-language-processing-pretraining/index_vn.html</a:t>
+            </a:r>
+          </a:p>
+          <a:p>
+            <a:r>
+              <a:rPr lang="en-US" sz="1200" kern="1200" dirty="0">
+                <a:solidFill>
+                  <a:schemeClr val="tx1"/>
+                </a:solidFill>
+                <a:effectLst/>
+                <a:latin typeface="+mn-lt"/>
+                <a:ea typeface="+mn-ea"/>
+                <a:cs typeface="+mn-cs"/>
+              </a:rPr>
+              <a:t>https://viblo.asia/p/so-luoc-word-embedding-gDVK2RAeKLj</a:t>
+            </a:r>
+          </a:p>
+          <a:p>
+            <a:r>
+              <a:rPr lang="en-US" sz="1200" kern="1200" dirty="0">
+                <a:solidFill>
+                  <a:schemeClr val="tx1"/>
+                </a:solidFill>
+                <a:effectLst/>
+                <a:latin typeface="+mn-lt"/>
+                <a:ea typeface="+mn-ea"/>
+                <a:cs typeface="+mn-cs"/>
+              </a:rPr>
+              <a:t>https://www.geeksforgeeks.org/word-embedding-techniques-in-nlp/</a:t>
+            </a:r>
+          </a:p>
+        </p:txBody>
+      </p:sp>
+      <p:sp>
+        <p:nvSpPr>
+          <p:cNvPr id="4" name="Slide Number Placeholder 3"/>
+          <p:cNvSpPr>
+            <a:spLocks noGrp="1"/>
+          </p:cNvSpPr>
+          <p:nvPr>
+            <p:ph type="sldNum" sz="quarter" idx="10"/>
+          </p:nvPr>
+        </p:nvSpPr>
+        <p:spPr/>
+        <p:txBody>
+          <a:bodyPr/>
+          <a:lstStyle/>
+          <a:p>
+            <a:fld id="{B850756A-E1CA-4E5E-8241-A897EE7CB764}" type="slidenum">
+              <a:rPr lang="en-US" smtClean="0"/>
+              <a:t>45</a:t>
             </a:fld>
             <a:endParaRPr lang="en-US"/>
           </a:p>
@@ -9992,32 +10116,38 @@
           <a:lstStyle/>
           <a:p>
             <a:r>
+              <a:rPr lang="vi-VN" sz="1100" dirty="0"/>
+              <a:t>TRỊNH HUỲNH ANH THƯ </a:t>
+            </a:r>
+            <a:r>
               <a:rPr lang="en-US" sz="1100" dirty="0"/>
-              <a:t>NGUYỄN VĂN HUÂN	</a:t>
-            </a:r>
+              <a:t>             </a:t>
+            </a:r>
+            <a:r>
+              <a:rPr lang="vi-VN" sz="1100" dirty="0"/>
+              <a:t>112353</a:t>
+            </a:r>
+            <a:endParaRPr lang="en-US" sz="1100" dirty="0"/>
           </a:p>
           <a:p>
             <a:r>
               <a:rPr lang="en-US" sz="1100" dirty="0"/>
-              <a:t>NGUYỄN VĂN HUẤN	</a:t>
-            </a:r>
+              <a:t>NGUYỄN THỊ MỸ THANH              219733</a:t>
+            </a:r>
+          </a:p>
+          <a:p>
+            <a:r>
+              <a:rPr lang="en-US" sz="1100" dirty="0"/>
+              <a:t>NGÔ THỊ THANH LOAN                 208015</a:t>
+            </a:r>
+          </a:p>
+          <a:p>
+            <a:endParaRPr lang="en-US" sz="1100" dirty="0"/>
           </a:p>
           <a:p>
             <a:r>
               <a:rPr lang="en-US" sz="1100" dirty="0"/>
               <a:t>NGUYỄN VĂN HUY	186300</a:t>
-            </a:r>
-          </a:p>
-          <a:p>
-            <a:r>
-              <a:rPr lang="en-US" sz="1100" dirty="0"/>
-              <a:t>NGUYỄN VĂN HUY	</a:t>
-            </a:r>
-          </a:p>
-          <a:p>
-            <a:r>
-              <a:rPr lang="en-US" sz="1100" dirty="0"/>
-              <a:t>NGUYỄN VĂN THANH	</a:t>
             </a:r>
           </a:p>
         </p:txBody>
@@ -10767,32 +10897,32 @@
               <a:buChar char="•"/>
             </a:pPr>
             <a:r>
-              <a:rPr lang="en-US" b="1" dirty="0">
-                <a:latin typeface="Calibri" panose="020F0502020204030204" pitchFamily="34" charset="0"/>
-                <a:cs typeface="Calibri" panose="020F0502020204030204" pitchFamily="34" charset="0"/>
-              </a:rPr>
-              <a:t>Bag of Words (</a:t>
-            </a:r>
-            <a:r>
-              <a:rPr lang="en-US" b="1" dirty="0" err="1">
-                <a:latin typeface="Calibri" panose="020F0502020204030204" pitchFamily="34" charset="0"/>
-                <a:cs typeface="Calibri" panose="020F0502020204030204" pitchFamily="34" charset="0"/>
-              </a:rPr>
-              <a:t>BoW</a:t>
-            </a:r>
-            <a:r>
-              <a:rPr lang="en-US" b="1" dirty="0">
-                <a:latin typeface="Calibri" panose="020F0502020204030204" pitchFamily="34" charset="0"/>
-                <a:cs typeface="Calibri" panose="020F0502020204030204" pitchFamily="34" charset="0"/>
-              </a:rPr>
-              <a:t>)</a:t>
+              <a:rPr lang="vi-VN" b="1" dirty="0">
+                <a:latin typeface="Calibri" panose="020F0502020204030204" pitchFamily="34" charset="0"/>
+                <a:cs typeface="Calibri" panose="020F0502020204030204" pitchFamily="34" charset="0"/>
+              </a:rPr>
+              <a:t>Word embedding</a:t>
+            </a:r>
+            <a:r>
+              <a:rPr lang="vi-VN" dirty="0">
+                <a:latin typeface="Calibri" panose="020F0502020204030204" pitchFamily="34" charset="0"/>
+                <a:cs typeface="Calibri" panose="020F0502020204030204" pitchFamily="34" charset="0"/>
+              </a:rPr>
+              <a:t>: </a:t>
             </a:r>
             <a:r>
               <a:rPr lang="en-US" dirty="0">
                 <a:latin typeface="Calibri" panose="020F0502020204030204" pitchFamily="34" charset="0"/>
                 <a:cs typeface="Calibri" panose="020F0502020204030204" pitchFamily="34" charset="0"/>
               </a:rPr>
-              <a:t>: Create a matrix of token counts</a:t>
+              <a:t>W</a:t>
+            </a:r>
+            <a:r>
+              <a:rPr lang="vi-VN" dirty="0">
+                <a:latin typeface="Calibri" panose="020F0502020204030204" pitchFamily="34" charset="0"/>
+                <a:cs typeface="Calibri" panose="020F0502020204030204" pitchFamily="34" charset="0"/>
+              </a:rPr>
+              <a:t>ords or phrases are mapped to numeric vectors.</a:t>
             </a:r>
           </a:p>
           <a:p>
@@ -10801,68 +10931,85 @@
               <a:buChar char="•"/>
             </a:pPr>
             <a:r>
-              <a:rPr lang="en-US" b="1" dirty="0">
-                <a:latin typeface="Calibri" panose="020F0502020204030204" pitchFamily="34" charset="0"/>
-                <a:cs typeface="Calibri" panose="020F0502020204030204" pitchFamily="34" charset="0"/>
-              </a:rPr>
-              <a:t>TF-IDF (Term Frequency-Inverse Document Frequency): </a:t>
-            </a:r>
-            <a:r>
-              <a:rPr lang="en-US" dirty="0">
-                <a:latin typeface="Calibri" panose="020F0502020204030204" pitchFamily="34" charset="0"/>
-                <a:cs typeface="Calibri" panose="020F0502020204030204" pitchFamily="34" charset="0"/>
-              </a:rPr>
-              <a:t>Convert texts to a matrix of TF-IDF features</a:t>
-            </a:r>
-          </a:p>
-          <a:p>
-            <a:pPr>
-              <a:buFont typeface="Arial" panose="020B0604020202020204" pitchFamily="34" charset="0"/>
-              <a:buChar char="•"/>
+              <a:rPr lang="vi-VN" dirty="0">
+                <a:latin typeface="Calibri" panose="020F0502020204030204" pitchFamily="34" charset="0"/>
+                <a:cs typeface="Calibri" panose="020F0502020204030204" pitchFamily="34" charset="0"/>
+              </a:rPr>
+              <a:t>Word embeddings are mainly divided into 2 types:</a:t>
+            </a:r>
+          </a:p>
+          <a:p>
+            <a:pPr lvl="1">
+              <a:buFont typeface="Courier New" panose="02070309020205020404" pitchFamily="49" charset="0"/>
+              <a:buChar char="o"/>
             </a:pPr>
             <a:r>
-              <a:rPr lang="en-US" b="1" dirty="0">
-                <a:latin typeface="Calibri" panose="020F0502020204030204" pitchFamily="34" charset="0"/>
-                <a:cs typeface="Calibri" panose="020F0502020204030204" pitchFamily="34" charset="0"/>
-              </a:rPr>
-              <a:t>Word Embeddings: </a:t>
-            </a:r>
-            <a:r>
-              <a:rPr lang="en-US" dirty="0">
-                <a:latin typeface="Calibri" panose="020F0502020204030204" pitchFamily="34" charset="0"/>
-                <a:cs typeface="Calibri" panose="020F0502020204030204" pitchFamily="34" charset="0"/>
-              </a:rPr>
-              <a:t>Use pre-trained embeddings like Word2Vec, </a:t>
-            </a:r>
-            <a:r>
-              <a:rPr lang="en-US" dirty="0" err="1">
-                <a:latin typeface="Calibri" panose="020F0502020204030204" pitchFamily="34" charset="0"/>
-                <a:cs typeface="Calibri" panose="020F0502020204030204" pitchFamily="34" charset="0"/>
-              </a:rPr>
-              <a:t>GloVe</a:t>
-            </a:r>
-            <a:r>
-              <a:rPr lang="en-US" dirty="0">
-                <a:latin typeface="Calibri" panose="020F0502020204030204" pitchFamily="34" charset="0"/>
-                <a:cs typeface="Calibri" panose="020F0502020204030204" pitchFamily="34" charset="0"/>
-              </a:rPr>
-              <a:t>, </a:t>
-            </a:r>
-            <a:r>
-              <a:rPr lang="en-US" dirty="0" err="1">
-                <a:latin typeface="Calibri" panose="020F0502020204030204" pitchFamily="34" charset="0"/>
-                <a:cs typeface="Calibri" panose="020F0502020204030204" pitchFamily="34" charset="0"/>
-              </a:rPr>
-              <a:t>FastText</a:t>
-            </a:r>
-            <a:r>
-              <a:rPr lang="en-US" dirty="0">
-                <a:latin typeface="Calibri" panose="020F0502020204030204" pitchFamily="34" charset="0"/>
-                <a:cs typeface="Calibri" panose="020F0502020204030204" pitchFamily="34" charset="0"/>
-              </a:rPr>
-              <a:t> or train your own</a:t>
-            </a:r>
-            <a:endParaRPr lang="en-US" sz="3200" b="1" dirty="0">
+              <a:rPr lang="vi-VN" sz="2200" b="1" dirty="0">
+                <a:solidFill>
+                  <a:srgbClr val="0563B8"/>
+                </a:solidFill>
+                <a:latin typeface="Calibri" panose="020F0502020204030204" pitchFamily="34" charset="0"/>
+                <a:cs typeface="Calibri" panose="020F0502020204030204" pitchFamily="34" charset="0"/>
+              </a:rPr>
+              <a:t>Frequency-based</a:t>
+            </a:r>
+            <a:r>
+              <a:rPr lang="vi-VN" sz="2200" b="1" dirty="0">
+                <a:latin typeface="Calibri" panose="020F0502020204030204" pitchFamily="34" charset="0"/>
+                <a:cs typeface="Calibri" panose="020F0502020204030204" pitchFamily="34" charset="0"/>
+              </a:rPr>
+              <a:t> </a:t>
+            </a:r>
+            <a:r>
+              <a:rPr lang="vi-VN" sz="2200" b="1" dirty="0">
+                <a:solidFill>
+                  <a:srgbClr val="0563B8"/>
+                </a:solidFill>
+                <a:latin typeface="Calibri" panose="020F0502020204030204" pitchFamily="34" charset="0"/>
+                <a:cs typeface="Calibri" panose="020F0502020204030204" pitchFamily="34" charset="0"/>
+              </a:rPr>
+              <a:t>embedding</a:t>
+            </a:r>
+            <a:r>
+              <a:rPr lang="vi-VN" sz="2200" dirty="0">
+                <a:solidFill>
+                  <a:srgbClr val="0563B8"/>
+                </a:solidFill>
+                <a:latin typeface="Calibri" panose="020F0502020204030204" pitchFamily="34" charset="0"/>
+                <a:cs typeface="Calibri" panose="020F0502020204030204" pitchFamily="34" charset="0"/>
+              </a:rPr>
+              <a:t>: count vector, TF-IDF vector, co-occurrence matrix, GloVe (global vector)</a:t>
+            </a:r>
+          </a:p>
+          <a:p>
+            <a:pPr lvl="1">
+              <a:buFont typeface="Courier New" panose="02070309020205020404" pitchFamily="49" charset="0"/>
+              <a:buChar char="o"/>
+            </a:pPr>
+            <a:r>
+              <a:rPr lang="vi-VN" sz="2200" b="1" dirty="0">
+                <a:solidFill>
+                  <a:srgbClr val="0563B8"/>
+                </a:solidFill>
+                <a:latin typeface="Calibri" panose="020F0502020204030204" pitchFamily="34" charset="0"/>
+                <a:cs typeface="Calibri" panose="020F0502020204030204" pitchFamily="34" charset="0"/>
+              </a:rPr>
+              <a:t>Prediction-based embedding</a:t>
+            </a:r>
+            <a:r>
+              <a:rPr lang="vi-VN" sz="2200" dirty="0">
+                <a:solidFill>
+                  <a:srgbClr val="0563B8"/>
+                </a:solidFill>
+                <a:latin typeface="Calibri" panose="020F0502020204030204" pitchFamily="34" charset="0"/>
+                <a:cs typeface="Calibri" panose="020F0502020204030204" pitchFamily="34" charset="0"/>
+              </a:rPr>
+              <a:t>: Word2vec (CBOW, Skip-gram), GloVe, FastText</a:t>
+            </a:r>
+            <a:endParaRPr lang="en-US" sz="2200" dirty="0">
+              <a:solidFill>
+                <a:srgbClr val="0563B8"/>
+              </a:solidFill>
               <a:latin typeface="Calibri" panose="020F0502020204030204" pitchFamily="34" charset="0"/>
               <a:cs typeface="Calibri" panose="020F0502020204030204" pitchFamily="34" charset="0"/>
             </a:endParaRPr>
@@ -10883,6 +11030,193 @@
 </file>
 
 <file path=ppt/slides/slide16.xml><?xml version="1.0" encoding="utf-8"?>
+<p:sld xmlns:a="http://schemas.openxmlformats.org/drawingml/2006/main" xmlns:r="http://schemas.openxmlformats.org/officeDocument/2006/relationships" xmlns:p="http://schemas.openxmlformats.org/presentationml/2006/main">
+  <p:cSld>
+    <p:spTree>
+      <p:nvGrpSpPr>
+        <p:cNvPr id="1" name=""/>
+        <p:cNvGrpSpPr/>
+        <p:nvPr/>
+      </p:nvGrpSpPr>
+      <p:grpSpPr>
+        <a:xfrm>
+          <a:off x="0" y="0"/>
+          <a:ext cx="0" cy="0"/>
+          <a:chOff x="0" y="0"/>
+          <a:chExt cx="0" cy="0"/>
+        </a:xfrm>
+      </p:grpSpPr>
+      <p:sp>
+        <p:nvSpPr>
+          <p:cNvPr id="4" name="Title 3"/>
+          <p:cNvSpPr>
+            <a:spLocks noGrp="1"/>
+          </p:cNvSpPr>
+          <p:nvPr>
+            <p:ph type="title"/>
+          </p:nvPr>
+        </p:nvSpPr>
+        <p:spPr>
+          <a:xfrm>
+            <a:off x="466579" y="240325"/>
+            <a:ext cx="11714536" cy="441082"/>
+          </a:xfrm>
+        </p:spPr>
+        <p:txBody>
+          <a:bodyPr/>
+          <a:lstStyle/>
+          <a:p>
+            <a:r>
+              <a:rPr lang="en-US" sz="3200" dirty="0">
+                <a:latin typeface="Calibri" panose="020F0502020204030204" pitchFamily="34" charset="0"/>
+                <a:cs typeface="Calibri" panose="020F0502020204030204" pitchFamily="34" charset="0"/>
+              </a:rPr>
+              <a:t>4. Word Embedding</a:t>
+            </a:r>
+          </a:p>
+        </p:txBody>
+      </p:sp>
+      <p:sp>
+        <p:nvSpPr>
+          <p:cNvPr id="5" name="Content Placeholder 2"/>
+          <p:cNvSpPr>
+            <a:spLocks noGrp="1"/>
+          </p:cNvSpPr>
+          <p:nvPr>
+            <p:ph idx="1"/>
+          </p:nvPr>
+        </p:nvSpPr>
+        <p:spPr>
+          <a:xfrm>
+            <a:off x="477464" y="1044421"/>
+            <a:ext cx="11714536" cy="5813579"/>
+          </a:xfrm>
+        </p:spPr>
+        <p:txBody>
+          <a:bodyPr/>
+          <a:lstStyle/>
+          <a:p>
+            <a:pPr>
+              <a:buFont typeface="Arial" panose="020B0604020202020204" pitchFamily="34" charset="0"/>
+              <a:buChar char="•"/>
+            </a:pPr>
+            <a:r>
+              <a:rPr lang="en-US" b="1" dirty="0">
+                <a:latin typeface="Calibri" panose="020F0502020204030204" pitchFamily="34" charset="0"/>
+                <a:cs typeface="Calibri" panose="020F0502020204030204" pitchFamily="34" charset="0"/>
+              </a:rPr>
+              <a:t>Bag of Words (</a:t>
+            </a:r>
+            <a:r>
+              <a:rPr lang="en-US" b="1" dirty="0" err="1">
+                <a:latin typeface="Calibri" panose="020F0502020204030204" pitchFamily="34" charset="0"/>
+                <a:cs typeface="Calibri" panose="020F0502020204030204" pitchFamily="34" charset="0"/>
+              </a:rPr>
+              <a:t>BoW</a:t>
+            </a:r>
+            <a:r>
+              <a:rPr lang="en-US" b="1" dirty="0">
+                <a:latin typeface="Calibri" panose="020F0502020204030204" pitchFamily="34" charset="0"/>
+                <a:cs typeface="Calibri" panose="020F0502020204030204" pitchFamily="34" charset="0"/>
+              </a:rPr>
+              <a:t>)</a:t>
+            </a:r>
+            <a:r>
+              <a:rPr lang="en-US" dirty="0">
+                <a:latin typeface="Calibri" panose="020F0502020204030204" pitchFamily="34" charset="0"/>
+                <a:cs typeface="Calibri" panose="020F0502020204030204" pitchFamily="34" charset="0"/>
+              </a:rPr>
+              <a:t>: Create a matrix of token counts</a:t>
+            </a:r>
+          </a:p>
+          <a:p>
+            <a:pPr>
+              <a:buFont typeface="Arial" panose="020B0604020202020204" pitchFamily="34" charset="0"/>
+              <a:buChar char="•"/>
+            </a:pPr>
+            <a:r>
+              <a:rPr lang="en-US" b="1" dirty="0">
+                <a:latin typeface="Calibri" panose="020F0502020204030204" pitchFamily="34" charset="0"/>
+                <a:cs typeface="Calibri" panose="020F0502020204030204" pitchFamily="34" charset="0"/>
+              </a:rPr>
+              <a:t>TF-IDF (Term Frequency-Inverse Document Frequency): </a:t>
+            </a:r>
+            <a:r>
+              <a:rPr lang="en-US" dirty="0">
+                <a:latin typeface="Calibri" panose="020F0502020204030204" pitchFamily="34" charset="0"/>
+                <a:cs typeface="Calibri" panose="020F0502020204030204" pitchFamily="34" charset="0"/>
+              </a:rPr>
+              <a:t>Convert texts to a matrix of TF-IDF features</a:t>
+            </a:r>
+          </a:p>
+          <a:p>
+            <a:pPr>
+              <a:buFont typeface="Arial" panose="020B0604020202020204" pitchFamily="34" charset="0"/>
+              <a:buChar char="•"/>
+            </a:pPr>
+            <a:r>
+              <a:rPr lang="en-US" b="1" dirty="0">
+                <a:latin typeface="Calibri" panose="020F0502020204030204" pitchFamily="34" charset="0"/>
+                <a:cs typeface="Calibri" panose="020F0502020204030204" pitchFamily="34" charset="0"/>
+              </a:rPr>
+              <a:t>Word Embeddings: </a:t>
+            </a:r>
+            <a:r>
+              <a:rPr lang="en-US" dirty="0">
+                <a:latin typeface="Calibri" panose="020F0502020204030204" pitchFamily="34" charset="0"/>
+                <a:cs typeface="Calibri" panose="020F0502020204030204" pitchFamily="34" charset="0"/>
+              </a:rPr>
+              <a:t>Use pre-trained embeddings like Word2Vec, </a:t>
+            </a:r>
+            <a:r>
+              <a:rPr lang="en-US" dirty="0" err="1">
+                <a:latin typeface="Calibri" panose="020F0502020204030204" pitchFamily="34" charset="0"/>
+                <a:cs typeface="Calibri" panose="020F0502020204030204" pitchFamily="34" charset="0"/>
+              </a:rPr>
+              <a:t>GloVe</a:t>
+            </a:r>
+            <a:r>
+              <a:rPr lang="en-US" dirty="0">
+                <a:latin typeface="Calibri" panose="020F0502020204030204" pitchFamily="34" charset="0"/>
+                <a:cs typeface="Calibri" panose="020F0502020204030204" pitchFamily="34" charset="0"/>
+              </a:rPr>
+              <a:t>, </a:t>
+            </a:r>
+            <a:r>
+              <a:rPr lang="en-US" dirty="0" err="1">
+                <a:latin typeface="Calibri" panose="020F0502020204030204" pitchFamily="34" charset="0"/>
+                <a:cs typeface="Calibri" panose="020F0502020204030204" pitchFamily="34" charset="0"/>
+              </a:rPr>
+              <a:t>FastText</a:t>
+            </a:r>
+            <a:r>
+              <a:rPr lang="en-US" dirty="0">
+                <a:latin typeface="Calibri" panose="020F0502020204030204" pitchFamily="34" charset="0"/>
+                <a:cs typeface="Calibri" panose="020F0502020204030204" pitchFamily="34" charset="0"/>
+              </a:rPr>
+              <a:t> or train your own</a:t>
+            </a:r>
+            <a:endParaRPr lang="en-US" sz="3200" b="1" dirty="0">
+              <a:latin typeface="Calibri" panose="020F0502020204030204" pitchFamily="34" charset="0"/>
+              <a:cs typeface="Calibri" panose="020F0502020204030204" pitchFamily="34" charset="0"/>
+            </a:endParaRPr>
+          </a:p>
+        </p:txBody>
+      </p:sp>
+    </p:spTree>
+    <p:extLst>
+      <p:ext uri="{BB962C8B-B14F-4D97-AF65-F5344CB8AC3E}">
+        <p14:creationId xmlns:p14="http://schemas.microsoft.com/office/powerpoint/2010/main" val="3409621754"/>
+      </p:ext>
+    </p:extLst>
+  </p:cSld>
+  <p:clrMapOvr>
+    <a:masterClrMapping/>
+  </p:clrMapOvr>
+</p:sld>
+</file>
+
+<file path=ppt/slides/slide17.xml><?xml version="1.0" encoding="utf-8"?>
 <p:sld xmlns:a="http://schemas.openxmlformats.org/drawingml/2006/main" xmlns:r="http://schemas.openxmlformats.org/officeDocument/2006/relationships" xmlns:p="http://schemas.openxmlformats.org/presentationml/2006/main">
   <p:cSld>
     <p:spTree>
@@ -11010,7 +11344,7 @@
 </p:sld>
 </file>
 
-<file path=ppt/slides/slide17.xml><?xml version="1.0" encoding="utf-8"?>
+<file path=ppt/slides/slide18.xml><?xml version="1.0" encoding="utf-8"?>
 <p:sld xmlns:a="http://schemas.openxmlformats.org/drawingml/2006/main" xmlns:r="http://schemas.openxmlformats.org/officeDocument/2006/relationships" xmlns:p="http://schemas.openxmlformats.org/presentationml/2006/main">
   <p:cSld>
     <p:spTree>
@@ -11155,7 +11489,7 @@
 </p:sld>
 </file>
 
-<file path=ppt/slides/slide18.xml><?xml version="1.0" encoding="utf-8"?>
+<file path=ppt/slides/slide19.xml><?xml version="1.0" encoding="utf-8"?>
 <p:sld xmlns:a="http://schemas.openxmlformats.org/drawingml/2006/main" xmlns:r="http://schemas.openxmlformats.org/officeDocument/2006/relationships" xmlns:p="http://schemas.openxmlformats.org/presentationml/2006/main">
   <p:cSld>
     <p:spTree>
@@ -11297,7 +11631,223 @@
 </p:sld>
 </file>
 
-<file path=ppt/slides/slide19.xml><?xml version="1.0" encoding="utf-8"?>
+<file path=ppt/slides/slide2.xml><?xml version="1.0" encoding="utf-8"?>
+<p:sld xmlns:a="http://schemas.openxmlformats.org/drawingml/2006/main" xmlns:r="http://schemas.openxmlformats.org/officeDocument/2006/relationships" xmlns:p="http://schemas.openxmlformats.org/presentationml/2006/main">
+  <p:cSld>
+    <p:spTree>
+      <p:nvGrpSpPr>
+        <p:cNvPr id="1" name=""/>
+        <p:cNvGrpSpPr/>
+        <p:nvPr/>
+      </p:nvGrpSpPr>
+      <p:grpSpPr>
+        <a:xfrm>
+          <a:off x="0" y="0"/>
+          <a:ext cx="0" cy="0"/>
+          <a:chOff x="0" y="0"/>
+          <a:chExt cx="0" cy="0"/>
+        </a:xfrm>
+      </p:grpSpPr>
+      <p:sp>
+        <p:nvSpPr>
+          <p:cNvPr id="3" name="Content Placeholder 2"/>
+          <p:cNvSpPr>
+            <a:spLocks noGrp="1"/>
+          </p:cNvSpPr>
+          <p:nvPr>
+            <p:ph idx="1"/>
+          </p:nvPr>
+        </p:nvSpPr>
+        <p:spPr>
+          <a:xfrm>
+            <a:off x="1074279" y="1044421"/>
+            <a:ext cx="9972662" cy="5171028"/>
+          </a:xfrm>
+        </p:spPr>
+        <p:txBody>
+          <a:bodyPr/>
+          <a:lstStyle/>
+          <a:p>
+            <a:pPr marL="0" indent="0">
+              <a:buNone/>
+            </a:pPr>
+            <a:r>
+              <a:rPr lang="en-US" dirty="0">
+                <a:latin typeface="Calibri" panose="020F0502020204030204" pitchFamily="34" charset="0"/>
+                <a:cs typeface="Calibri" panose="020F0502020204030204" pitchFamily="34" charset="0"/>
+              </a:rPr>
+              <a:t>1. </a:t>
+            </a:r>
+            <a:r>
+              <a:rPr lang="en-US" sz="2400" dirty="0">
+                <a:latin typeface="Calibri" panose="020F0502020204030204" pitchFamily="34" charset="0"/>
+                <a:cs typeface="Calibri" panose="020F0502020204030204" pitchFamily="34" charset="0"/>
+              </a:rPr>
+              <a:t>Problem Definition</a:t>
+            </a:r>
+            <a:endParaRPr lang="en-US" dirty="0">
+              <a:latin typeface="Calibri" panose="020F0502020204030204" pitchFamily="34" charset="0"/>
+              <a:cs typeface="Calibri" panose="020F0502020204030204" pitchFamily="34" charset="0"/>
+            </a:endParaRPr>
+          </a:p>
+          <a:p>
+            <a:pPr marL="0" indent="0">
+              <a:buNone/>
+            </a:pPr>
+            <a:r>
+              <a:rPr lang="en-US" dirty="0">
+                <a:latin typeface="Calibri" panose="020F0502020204030204" pitchFamily="34" charset="0"/>
+                <a:cs typeface="Calibri" panose="020F0502020204030204" pitchFamily="34" charset="0"/>
+              </a:rPr>
+              <a:t>2. </a:t>
+            </a:r>
+            <a:r>
+              <a:rPr lang="en-US" sz="2400" dirty="0">
+                <a:latin typeface="Calibri" panose="020F0502020204030204" pitchFamily="34" charset="0"/>
+                <a:cs typeface="Calibri" panose="020F0502020204030204" pitchFamily="34" charset="0"/>
+              </a:rPr>
+              <a:t>Data Collection</a:t>
+            </a:r>
+          </a:p>
+          <a:p>
+            <a:pPr marL="0" indent="0">
+              <a:buNone/>
+            </a:pPr>
+            <a:r>
+              <a:rPr lang="en-US" sz="2400" dirty="0">
+                <a:latin typeface="Calibri" panose="020F0502020204030204" pitchFamily="34" charset="0"/>
+                <a:cs typeface="Calibri" panose="020F0502020204030204" pitchFamily="34" charset="0"/>
+              </a:rPr>
+              <a:t>3. Data Preprocessing</a:t>
+            </a:r>
+          </a:p>
+          <a:p>
+            <a:pPr marL="0" indent="0">
+              <a:buNone/>
+            </a:pPr>
+            <a:r>
+              <a:rPr lang="en-US" sz="2400" dirty="0">
+                <a:latin typeface="Calibri" panose="020F0502020204030204" pitchFamily="34" charset="0"/>
+                <a:cs typeface="Calibri" panose="020F0502020204030204" pitchFamily="34" charset="0"/>
+              </a:rPr>
+              <a:t>4. Word Embedding</a:t>
+            </a:r>
+          </a:p>
+          <a:p>
+            <a:pPr marL="0" indent="0">
+              <a:buNone/>
+            </a:pPr>
+            <a:r>
+              <a:rPr lang="en-US" sz="2400" dirty="0">
+                <a:latin typeface="Calibri" panose="020F0502020204030204" pitchFamily="34" charset="0"/>
+                <a:cs typeface="Calibri" panose="020F0502020204030204" pitchFamily="34" charset="0"/>
+              </a:rPr>
+              <a:t>5. Splitting Data</a:t>
+            </a:r>
+          </a:p>
+          <a:p>
+            <a:pPr marL="0" indent="0">
+              <a:buNone/>
+            </a:pPr>
+            <a:r>
+              <a:rPr lang="en-US" sz="2400" dirty="0">
+                <a:latin typeface="Calibri" panose="020F0502020204030204" pitchFamily="34" charset="0"/>
+                <a:cs typeface="Calibri" panose="020F0502020204030204" pitchFamily="34" charset="0"/>
+              </a:rPr>
+              <a:t>6. Model Building</a:t>
+            </a:r>
+          </a:p>
+          <a:p>
+            <a:pPr marL="0" indent="0">
+              <a:buNone/>
+            </a:pPr>
+            <a:r>
+              <a:rPr lang="en-US" sz="2400" dirty="0">
+                <a:latin typeface="Calibri" panose="020F0502020204030204" pitchFamily="34" charset="0"/>
+                <a:cs typeface="Calibri" panose="020F0502020204030204" pitchFamily="34" charset="0"/>
+              </a:rPr>
+              <a:t>7. Model Training</a:t>
+            </a:r>
+          </a:p>
+          <a:p>
+            <a:pPr marL="0" indent="0">
+              <a:buNone/>
+            </a:pPr>
+            <a:r>
+              <a:rPr lang="en-US" sz="2400" dirty="0">
+                <a:latin typeface="Calibri" panose="020F0502020204030204" pitchFamily="34" charset="0"/>
+                <a:cs typeface="Calibri" panose="020F0502020204030204" pitchFamily="34" charset="0"/>
+              </a:rPr>
+              <a:t>8. Model Evaluation</a:t>
+            </a:r>
+          </a:p>
+          <a:p>
+            <a:pPr marL="0" indent="0">
+              <a:buNone/>
+            </a:pPr>
+            <a:r>
+              <a:rPr lang="en-US" dirty="0">
+                <a:latin typeface="Calibri" panose="020F0502020204030204" pitchFamily="34" charset="0"/>
+                <a:cs typeface="Calibri" panose="020F0502020204030204" pitchFamily="34" charset="0"/>
+              </a:rPr>
+              <a:t>9. QA</a:t>
+            </a:r>
+          </a:p>
+          <a:p>
+            <a:pPr marL="0" indent="0">
+              <a:buNone/>
+            </a:pPr>
+            <a:endParaRPr lang="en-US" dirty="0">
+              <a:latin typeface="Calibri" panose="020F0502020204030204" pitchFamily="34" charset="0"/>
+              <a:cs typeface="Calibri" panose="020F0502020204030204" pitchFamily="34" charset="0"/>
+            </a:endParaRPr>
+          </a:p>
+        </p:txBody>
+      </p:sp>
+      <p:sp>
+        <p:nvSpPr>
+          <p:cNvPr id="4" name="Title 3"/>
+          <p:cNvSpPr>
+            <a:spLocks noGrp="1"/>
+          </p:cNvSpPr>
+          <p:nvPr>
+            <p:ph type="title"/>
+          </p:nvPr>
+        </p:nvSpPr>
+        <p:spPr>
+          <a:xfrm>
+            <a:off x="466579" y="240325"/>
+            <a:ext cx="11714536" cy="441082"/>
+          </a:xfrm>
+        </p:spPr>
+        <p:txBody>
+          <a:bodyPr/>
+          <a:lstStyle/>
+          <a:p>
+            <a:r>
+              <a:rPr lang="en-US" sz="3200" dirty="0">
+                <a:latin typeface="Calibri" panose="020F0502020204030204" pitchFamily="34" charset="0"/>
+                <a:cs typeface="Calibri" panose="020F0502020204030204" pitchFamily="34" charset="0"/>
+              </a:rPr>
+              <a:t>AGENDA</a:t>
+            </a:r>
+          </a:p>
+        </p:txBody>
+      </p:sp>
+    </p:spTree>
+    <p:extLst>
+      <p:ext uri="{BB962C8B-B14F-4D97-AF65-F5344CB8AC3E}">
+        <p14:creationId xmlns:p14="http://schemas.microsoft.com/office/powerpoint/2010/main" val="1523232517"/>
+      </p:ext>
+    </p:extLst>
+  </p:cSld>
+  <p:clrMapOvr>
+    <a:masterClrMapping/>
+  </p:clrMapOvr>
+</p:sld>
+</file>
+
+<file path=ppt/slides/slide20.xml><?xml version="1.0" encoding="utf-8"?>
 <p:sld xmlns:a="http://schemas.openxmlformats.org/drawingml/2006/main" xmlns:r="http://schemas.openxmlformats.org/officeDocument/2006/relationships" xmlns:p="http://schemas.openxmlformats.org/presentationml/2006/main">
   <p:cSld>
     <p:spTree>
@@ -11417,223 +11967,7 @@
 </p:sld>
 </file>
 
-<file path=ppt/slides/slide2.xml><?xml version="1.0" encoding="utf-8"?>
-<p:sld xmlns:a="http://schemas.openxmlformats.org/drawingml/2006/main" xmlns:r="http://schemas.openxmlformats.org/officeDocument/2006/relationships" xmlns:p="http://schemas.openxmlformats.org/presentationml/2006/main">
-  <p:cSld>
-    <p:spTree>
-      <p:nvGrpSpPr>
-        <p:cNvPr id="1" name=""/>
-        <p:cNvGrpSpPr/>
-        <p:nvPr/>
-      </p:nvGrpSpPr>
-      <p:grpSpPr>
-        <a:xfrm>
-          <a:off x="0" y="0"/>
-          <a:ext cx="0" cy="0"/>
-          <a:chOff x="0" y="0"/>
-          <a:chExt cx="0" cy="0"/>
-        </a:xfrm>
-      </p:grpSpPr>
-      <p:sp>
-        <p:nvSpPr>
-          <p:cNvPr id="3" name="Content Placeholder 2"/>
-          <p:cNvSpPr>
-            <a:spLocks noGrp="1"/>
-          </p:cNvSpPr>
-          <p:nvPr>
-            <p:ph idx="1"/>
-          </p:nvPr>
-        </p:nvSpPr>
-        <p:spPr>
-          <a:xfrm>
-            <a:off x="1074279" y="1044421"/>
-            <a:ext cx="9972662" cy="5171028"/>
-          </a:xfrm>
-        </p:spPr>
-        <p:txBody>
-          <a:bodyPr/>
-          <a:lstStyle/>
-          <a:p>
-            <a:pPr marL="0" indent="0">
-              <a:buNone/>
-            </a:pPr>
-            <a:r>
-              <a:rPr lang="en-US" dirty="0">
-                <a:latin typeface="Calibri" panose="020F0502020204030204" pitchFamily="34" charset="0"/>
-                <a:cs typeface="Calibri" panose="020F0502020204030204" pitchFamily="34" charset="0"/>
-              </a:rPr>
-              <a:t>1. </a:t>
-            </a:r>
-            <a:r>
-              <a:rPr lang="en-US" sz="2400" dirty="0">
-                <a:latin typeface="Calibri" panose="020F0502020204030204" pitchFamily="34" charset="0"/>
-                <a:cs typeface="Calibri" panose="020F0502020204030204" pitchFamily="34" charset="0"/>
-              </a:rPr>
-              <a:t>Problem Definition</a:t>
-            </a:r>
-            <a:endParaRPr lang="en-US" dirty="0">
-              <a:latin typeface="Calibri" panose="020F0502020204030204" pitchFamily="34" charset="0"/>
-              <a:cs typeface="Calibri" panose="020F0502020204030204" pitchFamily="34" charset="0"/>
-            </a:endParaRPr>
-          </a:p>
-          <a:p>
-            <a:pPr marL="0" indent="0">
-              <a:buNone/>
-            </a:pPr>
-            <a:r>
-              <a:rPr lang="en-US" dirty="0">
-                <a:latin typeface="Calibri" panose="020F0502020204030204" pitchFamily="34" charset="0"/>
-                <a:cs typeface="Calibri" panose="020F0502020204030204" pitchFamily="34" charset="0"/>
-              </a:rPr>
-              <a:t>2. </a:t>
-            </a:r>
-            <a:r>
-              <a:rPr lang="en-US" sz="2400" dirty="0">
-                <a:latin typeface="Calibri" panose="020F0502020204030204" pitchFamily="34" charset="0"/>
-                <a:cs typeface="Calibri" panose="020F0502020204030204" pitchFamily="34" charset="0"/>
-              </a:rPr>
-              <a:t>Data Collection</a:t>
-            </a:r>
-          </a:p>
-          <a:p>
-            <a:pPr marL="0" indent="0">
-              <a:buNone/>
-            </a:pPr>
-            <a:r>
-              <a:rPr lang="en-US" sz="2400" dirty="0">
-                <a:latin typeface="Calibri" panose="020F0502020204030204" pitchFamily="34" charset="0"/>
-                <a:cs typeface="Calibri" panose="020F0502020204030204" pitchFamily="34" charset="0"/>
-              </a:rPr>
-              <a:t>3. Data Preprocessing</a:t>
-            </a:r>
-          </a:p>
-          <a:p>
-            <a:pPr marL="0" indent="0">
-              <a:buNone/>
-            </a:pPr>
-            <a:r>
-              <a:rPr lang="en-US" sz="2400" dirty="0">
-                <a:latin typeface="Calibri" panose="020F0502020204030204" pitchFamily="34" charset="0"/>
-                <a:cs typeface="Calibri" panose="020F0502020204030204" pitchFamily="34" charset="0"/>
-              </a:rPr>
-              <a:t>4. Word Embedding</a:t>
-            </a:r>
-          </a:p>
-          <a:p>
-            <a:pPr marL="0" indent="0">
-              <a:buNone/>
-            </a:pPr>
-            <a:r>
-              <a:rPr lang="en-US" sz="2400" dirty="0">
-                <a:latin typeface="Calibri" panose="020F0502020204030204" pitchFamily="34" charset="0"/>
-                <a:cs typeface="Calibri" panose="020F0502020204030204" pitchFamily="34" charset="0"/>
-              </a:rPr>
-              <a:t>5. Splitting Data</a:t>
-            </a:r>
-          </a:p>
-          <a:p>
-            <a:pPr marL="0" indent="0">
-              <a:buNone/>
-            </a:pPr>
-            <a:r>
-              <a:rPr lang="en-US" sz="2400" dirty="0">
-                <a:latin typeface="Calibri" panose="020F0502020204030204" pitchFamily="34" charset="0"/>
-                <a:cs typeface="Calibri" panose="020F0502020204030204" pitchFamily="34" charset="0"/>
-              </a:rPr>
-              <a:t>6. Model Building</a:t>
-            </a:r>
-          </a:p>
-          <a:p>
-            <a:pPr marL="0" indent="0">
-              <a:buNone/>
-            </a:pPr>
-            <a:r>
-              <a:rPr lang="en-US" sz="2400" dirty="0">
-                <a:latin typeface="Calibri" panose="020F0502020204030204" pitchFamily="34" charset="0"/>
-                <a:cs typeface="Calibri" panose="020F0502020204030204" pitchFamily="34" charset="0"/>
-              </a:rPr>
-              <a:t>7. Model Training</a:t>
-            </a:r>
-          </a:p>
-          <a:p>
-            <a:pPr marL="0" indent="0">
-              <a:buNone/>
-            </a:pPr>
-            <a:r>
-              <a:rPr lang="en-US" sz="2400" dirty="0">
-                <a:latin typeface="Calibri" panose="020F0502020204030204" pitchFamily="34" charset="0"/>
-                <a:cs typeface="Calibri" panose="020F0502020204030204" pitchFamily="34" charset="0"/>
-              </a:rPr>
-              <a:t>8. Model Evaluation</a:t>
-            </a:r>
-          </a:p>
-          <a:p>
-            <a:pPr marL="0" indent="0">
-              <a:buNone/>
-            </a:pPr>
-            <a:r>
-              <a:rPr lang="en-US" dirty="0">
-                <a:latin typeface="Calibri" panose="020F0502020204030204" pitchFamily="34" charset="0"/>
-                <a:cs typeface="Calibri" panose="020F0502020204030204" pitchFamily="34" charset="0"/>
-              </a:rPr>
-              <a:t>9. QA</a:t>
-            </a:r>
-          </a:p>
-          <a:p>
-            <a:pPr marL="0" indent="0">
-              <a:buNone/>
-            </a:pPr>
-            <a:endParaRPr lang="en-US" dirty="0">
-              <a:latin typeface="Calibri" panose="020F0502020204030204" pitchFamily="34" charset="0"/>
-              <a:cs typeface="Calibri" panose="020F0502020204030204" pitchFamily="34" charset="0"/>
-            </a:endParaRPr>
-          </a:p>
-        </p:txBody>
-      </p:sp>
-      <p:sp>
-        <p:nvSpPr>
-          <p:cNvPr id="4" name="Title 3"/>
-          <p:cNvSpPr>
-            <a:spLocks noGrp="1"/>
-          </p:cNvSpPr>
-          <p:nvPr>
-            <p:ph type="title"/>
-          </p:nvPr>
-        </p:nvSpPr>
-        <p:spPr>
-          <a:xfrm>
-            <a:off x="466579" y="240325"/>
-            <a:ext cx="11714536" cy="441082"/>
-          </a:xfrm>
-        </p:spPr>
-        <p:txBody>
-          <a:bodyPr/>
-          <a:lstStyle/>
-          <a:p>
-            <a:r>
-              <a:rPr lang="en-US" sz="3200" dirty="0">
-                <a:latin typeface="Calibri" panose="020F0502020204030204" pitchFamily="34" charset="0"/>
-                <a:cs typeface="Calibri" panose="020F0502020204030204" pitchFamily="34" charset="0"/>
-              </a:rPr>
-              <a:t>AGENDA</a:t>
-            </a:r>
-          </a:p>
-        </p:txBody>
-      </p:sp>
-    </p:spTree>
-    <p:extLst>
-      <p:ext uri="{BB962C8B-B14F-4D97-AF65-F5344CB8AC3E}">
-        <p14:creationId xmlns:p14="http://schemas.microsoft.com/office/powerpoint/2010/main" val="1523232517"/>
-      </p:ext>
-    </p:extLst>
-  </p:cSld>
-  <p:clrMapOvr>
-    <a:masterClrMapping/>
-  </p:clrMapOvr>
-</p:sld>
-</file>
-
-<file path=ppt/slides/slide20.xml><?xml version="1.0" encoding="utf-8"?>
+<file path=ppt/slides/slide21.xml><?xml version="1.0" encoding="utf-8"?>
 <p:sld xmlns:a="http://schemas.openxmlformats.org/drawingml/2006/main" xmlns:r="http://schemas.openxmlformats.org/officeDocument/2006/relationships" xmlns:p="http://schemas.openxmlformats.org/presentationml/2006/main">
   <p:cSld>
     <p:spTree>
@@ -11768,7 +12102,7 @@
 </p:sld>
 </file>
 
-<file path=ppt/slides/slide21.xml><?xml version="1.0" encoding="utf-8"?>
+<file path=ppt/slides/slide22.xml><?xml version="1.0" encoding="utf-8"?>
 <p:sld xmlns:a="http://schemas.openxmlformats.org/drawingml/2006/main" xmlns:r="http://schemas.openxmlformats.org/officeDocument/2006/relationships" xmlns:p="http://schemas.openxmlformats.org/presentationml/2006/main">
   <p:cSld>
     <p:spTree>
@@ -11903,7 +12237,7 @@
 </p:sld>
 </file>
 
-<file path=ppt/slides/slide22.xml><?xml version="1.0" encoding="utf-8"?>
+<file path=ppt/slides/slide23.xml><?xml version="1.0" encoding="utf-8"?>
 <p:sld xmlns:a="http://schemas.openxmlformats.org/drawingml/2006/main" xmlns:r="http://schemas.openxmlformats.org/officeDocument/2006/relationships" xmlns:p="http://schemas.openxmlformats.org/presentationml/2006/main">
   <p:cSld>
     <p:spTree>
@@ -12038,7 +12372,7 @@
 </p:sld>
 </file>
 
-<file path=ppt/slides/slide23.xml><?xml version="1.0" encoding="utf-8"?>
+<file path=ppt/slides/slide24.xml><?xml version="1.0" encoding="utf-8"?>
 <p:sld xmlns:a="http://schemas.openxmlformats.org/drawingml/2006/main" xmlns:r="http://schemas.openxmlformats.org/officeDocument/2006/relationships" xmlns:p="http://schemas.openxmlformats.org/presentationml/2006/main">
   <p:cSld>
     <p:spTree>
@@ -12173,7 +12507,7 @@
 </p:sld>
 </file>
 
-<file path=ppt/slides/slide24.xml><?xml version="1.0" encoding="utf-8"?>
+<file path=ppt/slides/slide25.xml><?xml version="1.0" encoding="utf-8"?>
 <p:sld xmlns:a="http://schemas.openxmlformats.org/drawingml/2006/main" xmlns:r="http://schemas.openxmlformats.org/officeDocument/2006/relationships" xmlns:p="http://schemas.openxmlformats.org/presentationml/2006/main">
   <p:cSld>
     <p:spTree>
@@ -12301,7 +12635,7 @@
 </p:sld>
 </file>
 
-<file path=ppt/slides/slide25.xml><?xml version="1.0" encoding="utf-8"?>
+<file path=ppt/slides/slide26.xml><?xml version="1.0" encoding="utf-8"?>
 <p:sld xmlns:a="http://schemas.openxmlformats.org/drawingml/2006/main" xmlns:r="http://schemas.openxmlformats.org/officeDocument/2006/relationships" xmlns:p="http://schemas.openxmlformats.org/presentationml/2006/main">
   <p:cSld>
     <p:spTree>
@@ -12548,7 +12882,7 @@
 </p:sld>
 </file>
 
-<file path=ppt/slides/slide26.xml><?xml version="1.0" encoding="utf-8"?>
+<file path=ppt/slides/slide27.xml><?xml version="1.0" encoding="utf-8"?>
 <p:sld xmlns:a="http://schemas.openxmlformats.org/drawingml/2006/main" xmlns:r="http://schemas.openxmlformats.org/officeDocument/2006/relationships" xmlns:p="http://schemas.openxmlformats.org/presentationml/2006/main">
   <p:cSld>
     <p:spTree>
@@ -12691,7 +13025,7 @@
 </p:sld>
 </file>
 
-<file path=ppt/slides/slide27.xml><?xml version="1.0" encoding="utf-8"?>
+<file path=ppt/slides/slide28.xml><?xml version="1.0" encoding="utf-8"?>
 <p:sld xmlns:a="http://schemas.openxmlformats.org/drawingml/2006/main" xmlns:r="http://schemas.openxmlformats.org/officeDocument/2006/relationships" xmlns:p="http://schemas.openxmlformats.org/presentationml/2006/main">
   <p:cSld>
     <p:spTree>
@@ -12834,7 +13168,7 @@
 </p:sld>
 </file>
 
-<file path=ppt/slides/slide28.xml><?xml version="1.0" encoding="utf-8"?>
+<file path=ppt/slides/slide29.xml><?xml version="1.0" encoding="utf-8"?>
 <p:sld xmlns:a="http://schemas.openxmlformats.org/drawingml/2006/main" xmlns:r="http://schemas.openxmlformats.org/officeDocument/2006/relationships" xmlns:p="http://schemas.openxmlformats.org/presentationml/2006/main">
   <p:cSld>
     <p:spTree>
@@ -12968,130 +13302,6 @@
     <p:extLst>
       <p:ext uri="{BB962C8B-B14F-4D97-AF65-F5344CB8AC3E}">
         <p14:creationId xmlns:p14="http://schemas.microsoft.com/office/powerpoint/2010/main" val="3121474419"/>
-      </p:ext>
-    </p:extLst>
-  </p:cSld>
-  <p:clrMapOvr>
-    <a:masterClrMapping/>
-  </p:clrMapOvr>
-</p:sld>
-</file>
-
-<file path=ppt/slides/slide29.xml><?xml version="1.0" encoding="utf-8"?>
-<p:sld xmlns:a="http://schemas.openxmlformats.org/drawingml/2006/main" xmlns:r="http://schemas.openxmlformats.org/officeDocument/2006/relationships" xmlns:p="http://schemas.openxmlformats.org/presentationml/2006/main">
-  <p:cSld>
-    <p:spTree>
-      <p:nvGrpSpPr>
-        <p:cNvPr id="1" name=""/>
-        <p:cNvGrpSpPr/>
-        <p:nvPr/>
-      </p:nvGrpSpPr>
-      <p:grpSpPr>
-        <a:xfrm>
-          <a:off x="0" y="0"/>
-          <a:ext cx="0" cy="0"/>
-          <a:chOff x="0" y="0"/>
-          <a:chExt cx="0" cy="0"/>
-        </a:xfrm>
-      </p:grpSpPr>
-      <p:sp>
-        <p:nvSpPr>
-          <p:cNvPr id="4" name="Title 3"/>
-          <p:cNvSpPr>
-            <a:spLocks noGrp="1"/>
-          </p:cNvSpPr>
-          <p:nvPr>
-            <p:ph type="title"/>
-          </p:nvPr>
-        </p:nvSpPr>
-        <p:spPr>
-          <a:xfrm>
-            <a:off x="466579" y="240325"/>
-            <a:ext cx="11714536" cy="441082"/>
-          </a:xfrm>
-        </p:spPr>
-        <p:txBody>
-          <a:bodyPr/>
-          <a:lstStyle/>
-          <a:p>
-            <a:r>
-              <a:rPr lang="en-US" sz="3200" dirty="0">
-                <a:latin typeface="Calibri" panose="020F0502020204030204" pitchFamily="34" charset="0"/>
-                <a:cs typeface="Calibri" panose="020F0502020204030204" pitchFamily="34" charset="0"/>
-              </a:rPr>
-              <a:t>7. Model Training</a:t>
-            </a:r>
-          </a:p>
-        </p:txBody>
-      </p:sp>
-      <p:sp>
-        <p:nvSpPr>
-          <p:cNvPr id="5" name="Content Placeholder 2"/>
-          <p:cNvSpPr>
-            <a:spLocks noGrp="1"/>
-          </p:cNvSpPr>
-          <p:nvPr>
-            <p:ph idx="1"/>
-          </p:nvPr>
-        </p:nvSpPr>
-        <p:spPr>
-          <a:xfrm>
-            <a:off x="477464" y="1044421"/>
-            <a:ext cx="11714536" cy="5813579"/>
-          </a:xfrm>
-        </p:spPr>
-        <p:txBody>
-          <a:bodyPr/>
-          <a:lstStyle/>
-          <a:p>
-            <a:pPr>
-              <a:buFont typeface="Arial" panose="020B0604020202020204" pitchFamily="34" charset="0"/>
-              <a:buChar char="•"/>
-            </a:pPr>
-            <a:r>
-              <a:rPr lang="en-US" dirty="0">
-                <a:latin typeface="Calibri" panose="020F0502020204030204" pitchFamily="34" charset="0"/>
-                <a:cs typeface="Calibri" panose="020F0502020204030204" pitchFamily="34" charset="0"/>
-              </a:rPr>
-              <a:t>Train model on the training data</a:t>
-            </a:r>
-          </a:p>
-        </p:txBody>
-      </p:sp>
-      <p:pic>
-        <p:nvPicPr>
-          <p:cNvPr id="3" name="Picture 2">
-            <a:extLst>
-              <a:ext uri="{FF2B5EF4-FFF2-40B4-BE49-F238E27FC236}">
-                <a16:creationId xmlns:a16="http://schemas.microsoft.com/office/drawing/2014/main" id="{B382E5CB-33CD-23DC-93C3-8A60892F751E}"/>
-              </a:ext>
-            </a:extLst>
-          </p:cNvPr>
-          <p:cNvPicPr>
-            <a:picLocks noChangeAspect="1"/>
-          </p:cNvPicPr>
-          <p:nvPr/>
-        </p:nvPicPr>
-        <p:blipFill>
-          <a:blip r:embed="rId3"/>
-          <a:stretch>
-            <a:fillRect/>
-          </a:stretch>
-        </p:blipFill>
-        <p:spPr>
-          <a:xfrm>
-            <a:off x="1731445" y="1725210"/>
-            <a:ext cx="8729109" cy="4286100"/>
-          </a:xfrm>
-          <a:prstGeom prst="rect">
-            <a:avLst/>
-          </a:prstGeom>
-        </p:spPr>
-      </p:pic>
-    </p:spTree>
-    <p:extLst>
-      <p:ext uri="{BB962C8B-B14F-4D97-AF65-F5344CB8AC3E}">
-        <p14:creationId xmlns:p14="http://schemas.microsoft.com/office/powerpoint/2010/main" val="2299120418"/>
       </p:ext>
     </p:extLst>
   </p:cSld>
@@ -13364,6 +13574,130 @@
                 <a:latin typeface="Calibri" panose="020F0502020204030204" pitchFamily="34" charset="0"/>
                 <a:cs typeface="Calibri" panose="020F0502020204030204" pitchFamily="34" charset="0"/>
               </a:rPr>
+              <a:t>Train model on the training data</a:t>
+            </a:r>
+          </a:p>
+        </p:txBody>
+      </p:sp>
+      <p:pic>
+        <p:nvPicPr>
+          <p:cNvPr id="3" name="Picture 2">
+            <a:extLst>
+              <a:ext uri="{FF2B5EF4-FFF2-40B4-BE49-F238E27FC236}">
+                <a16:creationId xmlns:a16="http://schemas.microsoft.com/office/drawing/2014/main" id="{B382E5CB-33CD-23DC-93C3-8A60892F751E}"/>
+              </a:ext>
+            </a:extLst>
+          </p:cNvPr>
+          <p:cNvPicPr>
+            <a:picLocks noChangeAspect="1"/>
+          </p:cNvPicPr>
+          <p:nvPr/>
+        </p:nvPicPr>
+        <p:blipFill>
+          <a:blip r:embed="rId3"/>
+          <a:stretch>
+            <a:fillRect/>
+          </a:stretch>
+        </p:blipFill>
+        <p:spPr>
+          <a:xfrm>
+            <a:off x="1731445" y="1725210"/>
+            <a:ext cx="8729109" cy="4286100"/>
+          </a:xfrm>
+          <a:prstGeom prst="rect">
+            <a:avLst/>
+          </a:prstGeom>
+        </p:spPr>
+      </p:pic>
+    </p:spTree>
+    <p:extLst>
+      <p:ext uri="{BB962C8B-B14F-4D97-AF65-F5344CB8AC3E}">
+        <p14:creationId xmlns:p14="http://schemas.microsoft.com/office/powerpoint/2010/main" val="2299120418"/>
+      </p:ext>
+    </p:extLst>
+  </p:cSld>
+  <p:clrMapOvr>
+    <a:masterClrMapping/>
+  </p:clrMapOvr>
+</p:sld>
+</file>
+
+<file path=ppt/slides/slide31.xml><?xml version="1.0" encoding="utf-8"?>
+<p:sld xmlns:a="http://schemas.openxmlformats.org/drawingml/2006/main" xmlns:r="http://schemas.openxmlformats.org/officeDocument/2006/relationships" xmlns:p="http://schemas.openxmlformats.org/presentationml/2006/main">
+  <p:cSld>
+    <p:spTree>
+      <p:nvGrpSpPr>
+        <p:cNvPr id="1" name=""/>
+        <p:cNvGrpSpPr/>
+        <p:nvPr/>
+      </p:nvGrpSpPr>
+      <p:grpSpPr>
+        <a:xfrm>
+          <a:off x="0" y="0"/>
+          <a:ext cx="0" cy="0"/>
+          <a:chOff x="0" y="0"/>
+          <a:chExt cx="0" cy="0"/>
+        </a:xfrm>
+      </p:grpSpPr>
+      <p:sp>
+        <p:nvSpPr>
+          <p:cNvPr id="4" name="Title 3"/>
+          <p:cNvSpPr>
+            <a:spLocks noGrp="1"/>
+          </p:cNvSpPr>
+          <p:nvPr>
+            <p:ph type="title"/>
+          </p:nvPr>
+        </p:nvSpPr>
+        <p:spPr>
+          <a:xfrm>
+            <a:off x="466579" y="240325"/>
+            <a:ext cx="11714536" cy="441082"/>
+          </a:xfrm>
+        </p:spPr>
+        <p:txBody>
+          <a:bodyPr/>
+          <a:lstStyle/>
+          <a:p>
+            <a:r>
+              <a:rPr lang="en-US" sz="3200" dirty="0">
+                <a:latin typeface="Calibri" panose="020F0502020204030204" pitchFamily="34" charset="0"/>
+                <a:cs typeface="Calibri" panose="020F0502020204030204" pitchFamily="34" charset="0"/>
+              </a:rPr>
+              <a:t>7. Model Training</a:t>
+            </a:r>
+          </a:p>
+        </p:txBody>
+      </p:sp>
+      <p:sp>
+        <p:nvSpPr>
+          <p:cNvPr id="5" name="Content Placeholder 2"/>
+          <p:cNvSpPr>
+            <a:spLocks noGrp="1"/>
+          </p:cNvSpPr>
+          <p:nvPr>
+            <p:ph idx="1"/>
+          </p:nvPr>
+        </p:nvSpPr>
+        <p:spPr>
+          <a:xfrm>
+            <a:off x="477464" y="1044421"/>
+            <a:ext cx="11714536" cy="5813579"/>
+          </a:xfrm>
+        </p:spPr>
+        <p:txBody>
+          <a:bodyPr/>
+          <a:lstStyle/>
+          <a:p>
+            <a:pPr>
+              <a:buFont typeface="Arial" panose="020B0604020202020204" pitchFamily="34" charset="0"/>
+              <a:buChar char="•"/>
+            </a:pPr>
+            <a:r>
+              <a:rPr lang="en-US" dirty="0">
+                <a:latin typeface="Calibri" panose="020F0502020204030204" pitchFamily="34" charset="0"/>
+                <a:cs typeface="Calibri" panose="020F0502020204030204" pitchFamily="34" charset="0"/>
+              </a:rPr>
               <a:t>Monitor performance on the validation set</a:t>
             </a:r>
           </a:p>
@@ -13412,7 +13746,7 @@
 </p:sld>
 </file>
 
-<file path=ppt/slides/slide31.xml><?xml version="1.0" encoding="utf-8"?>
+<file path=ppt/slides/slide32.xml><?xml version="1.0" encoding="utf-8"?>
 <p:sld xmlns:a="http://schemas.openxmlformats.org/drawingml/2006/main" xmlns:r="http://schemas.openxmlformats.org/officeDocument/2006/relationships" xmlns:p="http://schemas.openxmlformats.org/presentationml/2006/main">
   <p:cSld>
     <p:spTree>
@@ -13536,7 +13870,7 @@
 </p:sld>
 </file>
 
-<file path=ppt/slides/slide32.xml><?xml version="1.0" encoding="utf-8"?>
+<file path=ppt/slides/slide33.xml><?xml version="1.0" encoding="utf-8"?>
 <p:sld xmlns:a="http://schemas.openxmlformats.org/drawingml/2006/main" xmlns:r="http://schemas.openxmlformats.org/officeDocument/2006/relationships" xmlns:p="http://schemas.openxmlformats.org/presentationml/2006/main">
   <p:cSld>
     <p:spTree>
@@ -13660,7 +13994,7 @@
 </p:sld>
 </file>
 
-<file path=ppt/slides/slide33.xml><?xml version="1.0" encoding="utf-8"?>
+<file path=ppt/slides/slide34.xml><?xml version="1.0" encoding="utf-8"?>
 <p:sld xmlns:a="http://schemas.openxmlformats.org/drawingml/2006/main" xmlns:r="http://schemas.openxmlformats.org/officeDocument/2006/relationships" xmlns:p="http://schemas.openxmlformats.org/presentationml/2006/main">
   <p:cSld>
     <p:spTree>
@@ -13784,100 +14118,6 @@
 </p:sld>
 </file>
 
-<file path=ppt/slides/slide34.xml><?xml version="1.0" encoding="utf-8"?>
-<p:sld xmlns:a="http://schemas.openxmlformats.org/drawingml/2006/main" xmlns:r="http://schemas.openxmlformats.org/officeDocument/2006/relationships" xmlns:p="http://schemas.openxmlformats.org/presentationml/2006/main">
-  <p:cSld>
-    <p:spTree>
-      <p:nvGrpSpPr>
-        <p:cNvPr id="1" name=""/>
-        <p:cNvGrpSpPr/>
-        <p:nvPr/>
-      </p:nvGrpSpPr>
-      <p:grpSpPr>
-        <a:xfrm>
-          <a:off x="0" y="0"/>
-          <a:ext cx="0" cy="0"/>
-          <a:chOff x="0" y="0"/>
-          <a:chExt cx="0" cy="0"/>
-        </a:xfrm>
-      </p:grpSpPr>
-      <p:sp>
-        <p:nvSpPr>
-          <p:cNvPr id="4" name="Title 3"/>
-          <p:cNvSpPr>
-            <a:spLocks noGrp="1"/>
-          </p:cNvSpPr>
-          <p:nvPr>
-            <p:ph type="title"/>
-          </p:nvPr>
-        </p:nvSpPr>
-        <p:spPr>
-          <a:xfrm>
-            <a:off x="466579" y="240325"/>
-            <a:ext cx="11714536" cy="441082"/>
-          </a:xfrm>
-        </p:spPr>
-        <p:txBody>
-          <a:bodyPr/>
-          <a:lstStyle/>
-          <a:p>
-            <a:r>
-              <a:rPr lang="en-US" sz="3200" dirty="0">
-                <a:latin typeface="Calibri" panose="020F0502020204030204" pitchFamily="34" charset="0"/>
-                <a:cs typeface="Calibri" panose="020F0502020204030204" pitchFamily="34" charset="0"/>
-              </a:rPr>
-              <a:t>8. Model Evaluation</a:t>
-            </a:r>
-          </a:p>
-        </p:txBody>
-      </p:sp>
-      <p:sp>
-        <p:nvSpPr>
-          <p:cNvPr id="5" name="Content Placeholder 2"/>
-          <p:cNvSpPr>
-            <a:spLocks noGrp="1"/>
-          </p:cNvSpPr>
-          <p:nvPr>
-            <p:ph idx="1"/>
-          </p:nvPr>
-        </p:nvSpPr>
-        <p:spPr>
-          <a:xfrm>
-            <a:off x="477464" y="1044421"/>
-            <a:ext cx="11714536" cy="5813579"/>
-          </a:xfrm>
-        </p:spPr>
-        <p:txBody>
-          <a:bodyPr/>
-          <a:lstStyle/>
-          <a:p>
-            <a:pPr>
-              <a:buFont typeface="Arial" panose="020B0604020202020204" pitchFamily="34" charset="0"/>
-              <a:buChar char="•"/>
-            </a:pPr>
-            <a:r>
-              <a:rPr lang="en-US" dirty="0">
-                <a:latin typeface="Calibri" panose="020F0502020204030204" pitchFamily="34" charset="0"/>
-                <a:cs typeface="Calibri" panose="020F0502020204030204" pitchFamily="34" charset="0"/>
-              </a:rPr>
-              <a:t>Use confusion matrix to understand the errors.</a:t>
-            </a:r>
-          </a:p>
-        </p:txBody>
-      </p:sp>
-    </p:spTree>
-    <p:extLst>
-      <p:ext uri="{BB962C8B-B14F-4D97-AF65-F5344CB8AC3E}">
-        <p14:creationId xmlns:p14="http://schemas.microsoft.com/office/powerpoint/2010/main" val="1462006644"/>
-      </p:ext>
-    </p:extLst>
-  </p:cSld>
-  <p:clrMapOvr>
-    <a:masterClrMapping/>
-  </p:clrMapOvr>
-</p:sld>
-</file>
-
 <file path=ppt/slides/slide35.xml><?xml version="1.0" encoding="utf-8"?>
 <p:sld xmlns:a="http://schemas.openxmlformats.org/drawingml/2006/main" xmlns:r="http://schemas.openxmlformats.org/officeDocument/2006/relationships" xmlns:p="http://schemas.openxmlformats.org/presentationml/2006/main">
   <p:cSld>
@@ -13897,7 +14137,7 @@
       </p:grpSpPr>
       <p:sp>
         <p:nvSpPr>
-          <p:cNvPr id="2" name="Title 1"/>
+          <p:cNvPr id="4" name="Title 3"/>
           <p:cNvSpPr>
             <a:spLocks noGrp="1"/>
           </p:cNvSpPr>
@@ -13920,7 +14160,41 @@
                 <a:latin typeface="Calibri" panose="020F0502020204030204" pitchFamily="34" charset="0"/>
                 <a:cs typeface="Calibri" panose="020F0502020204030204" pitchFamily="34" charset="0"/>
               </a:rPr>
-              <a:t>9. Q&amp;A</a:t>
+              <a:t>8. Model Evaluation</a:t>
+            </a:r>
+          </a:p>
+        </p:txBody>
+      </p:sp>
+      <p:sp>
+        <p:nvSpPr>
+          <p:cNvPr id="5" name="Content Placeholder 2"/>
+          <p:cNvSpPr>
+            <a:spLocks noGrp="1"/>
+          </p:cNvSpPr>
+          <p:nvPr>
+            <p:ph idx="1"/>
+          </p:nvPr>
+        </p:nvSpPr>
+        <p:spPr>
+          <a:xfrm>
+            <a:off x="477464" y="1044421"/>
+            <a:ext cx="11714536" cy="5813579"/>
+          </a:xfrm>
+        </p:spPr>
+        <p:txBody>
+          <a:bodyPr/>
+          <a:lstStyle/>
+          <a:p>
+            <a:pPr>
+              <a:buFont typeface="Arial" panose="020B0604020202020204" pitchFamily="34" charset="0"/>
+              <a:buChar char="•"/>
+            </a:pPr>
+            <a:r>
+              <a:rPr lang="en-US" dirty="0">
+                <a:latin typeface="Calibri" panose="020F0502020204030204" pitchFamily="34" charset="0"/>
+                <a:cs typeface="Calibri" panose="020F0502020204030204" pitchFamily="34" charset="0"/>
+              </a:rPr>
+              <a:t>Use confusion matrix to understand the errors.</a:t>
             </a:r>
           </a:p>
         </p:txBody>
@@ -13928,7 +14202,7 @@
     </p:spTree>
     <p:extLst>
       <p:ext uri="{BB962C8B-B14F-4D97-AF65-F5344CB8AC3E}">
-        <p14:creationId xmlns:p14="http://schemas.microsoft.com/office/powerpoint/2010/main" val="577511265"/>
+        <p14:creationId xmlns:p14="http://schemas.microsoft.com/office/powerpoint/2010/main" val="1462006644"/>
       </p:ext>
     </p:extLst>
   </p:cSld>
@@ -13957,172 +14231,38 @@
       </p:grpSpPr>
       <p:sp>
         <p:nvSpPr>
-          <p:cNvPr id="3" name="TextBox 2"/>
-          <p:cNvSpPr txBox="1">
-            <a:spLocks noChangeArrowheads="1"/>
-          </p:cNvSpPr>
-          <p:nvPr/>
-        </p:nvSpPr>
-        <p:spPr bwMode="auto">
+          <p:cNvPr id="2" name="Title 1"/>
+          <p:cNvSpPr>
+            <a:spLocks noGrp="1"/>
+          </p:cNvSpPr>
+          <p:nvPr>
+            <p:ph type="title"/>
+          </p:nvPr>
+        </p:nvSpPr>
+        <p:spPr>
           <a:xfrm>
-            <a:off x="3870008" y="3069273"/>
-            <a:ext cx="4421187" cy="922337"/>
+            <a:off x="466579" y="240325"/>
+            <a:ext cx="11714536" cy="441082"/>
           </a:xfrm>
-          <a:prstGeom prst="rect">
-            <a:avLst/>
-          </a:prstGeom>
-          <a:noFill/>
-          <a:ln>
-            <a:noFill/>
-          </a:ln>
-          <a:extLst>
-            <a:ext uri="{909E8E84-426E-40DD-AFC4-6F175D3DCCD1}">
-              <a14:hiddenFill xmlns:a14="http://schemas.microsoft.com/office/drawing/2010/main">
-                <a:solidFill>
-                  <a:srgbClr val="FFFFFF"/>
-                </a:solidFill>
-              </a14:hiddenFill>
-            </a:ext>
-            <a:ext uri="{91240B29-F687-4F45-9708-019B960494DF}">
-              <a14:hiddenLine xmlns:a14="http://schemas.microsoft.com/office/drawing/2010/main" w="9525">
-                <a:solidFill>
-                  <a:srgbClr val="000000"/>
-                </a:solidFill>
-                <a:miter lim="800000"/>
-                <a:headEnd/>
-                <a:tailEnd/>
-              </a14:hiddenLine>
-            </a:ext>
-          </a:extLst>
         </p:spPr>
         <p:txBody>
-          <a:bodyPr>
-            <a:spAutoFit/>
-          </a:bodyPr>
-          <a:lstStyle>
-            <a:lvl1pPr>
-              <a:defRPr>
-                <a:solidFill>
-                  <a:schemeClr val="tx1"/>
-                </a:solidFill>
-                <a:latin typeface="Calibri" panose="020F0502020204030204" pitchFamily="34" charset="0"/>
-              </a:defRPr>
-            </a:lvl1pPr>
-            <a:lvl2pPr marL="742950" indent="-285750">
-              <a:defRPr>
-                <a:solidFill>
-                  <a:schemeClr val="tx1"/>
-                </a:solidFill>
-                <a:latin typeface="Calibri" panose="020F0502020204030204" pitchFamily="34" charset="0"/>
-              </a:defRPr>
-            </a:lvl2pPr>
-            <a:lvl3pPr marL="1143000" indent="-228600">
-              <a:defRPr>
-                <a:solidFill>
-                  <a:schemeClr val="tx1"/>
-                </a:solidFill>
-                <a:latin typeface="Calibri" panose="020F0502020204030204" pitchFamily="34" charset="0"/>
-              </a:defRPr>
-            </a:lvl3pPr>
-            <a:lvl4pPr marL="1600200" indent="-228600">
-              <a:defRPr>
-                <a:solidFill>
-                  <a:schemeClr val="tx1"/>
-                </a:solidFill>
-                <a:latin typeface="Calibri" panose="020F0502020204030204" pitchFamily="34" charset="0"/>
-              </a:defRPr>
-            </a:lvl4pPr>
-            <a:lvl5pPr marL="2057400" indent="-228600">
-              <a:defRPr>
-                <a:solidFill>
-                  <a:schemeClr val="tx1"/>
-                </a:solidFill>
-                <a:latin typeface="Calibri" panose="020F0502020204030204" pitchFamily="34" charset="0"/>
-              </a:defRPr>
-            </a:lvl5pPr>
-            <a:lvl6pPr marL="2514600" indent="-228600" fontAlgn="base">
-              <a:spcBef>
-                <a:spcPct val="0"/>
-              </a:spcBef>
-              <a:spcAft>
-                <a:spcPct val="0"/>
-              </a:spcAft>
-              <a:defRPr>
-                <a:solidFill>
-                  <a:schemeClr val="tx1"/>
-                </a:solidFill>
-                <a:latin typeface="Calibri" panose="020F0502020204030204" pitchFamily="34" charset="0"/>
-              </a:defRPr>
-            </a:lvl6pPr>
-            <a:lvl7pPr marL="2971800" indent="-228600" fontAlgn="base">
-              <a:spcBef>
-                <a:spcPct val="0"/>
-              </a:spcBef>
-              <a:spcAft>
-                <a:spcPct val="0"/>
-              </a:spcAft>
-              <a:defRPr>
-                <a:solidFill>
-                  <a:schemeClr val="tx1"/>
-                </a:solidFill>
-                <a:latin typeface="Calibri" panose="020F0502020204030204" pitchFamily="34" charset="0"/>
-              </a:defRPr>
-            </a:lvl7pPr>
-            <a:lvl8pPr marL="3429000" indent="-228600" fontAlgn="base">
-              <a:spcBef>
-                <a:spcPct val="0"/>
-              </a:spcBef>
-              <a:spcAft>
-                <a:spcPct val="0"/>
-              </a:spcAft>
-              <a:defRPr>
-                <a:solidFill>
-                  <a:schemeClr val="tx1"/>
-                </a:solidFill>
-                <a:latin typeface="Calibri" panose="020F0502020204030204" pitchFamily="34" charset="0"/>
-              </a:defRPr>
-            </a:lvl8pPr>
-            <a:lvl9pPr marL="3886200" indent="-228600" fontAlgn="base">
-              <a:spcBef>
-                <a:spcPct val="0"/>
-              </a:spcBef>
-              <a:spcAft>
-                <a:spcPct val="0"/>
-              </a:spcAft>
-              <a:defRPr>
-                <a:solidFill>
-                  <a:schemeClr val="tx1"/>
-                </a:solidFill>
-                <a:latin typeface="Calibri" panose="020F0502020204030204" pitchFamily="34" charset="0"/>
-              </a:defRPr>
-            </a:lvl9pPr>
-          </a:lstStyle>
-          <a:p>
-            <a:pPr eaLnBrk="1" hangingPunct="1">
-              <a:defRPr/>
-            </a:pPr>
-            <a:r>
-              <a:rPr lang="en-US" altLang="en-US" sz="5400" b="1" dirty="0">
-                <a:solidFill>
-                  <a:srgbClr val="00B0F0"/>
-                </a:solidFill>
-                <a:cs typeface="Calibri" panose="020F0502020204030204" pitchFamily="34" charset="0"/>
-              </a:rPr>
-              <a:t>THANK YOU !</a:t>
-            </a:r>
-            <a:endParaRPr lang="en-US" altLang="en-US" sz="5400" dirty="0">
-              <a:solidFill>
-                <a:srgbClr val="00B0F0"/>
-              </a:solidFill>
-              <a:cs typeface="Calibri" panose="020F0502020204030204" pitchFamily="34" charset="0"/>
-            </a:endParaRPr>
+          <a:bodyPr/>
+          <a:lstStyle/>
+          <a:p>
+            <a:r>
+              <a:rPr lang="en-US" sz="3200" dirty="0">
+                <a:latin typeface="Calibri" panose="020F0502020204030204" pitchFamily="34" charset="0"/>
+                <a:cs typeface="Calibri" panose="020F0502020204030204" pitchFamily="34" charset="0"/>
+              </a:rPr>
+              <a:t>9. Q&amp;A</a:t>
+            </a:r>
           </a:p>
         </p:txBody>
       </p:sp>
     </p:spTree>
     <p:extLst>
       <p:ext uri="{BB962C8B-B14F-4D97-AF65-F5344CB8AC3E}">
-        <p14:creationId xmlns:p14="http://schemas.microsoft.com/office/powerpoint/2010/main" val="883376971"/>
+        <p14:creationId xmlns:p14="http://schemas.microsoft.com/office/powerpoint/2010/main" val="577511265"/>
       </p:ext>
     </p:extLst>
   </p:cSld>
@@ -14151,77 +14291,172 @@
       </p:grpSpPr>
       <p:sp>
         <p:nvSpPr>
-          <p:cNvPr id="2" name="Title 1"/>
-          <p:cNvSpPr>
-            <a:spLocks noGrp="1"/>
-          </p:cNvSpPr>
-          <p:nvPr>
-            <p:ph type="title"/>
-          </p:nvPr>
-        </p:nvSpPr>
-        <p:spPr>
+          <p:cNvPr id="3" name="TextBox 2"/>
+          <p:cNvSpPr txBox="1">
+            <a:spLocks noChangeArrowheads="1"/>
+          </p:cNvSpPr>
+          <p:nvPr/>
+        </p:nvSpPr>
+        <p:spPr bwMode="auto">
           <a:xfrm>
-            <a:off x="466579" y="240325"/>
-            <a:ext cx="11714536" cy="441082"/>
-          </a:xfrm>
-        </p:spPr>
-        <p:txBody>
-          <a:bodyPr/>
-          <a:lstStyle/>
-          <a:p>
-            <a:r>
-              <a:rPr lang="en-US" sz="3200" dirty="0">
-                <a:latin typeface="Calibri" panose="020F0502020204030204" pitchFamily="34" charset="0"/>
-                <a:cs typeface="Calibri" panose="020F0502020204030204" pitchFamily="34" charset="0"/>
-              </a:rPr>
-              <a:t>Back Up Slide</a:t>
-            </a:r>
-          </a:p>
-        </p:txBody>
-      </p:sp>
-      <p:sp>
-        <p:nvSpPr>
-          <p:cNvPr id="3" name="TextBox 2">
-            <a:extLst>
-              <a:ext uri="{FF2B5EF4-FFF2-40B4-BE49-F238E27FC236}">
-                <a16:creationId xmlns:a16="http://schemas.microsoft.com/office/drawing/2014/main" id="{63D9B1F7-F9ED-41EB-A437-B8EB4C76F5DB}"/>
-              </a:ext>
-            </a:extLst>
-          </p:cNvPr>
-          <p:cNvSpPr txBox="1"/>
-          <p:nvPr/>
-        </p:nvSpPr>
-        <p:spPr>
-          <a:xfrm>
-            <a:off x="3867751" y="2921168"/>
-            <a:ext cx="4456497" cy="1015663"/>
+            <a:off x="3870008" y="3069273"/>
+            <a:ext cx="4421187" cy="922337"/>
           </a:xfrm>
           <a:prstGeom prst="rect">
             <a:avLst/>
           </a:prstGeom>
           <a:noFill/>
+          <a:ln>
+            <a:noFill/>
+          </a:ln>
+          <a:extLst>
+            <a:ext uri="{909E8E84-426E-40DD-AFC4-6F175D3DCCD1}">
+              <a14:hiddenFill xmlns:a14="http://schemas.microsoft.com/office/drawing/2010/main">
+                <a:solidFill>
+                  <a:srgbClr val="FFFFFF"/>
+                </a:solidFill>
+              </a14:hiddenFill>
+            </a:ext>
+            <a:ext uri="{91240B29-F687-4F45-9708-019B960494DF}">
+              <a14:hiddenLine xmlns:a14="http://schemas.microsoft.com/office/drawing/2010/main" w="9525">
+                <a:solidFill>
+                  <a:srgbClr val="000000"/>
+                </a:solidFill>
+                <a:miter lim="800000"/>
+                <a:headEnd/>
+                <a:tailEnd/>
+              </a14:hiddenLine>
+            </a:ext>
+          </a:extLst>
         </p:spPr>
         <p:txBody>
-          <a:bodyPr wrap="square" rtlCol="0">
+          <a:bodyPr>
             <a:spAutoFit/>
           </a:bodyPr>
-          <a:lstStyle/>
-          <a:p>
-            <a:r>
-              <a:rPr lang="en-US" sz="6000" dirty="0">
-                <a:solidFill>
-                  <a:srgbClr val="2980B9"/>
-                </a:solidFill>
-              </a:rPr>
-              <a:t>Back Up Slide</a:t>
-            </a:r>
+          <a:lstStyle>
+            <a:lvl1pPr>
+              <a:defRPr>
+                <a:solidFill>
+                  <a:schemeClr val="tx1"/>
+                </a:solidFill>
+                <a:latin typeface="Calibri" panose="020F0502020204030204" pitchFamily="34" charset="0"/>
+              </a:defRPr>
+            </a:lvl1pPr>
+            <a:lvl2pPr marL="742950" indent="-285750">
+              <a:defRPr>
+                <a:solidFill>
+                  <a:schemeClr val="tx1"/>
+                </a:solidFill>
+                <a:latin typeface="Calibri" panose="020F0502020204030204" pitchFamily="34" charset="0"/>
+              </a:defRPr>
+            </a:lvl2pPr>
+            <a:lvl3pPr marL="1143000" indent="-228600">
+              <a:defRPr>
+                <a:solidFill>
+                  <a:schemeClr val="tx1"/>
+                </a:solidFill>
+                <a:latin typeface="Calibri" panose="020F0502020204030204" pitchFamily="34" charset="0"/>
+              </a:defRPr>
+            </a:lvl3pPr>
+            <a:lvl4pPr marL="1600200" indent="-228600">
+              <a:defRPr>
+                <a:solidFill>
+                  <a:schemeClr val="tx1"/>
+                </a:solidFill>
+                <a:latin typeface="Calibri" panose="020F0502020204030204" pitchFamily="34" charset="0"/>
+              </a:defRPr>
+            </a:lvl4pPr>
+            <a:lvl5pPr marL="2057400" indent="-228600">
+              <a:defRPr>
+                <a:solidFill>
+                  <a:schemeClr val="tx1"/>
+                </a:solidFill>
+                <a:latin typeface="Calibri" panose="020F0502020204030204" pitchFamily="34" charset="0"/>
+              </a:defRPr>
+            </a:lvl5pPr>
+            <a:lvl6pPr marL="2514600" indent="-228600" fontAlgn="base">
+              <a:spcBef>
+                <a:spcPct val="0"/>
+              </a:spcBef>
+              <a:spcAft>
+                <a:spcPct val="0"/>
+              </a:spcAft>
+              <a:defRPr>
+                <a:solidFill>
+                  <a:schemeClr val="tx1"/>
+                </a:solidFill>
+                <a:latin typeface="Calibri" panose="020F0502020204030204" pitchFamily="34" charset="0"/>
+              </a:defRPr>
+            </a:lvl6pPr>
+            <a:lvl7pPr marL="2971800" indent="-228600" fontAlgn="base">
+              <a:spcBef>
+                <a:spcPct val="0"/>
+              </a:spcBef>
+              <a:spcAft>
+                <a:spcPct val="0"/>
+              </a:spcAft>
+              <a:defRPr>
+                <a:solidFill>
+                  <a:schemeClr val="tx1"/>
+                </a:solidFill>
+                <a:latin typeface="Calibri" panose="020F0502020204030204" pitchFamily="34" charset="0"/>
+              </a:defRPr>
+            </a:lvl7pPr>
+            <a:lvl8pPr marL="3429000" indent="-228600" fontAlgn="base">
+              <a:spcBef>
+                <a:spcPct val="0"/>
+              </a:spcBef>
+              <a:spcAft>
+                <a:spcPct val="0"/>
+              </a:spcAft>
+              <a:defRPr>
+                <a:solidFill>
+                  <a:schemeClr val="tx1"/>
+                </a:solidFill>
+                <a:latin typeface="Calibri" panose="020F0502020204030204" pitchFamily="34" charset="0"/>
+              </a:defRPr>
+            </a:lvl8pPr>
+            <a:lvl9pPr marL="3886200" indent="-228600" fontAlgn="base">
+              <a:spcBef>
+                <a:spcPct val="0"/>
+              </a:spcBef>
+              <a:spcAft>
+                <a:spcPct val="0"/>
+              </a:spcAft>
+              <a:defRPr>
+                <a:solidFill>
+                  <a:schemeClr val="tx1"/>
+                </a:solidFill>
+                <a:latin typeface="Calibri" panose="020F0502020204030204" pitchFamily="34" charset="0"/>
+              </a:defRPr>
+            </a:lvl9pPr>
+          </a:lstStyle>
+          <a:p>
+            <a:pPr eaLnBrk="1" hangingPunct="1">
+              <a:defRPr/>
+            </a:pPr>
+            <a:r>
+              <a:rPr lang="en-US" altLang="en-US" sz="5400" b="1" dirty="0">
+                <a:solidFill>
+                  <a:srgbClr val="00B0F0"/>
+                </a:solidFill>
+                <a:cs typeface="Calibri" panose="020F0502020204030204" pitchFamily="34" charset="0"/>
+              </a:rPr>
+              <a:t>THANK YOU !</a:t>
+            </a:r>
+            <a:endParaRPr lang="en-US" altLang="en-US" sz="5400" dirty="0">
+              <a:solidFill>
+                <a:srgbClr val="00B0F0"/>
+              </a:solidFill>
+              <a:cs typeface="Calibri" panose="020F0502020204030204" pitchFamily="34" charset="0"/>
+            </a:endParaRPr>
           </a:p>
         </p:txBody>
       </p:sp>
     </p:spTree>
     <p:extLst>
       <p:ext uri="{BB962C8B-B14F-4D97-AF65-F5344CB8AC3E}">
-        <p14:creationId xmlns:p14="http://schemas.microsoft.com/office/powerpoint/2010/main" val="2499661400"/>
+        <p14:creationId xmlns:p14="http://schemas.microsoft.com/office/powerpoint/2010/main" val="883376971"/>
       </p:ext>
     </p:extLst>
   </p:cSld>
@@ -14250,7 +14485,7 @@
       </p:grpSpPr>
       <p:sp>
         <p:nvSpPr>
-          <p:cNvPr id="4" name="Title 3"/>
+          <p:cNvPr id="2" name="Title 1"/>
           <p:cNvSpPr>
             <a:spLocks noGrp="1"/>
           </p:cNvSpPr>
@@ -14273,164 +14508,54 @@
                 <a:latin typeface="Calibri" panose="020F0502020204030204" pitchFamily="34" charset="0"/>
                 <a:cs typeface="Calibri" panose="020F0502020204030204" pitchFamily="34" charset="0"/>
               </a:rPr>
-              <a:t>Classification vs Sentiment Analysis</a:t>
-            </a:r>
-          </a:p>
-        </p:txBody>
-      </p:sp>
-      <p:sp>
-        <p:nvSpPr>
-          <p:cNvPr id="5" name="Content Placeholder 2"/>
-          <p:cNvSpPr>
-            <a:spLocks noGrp="1"/>
-          </p:cNvSpPr>
-          <p:nvPr>
-            <p:ph idx="1"/>
-          </p:nvPr>
+              <a:t>Back Up Slide</a:t>
+            </a:r>
+          </a:p>
+        </p:txBody>
+      </p:sp>
+      <p:sp>
+        <p:nvSpPr>
+          <p:cNvPr id="3" name="TextBox 2">
+            <a:extLst>
+              <a:ext uri="{FF2B5EF4-FFF2-40B4-BE49-F238E27FC236}">
+                <a16:creationId xmlns:a16="http://schemas.microsoft.com/office/drawing/2014/main" id="{63D9B1F7-F9ED-41EB-A437-B8EB4C76F5DB}"/>
+              </a:ext>
+            </a:extLst>
+          </p:cNvPr>
+          <p:cNvSpPr txBox="1"/>
+          <p:nvPr/>
         </p:nvSpPr>
         <p:spPr>
           <a:xfrm>
-            <a:off x="477464" y="1044421"/>
-            <a:ext cx="11714536" cy="5813579"/>
+            <a:off x="3867751" y="2921168"/>
+            <a:ext cx="4456497" cy="1015663"/>
           </a:xfrm>
+          <a:prstGeom prst="rect">
+            <a:avLst/>
+          </a:prstGeom>
+          <a:noFill/>
         </p:spPr>
         <p:txBody>
-          <a:bodyPr/>
-          <a:lstStyle/>
-          <a:p>
-            <a:pPr>
-              <a:buFont typeface="Arial" panose="020B0604020202020204" pitchFamily="34" charset="0"/>
-              <a:buChar char="•"/>
-            </a:pPr>
-            <a:r>
-              <a:rPr lang="en-US" b="1" i="0" dirty="0">
-                <a:solidFill>
-                  <a:srgbClr val="282829"/>
-                </a:solidFill>
-                <a:effectLst/>
-                <a:latin typeface="Calibri" panose="020F0502020204030204" pitchFamily="34" charset="0"/>
-                <a:cs typeface="Calibri" panose="020F0502020204030204" pitchFamily="34" charset="0"/>
-              </a:rPr>
-              <a:t>Classification</a:t>
-            </a:r>
-            <a:r>
-              <a:rPr lang="en-US" b="0" i="0" dirty="0">
-                <a:solidFill>
-                  <a:srgbClr val="282829"/>
-                </a:solidFill>
-                <a:effectLst/>
-                <a:latin typeface="Calibri" panose="020F0502020204030204" pitchFamily="34" charset="0"/>
-                <a:cs typeface="Calibri" panose="020F0502020204030204" pitchFamily="34" charset="0"/>
-              </a:rPr>
-              <a:t> - Classification is a type of supervised learning where the goal is to predict the </a:t>
-            </a:r>
-            <a:r>
-              <a:rPr lang="en-US" b="0" i="0" dirty="0">
-                <a:solidFill>
-                  <a:srgbClr val="FF0000"/>
-                </a:solidFill>
-                <a:effectLst/>
-                <a:latin typeface="Calibri" panose="020F0502020204030204" pitchFamily="34" charset="0"/>
-                <a:cs typeface="Calibri" panose="020F0502020204030204" pitchFamily="34" charset="0"/>
-              </a:rPr>
-              <a:t>categorical class labels </a:t>
-            </a:r>
-            <a:r>
-              <a:rPr lang="en-US" b="0" i="0" dirty="0">
-                <a:solidFill>
-                  <a:srgbClr val="282829"/>
-                </a:solidFill>
-                <a:effectLst/>
-                <a:latin typeface="Calibri" panose="020F0502020204030204" pitchFamily="34" charset="0"/>
-                <a:cs typeface="Calibri" panose="020F0502020204030204" pitchFamily="34" charset="0"/>
-              </a:rPr>
-              <a:t>of new instances based on past observations. It involves assigning inputs to one of several predefined categories.</a:t>
-            </a:r>
-          </a:p>
-          <a:p>
-            <a:pPr>
-              <a:buFont typeface="Arial" panose="020B0604020202020204" pitchFamily="34" charset="0"/>
-              <a:buChar char="•"/>
-            </a:pPr>
-            <a:r>
-              <a:rPr lang="en-US" sz="2400" b="1" i="0" dirty="0">
-                <a:solidFill>
-                  <a:srgbClr val="282829"/>
-                </a:solidFill>
-                <a:effectLst/>
-                <a:latin typeface="Calibri" panose="020F0502020204030204" pitchFamily="34" charset="0"/>
-                <a:cs typeface="Calibri" panose="020F0502020204030204" pitchFamily="34" charset="0"/>
-              </a:rPr>
-              <a:t>Sentiment </a:t>
-            </a:r>
-            <a:r>
-              <a:rPr lang="en-US" b="1" dirty="0">
-                <a:solidFill>
-                  <a:srgbClr val="282829"/>
-                </a:solidFill>
-                <a:latin typeface="Calibri" panose="020F0502020204030204" pitchFamily="34" charset="0"/>
-                <a:cs typeface="Calibri" panose="020F0502020204030204" pitchFamily="34" charset="0"/>
-              </a:rPr>
-              <a:t>A</a:t>
-            </a:r>
-            <a:r>
-              <a:rPr lang="en-US" sz="2400" b="1" i="0" dirty="0">
-                <a:solidFill>
-                  <a:srgbClr val="282829"/>
-                </a:solidFill>
-                <a:effectLst/>
-                <a:latin typeface="Calibri" panose="020F0502020204030204" pitchFamily="34" charset="0"/>
-                <a:cs typeface="Calibri" panose="020F0502020204030204" pitchFamily="34" charset="0"/>
-              </a:rPr>
-              <a:t>nalysis</a:t>
-            </a:r>
-            <a:r>
-              <a:rPr lang="en-US" sz="2400" b="0" i="0" dirty="0">
-                <a:solidFill>
-                  <a:srgbClr val="282829"/>
-                </a:solidFill>
-                <a:effectLst/>
-                <a:latin typeface="Calibri" panose="020F0502020204030204" pitchFamily="34" charset="0"/>
-                <a:cs typeface="Calibri" panose="020F0502020204030204" pitchFamily="34" charset="0"/>
-              </a:rPr>
-              <a:t> - Sentiment analysis is a subfield of natural language processing (NLP) focused on determining the </a:t>
-            </a:r>
-            <a:r>
-              <a:rPr lang="en-US" sz="2400" b="0" i="0" dirty="0">
-                <a:solidFill>
-                  <a:srgbClr val="FF0000"/>
-                </a:solidFill>
-                <a:effectLst/>
-                <a:latin typeface="Calibri" panose="020F0502020204030204" pitchFamily="34" charset="0"/>
-                <a:cs typeface="Calibri" panose="020F0502020204030204" pitchFamily="34" charset="0"/>
-              </a:rPr>
-              <a:t>sentiment expressed in text</a:t>
-            </a:r>
-            <a:r>
-              <a:rPr lang="en-US" sz="2400" b="0" i="0" dirty="0">
-                <a:solidFill>
-                  <a:srgbClr val="282829"/>
-                </a:solidFill>
-                <a:effectLst/>
-                <a:latin typeface="Calibri" panose="020F0502020204030204" pitchFamily="34" charset="0"/>
-                <a:cs typeface="Calibri" panose="020F0502020204030204" pitchFamily="34" charset="0"/>
-              </a:rPr>
-              <a:t>. It typically involves classifying text into categories such as 'positive', 'negative', or 'neutral'.</a:t>
-            </a:r>
-            <a:endParaRPr lang="en-US" sz="3200" dirty="0">
-              <a:solidFill>
-                <a:srgbClr val="282829"/>
-              </a:solidFill>
-              <a:latin typeface="Calibri" panose="020F0502020204030204" pitchFamily="34" charset="0"/>
-              <a:cs typeface="Calibri" panose="020F0502020204030204" pitchFamily="34" charset="0"/>
-            </a:endParaRPr>
+          <a:bodyPr wrap="square" rtlCol="0">
+            <a:spAutoFit/>
+          </a:bodyPr>
+          <a:lstStyle/>
+          <a:p>
+            <a:r>
+              <a:rPr lang="en-US" sz="6000" dirty="0">
+                <a:solidFill>
+                  <a:srgbClr val="2980B9"/>
+                </a:solidFill>
+              </a:rPr>
+              <a:t>Back Up Slide</a:t>
+            </a:r>
           </a:p>
         </p:txBody>
       </p:sp>
     </p:spTree>
     <p:extLst>
       <p:ext uri="{BB962C8B-B14F-4D97-AF65-F5344CB8AC3E}">
-        <p14:creationId xmlns:p14="http://schemas.microsoft.com/office/powerpoint/2010/main" val="650466616"/>
+        <p14:creationId xmlns:p14="http://schemas.microsoft.com/office/powerpoint/2010/main" val="2499661400"/>
       </p:ext>
     </p:extLst>
   </p:cSld>
@@ -14512,7 +14637,7 @@
               <a:buChar char="•"/>
             </a:pPr>
             <a:r>
-              <a:rPr lang="en-US" sz="2400" b="1" i="0" dirty="0">
+              <a:rPr lang="en-US" b="1" i="0" dirty="0">
                 <a:solidFill>
                   <a:srgbClr val="282829"/>
                 </a:solidFill>
@@ -14523,7 +14648,7 @@
               <a:t>Classification</a:t>
             </a:r>
             <a:r>
-              <a:rPr lang="en-US" sz="2400" b="0" i="0" dirty="0">
+              <a:rPr lang="en-US" b="0" i="0" dirty="0">
                 <a:solidFill>
                   <a:srgbClr val="282829"/>
                 </a:solidFill>
@@ -14531,7 +14656,29 @@
                 <a:latin typeface="Calibri" panose="020F0502020204030204" pitchFamily="34" charset="0"/>
                 <a:cs typeface="Calibri" panose="020F0502020204030204" pitchFamily="34" charset="0"/>
               </a:rPr>
-              <a:t>: This is a broad category in machine learning that involves categorizing data into predefined labels or classes. It can be applied to various types of data such as text, images, numerical data, etc. The primary goal is to predict the category to which a new observation belongs based on a model trained on labeled data.</a:t>
+              <a:t> - Classification is a type of supervised learning where the goal is to predict the </a:t>
+            </a:r>
+            <a:r>
+              <a:rPr lang="en-US" b="0" i="0" dirty="0">
+                <a:solidFill>
+                  <a:srgbClr val="FF0000"/>
+                </a:solidFill>
+                <a:effectLst/>
+                <a:latin typeface="Calibri" panose="020F0502020204030204" pitchFamily="34" charset="0"/>
+                <a:cs typeface="Calibri" panose="020F0502020204030204" pitchFamily="34" charset="0"/>
+              </a:rPr>
+              <a:t>categorical class labels </a:t>
+            </a:r>
+            <a:r>
+              <a:rPr lang="en-US" b="0" i="0" dirty="0">
+                <a:solidFill>
+                  <a:srgbClr val="282829"/>
+                </a:solidFill>
+                <a:effectLst/>
+                <a:latin typeface="Calibri" panose="020F0502020204030204" pitchFamily="34" charset="0"/>
+                <a:cs typeface="Calibri" panose="020F0502020204030204" pitchFamily="34" charset="0"/>
+              </a:rPr>
+              <a:t>of new instances based on past observations. It involves assigning inputs to one of several predefined categories.</a:t>
             </a:r>
           </a:p>
           <a:p>
@@ -14548,7 +14695,28 @@
                 <a:latin typeface="Calibri" panose="020F0502020204030204" pitchFamily="34" charset="0"/>
                 <a:cs typeface="Calibri" panose="020F0502020204030204" pitchFamily="34" charset="0"/>
               </a:rPr>
-              <a:t>Sentiment Analysis</a:t>
+              <a:t>Sentiment </a:t>
+            </a:r>
+            <a:r>
+              <a:rPr lang="en-US" b="1" dirty="0">
+                <a:solidFill>
+                  <a:srgbClr val="282829"/>
+                </a:solidFill>
+                <a:latin typeface="Calibri" panose="020F0502020204030204" pitchFamily="34" charset="0"/>
+                <a:cs typeface="Calibri" panose="020F0502020204030204" pitchFamily="34" charset="0"/>
+              </a:rPr>
+              <a:t>A</a:t>
+            </a:r>
+            <a:r>
+              <a:rPr lang="en-US" sz="2400" b="1" i="0" dirty="0">
+                <a:solidFill>
+                  <a:srgbClr val="282829"/>
+                </a:solidFill>
+                <a:effectLst/>
+                <a:latin typeface="Calibri" panose="020F0502020204030204" pitchFamily="34" charset="0"/>
+                <a:cs typeface="Calibri" panose="020F0502020204030204" pitchFamily="34" charset="0"/>
+              </a:rPr>
+              <a:t>nalysis</a:t>
             </a:r>
             <a:r>
               <a:rPr lang="en-US" sz="2400" b="0" i="0" dirty="0">
@@ -14559,7 +14727,29 @@
                 <a:latin typeface="Calibri" panose="020F0502020204030204" pitchFamily="34" charset="0"/>
                 <a:cs typeface="Calibri" panose="020F0502020204030204" pitchFamily="34" charset="0"/>
               </a:rPr>
-              <a:t>: This is a specialized type of classification specifically focused on text data. The goal is to determine the sentiment expressed in the text, typically categorizing it as positive, negative, or neutral. It deals primarily with understanding emotions, opinions, and attitudes conveyed in written language.</a:t>
+              <a:t> - Sentiment analysis is a subfield of natural language processing (NLP) focused on determining the </a:t>
+            </a:r>
+            <a:r>
+              <a:rPr lang="en-US" sz="2400" b="0" i="0" dirty="0">
+                <a:solidFill>
+                  <a:srgbClr val="FF0000"/>
+                </a:solidFill>
+                <a:effectLst/>
+                <a:latin typeface="Calibri" panose="020F0502020204030204" pitchFamily="34" charset="0"/>
+                <a:cs typeface="Calibri" panose="020F0502020204030204" pitchFamily="34" charset="0"/>
+              </a:rPr>
+              <a:t>sentiment expressed in text</a:t>
+            </a:r>
+            <a:r>
+              <a:rPr lang="en-US" sz="2400" b="0" i="0" dirty="0">
+                <a:solidFill>
+                  <a:srgbClr val="282829"/>
+                </a:solidFill>
+                <a:effectLst/>
+                <a:latin typeface="Calibri" panose="020F0502020204030204" pitchFamily="34" charset="0"/>
+                <a:cs typeface="Calibri" panose="020F0502020204030204" pitchFamily="34" charset="0"/>
+              </a:rPr>
+              <a:t>. It typically involves classifying text into categories such as 'positive', 'negative', or 'neutral'.</a:t>
             </a:r>
             <a:endParaRPr lang="en-US" sz="3200" dirty="0">
               <a:solidFill>
@@ -14574,7 +14764,7 @@
     </p:spTree>
     <p:extLst>
       <p:ext uri="{BB962C8B-B14F-4D97-AF65-F5344CB8AC3E}">
-        <p14:creationId xmlns:p14="http://schemas.microsoft.com/office/powerpoint/2010/main" val="2850094819"/>
+        <p14:creationId xmlns:p14="http://schemas.microsoft.com/office/powerpoint/2010/main" val="650466616"/>
       </p:ext>
     </p:extLst>
   </p:cSld>
@@ -14811,7 +15001,7 @@
                 <a:latin typeface="Calibri" panose="020F0502020204030204" pitchFamily="34" charset="0"/>
                 <a:cs typeface="Calibri" panose="020F0502020204030204" pitchFamily="34" charset="0"/>
               </a:rPr>
-              <a:t>: General task of assigning inputs to categories; applicable to various data types and domains.</a:t>
+              <a:t>: This is a broad category in machine learning that involves categorizing data into predefined labels or classes. It can be applied to various types of data such as text, images, numerical data, etc. The primary goal is to predict the category to which a new observation belongs based on a model trained on labeled data.</a:t>
             </a:r>
           </a:p>
           <a:p>
@@ -14839,7 +15029,7 @@
                 <a:latin typeface="Calibri" panose="020F0502020204030204" pitchFamily="34" charset="0"/>
                 <a:cs typeface="Calibri" panose="020F0502020204030204" pitchFamily="34" charset="0"/>
               </a:rPr>
-              <a:t>: Specialized form of classification focused on determining sentiment in textual data.</a:t>
+              <a:t>: This is a specialized type of classification specifically focused on text data. The goal is to determine the sentiment expressed in the text, typically categorizing it as positive, negative, or neutral. It deals primarily with understanding emotions, opinions, and attitudes conveyed in written language.</a:t>
             </a:r>
             <a:endParaRPr lang="en-US" sz="3200" dirty="0">
               <a:solidFill>
@@ -14854,7 +15044,7 @@
     </p:spTree>
     <p:extLst>
       <p:ext uri="{BB962C8B-B14F-4D97-AF65-F5344CB8AC3E}">
-        <p14:creationId xmlns:p14="http://schemas.microsoft.com/office/powerpoint/2010/main" val="580634757"/>
+        <p14:creationId xmlns:p14="http://schemas.microsoft.com/office/powerpoint/2010/main" val="2850094819"/>
       </p:ext>
     </p:extLst>
   </p:cSld>
@@ -14906,6 +15096,150 @@
                 <a:latin typeface="Calibri" panose="020F0502020204030204" pitchFamily="34" charset="0"/>
                 <a:cs typeface="Calibri" panose="020F0502020204030204" pitchFamily="34" charset="0"/>
               </a:rPr>
+              <a:t>Classification vs Sentiment Analysis</a:t>
+            </a:r>
+          </a:p>
+        </p:txBody>
+      </p:sp>
+      <p:sp>
+        <p:nvSpPr>
+          <p:cNvPr id="5" name="Content Placeholder 2"/>
+          <p:cNvSpPr>
+            <a:spLocks noGrp="1"/>
+          </p:cNvSpPr>
+          <p:nvPr>
+            <p:ph idx="1"/>
+          </p:nvPr>
+        </p:nvSpPr>
+        <p:spPr>
+          <a:xfrm>
+            <a:off x="477464" y="1044421"/>
+            <a:ext cx="11714536" cy="5813579"/>
+          </a:xfrm>
+        </p:spPr>
+        <p:txBody>
+          <a:bodyPr/>
+          <a:lstStyle/>
+          <a:p>
+            <a:pPr>
+              <a:buFont typeface="Arial" panose="020B0604020202020204" pitchFamily="34" charset="0"/>
+              <a:buChar char="•"/>
+            </a:pPr>
+            <a:r>
+              <a:rPr lang="en-US" sz="2400" b="1" i="0" dirty="0">
+                <a:solidFill>
+                  <a:srgbClr val="282829"/>
+                </a:solidFill>
+                <a:effectLst/>
+                <a:latin typeface="Calibri" panose="020F0502020204030204" pitchFamily="34" charset="0"/>
+                <a:cs typeface="Calibri" panose="020F0502020204030204" pitchFamily="34" charset="0"/>
+              </a:rPr>
+              <a:t>Classification</a:t>
+            </a:r>
+            <a:r>
+              <a:rPr lang="en-US" sz="2400" b="0" i="0" dirty="0">
+                <a:solidFill>
+                  <a:srgbClr val="282829"/>
+                </a:solidFill>
+                <a:effectLst/>
+                <a:latin typeface="Calibri" panose="020F0502020204030204" pitchFamily="34" charset="0"/>
+                <a:cs typeface="Calibri" panose="020F0502020204030204" pitchFamily="34" charset="0"/>
+              </a:rPr>
+              <a:t>: General task of assigning inputs to categories; applicable to various data types and domains.</a:t>
+            </a:r>
+          </a:p>
+          <a:p>
+            <a:pPr>
+              <a:buFont typeface="Arial" panose="020B0604020202020204" pitchFamily="34" charset="0"/>
+              <a:buChar char="•"/>
+            </a:pPr>
+            <a:r>
+              <a:rPr lang="en-US" sz="2400" b="1" i="0" dirty="0">
+                <a:solidFill>
+                  <a:srgbClr val="282829"/>
+                </a:solidFill>
+                <a:effectLst/>
+                <a:latin typeface="Calibri" panose="020F0502020204030204" pitchFamily="34" charset="0"/>
+                <a:cs typeface="Calibri" panose="020F0502020204030204" pitchFamily="34" charset="0"/>
+              </a:rPr>
+              <a:t>Sentiment Analysis</a:t>
+            </a:r>
+            <a:r>
+              <a:rPr lang="en-US" sz="2400" b="0" i="0" dirty="0">
+                <a:solidFill>
+                  <a:srgbClr val="282829"/>
+                </a:solidFill>
+                <a:effectLst/>
+                <a:latin typeface="Calibri" panose="020F0502020204030204" pitchFamily="34" charset="0"/>
+                <a:cs typeface="Calibri" panose="020F0502020204030204" pitchFamily="34" charset="0"/>
+              </a:rPr>
+              <a:t>: Specialized form of classification focused on determining sentiment in textual data.</a:t>
+            </a:r>
+            <a:endParaRPr lang="en-US" sz="3200" dirty="0">
+              <a:solidFill>
+                <a:srgbClr val="282829"/>
+              </a:solidFill>
+              <a:latin typeface="Calibri" panose="020F0502020204030204" pitchFamily="34" charset="0"/>
+              <a:cs typeface="Calibri" panose="020F0502020204030204" pitchFamily="34" charset="0"/>
+            </a:endParaRPr>
+          </a:p>
+        </p:txBody>
+      </p:sp>
+    </p:spTree>
+    <p:extLst>
+      <p:ext uri="{BB962C8B-B14F-4D97-AF65-F5344CB8AC3E}">
+        <p14:creationId xmlns:p14="http://schemas.microsoft.com/office/powerpoint/2010/main" val="580634757"/>
+      </p:ext>
+    </p:extLst>
+  </p:cSld>
+  <p:clrMapOvr>
+    <a:masterClrMapping/>
+  </p:clrMapOvr>
+</p:sld>
+</file>
+
+<file path=ppt/slides/slide42.xml><?xml version="1.0" encoding="utf-8"?>
+<p:sld xmlns:a="http://schemas.openxmlformats.org/drawingml/2006/main" xmlns:r="http://schemas.openxmlformats.org/officeDocument/2006/relationships" xmlns:p="http://schemas.openxmlformats.org/presentationml/2006/main">
+  <p:cSld>
+    <p:spTree>
+      <p:nvGrpSpPr>
+        <p:cNvPr id="1" name=""/>
+        <p:cNvGrpSpPr/>
+        <p:nvPr/>
+      </p:nvGrpSpPr>
+      <p:grpSpPr>
+        <a:xfrm>
+          <a:off x="0" y="0"/>
+          <a:ext cx="0" cy="0"/>
+          <a:chOff x="0" y="0"/>
+          <a:chExt cx="0" cy="0"/>
+        </a:xfrm>
+      </p:grpSpPr>
+      <p:sp>
+        <p:nvSpPr>
+          <p:cNvPr id="4" name="Title 3"/>
+          <p:cNvSpPr>
+            <a:spLocks noGrp="1"/>
+          </p:cNvSpPr>
+          <p:nvPr>
+            <p:ph type="title"/>
+          </p:nvPr>
+        </p:nvSpPr>
+        <p:spPr>
+          <a:xfrm>
+            <a:off x="466579" y="240325"/>
+            <a:ext cx="11714536" cy="441082"/>
+          </a:xfrm>
+        </p:spPr>
+        <p:txBody>
+          <a:bodyPr/>
+          <a:lstStyle/>
+          <a:p>
+            <a:r>
+              <a:rPr lang="en-US" sz="3200" dirty="0">
+                <a:latin typeface="Calibri" panose="020F0502020204030204" pitchFamily="34" charset="0"/>
+                <a:cs typeface="Calibri" panose="020F0502020204030204" pitchFamily="34" charset="0"/>
+              </a:rPr>
               <a:t>Classification vs Sentiment analysis</a:t>
             </a:r>
           </a:p>
@@ -15042,7 +15376,7 @@
 </p:sld>
 </file>
 
-<file path=ppt/slides/slide42.xml><?xml version="1.0" encoding="utf-8"?>
+<file path=ppt/slides/slide43.xml><?xml version="1.0" encoding="utf-8"?>
 <p:sld xmlns:a="http://schemas.openxmlformats.org/drawingml/2006/main" xmlns:r="http://schemas.openxmlformats.org/officeDocument/2006/relationships" xmlns:p="http://schemas.openxmlformats.org/presentationml/2006/main">
   <p:cSld>
     <p:spTree>
@@ -15149,7 +15483,7 @@
 </p:sld>
 </file>
 
-<file path=ppt/slides/slide43.xml><?xml version="1.0" encoding="utf-8"?>
+<file path=ppt/slides/slide44.xml><?xml version="1.0" encoding="utf-8"?>
 <p:sld xmlns:a="http://schemas.openxmlformats.org/drawingml/2006/main" xmlns:r="http://schemas.openxmlformats.org/officeDocument/2006/relationships" xmlns:p="http://schemas.openxmlformats.org/presentationml/2006/main">
   <p:cSld>
     <p:spTree>
@@ -15541,7 +15875,7 @@
 </p:sld>
 </file>
 
-<file path=ppt/slides/slide44.xml><?xml version="1.0" encoding="utf-8"?>
+<file path=ppt/slides/slide45.xml><?xml version="1.0" encoding="utf-8"?>
 <p:sld xmlns:a="http://schemas.openxmlformats.org/drawingml/2006/main" xmlns:r="http://schemas.openxmlformats.org/officeDocument/2006/relationships" xmlns:p="http://schemas.openxmlformats.org/presentationml/2006/main">
   <p:cSld>
     <p:spTree>

--- a/Workshop-3_AI Advance Training_Group 80.pptx
+++ b/Workshop-3_AI Advance Training_Group 80.pptx
@@ -10142,6 +10142,18 @@
             </a:r>
           </a:p>
           <a:p>
+            <a:r>
+              <a:rPr lang="vi-VN" sz="1100" dirty="0"/>
+              <a:t>NGUYỄN THỊ TƯỜNG VÂN </a:t>
+            </a:r>
+            <a:r>
+              <a:rPr lang="en-US" sz="1100" dirty="0"/>
+              <a:t>          </a:t>
+            </a:r>
+            <a:r>
+              <a:rPr lang="vi-VN" sz="1100" dirty="0"/>
+              <a:t>050362</a:t>
+            </a:r>
             <a:endParaRPr lang="en-US" sz="1100" dirty="0"/>
           </a:p>
           <a:p>
@@ -11660,8 +11672,8 @@
         </p:nvSpPr>
         <p:spPr>
           <a:xfrm>
-            <a:off x="1074279" y="1044421"/>
-            <a:ext cx="9972662" cy="5171028"/>
+            <a:off x="1125415" y="843486"/>
+            <a:ext cx="9956916" cy="5171028"/>
           </a:xfrm>
         </p:spPr>
         <p:txBody>
@@ -12805,7 +12817,7 @@
             <a:r>
               <a:rPr lang="en-US" sz="2400" b="1" dirty="0">
                 <a:solidFill>
-                  <a:srgbClr val="FF0000"/>
+                  <a:schemeClr val="tx1"/>
                 </a:solidFill>
                 <a:latin typeface="Calibri" panose="020F0502020204030204" pitchFamily="34" charset="0"/>
                 <a:cs typeface="Calibri" panose="020F0502020204030204" pitchFamily="34" charset="0"/>
@@ -12817,7 +12829,24 @@
                 <a:latin typeface="Calibri" panose="020F0502020204030204" pitchFamily="34" charset="0"/>
                 <a:cs typeface="Calibri" panose="020F0502020204030204" pitchFamily="34" charset="0"/>
               </a:rPr>
-              <a:t>/LSTMs: </a:t>
+              <a:t>/</a:t>
+            </a:r>
+            <a:r>
+              <a:rPr lang="en-US" sz="2400" b="1" dirty="0">
+                <a:solidFill>
+                  <a:srgbClr val="00B050"/>
+                </a:solidFill>
+                <a:latin typeface="Calibri" panose="020F0502020204030204" pitchFamily="34" charset="0"/>
+                <a:cs typeface="Calibri" panose="020F0502020204030204" pitchFamily="34" charset="0"/>
+              </a:rPr>
+              <a:t>LSTM</a:t>
+            </a:r>
+            <a:r>
+              <a:rPr lang="en-US" sz="2400" b="1" dirty="0">
+                <a:latin typeface="Calibri" panose="020F0502020204030204" pitchFamily="34" charset="0"/>
+                <a:cs typeface="Calibri" panose="020F0502020204030204" pitchFamily="34" charset="0"/>
+              </a:rPr>
+              <a:t>s: </a:t>
             </a:r>
             <a:r>
               <a:rPr lang="en-US" sz="2400" dirty="0">
@@ -14194,7 +14223,7 @@
                 <a:latin typeface="Calibri" panose="020F0502020204030204" pitchFamily="34" charset="0"/>
                 <a:cs typeface="Calibri" panose="020F0502020204030204" pitchFamily="34" charset="0"/>
               </a:rPr>
-              <a:t>Use confusion matrix to understand the errors.</a:t>
+              <a:t>Use confusion matrix to understand the errors: Refer the notebook</a:t>
             </a:r>
           </a:p>
         </p:txBody>

--- a/Workshop-3_AI Advance Training_Group 80.pptx
+++ b/Workshop-3_AI Advance Training_Group 80.pptx
@@ -5,7 +5,7 @@
     <p:sldMasterId id="2147483666" r:id="rId1"/>
   </p:sldMasterIdLst>
   <p:notesMasterIdLst>
-    <p:notesMasterId r:id="rId47"/>
+    <p:notesMasterId r:id="rId48"/>
   </p:notesMasterIdLst>
   <p:sldIdLst>
     <p:sldId id="257" r:id="rId2"/>
@@ -39,20 +39,21 @@
     <p:sldId id="359" r:id="rId30"/>
     <p:sldId id="340" r:id="rId31"/>
     <p:sldId id="360" r:id="rId32"/>
-    <p:sldId id="341" r:id="rId33"/>
-    <p:sldId id="362" r:id="rId34"/>
-    <p:sldId id="363" r:id="rId35"/>
-    <p:sldId id="361" r:id="rId36"/>
-    <p:sldId id="330" r:id="rId37"/>
-    <p:sldId id="287" r:id="rId38"/>
-    <p:sldId id="350" r:id="rId39"/>
-    <p:sldId id="336" r:id="rId40"/>
-    <p:sldId id="352" r:id="rId41"/>
-    <p:sldId id="351" r:id="rId42"/>
-    <p:sldId id="337" r:id="rId43"/>
-    <p:sldId id="338" r:id="rId44"/>
-    <p:sldId id="342" r:id="rId45"/>
-    <p:sldId id="343" r:id="rId46"/>
+    <p:sldId id="372" r:id="rId33"/>
+    <p:sldId id="341" r:id="rId34"/>
+    <p:sldId id="362" r:id="rId35"/>
+    <p:sldId id="363" r:id="rId36"/>
+    <p:sldId id="361" r:id="rId37"/>
+    <p:sldId id="330" r:id="rId38"/>
+    <p:sldId id="287" r:id="rId39"/>
+    <p:sldId id="350" r:id="rId40"/>
+    <p:sldId id="336" r:id="rId41"/>
+    <p:sldId id="352" r:id="rId42"/>
+    <p:sldId id="351" r:id="rId43"/>
+    <p:sldId id="337" r:id="rId44"/>
+    <p:sldId id="338" r:id="rId45"/>
+    <p:sldId id="342" r:id="rId46"/>
+    <p:sldId id="343" r:id="rId47"/>
   </p:sldIdLst>
   <p:sldSz cx="12192000" cy="6858000"/>
   <p:notesSz cx="6858000" cy="9144000"/>
@@ -3217,7 +3218,7 @@
     </p:spTree>
     <p:extLst>
       <p:ext uri="{BB962C8B-B14F-4D97-AF65-F5344CB8AC3E}">
-        <p14:creationId xmlns:p14="http://schemas.microsoft.com/office/powerpoint/2010/main" val="3577601792"/>
+        <p14:creationId xmlns:p14="http://schemas.microsoft.com/office/powerpoint/2010/main" val="2509484070"/>
       </p:ext>
     </p:extLst>
   </p:cSld>
@@ -3309,7 +3310,7 @@
     </p:spTree>
     <p:extLst>
       <p:ext uri="{BB962C8B-B14F-4D97-AF65-F5344CB8AC3E}">
-        <p14:creationId xmlns:p14="http://schemas.microsoft.com/office/powerpoint/2010/main" val="3533885532"/>
+        <p14:creationId xmlns:p14="http://schemas.microsoft.com/office/powerpoint/2010/main" val="3577601792"/>
       </p:ext>
     </p:extLst>
   </p:cSld>
@@ -3401,7 +3402,7 @@
     </p:spTree>
     <p:extLst>
       <p:ext uri="{BB962C8B-B14F-4D97-AF65-F5344CB8AC3E}">
-        <p14:creationId xmlns:p14="http://schemas.microsoft.com/office/powerpoint/2010/main" val="1765270506"/>
+        <p14:creationId xmlns:p14="http://schemas.microsoft.com/office/powerpoint/2010/main" val="3533885532"/>
       </p:ext>
     </p:extLst>
   </p:cSld>
@@ -3493,7 +3494,7 @@
     </p:spTree>
     <p:extLst>
       <p:ext uri="{BB962C8B-B14F-4D97-AF65-F5344CB8AC3E}">
-        <p14:creationId xmlns:p14="http://schemas.microsoft.com/office/powerpoint/2010/main" val="254500431"/>
+        <p14:creationId xmlns:p14="http://schemas.microsoft.com/office/powerpoint/2010/main" val="1765270506"/>
       </p:ext>
     </p:extLst>
   </p:cSld>
@@ -3585,7 +3586,7 @@
     </p:spTree>
     <p:extLst>
       <p:ext uri="{BB962C8B-B14F-4D97-AF65-F5344CB8AC3E}">
-        <p14:creationId xmlns:p14="http://schemas.microsoft.com/office/powerpoint/2010/main" val="1924526848"/>
+        <p14:creationId xmlns:p14="http://schemas.microsoft.com/office/powerpoint/2010/main" val="254500431"/>
       </p:ext>
     </p:extLst>
   </p:cSld>
@@ -3639,7 +3640,15 @@
           <a:bodyPr/>
           <a:lstStyle/>
           <a:p>
-            <a:endParaRPr lang="en-US" dirty="0"/>
+            <a:endParaRPr lang="en-US" sz="1200" kern="1200" dirty="0">
+              <a:solidFill>
+                <a:schemeClr val="tx1"/>
+              </a:solidFill>
+              <a:effectLst/>
+              <a:latin typeface="+mn-lt"/>
+              <a:ea typeface="+mn-ea"/>
+              <a:cs typeface="+mn-cs"/>
+            </a:endParaRPr>
           </a:p>
         </p:txBody>
       </p:sp>
@@ -3669,7 +3678,7 @@
     </p:spTree>
     <p:extLst>
       <p:ext uri="{BB962C8B-B14F-4D97-AF65-F5344CB8AC3E}">
-        <p14:creationId xmlns:p14="http://schemas.microsoft.com/office/powerpoint/2010/main" val="4196192877"/>
+        <p14:creationId xmlns:p14="http://schemas.microsoft.com/office/powerpoint/2010/main" val="1924526848"/>
       </p:ext>
     </p:extLst>
   </p:cSld>
@@ -3723,15 +3732,7 @@
           <a:bodyPr/>
           <a:lstStyle/>
           <a:p>
-            <a:endParaRPr lang="en-US" sz="1200" kern="1200" dirty="0">
-              <a:solidFill>
-                <a:schemeClr val="tx1"/>
-              </a:solidFill>
-              <a:effectLst/>
-              <a:latin typeface="+mn-lt"/>
-              <a:ea typeface="+mn-ea"/>
-              <a:cs typeface="+mn-cs"/>
-            </a:endParaRPr>
+            <a:endParaRPr lang="en-US" dirty="0"/>
           </a:p>
         </p:txBody>
       </p:sp>
@@ -3761,7 +3762,7 @@
     </p:spTree>
     <p:extLst>
       <p:ext uri="{BB962C8B-B14F-4D97-AF65-F5344CB8AC3E}">
-        <p14:creationId xmlns:p14="http://schemas.microsoft.com/office/powerpoint/2010/main" val="965342572"/>
+        <p14:creationId xmlns:p14="http://schemas.microsoft.com/office/powerpoint/2010/main" val="4196192877"/>
       </p:ext>
     </p:extLst>
   </p:cSld>
@@ -3853,7 +3854,7 @@
     </p:spTree>
     <p:extLst>
       <p:ext uri="{BB962C8B-B14F-4D97-AF65-F5344CB8AC3E}">
-        <p14:creationId xmlns:p14="http://schemas.microsoft.com/office/powerpoint/2010/main" val="3579942779"/>
+        <p14:creationId xmlns:p14="http://schemas.microsoft.com/office/powerpoint/2010/main" val="965342572"/>
       </p:ext>
     </p:extLst>
   </p:cSld>
@@ -4037,7 +4038,7 @@
     </p:spTree>
     <p:extLst>
       <p:ext uri="{BB962C8B-B14F-4D97-AF65-F5344CB8AC3E}">
-        <p14:creationId xmlns:p14="http://schemas.microsoft.com/office/powerpoint/2010/main" val="784555517"/>
+        <p14:creationId xmlns:p14="http://schemas.microsoft.com/office/powerpoint/2010/main" val="3579942779"/>
       </p:ext>
     </p:extLst>
   </p:cSld>
@@ -4129,7 +4130,7 @@
     </p:spTree>
     <p:extLst>
       <p:ext uri="{BB962C8B-B14F-4D97-AF65-F5344CB8AC3E}">
-        <p14:creationId xmlns:p14="http://schemas.microsoft.com/office/powerpoint/2010/main" val="1572697987"/>
+        <p14:creationId xmlns:p14="http://schemas.microsoft.com/office/powerpoint/2010/main" val="784555517"/>
       </p:ext>
     </p:extLst>
   </p:cSld>
@@ -4221,7 +4222,7 @@
     </p:spTree>
     <p:extLst>
       <p:ext uri="{BB962C8B-B14F-4D97-AF65-F5344CB8AC3E}">
-        <p14:creationId xmlns:p14="http://schemas.microsoft.com/office/powerpoint/2010/main" val="3466108817"/>
+        <p14:creationId xmlns:p14="http://schemas.microsoft.com/office/powerpoint/2010/main" val="1572697987"/>
       </p:ext>
     </p:extLst>
   </p:cSld>
@@ -4313,7 +4314,7 @@
     </p:spTree>
     <p:extLst>
       <p:ext uri="{BB962C8B-B14F-4D97-AF65-F5344CB8AC3E}">
-        <p14:creationId xmlns:p14="http://schemas.microsoft.com/office/powerpoint/2010/main" val="632476078"/>
+        <p14:creationId xmlns:p14="http://schemas.microsoft.com/office/powerpoint/2010/main" val="3466108817"/>
       </p:ext>
     </p:extLst>
   </p:cSld>
@@ -4367,108 +4368,15 @@
           <a:bodyPr/>
           <a:lstStyle/>
           <a:p>
-            <a:pPr marL="0" marR="0" lvl="0" indent="0" algn="l" defTabSz="914400" rtl="0" eaLnBrk="1" fontAlgn="auto" latinLnBrk="0" hangingPunct="1">
-              <a:lnSpc>
-                <a:spcPct val="100000"/>
-              </a:lnSpc>
-              <a:spcBef>
-                <a:spcPts val="0"/>
-              </a:spcBef>
-              <a:spcAft>
-                <a:spcPts val="0"/>
-              </a:spcAft>
-              <a:buClrTx/>
-              <a:buSzTx/>
-              <a:buFontTx/>
-              <a:buNone/>
-              <a:tabLst/>
-              <a:defRPr/>
-            </a:pPr>
-            <a:r>
-              <a:rPr lang="en-US" sz="1200" kern="1200" dirty="0">
-                <a:solidFill>
-                  <a:schemeClr val="tx1"/>
-                </a:solidFill>
-                <a:effectLst/>
-                <a:latin typeface="+mn-lt"/>
-                <a:ea typeface="+mn-ea"/>
-                <a:cs typeface="+mn-cs"/>
-              </a:rPr>
-              <a:t>https://viblo.asia/p/so-luoc-word-embedding-gDVK2RAeKLj</a:t>
-            </a:r>
-          </a:p>
-          <a:p>
-            <a:pPr marL="0" marR="0" lvl="0" indent="0" algn="l" defTabSz="914400" rtl="0" eaLnBrk="1" fontAlgn="auto" latinLnBrk="0" hangingPunct="1">
-              <a:lnSpc>
-                <a:spcPct val="100000"/>
-              </a:lnSpc>
-              <a:spcBef>
-                <a:spcPts val="0"/>
-              </a:spcBef>
-              <a:spcAft>
-                <a:spcPts val="0"/>
-              </a:spcAft>
-              <a:buClrTx/>
-              <a:buSzTx/>
-              <a:buFontTx/>
-              <a:buNone/>
-              <a:tabLst/>
-              <a:defRPr/>
-            </a:pPr>
-            <a:r>
-              <a:rPr lang="en-US" sz="1200" kern="1200" dirty="0">
-                <a:solidFill>
-                  <a:schemeClr val="tx1"/>
-                </a:solidFill>
-                <a:effectLst/>
-                <a:latin typeface="+mn-lt"/>
-                <a:ea typeface="+mn-ea"/>
-                <a:cs typeface="+mn-cs"/>
-              </a:rPr>
-              <a:t>https://d2l.aivivn.com/chapter_natural-language-processing-pretraining/index_vn.html</a:t>
-            </a:r>
-          </a:p>
-          <a:p>
-            <a:r>
-              <a:rPr lang="en-US" sz="1200" kern="1200" dirty="0">
-                <a:solidFill>
-                  <a:schemeClr val="tx1"/>
-                </a:solidFill>
-                <a:effectLst/>
-                <a:latin typeface="+mn-lt"/>
-                <a:ea typeface="+mn-ea"/>
-                <a:cs typeface="+mn-cs"/>
-              </a:rPr>
-              <a:t>https://www.geeksforgeeks.org/word-embedding-techniques-in-nlp/</a:t>
-            </a:r>
-          </a:p>
-          <a:p>
-            <a:r>
-              <a:rPr lang="en-US" sz="1200" kern="1200" dirty="0">
-                <a:solidFill>
-                  <a:schemeClr val="tx1"/>
-                </a:solidFill>
-                <a:effectLst/>
-                <a:latin typeface="+mn-lt"/>
-                <a:ea typeface="+mn-ea"/>
-                <a:cs typeface="+mn-cs"/>
-              </a:rPr>
-              <a:t>https://scikit-learn.org/stable/modules/generated/sklearn.feature_extraction.text.CountVectorizer.html</a:t>
-            </a:r>
-          </a:p>
-          <a:p>
-            <a:r>
-              <a:rPr lang="en-US" sz="1200" kern="1200" dirty="0">
-                <a:solidFill>
-                  <a:schemeClr val="tx1"/>
-                </a:solidFill>
-                <a:effectLst/>
-                <a:latin typeface="+mn-lt"/>
-                <a:ea typeface="+mn-ea"/>
-                <a:cs typeface="+mn-cs"/>
-              </a:rPr>
-              <a:t>https://scikit-learn.org/stable/modules/generated/sklearn.feature_extraction.text.TfidfVectorizer.html</a:t>
-            </a:r>
+            <a:endParaRPr lang="en-US" sz="1200" kern="1200" dirty="0">
+              <a:solidFill>
+                <a:schemeClr val="tx1"/>
+              </a:solidFill>
+              <a:effectLst/>
+              <a:latin typeface="+mn-lt"/>
+              <a:ea typeface="+mn-ea"/>
+              <a:cs typeface="+mn-cs"/>
+            </a:endParaRPr>
           </a:p>
         </p:txBody>
       </p:sp>
@@ -4498,7 +4406,7 @@
     </p:spTree>
     <p:extLst>
       <p:ext uri="{BB962C8B-B14F-4D97-AF65-F5344CB8AC3E}">
-        <p14:creationId xmlns:p14="http://schemas.microsoft.com/office/powerpoint/2010/main" val="1328873860"/>
+        <p14:creationId xmlns:p14="http://schemas.microsoft.com/office/powerpoint/2010/main" val="632476078"/>
       </p:ext>
     </p:extLst>
   </p:cSld>
@@ -4579,10 +4487,27 @@
                 <a:ea typeface="+mn-ea"/>
                 <a:cs typeface="+mn-cs"/>
               </a:rPr>
-              <a:t>https://d2l.aivivn.com/chapter_natural-language-processing-pretraining/index_vn.html</a:t>
-            </a:r>
-          </a:p>
-          <a:p>
+              <a:t>https://viblo.asia/p/so-luoc-word-embedding-gDVK2RAeKLj</a:t>
+            </a:r>
+          </a:p>
+          <a:p>
+            <a:pPr marL="0" marR="0" lvl="0" indent="0" algn="l" defTabSz="914400" rtl="0" eaLnBrk="1" fontAlgn="auto" latinLnBrk="0" hangingPunct="1">
+              <a:lnSpc>
+                <a:spcPct val="100000"/>
+              </a:lnSpc>
+              <a:spcBef>
+                <a:spcPts val="0"/>
+              </a:spcBef>
+              <a:spcAft>
+                <a:spcPts val="0"/>
+              </a:spcAft>
+              <a:buClrTx/>
+              <a:buSzTx/>
+              <a:buFontTx/>
+              <a:buNone/>
+              <a:tabLst/>
+              <a:defRPr/>
+            </a:pPr>
             <a:r>
               <a:rPr lang="en-US" sz="1200" kern="1200" dirty="0">
                 <a:solidFill>
@@ -4593,7 +4518,7 @@
                 <a:ea typeface="+mn-ea"/>
                 <a:cs typeface="+mn-cs"/>
               </a:rPr>
-              <a:t>https://viblo.asia/p/so-luoc-word-embedding-gDVK2RAeKLj</a:t>
+              <a:t>https://d2l.aivivn.com/chapter_natural-language-processing-pretraining/index_vn.html</a:t>
             </a:r>
           </a:p>
           <a:p>
@@ -4610,6 +4535,34 @@
               <a:t>https://www.geeksforgeeks.org/word-embedding-techniques-in-nlp/</a:t>
             </a:r>
           </a:p>
+          <a:p>
+            <a:r>
+              <a:rPr lang="en-US" sz="1200" kern="1200" dirty="0">
+                <a:solidFill>
+                  <a:schemeClr val="tx1"/>
+                </a:solidFill>
+                <a:effectLst/>
+                <a:latin typeface="+mn-lt"/>
+                <a:ea typeface="+mn-ea"/>
+                <a:cs typeface="+mn-cs"/>
+              </a:rPr>
+              <a:t>https://scikit-learn.org/stable/modules/generated/sklearn.feature_extraction.text.CountVectorizer.html</a:t>
+            </a:r>
+          </a:p>
+          <a:p>
+            <a:r>
+              <a:rPr lang="en-US" sz="1200" kern="1200" dirty="0">
+                <a:solidFill>
+                  <a:schemeClr val="tx1"/>
+                </a:solidFill>
+                <a:effectLst/>
+                <a:latin typeface="+mn-lt"/>
+                <a:ea typeface="+mn-ea"/>
+                <a:cs typeface="+mn-cs"/>
+              </a:rPr>
+              <a:t>https://scikit-learn.org/stable/modules/generated/sklearn.feature_extraction.text.TfidfVectorizer.html</a:t>
+            </a:r>
+          </a:p>
         </p:txBody>
       </p:sp>
       <p:sp>
@@ -4630,6 +4583,146 @@
             <a:fld id="{B850756A-E1CA-4E5E-8241-A897EE7CB764}" type="slidenum">
               <a:rPr lang="en-US" smtClean="0"/>
               <a:t>45</a:t>
+            </a:fld>
+            <a:endParaRPr lang="en-US"/>
+          </a:p>
+        </p:txBody>
+      </p:sp>
+    </p:spTree>
+    <p:extLst>
+      <p:ext uri="{BB962C8B-B14F-4D97-AF65-F5344CB8AC3E}">
+        <p14:creationId xmlns:p14="http://schemas.microsoft.com/office/powerpoint/2010/main" val="1328873860"/>
+      </p:ext>
+    </p:extLst>
+  </p:cSld>
+  <p:clrMapOvr>
+    <a:masterClrMapping/>
+  </p:clrMapOvr>
+</p:notes>
+</file>
+
+<file path=ppt/notesSlides/notesSlide46.xml><?xml version="1.0" encoding="utf-8"?>
+<p:notes xmlns:a="http://schemas.openxmlformats.org/drawingml/2006/main" xmlns:r="http://schemas.openxmlformats.org/officeDocument/2006/relationships" xmlns:p="http://schemas.openxmlformats.org/presentationml/2006/main">
+  <p:cSld>
+    <p:spTree>
+      <p:nvGrpSpPr>
+        <p:cNvPr id="1" name=""/>
+        <p:cNvGrpSpPr/>
+        <p:nvPr/>
+      </p:nvGrpSpPr>
+      <p:grpSpPr>
+        <a:xfrm>
+          <a:off x="0" y="0"/>
+          <a:ext cx="0" cy="0"/>
+          <a:chOff x="0" y="0"/>
+          <a:chExt cx="0" cy="0"/>
+        </a:xfrm>
+      </p:grpSpPr>
+      <p:sp>
+        <p:nvSpPr>
+          <p:cNvPr id="2" name="Slide Image Placeholder 1"/>
+          <p:cNvSpPr>
+            <a:spLocks noGrp="1" noRot="1" noChangeAspect="1"/>
+          </p:cNvSpPr>
+          <p:nvPr>
+            <p:ph type="sldImg"/>
+          </p:nvPr>
+        </p:nvSpPr>
+        <p:spPr/>
+      </p:sp>
+      <p:sp>
+        <p:nvSpPr>
+          <p:cNvPr id="3" name="Notes Placeholder 2"/>
+          <p:cNvSpPr>
+            <a:spLocks noGrp="1"/>
+          </p:cNvSpPr>
+          <p:nvPr>
+            <p:ph type="body" idx="1"/>
+          </p:nvPr>
+        </p:nvSpPr>
+        <p:spPr/>
+        <p:txBody>
+          <a:bodyPr/>
+          <a:lstStyle/>
+          <a:p>
+            <a:pPr marL="0" marR="0" lvl="0" indent="0" algn="l" defTabSz="914400" rtl="0" eaLnBrk="1" fontAlgn="auto" latinLnBrk="0" hangingPunct="1">
+              <a:lnSpc>
+                <a:spcPct val="100000"/>
+              </a:lnSpc>
+              <a:spcBef>
+                <a:spcPts val="0"/>
+              </a:spcBef>
+              <a:spcAft>
+                <a:spcPts val="0"/>
+              </a:spcAft>
+              <a:buClrTx/>
+              <a:buSzTx/>
+              <a:buFontTx/>
+              <a:buNone/>
+              <a:tabLst/>
+              <a:defRPr/>
+            </a:pPr>
+            <a:r>
+              <a:rPr lang="en-US" sz="1200" kern="1200" dirty="0">
+                <a:solidFill>
+                  <a:schemeClr val="tx1"/>
+                </a:solidFill>
+                <a:effectLst/>
+                <a:latin typeface="+mn-lt"/>
+                <a:ea typeface="+mn-ea"/>
+                <a:cs typeface="+mn-cs"/>
+              </a:rPr>
+              <a:t>https://d2l.aivivn.com/chapter_natural-language-processing-pretraining/index_vn.html</a:t>
+            </a:r>
+          </a:p>
+          <a:p>
+            <a:r>
+              <a:rPr lang="en-US" sz="1200" kern="1200" dirty="0">
+                <a:solidFill>
+                  <a:schemeClr val="tx1"/>
+                </a:solidFill>
+                <a:effectLst/>
+                <a:latin typeface="+mn-lt"/>
+                <a:ea typeface="+mn-ea"/>
+                <a:cs typeface="+mn-cs"/>
+              </a:rPr>
+              <a:t>https://viblo.asia/p/so-luoc-word-embedding-gDVK2RAeKLj</a:t>
+            </a:r>
+          </a:p>
+          <a:p>
+            <a:r>
+              <a:rPr lang="en-US" sz="1200" kern="1200" dirty="0">
+                <a:solidFill>
+                  <a:schemeClr val="tx1"/>
+                </a:solidFill>
+                <a:effectLst/>
+                <a:latin typeface="+mn-lt"/>
+                <a:ea typeface="+mn-ea"/>
+                <a:cs typeface="+mn-cs"/>
+              </a:rPr>
+              <a:t>https://www.geeksforgeeks.org/word-embedding-techniques-in-nlp/</a:t>
+            </a:r>
+          </a:p>
+        </p:txBody>
+      </p:sp>
+      <p:sp>
+        <p:nvSpPr>
+          <p:cNvPr id="4" name="Slide Number Placeholder 3"/>
+          <p:cNvSpPr>
+            <a:spLocks noGrp="1"/>
+          </p:cNvSpPr>
+          <p:nvPr>
+            <p:ph type="sldNum" sz="quarter" idx="10"/>
+          </p:nvPr>
+        </p:nvSpPr>
+        <p:spPr/>
+        <p:txBody>
+          <a:bodyPr/>
+          <a:lstStyle/>
+          <a:p>
+            <a:fld id="{B850756A-E1CA-4E5E-8241-A897EE7CB764}" type="slidenum">
+              <a:rPr lang="en-US" smtClean="0"/>
+              <a:t>46</a:t>
             </a:fld>
             <a:endParaRPr lang="en-US"/>
           </a:p>
@@ -13730,6 +13823,30 @@
               <a:t>Monitor performance on the validation set</a:t>
             </a:r>
           </a:p>
+          <a:p>
+            <a:pPr>
+              <a:buFont typeface="Arial" panose="020B0604020202020204" pitchFamily="34" charset="0"/>
+              <a:buChar char="•"/>
+            </a:pPr>
+            <a:r>
+              <a:rPr lang="en-US" dirty="0">
+                <a:latin typeface="Calibri" panose="020F0502020204030204" pitchFamily="34" charset="0"/>
+                <a:cs typeface="Calibri" panose="020F0502020204030204" pitchFamily="34" charset="0"/>
+              </a:rPr>
+              <a:t>Train data </a:t>
+            </a:r>
+            <a:r>
+              <a:rPr lang="en-US">
+                <a:latin typeface="Calibri" panose="020F0502020204030204" pitchFamily="34" charset="0"/>
+                <a:cs typeface="Calibri" panose="020F0502020204030204" pitchFamily="34" charset="0"/>
+              </a:rPr>
+              <a:t>size 2616:</a:t>
+            </a:r>
+            <a:endParaRPr lang="en-US" dirty="0">
+              <a:latin typeface="Calibri" panose="020F0502020204030204" pitchFamily="34" charset="0"/>
+              <a:cs typeface="Calibri" panose="020F0502020204030204" pitchFamily="34" charset="0"/>
+            </a:endParaRPr>
+          </a:p>
         </p:txBody>
       </p:sp>
       <p:pic>
@@ -13754,7 +13871,7 @@
         </p:blipFill>
         <p:spPr>
           <a:xfrm>
-            <a:off x="1726661" y="1912002"/>
+            <a:off x="2771690" y="2213452"/>
             <a:ext cx="6648620" cy="4078416"/>
           </a:xfrm>
           <a:prstGeom prst="rect">
@@ -13817,7 +13934,7 @@
                 <a:latin typeface="Calibri" panose="020F0502020204030204" pitchFamily="34" charset="0"/>
                 <a:cs typeface="Calibri" panose="020F0502020204030204" pitchFamily="34" charset="0"/>
               </a:rPr>
-              <a:t>8. Model Evaluation</a:t>
+              <a:t>7. Model Training</a:t>
             </a:r>
           </a:p>
         </p:txBody>
@@ -13851,7 +13968,7 @@
                 <a:latin typeface="Calibri" panose="020F0502020204030204" pitchFamily="34" charset="0"/>
                 <a:cs typeface="Calibri" panose="020F0502020204030204" pitchFamily="34" charset="0"/>
               </a:rPr>
-              <a:t>Evaluate model using sample texts</a:t>
+              <a:t>Train data size 24000:</a:t>
             </a:r>
           </a:p>
         </p:txBody>
@@ -13861,7 +13978,7 @@
           <p:cNvPr id="3" name="Picture 2">
             <a:extLst>
               <a:ext uri="{FF2B5EF4-FFF2-40B4-BE49-F238E27FC236}">
-                <a16:creationId xmlns:a16="http://schemas.microsoft.com/office/drawing/2014/main" id="{09F6153E-F028-72BC-8CFC-07D3B54DB1D5}"/>
+                <a16:creationId xmlns:a16="http://schemas.microsoft.com/office/drawing/2014/main" id="{5A7D1A6B-EF11-BB90-E662-30896D0CB78E}"/>
               </a:ext>
             </a:extLst>
           </p:cNvPr>
@@ -13878,8 +13995,162 @@
         </p:blipFill>
         <p:spPr>
           <a:xfrm>
-            <a:off x="0" y="2074703"/>
-            <a:ext cx="12192000" cy="3527860"/>
+            <a:off x="2576021" y="1961945"/>
+            <a:ext cx="7039957" cy="2934109"/>
+          </a:xfrm>
+          <a:prstGeom prst="rect">
+            <a:avLst/>
+          </a:prstGeom>
+        </p:spPr>
+      </p:pic>
+      <p:pic>
+        <p:nvPicPr>
+          <p:cNvPr id="8" name="Picture 7">
+            <a:extLst>
+              <a:ext uri="{FF2B5EF4-FFF2-40B4-BE49-F238E27FC236}">
+                <a16:creationId xmlns:a16="http://schemas.microsoft.com/office/drawing/2014/main" id="{AB775E1D-3B4E-6636-3363-844F5B87FC18}"/>
+              </a:ext>
+            </a:extLst>
+          </p:cNvPr>
+          <p:cNvPicPr>
+            <a:picLocks noChangeAspect="1"/>
+          </p:cNvPicPr>
+          <p:nvPr/>
+        </p:nvPicPr>
+        <p:blipFill>
+          <a:blip r:embed="rId4"/>
+          <a:stretch>
+            <a:fillRect/>
+          </a:stretch>
+        </p:blipFill>
+        <p:spPr>
+          <a:xfrm>
+            <a:off x="2656995" y="1952419"/>
+            <a:ext cx="6878010" cy="2953162"/>
+          </a:xfrm>
+          <a:prstGeom prst="rect">
+            <a:avLst/>
+          </a:prstGeom>
+        </p:spPr>
+      </p:pic>
+    </p:spTree>
+    <p:extLst>
+      <p:ext uri="{BB962C8B-B14F-4D97-AF65-F5344CB8AC3E}">
+        <p14:creationId xmlns:p14="http://schemas.microsoft.com/office/powerpoint/2010/main" val="2110769177"/>
+      </p:ext>
+    </p:extLst>
+  </p:cSld>
+  <p:clrMapOvr>
+    <a:masterClrMapping/>
+  </p:clrMapOvr>
+</p:sld>
+</file>
+
+<file path=ppt/slides/slide33.xml><?xml version="1.0" encoding="utf-8"?>
+<p:sld xmlns:a="http://schemas.openxmlformats.org/drawingml/2006/main" xmlns:r="http://schemas.openxmlformats.org/officeDocument/2006/relationships" xmlns:p="http://schemas.openxmlformats.org/presentationml/2006/main">
+  <p:cSld>
+    <p:spTree>
+      <p:nvGrpSpPr>
+        <p:cNvPr id="1" name=""/>
+        <p:cNvGrpSpPr/>
+        <p:nvPr/>
+      </p:nvGrpSpPr>
+      <p:grpSpPr>
+        <a:xfrm>
+          <a:off x="0" y="0"/>
+          <a:ext cx="0" cy="0"/>
+          <a:chOff x="0" y="0"/>
+          <a:chExt cx="0" cy="0"/>
+        </a:xfrm>
+      </p:grpSpPr>
+      <p:sp>
+        <p:nvSpPr>
+          <p:cNvPr id="4" name="Title 3"/>
+          <p:cNvSpPr>
+            <a:spLocks noGrp="1"/>
+          </p:cNvSpPr>
+          <p:nvPr>
+            <p:ph type="title"/>
+          </p:nvPr>
+        </p:nvSpPr>
+        <p:spPr>
+          <a:xfrm>
+            <a:off x="466579" y="240325"/>
+            <a:ext cx="11714536" cy="441082"/>
+          </a:xfrm>
+        </p:spPr>
+        <p:txBody>
+          <a:bodyPr/>
+          <a:lstStyle/>
+          <a:p>
+            <a:r>
+              <a:rPr lang="en-US" sz="3200" dirty="0">
+                <a:latin typeface="Calibri" panose="020F0502020204030204" pitchFamily="34" charset="0"/>
+                <a:cs typeface="Calibri" panose="020F0502020204030204" pitchFamily="34" charset="0"/>
+              </a:rPr>
+              <a:t>8. Model Evaluation</a:t>
+            </a:r>
+          </a:p>
+        </p:txBody>
+      </p:sp>
+      <p:sp>
+        <p:nvSpPr>
+          <p:cNvPr id="5" name="Content Placeholder 2"/>
+          <p:cNvSpPr>
+            <a:spLocks noGrp="1"/>
+          </p:cNvSpPr>
+          <p:nvPr>
+            <p:ph idx="1"/>
+          </p:nvPr>
+        </p:nvSpPr>
+        <p:spPr>
+          <a:xfrm>
+            <a:off x="477464" y="1044421"/>
+            <a:ext cx="11714536" cy="5813579"/>
+          </a:xfrm>
+        </p:spPr>
+        <p:txBody>
+          <a:bodyPr/>
+          <a:lstStyle/>
+          <a:p>
+            <a:pPr>
+              <a:buFont typeface="Arial" panose="020B0604020202020204" pitchFamily="34" charset="0"/>
+              <a:buChar char="•"/>
+            </a:pPr>
+            <a:r>
+              <a:rPr lang="en-US" dirty="0">
+                <a:latin typeface="Calibri" panose="020F0502020204030204" pitchFamily="34" charset="0"/>
+                <a:cs typeface="Calibri" panose="020F0502020204030204" pitchFamily="34" charset="0"/>
+              </a:rPr>
+              <a:t>Evaluate model using sample texts</a:t>
+            </a:r>
+          </a:p>
+        </p:txBody>
+      </p:sp>
+      <p:pic>
+        <p:nvPicPr>
+          <p:cNvPr id="6" name="Picture 5">
+            <a:extLst>
+              <a:ext uri="{FF2B5EF4-FFF2-40B4-BE49-F238E27FC236}">
+                <a16:creationId xmlns:a16="http://schemas.microsoft.com/office/drawing/2014/main" id="{F3E76B9A-91EE-2CCC-8E7E-A191FE2B0EE2}"/>
+              </a:ext>
+            </a:extLst>
+          </p:cNvPr>
+          <p:cNvPicPr>
+            <a:picLocks noChangeAspect="1"/>
+          </p:cNvPicPr>
+          <p:nvPr/>
+        </p:nvPicPr>
+        <p:blipFill>
+          <a:blip r:embed="rId3"/>
+          <a:stretch>
+            <a:fillRect/>
+          </a:stretch>
+        </p:blipFill>
+        <p:spPr>
+          <a:xfrm>
+            <a:off x="0" y="2028777"/>
+            <a:ext cx="12192000" cy="3443542"/>
           </a:xfrm>
           <a:prstGeom prst="rect">
             <a:avLst/>
@@ -13899,7 +14170,7 @@
 </p:sld>
 </file>
 
-<file path=ppt/slides/slide33.xml><?xml version="1.0" encoding="utf-8"?>
+<file path=ppt/slides/slide34.xml><?xml version="1.0" encoding="utf-8"?>
 <p:sld xmlns:a="http://schemas.openxmlformats.org/drawingml/2006/main" xmlns:r="http://schemas.openxmlformats.org/officeDocument/2006/relationships" xmlns:p="http://schemas.openxmlformats.org/presentationml/2006/main">
   <p:cSld>
     <p:spTree>
@@ -14010,6 +14281,36 @@
           </a:prstGeom>
         </p:spPr>
       </p:pic>
+      <p:pic>
+        <p:nvPicPr>
+          <p:cNvPr id="3" name="Picture 2">
+            <a:extLst>
+              <a:ext uri="{FF2B5EF4-FFF2-40B4-BE49-F238E27FC236}">
+                <a16:creationId xmlns:a16="http://schemas.microsoft.com/office/drawing/2014/main" id="{B108B0A2-F68D-0A8A-6FEB-59079D1B11C4}"/>
+              </a:ext>
+            </a:extLst>
+          </p:cNvPr>
+          <p:cNvPicPr>
+            <a:picLocks noChangeAspect="1"/>
+          </p:cNvPicPr>
+          <p:nvPr/>
+        </p:nvPicPr>
+        <p:blipFill>
+          <a:blip r:embed="rId4"/>
+          <a:stretch>
+            <a:fillRect/>
+          </a:stretch>
+        </p:blipFill>
+        <p:spPr>
+          <a:xfrm>
+            <a:off x="142043" y="1722049"/>
+            <a:ext cx="11907912" cy="4458322"/>
+          </a:xfrm>
+          <a:prstGeom prst="rect">
+            <a:avLst/>
+          </a:prstGeom>
+        </p:spPr>
+      </p:pic>
     </p:spTree>
     <p:extLst>
       <p:ext uri="{BB962C8B-B14F-4D97-AF65-F5344CB8AC3E}">
@@ -14023,7 +14324,7 @@
 </p:sld>
 </file>
 
-<file path=ppt/slides/slide34.xml><?xml version="1.0" encoding="utf-8"?>
+<file path=ppt/slides/slide35.xml><?xml version="1.0" encoding="utf-8"?>
 <p:sld xmlns:a="http://schemas.openxmlformats.org/drawingml/2006/main" xmlns:r="http://schemas.openxmlformats.org/officeDocument/2006/relationships" xmlns:p="http://schemas.openxmlformats.org/presentationml/2006/main">
   <p:cSld>
     <p:spTree>
@@ -14134,104 +14435,40 @@
           </a:prstGeom>
         </p:spPr>
       </p:pic>
+      <p:pic>
+        <p:nvPicPr>
+          <p:cNvPr id="6" name="Picture 5">
+            <a:extLst>
+              <a:ext uri="{FF2B5EF4-FFF2-40B4-BE49-F238E27FC236}">
+                <a16:creationId xmlns:a16="http://schemas.microsoft.com/office/drawing/2014/main" id="{DB37C585-F8C5-41FF-7B88-4FF8D1BC684D}"/>
+              </a:ext>
+            </a:extLst>
+          </p:cNvPr>
+          <p:cNvPicPr>
+            <a:picLocks noChangeAspect="1"/>
+          </p:cNvPicPr>
+          <p:nvPr/>
+        </p:nvPicPr>
+        <p:blipFill>
+          <a:blip r:embed="rId4"/>
+          <a:stretch>
+            <a:fillRect/>
+          </a:stretch>
+        </p:blipFill>
+        <p:spPr>
+          <a:xfrm>
+            <a:off x="4135812" y="1532015"/>
+            <a:ext cx="4234465" cy="4888375"/>
+          </a:xfrm>
+          <a:prstGeom prst="rect">
+            <a:avLst/>
+          </a:prstGeom>
+        </p:spPr>
+      </p:pic>
     </p:spTree>
     <p:extLst>
       <p:ext uri="{BB962C8B-B14F-4D97-AF65-F5344CB8AC3E}">
         <p14:creationId xmlns:p14="http://schemas.microsoft.com/office/powerpoint/2010/main" val="1832701451"/>
-      </p:ext>
-    </p:extLst>
-  </p:cSld>
-  <p:clrMapOvr>
-    <a:masterClrMapping/>
-  </p:clrMapOvr>
-</p:sld>
-</file>
-
-<file path=ppt/slides/slide35.xml><?xml version="1.0" encoding="utf-8"?>
-<p:sld xmlns:a="http://schemas.openxmlformats.org/drawingml/2006/main" xmlns:r="http://schemas.openxmlformats.org/officeDocument/2006/relationships" xmlns:p="http://schemas.openxmlformats.org/presentationml/2006/main">
-  <p:cSld>
-    <p:spTree>
-      <p:nvGrpSpPr>
-        <p:cNvPr id="1" name=""/>
-        <p:cNvGrpSpPr/>
-        <p:nvPr/>
-      </p:nvGrpSpPr>
-      <p:grpSpPr>
-        <a:xfrm>
-          <a:off x="0" y="0"/>
-          <a:ext cx="0" cy="0"/>
-          <a:chOff x="0" y="0"/>
-          <a:chExt cx="0" cy="0"/>
-        </a:xfrm>
-      </p:grpSpPr>
-      <p:sp>
-        <p:nvSpPr>
-          <p:cNvPr id="4" name="Title 3"/>
-          <p:cNvSpPr>
-            <a:spLocks noGrp="1"/>
-          </p:cNvSpPr>
-          <p:nvPr>
-            <p:ph type="title"/>
-          </p:nvPr>
-        </p:nvSpPr>
-        <p:spPr>
-          <a:xfrm>
-            <a:off x="466579" y="240325"/>
-            <a:ext cx="11714536" cy="441082"/>
-          </a:xfrm>
-        </p:spPr>
-        <p:txBody>
-          <a:bodyPr/>
-          <a:lstStyle/>
-          <a:p>
-            <a:r>
-              <a:rPr lang="en-US" sz="3200" dirty="0">
-                <a:latin typeface="Calibri" panose="020F0502020204030204" pitchFamily="34" charset="0"/>
-                <a:cs typeface="Calibri" panose="020F0502020204030204" pitchFamily="34" charset="0"/>
-              </a:rPr>
-              <a:t>8. Model Evaluation</a:t>
-            </a:r>
-          </a:p>
-        </p:txBody>
-      </p:sp>
-      <p:sp>
-        <p:nvSpPr>
-          <p:cNvPr id="5" name="Content Placeholder 2"/>
-          <p:cNvSpPr>
-            <a:spLocks noGrp="1"/>
-          </p:cNvSpPr>
-          <p:nvPr>
-            <p:ph idx="1"/>
-          </p:nvPr>
-        </p:nvSpPr>
-        <p:spPr>
-          <a:xfrm>
-            <a:off x="477464" y="1044421"/>
-            <a:ext cx="11714536" cy="5813579"/>
-          </a:xfrm>
-        </p:spPr>
-        <p:txBody>
-          <a:bodyPr/>
-          <a:lstStyle/>
-          <a:p>
-            <a:pPr>
-              <a:buFont typeface="Arial" panose="020B0604020202020204" pitchFamily="34" charset="0"/>
-              <a:buChar char="•"/>
-            </a:pPr>
-            <a:r>
-              <a:rPr lang="en-US" dirty="0">
-                <a:latin typeface="Calibri" panose="020F0502020204030204" pitchFamily="34" charset="0"/>
-                <a:cs typeface="Calibri" panose="020F0502020204030204" pitchFamily="34" charset="0"/>
-              </a:rPr>
-              <a:t>Use confusion matrix to understand the errors: Refer the notebook</a:t>
-            </a:r>
-          </a:p>
-        </p:txBody>
-      </p:sp>
-    </p:spTree>
-    <p:extLst>
-      <p:ext uri="{BB962C8B-B14F-4D97-AF65-F5344CB8AC3E}">
-        <p14:creationId xmlns:p14="http://schemas.microsoft.com/office/powerpoint/2010/main" val="1462006644"/>
       </p:ext>
     </p:extLst>
   </p:cSld>
@@ -14260,7 +14497,7 @@
       </p:grpSpPr>
       <p:sp>
         <p:nvSpPr>
-          <p:cNvPr id="2" name="Title 1"/>
+          <p:cNvPr id="4" name="Title 3"/>
           <p:cNvSpPr>
             <a:spLocks noGrp="1"/>
           </p:cNvSpPr>
@@ -14283,15 +14520,79 @@
                 <a:latin typeface="Calibri" panose="020F0502020204030204" pitchFamily="34" charset="0"/>
                 <a:cs typeface="Calibri" panose="020F0502020204030204" pitchFamily="34" charset="0"/>
               </a:rPr>
-              <a:t>9. Q&amp;A</a:t>
-            </a:r>
-          </a:p>
-        </p:txBody>
-      </p:sp>
+              <a:t>8. Model Evaluation</a:t>
+            </a:r>
+          </a:p>
+        </p:txBody>
+      </p:sp>
+      <p:sp>
+        <p:nvSpPr>
+          <p:cNvPr id="5" name="Content Placeholder 2"/>
+          <p:cNvSpPr>
+            <a:spLocks noGrp="1"/>
+          </p:cNvSpPr>
+          <p:nvPr>
+            <p:ph idx="1"/>
+          </p:nvPr>
+        </p:nvSpPr>
+        <p:spPr>
+          <a:xfrm>
+            <a:off x="477464" y="1044421"/>
+            <a:ext cx="11714536" cy="5813579"/>
+          </a:xfrm>
+        </p:spPr>
+        <p:txBody>
+          <a:bodyPr/>
+          <a:lstStyle/>
+          <a:p>
+            <a:pPr>
+              <a:buFont typeface="Arial" panose="020B0604020202020204" pitchFamily="34" charset="0"/>
+              <a:buChar char="•"/>
+            </a:pPr>
+            <a:r>
+              <a:rPr lang="en-US" dirty="0">
+                <a:latin typeface="Calibri" panose="020F0502020204030204" pitchFamily="34" charset="0"/>
+                <a:cs typeface="Calibri" panose="020F0502020204030204" pitchFamily="34" charset="0"/>
+              </a:rPr>
+              <a:t>Use confusion matrix to understand the errors: Refer the notebook</a:t>
+            </a:r>
+          </a:p>
+        </p:txBody>
+      </p:sp>
+      <p:pic>
+        <p:nvPicPr>
+          <p:cNvPr id="3" name="Picture 2">
+            <a:extLst>
+              <a:ext uri="{FF2B5EF4-FFF2-40B4-BE49-F238E27FC236}">
+                <a16:creationId xmlns:a16="http://schemas.microsoft.com/office/drawing/2014/main" id="{AAF7A055-63E9-801E-B9BE-670B86C2D4BE}"/>
+              </a:ext>
+            </a:extLst>
+          </p:cNvPr>
+          <p:cNvPicPr>
+            <a:picLocks noChangeAspect="1"/>
+          </p:cNvPicPr>
+          <p:nvPr/>
+        </p:nvPicPr>
+        <p:blipFill>
+          <a:blip r:embed="rId3"/>
+          <a:stretch>
+            <a:fillRect/>
+          </a:stretch>
+        </p:blipFill>
+        <p:spPr>
+          <a:xfrm>
+            <a:off x="2352252" y="1602993"/>
+            <a:ext cx="7487495" cy="5330370"/>
+          </a:xfrm>
+          <a:prstGeom prst="rect">
+            <a:avLst/>
+          </a:prstGeom>
+        </p:spPr>
+      </p:pic>
     </p:spTree>
     <p:extLst>
       <p:ext uri="{BB962C8B-B14F-4D97-AF65-F5344CB8AC3E}">
-        <p14:creationId xmlns:p14="http://schemas.microsoft.com/office/powerpoint/2010/main" val="577511265"/>
+        <p14:creationId xmlns:p14="http://schemas.microsoft.com/office/powerpoint/2010/main" val="1462006644"/>
       </p:ext>
     </p:extLst>
   </p:cSld>
@@ -14320,172 +14621,38 @@
       </p:grpSpPr>
       <p:sp>
         <p:nvSpPr>
-          <p:cNvPr id="3" name="TextBox 2"/>
-          <p:cNvSpPr txBox="1">
-            <a:spLocks noChangeArrowheads="1"/>
-          </p:cNvSpPr>
-          <p:nvPr/>
-        </p:nvSpPr>
-        <p:spPr bwMode="auto">
+          <p:cNvPr id="2" name="Title 1"/>
+          <p:cNvSpPr>
+            <a:spLocks noGrp="1"/>
+          </p:cNvSpPr>
+          <p:nvPr>
+            <p:ph type="title"/>
+          </p:nvPr>
+        </p:nvSpPr>
+        <p:spPr>
           <a:xfrm>
-            <a:off x="3870008" y="3069273"/>
-            <a:ext cx="4421187" cy="922337"/>
+            <a:off x="466579" y="240325"/>
+            <a:ext cx="11714536" cy="441082"/>
           </a:xfrm>
-          <a:prstGeom prst="rect">
-            <a:avLst/>
-          </a:prstGeom>
-          <a:noFill/>
-          <a:ln>
-            <a:noFill/>
-          </a:ln>
-          <a:extLst>
-            <a:ext uri="{909E8E84-426E-40DD-AFC4-6F175D3DCCD1}">
-              <a14:hiddenFill xmlns:a14="http://schemas.microsoft.com/office/drawing/2010/main">
-                <a:solidFill>
-                  <a:srgbClr val="FFFFFF"/>
-                </a:solidFill>
-              </a14:hiddenFill>
-            </a:ext>
-            <a:ext uri="{91240B29-F687-4F45-9708-019B960494DF}">
-              <a14:hiddenLine xmlns:a14="http://schemas.microsoft.com/office/drawing/2010/main" w="9525">
-                <a:solidFill>
-                  <a:srgbClr val="000000"/>
-                </a:solidFill>
-                <a:miter lim="800000"/>
-                <a:headEnd/>
-                <a:tailEnd/>
-              </a14:hiddenLine>
-            </a:ext>
-          </a:extLst>
         </p:spPr>
         <p:txBody>
-          <a:bodyPr>
-            <a:spAutoFit/>
-          </a:bodyPr>
-          <a:lstStyle>
-            <a:lvl1pPr>
-              <a:defRPr>
-                <a:solidFill>
-                  <a:schemeClr val="tx1"/>
-                </a:solidFill>
-                <a:latin typeface="Calibri" panose="020F0502020204030204" pitchFamily="34" charset="0"/>
-              </a:defRPr>
-            </a:lvl1pPr>
-            <a:lvl2pPr marL="742950" indent="-285750">
-              <a:defRPr>
-                <a:solidFill>
-                  <a:schemeClr val="tx1"/>
-                </a:solidFill>
-                <a:latin typeface="Calibri" panose="020F0502020204030204" pitchFamily="34" charset="0"/>
-              </a:defRPr>
-            </a:lvl2pPr>
-            <a:lvl3pPr marL="1143000" indent="-228600">
-              <a:defRPr>
-                <a:solidFill>
-                  <a:schemeClr val="tx1"/>
-                </a:solidFill>
-                <a:latin typeface="Calibri" panose="020F0502020204030204" pitchFamily="34" charset="0"/>
-              </a:defRPr>
-            </a:lvl3pPr>
-            <a:lvl4pPr marL="1600200" indent="-228600">
-              <a:defRPr>
-                <a:solidFill>
-                  <a:schemeClr val="tx1"/>
-                </a:solidFill>
-                <a:latin typeface="Calibri" panose="020F0502020204030204" pitchFamily="34" charset="0"/>
-              </a:defRPr>
-            </a:lvl4pPr>
-            <a:lvl5pPr marL="2057400" indent="-228600">
-              <a:defRPr>
-                <a:solidFill>
-                  <a:schemeClr val="tx1"/>
-                </a:solidFill>
-                <a:latin typeface="Calibri" panose="020F0502020204030204" pitchFamily="34" charset="0"/>
-              </a:defRPr>
-            </a:lvl5pPr>
-            <a:lvl6pPr marL="2514600" indent="-228600" fontAlgn="base">
-              <a:spcBef>
-                <a:spcPct val="0"/>
-              </a:spcBef>
-              <a:spcAft>
-                <a:spcPct val="0"/>
-              </a:spcAft>
-              <a:defRPr>
-                <a:solidFill>
-                  <a:schemeClr val="tx1"/>
-                </a:solidFill>
-                <a:latin typeface="Calibri" panose="020F0502020204030204" pitchFamily="34" charset="0"/>
-              </a:defRPr>
-            </a:lvl6pPr>
-            <a:lvl7pPr marL="2971800" indent="-228600" fontAlgn="base">
-              <a:spcBef>
-                <a:spcPct val="0"/>
-              </a:spcBef>
-              <a:spcAft>
-                <a:spcPct val="0"/>
-              </a:spcAft>
-              <a:defRPr>
-                <a:solidFill>
-                  <a:schemeClr val="tx1"/>
-                </a:solidFill>
-                <a:latin typeface="Calibri" panose="020F0502020204030204" pitchFamily="34" charset="0"/>
-              </a:defRPr>
-            </a:lvl7pPr>
-            <a:lvl8pPr marL="3429000" indent="-228600" fontAlgn="base">
-              <a:spcBef>
-                <a:spcPct val="0"/>
-              </a:spcBef>
-              <a:spcAft>
-                <a:spcPct val="0"/>
-              </a:spcAft>
-              <a:defRPr>
-                <a:solidFill>
-                  <a:schemeClr val="tx1"/>
-                </a:solidFill>
-                <a:latin typeface="Calibri" panose="020F0502020204030204" pitchFamily="34" charset="0"/>
-              </a:defRPr>
-            </a:lvl8pPr>
-            <a:lvl9pPr marL="3886200" indent="-228600" fontAlgn="base">
-              <a:spcBef>
-                <a:spcPct val="0"/>
-              </a:spcBef>
-              <a:spcAft>
-                <a:spcPct val="0"/>
-              </a:spcAft>
-              <a:defRPr>
-                <a:solidFill>
-                  <a:schemeClr val="tx1"/>
-                </a:solidFill>
-                <a:latin typeface="Calibri" panose="020F0502020204030204" pitchFamily="34" charset="0"/>
-              </a:defRPr>
-            </a:lvl9pPr>
-          </a:lstStyle>
-          <a:p>
-            <a:pPr eaLnBrk="1" hangingPunct="1">
-              <a:defRPr/>
-            </a:pPr>
-            <a:r>
-              <a:rPr lang="en-US" altLang="en-US" sz="5400" b="1" dirty="0">
-                <a:solidFill>
-                  <a:srgbClr val="00B0F0"/>
-                </a:solidFill>
-                <a:cs typeface="Calibri" panose="020F0502020204030204" pitchFamily="34" charset="0"/>
-              </a:rPr>
-              <a:t>THANK YOU !</a:t>
-            </a:r>
-            <a:endParaRPr lang="en-US" altLang="en-US" sz="5400" dirty="0">
-              <a:solidFill>
-                <a:srgbClr val="00B0F0"/>
-              </a:solidFill>
-              <a:cs typeface="Calibri" panose="020F0502020204030204" pitchFamily="34" charset="0"/>
-            </a:endParaRPr>
+          <a:bodyPr/>
+          <a:lstStyle/>
+          <a:p>
+            <a:r>
+              <a:rPr lang="en-US" sz="3200" dirty="0">
+                <a:latin typeface="Calibri" panose="020F0502020204030204" pitchFamily="34" charset="0"/>
+                <a:cs typeface="Calibri" panose="020F0502020204030204" pitchFamily="34" charset="0"/>
+              </a:rPr>
+              <a:t>9. Q&amp;A</a:t>
+            </a:r>
           </a:p>
         </p:txBody>
       </p:sp>
     </p:spTree>
     <p:extLst>
       <p:ext uri="{BB962C8B-B14F-4D97-AF65-F5344CB8AC3E}">
-        <p14:creationId xmlns:p14="http://schemas.microsoft.com/office/powerpoint/2010/main" val="883376971"/>
+        <p14:creationId xmlns:p14="http://schemas.microsoft.com/office/powerpoint/2010/main" val="577511265"/>
       </p:ext>
     </p:extLst>
   </p:cSld>
@@ -14514,77 +14681,172 @@
       </p:grpSpPr>
       <p:sp>
         <p:nvSpPr>
-          <p:cNvPr id="2" name="Title 1"/>
-          <p:cNvSpPr>
-            <a:spLocks noGrp="1"/>
-          </p:cNvSpPr>
-          <p:nvPr>
-            <p:ph type="title"/>
-          </p:nvPr>
-        </p:nvSpPr>
-        <p:spPr>
+          <p:cNvPr id="3" name="TextBox 2"/>
+          <p:cNvSpPr txBox="1">
+            <a:spLocks noChangeArrowheads="1"/>
+          </p:cNvSpPr>
+          <p:nvPr/>
+        </p:nvSpPr>
+        <p:spPr bwMode="auto">
           <a:xfrm>
-            <a:off x="466579" y="240325"/>
-            <a:ext cx="11714536" cy="441082"/>
-          </a:xfrm>
-        </p:spPr>
-        <p:txBody>
-          <a:bodyPr/>
-          <a:lstStyle/>
-          <a:p>
-            <a:r>
-              <a:rPr lang="en-US" sz="3200" dirty="0">
-                <a:latin typeface="Calibri" panose="020F0502020204030204" pitchFamily="34" charset="0"/>
-                <a:cs typeface="Calibri" panose="020F0502020204030204" pitchFamily="34" charset="0"/>
-              </a:rPr>
-              <a:t>Back Up Slide</a:t>
-            </a:r>
-          </a:p>
-        </p:txBody>
-      </p:sp>
-      <p:sp>
-        <p:nvSpPr>
-          <p:cNvPr id="3" name="TextBox 2">
-            <a:extLst>
-              <a:ext uri="{FF2B5EF4-FFF2-40B4-BE49-F238E27FC236}">
-                <a16:creationId xmlns:a16="http://schemas.microsoft.com/office/drawing/2014/main" id="{63D9B1F7-F9ED-41EB-A437-B8EB4C76F5DB}"/>
-              </a:ext>
-            </a:extLst>
-          </p:cNvPr>
-          <p:cNvSpPr txBox="1"/>
-          <p:nvPr/>
-        </p:nvSpPr>
-        <p:spPr>
-          <a:xfrm>
-            <a:off x="3867751" y="2921168"/>
-            <a:ext cx="4456497" cy="1015663"/>
+            <a:off x="3870008" y="3069273"/>
+            <a:ext cx="4421187" cy="922337"/>
           </a:xfrm>
           <a:prstGeom prst="rect">
             <a:avLst/>
           </a:prstGeom>
           <a:noFill/>
+          <a:ln>
+            <a:noFill/>
+          </a:ln>
+          <a:extLst>
+            <a:ext uri="{909E8E84-426E-40DD-AFC4-6F175D3DCCD1}">
+              <a14:hiddenFill xmlns:a14="http://schemas.microsoft.com/office/drawing/2010/main">
+                <a:solidFill>
+                  <a:srgbClr val="FFFFFF"/>
+                </a:solidFill>
+              </a14:hiddenFill>
+            </a:ext>
+            <a:ext uri="{91240B29-F687-4F45-9708-019B960494DF}">
+              <a14:hiddenLine xmlns:a14="http://schemas.microsoft.com/office/drawing/2010/main" w="9525">
+                <a:solidFill>
+                  <a:srgbClr val="000000"/>
+                </a:solidFill>
+                <a:miter lim="800000"/>
+                <a:headEnd/>
+                <a:tailEnd/>
+              </a14:hiddenLine>
+            </a:ext>
+          </a:extLst>
         </p:spPr>
         <p:txBody>
-          <a:bodyPr wrap="square" rtlCol="0">
+          <a:bodyPr>
             <a:spAutoFit/>
           </a:bodyPr>
-          <a:lstStyle/>
-          <a:p>
-            <a:r>
-              <a:rPr lang="en-US" sz="6000" dirty="0">
-                <a:solidFill>
-                  <a:srgbClr val="2980B9"/>
-                </a:solidFill>
-              </a:rPr>
-              <a:t>Back Up Slide</a:t>
-            </a:r>
+          <a:lstStyle>
+            <a:lvl1pPr>
+              <a:defRPr>
+                <a:solidFill>
+                  <a:schemeClr val="tx1"/>
+                </a:solidFill>
+                <a:latin typeface="Calibri" panose="020F0502020204030204" pitchFamily="34" charset="0"/>
+              </a:defRPr>
+            </a:lvl1pPr>
+            <a:lvl2pPr marL="742950" indent="-285750">
+              <a:defRPr>
+                <a:solidFill>
+                  <a:schemeClr val="tx1"/>
+                </a:solidFill>
+                <a:latin typeface="Calibri" panose="020F0502020204030204" pitchFamily="34" charset="0"/>
+              </a:defRPr>
+            </a:lvl2pPr>
+            <a:lvl3pPr marL="1143000" indent="-228600">
+              <a:defRPr>
+                <a:solidFill>
+                  <a:schemeClr val="tx1"/>
+                </a:solidFill>
+                <a:latin typeface="Calibri" panose="020F0502020204030204" pitchFamily="34" charset="0"/>
+              </a:defRPr>
+            </a:lvl3pPr>
+            <a:lvl4pPr marL="1600200" indent="-228600">
+              <a:defRPr>
+                <a:solidFill>
+                  <a:schemeClr val="tx1"/>
+                </a:solidFill>
+                <a:latin typeface="Calibri" panose="020F0502020204030204" pitchFamily="34" charset="0"/>
+              </a:defRPr>
+            </a:lvl4pPr>
+            <a:lvl5pPr marL="2057400" indent="-228600">
+              <a:defRPr>
+                <a:solidFill>
+                  <a:schemeClr val="tx1"/>
+                </a:solidFill>
+                <a:latin typeface="Calibri" panose="020F0502020204030204" pitchFamily="34" charset="0"/>
+              </a:defRPr>
+            </a:lvl5pPr>
+            <a:lvl6pPr marL="2514600" indent="-228600" fontAlgn="base">
+              <a:spcBef>
+                <a:spcPct val="0"/>
+              </a:spcBef>
+              <a:spcAft>
+                <a:spcPct val="0"/>
+              </a:spcAft>
+              <a:defRPr>
+                <a:solidFill>
+                  <a:schemeClr val="tx1"/>
+                </a:solidFill>
+                <a:latin typeface="Calibri" panose="020F0502020204030204" pitchFamily="34" charset="0"/>
+              </a:defRPr>
+            </a:lvl6pPr>
+            <a:lvl7pPr marL="2971800" indent="-228600" fontAlgn="base">
+              <a:spcBef>
+                <a:spcPct val="0"/>
+              </a:spcBef>
+              <a:spcAft>
+                <a:spcPct val="0"/>
+              </a:spcAft>
+              <a:defRPr>
+                <a:solidFill>
+                  <a:schemeClr val="tx1"/>
+                </a:solidFill>
+                <a:latin typeface="Calibri" panose="020F0502020204030204" pitchFamily="34" charset="0"/>
+              </a:defRPr>
+            </a:lvl7pPr>
+            <a:lvl8pPr marL="3429000" indent="-228600" fontAlgn="base">
+              <a:spcBef>
+                <a:spcPct val="0"/>
+              </a:spcBef>
+              <a:spcAft>
+                <a:spcPct val="0"/>
+              </a:spcAft>
+              <a:defRPr>
+                <a:solidFill>
+                  <a:schemeClr val="tx1"/>
+                </a:solidFill>
+                <a:latin typeface="Calibri" panose="020F0502020204030204" pitchFamily="34" charset="0"/>
+              </a:defRPr>
+            </a:lvl8pPr>
+            <a:lvl9pPr marL="3886200" indent="-228600" fontAlgn="base">
+              <a:spcBef>
+                <a:spcPct val="0"/>
+              </a:spcBef>
+              <a:spcAft>
+                <a:spcPct val="0"/>
+              </a:spcAft>
+              <a:defRPr>
+                <a:solidFill>
+                  <a:schemeClr val="tx1"/>
+                </a:solidFill>
+                <a:latin typeface="Calibri" panose="020F0502020204030204" pitchFamily="34" charset="0"/>
+              </a:defRPr>
+            </a:lvl9pPr>
+          </a:lstStyle>
+          <a:p>
+            <a:pPr eaLnBrk="1" hangingPunct="1">
+              <a:defRPr/>
+            </a:pPr>
+            <a:r>
+              <a:rPr lang="en-US" altLang="en-US" sz="5400" b="1" dirty="0">
+                <a:solidFill>
+                  <a:srgbClr val="00B0F0"/>
+                </a:solidFill>
+                <a:cs typeface="Calibri" panose="020F0502020204030204" pitchFamily="34" charset="0"/>
+              </a:rPr>
+              <a:t>THANK YOU !</a:t>
+            </a:r>
+            <a:endParaRPr lang="en-US" altLang="en-US" sz="5400" dirty="0">
+              <a:solidFill>
+                <a:srgbClr val="00B0F0"/>
+              </a:solidFill>
+              <a:cs typeface="Calibri" panose="020F0502020204030204" pitchFamily="34" charset="0"/>
+            </a:endParaRPr>
           </a:p>
         </p:txBody>
       </p:sp>
     </p:spTree>
     <p:extLst>
       <p:ext uri="{BB962C8B-B14F-4D97-AF65-F5344CB8AC3E}">
-        <p14:creationId xmlns:p14="http://schemas.microsoft.com/office/powerpoint/2010/main" val="2499661400"/>
+        <p14:creationId xmlns:p14="http://schemas.microsoft.com/office/powerpoint/2010/main" val="883376971"/>
       </p:ext>
     </p:extLst>
   </p:cSld>
@@ -14613,7 +14875,7 @@
       </p:grpSpPr>
       <p:sp>
         <p:nvSpPr>
-          <p:cNvPr id="4" name="Title 3"/>
+          <p:cNvPr id="2" name="Title 1"/>
           <p:cNvSpPr>
             <a:spLocks noGrp="1"/>
           </p:cNvSpPr>
@@ -14636,164 +14898,54 @@
                 <a:latin typeface="Calibri" panose="020F0502020204030204" pitchFamily="34" charset="0"/>
                 <a:cs typeface="Calibri" panose="020F0502020204030204" pitchFamily="34" charset="0"/>
               </a:rPr>
-              <a:t>Classification vs Sentiment Analysis</a:t>
-            </a:r>
-          </a:p>
-        </p:txBody>
-      </p:sp>
-      <p:sp>
-        <p:nvSpPr>
-          <p:cNvPr id="5" name="Content Placeholder 2"/>
-          <p:cNvSpPr>
-            <a:spLocks noGrp="1"/>
-          </p:cNvSpPr>
-          <p:nvPr>
-            <p:ph idx="1"/>
-          </p:nvPr>
+              <a:t>Back Up Slide</a:t>
+            </a:r>
+          </a:p>
+        </p:txBody>
+      </p:sp>
+      <p:sp>
+        <p:nvSpPr>
+          <p:cNvPr id="3" name="TextBox 2">
+            <a:extLst>
+              <a:ext uri="{FF2B5EF4-FFF2-40B4-BE49-F238E27FC236}">
+                <a16:creationId xmlns:a16="http://schemas.microsoft.com/office/drawing/2014/main" id="{63D9B1F7-F9ED-41EB-A437-B8EB4C76F5DB}"/>
+              </a:ext>
+            </a:extLst>
+          </p:cNvPr>
+          <p:cNvSpPr txBox="1"/>
+          <p:nvPr/>
         </p:nvSpPr>
         <p:spPr>
           <a:xfrm>
-            <a:off x="477464" y="1044421"/>
-            <a:ext cx="11714536" cy="5813579"/>
+            <a:off x="3867751" y="2921168"/>
+            <a:ext cx="4456497" cy="1015663"/>
           </a:xfrm>
+          <a:prstGeom prst="rect">
+            <a:avLst/>
+          </a:prstGeom>
+          <a:noFill/>
         </p:spPr>
         <p:txBody>
-          <a:bodyPr/>
-          <a:lstStyle/>
-          <a:p>
-            <a:pPr>
-              <a:buFont typeface="Arial" panose="020B0604020202020204" pitchFamily="34" charset="0"/>
-              <a:buChar char="•"/>
-            </a:pPr>
-            <a:r>
-              <a:rPr lang="en-US" b="1" i="0" dirty="0">
-                <a:solidFill>
-                  <a:srgbClr val="282829"/>
-                </a:solidFill>
-                <a:effectLst/>
-                <a:latin typeface="Calibri" panose="020F0502020204030204" pitchFamily="34" charset="0"/>
-                <a:cs typeface="Calibri" panose="020F0502020204030204" pitchFamily="34" charset="0"/>
-              </a:rPr>
-              <a:t>Classification</a:t>
-            </a:r>
-            <a:r>
-              <a:rPr lang="en-US" b="0" i="0" dirty="0">
-                <a:solidFill>
-                  <a:srgbClr val="282829"/>
-                </a:solidFill>
-                <a:effectLst/>
-                <a:latin typeface="Calibri" panose="020F0502020204030204" pitchFamily="34" charset="0"/>
-                <a:cs typeface="Calibri" panose="020F0502020204030204" pitchFamily="34" charset="0"/>
-              </a:rPr>
-              <a:t> - Classification is a type of supervised learning where the goal is to predict the </a:t>
-            </a:r>
-            <a:r>
-              <a:rPr lang="en-US" b="0" i="0" dirty="0">
-                <a:solidFill>
-                  <a:srgbClr val="FF0000"/>
-                </a:solidFill>
-                <a:effectLst/>
-                <a:latin typeface="Calibri" panose="020F0502020204030204" pitchFamily="34" charset="0"/>
-                <a:cs typeface="Calibri" panose="020F0502020204030204" pitchFamily="34" charset="0"/>
-              </a:rPr>
-              <a:t>categorical class labels </a:t>
-            </a:r>
-            <a:r>
-              <a:rPr lang="en-US" b="0" i="0" dirty="0">
-                <a:solidFill>
-                  <a:srgbClr val="282829"/>
-                </a:solidFill>
-                <a:effectLst/>
-                <a:latin typeface="Calibri" panose="020F0502020204030204" pitchFamily="34" charset="0"/>
-                <a:cs typeface="Calibri" panose="020F0502020204030204" pitchFamily="34" charset="0"/>
-              </a:rPr>
-              <a:t>of new instances based on past observations. It involves assigning inputs to one of several predefined categories.</a:t>
-            </a:r>
-          </a:p>
-          <a:p>
-            <a:pPr>
-              <a:buFont typeface="Arial" panose="020B0604020202020204" pitchFamily="34" charset="0"/>
-              <a:buChar char="•"/>
-            </a:pPr>
-            <a:r>
-              <a:rPr lang="en-US" sz="2400" b="1" i="0" dirty="0">
-                <a:solidFill>
-                  <a:srgbClr val="282829"/>
-                </a:solidFill>
-                <a:effectLst/>
-                <a:latin typeface="Calibri" panose="020F0502020204030204" pitchFamily="34" charset="0"/>
-                <a:cs typeface="Calibri" panose="020F0502020204030204" pitchFamily="34" charset="0"/>
-              </a:rPr>
-              <a:t>Sentiment </a:t>
-            </a:r>
-            <a:r>
-              <a:rPr lang="en-US" b="1" dirty="0">
-                <a:solidFill>
-                  <a:srgbClr val="282829"/>
-                </a:solidFill>
-                <a:latin typeface="Calibri" panose="020F0502020204030204" pitchFamily="34" charset="0"/>
-                <a:cs typeface="Calibri" panose="020F0502020204030204" pitchFamily="34" charset="0"/>
-              </a:rPr>
-              <a:t>A</a:t>
-            </a:r>
-            <a:r>
-              <a:rPr lang="en-US" sz="2400" b="1" i="0" dirty="0">
-                <a:solidFill>
-                  <a:srgbClr val="282829"/>
-                </a:solidFill>
-                <a:effectLst/>
-                <a:latin typeface="Calibri" panose="020F0502020204030204" pitchFamily="34" charset="0"/>
-                <a:cs typeface="Calibri" panose="020F0502020204030204" pitchFamily="34" charset="0"/>
-              </a:rPr>
-              <a:t>nalysis</a:t>
-            </a:r>
-            <a:r>
-              <a:rPr lang="en-US" sz="2400" b="0" i="0" dirty="0">
-                <a:solidFill>
-                  <a:srgbClr val="282829"/>
-                </a:solidFill>
-                <a:effectLst/>
-                <a:latin typeface="Calibri" panose="020F0502020204030204" pitchFamily="34" charset="0"/>
-                <a:cs typeface="Calibri" panose="020F0502020204030204" pitchFamily="34" charset="0"/>
-              </a:rPr>
-              <a:t> - Sentiment analysis is a subfield of natural language processing (NLP) focused on determining the </a:t>
-            </a:r>
-            <a:r>
-              <a:rPr lang="en-US" sz="2400" b="0" i="0" dirty="0">
-                <a:solidFill>
-                  <a:srgbClr val="FF0000"/>
-                </a:solidFill>
-                <a:effectLst/>
-                <a:latin typeface="Calibri" panose="020F0502020204030204" pitchFamily="34" charset="0"/>
-                <a:cs typeface="Calibri" panose="020F0502020204030204" pitchFamily="34" charset="0"/>
-              </a:rPr>
-              <a:t>sentiment expressed in text</a:t>
-            </a:r>
-            <a:r>
-              <a:rPr lang="en-US" sz="2400" b="0" i="0" dirty="0">
-                <a:solidFill>
-                  <a:srgbClr val="282829"/>
-                </a:solidFill>
-                <a:effectLst/>
-                <a:latin typeface="Calibri" panose="020F0502020204030204" pitchFamily="34" charset="0"/>
-                <a:cs typeface="Calibri" panose="020F0502020204030204" pitchFamily="34" charset="0"/>
-              </a:rPr>
-              <a:t>. It typically involves classifying text into categories such as 'positive', 'negative', or 'neutral'.</a:t>
-            </a:r>
-            <a:endParaRPr lang="en-US" sz="3200" dirty="0">
-              <a:solidFill>
-                <a:srgbClr val="282829"/>
-              </a:solidFill>
-              <a:latin typeface="Calibri" panose="020F0502020204030204" pitchFamily="34" charset="0"/>
-              <a:cs typeface="Calibri" panose="020F0502020204030204" pitchFamily="34" charset="0"/>
-            </a:endParaRPr>
+          <a:bodyPr wrap="square" rtlCol="0">
+            <a:spAutoFit/>
+          </a:bodyPr>
+          <a:lstStyle/>
+          <a:p>
+            <a:r>
+              <a:rPr lang="en-US" sz="6000" dirty="0">
+                <a:solidFill>
+                  <a:srgbClr val="2980B9"/>
+                </a:solidFill>
+              </a:rPr>
+              <a:t>Back Up Slide</a:t>
+            </a:r>
           </a:p>
         </p:txBody>
       </p:sp>
     </p:spTree>
     <p:extLst>
       <p:ext uri="{BB962C8B-B14F-4D97-AF65-F5344CB8AC3E}">
-        <p14:creationId xmlns:p14="http://schemas.microsoft.com/office/powerpoint/2010/main" val="650466616"/>
+        <p14:creationId xmlns:p14="http://schemas.microsoft.com/office/powerpoint/2010/main" val="2499661400"/>
       </p:ext>
     </p:extLst>
   </p:cSld>
@@ -15011,7 +15163,7 @@
               <a:buChar char="•"/>
             </a:pPr>
             <a:r>
-              <a:rPr lang="en-US" sz="2400" b="1" i="0" dirty="0">
+              <a:rPr lang="en-US" b="1" i="0" dirty="0">
                 <a:solidFill>
                   <a:srgbClr val="282829"/>
                 </a:solidFill>
@@ -15022,7 +15174,7 @@
               <a:t>Classification</a:t>
             </a:r>
             <a:r>
-              <a:rPr lang="en-US" sz="2400" b="0" i="0" dirty="0">
+              <a:rPr lang="en-US" b="0" i="0" dirty="0">
                 <a:solidFill>
                   <a:srgbClr val="282829"/>
                 </a:solidFill>
@@ -15030,7 +15182,29 @@
                 <a:latin typeface="Calibri" panose="020F0502020204030204" pitchFamily="34" charset="0"/>
                 <a:cs typeface="Calibri" panose="020F0502020204030204" pitchFamily="34" charset="0"/>
               </a:rPr>
-              <a:t>: This is a broad category in machine learning that involves categorizing data into predefined labels or classes. It can be applied to various types of data such as text, images, numerical data, etc. The primary goal is to predict the category to which a new observation belongs based on a model trained on labeled data.</a:t>
+              <a:t> - Classification is a type of supervised learning where the goal is to predict the </a:t>
+            </a:r>
+            <a:r>
+              <a:rPr lang="en-US" b="0" i="0" dirty="0">
+                <a:solidFill>
+                  <a:srgbClr val="FF0000"/>
+                </a:solidFill>
+                <a:effectLst/>
+                <a:latin typeface="Calibri" panose="020F0502020204030204" pitchFamily="34" charset="0"/>
+                <a:cs typeface="Calibri" panose="020F0502020204030204" pitchFamily="34" charset="0"/>
+              </a:rPr>
+              <a:t>categorical class labels </a:t>
+            </a:r>
+            <a:r>
+              <a:rPr lang="en-US" b="0" i="0" dirty="0">
+                <a:solidFill>
+                  <a:srgbClr val="282829"/>
+                </a:solidFill>
+                <a:effectLst/>
+                <a:latin typeface="Calibri" panose="020F0502020204030204" pitchFamily="34" charset="0"/>
+                <a:cs typeface="Calibri" panose="020F0502020204030204" pitchFamily="34" charset="0"/>
+              </a:rPr>
+              <a:t>of new instances based on past observations. It involves assigning inputs to one of several predefined categories.</a:t>
             </a:r>
           </a:p>
           <a:p>
@@ -15047,7 +15221,28 @@
                 <a:latin typeface="Calibri" panose="020F0502020204030204" pitchFamily="34" charset="0"/>
                 <a:cs typeface="Calibri" panose="020F0502020204030204" pitchFamily="34" charset="0"/>
               </a:rPr>
-              <a:t>Sentiment Analysis</a:t>
+              <a:t>Sentiment </a:t>
+            </a:r>
+            <a:r>
+              <a:rPr lang="en-US" b="1" dirty="0">
+                <a:solidFill>
+                  <a:srgbClr val="282829"/>
+                </a:solidFill>
+                <a:latin typeface="Calibri" panose="020F0502020204030204" pitchFamily="34" charset="0"/>
+                <a:cs typeface="Calibri" panose="020F0502020204030204" pitchFamily="34" charset="0"/>
+              </a:rPr>
+              <a:t>A</a:t>
+            </a:r>
+            <a:r>
+              <a:rPr lang="en-US" sz="2400" b="1" i="0" dirty="0">
+                <a:solidFill>
+                  <a:srgbClr val="282829"/>
+                </a:solidFill>
+                <a:effectLst/>
+                <a:latin typeface="Calibri" panose="020F0502020204030204" pitchFamily="34" charset="0"/>
+                <a:cs typeface="Calibri" panose="020F0502020204030204" pitchFamily="34" charset="0"/>
+              </a:rPr>
+              <a:t>nalysis</a:t>
             </a:r>
             <a:r>
               <a:rPr lang="en-US" sz="2400" b="0" i="0" dirty="0">
@@ -15058,7 +15253,29 @@
                 <a:latin typeface="Calibri" panose="020F0502020204030204" pitchFamily="34" charset="0"/>
                 <a:cs typeface="Calibri" panose="020F0502020204030204" pitchFamily="34" charset="0"/>
               </a:rPr>
-              <a:t>: This is a specialized type of classification specifically focused on text data. The goal is to determine the sentiment expressed in the text, typically categorizing it as positive, negative, or neutral. It deals primarily with understanding emotions, opinions, and attitudes conveyed in written language.</a:t>
+              <a:t> - Sentiment analysis is a subfield of natural language processing (NLP) focused on determining the </a:t>
+            </a:r>
+            <a:r>
+              <a:rPr lang="en-US" sz="2400" b="0" i="0" dirty="0">
+                <a:solidFill>
+                  <a:srgbClr val="FF0000"/>
+                </a:solidFill>
+                <a:effectLst/>
+                <a:latin typeface="Calibri" panose="020F0502020204030204" pitchFamily="34" charset="0"/>
+                <a:cs typeface="Calibri" panose="020F0502020204030204" pitchFamily="34" charset="0"/>
+              </a:rPr>
+              <a:t>sentiment expressed in text</a:t>
+            </a:r>
+            <a:r>
+              <a:rPr lang="en-US" sz="2400" b="0" i="0" dirty="0">
+                <a:solidFill>
+                  <a:srgbClr val="282829"/>
+                </a:solidFill>
+                <a:effectLst/>
+                <a:latin typeface="Calibri" panose="020F0502020204030204" pitchFamily="34" charset="0"/>
+                <a:cs typeface="Calibri" panose="020F0502020204030204" pitchFamily="34" charset="0"/>
+              </a:rPr>
+              <a:t>. It typically involves classifying text into categories such as 'positive', 'negative', or 'neutral'.</a:t>
             </a:r>
             <a:endParaRPr lang="en-US" sz="3200" dirty="0">
               <a:solidFill>
@@ -15073,7 +15290,7 @@
     </p:spTree>
     <p:extLst>
       <p:ext uri="{BB962C8B-B14F-4D97-AF65-F5344CB8AC3E}">
-        <p14:creationId xmlns:p14="http://schemas.microsoft.com/office/powerpoint/2010/main" val="2850094819"/>
+        <p14:creationId xmlns:p14="http://schemas.microsoft.com/office/powerpoint/2010/main" val="650466616"/>
       </p:ext>
     </p:extLst>
   </p:cSld>
@@ -15174,7 +15391,7 @@
                 <a:latin typeface="Calibri" panose="020F0502020204030204" pitchFamily="34" charset="0"/>
                 <a:cs typeface="Calibri" panose="020F0502020204030204" pitchFamily="34" charset="0"/>
               </a:rPr>
-              <a:t>: General task of assigning inputs to categories; applicable to various data types and domains.</a:t>
+              <a:t>: This is a broad category in machine learning that involves categorizing data into predefined labels or classes. It can be applied to various types of data such as text, images, numerical data, etc. The primary goal is to predict the category to which a new observation belongs based on a model trained on labeled data.</a:t>
             </a:r>
           </a:p>
           <a:p>
@@ -15202,7 +15419,7 @@
                 <a:latin typeface="Calibri" panose="020F0502020204030204" pitchFamily="34" charset="0"/>
                 <a:cs typeface="Calibri" panose="020F0502020204030204" pitchFamily="34" charset="0"/>
               </a:rPr>
-              <a:t>: Specialized form of classification focused on determining sentiment in textual data.</a:t>
+              <a:t>: This is a specialized type of classification specifically focused on text data. The goal is to determine the sentiment expressed in the text, typically categorizing it as positive, negative, or neutral. It deals primarily with understanding emotions, opinions, and attitudes conveyed in written language.</a:t>
             </a:r>
             <a:endParaRPr lang="en-US" sz="3200" dirty="0">
               <a:solidFill>
@@ -15217,7 +15434,7 @@
     </p:spTree>
     <p:extLst>
       <p:ext uri="{BB962C8B-B14F-4D97-AF65-F5344CB8AC3E}">
-        <p14:creationId xmlns:p14="http://schemas.microsoft.com/office/powerpoint/2010/main" val="580634757"/>
+        <p14:creationId xmlns:p14="http://schemas.microsoft.com/office/powerpoint/2010/main" val="2850094819"/>
       </p:ext>
     </p:extLst>
   </p:cSld>
@@ -15269,6 +15486,150 @@
                 <a:latin typeface="Calibri" panose="020F0502020204030204" pitchFamily="34" charset="0"/>
                 <a:cs typeface="Calibri" panose="020F0502020204030204" pitchFamily="34" charset="0"/>
               </a:rPr>
+              <a:t>Classification vs Sentiment Analysis</a:t>
+            </a:r>
+          </a:p>
+        </p:txBody>
+      </p:sp>
+      <p:sp>
+        <p:nvSpPr>
+          <p:cNvPr id="5" name="Content Placeholder 2"/>
+          <p:cNvSpPr>
+            <a:spLocks noGrp="1"/>
+          </p:cNvSpPr>
+          <p:nvPr>
+            <p:ph idx="1"/>
+          </p:nvPr>
+        </p:nvSpPr>
+        <p:spPr>
+          <a:xfrm>
+            <a:off x="477464" y="1044421"/>
+            <a:ext cx="11714536" cy="5813579"/>
+          </a:xfrm>
+        </p:spPr>
+        <p:txBody>
+          <a:bodyPr/>
+          <a:lstStyle/>
+          <a:p>
+            <a:pPr>
+              <a:buFont typeface="Arial" panose="020B0604020202020204" pitchFamily="34" charset="0"/>
+              <a:buChar char="•"/>
+            </a:pPr>
+            <a:r>
+              <a:rPr lang="en-US" sz="2400" b="1" i="0" dirty="0">
+                <a:solidFill>
+                  <a:srgbClr val="282829"/>
+                </a:solidFill>
+                <a:effectLst/>
+                <a:latin typeface="Calibri" panose="020F0502020204030204" pitchFamily="34" charset="0"/>
+                <a:cs typeface="Calibri" panose="020F0502020204030204" pitchFamily="34" charset="0"/>
+              </a:rPr>
+              <a:t>Classification</a:t>
+            </a:r>
+            <a:r>
+              <a:rPr lang="en-US" sz="2400" b="0" i="0" dirty="0">
+                <a:solidFill>
+                  <a:srgbClr val="282829"/>
+                </a:solidFill>
+                <a:effectLst/>
+                <a:latin typeface="Calibri" panose="020F0502020204030204" pitchFamily="34" charset="0"/>
+                <a:cs typeface="Calibri" panose="020F0502020204030204" pitchFamily="34" charset="0"/>
+              </a:rPr>
+              <a:t>: General task of assigning inputs to categories; applicable to various data types and domains.</a:t>
+            </a:r>
+          </a:p>
+          <a:p>
+            <a:pPr>
+              <a:buFont typeface="Arial" panose="020B0604020202020204" pitchFamily="34" charset="0"/>
+              <a:buChar char="•"/>
+            </a:pPr>
+            <a:r>
+              <a:rPr lang="en-US" sz="2400" b="1" i="0" dirty="0">
+                <a:solidFill>
+                  <a:srgbClr val="282829"/>
+                </a:solidFill>
+                <a:effectLst/>
+                <a:latin typeface="Calibri" panose="020F0502020204030204" pitchFamily="34" charset="0"/>
+                <a:cs typeface="Calibri" panose="020F0502020204030204" pitchFamily="34" charset="0"/>
+              </a:rPr>
+              <a:t>Sentiment Analysis</a:t>
+            </a:r>
+            <a:r>
+              <a:rPr lang="en-US" sz="2400" b="0" i="0" dirty="0">
+                <a:solidFill>
+                  <a:srgbClr val="282829"/>
+                </a:solidFill>
+                <a:effectLst/>
+                <a:latin typeface="Calibri" panose="020F0502020204030204" pitchFamily="34" charset="0"/>
+                <a:cs typeface="Calibri" panose="020F0502020204030204" pitchFamily="34" charset="0"/>
+              </a:rPr>
+              <a:t>: Specialized form of classification focused on determining sentiment in textual data.</a:t>
+            </a:r>
+            <a:endParaRPr lang="en-US" sz="3200" dirty="0">
+              <a:solidFill>
+                <a:srgbClr val="282829"/>
+              </a:solidFill>
+              <a:latin typeface="Calibri" panose="020F0502020204030204" pitchFamily="34" charset="0"/>
+              <a:cs typeface="Calibri" panose="020F0502020204030204" pitchFamily="34" charset="0"/>
+            </a:endParaRPr>
+          </a:p>
+        </p:txBody>
+      </p:sp>
+    </p:spTree>
+    <p:extLst>
+      <p:ext uri="{BB962C8B-B14F-4D97-AF65-F5344CB8AC3E}">
+        <p14:creationId xmlns:p14="http://schemas.microsoft.com/office/powerpoint/2010/main" val="580634757"/>
+      </p:ext>
+    </p:extLst>
+  </p:cSld>
+  <p:clrMapOvr>
+    <a:masterClrMapping/>
+  </p:clrMapOvr>
+</p:sld>
+</file>
+
+<file path=ppt/slides/slide43.xml><?xml version="1.0" encoding="utf-8"?>
+<p:sld xmlns:a="http://schemas.openxmlformats.org/drawingml/2006/main" xmlns:r="http://schemas.openxmlformats.org/officeDocument/2006/relationships" xmlns:p="http://schemas.openxmlformats.org/presentationml/2006/main">
+  <p:cSld>
+    <p:spTree>
+      <p:nvGrpSpPr>
+        <p:cNvPr id="1" name=""/>
+        <p:cNvGrpSpPr/>
+        <p:nvPr/>
+      </p:nvGrpSpPr>
+      <p:grpSpPr>
+        <a:xfrm>
+          <a:off x="0" y="0"/>
+          <a:ext cx="0" cy="0"/>
+          <a:chOff x="0" y="0"/>
+          <a:chExt cx="0" cy="0"/>
+        </a:xfrm>
+      </p:grpSpPr>
+      <p:sp>
+        <p:nvSpPr>
+          <p:cNvPr id="4" name="Title 3"/>
+          <p:cNvSpPr>
+            <a:spLocks noGrp="1"/>
+          </p:cNvSpPr>
+          <p:nvPr>
+            <p:ph type="title"/>
+          </p:nvPr>
+        </p:nvSpPr>
+        <p:spPr>
+          <a:xfrm>
+            <a:off x="466579" y="240325"/>
+            <a:ext cx="11714536" cy="441082"/>
+          </a:xfrm>
+        </p:spPr>
+        <p:txBody>
+          <a:bodyPr/>
+          <a:lstStyle/>
+          <a:p>
+            <a:r>
+              <a:rPr lang="en-US" sz="3200" dirty="0">
+                <a:latin typeface="Calibri" panose="020F0502020204030204" pitchFamily="34" charset="0"/>
+                <a:cs typeface="Calibri" panose="020F0502020204030204" pitchFamily="34" charset="0"/>
+              </a:rPr>
               <a:t>Classification vs Sentiment analysis</a:t>
             </a:r>
           </a:p>
@@ -15405,7 +15766,7 @@
 </p:sld>
 </file>
 
-<file path=ppt/slides/slide43.xml><?xml version="1.0" encoding="utf-8"?>
+<file path=ppt/slides/slide44.xml><?xml version="1.0" encoding="utf-8"?>
 <p:sld xmlns:a="http://schemas.openxmlformats.org/drawingml/2006/main" xmlns:r="http://schemas.openxmlformats.org/officeDocument/2006/relationships" xmlns:p="http://schemas.openxmlformats.org/presentationml/2006/main">
   <p:cSld>
     <p:spTree>
@@ -15512,7 +15873,7 @@
 </p:sld>
 </file>
 
-<file path=ppt/slides/slide44.xml><?xml version="1.0" encoding="utf-8"?>
+<file path=ppt/slides/slide45.xml><?xml version="1.0" encoding="utf-8"?>
 <p:sld xmlns:a="http://schemas.openxmlformats.org/drawingml/2006/main" xmlns:r="http://schemas.openxmlformats.org/officeDocument/2006/relationships" xmlns:p="http://schemas.openxmlformats.org/presentationml/2006/main">
   <p:cSld>
     <p:spTree>
@@ -15904,7 +16265,7 @@
 </p:sld>
 </file>
 
-<file path=ppt/slides/slide45.xml><?xml version="1.0" encoding="utf-8"?>
+<file path=ppt/slides/slide46.xml><?xml version="1.0" encoding="utf-8"?>
 <p:sld xmlns:a="http://schemas.openxmlformats.org/drawingml/2006/main" xmlns:r="http://schemas.openxmlformats.org/officeDocument/2006/relationships" xmlns:p="http://schemas.openxmlformats.org/presentationml/2006/main">
   <p:cSld>
     <p:spTree>
